--- a/Notes/Selenium_Intro.pptx
+++ b/Notes/Selenium_Intro.pptx
@@ -114,6 +114,11 @@
       </a:defRPr>
     </a:lvl9pPr>
   </p:defaultTextStyle>
+  <p:extLst>
+    <p:ext uri="{EFAFB233-063F-42B5-8137-9DF3F51BA10A}">
+      <p15:sldGuideLst xmlns:p15="http://schemas.microsoft.com/office/powerpoint/2012/main"/>
+    </p:ext>
+  </p:extLst>
 </p:presentation>
 </file>
 
@@ -147,7 +152,7 @@
     </inkml:brush>
   </inkml:definitions>
   <inkml:trace contextRef="#ctx0" brushRef="#br0">1651 762 0,'-21'0'31,"0"0"-15,42 0 31,21 0-32,-21 0-15,22 0 0,20 0 16,-21 0-16,22 0 0,21 0 0,-22 0 16,22 0-16,-1-21 0,22 21 15,-21 0-15,21 0 0,-22-21 0,1 21 16,0 0-16,-1 0 0,-20-21 15,-1 21-15,1 0 0,-22 0 0,1 0 16,-1 0-16,-21 0 0,0 0 16,0 0-16,-42 0 31,0 0-31,0 0 16,0 0-16,-22 21 0,1-21 0,0 21 15,-1-21-15,1 0 0,0 21 16,-1-21-16,-20 0 0,21 21 0,-1-21 15</inkml:trace>
-  <inkml:trace contextRef="#ctx0" brushRef="#br0" timeOffset="464.73">2349 826 0,'0'0'0,"-21"0"16,0 0 0,0 0-1,21 21 32,0 0-47,0 0 16,0 0-16,0 22 0,0-22 0,0 21 15,0-21-15,0 22 0,0-1 16,0 0-16,0 1 0,0 20 0,0-21 16,21 1-16,0-1 0,-21 22 15,21-22-15,-21 0 0,22 1 0,-22-1 16,21 21-16,-21-20 0,0-1 15,0-21-15,0 22 0,0-1 16,0-21-16,0 21 0,0-20 0,0 20 16,0-21-16,-21 0 0,-1 0 15,1 1-15,0-1 0,0-21 0,-21 21 16,-1-21-16,1 0 0,0 0 16,-1 0-16,1 0 0,-22 0 0,22 0 15,0 0-15,-22 0 0,22 0 16,-22-21-16,22 21 0,0-21 0,-1 21 15,1-22-15,21 1 0,-21 21 16,20-21-16,1 0 16,21 0-1,21 21 1,-21-21-16,22-1 0,20 22 0,-21-21 16,0 21-16,22-21 0</inkml:trace>
+  <inkml:trace contextRef="#ctx0" brushRef="#br0" timeOffset="464.72">2349 826 0,'0'0'0,"-21"0"16,0 0 0,0 0-1,21 21 32,0 0-47,0 0 16,0 0-16,0 22 0,0-22 0,0 21 15,0-21-15,0 22 0,0-1 16,0 0-16,0 1 0,0 20 0,0-21 16,21 1-16,0-1 0,-21 22 15,21-22-15,-21 0 0,22 1 0,-22-1 16,21 21-16,-21-20 0,0-1 15,0-21-15,0 22 0,0-1 16,0-21-16,0 21 0,0-20 0,0 20 16,0-21-16,-21 0 0,-1 0 15,1 1-15,0-1 0,0-21 0,-21 21 16,-1-21-16,1 0 0,0 0 16,-1 0-16,1 0 0,-22 0 0,22 0 15,0 0-15,-22 0 0,22 0 16,-22-21-16,22 21 0,0-21 0,-1 21 15,1-22-15,21 1 0,-21 21 16,20-21-16,1 0 16,21 0-1,21 21 1,-21-21-16,22-1 0,20 22 0,-21-21 16,0 21-16,22-21 0</inkml:trace>
   <inkml:trace contextRef="#ctx0" brushRef="#br0" timeOffset="1103.41">3111 1630 0,'0'0'0,"0"-21"0,0 0 0,-21-1 15,0 22-15,0-21 0,0 21 16,21-21-16,-21 0 0,-1 0 0,1 21 16,0-21-16,0 21 0,0 0 15,0 0-15,-1 0 0,1 0 0,0 0 16,0 0-16,0 0 0,0 0 16,-1 21-16,1 0 0,0 0 0,0 0 15,0 22-15,21-22 0,-21 21 0,-1 0 16,1 1-16,21-1 0,0 0 15,-21 1-15,21-1 0,0 0 0,0-20 16,0 20-16,0-21 16,0 0-16,0 0 0,0 1 0,21-1 15,0-21-15,1 21 0,-1-21 16,0 0-16,0 0 0,0 0 16,0-21-16,1 0 0,20 21 0,-21-22 15,0 1-15,0 0 0,1-21 16,-1 21-16,0-22 0,0 22 0,0-21 15,-21-1-15,21 1 0,1 21 0,-22-21 16,0-1-16,0 22 0,0 0 16,21 0-16,-21 0 0,0-1 0,0 1 15,0 42 17,0 1-32,0-1 15,0 0-15,0 21 0,0-21 16,0 22-16,0-22 0,0 21 0,0-21 15,0 22-15,0-22 0,0 0 16,21 0-16,-21 0 0,0 1 0,0-1 16,0 0-16,0 0 0,21-21 0,0 21 15,0-21 1,1 0-16,-1-21 16,0 21-16,-21-21 0,21 0 0,0 0 15,0-1-15</inkml:trace>
   <inkml:trace contextRef="#ctx0" brushRef="#br0" timeOffset="1527.36">3429 1524 0,'0'0'0,"0"-21"0,0 0 16,0 42 15,0 0-31,21 0 0,-21 0 16,21 1-16,-21 20 0,0-21 0,0 21 15,21-20-15,-21 20 0,22-21 16,-22 21-16,0-20 0,0-1 0,21 0 16,-21 0-16,21 0 0,-21 0 0,21 1 15,-21-1 1,21-21-16,0 0 16,1-21-16,-1 21 15,0-22-15,-21 1 0,21 0 16,0-21-16,-21 21 0,21-22 0,1 22 15,-1-21-15,0-1 0,-21 1 0,21 21 16,0-21-16,0 20 0,1 1 16,-1 0-16,0 0 0,-21 0 0,0 0 15,21 21-15,0-22 0,0 22 47,1 0-31,-22 22-1,21-22-15,0 21 16</inkml:trace>
   <inkml:trace contextRef="#ctx0" brushRef="#br0" timeOffset="2211.29">4445 1715 0,'21'0'0,"21"0"16,-20-22 0,-1 1-1,-21 0-15,21 0 0,-21 0 16,21 21-16,-21-21 0,0-1 16,0 1-16,0 0 0,0 0 15,0 0-15,-21 21 0,0-21 16,0 21-16,-1 0 15,1 0-15,0 0 0,0 0 16,-21 21-16,20 0 0,1 0 0,-21 0 16,21 0-16,-22 22 15,22-22-15,0 21 0,0 1 0,0-22 16,0 21-16,-1 0 0,22-20 0,0 20 16,0-21-16,0 0 0,0 0 15,0 1-15,0-1 0,0 0 0,0 0 16,22-21-16,-1 0 0,0 0 15,0 0-15,0 0 0,0 0 16,22 0-16,-22-21 0,0 0 0,21 21 16,-20-21-16,20-1 0,-21 1 15,0 0-15,22 0 0,-22-21 0,0 20 16,0-20-16,0 21 0,0-21 16,1-1-16,-22 1 0,0 21 15,21-22-15,-21 22 0,0 0 0,0 0 16,0 0-16,0 0 15,-21 42 1,21 0-16,-22 0 16,22 21-16,-21-20 0,21 20 0,-21 0 15,21 1-15,0-22 0,0 21 16,0 0-16,0-20 0,0 20 0,21-21 16,0 21-16,1-20 0,-1-1 0,0-21 15,0 21-15,21 0 0,-20-21 16,-1 0-16,0 0 0,0 0 15,0 0-15,0 0 0,1 0 0,-1 0 16,0 0-16,0 0 16,0 0-1,-21-21-15,21 21 16,1-21-16,-1 0 0,0-1 16,0 1-16</inkml:trace>
@@ -166,11 +171,11 @@
   <inkml:trace contextRef="#ctx0" brushRef="#br0" timeOffset="55100.04">7408 5948 0,'21'0'31,"1"0"-31,-1 0 16,0-21-16,0 21 15,21-21-15,-20-1 0,-1 22 0,0-21 16,0 0-16,0 0 0,0 0 0,1 21 16,-22-21-16,0-1 0,0 1 0,-22 21 31,1 0-31,0 21 16,0-21-16,-21 22 0,20 20 0,1-21 15,0 0-15,0 22 0,0-22 16,0 0-16,-1 21 0,1-21 0,0 22 15,21-22-15,-21 0 0,21 0 0,0 0 16,0 1-16,0-1 0,21-21 31,0 0-31,22 0 0,-22 0 0,0 0 16,21 0-16,1 0 0,-22 0 0,21-21 16,0 21-16,1-22 0,-1 1 0,0 0 15,-20 0-15,20 0 0,0 0 16,-21-22-16,22 22 0,-22-21 0,0 21 15,-21-1-15,0-20 0,0 21 0,0 0 16,0 0-16,-21 21 16,0 0-16,0 0 15,-1 0-15,22 21 0,-21 0 16,21 0-16,0 0 0,0 22 16,0-22-16,21 0 0,-21 0 15,22 0-15,-1 0 0,-21 1 0,0-1 16,21-21-16,-21 21 0,0 0 0,0 0 15,0 0-15,0 1 16,-21-1-16,0-21 0,-1 0 16,1 21-16,0-21 0,0 0 0,0 0 15,0 0-15,-1 21 0,1-21 16,0 0 0,0 0-16,0 0 0,0 0 15</inkml:trace>
   <inkml:trace contextRef="#ctx0" brushRef="#br0" timeOffset="55972.09">2222 7599 0,'0'0'0,"-21"0"0,21-21 16,-21 21-16,0-21 0,0 21 0,21-22 16,0 1-16,0 0 15,0 0 1,21 21-16,0 0 15,0 0-15,22 0 0,-22 21 16,21 0-16,0 0 0,-20 22 0,20-1 16,-21-21-16,0 22 0,0-1 15,-21 0-15,0 1 0,0 20 0,-21-21 16,-21 1-16,21 20 0,-22-20 16,1-1-16,0 0 0,-1-21 0,-20 22 15,21-22-15,20 0 0,-20 0 16,0 0-16,21-21 0,-22 0 15,22 0-15,0 0 0,0-21 0,21 0 0,0 0 16,-21 0-16,21 0 0,0-22 16,0 1-16,0 0 0,0-1 15,0 1-15,21 21 0,-21-22 16,21 22-16,0 0 0,0 0 0,0 0 16,1 21-16,-1 0 0,0 0 0,0 21 15,0 0-15,0 0 0,1 22 16,20-1-16,-21 0 0,0 1 0,0-1 15,1 0-15,-22 1 0,21-1 16,-21 0-16,21 1 0,-21-1 0,21-21 16,-21 0-16,0 0 0,0 1 15,21-1-15,0-21 0,1 0 16,-1 0-16,0 0 0,0-21 16,0-1-1,0 22-15</inkml:trace>
   <inkml:trace contextRef="#ctx0" brushRef="#br0" timeOffset="56113">2794 8043 0,'0'-21'47,"21"0"-32,0 0-15,0 21 16</inkml:trace>
-  <inkml:trace contextRef="#ctx0" brushRef="#br0" timeOffset="56615.72">4847 7303 0,'0'0'0,"-21"0"0,-21-22 16,20 22-16,1 0 0,0 22 15,0-1-15,0 0 0,0 0 0,21 21 16,0 1-16,0-1 0,0 22 15,0-22-15,0 21 0,0-20 0,-22 20 16,22-20-16,0 20 0,-21 1 0,21-22 16,0 21-16,0-20 0,0-1 15,0-21-15,0 22 0,0-22 0,0 0 16,0 0-16,0-42 31,0 0-31,0 0 0,0-1 16,0 1-16,0 0 0</inkml:trace>
+  <inkml:trace contextRef="#ctx0" brushRef="#br0" timeOffset="56615.71">4847 7303 0,'0'0'0,"-21"0"0,-21-22 16,20 22-16,1 0 0,0 22 15,0-1-15,0 0 0,0 0 0,21 21 16,0 1-16,0-1 0,0 22 15,0-22-15,0 21 0,0-20 0,-22 20 16,22-20-16,0 20 0,-21 1 0,21-22 16,0 21-16,0-20 0,0-1 15,0-21-15,0 22 0,0-22 0,0 0 16,0 0-16,0-42 31,0 0-31,0 0 0,0-1 16,0 1-16,0 0 0</inkml:trace>
   <inkml:trace contextRef="#ctx0" brushRef="#br0" timeOffset="57087.58">4403 7641 0,'0'0'0,"-22"-42"15,-20-64 1,42 64-16,-21-1 0,21 1 0,0 21 0,0-21 16,0 20-16,21 1 0,0 0 15,0 21-15,1 0 0,20 0 0,0 0 16,22 21-16,-22 0 0,22 1 0,-22 20 15,21 0-15,-20 1 0,20 20 16,-20-21-16,-1 1 0,-21 20 16,0-20-16,0-1 0,1 0 0,-1 1 15,-21 20-15,0-21 0,0-20 16,0 20-16,0-21 0,0 21 0,0-20 16,0-1-16,-21-21 0,-1 0 15,22-21-15,0-1 16,0 1-16,0 0 0,0-21 15,0 21-15,0-22 0,0 1 0,0-22 16,22 22-16,-22-21 0,21-1 0,0 1 16,0-1-16,0-21 0,0 43 15,1-21-15,-1 20 0,0 1 16,0 21-16,0 0 0,0 21 0,1 0 16,-1 21-16,0 0 0,0 0 15,0 21-15,0 22 0,-21-22 0,0 22 16,0-22-16,0 22 0,0-1 0,0-21 15,0 22-15,0-1 0,0-20 16,-21 20-16,0-20 0,21-1 0,-21 0 16,21 1-16,0-22 0,-21 21 0,21-21 15,0 0-15,21-42 32</inkml:trace>
   <inkml:trace contextRef="#ctx0" brushRef="#br0" timeOffset="57412.4">5546 7895 0,'21'0'0,"21"-21"16,-21 21-16,0-21 0,1 0 16,-1 21-16,0-21 0,21-1 0,-21 22 15,1-21-15,-1 0 0,0 0 0,-21 0 16,0 0-16,0-1 0,0 1 15,0 0-15,0 0 0,-21 21 16,0 0-16,-1 0 0,1 0 16,0 0-16,0 21 0,-21 0 0,20 0 15,1 1-15,0 20 0,0-21 16,21 21-16,-21 1 0,21-22 0,0 21 16,-21 1-16,21-22 0,0 21 0,0-21 15,0 0-15,0 1 0,21-1 0,0 0 16,0 0-16,0-21 0,0 0 15,1 0-15,20 0 0,-21 0 0,21-21 16,-20 0-16,20 0 0,-21-1 0,21-20 16,1 21-16</inkml:trace>
   <inkml:trace contextRef="#ctx0" brushRef="#br0" timeOffset="57664.27">6308 7133 0,'0'0'0,"0"-42"0,0 21 0,0 0 0,-43-22 15,22 43 1,21 21-16,-21 1 0,0 20 16,21 0-16,0 22 0,0-22 0,0 22 15,-21-1-15,21 1 0,0-1 16,0 1-16,0-1 0,0-21 0,0 22 16,0-22-16,0 1 0,0-1 0,0 0 15,0 1-15,0-22 0,0 0 0,0 0 16,0 0-16,21-21 15,0 0 1,0-21-16,-21 0 0,21 0 0,0 0 16,-21-1-16,22-20 0</inkml:trace>
-  <inkml:trace contextRef="#ctx0" brushRef="#br0" timeOffset="58455.79">6562 7091 0,'0'0'16,"0"-64"-16,0 86 31,0 20-31,0 0 0,0 1 0,0 20 16,-22-21-16,22 22 15,0-1-15,-21 1 0,21-1 0,0 1 16,0-1-16,0-20 0,-21 20 0,21-20 16,0-1-16,0 21 0,0-41 0,0 20 15,0 0-15,0-21 0,0 1 16,0-1-16,21-21 15,0 0-15,1 0 16,-22-21-16,21-1 0,0 1 0,-21 0 16,21-21-16,0 21 0,-21-1 15,0-20-15,21 21 0,-21 0 0,22 0 16,-22-1-16,0 1 0,0 0 0,21 21 16,-21 21 15,21 0-31,-21 1 0,0-1 0,0 0 15,0 0-15,0 0 0,0 22 0,0-22 16,0 0-16,0 0 0,0 0 0,0 0 16,0 1-16,21-1 0,0-21 15,-21 21-15,21-21 0,1 0 0,-1 0 16,0 0-16,21 0 0,-21 0 0,1-21 16,20 0-16,-21-1 0,21 1 15,-20 0-15,-1 0 0,0 0 0,0 0 16,0-22-16,0 22 0,1 0 15,-22-21-15,0 20 0,0 1 0,0 0 16,0 0-16,0 42 31,-22 0-15,22 0-16,-21 1 0,21-1 0,0 0 16,0 21-16,0-21 0,0 1 0,0-1 15,0 0-15,0 0 0,0 0 16,21-21-16,1 21 0,-1 1 0,0-22 15,0 0-15,0 0 0,0 0 0,1 0 16,-1 0-16,0-22 0,0 1 16,0 21-16,0-21 0,1 0 15,-1 0-15,0 0 0,-21-1 0,0 1 16,21 0-16,-21 0 0,0-21 0,0 20 16,0 1-16,0-21 0,-21 21 0,0 0 15,0-1-15,21 1 0,-22 21 16,1 0-16,0 0 0,-21 0 0,21 0 15,-1 0-15,1 0 0,0 0 0,21 21 16,-21 1-16,0-1 0,21 0 16,0 0-16,0 0 0,0 0 15,0 1-15,21-1 0,0 0 16,0-21-16,22 0 0,-22 0 16,21 0-16</inkml:trace>
+  <inkml:trace contextRef="#ctx0" brushRef="#br0" timeOffset="58455.78">6562 7091 0,'0'0'16,"0"-64"-16,0 86 31,0 20-31,0 0 0,0 1 0,0 20 16,-22-21-16,22 22 15,0-1-15,-21 1 0,21-1 0,0 1 16,0-1-16,0-20 0,-21 20 0,21-20 16,0-1-16,0 21 0,0-41 0,0 20 15,0 0-15,0-21 0,0 1 16,0-1-16,21-21 15,0 0-15,1 0 16,-22-21-16,21-1 0,0 1 0,-21 0 16,21-21-16,0 21 0,-21-1 15,0-20-15,21 21 0,-21 0 0,22 0 16,-22-1-16,0 1 0,0 0 0,21 21 16,-21 21 15,21 0-31,-21 1 0,0-1 0,0 0 15,0 0-15,0 0 0,0 22 0,0-22 16,0 0-16,0 0 0,0 0 0,0 0 16,0 1-16,21-1 0,0-21 15,-21 21-15,21-21 0,1 0 0,-1 0 16,0 0-16,21 0 0,-21 0 0,1-21 16,20 0-16,-21-1 0,21 1 15,-20 0-15,-1 0 0,0 0 0,0 0 16,0-22-16,0 22 0,1 0 15,-22-21-15,0 20 0,0 1 0,0 0 16,0 0-16,0 42 31,-22 0-15,22 0-16,-21 1 0,21-1 0,0 0 16,0 21-16,0-21 0,0 1 0,0-1 15,0 0-15,0 0 0,0 0 16,21-21-16,1 21 0,-1 1 0,0-22 15,0 0-15,0 0 0,0 0 0,1 0 16,-1 0-16,0-22 0,0 1 16,0 21-16,0-21 0,1 0 15,-1 0-15,0 0 0,-21-1 0,0 1 16,21 0-16,-21 0 0,0-21 0,0 20 16,0 1-16,0-21 0,-21 21 0,0 0 15,0-1-15,21 1 0,-22 21 16,1 0-16,0 0 0,-21 0 0,21 0 15,-1 0-15,1 0 0,0 0 0,21 21 16,-21 1-16,0-1 0,21 0 16,0 0-16,0 0 0,0 0 15,0 1-15,21-1 0,0 0 16,0-21-16,22 0 0,-22 0 16,21 0-16</inkml:trace>
   <inkml:trace contextRef="#ctx0" brushRef="#br0" timeOffset="59226.35">8086 7684 0,'0'0'0,"21"-22"0,-21 1 0,0 0 0,0 0 15,0 0-15,-21 0 0,-1 21 16,1 0-16,0 0 0,0 0 16,0 0-16,0 0 0,-1 21 0,-20 0 15,21 0-15,0 0 0,0 22 0,-1-22 16,1 21-16,0-21 0,0 0 15,21 22-15,0-1 0,-21-21 16,21 22-16,0-22 0,0 0 0,0 21 16,0-21-16,0 1 0,21-22 0,-21 21 15,21 0-15,0-21 0,0 0 0,1 0 16,-1 0-16,0 0 0,0-21 16,0 0-16,0-1 0,22 1 0,-22 0 15,0 0-15,-21-21 0,21 20 0,0-20 16,1 21-16,-1-21 0,-21-1 0,21-20 15,0 20-15,-21-20 0,0-1 16,21 1-16,0-1 0,-21 1 16,22-1-16,-22 1 0,0-1 0,0 22 15,0 0-15,0 21 0,0-22 0,0 22 16,0 42 0,0 0-1,0 1-15,-22 20 0,1 0 0,21 1 16,-21 20-16,21 1 0,0-22 15,0 21-15,0 1 0,-21-22 0,21 22 16,0-22-16,0 0 0,0 1 0,0-1 16,0 0-16,0-20 0,21 20 0,0-21 15,-21 0-15,21 0 0,1-21 16,-1 22-16,21-22 0,-21 0 16,0 0-16,1 0 0,20 0 0,-21-22 15,0 22-15,22-21 0,-22 0 0,21 21 16,-21-21-16,0 0 0,1 0 0,-1-1 15,0 1-15,0 0 0,-21 0 16,0 0-16,0 0 0,0-1 0,0 1 16,-21 21-1,0 0-15,0 0 0,-1 0 0,22 21 16,-21 1-16,21-1 16,0 0-16,0 0 0,0 0 0,0 0 15,0 1-15,0-1 0,21-21 0,-21 21 16,0 0-16,0 0 0,22 0 15,-22 1-15,0-1 16,0 0-16,0 0 0,0 0 31,-22-21-31,1 0 0,0 0 16,0-21-16,0 21 16,0-21-16,-1 0 0,1 21 0,0-21 15,-21-1-15</inkml:trace>
   <inkml:trace contextRef="#ctx0" brushRef="#br0" timeOffset="59461.36">6562 7557 0,'0'0'0,"-22"0"0,1 0 0,42 0 16,22-22-16,-22 22 15,21-21-15,1 21 0,-1-21 0,21 21 16,-20-21-16,20 21 0,-20-21 16,20 21-16,-21-21 0,1 21 0,-1 0 15,-21 0-15,0 0 0,1 0 0,-22 21 16,-22 0 0,1 0-16</inkml:trace>
   <inkml:trace contextRef="#ctx0" brushRef="#br0" timeOffset="60328.94">2476 9483 0,'0'0'0,"-21"-21"0,0 21 16,0 0-16,0 0 0,0-22 15,-1 1-15,22 0 16,0 0-16,0 0 16,22 0-16,20-1 15,-21 22-15,0 0 0,22 0 16,-1 0-16,-21 0 0,21 0 16,1 0-16,-1 22 0,-21-1 15,0 0-15,1 21 0,-22-21 16,0 22-16,0-22 0,0 21 0,-22 1 15,1-22-15,-21 21 0,21 0 0,-22-20 16,1 20-16,0-21 0,-1 0 16,22 0-16,-21 1 0,0-1 0,20 0 15,1-21-15,0 0 0,0 0 16,21-21 0,0 0-16,21-1 15,0 1-15,22 21 0,-22-21 0,21 0 16,0 21-16,-20 0 0,20 0 0,0 0 15,1 0-15,-1 0 16,0 0-16,1 0 0,-22 21 0,0 0 16,0 0-16,-21 22 0,0-22 0,0 0 15,0 21-15,0-20 0,-42 20 16,21-21-16,-22 0 0,1 0 0,0 22 16,-1-22-16,1 0 0,-22 0 0,22-21 15,0 21-15,-22 1 0,22-22 16,21 0-16,-22 0 0,1 0 0,21 0 15,0 0-15,0 0 0,-1 0 16,22-22-16,0 1 16,0 0-16,0 0 15,22 21-15,-1-21 16,21 0-16,-21-1 0,22 1 0,-1 0 16</inkml:trace>
@@ -183,13 +188,13 @@
   <inkml:trace contextRef="#ctx0" brushRef="#br0" timeOffset="66331.85">2349 11240 0,'0'-22'0,"0"44"0,0-65 0,0 22 0,0 0 15,0 0-15,0 0 0,0-1 16,0 44 0,0-1-1,0 0-15,0 21 0,0 1 0,0-1 16,0 0-16,0 22 0,-21-1 15,21-20-15,-21 20 0,0-21 0,21 22 16,-21-22-16,0 1 0,-1-1 0,1 0 16,0 1-16,21-22 0,0 21 15,-21-21-15,21 0 0,0-42 32,0 0-17,21 21-15,0-42 0,0 21 0,1-1 16,-1 1-16,0 0 0,21 0 15,-21 0-15,22 0 0,-1-22 0,-21 22 16,22 21-16,-1-21 0,-21 0 0,21 0 16,-20-1-16,20 22 0,-21-21 15,0 21-15,0 0 0,1-21 16,-1 21-16,-21-21 16,0 0 15,0 0-31,0-1 15,-21 1 1,-1 21-16,1 0 16,0 21-1,21 1-15,-21-1 0,0 0 0,21 21 16,-21 1-16,21-22 0,0 21 0,0 0 16,-22 1-16,22-1 0,-21 0 15,21 1-15,0-1 0,0 0 0,0 1 16,0-22-16,0 21 0,0 1 0,0-22 15,0 0-15,0 0 0,0 0 16,0 0-16,0 1 0,21-22 16,1 0-16,-1 0 15,0-22 1,0 1-16,-21 0 0,21 0 0,-21 0 16,21 0-16</inkml:trace>
   <inkml:trace contextRef="#ctx0" brushRef="#br0" timeOffset="66540">3302 11642 0,'0'0'0,"21"0"0,-42 0 63</inkml:trace>
   <inkml:trace contextRef="#ctx0" brushRef="#br0" timeOffset="67244.31">4953 11176 0,'21'-42'16,"-21"21"-16,0-1 15,-21 22-15,0 0 0,0 0 16,-1 22-16,1-1 0,0 0 16,0 21-16,-21-21 0,20 22 15,1-1-15,0 0 0,0 1 0,0-1 16,21 0-16,0 22 0,-21-22 16,21 1-16,0-1 0,0 0 15,0 1-15,0-1 0,21-21 0,0 21 16,-21-20-16,42 20 0,-21-21 0,1 0 15,20-21-15,0 21 0,1-21 0,-22 0 16,21 0-16,0 0 0,1 0 16,-1-21-16,0 0 0,-20 0 0,20 0 15,0 0-15,1-1 0,-22-20 0,21 21 16,0 0-16,-20-22 0,20 1 16,-21 21-16,0-21 0,0-1 15,1 1-15,-22 0 0,21-1 0,-21 1 0,0 0 16,0-1-16,0 1 0,-21 21 15,-1-22-15,1 22 0,0 0 16,0 21-16,-21 0 0,20 0 0,1 0 16,-21 0-16,21 0 0,0 0 0,-22 21 15,22 0-15,0 1 0,-21-1 0,20 0 16,1 21-16,0-21 0,0 1 16,21-1-16,-21 21 0,21-21 0,0 0 15,0 1-15,0-1 0,0 0 0,21 0 16,0-21-16</inkml:trace>
-  <inkml:trace contextRef="#ctx0" brushRef="#br0" timeOffset="67712.96">6075 11218 0,'0'0'0,"0"-21"0,0-42 16,0 42-16,-21-1 0,21 1 15,-22 21-15,1 0 0,0 0 16,0 0-16,0 0 0,0 21 0,-1-21 16,-20 22-16,21-1 0,0 21 0,0 0 15,21-20-15,-22 20 0,22 0 16,0 1-16,0 20 0,0-21 0,0 1 16,0-1-16,0 0 0,0-20 15,22 20-15,-1-21 0,0 21 0,0-20 16,0-1-16,22 0 0,-22 0 0,0-21 15,21 0-15,-21 21 0,22-21 16,-22 0-16,0 0 0,21 0 0,-20-21 16,-1 0-16,0 21 0,21-21 0,-21 0 15,1-1-15,-1 1 0,-21 0 0,21-21 16,0 21-16,-21-22 0,0 1 16,0 21-16,0-22 0,0-20 15,0 21-15,0-1 0,-21 1 0,0-22 0,0 22 16,-1 21-16,1-21 0,0 20 15,0 1-15,0 0 0,0 21 16,-1 0-16,1 0 0,0 0 0,0 0 16,0 21-16,0 0 0,-1 1 0,1-1 15,21 0-15,0 0 0,0 21 0,0-20 16,0-1-16,21 0 0,1 0 16,-1 0-16,0-21 0</inkml:trace>
+  <inkml:trace contextRef="#ctx0" brushRef="#br0" timeOffset="67712.95">6075 11218 0,'0'0'0,"0"-21"0,0-42 16,0 42-16,-21-1 0,21 1 15,-22 21-15,1 0 0,0 0 16,0 0-16,0 0 0,0 21 0,-1-21 16,-20 22-16,21-1 0,0 21 0,0 0 15,21-20-15,-22 20 0,22 0 16,0 1-16,0 20 0,0-21 0,0 1 16,0-1-16,0 0 0,0-20 15,22 20-15,-1-21 0,0 21 0,0-20 16,0-1-16,22 0 0,-22 0 0,0-21 15,21 0-15,-21 21 0,22-21 16,-22 0-16,0 0 0,21 0 0,-20-21 16,-1 0-16,0 21 0,21-21 0,-21 0 15,1-1-15,-1 1 0,-21 0 0,21-21 16,0 21-16,-21-22 0,0 1 16,0 21-16,0-22 0,0-20 15,0 21-15,0-1 0,-21 1 0,0-22 0,0 22 16,-1 21-16,1-21 0,0 20 15,0 1-15,0 0 0,0 21 16,-1 0-16,1 0 0,0 0 0,0 0 16,0 21-16,0 0 0,-1 1 0,1-1 15,21 0-15,0 0 0,0 21 0,0-20 16,0-1-16,21 0 0,1 0 16,-1 0-16,0-21 0</inkml:trace>
   <inkml:trace contextRef="#ctx0" brushRef="#br0" timeOffset="68035.77">6964 11049 0,'0'0'0,"-21"-21"0,21 0 16,-64-22-1,43 43-15,0 0 0,21 22 16,-21-1-16,21 0 0,0 0 0,0 21 15,0 1-15,0-1 0,0 0 16,0 1-16,0 20 0,0-20 0,0-1 16,0 21-16,0-20 0,0-1 0,0 0 15,0 1-15,0-1 0,0 0 0,0 1 16,0-22-16,0 21 16,0-21-16,0 1 0,0 20 0,0-21 15,0 0-15,21-21 31,-21-21-31,21 0 16,-21 0-16,21 0 0,-21-1 0,0 1 16,0-21-16</inkml:trace>
   <inkml:trace contextRef="#ctx0" brushRef="#br0" timeOffset="68335.28">6837 11388 0,'0'0'0,"-43"-127"15,43 84-15,0 1 0,0 0 0,0 21 16,0-22-16,0 22 0,22 0 0,20 0 15,-21 0-15,0-1 0,22 1 16,-1 21-16,-21 0 0,21 0 16,1 0-16,-22 0 0,21 0 0,-21 0 15,1 21-15,20 1 0,-21-1 0,-21 0 16,21 0-16,-21 0 0,0 22 0,0-22 16,0 21-16,0-21 0,-21 22 15,0-22-15,0 0 0,-22 21 0,22-21 16,-21 1-16,21-1 0,-22 0 0,1 0 15,0 0-15,21 0 0,-22-21 0,22 22 16,0-22-16,0 0 0,0 21 16,42-21 15,0-21-31,21 21 0,-21-22 16,22 22-16</inkml:trace>
   <inkml:trace contextRef="#ctx0" brushRef="#br0" timeOffset="68839.5">8149 11091 0,'0'0'0,"21"-21"0,-21-21 16,0 21-16,0 0 15,0-1-15,-21 22 0,0 0 0,0-21 16,0 21-16,-1 0 0,-20 0 15,21 0-15,-21 0 0,20 21 0,-20 1 16,0-22-16,21 21 0,-22 0 0,22 0 16,0 0-16,0 22 0,0-22 0,-1 21 15,22-21-15,0 0 0,0 1 16,0-1-16,0 0 0,0 0 0,0 0 16,22 0-16,-1 1 0,0-22 15,0 21-15,0 0 0,22-21 0,-22 21 0,21-21 16,-21 21-16,22-21 15,-22 21-15,0-21 0,21 22 0,-21-22 16,1 21-16,-1-21 0,0 21 0,-21 0 16,21-21-16,-21 21 0,0 0 15,0 1 1,0-1-16,-21 0 16,0-21-16,0 21 0,-22-21 15,22 21-15,-21-21 0,-1 21 0,1 1 16,21-22-16,-21 0 0,-1 0 0,22 21 15,0 0-15,0-21 0,0 0 0,-1 0 16,1 0-16,0 0 16,21 21-1,0-42 17</inkml:trace>
   <inkml:trace contextRef="#ctx0" brushRef="#br0" timeOffset="69563.42">4403 13018 0,'0'0'0,"0"-43"0,0-20 16,0 42-1,0-1-15,0 44 32,21-1-32,-21 0 0,0 21 15,0 1-15,0-1 0,0 0 16,21 1-16,-21-1 0,0 21 16,0-20-16,0-1 0,0 0 0,0 1 15,0-1-15,0 0 0,0 1 16,0-1-16,-21 0 0,21-20 0,0 20 15,0-21-15,-21 0 0,21 0 0,0 1 16,0-1-16,0-42 47</inkml:trace>
   <inkml:trace contextRef="#ctx0" brushRef="#br0" timeOffset="69755.34">5016 13377 0,'0'-21'15,"-21"21"1,21-21 0,0 0 30</inkml:trace>
-  <inkml:trace contextRef="#ctx0" brushRef="#br0" timeOffset="73747.91">6159 12933 0,'0'0'16,"-21"0"-16,0 21 0,0-21 0,0 0 0,0 0 16,21-21 15,0 0-31,0 0 0,21-1 15,0 1-15,0 0 0,0-21 16,0 21-16,1-22 0,-1 1 0,0 21 16,0-22-16,-21 22 0,0 0 0,21-21 15,-21 21-15,0-1 0,0 1 0,0 0 16,0 0-16,-21 21 16,21 21-1,-21-21-15,21 42 0,-21-20 0,21-1 16,0 21-16,0 0 0,0 22 15,0-22-15,0 22 0,0-1 0,0 1 16,0-22-16,0 22 0,0-1 0,0-21 16,0 22-16,0-22 15,0 1-15,0-1 0,0-21 0,0 21 16,0-20-16,-21 20 0,21-21 0,0 0 16,-22-21-16,1 21 0,21 1 0,-21-22 15,0 0-15,0 0 0,0 0 16,-22 0-16,22 0 0,-21-22 0,21 1 15,-22 21-15,22-21 0,-21 0 0,21 0 16,-1 0-16,1-1 0,0 1 16,0 21-16,21-21 0,21 42 31,0 0-31,0 1 16,22-22-16,-22 21 0,0 0 0,21 0 15,-20 0-15,20 0 0,0-21 16,-21 22-16,22-22 0,-22 0 15,21 0-15,1 0 0,-22 0 0,21 0 16,0 0-16,1-22 0,-1 1 0,0 0 16,1 0-16,-22 0 0,21 0 0,1-1 15,-1 1-15,-21 0 0,0-21 16,22 21-16,-43-22 0,21 22 0,-21-21 16,21 21-16,-21-1 0,0 1 0,0 0 15,0 0-15,0 0 16,-21 21-1,21 21-15,-21 0 0,21 0 0,0 0 0,0 1 16,-22-1-16,22 21 0,0-21 16,-21 0-16,21 1 0,0-1 15,0 21-15,0-21 0,0 0 16,0 1-16,0-1 16,21-21-1,1-21 1,-22-1-16,21 1 0,0 0 15,0 21-15,0-42 0,-21 21 0,21-1 16,1 1-16,-1 0 0,-21 0 16,0 0-16,21 0 0,-21-1 15,0 1-15,21 21 0,-21 21 16,0 1-16,0-1 16,0 0-16,0 0 0,0 0 15,0 0-15,0 1 0,0-1 0,21 0 16,-21 0-16,21 0 0,1 0 15,-1 1-15,0-22 0,0 0 16,0 0-16,22 0 0,-22 0 16,0 0-16,0-22 0,0 22 0,0-21 15,22 0-15,-22 0 0,0 0 0,0 0 16,0-22-16,1 22 0,-1-21 16,-21-1-16,21-20 0,-21 21 15,0-22-15,0 1 0,0 20 0,21-20 16,-21-1-16,0 22 0,0-22 0,0 22 15,0 0-15,0 21 0,0-1 16,0 1-16,0 42 16,0 1-16,0-1 15,0 21-15,0 0 0,-21 1 16,21-1-16,-21 22 0,21-22 0,-21 21 16,21 1-16,0-22 0,-22 22 0,22-22 15,-21 0-15,21 1 0,0-1 0,-21 0 16,21-20-16,0-1 0,0 0 15,0 0-15,0 0 0,21-21 16,0 0 0,1-21-16,-22 0 0,21 21 15,-21-21-15,21 0 0,0-22 16,-21 22-16,21 0 0,-21 0 0,0 0 16,21-1-16,-21 1 0,22 0 0,-22 42 46,21 0-46,-21 1 0,0-1 0,21 0 16,-21 0-16,0 0 0,0 0 0,21-21 16,0 22-16,0-1 15,1 0-15,-1-21 0,0 0 16,0 0-16,0 0 0,0 0 16,1 0-16,-1 0 0,0 0 0,0 0 15,0 0-15,0-21 0,1 21 16,-1-21-16,0-1 0,0 1 0,-21 0 15,0 0-15,21-21 0,0 20 0,-21 1 16,0 0-16,0-21 0,0 21 0,0-1 16,0 1-16,0 0 15,0 42 1,0 0 0,-21 1-16,21-1 0,0 0 15,0 0-15,0 21 0,0-20 16,0-1-16,0 0 0,0 0 0,0 0 15,0 0-15,0 1 0,0-1 0,21-21 16,-21 21-16,22-21 0,-1 0 16,0 0-16,0 0 0,0 0 15,0 0-15,1 0 0,-1 0 0,21 0 16,-21-21-16,0 21 0,1-21 0,-1-1 16,0 1-16,0 0 0,-21 0 15,0 0-15,21 0 0,-21-1 16,0 1-16,0 0 0,0 0 15,0 0-15,0 42 47,0 0-47,0 0 0,0 0 16,0 1-16,21-1 0,-21 0 16,0 0-16,0 0 15,22-21-15,-22 21 0,0 1 0,0-1 16,0 0-16,0 0 15,21 0 1,0-21 0,0 0-16,0 0 15,0 0-15,1-21 0,-1 21 0,0-21 16,0 0-16,0 21 0,0-21 0,-21-1 16,22 1-16,-1 0 0,0 0 0,-21 0 15,0 0-15,0-1 0,21 1 16,-21 0-16,0 0 0,0 0 0,0 0 15,0-1-15,0 44 32,0-1-17,0 0-15,0 0 0,0 0 0,0 0 16,0 1-16,0-1 0,0 0 16,0 0-16,0 0 0,0 0 0,0 1 15,0-1-15,21 0 16,0-21-16,1 0 0,-1 0 15,0 0-15,0 0 0,0 0 0,22 0 16,-22 0-16,0 0 0,21 0 0,-21-21 16,1 0-16,-1-1 0,0 1 0,0 0 15,-21 0-15,0 0 0,21-22 16,-21 1-16,21 0 0,-21-1 0,22-20 16,-22 21-16,0-22 0,0 22 15,21-22-15,-21 1 0,21 20 0,-21-20 16,21 21-16,-21-1 0,0 1 15,0 21-15,0-22 0,0 22 0,0 0 16,0 42 0,-21 22-1,0-22-15,0 21 0,21 0 0,0 1 16,-22-1-16,1 22 0,21-22 0,0 21 16,0-20-16,0 20 0,0-20 0,0 20 15,0-21-15,0 1 0,21-1 16,1 0-16,-1 1 0,0-22 15,0 21-15,0-21 0,0 1 0,1-1 0,20 0 16,-21-21-16,0 0 0,22 21 16,-22-21-16,0 0 0,21 0 15,-21 0-15,22 0 0,-22-21 0,21 21 16,-21-21-16,1 0 0,20-1 0,-21 1 16,0 0-16,-21 0 0,0 0 0,21-22 15,-21 22-15,0-21 0,0 21 16,0-22-16,0 22 0,0-21 0,0 21 15,-21 0-15,21-1 0,-21 1 0,0 21 16,0 0-16,0 0 0,-1 0 16,1 21-16,0 1 0,0-1 15,0 21-15,0-21 0,-1 0 0,22 22 16,0-22-16,-21 0 0,21 21 0,0-20 16,0-1-16,0 0 0,0 0 15,0 0-15,0 0 0,21-21 0,1 0 16,-22 22-16,21-22 0,0 0 15,0 0-15,0 0 0,0 0 16,1-22-16,-1 1 0,0 21 0,-21-21 16,21 0-16,-21 0 0,21 0 0,-21-1 15,0 1-15,0 0 0,0-21 16,0 21-16,0-1 0,0 1 0,0 0 16,0 0-16,0 42 31,0 0-31,0 0 15,0 1-15,0-1 0,-21 21 0,21-21 16,0 0-16,0 1 0,0-1 0,0 0 16,21 0-16,-21 0 0,21 0 0,1 1 15,-1-22-15,0 0 0,0 0 0,0 0 16,22 0-16,-22 0 0,0 0 16,21 0-16,-21 0 0,1-22 0,-1 22 15,0-21-15,0 0 0,0 0 0,0 0 16,-21 0-16,0-1 0,22 1 0,-22 0 15,21 0-15,-21-21 0,0 20 16,0 1-16,0 0 0,0 0 16,0 42-1,-21 0 1,21 0-16,-22 1 0,22-1 16,0 21-16,-21-42 0,21 21 15,0 0-15,-21 1 0,21-1 0,0 0 16,0 0-16,0 0 0,21-42 47,0 0-32,-21 0-15,0 0 16,22-1-16,-22 1 0,21 0 16,-21 0-16,0 0 15,0 0-15,21 21 0,0 0 16,-21 21-1,0 0-15,0 0 16,0 0-16,0 0 16,0 1-16,21-1 0,-21 0 15,21-21-15,1 0 0,-1 0 16,0 0-16,0 0 16,0 0-16,0 0 15,1 0-15,-22-21 0,21 21 16,-21-21-16,21-1 0,-21 1 15,0 0-15,0 0 0,21 0 16,-21-22-16,0 22 0,0 0 0,21 0 16,-21 0-16,0 0 0,0-1 15,0 1-15,0 0 0,21 21 16,-21-21-16,22 21 0,-22 21 31,0 0-15,0 0-16,0 1 15,0-1-15,0-42 79,-22 21-64,1 21 1,0 0-16,21 0 15,0 0-15,0 0 0,0 22 0,-21-22 16,21 0-16,0 0 0,0 0 0,0 22 16,0-22-16,0 0 0,0 0 15,21 0-15,0-21 16,0 22-16,1-22 0,-1 0 0,0 0 16,0 0-16,0 0 15,0-22-15,1 22 0,-1-21 0,0 0 16,0 21-16,0-21 0,0 0 0,-21 0 15,22-1-15,-22 1 0,21 0 16,-21 0-16,0-21 0,0 20 0,0-20 16,0 21-16,0-21 0,0 20 0,0 1 15,0 0-15,0 0 0,-21 21 16,-1 21 0,1 0-16,21 22 0,-21-22 15,21 0-15,0 21 0,0-21 0,0 22 16,0-22-16,0 21 0,0-21 0,0 1 15,0-1-15,0 0 0,21 0 16,0 0-16,1-21 0,-1 0 16,0 0-16,0 0 0,0 0 15,0 0-15,1 0 0,-1 0 0,21-21 16,-21 21-16,0-21 0,1 21 0,-1-21 16,0 0-16,0-1 0,0 22 0,-21-21 15,0 0-15,0 0 0,0 0 0,0 0 16,0-22-16,-21 22 0</inkml:trace>
+  <inkml:trace contextRef="#ctx0" brushRef="#br0" timeOffset="73747.9">6159 12933 0,'0'0'16,"-21"0"-16,0 21 0,0-21 0,0 0 0,0 0 16,21-21 15,0 0-31,0 0 0,21-1 15,0 1-15,0 0 0,0-21 16,0 21-16,1-22 0,-1 1 0,0 21 16,0-22-16,-21 22 0,0 0 0,21-21 15,-21 21-15,0-1 0,0 1 0,0 0 16,0 0-16,-21 21 16,21 21-1,-21-21-15,21 42 0,-21-20 0,21-1 16,0 21-16,0 0 0,0 22 15,0-22-15,0 22 0,0-1 0,0 1 16,0-22-16,0 22 0,0-1 0,0-21 16,0 22-16,0-22 15,0 1-15,0-1 0,0-21 0,0 21 16,0-20-16,-21 20 0,21-21 0,0 0 16,-22-21-16,1 21 0,21 1 0,-21-22 15,0 0-15,0 0 0,0 0 16,-22 0-16,22 0 0,-21-22 0,21 1 15,-22 21-15,22-21 0,-21 0 0,21 0 16,-1 0-16,1-1 0,0 1 16,0 21-16,21-21 0,21 42 31,0 0-31,0 1 16,22-22-16,-22 21 0,0 0 0,21 0 15,-20 0-15,20 0 0,0-21 16,-21 22-16,22-22 0,-22 0 15,21 0-15,1 0 0,-22 0 0,21 0 16,0 0-16,1-22 0,-1 1 0,0 0 16,1 0-16,-22 0 0,21 0 0,1-1 15,-1 1-15,-21 0 0,0-21 16,22 21-16,-43-22 0,21 22 0,-21-21 16,21 21-16,-21-1 0,0 1 0,0 0 15,0 0-15,0 0 16,-21 21-1,21 21-15,-21 0 0,21 0 0,0 0 0,0 1 16,-22-1-16,22 21 0,0-21 16,-21 0-16,21 1 0,0-1 15,0 21-15,0-21 0,0 0 16,0 1-16,0-1 16,21-21-1,1-21 1,-22-1-16,21 1 0,0 0 15,0 21-15,0-42 0,-21 21 0,21-1 16,1 1-16,-1 0 0,-21 0 16,0 0-16,21 0 0,-21-1 15,0 1-15,21 21 0,-21 21 16,0 1-16,0-1 16,0 0-16,0 0 0,0 0 15,0 0-15,0 1 0,0-1 0,21 0 16,-21 0-16,21 0 0,1 0 15,-1 1-15,0-22 0,0 0 16,0 0-16,22 0 0,-22 0 16,0 0-16,0-22 0,0 22 0,0-21 15,22 0-15,-22 0 0,0 0 0,0 0 16,0-22-16,1 22 0,-1-21 16,-21-1-16,21-20 0,-21 21 15,0-22-15,0 1 0,0 20 0,21-20 16,-21-1-16,0 22 0,0-22 0,0 22 15,0 0-15,0 21 0,0-1 16,0 1-16,0 42 16,0 1-16,0-1 15,0 21-15,0 0 0,-21 1 16,21-1-16,-21 22 0,21-22 0,-21 21 16,21 1-16,0-22 0,-22 22 0,22-22 15,-21 0-15,21 1 0,0-1 0,-21 0 16,21-20-16,0-1 0,0 0 15,0 0-15,0 0 0,21-21 16,0 0 0,1-21-16,-22 0 0,21 21 15,-21-21-15,21 0 0,0-22 16,-21 22-16,21 0 0,-21 0 0,0 0 16,21-1-16,-21 1 0,22 0 0,-22 42 46,21 0-46,-21 1 0,0-1 0,21 0 16,-21 0-16,0 0 0,0 0 0,21-21 16,0 22-16,0-1 15,1 0-15,-1-21 0,0 0 16,0 0-16,0 0 0,0 0 16,1 0-16,-1 0 0,0 0 0,0 0 15,0 0-15,0-21 0,1 21 16,-1-21-16,0-1 0,0 1 0,-21 0 15,0 0-15,21-21 0,0 20 0,-21 1 16,0 0-16,0-21 0,0 21 0,0-1 16,0 1-16,0 0 15,0 42 1,0 0 0,-21 1-16,21-1 0,0 0 15,0 0-15,0 21 0,0-20 16,0-1-16,0 0 0,0 0 0,0 0 15,0 0-15,0 1 0,0-1 0,21-21 16,-21 21-16,22-21 0,-1 0 16,0 0-16,0 0 0,0 0 15,0 0-15,1 0 0,-1 0 0,21 0 16,-21-21-16,0 21 0,1-21 0,-1-1 16,0 1-16,0 0 0,-21 0 15,0 0-15,21 0 0,-21-1 16,0 1-16,0 0 0,0 0 15,0 0-15,0 42 47,0 0-47,0 0 0,0 0 16,0 1-16,21-1 0,-21 0 16,0 0-16,0 0 15,22-21-15,-22 21 0,0 1 0,0-1 16,0 0-16,0 0 15,21 0 1,0-21 0,0 0-16,0 0 15,0 0-15,1-21 0,-1 21 0,0-21 16,0 0-16,0 21 0,0-21 0,-21-1 16,22 1-16,-1 0 0,0 0 0,-21 0 15,0 0-15,0-1 0,21 1 16,-21 0-16,0 0 0,0 0 0,0 0 15,0-1-15,0 44 32,0-1-17,0 0-15,0 0 0,0 0 0,0 0 16,0 1-16,0-1 0,0 0 16,0 0-16,0 0 0,0 0 0,0 1 15,0-1-15,21 0 16,0-21-16,1 0 0,-1 0 15,0 0-15,0 0 0,0 0 0,22 0 16,-22 0-16,0 0 0,21 0 0,-21-21 16,1 0-16,-1-1 0,0 1 0,0 0 15,-21 0-15,0 0 0,21-22 16,-21 1-16,21 0 0,-21-1 0,22-20 16,-22 21-16,0-22 0,0 22 15,21-22-15,-21 1 0,21 20 0,-21-20 16,21 21-16,-21-1 0,0 1 15,0 21-15,0-22 0,0 22 0,0 0 16,0 42 0,-21 22-1,0-22-15,0 21 0,21 0 0,0 1 16,-22-1-16,1 22 0,21-22 0,0 21 16,0-20-16,0 20 0,0-20 0,0 20 15,0-21-15,0 1 0,21-1 16,1 0-16,-1 1 0,0-22 15,0 21-15,0-21 0,0 1 0,1-1 0,20 0 16,-21-21-16,0 0 0,22 21 16,-22-21-16,0 0 0,21 0 15,-21 0-15,22 0 0,-22-21 0,21 21 16,-21-21-16,1 0 0,20-1 0,-21 1 16,0 0-16,-21 0 0,0 0 0,21-22 15,-21 22-15,0-21 0,0 21 16,0-22-16,0 22 0,0-21 0,0 21 15,-21 0-15,21-1 0,-21 1 0,0 21 16,0 0-16,0 0 0,-1 0 16,1 21-16,0 1 0,0-1 15,0 21-15,0-21 0,-1 0 0,22 22 16,0-22-16,-21 0 0,21 21 0,0-20 16,0-1-16,0 0 0,0 0 15,0 0-15,0 0 0,21-21 0,1 0 16,-22 22-16,21-22 0,0 0 15,0 0-15,0 0 0,0 0 16,1-22-16,-1 1 0,0 21 0,-21-21 16,21 0-16,-21 0 0,21 0 0,-21-1 15,0 1-15,0 0 0,0-21 16,0 21-16,0-1 0,0 1 0,0 0 16,0 0-16,0 42 31,0 0-31,0 0 15,0 1-15,0-1 0,-21 21 0,21-21 16,0 0-16,0 1 0,0-1 0,0 0 16,21 0-16,-21 0 0,21 0 0,1 1 15,-1-22-15,0 0 0,0 0 0,0 0 16,22 0-16,-22 0 0,0 0 16,21 0-16,-21 0 0,1-22 0,-1 22 15,0-21-15,0 0 0,0 0 0,0 0 16,-21 0-16,0-1 0,22 1 0,-22 0 15,21 0-15,-21-21 0,0 20 16,0 1-16,0 0 0,0 0 16,0 42-1,-21 0 1,21 0-16,-22 1 0,22-1 16,0 21-16,-21-42 0,21 21 15,0 0-15,-21 1 0,21-1 0,0 0 16,0 0-16,0 0 0,21-42 47,0 0-32,-21 0-15,0 0 16,22-1-16,-22 1 0,21 0 16,-21 0-16,0 0 15,0 0-15,21 21 0,0 0 16,-21 21-1,0 0-15,0 0 16,0 0-16,0 0 16,0 1-16,21-1 0,-21 0 15,21-21-15,1 0 0,-1 0 16,0 0-16,0 0 16,0 0-16,0 0 15,1 0-15,-22-21 0,21 21 16,-21-21-16,21-1 0,-21 1 15,0 0-15,0 0 0,21 0 16,-21-22-16,0 22 0,0 0 0,21 0 16,-21 0-16,0 0 0,0-1 15,0 1-15,0 0 0,21 21 16,-21-21-16,22 21 0,-22 21 31,0 0-15,0 0-16,0 1 15,0-1-15,0-42 79,-22 21-64,1 21 1,0 0-16,21 0 15,0 0-15,0 0 0,0 22 0,-21-22 16,21 0-16,0 0 0,0 0 0,0 22 16,0-22-16,0 0 0,0 0 15,21 0-15,0-21 16,0 22-16,1-22 0,-1 0 0,0 0 16,0 0-16,0 0 15,0-22-15,1 22 0,-1-21 0,0 0 16,0 21-16,0-21 0,0 0 0,-21 0 15,22-1-15,-22 1 0,21 0 16,-21 0-16,0-21 0,0 20 0,0-20 16,0 21-16,0-21 0,0 20 0,0 1 15,0 0-15,0 0 0,-21 21 16,-1 21 0,1 0-16,21 22 0,-21-22 15,21 0-15,0 21 0,0-21 0,0 22 16,0-22-16,0 21 0,0-21 0,0 1 15,0-1-15,0 0 0,21 0 16,0 0-16,1-21 0,-1 0 16,0 0-16,0 0 0,0 0 15,0 0-15,1 0 0,-1 0 0,21-21 16,-21 21-16,0-21 0,1 21 0,-1-21 16,0 0-16,0-1 0,0 22 0,-21-21 15,0 0-15,0 0 0,0 0 0,0 0 16,0-22-16,-21 22 0</inkml:trace>
   <inkml:trace contextRef="#ctx0" brushRef="#br0" timeOffset="73963.77">9165 12764 0,'0'0'0,"-63"21"0,-22 0 16,43 0-16,20-21 0,1 0 15,42 0 1,22 0-16,-22 0 0,21 0 0,1-21 16,-1 0-16,0 0 0,1 21 15,20-22-15,-21 1 0,-20 0 0,20 21 16,-21-21-16,0 0 0,0 0 16,-21-1-16</inkml:trace>
   <inkml:trace contextRef="#ctx0" brushRef="#br0" timeOffset="74139.67">8721 12658 0,'0'0'0,"-22"0"0,-62 0 16,63 21-16,-1-21 0,1 0 16,0 0 30,21 21-30</inkml:trace>
   <inkml:trace contextRef="#ctx0" brushRef="#br0" timeOffset="74979.3">4424 14817 0,'-64'0'15,"64"-21"-15,0-1 0,-21 1 16,21 0-16,0 0 0,0 0 16,0 0-16,0-22 0,0 22 0,21 0 15,0 0-15,1-22 0,-22 22 16,21 21-16,0-21 0,21 21 15,-21 0-15,1 0 0,-1 21 0,0-21 16,0 43-16,0-22 0,-21 21 0,0 0 16,0 1-16,0 20 0,0-20 15,-21-1-15,0 0 0,0 1 0,0 20 16,-22-21-16,22 1 0,-21-1 0,21 0 16,-22 1-16,1-22 0,0 21 15,20-21-15,-20 22 0,21-22 0,-21-21 16,20 21-16,1-21 0,0 0 0,0 0 15,0 0-15,0 0 0,-1 0 16,22-21-16,0 0 16,0 0-16,0-22 0,0 22 0,0 0 15,22-21-15,-1 20 0,0-20 16,0 21-16,0 0 0,-21 0 0,21 21 16,1-22-16,20 22 0,-21 0 0,0 0 15,0 0-15,1 22 0,20-1 16,-21 0-16,0 0 0,0 0 0,1 0 15,-1 1-15,-21-1 0,21 21 0,0-21 16,-21 0-16,0 1 0,21-1 16,-21 0-16,21-21 0,-21 21 0,22 0 15,-22 0-15,21-21 16,0 0 0,-21-21-1,21 0-15,-21 0 0,21 0 0</inkml:trace>
@@ -197,12 +202,12 @@
   <inkml:trace contextRef="#ctx0" brushRef="#br0" timeOffset="76423.31">6794 14753 0,'0'0'0,"-21"-21"0,0 21 16,0-21-16,-21 0 0,20 0 0,22-1 15,-21-20-15,21 21 0,0-21 16,0-1-16,0 22 0,0-21 0,0-1 15,0 1-15,21 0 0,-21-1 0,0 1 16,0 21-16,22 0 0,-22 0 16,0-1-16,0 1 0,0 42 15,0 1 1,0-1-16,0 21 0,0 0 16,-22 22-16,22-1 0,0 1 15,0-1-15,0 1 0,0 21 0,0-22 16,0 1-16,0-22 0,0 21 0,0-20 15,0-1-15,0 0 0,0 1 16,0-1-16,0-21 0,0 0 0,0 1 16,0-1-16,-21 0 0,0-21 0,0 0 15,0 0-15,0 0 16,-1 0-16,1 0 0,0-21 0,0 0 16,0-1-16,0 1 0,-22 0 15,22-21-15,0 21 0,0-1 0,0 1 0,-1 0 16,1 0-16,0 0 0,21 0 15,-21-1-15,21 44 16,0-1 0,21 0-16,0 0 0,0 0 0,1 0 15,-1 1-15,21 20 0,-21-21 16,22 0-16,-22 0 0,21 1 0,0-1 16,1 0-16,-22 0 0,21-21 0,1 0 15,-22 0-15,21 0 0,0 0 16,-20 0-16,20 0 0,-21-21 0,21 0 15,-20 0-15,-1-1 0,21 1 0,-21 0 16,0-21-16,1 21 0,-22-1 16,0-20-16,21 21 0,-21-21 0,0 20 15,0-20-15,0 21 0,0 0 16,0 0-16,0-1 0,0 1 0,0 42 31,0 1-31,0-1 16,0 0-16,0 0 0,0 0 0,0 0 15,0 22-15,0-22 0,0 0 0,0 0 16,0 22-16,0-22 0,0 0 16,0 0-16,0 0 0,21 0 15,0-21-15,0 0 16,0 0 0,1-21-16,-1 0 0,-21 0 15,21 0-15,0 0 0,-21-22 0,21 22 16,0-21-16,-21 21 0,22-22 0,-22 1 15,21 0-15,0-1 0,-21 1 0,0 0 16,0 20-16,21 1 0,-21 0 16,21 21-16,-21 42 15,0-20-15,0-1 16,0 21-16,0-21 0,0 0 16,0 22-16,0-22 0,0 21 0,21-21 15,-21 1-15,22 20 0,-22-21 0,21 0 16,0 0-16,0 1 15,0-22-15,0 0 0,1 0 16,-1 0-16,0 0 0,0 0 0,21-22 16,-20 1-16,-1 0 0,21 0 0,-21 0 15,0-22-15,22 22 0,-22-21 0,0 0 16,0-1-16,0 1 0,-21-22 16,22 1-16,-22 21 0,21-22 0,-21 1 15,0-1-15,0 22 0,0-1 0,0 1 16,0 0-16,0 21 0,0-1 0,0 1 15,0 42 1,0 1-16,0 20 0,0 0 16,0 1-16,-21-1 0,21 21 15,-22-20-15,22 20 0,-21-20 0,21 20 16,0-21-16,0 1 0,0-1 16,0 0-16,0-20 0,0 20 0,0-21 15,0 0-15,0 0 0,21 1 0,1-22 16,-1 21-16,0-21 15,0 0-15,0 0 0,0-21 16,-21-1-16,22 1 0,-22 0 16,0 0-16,0 0 0,0 0 0,0-1 15</inkml:trace>
   <inkml:trace contextRef="#ctx0" brushRef="#br0" timeOffset="76580.22">7853 14584 0,'0'0'0,"-21"0"0,-1 0 0,22 21 0,22-21 31,-1 0-15,0 0-16,21 0 0,-21 0 0,1 0 15,-1-21-15,21 21 0,-21-21 0,0 21 16,1-21-16,-1 21 0,0 0 16</inkml:trace>
   <inkml:trace contextRef="#ctx0" brushRef="#br0" timeOffset="77245.77">8234 14690 0,'0'0'0,"0"21"15,0 0-15,0-42 32,21 0-32,0 0 0,0 21 15,0-22-15,1 1 0,-1 0 0,-21-21 16,21 21-16,-21-1 0,21 1 15,-21 0-15,0 0 0,0 0 16,0 0-16,-21 21 0,0 0 16,0 21-16,-1-21 15,1 42-15,0-21 0,0 0 16,21 22-16,-21-1 0,21-21 0,-21 22 16,21-1-16,0-21 0,0 21 0,0-20 15,0-1-15,0 0 0,0 0 0,21 0 16,0 0-16,0 1 0,0-22 15,0 0-15,22 0 0,-22 0 0,21 0 16,-21 0-16,22 0 0,-22 0 0,21 0 16,-21-22-16,1 1 0,-1 0 0,0 0 15,0 0-15,0 0 0,-21-1 16,0 1-16,21-21 0,1 21 16,-22-22-16,21 22 0,-21-21 0,21 21 15,0 0-15,-21-1 0,21 1 0,-21 0 16,21 21-16,1 0 0,-1 0 15,0 21-15,0 0 16,-21 1-16,21-1 0,0 0 0,-21 21 16,0-21-16,0 1 0,22-1 15,-22 21-15,21-21 0,-21 0 0,0 1 16,0-1-16,0 0 0,0 0 16,0-42 30,0 0-46,0 0 0,0-1 16,21-20-16,-21 21 0,0 0 0,0-22 16,21 1-16,0 0 0,-21 21 15,21-22-15,-21 22 0,0 0 0,22 0 16,-22 0-16,21-1 0,0 22 16,0 0-1,0 0 1,-21 22-16</inkml:trace>
-  <inkml:trace contextRef="#ctx0" brushRef="#br0" timeOffset="77815.71">9737 14097 0,'0'0'0,"-22"-21"0,1-43 16,0 22-16,21 21 0,-21 0 0,0 21 16,0 0-16,-1 0 0,1 0 15,0 42-15,0-21 0,21 0 16,-21 22-16,21 20 16,-21-20-16,21 20 0,0 1 0,-22-1 15,22 1-15,-21-1 0,21 22 0,0-22 16,0 1-16,0-1 0,0 22 0,-21-22 15,21 1-15,0-1 0,-21 22 16,21-21-16,0-1 0,0 1 0,0-1 16,0-21-16,0 22 0,0-1 0,0-20 15,0-1-15,0 22 0,0-43 0,0 21 16,0-21-16,0 22 0,0-22 16,21-21-16,0 0 15,0 0-15,1-21 0,-1-1 16,0 1-16,0 0 0,0 0 0,0-21 15,1 20-15,-22-20 0,21 0 0,-21-1 16,0 1-16,0 0 0,0-1 0,0 1 16,0-21-16,0 20 0,0-20 15,-43 20-15,22 1 0,0 0 0,0-1 16,-21 22-16,-1-21 0,22 21 0,-21 0 16,-1-1-16,22 22 0,-21-21 0,0 21 15,20 0-15,1 0 0,0-21 0,63 21 47,-20 0-47,-1 0 0,21-21 0,0 21 0,1-21 16,-1 21-16,0-21 0,1 21 15,-1-22-15,0 1 0,1 21 16,20-21-16</inkml:trace>
+  <inkml:trace contextRef="#ctx0" brushRef="#br0" timeOffset="77815.7">9737 14097 0,'0'0'0,"-22"-21"0,1-43 16,0 22-16,21 21 0,-21 0 0,0 21 16,0 0-16,-1 0 0,1 0 15,0 42-15,0-21 0,21 0 16,-21 22-16,21 20 16,-21-20-16,21 20 0,0 1 0,-22-1 15,22 1-15,-21-1 0,21 22 0,0-22 16,0 1-16,0-1 0,0 22 0,-21-22 15,21 1-15,0-1 0,-21 22 16,21-21-16,0-1 0,0 1 0,0-1 16,0-21-16,0 22 0,0-1 0,0-20 15,0-1-15,0 22 0,0-43 0,0 21 16,0-21-16,0 22 0,0-22 16,21-21-16,0 0 15,0 0-15,1-21 0,-1-1 16,0 1-16,0 0 0,0 0 0,0-21 15,1 20-15,-22-20 0,21 0 0,-21-1 16,0 1-16,0 0 0,0-1 0,0 1 16,0-21-16,0 20 0,0-20 15,-43 20-15,22 1 0,0 0 0,0-1 16,-21 22-16,-1-21 0,22 21 0,-21 0 16,-1-1-16,22 22 0,-21-21 0,0 21 15,20 0-15,1 0 0,0-21 0,63 21 47,-20 0-47,-1 0 0,21-21 0,0 21 0,1-21 16,-1 21-16,0-21 0,1 21 15,-1-22-15,0 1 0,1 21 16,20-21-16</inkml:trace>
   <inkml:trace contextRef="#ctx0" brushRef="#br0" timeOffset="78799.32">9969 14542 0,'0'0'0,"0"-22"0,0-83 16,0 83-16,-21 1 15,0-21-15,0 21 0,0 0 0,0-1 16,-22 22-16,22 0 0,0 0 0,0 0 16,0 0-16,-22 0 0,22 22 0,21-1 15,-21 0-15,0 21 16,21 1-16,-21-1 0,21 0 0,0 1 16,0-22-16,0 21 0,0 0 0,0 1 15,0-22-15,0 0 0,21 0 0,0 0 16,-21 1-16,21-1 0,0-21 15,0 0-15,1 0 0,-1 0 16,0 0-16,-21-21 0,21-1 0,0 22 16,-21-21-16,0 0 0,21 0 0,-21 0 15,22-22-15,-22 22 0,0 0 16,0-21-16,0 21 0,0-1 0,0 1 16,0 0-16,0 0 0,21 21 0,-21 21 31,21 0-31,-21 0 15,0 1-15,0 20 0,0-21 0,21 0 16,-21 0-16,21 1 0,-21-1 0,21 0 16,1 0-16,-1 0 0,0 0 0,0-21 15,0 0-15,0 22 0,22-22 0,-22 0 16,0 0-16,0 0 0,0 0 16,22-22-16,-22 22 0,0-21 0,0 0 15,0 0-15,1 21 0,-22-21 0,21-22 16,0 22-16,0 0 0,0 0 0,-21-21 15,21 20-15,1 1 0,-22 0 16,0 0-16,21 0 0,0 0 16,-21 42 46,0-42-31,0-1-15,0 1 0,-21 42 15,21 1-15,-21-1-16,21 0 0,-22 0 15,22 0-15,0 0 0,0 1 0,0 20 16,-21-21-16,21 0 0,0 0 0,0 1 15,0-1-15,0 0 0,0 0 0,21 0 16,-21 0-16,22-21 0,-1 0 16,0 22-16,21-22 0,-21 0 0,1 0 15,20 0-15,-21 0 0,21-22 0,1 22 16,-22-21-16,21 0 0,-21 0 0,22 0 16,-22 0-16,0-1 0,0 1 15,0 0-15,1-21 0,-1 21 0,0-22 16,-21 1-16,0 21 0,0-22 15,0 1-15,0 21 0,0 0 0,0 0 16,0-1-16,-21 22 0,0 0 16,-1 22-16,1-1 0,0 0 15,0 21-15,-21 1 0,20-1 0,22 0 16,-21 1-16,21-1 0,0 0 0,0 1 16,0-1-16,0-21 0,0 21 0,21-20 15,1-1-15,-1 0 0,21-21 16,-21 21-16,22-21 0,-1 0 0,0 0 15,-21 0-15,22 0 0,-1-21 0,0 21 16,1-21-16,-22 0 0,21 21 0,-21-22 16,1 1-16,-1 0 0,-21 0 15,0 0-15</inkml:trace>
   <inkml:trace contextRef="#ctx0" brushRef="#br0" timeOffset="79793">4149 16044 0,'-22'0'31,"22"-21"0,0 0-15,22 0-16,-1 21 15,0 0-15,0-21 0,0 21 16,0 0-16,1 0 0,-1 0 16,0 21-16,0 0 0,-21 0 0,21 0 15,-21 1-15,0-1 0,0 21 16,0-21-16,-21 22 0,0-22 0,0 21 16,0-21-16,-1 0 0,1 22 0,0-22 15,0 0-15,0-21 16,0 21-16,-1 0 0,22-42 47,22 21-32,-1-21-15,0 21 0,0 0 0,0-21 16,0 21-16,1 0 0,-1 0 16,0 0-16,21 0 0,-21 0 0,1 21 15,-1 0-15,0 0 0,0-21 16,-21 22-16,0-1 0,0 0 15,0 21-15,0-21 0,-42 1 0,21-1 16,-1 21-16,-20-21 0,21 0 0,-21 1 16,-1-1-16,22 0 0,-21 0 15,21 0-15,-1 0 0,-20-21 0,21 0 16,0 22-16,0-22 0,-1 0 16,1 0-16,21-22 0,-21 22 15,21-21-15,0 0 0,0 0 0,0 0 16,0 0-16,0-1 0,0 1 15,21 0-15,0 0 0,1 0 16,-22 0-16,21-1 0,0 22 0,0-21 16,-21 0-16</inkml:trace>
   <inkml:trace contextRef="#ctx0" brushRef="#br0" timeOffset="79987.89">4953 16362 0,'0'0'0,"0"21"15,21-42 32,0 0-31</inkml:trace>
-  <inkml:trace contextRef="#ctx0" brushRef="#br0" timeOffset="81592.44">5905 16002 0,'-21'0'0,"0"0"0,0 0 16,21 21-16,-21 0 15,21 1 1,0-1-16,21-21 15,0 0-15,0 0 0,0 0 16,1 0-16,-1 0 0,21-21 0,0-1 16,-20 1-16,20 0 0,0 0 0,1 0 15,-22-22-15,21 22 16,-21 0-16,0 0 0,1-21 0,-1 20 16,-21 1-16,0 0 0,0 0 0,-21 0 15,-1 0-15,-20 21 0,21 0 16,-21 0-16,-1 0 0,1 0 15,0 0-15,-1 21 0,1 0 0,0 0 16,-1 0-16,22 22 0,-21-22 0,21 21 16,-1 0-16,1 1 0,0-1 15,21 0-15,0-20 0,0 20 16,0 0-16,21-21 0,0 22 0,1-22 16,-1 0-16,21 0 0,0 0 0,-20-21 15,20 22-15,0-22 0,1 0 16,-22 0-16,21 0 0,-21 0 0,0 0 15,1 0-15,-1 0 0,-42 0 32,-1 0-32,-20 0 0,21 0 15,-21 21-15,-1-21 0,-20 21 16,20 0-16,1-21 0,0 21 0,-1 0 16,1 1-16,0-1 0,21 0 0,-1 0 15,1 0-15,21 22 16,0-22-16,0 0 0,0 0 0,0 0 15,21 0-15,22-21 0,-22 22 0,21-22 16,1 0-16,-1 0 0,21 0 16,-20 0-16,20 0 0,-20 0 0,-1-22 15,21 22-15,-20-21 0,20 0 0,-20 0 16,20 0-16,-21 0 0,1-22 16,-1 22-16,0 0 0,1 0 0,-1-22 15,-21 22-15,0 0 0,1-21 0,-22 21 16,0-1-16,0 1 0,0 0 15,0 0-15,0 0 0,-22 21 16,1 0 0,21 21-16,0 0 0,-21 0 15,21 0-15,-21 1 0,21-1 0,0 21 16,-21-21-16,21 0 0,0 1 0,0-1 16,0 0-16,0 0 0,0 0 0,0 0 15,0 1-15,0-1 16,21-21 15,-21-21-31,21 21 0,0-22 16,-21 1-16,21 0 0,1 0 0,-1 0 15,0 0-15,-21-1 0,21-20 0,0 21 16,0 0-16,1-22 16,-1 22-16,0 0 0,0 21 0,0-21 15,0 21-15,1 0 0,-1 21 16,-21 0-16,0 0 15,0 1-15,0-1 0,0 0 0,0 0 16,0 0-16,0 0 0,0 1 0,0-1 16,0 0-16,0 0 15,0 0-15,0 0 0,21-21 16,0 0 0,0 0-16,0 0 0</inkml:trace>
-  <inkml:trace contextRef="#ctx0" brushRef="#br0" timeOffset="82505.91">7408 16193 0,'0'0'0,"0"-22"0,0-62 15,0 63-15,0-1 16,0 1-16,-21 21 16,0 0-16,0 0 15,0 21-15,-1 1 0,22-1 0,-21 21 16,0-21-16,0 0 0,0 22 0,21-22 15,0 21-15,0-21 0,0 22 16,0-22-16,0 21 0,0-21 0,0 1 16,0-1-16,21 0 0,0 0 15,-21 0-15,21 0 0,22-21 16,-22 0-16,0 22 0,21-22 0,-21 0 16,22 0-16,-22 0 0,21-22 0,1 22 15,-22-21-15,21 0 0,0 21 0,-20-21 16,-1 0-16,0 0 0,0-1 15,0 1-15,-21 0 0,21 0 0,-21 0 16,0 0-16,0-1 0,0 1 0,0 0 16,-21 0-16,0 21 15,0 0-15,0 0 0,0 0 0,-1 21 16,1-21-16,0 21 16,0 0-16,0 1 0,0-1 0,21 0 15,0 0-15,0 0 0,0 0 16,0 1-16,0-1 0,0 0 0,0 0 15,0 0-15,0 0 0,21-21 16,0 0-16,0 22 0,0-22 16,0 0-16,1 0 0,-1 0 15,0 0-15,-21-22 0,21 1 0,0 0 16,0 0-16,-21 0 16,0 0-16,0-1 15,0 1-15,0 0 0,0 0 16,-21 21-16,0 0 15,21 21 1,0 0 0,0 0-16,0 1 0,0-1 15,21 0-15,0 0 16,1-21-16,-1 0 0,0 0 16,0 0-16,0 0 0,22 0 15,-22 0-15,21 0 0,-21-21 0,22 21 16,-22-21-16,21 0 0,-21-1 15,0 22-15,1-21 0,-1 0 0,0 0 16,-21 0-16,0 0 0,0-1 0,0 1 16,0 0-16,0 0 0,0 0 15,0 0-15,0-1 16,-21 22 0,21 22-16,-21-1 0,21 0 0,0 0 15,0 21-15,0-20 0,0 20 0,0 0 16,0 1-16,0-1 0,0 0 15,0 1-15,0 20 0,0-21 0,0 22 16,0-22-16,0 22 0,0-1 0,0-20 16,21 20-16,-21-21 0,0 1 15,0-1-15,0 0 0,0 1 0,0-22 16,0 21-16,0-21 0,0 1 16,-21-22-16,21-22 15,0 1 1,0 0-16,0 0 0,0-21 0,0 20 15,0-20-15</inkml:trace>
+  <inkml:trace contextRef="#ctx0" brushRef="#br0" timeOffset="81592.43">5905 16002 0,'-21'0'0,"0"0"0,0 0 16,21 21-16,-21 0 15,21 1 1,0-1-16,21-21 15,0 0-15,0 0 0,0 0 16,1 0-16,-1 0 0,21-21 0,0-1 16,-20 1-16,20 0 0,0 0 0,1 0 15,-22-22-15,21 22 16,-21 0-16,0 0 0,1-21 0,-1 20 16,-21 1-16,0 0 0,0 0 0,-21 0 15,-1 0-15,-20 21 0,21 0 16,-21 0-16,-1 0 0,1 0 15,0 0-15,-1 21 0,1 0 0,0 0 16,-1 0-16,22 22 0,-21-22 0,21 21 16,-1 0-16,1 1 0,0-1 15,21 0-15,0-20 0,0 20 16,0 0-16,21-21 0,0 22 0,1-22 16,-1 0-16,21 0 0,0 0 0,-20-21 15,20 22-15,0-22 0,1 0 16,-22 0-16,21 0 0,-21 0 0,0 0 15,1 0-15,-1 0 0,-42 0 32,-1 0-32,-20 0 0,21 0 15,-21 21-15,-1-21 0,-20 21 16,20 0-16,1-21 0,0 21 0,-1 0 16,1 1-16,0-1 0,21 0 0,-1 0 15,1 0-15,21 22 16,0-22-16,0 0 0,0 0 0,0 0 15,21 0-15,22-21 0,-22 22 0,21-22 16,1 0-16,-1 0 0,21 0 16,-20 0-16,20 0 0,-20 0 0,-1-22 15,21 22-15,-20-21 0,20 0 0,-20 0 16,20 0-16,-21 0 0,1-22 16,-1 22-16,0 0 0,1 0 0,-1-22 15,-21 22-15,0 0 0,1-21 0,-22 21 16,0-1-16,0 1 0,0 0 15,0 0-15,0 0 0,-22 21 16,1 0 0,21 21-16,0 0 0,-21 0 15,21 0-15,-21 1 0,21-1 0,0 21 16,-21-21-16,21 0 0,0 1 0,0-1 16,0 0-16,0 0 0,0 0 0,0 0 15,0 1-15,0-1 16,21-21 15,-21-21-31,21 21 0,0-22 16,-21 1-16,21 0 0,1 0 0,-1 0 15,0 0-15,-21-1 0,21-20 0,0 21 16,0 0-16,1-22 16,-1 22-16,0 0 0,0 21 0,0-21 15,0 21-15,1 0 0,-1 21 16,-21 0-16,0 0 15,0 1-15,0-1 0,0 0 0,0 0 16,0 0-16,0 0 0,0 1 0,0-1 16,0 0-16,0 0 15,0 0-15,0 0 0,21-21 16,0 0 0,0 0-16,0 0 0</inkml:trace>
+  <inkml:trace contextRef="#ctx0" brushRef="#br0" timeOffset="82505.9">7408 16193 0,'0'0'0,"0"-22"0,0-62 15,0 63-15,0-1 16,0 1-16,-21 21 16,0 0-16,0 0 15,0 21-15,-1 1 0,22-1 0,-21 21 16,0-21-16,0 0 0,0 22 0,21-22 15,0 21-15,0-21 0,0 22 16,0-22-16,0 21 0,0-21 0,0 1 16,0-1-16,21 0 0,0 0 15,-21 0-15,21 0 0,22-21 16,-22 0-16,0 22 0,21-22 0,-21 0 16,22 0-16,-22 0 0,21-22 0,1 22 15,-22-21-15,21 0 0,0 21 0,-20-21 16,-1 0-16,0 0 0,0-1 15,0 1-15,-21 0 0,21 0 0,-21 0 16,0 0-16,0-1 0,0 1 0,0 0 16,-21 0-16,0 21 15,0 0-15,0 0 0,0 0 0,-1 21 16,1-21-16,0 21 16,0 0-16,0 1 0,0-1 0,21 0 15,0 0-15,0 0 0,0 0 16,0 1-16,0-1 0,0 0 0,0 0 15,0 0-15,0 0 0,21-21 16,0 0-16,0 22 0,0-22 16,0 0-16,1 0 0,-1 0 15,0 0-15,-21-22 0,21 1 0,0 0 16,0 0-16,-21 0 16,0 0-16,0-1 15,0 1-15,0 0 0,0 0 16,-21 21-16,0 0 15,21 21 1,0 0 0,0 0-16,0 1 0,0-1 15,21 0-15,0 0 16,1-21-16,-1 0 0,0 0 16,0 0-16,0 0 0,22 0 15,-22 0-15,21 0 0,-21-21 0,22 21 16,-22-21-16,21 0 0,-21-1 15,0 22-15,1-21 0,-1 0 0,0 0 16,-21 0-16,0 0 0,0-1 0,0 1 16,0 0-16,0 0 0,0 0 15,0 0-15,0-1 16,-21 22 0,21 22-16,-21-1 0,21 0 0,0 0 15,0 21-15,0-20 0,0 20 0,0 0 16,0 1-16,0-1 0,0 0 15,0 1-15,0 20 0,0-21 0,0 22 16,0-22-16,0 22 0,0-1 0,0-20 16,21 20-16,-21-21 0,0 1 15,0-1-15,0 0 0,0 1 0,0-22 16,0 21-16,0-21 0,0 1 16,-21-22-16,21-22 15,0 1 1,0 0-16,0 0 0,0-21 0,0 20 15,0-20-15</inkml:trace>
   <inkml:trace contextRef="#ctx0" brushRef="#br0" timeOffset="82776.75">8170 16404 0,'0'0'0,"0"-63"0,0-85 16,0 84-16,0 43 0,21-21 15,1 20-15,-1 1 0,0 0 0,0 21 16,0 0-16,0 0 0,1 0 15,-1 21-15,0 0 0,-21 1 0,0 20 16,21-21-16,-21 0 0,0 22 0,0-22 16,0 21-16,-21-21 0,0 0 15,0 1-15,-1-1 0,1 0 0,0 0 16,0 0-16,0 0 0,0-21 0,21 22 16,-22-22-16,1 0 0,42-22 31,1 22-31,-1-21 15,0 0-15,0 0 0,0 0 0,0-22 16,1 22-16,20 0 0</inkml:trace>
   <inkml:trace contextRef="#ctx0" brushRef="#br0" timeOffset="85331.93">8678 16023 0,'0'0'0,"21"-21"16,-42 21-1,0 0 1,0 21-16,0-21 0,0 21 0,-1 1 15,1-1-15,0 0 0,0 0 0,21 0 16,-21-21-16,21 21 0,0 1 16,0-1-16,0 0 0,21 0 15,0-21-15,0 0 0,0 21 16,1-21-16,-1 0 0,0 21 16,0-21-16,0 0 0,0 22 0,1-22 15,-1 0-15,0 21 0,0-21 0,0 0 16,-21 21-16,0 0 0,0 0 15,-21 0 1,0-21-16,0 0 0,-22 0 0,22 22 16,-21-22-16,21 0 0,0 0 0,-22 0 15,22 0-15,0 0 0,0 0 0,0 0 16,21 21 0,21-21-1,0 0 1,0 0-16,0 0 0,0 0 0,1 0 15,-1 0-15,21 0 0,-21 0 16,0 0-16,1 0 0,-1-21 0,0 21 16,21-22-16,-21 1 0,1 21 0,-22-21 15,21 0-15,0 21 0,0-21 0,0 0 16,-21-1-16,0 1 0,0-21 16,21 21-16,-21 0 0,0-1 0,0 1 15,0 0-15,0 42 31,0 0-31,0 1 16,0-1-16,0 0 0,0 0 16,0 0-16,0 0 0,0 1 0,0-1 15,0 0-15,22 0 16,-1-21-16,0 0 16,0 0-16,0 0 0,0 0 15,1 0-15,-1-21 0,0 21 0,0-21 16,0 0-16,0-1 0,1 1 15,-1 0-15,0 0 0,-21 0 0,21 0 16,0-1-16,-21 1 0,21 0 0,-21 0 16,0 0-16,0 42 31,0 0-31,-21 0 16,21 0-16,-21 1 0,21 20 15,0-21-15,0 0 0,0 0 0,0 1 16,0-1-16,0 0 0,21-21 15,0 21-15,1 0 0,-1-21 0,0 0 16,0 0-16,0 0 0,0 0 0,22 0 16,-22 0-16,0-21 0,21 21 0,-20-21 15,20 0-15,-21 0 0,21-1 16,-20 1-16,-1 0 0,0-21 0,0 21 16,0-22-16,0 1 0,-21 0 15,0-1-15,0-20 0,22 20 0,-22-20 16,0 21-16,0-1 0,0-20 15,0 20-15,0 1 0,0 21 0,0-21 16,0 20-16,-22 22 16,1 0-16,0 22 0,21-1 15,0 21-15,-21-21 0,0 22 16,21-1-16,-21 0 0,21 22 0,-22-22 16,22 0-16,0 1 0,0 20 0,0-20 15,0-1-15,0 0 0,22-21 0,-1 22 16,0-22-16,0 0 0,0 0 15,0 0-15,1-21 0,20 0 0,-21 0 16,21 0-16,-20 0 0,-1 0 16,21 0-16,-21 0 0,0-21 0,1 0 15,-1 21-15,0-21 0,0 0 16,0 0-16,-21-1 0,21 1 0,-21-21 16,0 21-16,0 0 0,0-1 0,0-20 15,0 21-15,0 0 0,0 0 16,0-1-16,-21 22 15,0 0-15,21 22 0,-21-1 16,21 0-16,-21-21 0,21 42 0,-21-21 16,21 1-16,-22-1 0,22 0 15,0 21-15,0-21 0,0 1 0,0-1 16,0 0-16,0 0 16,22-21-1,-1 0 1,0 0-16,0 0 0,-21-21 15,21 0-15,-21 0 0,0-1 0,21 1 16,1 0-16,-22 0 0,0 0 16,0 0-16,0-1 0,0 44 31,0-1-31,0 0 16,0 0-16,0 0 0,0 0 0,0 1 15,0-1-15,0 0 0,0 0 16,0 0-16,0 0 0,21 1 15,0-1-15,0-21 0,0 21 0,0-21 16,22 0-16,-22 0 0,0 0 16,0 0-16,0 0 0,22-21 15,-22 0-15,0-1 0,0 1 0,0 0 16,1 0-16,-1 0 0,0-22 0,0 22 16,0-21-16,0 0 0,1-1 0,-1-20 15,0 20-15,-21 1 0,21-21 16,0 20-16,0-20 0,-21 20 0,22 1 15,-22 0-15,0-1 0,0 22 0,0 0 16,0 0-16,0 0 0,-22 42 31,1 21-31,0-21 0,0 22 0,0-22 16,0 21-16,-1 1 0,22-1 0,-21 0 16,0 22-16,21-22 0,0 0 15,0 22-15,0-22 0,0 1 0,0-1 16,0 0-16,0-21 0,0 22 0,21-22 15,0 0-15,1 0 0,-1 0 0,0-21 16,0 0-16,0 0 0,0 0 16,1 0-16,-1 0 0,0 0 0,21 0 15,-21-21-15,1 0 0,-1 0 0,0 0 16,0 0-16,0-1 0,-21-20 16,21 21-16,-21 0 0,22 0 15,-22-1-15,0 1 0,0 0 0,0 0 16,0 42 15,0 0-31,0 0 0,-22 1 16,22-1-16,0 0 0,0 0 0,0 0 15,0 0-15,0 1 0,0-1 16,22 0-16,-1-21 0,-21 21 16,21-21-16,0 0 0,0 0 0,0 0 15,1 0-15,-1 0 0,0 0 16,0 0-16,0 0 0,0-21 0,1 21 15,-1-21-15,0 0 0,0-1 16,0 1-16,0 0 0,-21 0 16,22 0-16,-22 0 0,0-1 15,0 1-15,-22 21 32,22 21-32,-21 1 15,21-1-15,0 0 0,0 0 16,0 0-16,0 0 0,0 1 15,0-1-15,21-21 16,1 21 0,-1-21-16,0 0 0,0 0 15,0 0 1,-21-21-16,0 0 0,0-1 16,0 1-16,0 0 15,-21 0-15,21 0 0,0 0 16,-21 21-16,0-22 0,21 1 0,-21 0 15,-1 0-15,22 0 16,0 0 0,22 21-16,-1 0 15,0 0-15,0 0 16,0 0-16,0 0 16,1 0-16,-1 21 15,-21 0-15,21-21 0,0 21 0,0 0 16,-21 0-16,21 1 0,-21-1 0,22 0 15,-22 0-15,0 0 0,0 0 0,0 1 16,0-1-16,0 0 16,0 0-16,-22 0 15,22-42 32,0 0-47,0 0 16,22 0-16,-22-1 0,21 1 15,0 0-15,0-21 0,0 21 0,22-22 16,-22 22-16,21-21 0,0 21 16,1-1-16,-22 1 0,21 21 0,-21 0 15,1 0-15,-1 0 0,0 0 0,0 21 16,-21 1-16,0-1 16,0 21-16,0-21 0,0 0 15,0 1-15,0-1 0,-21 0 0,0 0 16,21 0-16,-21 0 0,21 1 0,0-1 15,0 0 1,0-42 31,0 0-47,0-1 0,0 1 16,0 0-16</inkml:trace>
   <inkml:trace contextRef="#ctx0" brushRef="#br0" timeOffset="85515.83">11959 15727 0,'0'0'15,"-21"-21"-15,-21 21 16,20 0 46,1-21-46</inkml:trace>
@@ -233,7 +238,7 @@
   <inkml:trace contextRef="#ctx0" brushRef="#br0" timeOffset="109900.03">14372 6329 0,'0'0'0,"21"0"93,0 0-93,1 0 16,-1 0-16</inkml:trace>
   <inkml:trace contextRef="#ctx0" brushRef="#br0" timeOffset="110386.09">15494 6117 0,'0'0'0,"42"0"0,-21-21 0,22 0 0,-22 21 16,0-21-16,0 0 0,-21-1 0,0 1 16,0 0-16,0 0 15,-21 21-15,0 0 16,0 0-16,-22 0 0,22 0 0,-21 0 16,0 21-16,20-21 0,-20 21 15,0 0-15,-1 1 0,1-1 0,21 0 0,-21 21 16,20-21-16,1 1 15,21-1-15,0 0 0,0 0 0,0 0 16,0 0-16,0 1 0,0 20 0,21-21 16,1 0-16,20 0 0,-21 1 0,0-1 15,22 0-15,-22 0 0,21 0 0,-21 0 16,0 1-16,1-1 0,-1 0 16,0 0-16,-21 0 0,21 0 0,-21 1 15,0-1-15,0 0 0,-42-21 16,21 21-16,-1 0 0,-20-21 0,0 21 15,-1-21-15,1 0 0,0 0 0,-22 22 16,22-22-16,0 0 0,20 0 0,-20 0 16,21 0-16,-21 0 0,20 0 15,1 0-15,0 0 0,21-22 16,-21 1-16,21 0 16,0 0-16,21 0 15,0 21-15,0-21 0,1 21 16,-1-22-16,0 1 0,0 21 0,21-21 15,-20 0-15,20 0 0</inkml:trace>
   <inkml:trace contextRef="#ctx0" brushRef="#br0" timeOffset="110779.11">15769 6498 0,'0'0'0,"21"-21"15,-21 0-15,21 21 16,1-21-16,-1 0 0,0-1 16,0 1-16,-21 0 0,21 0 15,0 0-15,-21 0 0,22-1 16,-22 1-16,0 0 0,0 0 16,0 0-16,0 0 15,-22 21-15,1 0 16,0 0-16,0 21 0,0 0 15,21 0-15,-21 0 0,-1 0 16,1 1-16,0 20 0,21 0 0,0-21 16,0 22-16,0-1 0,0-21 0,0 22 15,0-22-15,0 21 0,0-21 0,0 0 16,0 1-16,21-1 0,0 0 16,1 0-16,-1 0 0,0-21 15,21 0-15,-21 0 0,1 0 0,-1 0 16,21 0-16,-21 0 0,22-21 0,-22 0 15,21 21-15,0-21 0,-20 0 0,20-22 16,0 22-16,-21 0 0,22 0 0</inkml:trace>
-  <inkml:trace contextRef="#ctx0" brushRef="#br0" timeOffset="111115.91">16722 5906 0,'21'-43'0,"-21"-41"16,0 62-1,0 1-15,0 42 16,0 1 0,0-1-16,-21 21 0,21-21 0,-22 22 15,22-22-15,-21 21 0,21 0 0,0-20 16,0 20-16,-21 0 0,21 1 16,-21-22-16,21 21 0,0 0 15,0 1-15,0-1 0,0-21 0,0 22 16,-21-1-16,21-21 0,0 0 0,0 22 15,0-22-15,0 0 0,0 0 16,21-21-16,-21 21 0,21-21 16,0 0-16,0 0 0,1 0 15,-1 0-15,0-21 0,0 21 0,0-21 16,0 21-16,-21-21 0,22 0 0,-1-1 16,0 1-16,0 0 0,-21 0 15,21 0-15,0 0 0,-21-1 0,0-20 16,22 21-16,-22 0 0</inkml:trace>
+  <inkml:trace contextRef="#ctx0" brushRef="#br0" timeOffset="111115.9">16722 5906 0,'21'-43'0,"-21"-41"16,0 62-1,0 1-15,0 42 16,0 1 0,0-1-16,-21 21 0,21-21 0,-22 22 15,22-22-15,-21 21 0,21 0 0,0-20 16,0 20-16,-21 0 0,21 1 16,-21-22-16,21 21 0,0 0 15,0 1-15,0-1 0,0-21 0,0 22 16,-21-1-16,21-21 0,0 0 0,0 22 15,0-22-15,0 0 0,0 0 16,21-21-16,-21 21 0,21-21 16,0 0-16,0 0 0,1 0 15,-1 0-15,0-21 0,0 21 0,0-21 16,0 21-16,-21-21 0,22 0 0,-1-1 16,0 1-16,0 0 0,-21 0 15,21 0-15,0 0 0,-21-1 0,0-20 16,22 21-16,-22 0 0</inkml:trace>
   <inkml:trace contextRef="#ctx0" brushRef="#br0" timeOffset="111431.81">16679 6075 0,'0'0'16,"-42"0"-16,21 0 0,0 0 0,-1 0 0,44 0 31,20 0-16,-21-21-15,21 21 0,-20 0 0,20 0 16,0-21-16,-21 21 0,22 0 0,-1 0 16,0 0-16,-20 0 0,20 0 15,-21 0-15,21 0 0,-20 0 16,-1 0-16,0 0 0,0 0 0,-42 0 78,0 0-62,0 0-16,21 21 15,0 0-15,-22-21 0</inkml:trace>
   <inkml:trace contextRef="#ctx0" brushRef="#br0" timeOffset="114820.59">13674 8043 0,'0'-21'47,"0"0"-32,0 0 1,0 0-16,0 0 15,0-1 1,21 22-16,0 0 0,0-21 0,0 21 16,0 0-16,1 0 0,-1 0 15,0 0-15,0 0 0,0 21 16,0 1-16,1-1 0,-22 0 0,0 0 16,0 0-16,0 0 0,0 1 15,0 20-15,0-21 0,-43 0 0,22 22 16,0-22-16,0 0 0,0 0 15,-22 0-15,22 0 0,0 1 0,0-1 16,0-21-16,-1 21 0,1-21 0,0 0 16,0 0-1,21-21 1,0 0 0,21-1-16,-21 1 0,42 21 0,-20-21 15,-1 0-15,21 21 16,0-21-16,-20 21 0,20 0 0,21 0 15,-20 0-15,-1 0 0,0 0 0,1 0 16,-1 0-16,0 21 0,-20 0 0,-1 0 16,0 0-16,-21 22 0,0-22 15,0 0-15,0 21 0,0-20 0,-21 20 16,0-21-16,-1 0 0,-20 22 0,21-22 16,-21 0-16,20 0 0,-20 0 0,21-21 15,-21 21-15,20 1 0,-20-22 16,21 0-16,0 0 0,0 0 0,-1 0 15,1 0-15,0 0 0,0 0 16,0 0-16,21-22 16,0 1-16,0 0 15,0 0-15,0 0 16,21 0-16</inkml:trace>
   <inkml:trace contextRef="#ctx0" brushRef="#br0" timeOffset="114995.48">14541 8361 0,'0'0'0,"22"0"0,-1 0 15,0 0 48,0-21-63</inkml:trace>
@@ -249,6 +254,47 @@
 </file>
 
 <file path=ppt/ink/ink10.xml><?xml version="1.0" encoding="utf-8"?>
+<inkml:ink xmlns:inkml="http://www.w3.org/2003/InkML">
+  <inkml:definitions>
+    <inkml:context xml:id="ctx0">
+      <inkml:inkSource xml:id="inkSrc0">
+        <inkml:traceFormat>
+          <inkml:channel name="X" type="integer" max="1600" units="cm"/>
+          <inkml:channel name="Y" type="integer" max="900" units="cm"/>
+          <inkml:channel name="T" type="integer" max="2.14748E9" units="dev"/>
+        </inkml:traceFormat>
+        <inkml:channelProperties>
+          <inkml:channelProperty channel="X" name="resolution" value="51.77993" units="1/cm"/>
+          <inkml:channelProperty channel="Y" name="resolution" value="51.72414" units="1/cm"/>
+          <inkml:channelProperty channel="T" name="resolution" value="1" units="1/dev"/>
+        </inkml:channelProperties>
+      </inkml:inkSource>
+      <inkml:timestamp xml:id="ts0" timeString="2020-12-03T03:55:25.270"/>
+    </inkml:context>
+    <inkml:brush xml:id="br0">
+      <inkml:brushProperty name="width" value="0.05292" units="cm"/>
+      <inkml:brushProperty name="height" value="0.05292" units="cm"/>
+      <inkml:brushProperty name="color" value="#FF0000"/>
+    </inkml:brush>
+  </inkml:definitions>
+  <inkml:trace contextRef="#ctx0" brushRef="#br0">12319 2773 0,'0'0'15,"21"0"48,-21 21-47,21-21-16,0 21 0,-21 0 15,22 1-15,-1-22 0</inkml:trace>
+  <inkml:trace contextRef="#ctx0" brushRef="#br0" timeOffset="711.59">13208 2307 0,'-21'0'0,"42"0"0,-63 0 0,20 0 15,1 0-15,0-21 0,0 21 0,0 0 16,0 0-16,42-21 16,0 21-1,21 0-15,1 0 0,-1 0 16,21 0-16,1 0 0,-1-21 0,22 21 16,-21 0-16,20 0 0,1 0 0,21 0 15,-22 0-15,1 0 0,-21 0 16,20 0-16,-41 0 0,20 0 15,-21 0-15,-20 0 0,-1 0 0,-42 0 32,-1 0-32,-20 0 0,21 0 0,-21 0 15,-1 0-15,1 0 0,21 0 16,-43 0-16</inkml:trace>
+  <inkml:trace contextRef="#ctx0" brushRef="#br0" timeOffset="1011.42">13695 2244 0,'0'0'0,"-21"0"47,21 21-47,-22 0 16,22 0-16,0 22 0,0-22 16,0 0-16,-21 21 0,21 1 15,-21-1-15,21 0 0,0 1 0,-21-1 16,21 0-16,-21 1 0,21-22 0,0 21 15,-21 0-15,21 1 0,-22-22 0,22 21 16,-21-21-16,21 22 0,0-22 16,-21 0-16,21 0 0,0 0 0,0 1 15,0-1-15,0 0 0,21-21 32,0 0-32,1-21 0,-1 0 15,0-1 1,0 1-16,-21-21 0</inkml:trace>
+  <inkml:trace contextRef="#ctx0" brushRef="#br0" timeOffset="1367.16">13864 2709 0,'0'0'0,"21"-21"0,-21 0 0,0 0 15,0 42 17,0 0-17,0 22-15,-21-22 0,21 0 0,0 21 0,0-21 16,0 1-16,0 20 15,0-21-15,0 0 0,0 22 0,0-22 16,0 0-16,0 0 0,0 0 0,21 0 16,0-21-16,1 0 0,-1 0 15,21 0-15,-21 0 0,0 0 0,22 0 16,-22 0-16,21-21 16,-21 0-16,1 0 0,-1 0 0,0 0 0,0-1 15,0-20-15,-21 21 0,21-21 0,-21 20 16,0-20-16,0 0 0,0 21 0,0-1 15,0 1-15,0 0 0,0 0 16,0 0-16,-21 21 16,0 0-1,21 21-15,0 0 16,0 0-16,0 0 0,21 1 16,0-1-1,-21 0-15</inkml:trace>
+  <inkml:trace contextRef="#ctx0" brushRef="#br0" timeOffset="2016.98">14457 2858 0,'21'0'16,"0"0"0,-21-22-1,21 22-15,0-21 0,-21 0 16,22 0-16,-1 0 0,-21 0 15,0-1-15,0 1 16,0 0-16,-21 21 31,21 21-31,-22 0 0,1 1 16,0-1-16,21 0 0,-21 0 16,0 0-16,21 0 0,0 1 0,-21-1 15,21 0-15,0 21 0,-22-42 0,22 21 16,0 1-16,0-1 0,0 0 15,0 0-15,22-21 0,-1 0 16,0 0-16,0 0 16,0 0-16,0 0 0,1 0 0,-1 0 15,0 0-15,0 0 0,21-21 0,-20 21 16,-1-21-16,21 0 0,-21-1 0,22 1 16,-22-21-16,21 21 0,-21 0 0,22-22 15,-22 22-15,0 0 0,-21 0 16,0 0-16,0-1 0,0 1 15,-21 21-15,0 0 16,-22 0-16,43 21 16,-21 1-16,0-22 0,0 21 15,21 0-15,-21 0 0,21 0 0,0 0 16,0 1-16,0-1 0,0 0 16,21 0-16,0-21 0,0 21 0,-21 0 15,21-21-15,0 22 0,-21-1 16,22-21-16,-22 21 15,0 0 1,-22-21-16,1 0 16,0 0-16,0 21 0,0-21 0,0 0 15,-1 0-15,1 0 0,0 0 16,0 0-16,21-21 47,21 21-47,0-21 0,0 0 0</inkml:trace>
+  <inkml:trace contextRef="#ctx0" brushRef="#br0" timeOffset="2730.57">16235 2477 0,'0'0'16,"0"-22"-16,0 1 0,0 0 0,0 0 0,-21 0 15,21 0-15,-22 21 0,22-22 16,-21 22 0,0 0-16,0 0 0,0 22 15,0-1-15,-1 0 0,-20 0 0,21 0 16,-21 0-16,20 22 0,1-22 0,0 21 15,0-21-15,0 22 0,0-22 16,21 0-16,-22 0 0,22 0 16,0 1-16,0-1 0,0 0 0,22 0 15,-1-21-15,0 0 0,0 21 16,0-21-16,0 0 0,1 0 16,-1 0-16,0 0 0,0 0 0,21 0 15,-20 0-15,-1 0 0,-21-21 0,21 21 16,0 0-16,-21-21 0,-21 21 31,0 0-31,-22 21 16,22 0-16,-21-21 0,21 21 0,-22 1 15,1-1-15,21 0 0,-21 0 0,20 0 16,1-21-16,0 21 0,21 1 16,0-1-16,0 0 15,21-21 1,0 0-16,1 0 0,-1 0 15,0 0-15,0 0 0,0-21 0,22 21 16,-22 0-16,0-21 0,0 21 16,21 0-16,-20-22 0,-1 22 0,0 0 15,0 0-15,0 0 0,0 0 16,-21 22-16,22-22 0,-22 21 0,0 0 16,0 0-16,0 21 0,0-20 15,-22 20-15,1-21 0,0 21 0,0 1 16,0-22-16,0 21 0,-1 1 15,1-22-15,0 21 0,0-21 0,21 0 16,0 1-16,-21 20 0,0-42 16,21 21-16,21-21 31,0-21-31,-21 0 0,42 0 16,-21-1-16,1-20 0</inkml:trace>
+  <inkml:trace contextRef="#ctx0" brushRef="#br0" timeOffset="3241.96">17484 2455 0,'0'0'0,"0"-21"0,0 0 0,0 0 15,0 0-15,0 0 0,0-1 0,0 1 16,21 0-16,0 0 0,-21 0 16,0 0-16,21-1 0,-21 1 15,0 0-15,-21 21 16,0 0-16,0 0 0,-22 0 0,22 0 16,-21 0-16,-1 21 0,1 0 0,0 1 15,-1-1-15,1 0 0,21 21 16,-21-21-16,42 22 0,-22-22 0,22 21 15,0-21-15,0 1 0,0 20 0,0-21 16,22 0-16,-22 0 0,42 1 0,-21-1 16,0 21-16,0-21 0,22 0 15,-22 1-15,0-22 0,0 21 0,0 0 16,1 0-16,-22 0 0,0 0 16,-22 1-16,1-22 15,0 0-15,-21 21 0,21-21 16,-22 0-16,-20 0 0,20 21 0,1-21 15,0 0-15,-1 0 0,1 0 16,21 0-16,-21 0 0,20 0 0,1 0 16,0 0-16,0 0 15,42 0 17,0 0-32,0-21 15,1 21-15</inkml:trace>
+  <inkml:trace contextRef="#ctx0" brushRef="#br0" timeOffset="4330.77">17865 2561 0,'0'0'0,"0"-21"0,-22 0 15,1 21-15,0-21 16,0 21-16,0 0 0,-22 0 15,43 21-15,-42 0 0,21-21 0,0 42 16,0-20-16,-1-1 0,1 21 0,0-21 16,0 0-16,21 22 0,0-22 15,-21 0-15,21 0 0,0 0 0,0 1 16,0-1-16,0 0 0,21-21 16,0 21-16,0-21 0,0 0 15,1 0-15,-1 0 0,0 0 0,0-21 16,0 0-16,0 21 0,1-21 15,-1-1-15,0 1 0,0 0 0,-21-21 16,21 21-16,0-1 0,-21-20 0,0 21 16,22 0-16,-22 0 0,0-1 0,0 44 31,-22-22-31,1 21 16,21 0-16,0 21 0,0-21 0,-21 1 15,21-1-15,0 0 0,0 0 0,0 21 16,0-20-16,0-1 15,21 0-15,0 0 16,1-21-16,-1 0 0,0 0 0,0 0 16,0 0-16,0 0 0,1 0 0,-1-21 15,0 0-15,0 21 0,0-21 16,0-1-16,1-20 0,-1 21 0,0-21 16,0-1-16,0-20 0,0 20 15,1-20-15,-1-1 0,0 22 0,-21 0 16,21-1-16,0 1 0,-21 0 0,0 21 15,0-1-15,0 1 0,0 42 32,-21-21-32,21 22 0,-21 20 15,21-21-15,-21 0 16,21 22-16,0-1 0,0 0 0,0 1 16,0-1-16,0 0 0,0 1 0,0-22 15,0 21-15,0 0 0,0-20 0,0 20 16,0-21-16,0 0 0,21 0 15,-21 1-15,21-22 0,0 21 0,0-21 16,1 0-16,-1 0 0,0 0 16,21-21-16,-21-1 15,1 1-15,-1 0 0,0 0 0,0 0 0,0 0 16,0-22-16,-21 22 16,22 0-16,-22 0 0,21 0 0,-21-1 15,0 44 1,-21-1-1,21 0-15,-22 0 0,22 21 16,-21-20-16,21-1 0,0 0 0,0 0 16,0 0-16,0 0 0,0 1 15,0-1-15,0 0 0,21 0 16,1-21-16,-1 0 16,0 0-16,0 0 15,0-21-15,0 21 0,-21-21 16,22 0-16,-1-1 0,0 1 0,-21-21 15,21 21-15,0 0 0,-21-22 16,21 22-16,-21 0 0,0 0 0,0 0 16,0 42-1,0 0 1,-21 21-16,21-21 16,0 1-16,0-1 0,0 0 0,0 0 15,0 0-15,0 0 0,0 1 16,0-1-16,0 0 15,21-21 17,1 0-17,-1-21-15,0 0 16</inkml:trace>
+  <inkml:trace contextRef="#ctx0" brushRef="#br0" timeOffset="4710.99">19029 2667 0,'0'0'0,"0"-21"0,0-21 16,0 20-16,0 1 0,0 0 16,0 0-1,21 21-15,0 0 16,0 0-16,-21 21 16,21 0-16,-21 0 15,0 1-15,0-1 0,0 0 0,0 0 16,0 0-16,0 0 0,0 1 0,0 20 15,0-21-15,0 0 16,0 0-16,0 1 0,-21-22 0,21 21 16,0-42 15,0-1-31,0 1 0,0 0 16,0 0-16,0-21 15,21 20-15,1 1 0,-1-21 0,-21 21 16,21 0-16,0-1 0,0 1 0,0 0 15,1 0-15,-1 21 0,0 0 16,0 0 0,0 0-1,-21 21-15,21-21 0,1 21 16,-1 0-16</inkml:trace>
+  <inkml:trace contextRef="#ctx0" brushRef="#br0" timeOffset="6084.33">19875 2646 0,'0'0'0,"0"-21"0,-42-22 16,21 22-16,21 0 16,0 0-16,-21 0 0,0 21 15,-1-21-15,1 21 0,0 0 16,0 0-16,0 0 0,0 21 15,-1 0-15,1 0 0,0 0 16,0 0-16,0 1 0,0-1 0,-1 21 16,1-21-16,0 0 0,0 1 0,21 20 15,-21-21-15,21 0 0,0 0 0,0 1 16,0-1-16,21-21 16,0 0-16,0 21 0,0-21 15,1 0-15,-1 0 0,21 0 0,-21 0 16,0 0-16,22-21 0,-22 21 0,0-21 15,0-1-15,0 1 0,1 0 16,-1-21-16,0-1 0,0 1 16,21 0-16,-42-22 0,43 22 0,-43-22 15,21 1-15,0 21 0,0-1 0,-21 1 0,21 0 16,-21 20-16,0 1 16,0 0-16,0 0 0,-21 21 15,0 21 1,0 0-16,0 0 0,0 22 15,21-22-15,-22 21 0,1 1 16,0-22-16,0 21 0,21 0 0,0 1 16,0-1-16,-21 0 0,21 1 0,0-1 15,0-21-15,0 43 0,0-43 16,21 0-16,-21 0 0,21-21 16,0 21-16,0-21 0,1 0 0,-1 0 15,21 0-15,-21 0 0,0 0 16,1 0-16,-1-21 0,0 0 0,21 0 15,-21 0-15,1 0 0,-1-1 16,0 1-16,-21 0 0,21 0 16,-21 0-16,21 0 0,-21-1 0,-21 22 31,0 0-31,0 0 16,0 22-16,-1-1 0,1 0 0,21 0 15,-21 0-15,21 0 0,-21 1 0,21-1 16,0 0-16,0 0 0,0 0 0,0 0 15,0 1 1,21-22-16,0 0 16,0 0-16,1 0 0,-22-22 15,21 22-15,0-21 0,0 0 16,0-21-16,-21 21 0,21-1 0,1-20 0,-1 21 16,-21 0-16,0 0 15,0-1-15,-21 44 31,21-1-31,0 0 0,-22 0 16,22 0-16,-21 0 0,21 1 0,0-1 16,0 0-16,0 0 15,0 0-15,0 0 0,21-21 16,1 0-16,-1 0 0,0 0 16,0 0-16,0 0 0,0 0 0,1 0 15,-1 0-15,0-21 0,0 0 16,21 0-16,-20 0 0,-1 0 15,21-1-15,-21-20 0,0 21 0,1-21 16,-1 20-16,-21-20 0,0 21 0,0 0 16,21 21-16,-21-21 0,0 42 31,-21-21-31,21 21 0,0 0 0,-21 0 16,21 0-16,-22 1 0,22-1 0,0 0 15,0 0-15,0 0 0,0 0 16,0 1-16,22-1 15,-1-21 1,0 0-16,0 0 0,0 0 0,0 0 16,1-21-16,-1-1 0,0 1 15,0 0-15,0 0 0,0-21 0,1 20 16,-1-20-16,0 21 0,-21 0 0,0 0 16,21-1-16,-21 1 0,0 0 0,0 42 31,0 0-31,-21 1 0,0 20 15,21 0-15,-21-21 0,-1 22 0,1 20 16,0-20-16,0-1 0,0 0 0,0 1 16,-1-1-16,1 0 0,0 1 15,0-1-15,0 0 0,0 1 0,-22-1 16,22-21-16,0 21 0,0 1 16,0-22-16,-1 0 0,1 21 0,0-20 15,0-1-15,0 0 0,0 0 0,21 0 16,0 0-16,-22-21 15,22-21 17,0 0-32,0-21 15,0 21-15,-21-22 0,0 22 0,0-21 16</inkml:trace>
+  <inkml:trace contextRef="#ctx0" brushRef="#br0" timeOffset="6380.16">17695 2201 0,'0'0'16,"-21"0"-16,0 0 0,21-21 0,21 21 15,0 0-15,0-21 16,1 21-16,20 0 0,0 0 0,1-21 15,-1 21-15,0 0 0,1 0 0,-1-21 16,0 21-16,1 0 0,-1 0 16,-21-21-16,21 21 0,-20 0 15,-1 0-15,0 0 0,0 0 0,-42 21 47,21 0-47,-42 0 16</inkml:trace>
+  <inkml:trace contextRef="#ctx0" brushRef="#br0" timeOffset="7099.75">3873 4995 0,'0'0'0,"-42"0"0,-106 22 16,84-1-16,1 0 0,21-21 15,-1 0-15,-20 21 0,42-21 0,-22 0 16,22 21-16,63 0 16,1-21-16,-1 0 15,22 0-15,20 0 0,-20 0 0,42 0 16,-22 0-16,1 0 0,21 0 16,0-21-16,-1 21 0,22-21 15,-21 21-15,0-21 0,-21 21 0,-1 0 16,-20-21-16,-1 21 0,-20 0 15,-22 0-15,21 0 0,-21-21 16,1-1 31,20 22-47,0 0 0,1 0 16</inkml:trace>
+  <inkml:trace contextRef="#ctx0" brushRef="#br0" timeOffset="7574.48">8657 5059 0,'0'0'0,"-42"-21"0,21 21 0,-1 0 16,-20 0-16,21 0 0,-21 0 16,20-21-16,-20 21 0,21 0 0,0 0 0,-22 0 15,22 0-15,0 0 16,42 21 0,0-21-1,22 0-15,-1 21 0,22-21 0,20 21 16,22-21-16,0 21 0,21 0 0,0-21 15,0 22-15,21-22 0,0 0 0,0 21 16,128-21-16,-128 0 0,-21 0 16,-21 0-16,-1 0 0,-20 0 15,0-21-15,-1-1 0,-20 22 0,-22-21 16,1 21-16,-1-21 0,0 21 0,-21 0 16,22-21-16,-22 21 0,0 0 15,-21-21-15,21 21 0,-21-21 31,21 21-15,-42 0 15,-21 0-31</inkml:trace>
+  <inkml:trace contextRef="#ctx0" brushRef="#br0" timeOffset="29814.79">13504 3598 0,'0'0'0,"-21"0"31,0 0-31,21-21 94,21 21-78,0 0-16,0 0 0,1 0 0,-1 0 15,0-21-15,0 21 0,0 0 0,22 0 16,-22 0-16,0-21 0,21 21 0,-21 0 15,22 0-15,-1-21 0,-21 21 16,22 0-16,-1 0 0,0-21 0,1 21 16,-1 0-16,0 0 0,1-22 0,-1 22 15,0 0-15,1 0 0,-1 0 0,21 0 16,-20-21-16,-1 21 0,0 0 16,22 0-16,-22 0 0,1 0 15,-1 0-15,0 0 0,1 0 0,-1 0 16,0 0-16,43-21 0,-43 21 15,1 0-15,-1 0 0,0 0 16,1 0-16,-1 0 0,21 0 0,-20 0 16,-1 0-16,22-21 0,-22 21 0,0 0 15,1 0-15,20 0 0,-21 0 16,1 0-16,-1 0 0,0 0 0,-20 0 16,20 0-16,0 0 0,1 0 0,-22 0 15,21 0-15,0 0 0,-20 0 16,20 0-16,0 0 0,-21 0 15,22 0-15,-1 0 0,0 0 0,-20 0 16,20 0-16,0 0 0,1 0 0,-1 0 16,-21 0-16,21 0 0,1 0 15,-1 0-15,0 0 0,1 0 0,-1 0 16,0 0-16,1 0 0,-1 0 0,0 0 16,1 0-16,-1 0 0,0 21 15,1-21-15,-1 0 0,-21 0 0,22 0 16,-1 0-16,43 0 0,-43 21 15,0-21-15,-21 0 0,22 0 16,-1 0-16,0 0 0,1 0 0,-1 0 16,0 0-16,1 0 0,-22 0 0,21 0 15,1 0-15,-1 0 16,-21 0-16,21 0 0,-20 0 0,20 0 16,0 0-16,-21 0 0,22 0 0,-22 0 15,21 0-15,1 0 0,-1 0 16,0 0-16,1 0 0,-1 0 0,0 0 15,1 0-15,-1 0 0,0 0 0,1 0 16,-1 0-16,0 0 0,1 0 16,-1 0-16,0 0 0,1 0 0,-1 0 15,-21 0-15,21 0 0,1 0 16,-22 0-16,21 0 0,-21 0 0,1 0 16,20 0-16,-21 0 0,21 0 0,-20 0 15,62 0-15,-63 0 16,22 0-16,-1 0 0,0 0 15,1 21-15,-1-21 0,0 0 0,22 0 16,-22 0-16,1 0 0,-1 0 16,0 0-16,-21 0 0,64 0 15,-64 0-15,0 0 0,1 0 16,20 0-16,-21 0 0,0 0 0,0 0 16,1 0-16,-1 0 0,-21-21 15,21 21-15,0 0 0,0 0 16,0-21-16,1 21 15,-1 0 1,0 0-16,0 0 31,0 0-15,-21-21 62,0 0-62,-21 21-1</inkml:trace>
+</inkml:ink>
+</file>
+
+<file path=ppt/ink/ink11.xml><?xml version="1.0" encoding="utf-8"?>
 <inkml:ink xmlns:inkml="http://www.w3.org/2003/InkML">
   <inkml:definitions>
     <inkml:context xml:id="ctx0">
@@ -285,7 +331,7 @@
   <inkml:trace contextRef="#ctx0" brushRef="#br0" timeOffset="5996.14">8043 826 0,'0'0'0,"-21"0"0,21 21 31,42-21-15,-20 0-16,-1 0 0,21 0 15,0 0-15,1 0 0,-1 0 16,0 0-16,1 0 0,20 0 0,-20 0 16,20 0-16,-21 0 0,1-21 15,20 21-15,-20 0 0,-1 0 0,0-22 16,-21 22-16,22 0 0,-22 0 0,0 0 15,0 0-15,0 0 0,1 0 16,-1 0-16,0 0 141,-21 22-94,0-1-32,-21-21 1,0 0-16</inkml:trace>
   <inkml:trace contextRef="#ctx0" brushRef="#br0" timeOffset="8388.59">6117 2688 0,'0'-21'0,"0"0"16,0 0-1,0 0-15,0-1 16,0 1 0,0 0-16,-21 42 47,21 0-47,0 1 0,0-1 15,0 0-15,0 21 0,0-21 0,0 22 16,0-1-16,0-21 0,0 22 0,0-1 15,0-21-15,0 0 0,0 22 16,0-22-16,0 21 0,0-21 0,21 0 16,-21 22-16,0-22 0,0 0 0,0 0 15,0 0-15,0 1 16,0-44 15,0 1-15,0 0-16,0 0 0,0 0 0,21 0 15,-21-22-15</inkml:trace>
   <inkml:trace contextRef="#ctx0" brushRef="#br0" timeOffset="8976.17">6075 2667 0,'0'0'0,"-21"0"0,21-21 0,-22 21 15,22-21-15,0 0 16,0-1-16,0 1 15,0 0-15,22 21 16,-1-21-16,0 0 0,21 21 0,1-21 16,-22 21-16,21 0 0,0 0 15,1 0-15,-1 0 0,0 21 0,1-21 16,-1 21-16,-21 0 0,22 21 0,-43-20 16,21-1-16,-21 21 0,0-21 15,0 22-15,-21-22 0,-1 21 0,1-21 16,0 0-16,0 1 0,-21-1 0,20 0 15,1 0-15,0 0 16,0-21-16,0 0 0,0 0 0,-1 0 16,1 0-16,21-21 31,0 0-31,0 0 16,21 21-16,-21-21 0,43 21 0,-22 0 15,21 0-15,-21 0 0,22 0 16,-1 0-16,0 0 0,1 0 0,-1 0 15,0 21-15,-20 0 0,20 0 0,-21 0 16,0 0-16,0 1 0,-21-1 16,0 21-16,0-21 0,0 0 0,-21 22 15,0-22-15,-21 0 0,21 21 16,-22-20-16,1-1 0,21 0 0,-22 0 16,1-21-16,0 21 0,21-21 0,-22 0 15,22 0-15,-21 0 0,21 0 16,-22 0-16,22 0 0,0-21 15,0 21-15,0-21 0,-1 0 0,1 21 16,0-21-16,0 21 0,21-22 0,-21 22 16,21-21-1,21 21 1,0 0-16,0 0 0,0-21 0,1 21 16,-1-21-16,21 21 0</inkml:trace>
-  <inkml:trace contextRef="#ctx0" brushRef="#br0" timeOffset="9444.45">7070 2879 0,'0'0'0,"0"-21"0,21 21 0,-21-22 16,-21 22-1,-1 0-15,22 22 16,-21-22-16,0 21 0,21 0 15,-21 0-15,21 0 0,-21 0 0,0 1 16,21-1-16,0 21 0,0-21 0,0 0 16,0 1-16,0-1 15,0 21-15,0-21 0,0 0 0,0 1 16,0-1-16,21 0 0,0-21 0,0 21 16,0-21-16,0 0 0,1 0 15,-1 0-15,0 0 0,0 0 0,0 0 16,0 0-16,22-21 0,-22 0 0,0 0 15,0-1-15,0 1 0,1 0 0,-22 0 16,0 0-16,21-22 0,-21 22 16,0 0-16,0 0 0,0-21 0,0 20 15,-21 1-15,-1 0 0,1 0 0,0 0 16,0 0-16,0 21 0,0 0 16,-1 0-16,-20 0 0,21 0 15,0 0-15,0 0 0,-1 0 0,1 21 16,0 0-16,0 0 15,21 0-15,0 0 0,0 1 16,21-1-16,0-21 0,0 21 16,1-21-16,-1 0 0,0 0 15,21 0-15,-21 0 0,1 0 0</inkml:trace>
+  <inkml:trace contextRef="#ctx0" brushRef="#br0" timeOffset="9444.44">7070 2879 0,'0'0'0,"0"-21"0,21 21 0,-21-22 16,-21 22-1,-1 0-15,22 22 16,-21-22-16,0 21 0,21 0 15,-21 0-15,21 0 0,-21 0 0,0 1 16,21-1-16,0 21 0,0-21 0,0 0 16,0 1-16,0-1 15,0 21-15,0-21 0,0 0 0,0 1 16,0-1-16,21 0 0,0-21 0,0 21 16,0-21-16,0 0 0,1 0 15,-1 0-15,0 0 0,0 0 0,0 0 16,0 0-16,22-21 0,-22 0 0,0 0 15,0-1-15,0 1 0,1 0 0,-22 0 16,0 0-16,21-22 0,-21 22 16,0 0-16,0 0 0,0-21 0,0 20 15,-21 1-15,-1 0 0,1 0 0,0 0 16,0 0-16,0 21 0,0 0 16,-1 0-16,-20 0 0,21 0 15,0 0-15,0 0 0,-1 0 0,1 21 16,0 0-16,0 0 15,21 0-15,0 0 0,0 1 16,21-1-16,0-21 0,0 21 16,1-21-16,-1 0 0,0 0 15,21 0-15,-21 0 0,1 0 0</inkml:trace>
   <inkml:trace contextRef="#ctx0" brushRef="#br0" timeOffset="9880.71">7620 2879 0,'0'-21'16,"-21"21"0,0 0-16,-1 0 15,1 0-15,0 21 16,0 0-16,0 0 0,21 0 16,0 0-16,0 1 0,-21-1 0,21 0 15,-22 0-15,22 0 0,0 0 16,0 1-16,0-1 0,0 0 0,0 0 15,0 0-15,22 0 0,-1 1 16,0-1-16,0-21 0,0 0 16,0 0-16,1 0 0,20 0 0,-21 0 15,21 0-15,-20-21 0,20 21 0,-21-22 16,21 1-16,-20 0 0,-1 0 16,0 0-16,-21 0 0,0-1 0,0 1 15,0 0-15,0 0 0,0 0 0,0-22 16,-21 22-16,0 0 0,-1 0 0,-20 0 15,21 0-15,0 21 0,-22 0 16,22 0-16,0 0 0,-21 0 0,21 0 16,-1 0-16,1 0 0,0 21 0,0-21 15,21 21-15,-21 0 16,21 0-16,0 0 16,0 1-16,0-1 0,21-21 15,0 0-15,0 0 0,0 0 16,1 0-16,20 0 0,0 0 0</inkml:trace>
   <inkml:trace contextRef="#ctx0" brushRef="#br0" timeOffset="10728.61">8297 2455 0,'0'0'0,"0"-21"0,-21 0 0,21 0 16,-21 21-16,21-21 15,0 42 1,-21-21-16,21 21 16,0 0-16,0 22 0,0-22 0,0 21 15,0 0-15,0 1 0,0-22 0,0 21 16,0 1-16,0-1 0,0 0 16,0 1-16,-21-22 0,21 21 0,0 0 15,0-20-15,0-1 0,0 21 0,0-21 16,0 0-16,-22 1 0,22-1 15,0 0 1,0-42 15,0 0-15,0-1-16,-21 1 0,21 0 16,0 0-16,0 0 0,0 0 15,0-22-15,0 22 0,21 0 16,1 0-16,-1 0 0,0-1 0,0 1 15,0 0-15,0 21 0,1-21 0,-1 0 16,0 21-16,0 0 0,0 0 16,0-21-16,1 21 0,-1 0 0,0 0 15,0 21-15,-21 0 16,0 0 0,0 0-16,0 0 15,-21 1-15,0-22 0,21 21 16,-21-21-16,-1 0 0,1 0 0,21 21 15,-21-21-15,0 0 0,0 0 16,0 0-16,-1 0 0,1 0 16,0 0-16,0 0 15,0 0 1,21-21-16,0 42 31,0 0-31,0 0 16,21 0-16,0 1 15,-21-1-15,21 0 0,0 0 0,-21 0 16,22 0-16,-1 1 0,-21-1 0,21 0 16,0-21-16,-21 21 0,21 0 15,0-21-15,1 0 0,-1 21 0,0-21 16,0 0-16,0 0 0,0 0 0,1 0 16,20-21-16,-21 21 0,0-21 15,0 21-15,1-21 0,-1 0 16,0 0-16,0-1 0,-21 1 15,0 0-15,21 21 16,-21-21-16,0 42 63,0 0-48</inkml:trace>
   <inkml:trace contextRef="#ctx0" brushRef="#br0" timeOffset="12592.54">3937 4001 0,'0'-22'0,"-21"22"0,21-21 15,0 0 1,0 0 0,0 0-16,0 42 62,0 0-62,0 0 0,0 0 16,0 22-16,0-1 0,0 0 15,0 1-15,0 20 0,0-20 0,0 20 16,0-21-16,0 1 0,0 20 16,0-20-16,0-1 0,0 0 0,0-21 15,0 22-15,0-22 0,0 21 0,0-21 16,0 1-16,0-1 15,0 0-15,0-42 32,0 0-17,0-1-15,0 1 16,0 0-16,0 0 0,0 0 16,0 0-16</inkml:trace>
@@ -297,7 +343,7 @@
   <inkml:trace contextRef="#ctx0" brushRef="#br0" timeOffset="19267.99">12658 4487 0,'0'0'16,"0"-63"-16,-22 42 15,22 0-15,0-1 0,0 1 0,0 0 16,0 0-16,22 21 0,-1 0 16,0 0-16,0 0 0,0 0 15,0 21-15,1-21 0,-1 21 0,0 0 16,-21 1-16,21 20 0,-21-21 0,0 0 15,0 0-15,0 22 0,0-22 0,0 0 16,-21 0-16,0 0 0,21 1 16,-21-1-16,-1 0 0,1 0 15,0-21-15,0 21 0,0-21 0,0 0 16,-1 0-16,22-21 47,22 21-47,-1-21 0,-21 0 15,21 0-15,0-1 0</inkml:trace>
   <inkml:trace contextRef="#ctx0" brushRef="#br0" timeOffset="19564.5">13356 3768 0,'0'0'0,"0"-21"0,0-1 15,-21 22 1,0 22-16,21-1 0,0 0 16,-21 0-16,-1 21 0,22 1 0,0-1 15,0 22-15,-21-22 0,21 0 16,-21 22-16,21-22 0,0 22 0,0-22 16,0 0-16,0 1 0,0-1 0,0 0 15,0-21-15,0 22 0,0-22 16,0 0-16,0 0 0,0 0 15,21-21 17,0 0-32,1 0 0,-22-21 0,21 0 15,21 0-15,-21 21 0</inkml:trace>
   <inkml:trace contextRef="#ctx0" brushRef="#br0" timeOffset="19960.27">13695 4360 0,'0'-21'15,"0"0"-15,0 0 16,0 0-16,-21 21 31,-1 0-31,1 0 0,0 0 16,0 21-16,0 0 0,0 0 0,21 0 16,-22 1-16,22-1 0,-21 0 15,21 0-15,0 0 0,0 0 16,0 1-16,21-1 0,1-21 15,-1 21-15,0-21 0,0 0 16,0 0-16,0 21 0,22-21 16,-22 0-16,0 0 0,-21 21 0,21-21 15,0 0-15,-21 21 0,22 1 0,-22-1 16,0 0 0,-22 0-16,1-21 15,0 0-15,-21 21 0,21-21 16,-1 0-16,1 0 0,0 21 0,0-21 15,0 0-15,0 0 0,-1 0 0,1 0 16,21-21 15,0 0-31,0 0 16,0 0-16,0 0 0</inkml:trace>
-  <inkml:trace contextRef="#ctx0" brushRef="#br0" timeOffset="20176.15">13060 4128 0,'0'-22'15,"21"1"1,0 21-16,21 0 0,1-21 16,-1 21-16,0-21 0,22 21 0,-22 0 15,1-21-15,-1 21 0,0 0 16,1 0-16,-22 0 0,21-21 0,-21 21 15,0 0-15,1 0 16</inkml:trace>
+  <inkml:trace contextRef="#ctx0" brushRef="#br0" timeOffset="20176.14">13060 4128 0,'0'-22'15,"21"1"1,0 21-16,21 0 0,1-21 16,-1 21-16,0-21 0,22 21 0,-22 0 15,1-21-15,-1 21 0,0 0 16,1 0-16,-22 0 0,21-21 0,-21 21 15,0 0-15,1 0 16</inkml:trace>
   <inkml:trace contextRef="#ctx0" brushRef="#br0" timeOffset="21504.39">15261 4212 0,'0'-21'0,"0"42"0,0-63 0,21 21 15,-21-22-15,0 22 0,0 0 0,0 0 16,0 0-16,21 0 0,-21-1 0,0 44 31,0 20-15,-21-21-16,21 21 0,-21 1 16,0-1-16,21 0 0,-21 1 0,0-1 15,-1 0-15,22 1 0,0-1 16,-21 0-16,21 1 0,-21-22 0,21 21 15,0-21-15,0 1 0,0-1 0,0 0 16,21 0-16,0-21 0,1 0 16,20 0-16,-21 0 15,0 0-15,22 0 0,-22-21 0,21 0 16,-21 0-16,22-1 0,-1-20 0,-21 21 16,21 0-16,-20-22 0,20 1 0,-21 0 15,0-1-15,0 1 0,1 0 16,-1-1-16,0-20 0,-21 21 0,0 20 15,0-20-15,0 21 0,0 0 0,0 0 16,0 42 0,0 0-16,0 21 15,0 1-15,-21-22 0,0 21 0,21 0 16,0 1-16,-22 20 16,1-20-16,21-1 0,0-21 0,0 21 15,0 1-15,0-22 0,0 21 0,21-21 16,-21 1-16,43-1 0,-22-21 0,0 21 15,21-21-15,-20 0 0,20 0 16,0 0-16,1 0 0,-1-21 0,21 0 16,-20 21-16,-1-22 0,0 1 0,22-21 15,-22 21-15,1 0 0,-1-1 0,-21-20 16,21 21-16,-20-21 0,-1 20 16,-21-20-16,0 21 0,0 0 0,0 0 15,-21 21-15,-1 0 16,1 0-16,0 0 0,-21 21 15,21 0-15,-1 0 0,1 0 16,0 0-16,21 22 0,0-22 0,0 0 16,0 21-16,0-20 0,21-1 0,0 0 15,1 0-15,-1 0 0,0 0 0,0 1 16,-21-1-16,21 0 16,-21 0-16,-21-21 15,0 0 1,0 0-16,0 0 0,-1-21 15,1 21-15,21-21 0,-21 0 16,0 21-16,0-22 0,0 22 16,-1 0-16,1 0 0,0 0 15,21 22 1,0-1 0,21 0-16,0 0 0,1-21 15,-1 21-15,0-21 0,21 21 0,-21-21 16,22 0-16,-22 0 0,21 0 0,1 0 15,-1 0-15,21 0 0,-20 0 16,-1 0-16,22-21 0,-22 0 0,0 0 16,1 21-16,-1-21 0,0 0 0,1-1 15,-22-20-15,0 21 0,21 0 16,-21 0-16,-21-22 0,22 22 0,-22-21 16,0 21-16,0-1 0,0 1 15,0 0-15,-22 21 16,1 0-16,0 0 0,0 0 0,0 21 15,0-21-15,-22 43 0,22-22 16,0 0-16,0 0 0,21 21 0,0-20 16,-21 20-16,21-21 0,0 0 0,0 22 15,0-22-15,0 0 0,21 0 0,0 0 16,0 0-16,0-21 0,0 22 16,22-22-16,-1 0 0,0 0 0,1 0 15,20 0-15,-20 0 0,20 0 0,1-22 16,-1 1-16,1 21 0</inkml:trace>
   <inkml:trace contextRef="#ctx0" brushRef="#br0" timeOffset="21980.35">17886 4551 0,'-21'21'0,"42"-42"0,0-21 0,0 20 0,-21 1 15,0-21-15,0 21 0,0 0 0,0-22 16,0 22-16,-21 0 16,0 0-16,0 21 0,-1 0 0,1 0 15,-21 0-15,21 0 0,-22 21 0,22 0 16,-21 0-16,21 0 0,0 1 15,-1 20-15,-20-21 0,42 0 16,0 22-16,-21-22 0,21 0 0,0 21 0,0-21 16,0 1-16,21-1 0,-21 0 15,21 0-15,0 0 0,1-21 16,-1 0-16,21 0 0,-21 0 0,0 0 16,1 0-16,-1 0 0,21 0 0,-21-21 15,0 0-15,1 0 0,-1 0 0,0-1 16,0-20-16,0 21 0,-21-21 15,21-1-15,1-20 0,-1 20 0,-21-20 16,21-1-16,0 1 0,0-22 0,-21 22 16,0-1-16,21 22 0,-21-22 0,22 22 15,-22 0-15,0 21 0,0-22 16,0 22-16,-22 21 16,1 21-16,0 0 15,0 1-15,21 20 0,-21 0 0,21 1 16,-21 20-16,21 1 0,0-1 15,0 1-15,0-1 0,0 1 0,0-22 16,0 21-16,0-20 0,21-1 0,0 0 16,0 1-16,0-1 0,0-21 15,1 0-15,-1 1 0,0-1 0,0 0 16,0-21-16,0 0 0,1 0 0,-1 0 16,0 0-16,21-21 0,-21 0 15,22-1-15</inkml:trace>
   <inkml:trace contextRef="#ctx0" brushRef="#br0" timeOffset="23960.4">19939 4043 0,'42'0'16,"-84"0"-16,105-21 0,-20 21 0,-22-21 0,21-1 15,-21 1-15,22 0 0,-1 0 16,-21 0-16,22 0 0,-22-22 0,0 22 16,0 0-16,0-21 0,-21 20 0,0 1 15,0 0-15,0 0 0,-21 21 0,0-21 16,0 21-16,-22 0 16,22 0-16,-21 0 0,0 0 0,-1 21 0,1-21 15,0 21-15,-1 0 0,1 0 16,21 22-16,-22-22 0,22 0 15,0 21-15,21 1 0,0-22 0,0 21 16,0 1-16,0-1 0,21 0 0,0 1 16,1-1-16,20-21 0,-21 21 15,0 1-15,22-1 0,-22-21 0,21 22 16,-21-22-16,0 0 0,1 0 0,-1 0 16,0 0-16,-21 1 0,0-1 15,0 0-15,-21-21 0,0 0 16,-1 0-16,1 0 0,0 0 15,-21 0-15,-1 0 0,22 0 0,-21 0 16,0 0-16,-1-21 0,22 0 0,-21-1 16,-1 1-16,22 0 0,-21 0 0,21-21 15,0 20-15,-1 1 0,1 21 16,21-21-16,0 0 0,-21 21 16,21 21-1,21 0-15,-21 0 16,21 1-16,1-1 0,-1 0 0,0 0 15,0 0-15,0 0 0,22 1 0,-22-1 16,0 0-16,21-21 0,-21 21 16,22-21-16,-1 0 0,0 21 15,1-21-15,-1 0 0,0 0 0,1 0 16,-1 0-16,22-21 0,-22 21 0,0-21 16,1 0-16,-1 0 0,0-1 0,1 1 15,-22 0-15,0-21 0,0 21 16,0-22-16,0 22 0,-21-21 0,0-1 15,0 22-15,0-21 0,0 21 0,0-22 16,0 22-16,-21 21 0,0-21 16,0 21-16,0 0 0,0 0 0,-1 21 15,1 0-15,-21 1 0,21-1 0,0 21 16,-1-21-16,1 22 0,0-1 16,21 0-16,0-21 0,0 22 15,0-22-15,0 21 0,0-21 0,0 1 16,21-1-16,22 0 0,-22 0 0,0 0 15,21-21-15,-21 0 0,22 0 0,-1 0 16,0 0-16,1 0 0,-1 0 0,-21-21 16,22 21-16,-1-21 0,-21 0 15,21 0-15,-20-22 0,20 22 0,-21-21 16,21-1-16,-20 1 0,-1-21 0,21 20 16,-21-20-16,0-1 0,1 1 15,-22-1-15,0 1 0,21 20 0,-21-20 16,0 21-16,0-1 0,0 1 15,0 21-15,0 0 0,0-1 0,0 1 16,-21 21-16,-1 0 16,22 21-16,-21 1 0,0 20 15,21-21-15,0 21 0,0 1 0,-21-1 16,0 0-16,21 22 0,-21-1 16,21-20-16,0 20 0,0-20 0,0 20 15,0-21-15,0 1 0,0-1 0,0 0 16,21 1-16,0-22 0,0 0 15,0 0-15,0 0 0,1 1 0,20-22 16,0 0-16,-21 0 0,22 0 16,-1 0-16,-21 0 0,22-22 0,-1 1 15,-21 0-15,0 0 0,22 0 0,-43 0 16,21-1-16,0 1 0,-21-21 16,21 21-16,-21-22 0,0 22 0,0 0 15,0-21-15,0 21 0,-21 21 16,0 0-16,0 0 15,-1 0-15,1 21 0,0 0 0,0 0 16,21 0-16,-21 22 0,21-22 0,-21 0 16,21 21-16,0-21 0,0 1 0,0-1 15,21 0-15,0 0 16,0 0-16,0 0 0,0-21 0,1 0 16,-1 22-16,21-22 0,-21 0 0,22 0 0,-22 0 15,21 0-15,-21-22 0,0 22 16,1-21-16,-1 0 0,0 0 15,0 0-15,0 0 0,0-1 0,1 1 16,-22-21-16,0 21 0,21 0 0,-21-1 16,0 1-16,0 0 0,0 42 31,0 0-31,0 1 16,-21-1-16,21 0 0,-22 0 0,22 0 15,0 0-15,0 1 16,-21-1-16,21 0 0,0 0 0,0 0 15,0 0-15,0-42 47,0 0-47,21 0 16,1 0-16,-22 0 0,21-22 0,0 22 16,0-21-16,0 21 0,0-1 0,-21 1 15,22 0-15,-1 0 0,-21 0 16,21 21-16,-21 21 15,21 0-15,-21 0 0,0 0 16,0 1-16,0-1 16,0 0-16,0 21 0,0-21 0,0 1 15,0-1-15,21 0 0,0 0 0,1 0 16,-1 0-16,0-21 0,0 0 16,0 0-16,0 0 0,1 0 15,-1 0-15,0 0 0,-21-21 0,21 21 16,0-21-16,0 0 0,1 0 0,-1 0 15,0-1-15,0 1 0,-21-21 0,21 21 16,0-22-16,1 22 0,-22 0 16,0 0-16,0 0 0,0 0 0,21 21 15,-21 21 1,0 0-16,0 0 16,-21 0-16,21 0 0,0 22 15,0-22-15,0 0 0,0 0 0,0 0 16,0 1-16,0-1 0,0 0 0,0 0 15,21-21-15,0 21 0,0-21 32,-21-21-17,0 0-15,21 0 0,-21 0 16,0-1-16,0-20 0,0 21 0</inkml:trace>
@@ -319,7 +365,7 @@
   <inkml:trace contextRef="#ctx0" brushRef="#br0" timeOffset="53579.89">16319 7535 0,'0'0'0,"22"0"16,-1 0 0,0 0-16,0 0 15,0-21-15,0 0 0,1 21 16,-1-21-16,0 0 0,0 21 0,0-21 15,-21-1-15,0 1 0,21 21 0,-21-21 16,0 0-16,0 0 0,0 0 16,-21 21-16,0 0 15,0 0-15,0 21 0,-22 0 16,22 0-16,0 0 0,0 0 0,-21 1 16,20 20-16,1-21 0,21 21 15,-21-20-15,21-1 0,0 21 0,0-21 16,0 0-16,0 1 0,0-1 15,0 0-15,21-21 0,0 21 0,1-21 16,-1 0-16,21 0 0,-21 0 0,22 0 16,-22 0-16,21 0 0,-21 0 0,22 0 15,-22-21-15,21 0 0,-21 0 0,0-1 16,22 1-16,-22-21 0</inkml:trace>
   <inkml:trace contextRef="#ctx0" brushRef="#br0" timeOffset="53836.78">16997 7006 0,'0'0'0,"0"-21"0,0-64 16,0 64 0,0 0-16,-21 21 15,-1 21-15,22 0 16,0 22-16,-21-22 0,21 21 0,-21 1 16,21-1-16,-21 21 0,21-20 0,0 20 15,0-20-15,-21 20 0,21-21 0,0 1 16,0 20-16,-21-20 0,21-22 0,0 21 15,0 0-15,0-20 0,0-1 16,0 0-16,0 0 0,0 0 0,0 0 16,21-21-16,0 0 15,0 0-15,0 0 0,0-21 16,1 0-16,-22 0 0,21 0 16</inkml:trace>
   <inkml:trace contextRef="#ctx0" brushRef="#br0" timeOffset="54620.33">17124 7514 0,'0'21'16,"0"1"0,21-22-1,0 0-15,0 0 16,0 0-16,22 0 0,-22 0 16,21 0-16,1 0 0,-22 0 0,21 0 15,-21 0-15,22-22 0,-22 22 0,-21-21 16,21 21-16,-21-21 0,0 0 15,0 0-15,0 0 16,-21 21-16,0 0 0,-1 0 16,1 0-16,0 0 0,0 0 0,-21 0 15,20 0-15,1 21 0,-21 0 0,21 0 16,0 0-16,-1 0 0,1 1 0,0-1 16,21 0-16,0 21 0,0-21 0,0 1 15,0-1-15,0 0 0,0 0 16,21 0-16,22-21 0,-22 0 15,0 0-15,21 21 0,1-21 0,-1 0 16,0 0-16,1 0 0,-22-21 0,21 21 16,0-21-16,-20 21 0,20-21 15,-21 0-15,0 0 0,0 21 0,1-22 16,-1 1-16,0-21 0,-21 21 16,0 0-16,0-1 0,0 1 0,0 0 15,0 0-15,0 0 0,0 42 31,0 0-31,0 0 0,0 0 16,0 1-16,0-1 0,0 0 16,0 0-16,0 0 0,0 0 0,0 1 15,0-1-15,0 0 0,0 0 16,0 0-16,0-42 47,0 0-32,0 0-15,0 0 0,0-1 16,0 1-16,0 0 0,21 0 0,0 0 16,-21-22-16,21 22 0,1 0 0,-1 0 15,0 0-15,0 0 0,0-1 0,0 22 16,1 0-16,20 0 16,0 22-16,-42-1 15,21 0-15,1 0 0,-1 21 0,-21-20 16,21-1-16,-21 0 0,0 0 0,0 0 15,0 22-15,0-22 0,0 0 0,0 0 16,0 0-16,0 0 16,0 1-16,-21-22 15,21-22 17,0 1-32,0 0 0,21 0 15,-21 0-15,21 0 0,0-1 0,0 1 16</inkml:trace>
-  <inkml:trace contextRef="#ctx0" brushRef="#br0" timeOffset="54840.22">18436 7430 0,'0'0'0,"21"0"0,-21 21 31,0 0-31,0 0 16,0 0-16,0 0 0,0 1 15,0-1-15,-21 0 0,21 0 16,-21 0-16,21 0 0,0 1 15,0-1-15,0 0 0,0-42 63,0 0-63,0-1 16</inkml:trace>
+  <inkml:trace contextRef="#ctx0" brushRef="#br0" timeOffset="54840.21">18436 7430 0,'0'0'0,"21"0"0,-21 21 31,0 0-31,0 0 16,0 0-16,0 0 0,0 1 15,0-1-15,-21 0 0,21 0 16,-21 0-16,21 0 0,0 1 15,0-1-15,0 0 0,0-42 63,0 0-63,0-1 16</inkml:trace>
   <inkml:trace contextRef="#ctx0" brushRef="#br0" timeOffset="55000.12">18500 7281 0,'0'0'0,"-43"-42"16,43 21-16,-21 21 15,0 0-15,0 0 16,21 21 0,0 0-1,21 0-15,0-21 16,0 22-16</inkml:trace>
   <inkml:trace contextRef="#ctx0" brushRef="#br0" timeOffset="56077.02">18732 7451 0,'0'0'0,"0"-21"0,0 42 46,0 0-46,0 0 0,0 0 16,0 0-16,0 1 0,0-1 16,0 0-16,0 0 0,0 0 0,0 0 15,0 1-15,0-1 0,0 0 0,22 0 16,-1 0-16,0-21 16,0 21-16,0-21 15,0 0-15,1 0 0,-1 0 0,0 0 16,0 0-16,-21-21 0,21 21 0,0-21 15,1 0-15,-1 21 0,-21-21 0,21 0 16,-21-1-16,21 1 0,0 0 0,-21 0 16,0-21-16,0 20 0,21 22 15,-21-21-15,0 0 0,0 42 32,-21 0-17,21 1-15,0-1 0,0 0 0,0 0 16,0 0-16,0 0 0,0 1 15,0-1-15,0 0 0,21 0 16,1-21-16,-1 0 0,-21 21 16,21-21-16,0 0 0,0 0 0,0 0 15,1 0-15,-1 0 0,0 0 0,0-21 16,0 0-16,0 21 0,1-21 0,-1 0 16,0-1-16,-21 1 0,0 0 15,21 0-15,-21-21 0,21 20 0,-21 1 16,0 0-16,0 0 15,0 42 1,0 0-16,0 0 16,0 1-16,0-1 15,0 0-15,0 0 0,0 0 0,0 0 16,0 1-16,-21-1 0,21 0 16,0 0-16,0 0 0,-21 0 15,0-21-15,21 22 0,-21-22 16,-1 0-1,1 0-15,21-22 16,0 1-16,0 0 16,0 0-16,0 0 0,21 21 15,-21-43-15,22 22 0,-1 0 0,0 0 16,0 0-16,0-22 0,22 22 0,-22 0 16,0 21-16,21-21 0,-21 21 15,1 0-15,20 0 0,-21 0 0,0 0 16,0 21-16,22 0 0,-43 0 0,21 1 15,0-1-15,-21 0 0,21 0 0,-21 0 16,0 0-16,0 1 0,0-1 0,0 0 16,0 0-16,0 0 15,0 0-15,0 1 16,-21-22-16,0 0 16,21-22-1,0 1-15,0 0 16,21 0-16,0 0 0,0 0 15,-21-1-15,22 1 0,-1 0 16,21-21-16,-21 21 0,0-1 0,22-20 16,-22 21-16,21 0 0,-21 21 0,22 0 15,-22 0-15,21 0 0,1 0 0,-22 0 16,0 21-16,0 0 0,0 0 0,0 22 16,-21-22-16,22 0 0,-22 21 15,0-21-15,0 22 0,0-22 16,0 0-16,-22 0 0,1 0 0,21 1 15,-21-1-15,21 0 0,0 0 0,-21 0 16,0 0-16,0-21 16</inkml:trace>
   <inkml:trace contextRef="#ctx0" brushRef="#br0" timeOffset="89299.87">2794 8530 0,'-21'0'15,"0"0"-15,-1 0 0,1 0 16,0 21-16,21 1 0,-21-22 16,0 0-16,42 0 31,0 0-15,0-22-16,22 22 0,-22-21 0,0 0 15,21 21-15,-21-21 0,1 0 16,-1 0-16,21-1 0,-42 1 15,21 0-15,-21 0 0,21 21 0,-21-21 16,0 0-16,0-1 0,0 1 0,-21 0 16,0 21-16,-21 0 15,21 0-15,-1 0 0,-20 0 0,0 0 16,-1 21-16,22-21 0,-21 21 16,0 1-16,-1-1 0,22 0 0,-21 0 15,21 0-15,-1 22 0,1-22 16,21 0-16,0 0 0,0 21 0,0-20 15,21-1-15,1 0 0,-1 0 16,0 0-16,21 0 0,1 1 16,-1-1-16,0 0 0,1 0 0,20 0 15,-21 0-15,1 1 0,-1-22 16,0 21-16,1 21 0,-1-21 0,0 0 16,-20 1-16,-1-1 0,0 0 15,-21 0-15,0 21 0,0-20 0,0-1 16,-21 21-16,-22-21 0,1 0 0,0 22 15,-22-22-15,22 0 0,-43 0 16,22 0-16,-22 1 0,0-1 16,1 0-16,20-21 0,-20 21 15,20-21-15,1 0 0,-1 0 0,1 0 16,20 0-16,1 0 0,0 0 0,20 0 16,-20 0-16,21 0 0,21-21 15,-21 0-15,21 0 16,0-1-16,21 22 15,0-21-15,0 0 0,0 21 0,22-21 16,-22 21-16,21-21 0,22 0 16,-22 21-16,22-22 0</inkml:trace>
@@ -337,14 +383,14 @@
   <inkml:trace contextRef="#ctx0" brushRef="#br0" timeOffset="130876.24">3365 11515 0,'0'0'0,"22"0"0,-1 0 16,-42-21 46,21-1-46,-22 22-16,1-21 15,21 0-15,0 0 16,0 0-16,0 0 16,0-1-16,0 1 15,21 21-15,1-21 0,-1 21 16,0 0-16,0 0 16,0 0-16,0 0 0,22 21 0,-22 0 15,0 1-15,0-1 0,22 0 0,-22 21 16,0-21-16,0 22 0,0-1 15,0 0-15,-21 1 0,0-1 16,0 0-16,0 1 0,0-1 0,0 0 16,-21 1-16,0-1 0,0 0 15,0 1-15,0-1 0,-22 0 0,22 1 16,0-22-16,-21 0 0,20 21 16,-20-20-16,21-22 0,-21 21 0,20 0 15,-20-21-15,21 0 0,0 0 0,-22 0 16,22 0-16,0 0 0,0-21 15,0 21-15,0-21 0,-1-22 0,1 22 16,21 0-16,0 0 0,-21-22 16,21 22-16,0-21 0,0 21 15,0 0-15,0-1 0,0 1 0,21 0 16,-21 0-16,21 21 0,1 0 16,-1 0-16,21 0 0,-21 0 0,22 21 15,-22 0-15,21 0 0,-21 1 16,22-1-16,-22 0 0,0 21 0,0-21 15,0 1-15,0 20 0,1-21 0,-22 0 16,21 22-16,0-22 0,-21 0 16,0 0-16,21 0 0,0 0 15,-21 1-15,21-22 0,-21 21 16,22-21-16,-1 0 16,0 0-16,0 0 15,0-21-15,0-1 0,1 1 16,-1 0-16</inkml:trace>
   <inkml:trace contextRef="#ctx0" brushRef="#br0" timeOffset="131156.07">4276 12023 0,'0'0'0,"0"-21"31,0-1-16,0 1 1,-22 21 15,1 0-15,0 0-16,21 21 16,0 1-16,0-1 15,-21-21-15,21 21 16,21-21-1,0 0-15,0 0 0,1-21 16,20 0-16</inkml:trace>
   <inkml:trace contextRef="#ctx0" brushRef="#br0" timeOffset="131640.12">6032 10774 0,'0'0'0,"0"-21"15,0-22 1,0 65 0,0-1-16,0 0 0,0 21 15,0 1-15,0 20 0,0 1 0,0 20 16,0-20-16,0 20 0,0 1 0,0 0 15,0-22-15,0 22 0,0-22 16,0 1-16,0-1 0,0 1 16,0-22-16,-21 22 0,21-22 0,0-21 15,0 22-15,-21-22 0,21 0 0,0 0 16,0 0-16,0-42 31,0-21-31,0 21 16,0-1-16,0-20 0,0 0 15,0-1-15</inkml:trace>
-  <inkml:trace contextRef="#ctx0" brushRef="#br0" timeOffset="132103.85">5778 11197 0,'-21'-42'0,"42"84"0,-42-126 0,21 62 0,0-20 15,0 0-15,0 21 0,21-22 16,1 1-16,20 21 0,0-22 0,1 22 15,-1-21-15,21 21 0,-20 0 16,20 21-16,1 0 0,-1 0 0,1 0 16,-1 0-16,1 21 0,-1 21 0,-20-21 15,-1 22-15,0-22 0,-21 21 16,1 22-16,-22-22 0,0 0 16,-22 22-16,1-1 0,-21 1 0,0-22 0,-1 22 15,1-22-15,0 0 16,-22 22-16,22-43 0,-1 21 0,-20 1 15,21-22-15,-1 0 0,1 0 0,0 0 16,20 0-16,-20-21 0,21 0 16,0 22-16,0-22 0,-1 0 15,22 21-15,22-21 16,-1 21-16,0-21 0,0 21 16,21-21-16,-20 21 0,20-21 0,-21 21 15,21 1-15,-20-1 0,-1 0 16,21 0-16,-21-21 0,0 21 0,1 0 15,-1 1-15,0-1 0,0 0 16,0-21-16,0 21 0,1 0 0,-22 0 16,21-21-16,-21 22 15,21-22-15,0 0 32,-21-22-32,21 22 0,0-21 0,-21 0 15</inkml:trace>
+  <inkml:trace contextRef="#ctx0" brushRef="#br0" timeOffset="132103.84">5778 11197 0,'-21'-42'0,"42"84"0,-42-126 0,21 62 0,0-20 15,0 0-15,0 21 0,21-22 16,1 1-16,20 21 0,0-22 0,1 22 15,-1-21-15,21 21 0,-20 0 16,20 21-16,1 0 0,-1 0 0,1 0 16,-1 0-16,1 21 0,-1 21 0,-20-21 15,-1 22-15,0-22 0,-21 21 16,1 22-16,-22-22 0,0 0 16,-22 22-16,1-1 0,-21 1 0,0-22 0,-1 22 15,1-22-15,0 0 16,-22 22-16,22-43 0,-1 21 0,-20 1 15,21-22-15,-1 0 0,1 0 0,0 0 16,20 0-16,-20-21 0,21 0 16,0 22-16,0-22 0,-1 0 15,22 21-15,22-21 16,-1 21-16,0-21 0,0 21 16,21-21-16,-20 21 0,20-21 0,-21 21 15,21 1-15,-20-1 0,-1 0 16,21 0-16,-21-21 0,0 21 0,1 0 15,-1 1-15,0-1 0,0 0 16,0-21-16,0 21 0,1 0 0,-22 0 16,21-21-16,-21 22 15,21-22-15,0 0 32,-21-22-32,21 22 0,0-21 0,-21 0 15</inkml:trace>
   <inkml:trace contextRef="#ctx0" brushRef="#br0" timeOffset="132476.17">6816 11832 0,'21'0'16,"0"0"-1,0 0-15,0 0 0,22 0 16,-22-21-16,0 21 0,0-21 0,0 21 15,22-21-15,-22 21 0,0-21 0,0 21 16,0-22-16,0 22 0,1-21 16,-22 0-16,0 0 0,0 0 15,-22 21-15,1 0 16,0 0-16,0 0 0,0 0 16,0 21-16,-1 0 0,1-21 0,-21 21 15,21 0-15,0 1 0,-1-1 16,1 0-16,0 0 0,21 21 0,0-20 15,-21-1-15,21 0 0,0 0 16,0 0-16,0 0 0,0 1 0,0-1 16,21 0-16,0-21 15,0 21-15,1-21 0,-1 0 16,21 0-16,-21 0 0,0 0 0,1 0 16,20 0-16,-21-21 0,21 0 0</inkml:trace>
   <inkml:trace contextRef="#ctx0" brushRef="#br0" timeOffset="132792.4">7789 11642 0,'0'0'0,"0"-21"16,-21-1-16,0 22 15,0 0-15,0 0 0,-1 0 16,1 22-16,0-22 0,0 21 0,21 0 15,-21 0-15,0 0 0,-1 0 0,1 22 16,0-22-16,21 21 16,0-21-16,-21 22 0,21-22 0,-21 21 0,21-21 15,0 22-15,0-22 0,0 0 16,0 0-16,0 0 0,0 1 0,21-22 16,0 0-16,0 21 0,0-21 15,1 0-15,20 0 0,-21 0 0,21-21 16,1-1-16,-22 1 0,21 0 0,1 0 15,-1 0-15,-21 0 0,21-1 16,-20-20-16,-1 21 0,21 0 0,-21 0 16</inkml:trace>
   <inkml:trace contextRef="#ctx0" brushRef="#br0" timeOffset="133144.2">8107 11748 0,'0'0'0,"21"-22"0,-21 1 0,0 0 16,0 42 15,0 0-31,0 1 16,-21-1-16,21 0 0,-21 0 15,-1 0-15,22 0 0,0 1 0,0 20 16,0-21-16,0 0 0,0 0 0,0 1 16,0-1-16,0 0 0,0 0 0,0 0 15,22 0-15,-1-21 0,0 0 16,0 0-16,0 0 0,0 0 0,1 0 16,-1 0-16,21 0 0,-21 0 0,0-21 15,1 0-15,-1 0 0,21 0 16,-21 0-16,-21-1 0,21-20 0,-21 21 15,22 0-15,-22-22 0,0 22 16,0 0-16,0 0 0,0 0 0,0 0 16,0-1-16,-22 1 0,1 21 15,0 0-15,0 0 0,0 0 16,0 0-16,-1 0 0,1 0 0,0 21 16,0-21-16,21 22 0,-21-1 15,21 0-15,0 0 16,0 0-16,21-21 15,0 0-15</inkml:trace>
   <inkml:trace contextRef="#ctx0" brushRef="#br0" timeOffset="133975.72">8742 11705 0,'21'0'125,"0"0"-125,0 0 0,0 0 0,1 21 15,-1 1-15,0-1 0,21 0 16,-21 0-16,1 0 0,-1 0 0,0 1 16,0 20-16,0-21 0,-21 0 0,0 22 15,21-22-15,-21 0 0,0 0 16,0 21-16,0-20 0,0-1 0,-21 0 15,21 0-15,-21-21 16,21 21-16,-21-21 0,0 0 16,21-21-1,0 0-15,0 0 0,0 0 16,0-1-16,0 1 0,0-21 16,21 21-16,0-22 0,-21 22 15,21-21-15,0 0 0,-21 20 0,22-20 16,-1 21-16,0-21 0,-21 20 0,21 1 15,0 0-15,-21 0 0,21 21 16,1 0-16,-1 0 16,0 0-1,0 0-15,-21 21 16,21-21-16,0 21 0,1 0 16,-22 1-16,21-22 0</inkml:trace>
   <inkml:trace contextRef="#ctx0" brushRef="#br0" timeOffset="135307.99">9779 11853 0,'0'0'0,"21"0"0,-21-21 15,21 0-15,0 21 0,-21-21 0,0 0 16,0 0-16,22 21 0,-22-22 0,0 1 15,0 0-15,0 0 0,0 0 16,-22 21-16,1-21 16,0 21-16,0 0 0,0 0 0,0 0 15,-1 0-15,1 21 0,0 0 0,-21 0 16,21 0-16,-1 0 0,1 1 16,0 20-16,21-21 0,-21 21 15,0-20-15,21 20 0,0-21 0,0 21 16,0-20-16,0 20 0,0-21 0,0 0 15,0 0-15,0 1 0,0-1 0,21 0 16,0-21 0,0 0-16,0 0 0,1 0 0,-1-21 15,0 21-15,21-21 0,-21-1 0,1 1 16,-1 0-16,21 0 0,-21 0 16,0-22-16,1 22 0,-1-21 15,0 0-15,0 20 0,0-20 0,0 0 16,1-22-16,-22 22 0,21 0 0,-21-22 15,21 22-15,-21-22 0,0 22 16,21-22-16,-21 1 0,0 21 0,21-22 16,-21 22-16,0-1 0,0 1 0,0 21 15,0-21-15,0 20 0,0 1 0,0 0 16,0 42 15,-21 22-31,0-22 0,21 21 16,0 0-16,-21 22 0,0-22 15,21 22-15,-22-1 0,22-20 0,-21 20 16,21 1-16,0-22 0,0 0 16,0 22-16,0-22 0,0 0 0,0 1 15,0-1-15,0 0 0,0 1 0,0-1 16,0-21-16,21 22 0,-21-22 16,22 0-16,-1 0 0,0 0 0,0 0 15,0-21-15,0 0 0,1 0 0,20 0 16,-21 0-16,0 0 0,0-21 15,1 21-15,20-21 0,-21 0 0,0 0 16,0-22-16,1 22 0,-1 0 0,0-21 16,0 21-16,-21-1 0,21 1 15,-21 0-15,21 0 0,-21 0 0,0 0 16,0-1 0,0 44-1,0-1-15,0 0 16,0 0-16,-21 0 0,21 0 0,0 1 15,0-1-15,0 0 0,0 21 16,0-21-16,0 1 0,0-1 0,0 0 16,21-21-16,1 21 0,-22 0 0,21 0 15,0-21-15,0 0 0,0 0 0,0 0 16,1 0-16,20 0 0,-21 0 0,0 0 16,0-21-16,1 21 0,-1-21 15,21 0-15,-21 0 0,0 0 16,1-22-16,-1 22 0,-21 0 0,21-21 15,0 20-15,-21 1 0,0 0 0,0 0 16,21 0-16,-21 0 0,0-1 16,0 44 15,0-1-31,-21 0 0,21 0 16,0 0-16,0 0 0,0 1 0,-21-1 15,21 0-15,0 0 0,-21 0 16,21 0-16,0 1 0,0-1 0,-21 0 15,-1 0-15,22 0 16,-21-42 15,21 0-15,0 0-16,0 0 0,0-1 16,0-20-16,0 21 0,21 0 0,-21-22 15,22 22-15,-1 0 0,0 0 0,0-21 16,0 20-16,22 1 0,-22 0 15,21 0-15,0 0 0,-20 21 16,20 0-16,0 0 0,-21 0 0,22 0 16,-22 0-16,0 0 0,21 21 0,-20 0 0,-1-21 15,-21 21-15,0 0 0,0 1 16,0 20-16,0-21 0,0 0 16,0 0-16,0 1 0,0-1 0,0 0 15,-21 0-15,21 0 0,-22 0 0,1 1 16,21-1-16,0 0 15,0-42 17,21 0-32,1-1 15</inkml:trace>
   <inkml:trace contextRef="#ctx0" brushRef="#br0" timeOffset="136132.51">12234 11684 0,'0'0'16,"0"-21"-16,0 0 0,0 0 0,0-1 15,-21 1-15,0 0 0,0 0 0,0 0 16,-1 21-16,1 0 15,0 0-15,0 0 0,-21 0 0,20 0 16,1 0-16,-21 21 0,21 0 0,-22 0 16,22 0-16,-21 1 0,21-1 15,0 21-15,-1-21 0,-20 0 0,42 22 16,-21-22-16,21 21 0,-21-21 0,21 1 16,0-1-16,0 0 0,0 0 0,0 0 15,21 0-15,0-21 0,0 0 0,0 0 16,1 0-16,-1 0 0,21 0 15,-21 0-15,22 0 0,-22-21 16,0 21-16,21-21 0,-21 0 0,1 0 16,-1 0-16,0-1 0,0 1 0,0 0 15,-21 0-15,0 0 0,21-22 0,-21 22 16,22 21-16,-22-21 0,0 0 16,0 0-16,0 0 15,0 42 16,0 0-31,0 0 0,0 0 16,0 0-16,0 22 0,0-22 16,-22 21-16,22-21 0,-21 22 0,0-1 15,0 0-15,0 1 0,0 20 0,-1 1 16,1-22-16,0 22 0,0-1 16,0 1-16,21-1 0,0 1 0,-21-1 15,21 1-15,0 20 0,0-20 0,0-1 16,21 22-16,0-22 0,0 1 15,21-1-15,1 1 0,-22-1 0,21 1 16,1-22-16,-1 22 0,0-22 0,-21 22 16,22-22-16,-22 0 0,0 1 0,0-22 15,-21 0-15,0 0 0,0 0 0,0 0 16,0 1-16,-21-22 0,0 0 16,-21 0-16,-1 0 0,1 0 0,0 0 15,-1-22-15,-20 22 0,-1-42 0,1 21 16,-1 0-16,22-22 0,-22 1 15,22 0-15,21-1 0,-21 1 0,20-21 16,22 20-16,0-20 0,0-22 0,0 22 16,0-22-16,0 0 0,0 1 15,22-22-15,-1 21 0,21 0 0,-21-20 16,22 20-16,-1-21 0,0 21 0,1-20 16,20 20-16,-21 21 0,22-20 0,-22 41 15,22-20-15,-22 21 0,-21-1 0,22 22 16,-22-21-16,0 21 0</inkml:trace>
-  <inkml:trace contextRef="#ctx0" brushRef="#br0" timeOffset="136704.35">10541 11070 0,'0'0'0,"21"0"16,-21 21 15,0 1-31,0-1 15,21-21 32,0 0-47,-21-21 16,22-1-16,-22 1 0,0 0 16,0 0-16,-22 42 46,22 0-30,0 0 0,22-21 15</inkml:trace>
+  <inkml:trace contextRef="#ctx0" brushRef="#br0" timeOffset="136704.34">10541 11070 0,'0'0'0,"21"0"16,-21 21 15,0 1-31,0-1 15,21-21 32,0 0-47,-21-21 16,22-1-16,-22 1 0,0 0 16,0 0-16,-22 42 46,22 0-30,0 0 0,22-21 15</inkml:trace>
   <inkml:trace contextRef="#ctx0" brushRef="#br0" timeOffset="163223.87">2032 4297 0,'-21'-21'15,"21"0"1,-21 21-16,21-22 0,0 1 16,0 42 30,0 1-46,0-1 0,0 0 16,0 21-16,0-21 0,0 1 0,0 20 16,0-21-16,0 21 0,0-20 15,0 20-15,0-21 0,0 0 0,21 0 16,-21 1-16,0-1 0,21 0 16,-21-42 15,0 0-31,0-1 15,0 1-15,0 0 0,0 0 0,0 0 16,-21-22-16,0 22 16,21-21-16,-22 21 0,22-22 0,0 22 15,0-21-15,0 21 0,-21 0 16,21-1-16,0 1 0,0 0 16,0 42-1,0 0 1,0 1-16,0-1 0,0 21 0,0-21 15,0 0-15,0 22 0,0-22 16,0 21-16,0-21 0,0 22 0,0-22 16,0 0-16,0 21 0,21-20 15,-21-1-15,0 0 0,0 21 0,0-21 16,0 1-16,22-1 16,-22 0-16,0 0 0,21-21 15,-21-21 48,21 21-48,-21-21-15,21 21 0,-21-21 16,21-1-16,0 22 16,1-21-16,-1 0 0,0 21 0,21-21 15,1 0-15,-1 0 0,0-1 16,22 1-16,-1-21 0,1 0 15,-1-1-15,22 1 0,-22 0 0,1-22 0,21 22 16,-22-22-16,1 22 16,-22 0-16,21-1 0,-20 22 0,-22-21 15,21 21-15,-21-1 0,1 22 16,-22-21-16,21 21 16,-21 21 109,0 1-125,0-1 0</inkml:trace>
   <inkml:trace contextRef="#ctx0" brushRef="#br0" timeOffset="164525.43">2265 6160 0,'0'0'16,"-21"-22"-16,-1 22 0,22-21 16,0 42 15,0 1-31,0-1 0,0 0 15,0 0-15,0 21 0,0-20 0,0-1 16,0 21-16,22-21 0,-22 0 16,21 22-16,-21-22 0,0 0 0,0 0 15,0 0-15,0 1 0,21-22 16,-21 21-16,0-42 31,0-1-15,0 1-16,0 0 0,0-21 0,0 21 15,0-22-15,-21 22 0,21-21 16,-21 21-16,21-22 0,0 1 0,0 21 16,0 0-16,-22-1 0,22 1 15,0 0-15,0 0 0,0 42 32,0 0-17,0 0-15,0 1 0,0-1 16,0 0-16,0 0 0,0 0 15,0 0-15,0 22 0,0-22 0,0 0 16,22 0-16,-22 22 0,0-22 16,21 0-16,-21 0 0,0 0 15,0-42 17,0 0-32,0 0 15,0 0-15,0-1 0,0 1 0,0 0 16,0 0-16,0-21 0,0 20 0,0 1 15,0 0-15,0 0 16,0 0-16,0 42 31,0 0-15,0 0-16,0 0 0,0 1 0,0-1 16,21 0-16,-21 21 0,0-21 15,21 22-15,-21-22 0,0 0 0,0 21 16,0-20-16,0-1 0,0 0 15,0 0-15,0 0 0,0 0 0,0 1 16,21-22 15,0 0-31,1 0 0,-1 0 16,21-22-16,0 1 0,1-21 16,20 21-16,1-22 0,-1 1 15,22 0-15,0-1 0,-1 1 16,1 0-16,0-22 0,-1 43 0,1-21 15,-22-1-15,1 22 0,-1-21 0,1 21 16,-43 21-16,21-21 0,-20-1 16,-1 22-16,-21-21 31,21 21 0,-21 21 0</inkml:trace>
   <inkml:trace contextRef="#ctx0" brushRef="#br0" timeOffset="193271.99">3133 13526 0,'-22'0'15,"1"0"79,0-22-63,0 22-15,21-21-16,0 0 15,0 0 1,0 0 0,0 0-16,21 21 15,0 0-15,0 0 0,1 0 16,-1 0-16,0 0 0,0 0 16,21 0-16,-20 0 0,-1 0 0,21 0 15,-21 0-15,0 0 0,1 21 16,-1-21-16,0 21 0,0 0 0,0 0 15,-21 0-15,0 1 0,0-1 0,0 21 16,0-21-16,0 0 0,-21 22 16,0-22-16,0 0 0,0 0 0,-1 0 15,22 1-15,-21-1 0,0-21 16,0 21-16,21 0 0,-21-21 0,0 21 16,-1-21-16,1 0 15,0 0 1,0 0-16,21-21 31,0 0-15,0 0-1,21 21-15,0 0 16,0-21-16,1 21 0,-1 0 16,0 0-16,21 0 0,-21 0 15,1 0-15,-1 0 0,0 0 16,21 0-16,-21 0 0,1 0 0,20 21 15,-21-21-15,0 21 0,22-21 16,-22 21-16,0 0 0,0 0 0,0-21 16,-21 22-16,0-1 0,0 0 0,0 0 15,0 21-15,0-20 0,-21-1 16,0 0-16,-21 21 0,-1-21 0,1 1 16,0-1-16,-1 21 0,1-21 15,0 0-15,-1 1 0,-20-22 0,20 21 16,22 0-16,-21-21 0,0 0 0,20 0 15,1 0-15,-21 0 0,21 0 16,0-21-16,-1 21 0,1-21 0,21-1 16,-21 22-16,0-21 0,0 0 15,21 0-15,-21 0 16,-1 21-16,22-21 0,0-1 31,22 1-15,-1 21-16,0-21 0,0 21 15,0-21-15,22 21 0</inkml:trace>
@@ -355,21 +401,21 @@
   <inkml:trace contextRef="#ctx0" brushRef="#br0" timeOffset="197195.8">8382 14245 0,'0'0'0,"0"-63"0,0 20 0,0-20 15,0 21-15,0-22 0,0 22 0,0-22 16,0 22-16,21 0 0,0-1 15,0 22-15,1-21 0,20 21 0,-21-1 16,21 1-16,1 21 0,-1 0 16,0 0-16,-20 0 0,20 21 0,0 1 15,-21-1-15,1 21 0,-1-21 16,-21 22-16,0-1 0,0-21 0,-21 21 16,-1 1-16,-20-1 0,0-21 0,21 22 15,-22-22-15,1 21 0,0-21 0,-1 0 16,1 1-16,0-1 0,20 0 15,1-21-15,0 21 0,21-42 32,0 0-32,21 0 0,22-1 15,-22 1-15,21-21 16</inkml:trace>
   <inkml:trace contextRef="#ctx0" brushRef="#br0" timeOffset="197475.64">9229 13166 0,'0'0'0,"0"-21"0,-22 21 16,1 21-16,0 0 15,21 21-15,-21-21 16,21 22-16,0-1 0,-21 0 16,21 22-16,0-22 0,0 22 0,0-22 15,0 22-15,0-22 0,0 0 0,0 1 16,0-1-16,0 0 0,0-21 15,0 22-15,21-22 0,-21 0 0,0 0 16,21 0-16,0-21 0,0 0 16,1 0-16,-1-21 15,-21 0-15,21 21 0,-21-21 16,0 0-16,21 0 0,-21-1 0,0 1 16,0 0-16,0 0 0</inkml:trace>
   <inkml:trace contextRef="#ctx0" brushRef="#br0" timeOffset="197772.16">9292 13801 0,'0'0'16,"21"0"31,0 0-47,1 0 15,-1-21-15,0 21 0,0-22 16,0 22-16,0-21 0,1 0 0,-1 21 16,-21-21-16,21 0 0,0 0 0,-21-1 15,21 1-15,-21 0 0,0 0 16,-21 21-1,0 21-15,0 0 0,-22 0 16,22 1-16,0-1 0,0 0 0,0 21 16,0-21-16,-1 22 0,22-1 15,0-21-15,-21 22 0,21-22 16,0 0-16,0 0 0,0 0 0,0 0 16,21 1-16,-21-1 0,22-21 0,-1 0 15,0 0-15,0 0 0,0 0 0,22 0 16,-22 0-16,21-21 0,0-1 15,1 1-15,-1-21 0,0 21 0</inkml:trace>
-  <inkml:trace contextRef="#ctx0" brushRef="#br0" timeOffset="200751.32">10901 13547 0,'0'0'0,"21"-43"0,0 22 0,0-21 16,0 21-16,1-22 0,-22 1 0,0 21 16,21-21-16,-21 20 0,0-20 0,0 21 15,0 0-15,0 0 0,0-1 16,-21 44-1,21 20-15,0-21 0,0 21 16,-22 1-16,22 20 0,-21-20 0,21 20 16,0 1-16,-21-1 0,21 1 15,-21-1-15,0 1 0,21-1 16,0-21-16,-21 22 0,21-22 0,-22 1 16,22-22-16,-21 21 0,21-21 0,0 0 15,0 1-15,-21-22 16,0-22-1,21 1-15,0 0 0,0 0 16,0-21-16,0-1 0,0 1 0,0 0 16,0-22-16,0 1 0,0-22 15,0 21-15,0-20 0,0 20 0,21-20 16,0 20-16,0 1 0,22-1 16,-22 22-16,21-1 0,-21 1 0,22 21 15,-1 0-15,-21 21 0,22 0 16,-22 0-16,21 21 0,-21 21 0,-21-21 15,21 22-15,-21-22 0,0 21 0,0 1 16,0-1-16,-21 0 0,0 1 16,0-1-16,-21 0 0,20 1 0,1-1 15,-21 0-15,21-21 0,0 1 0,-1-1 16,1 0-16,0 0 0,0-21 16,0 0-16,21-21 15,-21 0-15,-1 0 16,22-1-16,0 1 15,0 42 1,0 1 0,0-1-16,0 0 0,22 0 0,-22 0 15,21 22-15,-21-22 0,21 0 0,0 21 16,-21-21-16,21 22 0,0-22 16,1 0-16,-1 0 0,0 0 0,21 1 15,-21-1-15,1 0 0,20-21 0,0 0 16,1 21-16,-22-21 0,21 0 0,0 0 15,1 0-15,-1 0 0,-21-21 16,22 0-16,-1 0 0,0-1 16,1 1-16,-1 0 0,0-21 0,-21 21 0,22-22 15,-22 1-15,21 0 0,-21-22 16,1 22-16,-22-1 0,0 1 0,0 21 16,0-21-16,0 20 0,0 1 15,-22 21-15,1 21 16,0 1-16,-21-1 0,21 0 15,-1 21-15,1 1 0,0-22 0,0 21 16,0 0-16,0 1 0,21-1 16,0-21-16,0 22 0,0-1 0,0-21 15,21 0-15,0 0 0,0 1 0,0-1 16,22 0-16,-1-21 0,0 0 0,22 0 16,-1 0-16,-20 0 15,20 0-15,1-21 0,-1 0 0,1-1 16,-1 1-16,-21 0 0,22 0 0,-22-21 15,1 20-15,-22-20 0,0 21 0,0-21 16,-21-1-16,21 22 0,-21-21 0,0 21 16,0-1-16,0 1 0,-21 21 15,0 0-15,0 0 0,-22 0 0,22 0 16,0 0-16,0 21 0,0 1 0,0-1 16,-1 0-16,22 0 0,0 0 0,0 22 15,0-22-15,22 0 0,-1 0 16,-21 0-16,42 0 0,-21 1 15,0-1-15,1 0 0,-1-21 0,0 21 16,0 0-16,0-21 0,-21 21 0,0 1 16,0-1-1,-21-21 1,0 0-16,0 0 0,0 0 0,-1 0 16,1 0-16,0 0 0,0 0 0,0 0 15,0 0-15,-1 0 16,22 21-1,22-21 1,-22 21-16,21-21 0,0 0 16,0 21-16,0-21 0,22 0 15,-22 0-15,0 0 0,0 0 0,21 0 16,-20 0-16,20 0 0,-21 0 16,21-21-16,-20 21 0,-1-21 0,0 0 15,0 21-15,0-21 0,0-1 0,1 1 16,-1 0-16,-21-21 0,0 21 0,0-1 15,0 1-15,0-21 0,21 21 0,-21 0 16,0-1-16,0 1 16,-21 42-1,0 1 1,21-1-16,0 0 0,0 0 0,0 0 16,0 0-16,0 1 0,0-1 15,0 0-15,0 0 0,21 0 16,-21 0-16,21-21 0,0 22 0,0-22 15,0 0-15,1 0 0,-1 0 0,0 0 16,0 0-16,21 0 0,-20 0 0,-1 0 16,0-22-16,0 1 0,0 0 0,0 0 15,-21 0-15,22 0 0,-1-1 16,-21 1-16,21 0 0,-21-21 0,0 21 16,0-1-16,0 1 0,0 0 15,21 21-15,-21 21 31,0 0-31,0 1 0,0-1 16,-21 0-16,21 0 0,0 0 0,0 0 16,0 1-16,0-1 0,21 0 0,-21 0 15,21 0-15,0 0 0,1-21 0,-1 22 16,21-22-16,-21 0 0,0 0 16,22 0-16,-22 0 0,21 0 0,-21 0 15,1-22-15,-1 22 0,0-21 0,0 0 16,0 0-16,0 0 0,-21 0 0,0-1 15,0 1-15,0-21 0,0 21 0,0 0 16,0-22-16,0 22 0,0 0 16,0 0-16,0 0 15,0 42 1,0 0-16,0 0 16,0 0-16,0 0 0,0 1 15,0-1-15,0 0 0,0 0 0,0 0 16,0 0-16,0 1 0,0-1 0,0 0 15,0 0-15,0 0 16,0-42 15,0 0-31,22 0 0,-22 0 16,0-1-16,21 1 0,-21 0 0,0-21 16,0 21-16,21-1 0,-21 1 0,21 0 15,-21 0-15,0 0 0,21 0 16,0 21-16,1 0 15,-1 0-15,0 21 16,-21 0-16,0 0 0,21 0 16,-21 0-16,21 1 0,-21 20 0,0-21 15,21 0-15,-21 0 0,22 1 0,-22-1 16,21 0-16,-21 0 0,0 0 16,21 0-16,0-21 15,0 0 1,-21-21-16,21 0 15,-21 0-15,22 0 0,-22 0 0,21-1 16,-21 1-16,21-21 0,0 21 16,0-22-16,0 1 0,1 21 0,-1-21 15,0 20-15,0 1 0,0 0 0,0 0 16,1 21-16,-1 0 0,0 0 16,0 0-16,-21 21 0,21 0 15,-21 0-15,21 22 0,-21-22 16,0 0-16,0 21 0,0-20 0,0-1 15,0 21-15,22-21 0,-22 0 0,21 1 16,0-1-16,0 0 0,-21 0 0,21 0 16,0 0-16,1-21 0,-1 0 15,0 0-15,0 0 0,0 0 16,0 0-16,1 0 0,-1 0 0,0 0 16,0-21-16,0 0 0,0 0 0,1 21 15,-1-21-15,0-22 0,0 22 0,0 0 16,0-21-16,1 21 0,-1-22 0,-21 22 15,21-21-15,-21 21 0,0-22 0,0 22 16,0 0-16,0 0 0,-21 21 31,0 0-31,-1 21 0,1 0 0,21 0 16,-21 0-16,21 22 0,-21-22 0,21 21 16,0-21-16,-21 1 0,21 20 15,0-21-15,0 0 0,0 22 16,0-22-16,0 0 0,0 0 0,0 0 15,21 0-15,21 1 0,-21-22 16,1 0-16,20 0 0,0 0 0,1 0 16,-1 0-16,0 0 0,1 0 0,-1-22 15,0 22-15,1-21 0,-22 0 16,21 0-16,-21 0 0,22 0 0,-22-22 16,0 22-16,0-21 0,0 21 15,-21-22-15,0 1 0,21 21 0,-21-22 16,0 22-16,0-21 0,0 21 0,0 0 15,-21 21 1,0 0-16,21 21 16,-21 0-16,0 0 0,21 0 0,0 0 15,0 22-15,0-22 0,0 0 0,0 0 16,0 22-16,0-22 0,0 0 0,21 0 16,-21 0-16,21 0 0,0 1 0,-21-1 15,0 0-15,21 0 16,-21 0-16,-21-21 31,0 0-31,0 0 0,0 0 0,0 0 16,-1 0-16,1 0 0,0 0 0,0 0 15,0 0-15,0 0 0,-1 0 16</inkml:trace>
+  <inkml:trace contextRef="#ctx0" brushRef="#br0" timeOffset="200751.31">10901 13547 0,'0'0'0,"21"-43"0,0 22 0,0-21 16,0 21-16,1-22 0,-22 1 0,0 21 16,21-21-16,-21 20 0,0-20 0,0 21 15,0 0-15,0 0 0,0-1 16,-21 44-1,21 20-15,0-21 0,0 21 16,-22 1-16,22 20 0,-21-20 0,21 20 16,0 1-16,-21-1 0,21 1 15,-21-1-15,0 1 0,21-1 16,0-21-16,-21 22 0,21-22 0,-22 1 16,22-22-16,-21 21 0,21-21 0,0 0 15,0 1-15,-21-22 16,0-22-1,21 1-15,0 0 0,0 0 16,0-21-16,0-1 0,0 1 0,0 0 16,0-22-16,0 1 0,0-22 15,0 21-15,0-20 0,0 20 0,21-20 16,0 20-16,0 1 0,22-1 16,-22 22-16,21-1 0,-21 1 0,22 21 15,-1 0-15,-21 21 0,22 0 16,-22 0-16,21 21 0,-21 21 0,-21-21 15,21 22-15,-21-22 0,0 21 0,0 1 16,0-1-16,-21 0 0,0 1 16,0-1-16,-21 0 0,20 1 0,1-1 15,-21 0-15,21-21 0,0 1 0,-1-1 16,1 0-16,0 0 0,0-21 16,0 0-16,21-21 15,-21 0-15,-1 0 16,22-1-16,0 1 15,0 42 1,0 1 0,0-1-16,0 0 0,22 0 0,-22 0 15,21 22-15,-21-22 0,21 0 0,0 21 16,-21-21-16,21 22 0,0-22 16,1 0-16,-1 0 0,0 0 0,21 1 15,-21-1-15,1 0 0,20-21 0,0 0 16,1 21-16,-22-21 0,21 0 0,0 0 15,1 0-15,-1 0 0,-21-21 16,22 0-16,-1 0 0,0-1 16,1 1-16,-1 0 0,0-21 0,-21 21 0,22-22 15,-22 1-15,21 0 0,-21-22 16,1 22-16,-22-1 0,0 1 0,0 21 16,0-21-16,0 20 0,0 1 15,-22 21-15,1 21 16,0 1-16,-21-1 0,21 0 15,-1 21-15,1 1 0,0-22 0,0 21 16,0 0-16,0 1 0,21-1 16,0-21-16,0 22 0,0-1 0,0-21 15,21 0-15,0 0 0,0 1 0,0-1 16,22 0-16,-1-21 0,0 0 0,22 0 16,-1 0-16,-20 0 15,20 0-15,1-21 0,-1 0 0,1-1 16,-1 1-16,-21 0 0,22 0 0,-22-21 15,1 20-15,-22-20 0,0 21 0,0-21 16,-21-1-16,21 22 0,-21-21 0,0 21 16,0-1-16,0 1 0,-21 21 15,0 0-15,0 0 0,-22 0 0,22 0 16,0 0-16,0 21 0,0 1 0,0-1 16,-1 0-16,22 0 0,0 0 0,0 22 15,0-22-15,22 0 0,-1 0 16,-21 0-16,42 0 0,-21 1 15,0-1-15,1 0 0,-1-21 0,0 21 16,0 0-16,0-21 0,-21 21 0,0 1 16,0-1-1,-21-21 1,0 0-16,0 0 0,0 0 0,-1 0 16,1 0-16,0 0 0,0 0 0,0 0 15,0 0-15,-1 0 16,22 21-1,22-21 1,-22 21-16,21-21 0,0 0 16,0 21-16,0-21 0,22 0 15,-22 0-15,0 0 0,0 0 0,21 0 16,-20 0-16,20 0 0,-21 0 16,21-21-16,-20 21 0,-1-21 0,0 0 15,0 21-15,0-21 0,0-1 0,1 1 16,-1 0-16,-21-21 0,0 21 0,0-1 15,0 1-15,0-21 0,21 21 0,-21 0 16,0-1-16,0 1 16,-21 42-1,0 1 1,21-1-16,0 0 0,0 0 0,0 0 16,0 0-16,0 1 0,0-1 15,0 0-15,0 0 0,21 0 16,-21 0-16,21-21 0,0 22 0,0-22 15,0 0-15,1 0 0,-1 0 0,0 0 16,0 0-16,21 0 0,-20 0 0,-1 0 16,0-22-16,0 1 0,0 0 0,0 0 15,-21 0-15,22 0 0,-1-1 16,-21 1-16,21 0 0,-21-21 0,0 21 16,0-1-16,0 1 0,0 0 15,21 21-15,-21 21 31,0 0-31,0 1 0,0-1 16,-21 0-16,21 0 0,0 0 0,0 0 16,0 1-16,0-1 0,21 0 0,-21 0 15,21 0-15,0 0 0,1-21 0,-1 22 16,21-22-16,-21 0 0,0 0 16,22 0-16,-22 0 0,21 0 0,-21 0 15,1-22-15,-1 22 0,0-21 0,0 0 16,0 0-16,0 0 0,-21 0 0,0-1 15,0 1-15,0-21 0,0 21 0,0 0 16,0-22-16,0 22 0,0 0 16,0 0-16,0 0 15,0 42 1,0 0-16,0 0 16,0 0-16,0 0 0,0 1 15,0-1-15,0 0 0,0 0 0,0 0 16,0 0-16,0 1 0,0-1 0,0 0 15,0 0-15,0 0 16,0-42 15,0 0-31,22 0 0,-22 0 16,0-1-16,21 1 0,-21 0 0,0-21 16,0 21-16,21-1 0,-21 1 0,21 0 15,-21 0-15,0 0 0,21 0 16,0 21-16,1 0 15,-1 0-15,0 21 16,-21 0-16,0 0 0,21 0 16,-21 0-16,21 1 0,-21 20 0,0-21 15,21 0-15,-21 0 0,22 1 0,-22-1 16,21 0-16,-21 0 0,0 0 16,21 0-16,0-21 15,0 0 1,-21-21-16,21 0 15,-21 0-15,22 0 0,-22 0 0,21-1 16,-21 1-16,21-21 0,0 21 16,0-22-16,0 1 0,1 21 0,-1-21 15,0 20-15,0 1 0,0 0 0,0 0 16,1 21-16,-1 0 0,0 0 16,0 0-16,-21 21 0,21 0 15,-21 0-15,21 22 0,-21-22 16,0 0-16,0 21 0,0-20 0,0-1 15,0 21-15,22-21 0,-22 0 0,21 1 16,0-1-16,0 0 0,-21 0 0,21 0 16,0 0-16,1-21 0,-1 0 15,0 0-15,0 0 0,0 0 16,0 0-16,1 0 0,-1 0 0,0 0 16,0-21-16,0 0 0,0 0 0,1 21 15,-1-21-15,0-22 0,0 22 0,0 0 16,0-21-16,1 21 0,-1-22 0,-21 22 15,21-21-15,-21 21 0,0-22 0,0 22 16,0 0-16,0 0 0,-21 21 31,0 0-31,-1 21 0,1 0 0,21 0 16,-21 0-16,21 22 0,-21-22 0,21 21 16,0-21-16,-21 1 0,21 20 15,0-21-15,0 0 0,0 22 16,0-22-16,0 0 0,0 0 0,0 0 15,21 0-15,21 1 0,-21-22 16,1 0-16,20 0 0,0 0 0,1 0 16,-1 0-16,0 0 0,1 0 0,-1-22 15,0 22-15,1-21 0,-22 0 16,21 0-16,-21 0 0,22 0 0,-22-22 16,0 22-16,0-21 0,0 21 15,-21-22-15,0 1 0,21 21 0,-21-22 16,0 22-16,0-21 0,0 21 0,0 0 15,-21 21 1,0 0-16,21 21 16,-21 0-16,0 0 0,21 0 0,0 0 15,0 22-15,0-22 0,0 0 0,0 0 16,0 22-16,0-22 0,0 0 0,21 0 16,-21 0-16,21 0 0,0 1 0,-21-1 15,0 0-15,21 0 16,-21 0-16,-21-21 31,0 0-31,0 0 0,0 0 0,0 0 16,-1 0-16,1 0 0,0 0 0,0 0 15,0 0-15,0 0 0,-1 0 16</inkml:trace>
   <inkml:trace contextRef="#ctx0" brushRef="#br0" timeOffset="204908.25">3619 15071 0,'-21'0'16,"21"-21"-16,-21-1 16,0 22-16,21-21 15,0 42 17,0 22-17,0-22-15,-21 21 0,21 1 16,-21 20-16,-1-21 0,1 1 0,0 20 0,0-20 15,0 20-15,-22-21 16,22 1-16,0-1 0,0-21 0,0 22 16,0-22-16,-1 0 0,22 0 15,-21-21-15,21-21 32,21 0-32,1 0 15,-1-1-15,21 1 0,-21 0 0,0 0 16,22 0-16,-1 21 0,0-21 15,1-1-15,-1 1 0,0 0 0,1 21 16,-1-21-16,-21 0 0,22 21 16,-22-21-16,0 21 0,0-22 15,0 22-15,0-21 0,-21 0 0,0 0 16,0 0-16,0 0 16,-21 21 15,21 21-16,-21 0-15,21 0 0,0 0 0,-21 22 16,0-22-16,0 21 0,21-21 0,0 22 16,-22-22-16,22 21 0,-21-21 15,0 22-15,21-22 0,0 21 0,0-21 16,-21 0-16,21 1 0,0-1 0,0 0 16,-21-21-16,21 21 0,0 0 15,0-42 32,0 0-47</inkml:trace>
   <inkml:trace contextRef="#ctx0" brushRef="#br0" timeOffset="205132.12">4212 15579 0,'0'-21'0,"0"42"63,21-21-32,0 0-31,1-21 16,-1 21-16,0-22 0</inkml:trace>
   <inkml:trace contextRef="#ctx0" brushRef="#br0" timeOffset="207988.86">6371 14711 0,'0'0'0,"0"-21"0,0 0 16,-21 21-1,21-22-15,0 1 16,0 0 15,-21 21 63,0 0-94,-1 0 16,1 0-1,0 0-15,0 0 0,21 21 16,0 0-16,-21 1 0,21 20 0,-21-21 16,21 21-16,0 22 0,0-22 0,0 22 15,0-1-15,0 1 0,0-1 16,0 1-16,0-1 0,-22 1 0,22-22 15,-21 22-15,21-22 0,-21 0 0,21 1 16,0-22-16,0 21 0,0-21 0,-21 0 16,21 1-16,-21-22 15,21-22 1,-21 1-16,21-21 0,0 21 16,-22 0-16,22-22 15,0 1-15,0-22 0,0 22 0,0-21 16,0-1-16,0 1 0,22-1 0,-1 1 15,0-1-15,21 1 0,1-1 0,-22 22 16,42-1-16,-20 1 0,20 0 16,1 21-16,-1 21 0,1 0 0,-1 0 15,1 0-15,-22 0 0,0 21 0,1 21 16,-22-21-16,0 22 0,-21-22 16,0 21-16,0-21 0,0 22 0,-21-1 15,0-21-15,-22 21 0,1 1 0,21-1 16,-22-21-16,1 22 15,21-22-15,-21 0 0,-1 0 0,22 0 16,-21-21-16,21 21 0,-1-21 0,1 0 16,0 0-16,0 0 0,0 0 0,0 0 15,-1-21-15,1 21 16,21-21-16,0 42 16,21 0-1,1 1-15,-1-1 16,0 21-16,0-21 0,0 0 0,0 22 15,1-22-15,-1 0 0,0 21 0,0-20 16,0-1-16,0 0 0,22 21 16,-22-21-16,0 1 0,21-22 15,-20 21-15,20 0 0,0-21 0,1 0 0,-1 0 16,0 0-16,1 0 0,-1 0 16,0 0-16,1-21 0,-1 21 15,0-21-15,-21-1 0,22 1 0,-22 0 16,0 0-16,21-21 0,-42 20 0,22-20 15,-1 21-15,-21-21 0,0-1 16,0 22-16,0-21 0,0 21 0,0-1 16,0 1-16,0 0 0,0 0 0,-21 42 31,-1 0-31,1 0 16,21 1-16,-21-1 0,0 21 0,21-21 15,0 22-15,0-22 0,0 0 0,0 21 16,0-21-16,0 1 0,0-1 0,21 0 15,0 0-15,0 0 0,1 0 16,-1-21-16,21 0 0,0 0 0,-20 0 16,20 0-16,21 0 0,-20-21 0,-1 21 15,22-21-15,-22 0 0,21 0 16,-20 0-16,-1-1 0,0-20 0,1 21 16,-22 0-16,0 0 0,-21-1 0,0 1 15,0 0-15,0 0 0,-21 21 16,0 0-1,0 0-15,-1 0 0,1 21 0,0 0 16,0 0-16,0-21 0,21 22 0,0-1 16,0 0-16,0 0 15,0 0-15,0 0 0,21-21 0,0 22 16,0-22-16,0 21 0,1-21 0,-1 0 16,-21 21-16,21-21 0,-21 21 0,-21-21 31,0 0-16,-1 0-15,1 0 0,0 0 0,0 0 16,0 0-16,0 0 0,-1 0 16,22 21-1,0 0 1,0 1 0,22-1-1,-1-21-15,0 0 0,0 0 0,21 21 16,-20-21-16,20 0 0,0 0 0,1 0 15,-1 0-15,0 0 0,1-21 0,-22 21 16,21-21-16,0-1 0,1 22 16,-22-21-16,0 0 0,21 0 0,-20 0 15,-22 0-15,21-22 0,-21 22 16,21 0-16,-21-21 0,0 20 0,0-20 16,0 21-16,0 0 0,0 0 15,0-1-15,0 1 0,0 42 31,0 1-31,0-1 16,-21 0-16,21 21 0,0-21 0,0 1 16,0-1-16,0 0 0,0 0 0,0 0 15,21 0-15,-21 1 0,21-1 0,0-21 16,0 0-16,1 21 0,-1-21 16,0 0-16,0 0 0,0-21 15,22 21-15,-22-21 0,0-1 0,0 1 16,0 21-16,0-21 0,1-21 15,-22 21-15,21-1 0,-21 1 16,21 0-16,-21-21 0,0 21 0,0-1 16,0 1-16,0 0 0,-21 42 31,0 0-31,21 1 16,0-1-16,0 21 0,-22-21 0,22 0 15,0 22-15,0-22 0,0 21 0,0-21 16,0 22-16,22-22 0,-1 0 0,0 0 15,0-21-15,0 21 0,22-21 16,-22 0-16,21 0 0,-21 0 0,22 0 16,-22 0-16,0 0 0,21-21 15,-21 0-15,1 0 0,-1 0 16,0 0-16,-21-1 0,0-20 16,0 21-16,0 0 0,0 0 0,0-22 15,0 22-15,0 0 0,0 0 16,0 0-16,0 42 31,0 0-31,0 0 0,0 0 0,0 0 16,0 1-16,0-1 0,0 0 0,0 0 15,-21 0-15,21 0 0,0 1 0,0-1 16,0 0-16,0 0 0,0 0 16,21-21 15,0-21-16,-21 0-15,0 0 0,21 0 0,-21-1 16,21 1-16,-21 0 0,0 0 16,22 0-16,-1-22 0,0 22 0,-21 0 15,0 0-15,21 0 0,0 21 0,-21-21 16,21 21-16,1 21 16,-22 0-1,0 0-15,0 0 0,21 0 0,-21 1 16,0-1-16,0 0 0,0 0 15,0 0-15,0 0 0,21 1 0,0-1 16,-21 0-16,21-21 16,0 0-16,1 0 0,-1 0 15,0 0-15,0 0 0,0 0 16,0-21-16,1 0 0,-22-1 0,21 1 16,0 0-16,-21 0 0,21 0 0,-21 0 15,21-1-15,0 1 0,-21 0 16,0-21-16,0 21 0,22-1 15,-22 1-15,0 42 32,0 1-32,0-1 0,0 0 15,0 0-15,0 0 0,0 22 16,0-22-16,0 0 0,0 0 0,0 0 16,0 0-16,21 1 0,-21-1 0,21 0 15,0 0-15,0-21 0,0 0 16,1 21-16,-1-21 0,0 0 0,21 0 15,-21 0-15,1 0 0,20 0 0,-21-21 16,0 0-16,22 0 0,-22 21 0,0-21 16,0-1-16,0-20 0,0 21 15,1 0-15,-1 0 0,-21-22 0,21 22 16,-21 0-16,21 0 0,-21 0 16,0-1-16,-21 44 15,0-1-15,0 0 16,21 0-16,-22 21 0,22-20 15,-21-1-15,21 21 0,0-21 0,0 0 16,0 22-16,0-22 0,0 0 0,0 0 16,21 0-16,22-21 0,-22 22 0,21-1 15,22-21-15,-22 0 0,0 0 16,1 0-16,20 0 0,-20-21 0,-1-1 16,21 22-16,-20-21 0,20 0 15,-20-21-15,-1 21 0</inkml:trace>
   <inkml:trace contextRef="#ctx0" brushRef="#br0" timeOffset="208504.57">12065 15092 0,'0'0'16,"21"-42"-16,0 20 0,22-20 0,-22 0 0,0-1 16,0 1-16,21 0 0,-20-1 15,-22 1-15,21 0 0,-21 21 0,21-1 16,-21 1-16,0 42 31,0 22-31,0-22 0,0 21 0,0 22 16,0-22-16,0 22 0,0-22 0,0 21 15,0 1-15,0-1 0,0 1 0,0-1 16,0-20-16,-21-1 0,21 22 16,0-43-16,0 21 0,0-21 0,-21 22 15,21-22-15,0 0 0,0-42 47,0 0-47,0-22 0,0 22 16,0 0-16,0-21 0</inkml:trace>
   <inkml:trace contextRef="#ctx0" brushRef="#br0" timeOffset="208751.42">12192 15198 0,'-21'-43'0,"84"213"0,-105-297 0,21 42 16,0 43-16,21-1 0,-22-20 0,22 21 15,0-1-15,0 1 0,22 0 0,-1-1 16,21 22-16,0-21 0,1 21 16,-1-1-16,0 1 0,22 0 0,-1 21 15,-20 0-15,20 0 0,-20 21 0,-1 0 16,0 22-16,-21-22 0,1 21 15,-22-21-15,0 22 0,0-1 0,-43 0 16,22 1-16,-21-1 0,21 0 0,-22 1 16,1-22-16,0 21 0,-1-21 15,1 22-15,21-22 0,-22 0 16,22 0-16,0 0 0,0-21 0,21 22 16,21-22-1,0 0-15,22 0 0,-1 0 16,0-22-16</inkml:trace>
   <inkml:trace contextRef="#ctx0" brushRef="#br0" timeOffset="210268.01">13250 15092 0,'0'0'0,"0"-21"0,0 0 16,-21 21 15,0 0-31,0 21 0,-22-21 0,22 21 16,-21 21-16,21-21 0,-22 1 0,22 20 15,-21 0-15,21-21 0,0 22 0,-1-1 16,1-21-16,21 22 0,0-22 16,0 21-16,0-21 0,0 0 0,21 1 15,1-22-15,-1 21 0,21-21 0,0 0 16,1 0-16,-1 0 0,22 0 0,-22 0 16,21-21-16,-20-1 0,20 22 15,-20-21-15,-1-21 0,0 21 0,-21 0 16,22-1-16,-43-20 0,21 21 0,-21-21 15,0-1-15,0 1 0,0 0 16,0-1-16,-21 22 0,0-21 16,-22 21-16,22-1 0,-21 1 0,21 21 15,-22 0-15,1 0 0,0 0 0,-1 21 16,1 1-16,0 20 0,-1-21 0,1 21 16,0 1-16,20-1 0,1 0 15,0 1-15,21-22 0,0 21 0,0 1 16,0-22-16,21 21 0,0-21 0,22 0 15,-22 1-15,21-22 0,1 21 16,-1-21-16,0 0 0,22 0 16,-22 0-16,0 0 0,1-21 0,20-1 0,-20 22 15,-22-21-15,21 0 0,0 0 16,-20-21-16,-1 20 0,0 1 0,0-21 16,0 21-16,-21 0 0,0-22 15,0 22-15,0 0 0,0 0 16,-21 21-1,21 21-15,-21 0 16,0 0-16,21 0 0,-21 22 0,21-22 16,0 0-16,0 0 0,0 22 0,0-22 15,0 0-15,21 0 0,0 0 0,0-21 16,0 21-16,22-21 0,-22 0 16,21 0-16,0 0 0,1 0 15,-1 0-15,0 0 0,-20 0 0,20-21 16,0 21-16,-21-21 0,1 0 0,20 0 15,-21 0-15,0-1 0,0 1 0,-21 0 16,22-21-16,-22 21 0,21-1 16,-21 1-16,0 0 0,0 0 15,0 42 1,0 0-16,0 0 16,0 1-16,-21-1 15,21 0-15,0 0 0,0 0 0,0 0 16,0 1-16,0-1 0,0 0 0,0 0 15,0 0-15,0-42 47,0 0-31,0 0-16,21 0 0,-21-1 16,21-20-16,0 21 0,0 0 15,0-22-15,-21 22 0,22 0 0,-1 0 16,0 0-16,0 21 0,0 0 0,0 0 15,1 0-15,-22 21 0,0 0 16,21 0-16,-21 22 16,0-22-16,0 0 0,0 0 0,0 0 15,21 0-15,-21 1 0,0-1 16,0 0-16,21 0 0,0-21 16,0 0-16,1 0 0,-1 0 15,0 0-15,0 0 16,0 0-16,0-21 0,-21 0 15,0 0-15,22-1 0,-22 1 0,21 0 16,0 0-16,-21-21 0,21-1 0,0 22 16,-21-21-16,21-1 0,1 1 15,-22-21-15,21 20 0,0 1 0,-21 0 16,0 20-16,21-20 0,-21 21 0,21 21 16,-21-21-16,0 42 15,0 0 1,0 0-16,-21 0 0,0 22 15,21-22-15,0 21 0,-21 1 0,21-1 16,-21 0-16,21-21 0,0 22 0,-22-1 16,22 0-16,0-20 0,0-1 0,0 21 15,0-21-15,0 0 0,22 1 16,-1-1-16,0-21 0,0 0 16,0 0-16,0 0 0,22 0 0,-22 0 15,21-21-15,1-1 0,-22 22 0,21-21 16,-21 0-16,22 0 0,-22 0 0,0 0 15,0-22-15,-21 22 16,0 0-16,21 0 0,-21 0 0,0-1 16,0 1-16,-21 0 15,0 21-15,0 0 0,0 0 16,21 21-16,0 0 16,0 1-16,0-1 0,0 0 15,21 0-15,0 0 0,0 0 0,0 1 16,0-1-16,1 0 0,-1 0 15,0 0-15,0-21 0,-21 21 16,0 1-16,0-1 16,-21 0-1,0-21-15,0 0 0,-1 0 0,1 0 16,0 0-16,0 0 0,0 0 0,0 0 16,21-21-1,-22 0-15,22-1 0,-21 1 16,0 21-16,21-21 0,-21 0 15,21 0-15</inkml:trace>
-  <inkml:trace contextRef="#ctx0" brushRef="#br0" timeOffset="210499.88">15113 15007 0,'-21'-21'0,"42"42"0,-63-42 0,20 21 0,1 0 16,21-21-16,21 21 15,1 0-15,-1 0 16,21-21-16,-21 21 0,22 0 0,-1-21 16,0 21-16,1-22 0,-1 22 0,0-21 15,1 21-15,-1 0 0,-21-21 0,0 21 16,0 0-16,1-21 0,-22 0 16,-22 21-1,-20 0-15,21-21 0,0 21 16,-22 0-16</inkml:trace>
+  <inkml:trace contextRef="#ctx0" brushRef="#br0" timeOffset="210499.87">15113 15007 0,'-21'-21'0,"42"42"0,-63-42 0,20 21 0,1 0 16,21-21-16,21 21 15,1 0-15,-1 0 16,21-21-16,-21 21 0,22 0 0,-1-21 16,0 21-16,1-22 0,-1 22 0,0-21 15,1 21-15,-1 0 0,-21-21 0,0 21 16,0 0-16,1-21 0,-22 0 16,-22 21-1,-20 0-15,21-21 0,0 21 16,-22 0-16</inkml:trace>
   <inkml:trace contextRef="#ctx0" brushRef="#br0" timeOffset="210721.75">14330 14690 0,'0'0'0,"-21"-21"0,-64 21 15,64 0 1,0 0-1</inkml:trace>
   <inkml:trace contextRef="#ctx0" brushRef="#br0" timeOffset="212173.3">3111 16743 0,'-21'0'0,"0"0"15,0 0-15,42 0 47,0 0-47,22 0 0,-22-21 0,0 0 16,21 21-16,-21 0 0,22-22 0,-22 22 16,21 0-16,-21 0 0,1 0 15,-1 0-15,-21 22 31,-21-1-15,-1-21-16,1 0 0,0 0 16</inkml:trace>
   <inkml:trace contextRef="#ctx0" brushRef="#br0" timeOffset="212663.53">3090 16701 0,'0'0'0,"-21"0"15,0 0-15,21 21 31,0 0-31,0 0 16,0 0-16,0 22 0,-21-22 16,21 0-16,-21 0 0,21 21 15,-22-20-15,22-1 0,0 0 0,0 0 16,-21 0-16,21 0 16,0-42 30,21 21-30,-21-21-16,22 21 0,-22-21 0,21 21 16,0 0-16,0-21 0,0 21 15,0 0-15,22 0 0,-22 0 0,21 0 16,1 0-16,-1 0 0,0 21 0,1-21 16,-22 21-16,21 0 0,-21 0 15,22 1-15,-43-1 0,0 21 0,21-21 16,-21 0-16,0 1 15,0 20-15,-21-21 0,-1 0 0,1 0 16,-21 22-16,21-22 0,-22 0 16,22-21-16,-21 21 0,21 0 0,-22 1 15,22-22-15,0 0 0,0 0 16,0 0-16,0 0 0,-1 0 0,1 0 16,0 0-16,21-22 15,0 1 1,21 21-1,0-21-15,-21 0 16,22 21-16,-1-21 0,0 21 0</inkml:trace>
   <inkml:trace contextRef="#ctx0" brushRef="#br0" timeOffset="212868.41">3852 17166 0,'0'0'0,"21"0"0,1 0 0,-22 21 31,21-21 16,0 0-31,0 0-1,0-21-15,0 0 0,1 0 16</inkml:trace>
   <inkml:trace contextRef="#ctx0" brushRef="#br0" timeOffset="-214071.49">5842 16362 0,'0'0'16,"-21"0"-16,21-21 0,-21 21 15,-1 0-15,1 0 0,0 0 16,0 0-16,-21 0 0,20 0 16,1 21-16,0 0 0,0 0 0,0 0 15,21 1-15,0-1 0,0 21 0,0-21 16,0 22-16,21-22 0,0 0 15,0 21-15,22-21 0,-22 1 0,21-22 16,0 21-16,1-21 0,-1 0 0,0 0 16,1 0-16,-1-21 0,0-1 15,22 1-15,-22 0 0,1 0 0,-22 0 16,21 0-16,0-1 0,-20-20 16,-1 21-16,-21 0 0,0-22 0,0 22 15,0 0-15,0-21 0,0 21 16,0-1-16,-21 1 0,21 0 15,-22 21-15,1 0 0,0 0 16,21 21-16,0 0 0,-21 1 16,21 20-16,0 0 0,0 1 15,0-1-15,0 0 0,0 22 0,0-1 16,0-20-16,0 20 0,0 1 0,0-22 16,0 21-16,0-20 0,0 20 15,0-20-15,0-1 0,0 0 0,0 1 16,-21-22-16,21 21 0,0-21 0,-21 0 15,-1 1-15,1-1 16,0 0-16,0-21 0,0 0 0,0 0 16,-1 0-16,1 0 0,-21 0 0,21-21 15,-22 21-15,22-21 0,-21-1 16,21 1-16,-22-21 0,22 21 0,-21-22 16,21 22-16,-22-21 0,22 21 15,0 0-15,0-1 0,0 22 0,21 22 16,0-1-1,21 0-15,0 0 0,0 21 16,22-20-16,-22 20 0,21 0 0,-21-21 16,22 22-16,-1-22 0,0 0 15,1 0-15,-22 0 0,21 1 16,0-1-16,-20 0 0,20-21 0,0 0 16,-21 0-16,22 0 0,-1 0 15,-21-21-15,22 0 0,-1-1 0,0 1 16,-21 0-16,22-21 0,-22 21 0,21-1 15,-21-20-15,-21 21 0,22-21 16,-22 20-16,0-20 0,0 21 0,0 0 16,0 0-16,0-1 0,0 44 31,0-1-31,0 0 0,0 0 0,0 0 16,0 0-16,0 22 0,-22-22 0,22 0 15,0 0-15,0 0 16,0 1-16,0-1 0,0 0 0,0 0 15,0 0-15,0 0 16,0-42 0,0 0-1,22 0-15,-22 0 0,21 0 16,0-22-16,0 22 0,-21 0 16,21 0-16,0 0 0,-21-22 0,22 22 15,-1 21-15,0 0 16,0 21-1,-21 0-15,0 22 16,0-22-16,0 0 0,0 0 16,0 0-16,0 1 0,21-1 0,-21 0 15,0 21-15,21-21 0,1 1 16,-1-1-16,0-21 0,21 0 16,-21 0-16,1 0 0,20 0 0,0 0 15,-21 0-15,22-21 0,-1-1 0,0 1 16,-20 0-16,20 0 0,-21-21 15,0 20-15,0-20 0,1 21 0,-1-21 16,0-22-16,-21 22 0,0-22 16,21 22-16,0-22 0,-21 1 0,0-1 15,0 1-15,0-1 0,21 22 16,-21-21-16,0 20 0,0 1 0,0 21 16,0 0-16,0-1 0,0 1 15,0 0-15,0 42 16,0 0-16,0 22 0,0-22 15,-21 21-15,21 1 0,0 20 16,0-21-16,0 22 0,0-1 0,0-20 16,0 20-16,0 1 0,0-1 15,0-20-15,0 20 0,0-21 0,0 1 16,0-1-16,0-21 0,0 22 16,0-22-16,0 0 0,21 0 0,1 0 15,-1-21-15,21 0 0,-21 0 16,0 0-16,22 0 0,-1 0 0,-21 0 15,22-21-15,-1 0 0,0 0 0,1 0 16,-22-1-16,0 1 0,21-21 16,-21 21-16,-21 0 0,22-22 0,-22 22 15,0 0-15,0-21 0,0 20 0,0 1 16,0 0-16,-22 21 16,1 0-16,0 0 0,0 0 15,21 21-15,-21 0 0,0 1 0,-1-1 16,22 0-16,0 0 15,0 0-15,0 0 0,0 22 0,0-22 16,0 0-16,0 0 0,22 0 16,-22 1-16,21-22 0,0 0 15,0 21-15,0-21 0,0 0 0,22 0 16,-22 0-16,0 0 0,21-21 0,-20 21 16,20-22-16,-21 1 0,21 21 15,-20-21-15,-1 0 0,0 0 0,-21 0 16,0-1-16,21 1 0,-21 0 0,0 0 15,0 0-15,0 0 16,-21 21-16,0 0 0,0 0 0,-1 0 16,1 0-16,0 0 15,21 21-15,-21-21 0,21 21 0,0 0 16,21 0-16,0-21 16,0 21-16,1 1 0,-1-22 0,0 21 15,0-21-15,0 21 0,0 0 0,1-21 16,-1 21-16,0 0 0,0-21 15,-21 22-15,21-22 0,-21 21 0,0 0 16,21-21 31,1 0-47,-1-21 0,-21 0 0,21-1 16,0 22-16,-21-21 0,21-21 15,0 21-15,1 0 0,-22-1 16,21 1-16,0 0 0,-21 0 0,0 0 15,21 0-15,0 21 0,-21 21 32,0 0-17,0 0-15,0 0 0,-21 0 0,21 1 16,0-1-16,0 0 0,0 0 16,0 0-16,0 0 0,0 1 15,0-1-15,21-21 16,0 0-16,1 0 0,-1 0 15,0 0 1,0 0-16,0-21 0,0 21 0,1-22 16,-22 1-16,21 21 0,0-21 0,-21 0 15,0 0-15,21 21 0,-21-21 16,21-1-16,-21 1 0,0 0 0,0 0 16,0 42 15,0 0-16,0 0-15,0 1 0,0-1 16,0 0-16,0 0 0,0 0 16,21-21-1,1 0-15,-1 0 16,0 0-16,0 0 0,0 0 16,0-21-16,1 0 0,-1 0 15,0 21-15,0-21 0,-21-1 16,21 1-16,-21 0 0,21 0 0,-21 0 15,0 0-15,0 42 47,0 0-47,0 0 0,0 0 0,0 0 16,0 1-16,0-1 0,0 0 16,0 0-16,0 0 0,0 0 15,0 1-15,0-1 16,-21 0-16,21 0 15,0-42 1,0 0 0,0 0-16</inkml:trace>
   <inkml:trace contextRef="#ctx0" brushRef="#br0" timeOffset="-213885.6">9250 16870 0,'0'0'0,"0"-21"15,0 0 64,-21-1-64,-1 22-15</inkml:trace>
-  <inkml:trace contextRef="#ctx0" brushRef="#br0" timeOffset="-213673.21">7832 16891 0,'0'0'0,"-64"0"0,22 21 0,21 0 15,-1-21-15,1 0 0,42 0 16,1 0-1,20 0-15,-21-21 0,43 21 16,-22-21-16,21 0 0,-20 21 0,20-21 16,1 0-16,-22 21 0,22-22 0,-22 1 15,0 21-15,1-21 0,-1 0 0,0 0 16</inkml:trace>
+  <inkml:trace contextRef="#ctx0" brushRef="#br0" timeOffset="-213673.22">7832 16891 0,'0'0'0,"-64"0"0,22 21 0,21 0 15,-1-21-15,1 0 0,42 0 16,1 0-1,20 0-15,-21-21 0,43 21 16,-22-21-16,21 0 0,-20 21 0,20-21 16,1 0-16,-22 21 0,22-22 0,-22 1 15,0 21-15,1-21 0,-1 0 0,0 0 16</inkml:trace>
   <inkml:trace contextRef="#ctx0" brushRef="#br0" timeOffset="-212572.64">9737 17187 0,'21'0'16,"-21"-21"46,21 21-46,-21-21-16,0 0 0,21 0 16,-21 0-16,0-1 0,0 1 15,0 0-15,0 0 16,-21 21-1,0 0-15,0 21 0,21 0 0,-22 0 16,1 1-16,21 20 0,0-21 16,-21 0-16,0 22 0,21-22 0,-21 0 15,21 21-15,0-21 0,0 1 0,0-1 16,0 0-16,0 0 16,21 0-16,0-21 0,0 0 0,0 0 15,1 0-15,-1 0 0,0 0 16,21 0-16,-21-21 0,22 0 15,-22 0-15,0 0 0,21-1 0,-20 22 16,-1-42-16,0 21 0,0 0 0,0 0 16,0-1-16,-21 1 0,0 0 15,0 0-15,0 0 16,0 42 0,0 0-16,0 0 15,0 0-15,0 1 0,0-1 0,0 0 16,0 0-16,0 0 0,0 0 0,0 1 15,0-1-15,0 0 16,22-21-16,-1 0 0,0 0 16,0 0-16,0 0 0,0 0 15,1 0-15,-1 0 0,0-21 16,-21 0-16,21 21 0,0-22 16,0 1-16,-21 0 0,0 0 0,22 0 15,-22 0-15,21 21 16,-21 21 15,0 0-31,0 0 16,0 0-16,0 0 0,0 1 0,0-1 15,0 0-15,0 0 16,0 0-16,21-21 0,0 21 16,0-21-16,0 0 0,1 0 15,-1 0-15,0 0 0,0 0 16,0 0-16,0 0 0,1-21 15,-1 0-15,0 0 0,-21 0 16,0 0-16,0-1 0,0 1 0,0 0 16,0 0-16,0 0 0,0 0 15,-21-1-15,0 1 0,-1 21 0,1-21 16,0 0-16,0 21 16,42 0 15,0 0-31,0 0 0,1 0 15,-1 0-15,0 0 0,0 0 16,21 0-16,-20 0 0,20 0 0,0-21 16,1 0-16,-1-1 0</inkml:trace>
   <inkml:trace contextRef="#ctx0" brushRef="#br0" timeOffset="-211744.98">12912 16425 0,'0'0'0,"-43"0"0,22 0 0,0 0 0,0 0 16,0-21 0,21 0-16,0 0 15,0 0-15,0 0 0,21-1 16,-21 1-16,21 0 0,-21 0 16,21-21-16,-21 20 0,0 1 0,0 0 15,0 0-15,0 0 0,0 0 16,-21 21-16,0 21 15,0-21-15,-1 42 0,1-21 16,0 22-16,0-1 0,0 21 0,0-20 16,-1 20-16,1 1 0,21-1 0,-21 1 15,21-1-15,-21 1 0,21-1 16,0 1-16,0-1 0,0 1 16,0-22-16,0 0 0,21 1 0,0-1 15,0-21-15,22 0 0,-1 1 0,-21-22 16,22 0-16,20 0 0,-21 0 15,1 0-15,20-22 0,-20 1 0,20 0 16,1 0-16,-22 0 0,21-22 0,-20 1 16,-1 0-16,-21-1 0,0-20 15,1 21-15,-22-22 0,0 1 0,0-1 16,-22 22-16,1-22 0,0 1 0,-21-1 16,-1 1-16,-20-1 0,21 22 15,-22 0-15,1-1 0,20 1 0,-20 21 16,-1 0-16,22-1 0,-22 22 15,22 0-15,0 22 0,-1-1 0,22 0 16,0 21-16,0-21 0,21 22 16,0-1-16,0 0 0,21 22 0,21-22 15,-20 1-15,20-1 0,21 0 0,1 1 16,-1-1-16,1 21 0,-1-20 16,22-1-16,-21 22 0,-1-22 0,1 21 15,-1-20-15,-21 20 0,-20-20 0,-1 20 16,-21 1-16,0-22 0,0 21 15,-21 1-15,-1-22 0,-20 22 0,0-1 16,-1-20-16,1 20 0,-21-21 0,20 1 16,1-1-16,-22-21 0,22 22 15,21-43-15,-21 21 0,20 0 16,1-21-16,21-21 16,0 0-16,0-1 0,21 1 0,1-21 15,-1 0-15,21-1 0,0 1 16,1-22-16,-1 22 0</inkml:trace>
   <inkml:trace contextRef="#ctx0" brushRef="#br0" timeOffset="-210900.23">13716 16828 0,'0'0'0,"21"-43"0,0-20 16,-21 42-16,0 42 31,0 0-31,0 0 16,0 0-16,-21 0 0,21 22 0,0-22 15,0 21-15,0-21 0,0 1 0,0-1 16,0 0-16,0 0 0,0 0 16,0 0-16,21 1 15,0-22-15,1-22 16,-1 22-16,-21-21 0,21 0 16,0 0-16,-21 0 0,0 0 15,21-22-15,-21 22 0,21-21 0,-21 21 16,22-22-16,-22 22 0,0 0 0,0 0 15,0 42 17,0 0-32,0 0 0,0 0 15,0 1-15,0 20 0,0-21 0,0 0 16,0 22-16,0-22 0,21 0 16,-21 0-16,21 0 0,0 0 0,0 1 15,0-1-15,1-21 0,20 0 16,-21 0-16,0 0 0,0 0 15,22 0-15,-22 0 0,21-21 0,-21-1 16,1 1-16,20 0 0,-21 0 0,-21 0 16,21 0-16,-21-1 0,21-20 15,-21 21-15,0-21 0,0 20 16,0-20-16,0 21 0,0-21 0,0 20 16,0 1-16,-21 21 0,0 0 15,0 21 1,0 1-16,0-1 0,21 0 0,0 21 15,0-21-15,0 22 0,0-22 0,0 0 16,0 21-16,0-20 0,0-1 0,0 0 16,0 0-16,0 0 0,21 0 15,0 1-15,0-22 0,0 0 0,0 0 16,22 0-16,-22 0 0,0 0 0,21 0 16,-20-22-16,20 22 15,-21-21-15,21 0 0,-20 0 0,-1 0 16,0 0-16,-21-1 0,0 1 0,21 0 15,-21 0-15,0 0 0,0 0 0,0-1 16,-21 22 0,0 22-1,0-1-15,21 0 0,0 0 16,0 0-16,0 0 0,0 1 16,0-1-16,0 0 0,0 0 15,0 0-15,0 0 0,0 1 16,0-1-1,0 0-15,-22-21 47,1 0-47,21-21 16,0 0-16,0-1 16,0 1-16,0 0 0</inkml:trace>
@@ -384,7 +430,7 @@
 </inkml:ink>
 </file>
 
-<file path=ppt/ink/ink11.xml><?xml version="1.0" encoding="utf-8"?>
+<file path=ppt/ink/ink12.xml><?xml version="1.0" encoding="utf-8"?>
 <inkml:ink xmlns:inkml="http://www.w3.org/2003/InkML">
   <inkml:definitions>
     <inkml:context xml:id="ctx0">
@@ -423,7 +469,7 @@
   <inkml:trace contextRef="#ctx0" brushRef="#br0" timeOffset="7248.22">12869 3112 0,'-21'0'0,"42"0"0,-63 0 16,63 0-1,0 0-15,0 0 0,1-22 16,20 22-16,-21-21 0,21 21 16,1 0-16,-22-21 0,21 21 0,1 0 15,-22 0-15,21-21 0,-21 21 0,22 0 16,-22 0-16,0 0 0,0 0 0,0 0 15,0 0-15,1 0 0,-1 0 16</inkml:trace>
   <inkml:trace contextRef="#ctx0" brushRef="#br0" timeOffset="7617.01">13631 3048 0,'-21'0'31,"21"21"-31,-21-21 16,21 21-16,0 1 0,0-1 0,0 0 16,0 21-16,-21-21 0,21 22 0,0-1 15,0 0-15,0-20 0,0 20 16,-21 21-16,-1-20 0,22-1 0,-21 0 16,0 22-16,0-22 0,0 22 15,-22-1-15,22 1 0,-63 105 16,62-105-16,1-1 0,0-21 15,0 22-15,21-22 0,-21 1 16,21-1-16,0-21 0,0 0 0,0 0 16,0 1-16,0-1 0,21-42 47,-21-1-47,21 1 0,0 0 0,0 0 15,1 0-15,-1 0 0,-21-22 16,21 1-16,0 0 0,0-1 0,0 1 15,1 0-15,-22-22 0</inkml:trace>
   <inkml:trace contextRef="#ctx0" brushRef="#br0" timeOffset="7942.83">13377 3323 0,'0'0'0,"0"-42"16,-21-85-16,21 106 15,0-22-15,0 22 0,0 0 0,21 0 16,0 0-16,1 0 0,-1-1 0,0 1 15,0 21-15,21-21 0,-20 21 16,20 0-16,-21 0 0,21 0 0,-20 0 16,-1 0-16,21 21 0,-21-21 0,0 21 15,-21 1-15,0-1 0,0 0 16,0 0-16,0 0 0,0 0 16,0 22-16,-21-22 0,0 0 0,0 0 15,0 0-15,0 22 0,-1-22 0,-20 0 16,21-21-16,0 21 0,0 0 15,21 1-15,-22-1 0,22 0 16,0 0-16,22-21 16,-1 0-1,0 0-15,0 0 0,0 0 16,0-21-16,22 0 0,-22 0 0,0 21 16,0-22-16</inkml:trace>
-  <inkml:trace contextRef="#ctx0" brushRef="#br0" timeOffset="8731.37">14097 3027 0,'0'0'0,"0"-21"0,21 21 16,-21 21-1,-21 0 1,0 0-16,0 0 0,21 22 16,0-22-16,-22 0 0,22 21 0,-21-20 15,21-1-15,0 21 0,0-21 0,0 0 16,0 1-16,0-1 0,0 0 15,0 0-15,21-21 0,1 0 16,-1 0-16,0 0 0,0 0 16,0 0-16,0 0 0,1-21 15,-1 21-15,0-21 0,0 0 0,0-1 16,-21-20-16,21 21 0,1 0 16,-1-22-16,-21 22 0,0 0 0,21 0 15,-21 0-15,21 0 0,-21-1 0,0 1 16,0 42 15,0 1-31,0-1 0,0 0 16,0 0-16,-21 21 0,21-20 15,0-1-15,0 21 0,0-21 0,0 0 16,0 1-16,0-1 0,0 0 0,0 0 16,0 0-16,0 0 0,21-21 15,0 0-15,0 22 0,1-22 0,-1 0 16,0 0-16,0 0 0,0 0 15,0-22-15,1 1 0,20 0 0,-21 0 16,0 0-16,22 0 0,-22-1 0,0-20 16,0 0-16,21 21 0,-20-22 0,-1-20 15,0 20-15,0 1 0,0 0 16,0-22-16,1 1 0,-1 20 0,0-20 16,-21 21-16,21-22 0,-21 22 15,0-1-15,0 22 0,0-21 0,0 21 16,0 0-16,0-1 0,-21 44 31,0-1-31,21 0 0,-21 21 16,21-21-16,0 22 0,0-1 15,-22 0-15,22 1 0,-21-1 0,21 0 16,0 1-16,-21-1 0,21 0 0,0 1 16,0-1-16,0 0 0,0 1 0,0-1 15,0 0-15,0-20 0,0 20 16,0-21-16,0 21 0,0-20 0,0-1 15,21-21-15,-21 21 0,21 0 16,1-21-16,-1 0 0,0 0 16,0 0-16,0 0 0,0 0 15,1 0-15,-1 0 0,0 0 16,0-21-16,0 21 0,0-21 0,1 0 16,-1-1-16,0 1 15,-21 0-15,21 0 0,-21 0 16,0 0-16,0-1 0,0 1 0,0 0 15</inkml:trace>
+  <inkml:trace contextRef="#ctx0" brushRef="#br0" timeOffset="8731.36">14097 3027 0,'0'0'0,"0"-21"0,21 21 16,-21 21-1,-21 0 1,0 0-16,0 0 0,21 22 16,0-22-16,-22 0 0,22 21 0,-21-20 15,21-1-15,0 21 0,0-21 0,0 0 16,0 1-16,0-1 0,0 0 15,0 0-15,21-21 0,1 0 16,-1 0-16,0 0 0,0 0 16,0 0-16,0 0 0,1-21 15,-1 21-15,0-21 0,0 0 0,0-1 16,-21-20-16,21 21 0,1 0 16,-1-22-16,-21 22 0,0 0 0,21 0 15,-21 0-15,21 0 0,-21-1 0,0 1 16,0 42 15,0 1-31,0-1 0,0 0 16,0 0-16,-21 21 0,21-20 15,0-1-15,0 21 0,0-21 0,0 0 16,0 1-16,0-1 0,0 0 0,0 0 16,0 0-16,0 0 0,21-21 15,0 0-15,0 22 0,1-22 0,-1 0 16,0 0-16,0 0 0,0 0 15,0-22-15,1 1 0,20 0 0,-21 0 16,0 0-16,22 0 0,-22-1 0,0-20 16,0 0-16,21 21 0,-20-22 0,-1-20 15,0 20-15,0 1 0,0 0 16,0-22-16,1 1 0,-1 20 0,0-20 16,-21 21-16,21-22 0,-21 22 15,0-1-15,0 22 0,0-21 0,0 21 16,0 0-16,0-1 0,-21 44 31,0-1-31,21 0 0,-21 21 16,21-21-16,0 22 0,0-1 15,-22 0-15,22 1 0,-21-1 0,21 0 16,0 1-16,-21-1 0,21 0 0,0 1 16,0-1-16,0 0 0,0 1 0,0-1 15,0 0-15,0-20 0,0 20 16,0-21-16,0 21 0,0-20 0,0-1 15,21-21-15,-21 21 0,21 0 16,1-21-16,-1 0 0,0 0 16,0 0-16,0 0 0,0 0 15,1 0-15,-1 0 0,0 0 16,0-21-16,0 21 0,0-21 0,1 0 16,-1-1-16,0 1 15,-21 0-15,21 0 0,-21 0 16,0 0-16,0-1 0,0 1 0,0 0 15</inkml:trace>
   <inkml:trace contextRef="#ctx0" brushRef="#br0" timeOffset="9067.18">14647 2921 0,'0'0'0,"21"0"15,1 0 1,20-21-16,0 21 0,1 0 0,-1 0 16,0 0-16,22-21 0,-22 21 15,22 0-15,-22 0 0,0 0 0,1-21 16,-1 21-16,0 0 0,-21 0 0,1 0 16,-1 0-16,0 0 0,0 0 15,-42 0 95</inkml:trace>
   <inkml:trace contextRef="#ctx0" brushRef="#br0" timeOffset="22695.15">10075 7832 0,'0'0'0,"85"-43"0,-22 22 0,22-21 16,-21 21-16,20 0 0,-20 21 0</inkml:trace>
 </inkml:ink>
@@ -470,7 +516,7 @@
   <inkml:trace contextRef="#ctx0" brushRef="#br0" timeOffset="4700.08">10308 1037 0,'0'0'16,"0"-42"-16,0 21 15,0 0-15,0-1 0,0 1 16,0 0-16,0 0 0,0 0 16,0 0-1,0 42 16,0 0-31,0 0 16,0 0-16,0 22 0,0-1 16,0 0-16,0 1 0,0-1 0,0 21 15,0-20-15,0 20 0,0 1 16,0-1-16,0 1 0,0-1 0,0 22 16,0-22-16,0 22 0,0-21 0,0 20 15,0-20-15,0-1 0,0 1 16,0-1-16,0 1 0,0 20 0,0-20 15,0-1-15,0 1 0,0-1 16,0-20-16,0 20 0,0 1 0,0-22 16,0 0-16,0 1 0,-21-22 0,21 21 15,0-21-15,-21 1 0,21-1 0,0 0 16,0 0-16,0-42 31,0 0-15,0 0-16,0-1 0,0 1 15,21-21-15,0 0 0,0-1 0</inkml:trace>
   <inkml:trace contextRef="#ctx0" brushRef="#br0" timeOffset="5739.99">10520 953 0,'0'0'16,"0"-22"-16,-21 22 15,21-21-15,-22 0 16,1 21 0,42 0 46,1 0-62,-1 0 16,0 0-16,21 0 0,1 0 15,-1 0-15,0 0 0,22 0 0,-22 0 16,43 0-16,-22 0 0,1 0 16,20 0-16,1 0 0,-21 0 0,20 0 15,1 0-15,0 0 0,-1 0 0,22 0 16,-21 0-16,21 0 0,-1 0 16,1 0-16,0 0 0,0 0 0,0 0 15,0 0-15,-1 0 0,22 0 16,-21 0-16,21 0 0,0 0 15,-21 0-15,21 0 0,-21 0 0,0 0 16,0 0-16,21 0 0,-22 0 16,22 0-16,-21 0 0,0 0 0,0 0 15,0 0-15,21 0 0,-21 0 16,-1 0-16,1 0 0,21 0 0,-21 0 16,21 0-16,-21 0 0,0 0 0,0 0 15,-1 0-15,-20 0 0,21 0 16,-21 0-16,-1 0 0,22 0 0,-21 0 15,-1 0-15,1 0 0,0 0 0,-22 0 16,22 0-16,-22 0 0,1 0 16,-1 0-16,-20 0 0,20-21 15,-20 21-15,-1 0 0,0 0 16,1 0-16,-22-21 0,21 21 0,-21 0 16,22 0-16,-22 0 0,0-21 0,0 21 15,0 0-15,0 0 0,1 0 16,-1 0-16,0 0 0,-21 21 47,0 0-47,0 0 0,0 0 15,0 0-15,-21 1 0,21 20 16,0-21-16,-21 0 0,-1 22 16,1-22-16,21 21 0,-21-21 0,0 22 15,0-1-15,0 0 0,21 1 16,-22-1-16,1 0 0,0 22 0,21-22 15,-21 22-15,21-1 0,0 1 0,0-22 16,0 21-16,0 1 0,0-1 16,0-20-16,0 20 0,21-20 0,0 20 15,-21-21-15,21 1 0,1-1 0,-22 0 16,0 1-16,0-1 0,21-21 16,-21 22-16,0-22 0,0 0 0,0 0 15,0 0-15,0 0 0,0 1 16,-21-22 15,21-22-15,-22 1-16,1 0 0,21 0 15,-42 21-15</inkml:trace>
   <inkml:trace contextRef="#ctx0" brushRef="#br0" timeOffset="7048.54">10541 3217 0,'0'0'0,"-21"0"0,0 0 15,-1 0-15,22 22 47,22-22-47,20 0 0,-21 0 16,21 0-16,1 0 0,-1 0 0,22 0 15,-22 0-15,21 0 0,22 0 0,-21 0 16,-1 0-16,22 0 0,-1 0 16,-20 0-16,21 0 0,-1-22 15,1 22-15,0 0 0,20 0 0,-20 0 16,21 0-16,0 0 0,0 0 16,-1 0-16,22 0 0,-21-21 0,21 21 15,-21 0-15,21 0 0,0 0 0,-21-21 16,21 21-16,0 0 0,-21 0 0,0 0 15,-1-21-15,1 21 0,0 0 16,0 0-16,0-21 0,0 21 0,-22 0 16,22 0-16,-21-21 0,-1 21 0,1 0 15,0 0-15,-22 0 0,22-22 0,0 22 16,-1 0-16,1 0 0,0-21 16,-22 21-16,22 0 0,-1 0 15,-20 0-15,-1 0 0,1 0 0,-1 0 16,1 0-16,-1 0 0,1 0 0,-1 0 15,-20 0-15,20 0 0,1 0 16,-1 0-16,-20 0 0,20-21 0,1 21 16,-22 0-16,21 0 0,-20 0 0,20 0 15,-20 0-15,-1 0 0,0 0 0,1 0 16,-1 0-16,-21 0 0,21 0 16,-20 0-16,20 0 0,-21 0 0,0 0 15,0 0-15,1-21 0,-1 21 16,0 0-16,0 0 31,-42 0 125,21-21-140,0 0-16,0-1 16,0 1-1,0 0-15,0 0 0,0 0 16,0 0-16,0-1 0,0 1 0,0 0 15,0 0-15,0 0 0,0 0 0,0-1 16,0 1-16,0 0 0,0 0 16,0 0-16,0 0 0,0-1 15,0 1-15,0 0 0,0 0 16,0 0 0,-21 21-1,0 0 1</inkml:trace>
-  <inkml:trace contextRef="#ctx0" brushRef="#br0" timeOffset="33184.23">10922 3429 0,'0'-21'15,"0"0"1,21 21-1,-21-21-15,21 21 0,-21-22 16,21 1-16,1 21 16,-1-21-16,0 21 15,-21-21-15,21 21 16,0-21 0,-42 21 46,0 0-62,0 21 16,-22-21-16,22 21 0,0-21 15,-21 21-15,-1-21 0,1 21 0,0 1 16,-1-1-16,1 0 0,0 0 0,-22 0 16,1 0-16,20 1 0,-20-1 15,-1 0-15,-20 0 0,20 21 0,-20-20 16,20-1-16,-21 0 0,1 0 0,-1 21 15,0-20-15,22-1 0,-22 0 16,22 0-16,-22 21 0,22-20 0,-22-1 16,21 21-16,-20-21 0,20 22 0,-20-22 15,20 21-15,-21-21 0,22 22 0,-1-22 16,1 0-16,-1 21 16,1-21-16,-1 1 0,22 20 0,-21-21 15,20 0-15,-20 0 0,20 1 0,1-1 16,0 0-16,-22 0 0,22 0 15,0 0-15,-1 1 0,1-1 0,0 0 16,-1-21-16,22 21 0,-21-21 0,21 21 16,-1-21-16,1 0 0,0 0 0,21 21 15,-21-21-15,0 0 16,21-21 31,0 0-32,21 0 1,0 0-16,0 0 0,0-1 16,-21 1-16,22 0 0,-1 21 15,-21-21-15,21 0 0,0 0 0,-21-1 16,21-20-16,-21 21 0,21 0 0,1 0 16,-22-1-16,0 1 0,21 0 15,0 0-15,-21 0 0,21 0 16,0-1-16,0 1 0,1 21 31,-22 21-15,0 1-16,0-1 15,0 0-15,0 0 16,-22 0-16,1 0 0,21 1 0,-21-1 16,0 0-16,21 0 0,-21 0 0,0 0 15,-1 1-15,1-1 0,0 0 16,0 0-16,0-21 0,0 21 0,-1 0 15,1-21-15,0 22 0,0-22 16,21 21-16,-21-21 16,21 21 15,21-21-31,0 0 16,0 0-16,-21 21 15,21-21-15,1 0 0,-1 0 0,0 21 16,0 0-16,0-21 0,0 0 0,1 22 15,20-22-15,-21 0 0,0 21 16,0-21-16,1 21 0,-1-21 0,21 0 16,-21 0-16,0 0 0,1 21 0,-1-21 15,0 21-15,0-21 0,0 0 16,-21 21-16,21-21 0,-21 22 16,22-22-1</inkml:trace>
+  <inkml:trace contextRef="#ctx0" brushRef="#br0" timeOffset="33184.22">10922 3429 0,'0'-21'15,"0"0"1,21 21-1,-21-21-15,21 21 0,-21-22 16,21 1-16,1 21 16,-1-21-16,0 21 15,-21-21-15,21 21 16,0-21 0,-42 21 46,0 0-62,0 21 16,-22-21-16,22 21 0,0-21 15,-21 21-15,-1-21 0,1 21 0,0 1 16,-1-1-16,1 0 0,0 0 0,-22 0 16,1 0-16,20 1 0,-20-1 15,-1 0-15,-20 0 0,20 21 0,-20-20 16,20-1-16,-21 0 0,1 0 0,-1 21 15,0-20-15,22-1 0,-22 0 16,22 0-16,-22 21 0,22-20 0,-22-1 16,21 21-16,-20-21 0,20 22 0,-20-22 15,20 21-15,-21-21 0,22 22 0,-1-22 16,1 0-16,-1 21 16,1-21-16,-1 1 0,22 20 0,-21-21 15,20 0-15,-20 0 0,20 1 0,1-1 16,0 0-16,-22 0 0,22 0 15,0 0-15,-1 1 0,1-1 0,0 0 16,-1-21-16,22 21 0,-21-21 0,21 21 16,-1-21-16,1 0 0,0 0 0,21 21 15,-21-21-15,0 0 16,21-21 31,0 0-32,21 0 1,0 0-16,0 0 0,0-1 16,-21 1-16,22 0 0,-1 21 15,-21-21-15,21 0 0,0 0 0,-21-1 16,21-20-16,-21 21 0,21 0 0,1 0 16,-22-1-16,0 1 0,21 0 15,0 0-15,-21 0 0,21 0 16,0-1-16,0 1 0,1 21 31,-22 21-15,0 1-16,0-1 15,0 0-15,0 0 16,-22 0-16,1 0 0,21 1 0,-21-1 16,0 0-16,21 0 0,-21 0 0,0 0 15,-1 1-15,1-1 0,0 0 16,0 0-16,0-21 0,0 21 0,-1 0 15,1-21-15,0 22 0,0-22 16,21 21-16,-21-21 16,21 21 15,21-21-31,0 0 16,0 0-16,-21 21 15,21-21-15,1 0 0,-1 0 0,0 21 16,0 0-16,0-21 0,0 0 0,1 22 15,20-22-15,-21 0 0,0 21 16,0-21-16,1 21 0,-1-21 0,21 0 16,-21 0-16,0 0 0,1 21 0,-1-21 15,0 21-15,0-21 0,0 0 16,-21 21-16,21-21 0,-21 22 16,22-22-1</inkml:trace>
   <inkml:trace contextRef="#ctx0" brushRef="#br0" timeOffset="34568.15">13610 3281 0,'0'0'0,"0"-21"16,0 0-1,0 42 48,21 0-63,0-21 15,-21 21-15,22 0 0,-1 0 0,0 1 16,0-1-16,0-21 0,0 21 16,22 0-16,-22 0 0,21 0 0,1 1 15,-1 20-15,0-21 0,1 0 0,-1 0 16,0 1-16,22-1 0,-22 0 15,0 0-15,22 0 0,-22 22 0,22-22 16,-22 0-16,22 0 0,-22 0 0,21 22 16,1-22-16,-22 0 0,22 21 0,-1 1 15,22-22-15,-22 21 0,1 0 16,-1-20-16,1 20 0,-1 0 16,1-21-16,-22 22 0,22-1 0,-22-21 15,0 22-15,22-22 0,-22 0 0,1 0 16,-1 21-16,0-20 0,1-1 15,-1 0-15,0 0 0,-21-21 0,22 21 16,-1 0-16,0-21 0,1 22 0,-1-22 16,-21 0-16,22 21 0,-22-21 0,0 0 15,21 0-15,-21 0 0,-21 21 0,22-21 16,-1 0-16,0 0 16,-21-21-1,0 0 1,0-1-16,0 1 15,0 0 1,0 0-16,0 0 0,0 0 16,0-1-16,-21 1 15,0 21-15,21-21 0,-22 21 0,1-21 16,0 21 0,0 0-16,0 0 0,0 0 15,-1 0 1,22 21 15,22-21-31,-1 0 16,0 21-16,0-21 0,0 0 0,-21 21 0,21-21 15,1 0-15,-1 0 0,0 22 16,0-22-16,0 21 16,-21 0-1,0 0 1,-21-21-1,0 21-15,0 0 0,0-21 16,-1 22-16,1-22 0,0 21 16,0 0-16,0 0 0,0-21 0,-1 21 15,1 0-15,0 1 0,0-22 16,0 21-16,0 0 0,-1 0 0,1-21 16,0 0-16,21 21 0,-21-21 31,0 0-31,0 0 15</inkml:trace>
   <inkml:trace contextRef="#ctx0" brushRef="#br0" timeOffset="35563.5">1757 4572 0,'0'0'0,"21"0"0,-21-21 0,0 0 15,0-22-15,0 22 0,0 0 0,0 0 16,0 0-16,0-22 0,0 22 15,0 0-15,0-21 0,-21 21 0,0-1 16,21 1-16,-22 0 0,1 0 16,0 0-16,0 21 0,0 0 15,0 0-15,-1 0 16,1 0-16,21 21 0,-21 0 0,0 21 16,21 1-16,0-1 0,0 22 15,-21-1-15,21 1 0,-21-1 0,21 22 16,0-1-16,-22 1 0,22 0 15,0-1-15,0 1 0,0-21 0,0-1 16,0-21-16,0 22 0,0-22 16,0-21-16,0 22 0,0-22 0,0 0 15,0 0-15,0 0 0,0-42 47,0-21-47,0 21 16,0 0-16,22-22 0,-22 1 15</inkml:trace>
   <inkml:trace contextRef="#ctx0" brushRef="#br0" timeOffset="36180.15">1122 4572 0,'0'0'15,"-21"-21"-15,-22 0 0,22 21 0,0-21 0,0-1 16,0 22-16,21-21 0,0 0 15,0 0-15,0 0 0,0 0 16,0-22-16,0 22 0,0 0 16,21 0-16,21 0 0,-21-1 0,22 1 15,-1 0-15,0 21 0,22 0 16,-22 0-16,0 0 0,1 21 0,20 0 16,-20 1-16,-22 20 0,21-21 15,0 21-15,-20 1 0,-1-1 0,0 22 16,0-22-16,0 0 0,-21 22 15,0-22-15,0 22 0,0-1 0,0-21 16,0 1-16,0 20 0,0-20 16,0-22-16,0 21 0,0 0 15,0-20-15,0-1 0,0 0 16,-21 0-16,0-42 31,21 0-31,0 0 0,0-1 0,0-20 16,0 0-16,0-1 0,21-20 15,0-1-15,-21 1 0,21-1 0,1 1 16,-1-1-16,21 1 0,-21-1 16,0 1-16,22 21 0,-22-22 0,0 22 15,21-1-15,-20 22 0,-1 0 16,21 0-16,-21 21 0,22 0 0,-1 0 16,-21 21-16,21 0 0,-20 22 15,-1-1-15,0 0 0,0 1 16,0-1-16,0 21 0,-21-20 0,0 20 15,0 1-15,0-1 0,0 1 16,0-1-16,0-20 0,0 20 0,-21-21 16,0 1-16,21-1 0,0 0 15,-21 1-15,0-22 0,21 0 0,-21 0 16,21 0-16,0 1 0,21-44 31</inkml:trace>
@@ -484,10 +530,10 @@
   <inkml:trace contextRef="#ctx0" brushRef="#br0" timeOffset="41915.53">17335 5271 0,'-21'0'15,"0"0"-15,21 21 16,0 0-16,0 0 15,0 0-15,0 0 16,0 1-16,0-1 0,0 0 16,0 0-16,0 0 0,0 0 0,0 1 15,0-1-15,0 0 0,0 0 16,0 0-16,-21-21 47,21-21-47,0 0 15,0 0-15,0 0 0,0-1 16,0 1-16,0 0 0,0 0 16,21 0-16,0 0 0,-21-1 0,21 1 15,1 0-15,-22 0 0,21 0 0,0 0 16,0 21-16,0 0 0,0-22 16,1 22-16,-1 0 15,0 0-15,0 0 0,-21 22 0,21-1 16,0 0-16,1 0 0,-22 0 15,0 0-15,21 1 0,-21-1 0,0 0 16,21 0-16,-21 0 0,0 0 16,0 1-16,0-1 0,0 0 15,0 0-15,-21-21 32,0 0-17,21-21-15,0 0 16,0 0-16,0-1 15,0 1-15,0 0 0,0 0 0,21-21 16,-21 20-16,21 1 0,0 0 0,0-21 16,0 21-16,1-1 0,-1 1 15,0 0-15,0 0 0,0 21 0,22-21 16,-22 21-16,0 0 0,0 0 0,0 0 16,0 0-16,1 21 0,-1 0 0,-21 0 15,0 0-15,21 1 0,-21-1 16,0 0-16,0 0 0,0 0 0,0 0 15,0 22-15,0-22 0,-21 0 0,21 0 16,-21 0-16,-1 1 0,22-1 0,0 0 16,-21 0-16,21 0 0,-21-21 15,21 21-15,21-21 32,0 0-17,1-21-15</inkml:trace>
   <inkml:trace contextRef="#ctx0" brushRef="#br0" timeOffset="42480.21">18584 5313 0,'0'0'0,"0"-21"0,0-22 16,-21 22-16,0 0 15,0 0-15,0 21 16,-1-21-16,1 21 0,0 0 16,0 0-16,0 0 0,0 0 0,-1 21 15,1 0-15,0-21 0,0 21 0,0 0 16,21 1-16,-21-1 0,-1 0 16,1 21-16,21-21 0,0 1 0,-21-1 15,21 0-15,-21 0 0,21 0 0,0 0 16,0 1-16,0-1 0,0 0 0,0 0 15,21 0 1,0-21-16,0 0 16,1 0-16,-1-21 0,0 21 15,0-21-15,0 0 0,0 0 0,-21-1 16,22 1-16,-1 0 0,0 0 0,-21 0 16,21 0-16,0-22 0,-21 22 15,21-21-15,-21 21 0,0-1 0,22 1 16,-22 0-16,0 0 0,0 0 15,0 42 1,0 0 0,0 0-16,0 0 0,0 1 0,0 20 15,-22-21-15,22 0 0,0 0 16,0 1-16,0-1 0,0 0 0,0 0 16,0 0-16,0 0 0,0 1 15,0-1-15,22-21 0,-1 21 0,0-21 16,0 0-16,0 0 15,0 0-15,1 0 0,-1 0 16,0-21-16,0 0 0,0-1 16,0 1-16</inkml:trace>
   <inkml:trace contextRef="#ctx0" brushRef="#br0" timeOffset="43931.89">19071 4614 0,'0'0'0,"0"-63"16,0 42 0,-21 21-16,0 0 15,0 0-15,21 21 16,-22 0-16,22 0 0,-21 22 16,21-1-16,-21 0 0,21 1 0,0 20 15,0-21-15,-21 22 0,21-22 16,0 22-16,-21-22 0,21 0 0,0 1 0,0-1 15,0 0-15,0 1 0,0-1 16,0-21-16,0 0 0,0 1 16,0-1-16,0 0 0,0 0 0,0 0 15,21-21-15,0 21 0,0-21 16,0 0-16,1 0 0,-1 0 16,0 0-16,0 0 0,0-21 15,0 21-15,1-21 0,-1 0 0,0 0 16,0 0-16,0-1 0,0 1 0,1 0 15,-1-21-15,0 21 0,0-1 0,0-20 16,-21 21-16,21 0 0,-21 0 16,22-1-16,-22 1 0,0 42 47,0 1-47,0-1 0,-22 0 0,22 0 15,0 0-15,0 0 0,-21 1 16,21-1-16,-21 0 0,21 0 0,0 0 15,0 0-15,0 1 0,0-1 0,0 0 16,0 0-16,21-21 0,0 0 16,1 21-16,-1-21 0,0 0 0,0 0 15,0 0-15,0 0 0,1 0 16,-1-21-16,21 21 0,-21-21 16,0 21-16,1-21 0,-22 0 0,21-1 15,0 1-15,0 0 0,-21 0 0,0 0 16,21 0-16,0-1 0,-21 1 0,0 0 15,0 0-15,22 21 16,-22-21-16,0 42 31,0 0-31,-22 0 0,22 0 16,0 1-16,0-1 0,-21 0 16,21 0-16,-21 0 0,21 0 0,0 1 15,0-1-15,0 0 0,0 0 16,0 0-1,21-21-15,0 0 0,1 0 16,-1 0-16,0 0 0,0 0 16,0-21-16,0 21 0,1-21 15,-22 0-15,21 21 0,-21-21 0,0-1 16,0 1-16,21 0 0,-21 0 16,0 0-16,0 0 0,0-1 0,0 1 15,0 0-15,-21 0 0,21 0 16,-21 0-16,-1 21 0,1 0 15,0 0-15,0 0 16,42 0 31,0-22-47,0 22 0,1-21 16,-1 21-16,0 0 0,0-21 0,0 21 15,0 0-15,1-21 0,-1 21 16,0 0-16,0 0 0,0 0 0,0 0 15,1 0-15,-1 0 0,0 0 16,0 21-16,0 0 0,-21 0 16,21 1-16,1-1 15,-22 0-15,0 0 0,0 0 0,0 0 16,0 1-16,0-1 16,0 0-16,0 0 0,0 0 15,0 0-15,0 1 0,-22-1 16,22 0-1,0 0-15,-21-21 16,21-21 31,0 0-47,0 0 16,0-1-16,0 1 0,0 0 0,0 0 15,0-21-15,0 20 0,21 1 16,1-21-16,-1 21 0,0-22 0,0 22 0,0-21 15,0 21-15,22 0 0,-22-22 16,21 22-16,1 0 0,-1 0 16,-21 21-16,21 0 0,1 0 0,-1 0 15,-21 0-15,22 0 0,-22 0 0,0 21 16,0 0-16,0 0 0,0 22 0,-21-22 16,0 0-16,0 21 0,0-21 15,0 1-15,0 20 0,0-21 0,0 0 16,0 0-16,-21 1 0,0 20 0,21-21 15,-21-21-15,0 21 0,21 0 0,-21 1 16,-1-1-16,1-21 16,21 21-16,0-42 47,0 0-32,0-1-15,0 1 0,0 0 16,0 0-16</inkml:trace>
-  <inkml:trace contextRef="#ctx0" brushRef="#br0" timeOffset="44160.76">20468 4509 0,'0'0'0,"-63"-22"15,20 22-15,43-21 0,-21 21 0,0 0 0,0 0 16,21 21 47,-21-21-63,-1 0 15</inkml:trace>
+  <inkml:trace contextRef="#ctx0" brushRef="#br0" timeOffset="44160.75">20468 4509 0,'0'0'0,"-63"-22"15,20 22-15,43-21 0,-21 21 0,0 0 0,0 0 16,21 21 47,-21-21-63,-1 0 15</inkml:trace>
   <inkml:trace contextRef="#ctx0" brushRef="#br0" timeOffset="44427.61">18881 4890 0,'0'21'0,"0"-42"0,-22 42 16,44-21-1,-1 0-15,0 0 16,0 0-16,0-21 0,22 21 0,-22 0 16,21-22-16,0 22 0,1 0 15,-1-21-15,0 21 0,1-21 0,-1 21 16,-21 0-16,22 0 0,-22 0 16,0 0-16,0 0 0</inkml:trace>
   <inkml:trace contextRef="#ctx0" brushRef="#br0" timeOffset="45563.55">2498 2815 0,'0'-21'0,"-22"21"16,22 21 15,0 0-31,22 1 0,-1-1 16,-21 0-16,21 0 0,0 0 0,0 0 15,0 22-15,1-22 0,20 21 16,-21 1-16,0-1 0,22 0 0,-22 22 15,21-22-15,-21 22 0,22-1 16,-1-21-16,-21 22 0,21-1 16,-20 1-16,20-1 0,0 1 0,1 21 0,-22-22 15,21 22-15,0-22 0,1 22 16,-1-22-16,0 22 0,1-21 16,20 20-16,-20-20 0,-1 20 0,0 1 15,22-21-15,-22 20 0,0-20 0,1 20 16,20-20-16,-20-1 0,-1 22 15,0-21-15,-21-22 0,22 21 0,-1 1 16,0-1-16,1-20 0,-22-1 0,21 0 16,-21 1-16,22-1 0,-22 0 15,0-20-15,0 20 0,0-21 0,-21 0 16,0 0-16,0 1 0,-21-44 47,0 1-47,0 0 0,21 0 0,-21 0 15</inkml:trace>
-  <inkml:trace contextRef="#ctx0" brushRef="#br0" timeOffset="46192.19">4657 3048 0,'0'0'0,"-22"21"0,-20 64 16,21-43-16,0 22 0,-22-22 15,22 22-15,0-22 0,-21 21 0,-1 1 16,22-1-16,-21 1 0,0-1 15,-1 1-15,1-1 0,21 1 0,-22 21 16,-20-22-16,21 1 0,-1 20 0,1-20 16,0-1-16,-22 1 0,22-1 0,-1 1 15,-20-1-15,21 1 0,-22-1 16,22 1-16,-1-1 0,1 1 0,-21-1 16,20-20-16,1 20 0,0-21 15,20 22-15,-20-22 0,0 1 16,-1 20-16,22-21 0,-21 1 0,21-1 15,-22-21-15,22 22 0,-21-1 0,21-21 16,0 21-16,-1-20 0,1-1 16,0 0-16,0-21 0,0 21 0,21 0 15,-21-21-15,21 21 16,0 1 15,21-22-15,0 0-16,0 21 0</inkml:trace>
+  <inkml:trace contextRef="#ctx0" brushRef="#br0" timeOffset="46192.18">4657 3048 0,'0'0'0,"-22"21"0,-20 64 16,21-43-16,0 22 0,-22-22 15,22 22-15,0-22 0,-21 21 0,-1 1 16,22-1-16,-21 1 0,0-1 15,-1 1-15,1-1 0,21 1 0,-22 21 16,-20-22-16,21 1 0,-1 20 0,1-20 16,0-1-16,-22 1 0,22-1 0,-1 1 15,-20-1-15,21 1 0,-22-1 16,22 1-16,-1-1 0,1 1 0,-21-1 16,20-20-16,1 20 0,0-21 15,20 22-15,-20-22 0,0 1 16,-1 20-16,22-21 0,-21 1 0,21-1 15,-22-21-15,22 22 0,-21-1 0,21-21 16,0 21-16,-1-20 0,1-1 16,0 0-16,0-21 0,0 21 0,21 0 15,-21-21-15,21 21 16,0 1 15,21-22-15,0 0-16,0 21 0</inkml:trace>
   <inkml:trace contextRef="#ctx0" brushRef="#br0" timeOffset="51811.68">9017 6985 0,'21'0'47,"-21"-21"-32,21 0 1,0 21 0,-21-21-16,22-1 15,-22 1-15,0 0 16,0 0 0,0 0-16,0 0 15,0-1-15,0 1 0,0 0 16,0 0-16,0 0 15,0 42 17,0 0-32,0 0 15,0 0-15,0 22 0,0-22 16,21 21-16,-21-21 0,0 22 0,0-1 16,0 0-16,0 1 0,0-1 0,0 0 15,0 1-15,0 20 0,0-20 16,0-1-16,0 0 0,0-21 15,0 22-15,0-22 0,0 21 0,0-21 16,0 1-16,0-1 0,0 0 16,0-42 46,0 0-62,0-1 0,0 1 16,0 0-16,0 0 0</inkml:trace>
   <inkml:trace contextRef="#ctx0" brushRef="#br0" timeOffset="52471.81">9525 7176 0,'0'21'31,"0"0"-16,0 0 1,0 0-16,0 0 0,0 1 16,0-1-16,0 0 15,21-21-15,0 0 16,0 0 0,1 0-1,-1 0-15,-21-21 16,0 0-16,0-1 0,0 1 15,0 0-15,0 0 16,0 0-16,0 0 16,-21 21-16,-1 0 15,1 0-15,21 21 16,0 0 0,0 0-16,0 0 0,0 0 15,0 1 1,21-22-16,1 0 15,-1 0-15,0 0 16,0-22 0,-21 1-16,21 21 15,-21-21 1,-21 21 0,0 0-16,0 0 15</inkml:trace>
   <inkml:trace contextRef="#ctx0" brushRef="#br0" timeOffset="63259.45">15219 6202 0,'-21'0'0,"-1"0"31,1 0-16,21 21-15,-21-21 16,0 0-16,0 0 0,0 0 16,-1 0-16,1 0 0,0 0 0,-21 0 0,21 0 15,-22 21-15,22-21 16,-21 0-16,21 0 0,-22 0 0,22 0 16,-21 0-16,-1 21 0,22-21 0,-21 0 15,21 0-15,-22 0 0,22 0 0,0 0 16,0 0-16,-21 22 0,20-22 15,1 0-15,0 0 0,0 0 16,42 0 47,0 0-63,0 0 0,1 0 15,-1 0-15,0 0 0,0 0 16,0 0-16,0 0 15,1 0-15,20 0 0,-21 0 0,0 0 16,0 0-16,22 0 0,-22 0 0,0 0 16,21 0-16,1 0 0,-22 0 0,21 0 15,1 0-15,-1 0 0,0 0 16,1-22-16,20 22 0,-21 0 0,1 0 16,20-21-16,-20 21 0,20 0 0,-21 0 15,22 0-15,-22-21 0,22 21 0,-22 0 16,0 0-16,1 0 15,20 0-15,-20 0 0,-1 0 0,21 0 16,-20-21-16,20 21 0,-20 0 0,20 0 16,1 0-16,-1 0 0,1 0 0,-22 0 15,21 0-15,1 0 0,-22 0 16,22 0-16,-22 0 0,22 0 0,-22 0 16,0 0-16,22 0 0,-22 0 0,0 0 15,1 0-15,20 0 0,-20 0 0,-1 0 16,21 0-16,-20 0 0,20 0 15,-20 0-15,20 0 0,-21 0 0,22-21 16,-22 21-16,22 0 0,-22 0 0,22 0 16,-22 0-16,0 0 0,22 0 15,-22 0-15,0 0 0,22 0 16,-22 0-16,22 0 0,-22 0 0,22 0 16,-1 0-16,1 0 0,-22 0 0,21 0 15,1 0-15,-1 0 0,1 0 0,-1 0 16,-20 0-16,20 0 0,1 0 15,-1 0-15,-20 0 0,20-21 0,1 21 16,-1 0-16,-21 0 0,22 0 0,-1 0 16,1 0-16,-22 0 0,22 0 15,-22 0-15,22 0 0,-22 0 0,0 0 16,22 0-16,-22-22 0,0 22 0,-20 0 16,20 0-16,0 0 0,1 0 15,-22 0-15,21 0 0,0 0 0,-20 0 16,20 0-16,0 0 0,-21 0 15,1-21-15,20 21 0,-21 0 0,21 0 16,-20 0-16,-1 0 0,0 0 0,21 0 16,-21 0-16,1 0 0,-1 0 15,0 0-15,0 0 0,0 0 0,0 0 16,22 0-16,-22 0 0,0 0 0,0 0 16,0 0-16,22 0 0,-22 0 0,0 0 15,0 0-15,0 0 0,1 0 16,-1-21-1,-42 21 17,-1 0-32,1 0 15,-21-21-15,0 21 0,-1 0 0,-20 0 16,20-21-16,-20 21 0</inkml:trace>
@@ -501,7 +547,7 @@
   <inkml:trace contextRef="#ctx0" brushRef="#br0" timeOffset="81015.89">13250 6795 0,'0'0'0,"-42"0"15,21 0-15,0 0 16,42 0 31,0 0-47,0 0 0,0 0 15,-21-22-15,21 22 16,-21-21-16,0 0 16,-21 0-1,0 21 1,0 0-16,0 0 15,0 0-15,21 21 16,-22-21-16,22 21 0,0 0 16,0 1-16,22-1 15,-1-21-15,0 21 16,0-21-16,0 21 16</inkml:trace>
   <inkml:trace contextRef="#ctx0" brushRef="#br0" timeOffset="81531.6">13652 6943 0,'-21'0'15,"0"-21"-15,0 21 16,0 0 0,21 21-16,0 0 15,0 0-15,-21 0 0,21 0 16,0 1-16,0-1 0,-22 0 0,22 0 16,0 0-16,0 22 0,0-22 0,0 0 15,0 0-15,0 0 0,0 0 16,0 1-16,0-1 0,22 0 0,-1-21 15,-21 21-15,21-21 0,0 0 0,0 0 16,0 0-16,1 0 16,-1 0-16,0-21 0,0 21 15,-21-21-15,21 0 0,0 21 16,1-22-16,-22 1 0,21 0 0,-21 0 16,21 0-16,-21 0 0,0-22 0,0 22 15,0 0-15,0 0 0,0-22 0,0 22 16,0 0-16,0 0 0,0 0 15,0 0-15,0 42 63,0 0-63,0 0 16,21-21-1</inkml:trace>
   <inkml:trace contextRef="#ctx0" brushRef="#br0" timeOffset="82391.11">14139 6985 0,'-21'0'31,"21"21"-31,0 0 15,0 1-15,0-1 16,0 0-16,0 0 0,0 0 0,0 0 16,0 1-16,0-1 0,0 0 0,0 0 15,0 0-15,0 0 0,0 1 0,0-1 16,0 0-16,0 0 0,0 0 16,-21-21-16,21 21 15,-21-21 1,21-21-1,0 0-15,0 0 16,0 0-16,0 0 16,0-1-16,0 1 0,0 0 15,0-21-15,21 21 0,-21-1 0,21 1 16,0 0-16,-21 0 0,21-21 0,1 42 16,-22-22-16,21 1 0,0 0 0,0 0 15,0 21-15,0 0 0,1 0 16,-1 0-16,0 0 0,0 21 15,0-21-15,-21 21 16,21 0-16,-21 1 0,0-1 0,0 0 16,22 0-16,-22 0 0,0 0 0,0 1 15,0-1-15,0 0 0,0 0 16,0 0-16,0 0 0,0 1 0,0-1 16,21 0-16,-21 0 15,0 0-15,0 0 16,0-42 31,0 0-47,0 0 0,0 0 15,0 0-15,0-1 0,0 1 16,0 0-16,0 0 0,0 0 0,0 0 16,21-1-16,-21 1 0,0 0 15,21 0-15,0 0 0,0 0 0,1-1 16,-1 1-16,0 0 0,0 21 0,-21-21 15,42 0-15,-20 21 0,-1 0 16,-21-21-16,21 21 0,0 0 0,0 0 16,0 0-16,1 21 15,-1 0-15,-21 0 0,0 0 16,0 0-16,0 22 0,0-22 16,0 0-16,0 0 0,0 0 0,0 1 15,0-1-15,0 0 0,0 0 0,0 0 16,0 0-16,0 1 0,0-1 0,-21 0 15,21 0 1,-22-21-16,22 21 0</inkml:trace>
-  <inkml:trace contextRef="#ctx0" brushRef="#br0" timeOffset="84196.41">15854 7049 0,'0'0'0,"-21"0"47,-1 0-47,1 0 32,0 0-32,0 0 0,0 0 0,0 0 15,-1 0-15,1 0 16,0 0-16,0 0 0,0 0 15,0 0-15,-1 0 0,1 0 16,0 0 0,42 0 31,0 0-47,1 0 0,-1 0 15,0 0-15,21 0 0,-21 0 0,22 0 16,-1 0-16,-21 0 0,43 0 15,-22 0-15,0 0 0,1 0 0,20 0 16,-20 0-16,20 0 0,-21 0 16,1 0-16,20 0 0,-20 0 0,20 0 15,-21 0-15,1 0 0,-1 0 0,-21-22 16,0 22-16,22 0 0,-22 0 16,0 0-16,-42 0 31,0 0-16,21-21-15,-21 21 0,-1 0 16,1 0-16,0 0 0,21-21 0,-21 21 16,0 0-16,0 0 0,-1-21 15,1 21-15,0 0 16,0 0-16,0 0 0,0-21 16,-1 21-1,44 0 16,-1 0-15,0 0-16,0 0 0,0 0 16,0 0-16,22 0 0,-22 0 0,0 0 15,0 0-15,0 0 0,1 0 16,-1 0-16,0 0 0,0 21 16,-21 0-1,0 0 1,0 0-16,-21-21 0,21 22 0,-21-22 15,0 21-15,-1 0 0,1 0 0,0-21 16,21 21-16,-21 0 0,0 1 16,0-1-16,-1 0 0,22 0 15,-21 0-15,0-21 0,21 21 0,0 1 32,0-44-1,0 1-31,21 0 0,0 21 15,-21-21-15</inkml:trace>
+  <inkml:trace contextRef="#ctx0" brushRef="#br0" timeOffset="84196.4">15854 7049 0,'0'0'0,"-21"0"47,-1 0-47,1 0 32,0 0-32,0 0 0,0 0 0,0 0 15,-1 0-15,1 0 16,0 0-16,0 0 0,0 0 15,0 0-15,-1 0 0,1 0 16,0 0 0,42 0 31,0 0-47,1 0 0,-1 0 15,0 0-15,21 0 0,-21 0 0,22 0 16,-1 0-16,-21 0 0,43 0 15,-22 0-15,0 0 0,1 0 0,20 0 16,-20 0-16,20 0 0,-21 0 16,1 0-16,20 0 0,-20 0 0,20 0 15,-21 0-15,1 0 0,-1 0 0,-21-22 16,0 22-16,22 0 0,-22 0 16,0 0-16,-42 0 31,0 0-16,21-21-15,-21 21 0,-1 0 16,1 0-16,0 0 0,21-21 0,-21 21 16,0 0-16,0 0 0,-1-21 15,1 21-15,0 0 16,0 0-16,0 0 0,0-21 16,-1 21-1,44 0 16,-1 0-15,0 0-16,0 0 0,0 0 16,0 0-16,22 0 0,-22 0 0,0 0 15,0 0-15,0 0 0,1 0 16,-1 0-16,0 0 0,0 21 16,-21 0-1,0 0 1,0 0-16,-21-21 0,21 22 0,-21-22 15,0 21-15,-1 0 0,1 0 0,0-21 16,21 21-16,-21 0 0,0 1 16,0-1-16,-1 0 0,22 0 15,-21 0-15,0-21 0,21 21 0,0 1 32,0-44-1,0 1-31,21 0 0,0 21 15,-21-21-15</inkml:trace>
   <inkml:trace contextRef="#ctx0" brushRef="#br0" timeOffset="84960">17293 6435 0,'0'0'0,"21"0"31,0-21-31,1 21 0,-1-22 0,0 22 16,0 0-16,21 0 0,-20-21 0,20 21 16,-21 0-16,21 0 0,-20 0 15,-1-21-15,0 21 0,0 0 0,0 0 16,0 0-16,-42 21 47,0-21-47,0 0 15,0 0-15,0 0 0,-1 0 0,1 0 16,0 0-16,0 0 16,0 0-16,0 0 0,-1 0 15,1 0-15,0 0 0,0 0 16,0 0-16,0 21 16,-1-21-16,1 22 15,21-1-15,-21-21 16,21 21-16,-21 0 0,0 0 15,21 0-15,0 1 16,0-1-16,-21 21 0,21-21 0,-22 0 16,22 1-16,-21 20 0,21-21 0,0 21 15,0-20-15,-21 20 0,21-21 0,-21 21 16,21-20-16,-21 20 0,21-21 16,-21 21-16,21-20 0,0 20 0,0 0 15,0-21-15,0 22 0,0-1 0,-22-21 16,22 22-16,0-22 0,0 21 0,0-21 15,0 22-15,0-22 0,0 0 0,0 0 16,0 0-16,22 0 0,-1 1 16,0-1-16,0-21 0,0 21 15,0-21-15,1 0 16,-1 0-16,0 0 0,0 0 16,0 0-16,-21-21 15,21 0-15,1 21 0,-22-22 16,21 22-16,0-21 0,0 0 0,-21 0 15,21 0-15,0 0 0,1-1 0,-1-20 16,0 21-16</inkml:trace>
   <inkml:trace contextRef="#ctx0" brushRef="#br0" timeOffset="85451.59">17759 6689 0,'0'0'0,"-21"0"0,-1 0 15,1 0 1,21 21 0,0 0-16,0 0 0,0 0 0,0 1 15,0-1-15,0 0 0,0 21 0,0-21 16,0 1-16,0 20 0,0-21 15,0 21-15,0-20 0,0 20 0,0-21 16,0 0-16,0 0 0,0 22 16,0-22-16,0 0 0,21 0 0,1-21 15,-22 21-15,21-21 0,0 0 0,-21 22 16,21-22-16,0 0 0,0 0 0,1 0 16,-1 0-16,0-22 0,0 22 0,-21-21 15,21 0-15,0 21 0,1-21 16,-22 0-16,21 0 0,-21-1 0,21 1 15,0-21-15,-21 21 0,0 0 0,0-22 16,21 22-16,-21 0 0,0-21 0,0 20 16,0 1-16,0 0 15,0 0-15,0 0 0,0 0 0,0-1 16,0 1-16,0 42 47,21 1-32,1-22-15,-1 0 0</inkml:trace>
   <inkml:trace contextRef="#ctx0" brushRef="#br0" timeOffset="85779.57">18584 6689 0,'0'0'0,"-21"0"32,0 0-17,21 21-15,0 0 0,-21 0 0,21 0 16,0 1-16,0-1 0,0 21 0,0-21 16,0 0-16,-21 22 0,21-22 0,0 0 15,-22 21-15,22-20 0,0-1 16,0 21-16,0-21 0,0 0 0,0 1 15,0-1-15,0 0 0,0 0 16,0 0-16,0 0 0,0 1 0,0-1 16,0-42 31,0-1-47</inkml:trace>
@@ -533,13 +579,13 @@
   <inkml:trace contextRef="#ctx0" brushRef="#br0" timeOffset="127397.86">17886 8530 0,'0'0'0,"0"-21"0,0 0 15,0 42 32,0 0-31,0 0-16,0 22 0,0-22 0,0 21 16,0-21-16,0 22 0,0-1 15,0-21-15,0 22 0,0-1 0,0-21 16,0 21-16,0-20 0,0-1 0,0 0 15,0 0-15,0 0 0,0 0 0,0 1 16,0-44 31,0 1-47,0 0 16,0 0-16</inkml:trace>
   <inkml:trace contextRef="#ctx0" brushRef="#br0" timeOffset="127943.54">17801 8594 0,'0'0'0,"0"-21"0,0-1 0,0 1 15,0 0-15,0 0 16,0 0-16,21 21 16,0-21-16,1 21 0,-1 0 0,21 0 15,-21 0-15,0 0 16,1 21-16,-1 0 0,21-21 0,-21 21 15,0 0-15,1 22 0,-1-22 0,0 0 16,-21 21-16,0-21 0,21 22 0,-21-22 16,0 0-16,0 21 0,0-20 0,0 20 15,0-21-15,0 0 0,0 0 16,0 1-16,0-1 0,-21-21 16,21-21 15,0-1-31,0 1 15,0 0-15,0 0 0,0-21 16,0 20-16,0-20 0,0 0 0,21 21 16,-21-22-16,21 22 0,-21-21 0,21 21 15,1-22-15,-1 22 0,-21 0 0,21 0 16,0 21-16,0-21 0,0 21 0,1 0 16,-1 0-16,0 21 15,0-21-15,0 21 0,-21 0 0,21 0 16,1 22-16,-22-22 0,0 0 0,0 21 15,0-21-15,0 22 0,0-22 0,0 21 16,0 1-16,0-22 0,0 0 16,0 21-16,0-21 0,0 1 15,-22-1-15,22 0 0,-21 0 0,21 0 16,0 0 0,0-42 15,21 0-31,1 0 15,-22 0-15</inkml:trace>
   <inkml:trace contextRef="#ctx0" brushRef="#br0" timeOffset="128356.31">18859 8636 0,'0'0'0,"-21"0"15,0 0 1,0 21-16,21 0 0,-21-21 15,0 22-15,21-1 0,-22 0 0,22 0 16,-21 21-16,0-20 0,21-1 0,0 0 16,0 0-16,0 21 0,-21-20 0,21-1 15,0 0-15,0 0 0,0 0 0,0 0 16,21 1-16,0-22 16,0 0-16,1 21 0,-1-21 15,0 0-15,0 0 0,21 0 0,-20-21 16,-1 21-16,0-22 0,0 1 15,0 21-15,0-21 0,1 0 0,-1 0 16,0 0-16,-21-1 0,0 1 16,0-21-16,0 21 0,0-22 0,0 22 15,0-21-15,-21 21 0,-22 0 0,22-1 16,0 1-16,0 0 0,0 21 0,0 0 16,-22-21-16,22 21 0,0 0 0,0 0 15,0 0-15,-1 0 0,1 0 0,0 21 16,21 0-16,0 0 15,0 1-15,0-1 16,21-21-16,0 0 0,1 0 0,-1 0 16,0 0-16,0 0 0</inkml:trace>
-  <inkml:trace contextRef="#ctx0" brushRef="#br0" timeOffset="128915.44">19262 8382 0,'0'0'16,"0"-21"-16,0-21 16,-22 42-16,22-22 0,-21 22 15,0 22 1,21-1-16,0 0 0,-21 0 0,21 0 16,0 22-16,0-22 0,0 21 0,0-21 15,0 22-15,0-22 0,0 21 16,0 0-16,0-20 0,-21 20 0,21 0 15,0-21-15,0 22 0,0-22 0,0 0 16,0 0-16,0 0 0,0 1 16,0-1-16,0 0 0,0-42 47,0 0-47,0-1 15,0 1-15,0 0 0,21 0 16,0 0-16,-21 0 0,21-1 0,0 1 15,1 0-15,-1 21 0,0-21 16,0 0-16,0 21 0,0 0 0,1 0 16,-1 0-16,0 0 0,0 0 0,0 0 15,0 0-15,-21 21 0,22 0 0,-1 0 16,-21 0-16,0 1 16,0-1-16,0 0 0,0 0 0,-21 0 15,-1 0-15,1 1 0,0-1 0,0 0 16,0 0-16,0 0 0,-1-21 0,1 21 15,0 1-15,0-22 0,0 0 0,0 0 16,-1 21-16,1-21 16,21-21 15,0-1-31,0 1 16,21 21-16,-21-21 0,22 21 0,-1-21 15,0 0-15</inkml:trace>
+  <inkml:trace contextRef="#ctx0" brushRef="#br0" timeOffset="128915.43">19262 8382 0,'0'0'16,"0"-21"-16,0-21 16,-22 42-16,22-22 0,-21 22 15,0 22 1,21-1-16,0 0 0,-21 0 0,21 0 16,0 22-16,0-22 0,0 21 0,0-21 15,0 22-15,0-22 0,0 21 16,0 0-16,0-20 0,-21 20 0,21 0 15,0-21-15,0 22 0,0-22 0,0 0 16,0 0-16,0 0 0,0 1 16,0-1-16,0 0 0,0-42 47,0 0-47,0-1 15,0 1-15,0 0 0,21 0 16,0 0-16,-21 0 0,21-1 0,0 1 15,1 0-15,-1 21 0,0-21 16,0 0-16,0 21 0,0 0 0,1 0 16,-1 0-16,0 0 0,0 0 0,0 0 15,0 0-15,-21 21 0,22 0 0,-1 0 16,-21 0-16,0 1 16,0-1-16,0 0 0,0 0 0,-21 0 15,-1 0-15,1 1 0,0-1 0,0 0 16,0 0-16,0 0 0,-1-21 0,1 21 15,0 1-15,0-22 0,0 0 0,0 0 16,-1 21-16,1-21 16,21-21 15,0-1-31,0 1 16,21 21-16,-21-21 0,22 21 0,-1-21 15,0 0-15</inkml:trace>
   <inkml:trace contextRef="#ctx0" brushRef="#br0" timeOffset="129184.28">19791 8700 0,'0'0'0,"0"21"31,0 0-15,0 0-16,0 0 0,0 0 15,0 1-15,-21-1 0,21 0 0,0 0 16,-22 0-16,22 0 0,0 1 0,0-1 16,0 0-16,0 0 0,-21 0 15,21 0-15,0-42 63,21 0-63,1 0 0</inkml:trace>
   <inkml:trace contextRef="#ctx0" brushRef="#br0" timeOffset="129512.1">19875 8488 0,'-21'0'0,"42"0"0,-63-21 16,21 21-16,0 0 0,42 0 62,0 0-62,0 0 16,0 0-16,1 0 0,-22-21 15,21 21 1,-21-22-16,0 1 16,0 0-16,-21 21 15,-1 0-15,1 0 0,0 0 16,0 0-16,0 0 0,0 0 15,-1 21-15,22 0 0,0 1 16,0-1-16,0 0 16,0 0-16,0 0 0,0 0 15,22-21-15,-1 0 16,0 0-16,0 0 0,0 0 0</inkml:trace>
   <inkml:trace contextRef="#ctx0" brushRef="#br0" timeOffset="129851.9">20235 8276 0,'0'0'0,"0"-21"16,0 0-16,-21 21 31,21 21-31,0 0 16,0 0-16,0 1 0,0-1 0,0 21 15,0-21-15,-21 22 0,21-1 0,0 0 16,0-21-16,-21 22 0,21-1 16,0 0-16,0 1 0,0-1 0,-21-21 15,21 22-15,0-1 0,-22-21 0,22 0 16,0 22-16,-21-22 0,21 0 16,0 0-16,0 0 0,0 0 15,0-42 16,0 0-31,21 21 16,-21-21-16,22 0 0,-1 0 0,0-1 16,-21 1-16</inkml:trace>
   <inkml:trace contextRef="#ctx0" brushRef="#br0" timeOffset="130307.64">20341 8805 0,'21'0'47,"0"0"-47,1 0 15,-1 0-15,0 0 0,0 0 16,0 0-16,0 0 0,1-21 0,-1 21 16,0-21-16,0 21 0,0-21 15,-21 0-15,21 0 0,1-1 16,-22 1-16,0 0 15,0 0-15,0 0 16,0 0-16,-22 21 16,1 0-16,0 0 15,0 0-15,0 0 0,0 21 0,-1-21 16,1 21-16,0 0 0,0 0 0,-21 0 16,42 1-16,-22-1 0,1 21 15,0-21-15,0 0 0,21 1 0,0 20 16,0-21-16,0 0 0,0 0 15,0 1-15,0-1 0,0 0 0,0 0 16,21 0-16,0-21 16,0 0-16,1 0 0,-1 0 15,0 0-15,0 0 16,0 0-16,0 0 0,1 0 0,-1 0 16,0-21-16,0 21 0,0-21 0,0 21 15,1-21-15,-1 0 0,0 21 0,0-22 16,21 1-16,-20 0 0</inkml:trace>
   <inkml:trace contextRef="#ctx0" brushRef="#br0" timeOffset="131449.78">21632 8678 0,'0'0'0,"-21"0"0,0 22 15,0-22 1,0 0-16,-1 21 0,1-21 16,0 0-16,0 0 15,0 0-15,42 0 47,0 0-47,0-21 16,0-1-16,22 22 0,-22-21 0,21 0 15,1 21-15,20-21 0,-21 0 16,1 0-16,20-1 0,1 1 0,-1 0 16,-20-21-16,20 21 0,1-22 15,20 22-15,-20-21 0,-1 21 0,1-22 16,-1 22-16,1-21 0,-22 21 15,0-1-15,1-20 0,-22 21 0,0 0 16,0 0-16,0 21 0,-21-22 0,0 1 16,0 0-16,-21 21 15,0 0 1,0 0-16,0 0 0,0 0 16,-1 0-16,1 0 0,0 0 0,0 0 15,-21 0-15,20 21 0,1-21 16,-21 21-16,21 1 0,0-22 0,-1 21 15,1-21-15,0 21 0,42-21 32,0 0-17,1-21-15,-1 21 0,0-21 16,21 21-16,-21-22 0,1 1 0,-1 21 16,21 0-16,-21 0 0,0-21 0,1 21 15,-1-21-15,0 21 16,-21 21-1,0 0-15,0 0 16,0 1-16,0-1 0,0 0 0,0 21 16,-21-21-16,21 1 0,0 20 15,0-21-15,0 0 0,0 0 16,0 1-16,0-1 0,0 0 16,0 0-16,0 0 0,0 0 31</inkml:trace>
-  <inkml:trace contextRef="#ctx0" brushRef="#br0" timeOffset="132023.45">21738 8763 0,'0'21'0,"0"-42"0,-21 42 0,21 0 32,21 1-17,0-22-15,0 0 0,22 21 16,-22-21-16,21 21 0,1-21 15,-1 21-15,0-21 0,1 21 16,20-21-16,-21 21 0,22-21 0,-1 0 16,1 22-16,-22-22 0,22 21 0,-22-21 15,22 0-15,-22 21 0,0-21 0,1 0 16,-22 0-16,21 0 0,-21 21 0,0-21 16,1 0-1,-44 0 1,1-21-1,0 21-15,0 0 0,0-21 0,21 0 16,-21 21-16,-1 0 16,22-22-16,22 22 47,-1 22-32,-21-1-15,0 0 16,0 0-16,0 0 0,0 0 15,-21 1-15,-1-1 0,1 0 16,0 0-16,0 0 0,-21 0 0,20 1 16,1-22-16,0 21 0,0 0 15,0-21-15,0 0 0,42 0 32,0-21-32</inkml:trace>
+  <inkml:trace contextRef="#ctx0" brushRef="#br0" timeOffset="132023.44">21738 8763 0,'0'21'0,"0"-42"0,-21 42 0,21 0 32,21 1-17,0-22-15,0 0 0,22 21 16,-22-21-16,21 21 0,1-21 15,-1 21-15,0-21 0,1 21 16,20-21-16,-21 21 0,22-21 0,-1 0 16,1 22-16,-22-22 0,22 21 0,-22-21 15,22 0-15,-22 21 0,0-21 0,1 0 16,-22 0-16,21 0 0,-21 21 0,0-21 16,1 0-1,-44 0 1,1-21-1,0 21-15,0 0 0,0-21 0,21 0 16,-21 21-16,-1 0 16,22-22-16,22 22 47,-1 22-32,-21-1-15,0 0 16,0 0-16,0 0 0,0 0 15,-21 1-15,-1-1 0,1 0 16,0 0-16,0 0 0,-21 0 0,20 1 16,1-22-16,0 21 0,0 0 15,0-21-15,0 0 0,42 0 32,0-21-32</inkml:trace>
   <inkml:trace contextRef="#ctx0" brushRef="#br0" timeOffset="132684.07">23283 7853 0,'0'0'0,"0"-21"16,-21 21-1,21 21 1,0 0-16,-21-21 0,21 42 0,0-20 15,0-1-15,-21 21 0,21 0 16,-21-20-16,21 20 0,-22 0 0,22-21 16,0 22-16,-21-22 0,21 0 0,0 0 15,-21 0-15,21 1 0,0-1 16,0 0-16,0-42 47,0 0-47,0-1 0,0 1 15,0 0-15,21-21 0,-21 21 16,21-1-16,-21-20 0,0 0 0,22-1 16,-1 22-16,0-21 0,-21 0 0,0 20 15,21-20-15,-21 21 0,21 0 16,-21 0-16,21 21 16,-21 21-16,0 0 15,0 21-15,0-21 16,0 22-16,0-1 0,0 0 0,0-20 15,0 20-15,0 0 0,0 1 16,0-1-16,0-21 0,0 0 0,0 22 16,0-22-16,0 0 0,0 0 0,0 0 15,0 0-15,-21-21 63,21-21-63,-21 21 0</inkml:trace>
   <inkml:trace contextRef="#ctx0" brushRef="#br0" timeOffset="132855.97">23093 8276 0,'21'0'31,"0"-21"-15,0 21-16,0 0 0,1 0 0,-1-21 15,21 21-15,-21-21 0,0 21 0,22-21 16,-22 21-16,0-22 0,0 22 0,0-21 16,1 21-16</inkml:trace>
   <inkml:trace contextRef="#ctx0" brushRef="#br0" timeOffset="133288.1">23516 8107 0,'0'-21'16,"0"42"15,0 0-31,0 0 15,0 0-15,0 1 0,0-1 16,0 0-16,0 0 0,0 0 0,0 0 16,0 1-16,-21-1 15,21 0-15,0 0 0,0 0 32,-21-21-17,21-21 1,0 0-1,0 0-15,0 0 16,0-1-16,0 1 0,21 0 0,-21 0 16,21 0-16,0 0 0,-21-1 0,21 1 15,1 0-15,-22 0 0,21 21 16,0-21-16,0 21 0,0 0 16,0 0-16,1 0 0,-22 21 15,0 0-15,21 0 0,-21 0 0,21-21 16,-21 22-16,0-1 0,0 0 15,0 0-15,0 0 0,0 0 16,0 1-16,0-1 0,0 0 16,0 0-16,-21 0 15,42-21 32,-21-21-47</inkml:trace>
@@ -549,7 +595,7 @@
   <inkml:trace contextRef="#ctx0" brushRef="#br0" timeOffset="134911.31">24744 8149 0,'0'21'32,"0"1"-32,0-1 15,0 0-15,-21 0 0,21 0 16,0 0-16,0 1 0,-22-22 15,22 21-15,0 0 0,0 0 16,0-42 47,0 0-63,22 0 15</inkml:trace>
   <inkml:trace contextRef="#ctx0" brushRef="#br0" timeOffset="135072.21">24765 8001 0,'0'0'15,"0"-21"-15,-21 21 16,21 21 31,0 0-32,21-21-15</inkml:trace>
   <inkml:trace contextRef="#ctx0" brushRef="#br0" timeOffset="135683.87">25104 8192 0,'0'0'0,"0"-22"16,0 1-1,0 0 1,0 0-16,-22 21 16,1 0-1,0 0-15,21 21 0,-21-21 16,21 21-16,-21 0 0,0-21 15,21 22-15,0-1 0,-22 0 0,1-21 16,21 21-16,-21 0 0,21 0 0,0 1 16,0-1-16,0 0 15,21-21 17,0 0-32,1 0 15,-1-21-15,0 21 0,-21-21 16,21 21-16,0-22 0,-21 1 15,21 21-15,-21-21 0,0 0 0,22 0 16,-1-22-16,-21 22 0,0-21 0,0 21 16,21-22-16,-21 22 0,21-21 0,-21 21 15,0-22-15,0 22 0,0 0 16,0 0-16,0 0 0,0 0 16,0 42-1,0 0 1,-21 0-16,21 21 0,-21-20 0,21-1 15,0 21-15,0 0 0,-21-20 16,21 20-16,0-21 0,0 21 0,0-20 16,0-1-16,0 21 0,0-21 0,0 0 15,0 1-15,21-1 0,0-21 16,0 21-16,0-21 16,0 0-16,1 0 0,-1 0 15,0 0 1,0 0-16,0-21 0,-21 0 0</inkml:trace>
-  <inkml:trace contextRef="#ctx0" brushRef="#br0" timeOffset="136291.92">23326 9123 0,'0'-21'0,"21"21"15,-21 21 32,0 0-47,0 0 0,0 0 16,0 1-16,0-1 0,0 21 15,0-21-15,0 0 0,0 1 0,0 20 16,0-21-16,0 0 0,0 0 16,0 1-16,0-1 0,-21 0 0,21 0 15,0 0-15,0 0 16,21-21 15,-21-21-31</inkml:trace>
+  <inkml:trace contextRef="#ctx0" brushRef="#br0" timeOffset="136291.91">23326 9123 0,'0'-21'0,"21"21"15,-21 21 32,0 0-47,0 0 0,0 0 16,0 1-16,0-1 0,0 21 15,0-21-15,0 0 0,0 1 0,0 20 16,0-21-16,0 0 0,0 0 16,0 1-16,0-1 0,-21 0 0,21 0 15,0 0-15,0 0 16,21-21 15,-21-21-31</inkml:trace>
   <inkml:trace contextRef="#ctx0" brushRef="#br0" timeOffset="136731.67">23770 9144 0,'0'0'0,"0"-21"16,0 0-16,0 42 31,-21 0-16,21 0-15,-21 0 0,21 1 0,0 20 16,0-21-16,0 0 0,0 0 0,-21 1 16,21 20-16,0-21 0,0 0 0,0 0 15,0 1-15,21-1 0,-21 0 16,21-21-16,0 0 16,-21 21-16,21-21 0,0 0 0,1 0 15,-1 0-15,0 0 16,0-21-16,0 0 0,0 21 0,-21-21 15,22-1-15,-1 1 0,0 21 16,-21-21-16,0-21 0,21 21 0,-21-1 16,21 1-16,-21-21 0,0 21 0,0-22 15,0 22-15,0 0 0,0 0 0,0 0 16,0 0-16,-21 21 16,0 0-16,0 0 0,0 0 15,-1 0-15,1 21 0,0 0 16,0-21-16,0 21 0,21 0 15,0 0-15,0 1 16,0-1-16,0 0 0,0 0 16,21 0-16</inkml:trace>
   <inkml:trace contextRef="#ctx0" brushRef="#br0" timeOffset="137175.59">24469 9208 0,'0'0'0,"21"0"16,0-22-16,0 1 16,-21 0-16,-21 21 31,0 0-31,0 0 0,-1 0 16,1 21-16,0-21 0,0 21 0,0 1 15,0-22-15,-1 21 0,22 0 0,-21-21 16,21 21-16,-21 0 0,21 0 15,0 1-15,0-1 16,21-21 0,0 21-16,1-21 0,-1 0 15,0 0-15,0 0 0,0 0 0,0 21 16,1-21-16,-1 0 0,0 0 16,0 21-16,0-21 0,0 0 15,-21 21-15,22-21 0,-22 22 16,-22-1-1,1-21-15,0 0 0,0 21 16,0 0-16,0-21 0,-22 0 0,22 0 16,0 21-16,0-21 0,0 0 15,21 21-15,-22-21 0,1 0 16,21-21 15,0 0-31,43 21 16</inkml:trace>
   <inkml:trace contextRef="#ctx0" brushRef="#br0" timeOffset="138227.76">25167 7557 0,'21'0'15,"0"0"1,1 0-16,-1 0 0,0 0 16,0 0-16,21 0 0,-20 0 15,-1 0-15,0 0 0,21 0 0,-21 0 16,1 0-16,20 0 15,-21 0-15,0 0 0,0 0 16,1 0-16,-22 21 31,0 0-31,0 0 16,0 0-16,0 0 0,0 1 0,-22-1 16,22 0-16,-21 0 0,21 0 0,0 22 15,0-22-15,0 21 0,-21 0 16,21 1-16,0-1 0,-21 0 0,21 1 15,0 20-15,0-20 0,0-1 0,0 0 16,-21 22-16,21-22 0,0 0 0,-21 1 16,21-1-16,0 0 0,0 1 15,0 20-15,0-20 0,0-1 0,0 0 16,0 1-16,0-1 0,0 21 16,0-20-16,0-1 0,0 0 0,0-20 15,0 20-15,0 0 0,0 1 16,0-22-16,0 21 0,0-21 0,0 22 15,0-22-15,0 0 0,0 0 0,0 0 16,0 22-16,0-22 0,0 0 0,0 0 16,0 0-16,0 0 0,0 1 15,0-1-15,0 0 0,0 0 16,0 0-16,0 0 16,0 1-1,0-1 1,-22-21-1,1 0 1,0 0-16,21 21 16,-21-21-16,0 0 0,0 0 15,-1 0-15,1 0 0,0 0 16,0 0-16,0 0 0,0 0 0,-1 0 16,1 21-16,0-21 0,0 0 15,0 0-15,0 0 0,-1 21 16,1-21-16,42 0 31,22 0-15,-22 0-16</inkml:trace>
@@ -559,28 +605,28 @@
   <inkml:trace contextRef="#ctx0" brushRef="#br0" timeOffset="147368.4">10626 10943 0,'0'0'0,"21"0"32,0 0-32,0 0 0,0 0 0,22 0 15,-22-21-15,0 21 0,21 0 16,-21-21-16,22 0 0,-22 21 0,21 0 15,-21-21-15,22 21 0,-22 0 0,0 0 16,0-22-16,0 22 0,1-21 0,-1 21 16,0 0-16,-21-21 0,21 21 15,0-21-15</inkml:trace>
   <inkml:trace contextRef="#ctx0" brushRef="#br0" timeOffset="147728.71">11747 10393 0,'0'0'0,"0"-21"15,-21 21-15,0 0 0,0 0 16,0 0-16,0 0 0,-1 21 16,22 0-1,0 0-15,-21 0 0,21 22 16,0-22-16,0 21 0,0-21 0,0 22 15,0-22-15,0 21 0,0 1 0,0-1 16,0-21-16,0 21 0,0-20 0,0 20 16,0-21-16,0 21 0,0-20 0,0-1 15,0 0-15,0 0 0,0 0 16,0 0-16,0 1 0,0-1 16,0-42 15,0-1-16,0 1-15,0 0 0,0 0 16,0 0-16,0 0 0,0-1 16,0 1-16,0-21 0</inkml:trace>
   <inkml:trace contextRef="#ctx0" brushRef="#br0" timeOffset="148072.51">11599 10562 0,'0'0'0,"0"-21"0,0 0 0,0 0 0,0 0 16,0-1-16,0 1 0,0 0 15,0 0-15,21 0 0,1 0 16,-1-1-16,21 1 16,-21 0-16,0 21 0,22 0 15,-1 0-15,-21 0 0,22 0 0,-1 0 16,0 0-16,-21 21 0,1-21 0,-1 43 16,0-22-16,-21 0 0,0 0 0,0 21 15,0-20-15,-21-1 0,0 21 16,-1-21-16,-20 0 0,21 1 0,-21-1 15,20 0-15,-20 0 0,21 0 0,0 0 16,-22 1-16,22-1 0,0-21 16,0 21-16,0-21 0,21 21 15,-21-21-15,-1 0 16,22 21-16,22-21 31,-1 0-15,-21-21-16,21 21 0,0-21 0,0 21 15,22-21-15,-22 0 0</inkml:trace>
-  <inkml:trace contextRef="#ctx0" brushRef="#br0" timeOffset="148471.45">12721 10287 0,'0'0'0,"-21"-42"16,0 42-16,21-21 0,-21 21 0,-1 0 15,1 0 1,0 0-16,21 21 16,0 0-16,0 0 15,-21 0-15,21 0 0,0 22 0,0-22 16,0 0-16,0 21 0,0 1 15,0-22-15,0 21 0,0-21 0,-21 22 16,21-22-16,0 21 0,0-21 0,0 22 16,0-22-16,0 0 0,0 21 15,0-20-15,0-1 0,0 0 0,0 0 16,0 0-16,0 0 16,21-21 15,0 0-16,-21-21 1</inkml:trace>
+  <inkml:trace contextRef="#ctx0" brushRef="#br0" timeOffset="148471.44">12721 10287 0,'0'0'0,"-21"-42"16,0 42-16,21-21 0,-21 21 0,-1 0 15,1 0 1,0 0-16,21 21 16,0 0-16,0 0 15,-21 0-15,21 0 0,0 22 0,0-22 16,0 0-16,0 21 0,0 1 15,0-22-15,0 21 0,0-21 0,-21 22 16,21-22-16,0 21 0,0-21 0,0 22 16,0-22-16,0 0 0,0 21 15,0-20-15,0-1 0,0 0 0,0 0 16,0 0-16,0 0 16,21-21 15,0 0-16,-21-21 1</inkml:trace>
   <inkml:trace contextRef="#ctx0" brushRef="#br0" timeOffset="148771.29">12446 10943 0,'-21'0'15,"42"0"-15,-42 21 0,21 1 16,0-1-16,0 0 16,0 0-16,21 0 15,0-21-15,0 0 16,0 0-16,1 0 0,-1 0 16,0 0-16,0 0 0,0 0 15,0 0-15,1 0 0,-1 0 0,0 0 16,0 0-16,0 0 0,0-21 0,1 0 15,-1 21-15,-21-21 16,21 21-16,-21-21 0,21 21 0,-21-22 16,0 1-16,0 0 15,0 0-15,0 0 16,0 0-16,-21-1 16,21 1-16</inkml:trace>
   <inkml:trace contextRef="#ctx0" brushRef="#br0" timeOffset="149164.12">12255 10351 0,'0'0'0,"-21"0"0,0-22 15,0 1-15,21 0 16,0 0-16,21 21 16,0-21-16,0 21 15,1 0-15,-1-21 0,21 21 0,-21 0 16,22-22-16,-22 22 0,0 0 0,21-21 16,-21 21-16,22-21 0,-22 21 15,0 0-15,0 0 0,0 0 0,-21-21 16,22 21-16,-1 0 15,-21 21 64,0 0-64</inkml:trace>
   <inkml:trace contextRef="#ctx0" brushRef="#br0" timeOffset="149848.03">12531 11070 0,'21'0'78,"0"0"-62,0 0-16</inkml:trace>
-  <inkml:trace contextRef="#ctx0" brushRef="#br0" timeOffset="152311.82">14541 10329 0,'-21'0'16,"0"0"-16,0 0 0,0 0 15,0 0-15,-1 0 16,1 22-16,0-22 0,0 0 0,0 0 16,0 0-16,-1 0 0,1 0 0,0 21 15,0-21-15,0 0 0,0 0 16,-1 0-16,1 0 16,0 0-1,42 0 48,0 0-63,1 0 0,-1 21 0,21-21 15,0 0-15,1 0 0,-1 0 0,22 0 16,-1 0-16,1 0 0,-1 0 0,1 0 16,20 0-16,-20 0 0,20 0 0,-20-21 15,21 21-15,-22 0 0,22 0 16,-22 0-16,1 0 0,-1-21 0,-20 21 15,-1 0-15,0 0 0,1 0 16,-22 0-16,0 0 0,0 0 0,0 0 0,0 0 16,1 0-16,-22-22 15,0 1 17,-22 0-17,1 21-15,0-21 0,0 21 16,0 0-16,0-21 0,-1 21 15,1 0-15,0 0 0,0-21 16,0 21-16,0 0 0,-1 0 0,1-22 16,0 22-16,0 0 0,0 0 0,0 0 15,-1 0 1,44 0 15,-1 0-15,0 0-16,0 0 0,0 0 15,0 0-15,1 0 0,-1 0 0,0 0 16,21 0-16,-21 0 0,1 0 0,-1 0 16,21 0-16,-21 0 0,0 0 0,1 22 15,-1-22-15,0 0 0,0 21 16,-21 0 0,0 0-16,0 0 0,0 0 15,-21 1-15,0-1 0,21 0 16,-21 0-16,-1 0 0,1 22 0,0-22 0,-21 0 15,21 0-15,-1 0 0,1 0 16,-21 1-16,21-1 0,0 0 16,-22 0-16,22 0 0,0-21 0,0 21 15,0 1-15,-1-22 0,1 21 0,0-21 16,21 21-16,-21-21 16,42-21 15,0 0-31,22 21 0,-22-22 0</inkml:trace>
-  <inkml:trace contextRef="#ctx0" brushRef="#br0" timeOffset="153151.35">16446 10033 0,'-21'0'16,"42"0"-16,-63 0 0,42-21 0,-21 21 15,0 0-15,21-21 16,21 21-1,0 0-15,21-21 16,-20 21-16,-1 0 0,21 0 0,-21 0 16,22-22-16,-1 22 0,-21 0 0,21 0 15,1 0-15,-22 0 0,21 0 0,-21 0 16,1 0-16,-44 0 31,1 0-31,0 0 16,0 0-16,0 0 0,-22 0 15,22 0-15,0 0 0,0 0 0,-21 0 16,20 0-16,1 0 0,0 0 0,0 0 16,0 0-16,0 0 0,-1 0 15,1 0-15,0 0 0,0 0 0,0 0 16,0 0 0,21 22-16,0-1 15,0 0-15,-22-21 16,22 21-16,0 0 0,0 0 0,0 1 15,-21-1-15,21 0 0,0 0 16,0 0-16,0 22 0,0-22 0,-21 0 16,21 21-16,0-21 0,-21 22 15,21-1-15,0-21 0,0 22 16,0-1-16,0 0 0,0 1 0,0-1 16,0-21-16,-21 21 0,21 1 0,0-1 15,-21 0-15,21-20 0,0 20 0,0 0 16,-22-21-16,22 22 0,0-22 0,0 21 15,0-21-15,0 22 0,0-22 0,0 0 16,0 21-16,22-20 0,-1-1 16,0 0-16,-21 0 0,21-21 0,0 21 15,0-21-15,1 0 0,-1 0 0,21 0 16,-21 0-16,0 0 0,22 0 0,-22 0 16,21 0-16,-21 0 0,22-21 15,-22 21-15,0-21 0,21 21 0,-20-21 16,-1 21-16,21-21 0,-21 21 15,0-22-15,1 22 0,-22-21 0,21 21 16,0-21-16,-21 0 16,0 0-1,0 0 1,0-1-16,0 1 16</inkml:trace>
+  <inkml:trace contextRef="#ctx0" brushRef="#br0" timeOffset="152311.81">14541 10329 0,'-21'0'16,"0"0"-16,0 0 0,0 0 15,0 0-15,-1 0 16,1 22-16,0-22 0,0 0 0,0 0 16,0 0-16,-1 0 0,1 0 0,0 21 15,0-21-15,0 0 0,0 0 16,-1 0-16,1 0 16,0 0-1,42 0 48,0 0-63,1 0 0,-1 21 0,21-21 15,0 0-15,1 0 0,-1 0 0,22 0 16,-1 0-16,1 0 0,-1 0 0,1 0 16,20 0-16,-20 0 0,20 0 0,-20-21 15,21 21-15,-22 0 0,22 0 16,-22 0-16,1 0 0,-1-21 0,-20 21 15,-1 0-15,0 0 0,1 0 16,-22 0-16,0 0 0,0 0 0,0 0 0,0 0 16,1 0-16,-22-22 15,0 1 17,-22 0-17,1 21-15,0-21 0,0 21 16,0 0-16,0-21 0,-1 21 15,1 0-15,0 0 0,0-21 16,0 21-16,0 0 0,-1 0 0,1-22 16,0 22-16,0 0 0,0 0 0,0 0 15,-1 0 1,44 0 15,-1 0-15,0 0-16,0 0 0,0 0 15,0 0-15,1 0 0,-1 0 0,0 0 16,21 0-16,-21 0 0,1 0 0,-1 0 16,21 0-16,-21 0 0,0 0 0,1 22 15,-1-22-15,0 0 0,0 21 16,-21 0 0,0 0-16,0 0 0,0 0 15,-21 1-15,0-1 0,21 0 16,-21 0-16,-1 0 0,1 22 0,0-22 0,-21 0 15,21 0-15,-1 0 0,1 0 16,-21 1-16,21-1 0,0 0 16,-22 0-16,22 0 0,0-21 0,0 21 15,0 1-15,-1-22 0,1 21 0,0-21 16,21 21-16,-21-21 16,42-21 15,0 0-31,22 21 0,-22-22 0</inkml:trace>
+  <inkml:trace contextRef="#ctx0" brushRef="#br0" timeOffset="153151.34">16446 10033 0,'-21'0'16,"42"0"-16,-63 0 0,42-21 0,-21 21 15,0 0-15,21-21 16,21 21-1,0 0-15,21-21 16,-20 21-16,-1 0 0,21 0 0,-21 0 16,22-22-16,-1 22 0,-21 0 0,21 0 15,1 0-15,-22 0 0,21 0 0,-21 0 16,1 0-16,-44 0 31,1 0-31,0 0 16,0 0-16,0 0 0,-22 0 15,22 0-15,0 0 0,0 0 0,-21 0 16,20 0-16,1 0 0,0 0 0,0 0 16,0 0-16,0 0 0,-1 0 15,1 0-15,0 0 0,0 0 0,0 0 16,0 0 0,21 22-16,0-1 15,0 0-15,-22-21 16,22 21-16,0 0 0,0 0 0,0 1 15,-21-1-15,21 0 0,0 0 16,0 0-16,0 22 0,0-22 0,-21 0 16,21 21-16,0-21 0,-21 22 15,21-1-15,0-21 0,0 22 16,0-1-16,0 0 0,0 1 0,0-1 16,0-21-16,-21 21 0,21 1 0,0-1 15,-21 0-15,21-20 0,0 20 0,0 0 16,-22-21-16,22 22 0,0-22 0,0 21 15,0-21-15,0 22 0,0-22 0,0 0 16,0 21-16,22-20 0,-1-1 16,0 0-16,-21 0 0,21-21 0,0 21 15,0-21-15,1 0 0,-1 0 0,21 0 16,-21 0-16,0 0 0,22 0 0,-22 0 16,21 0-16,-21 0 0,22-21 15,-22 21-15,0-21 0,21 21 0,-20-21 16,-1 21-16,21-21 0,-21 21 15,0-22-15,1 22 0,-22-21 0,21 21 16,0-21-16,-21 0 16,0 0-1,0 0 1,0-1-16,0 1 16</inkml:trace>
   <inkml:trace contextRef="#ctx0" brushRef="#br0" timeOffset="154287.59">17230 10097 0,'0'0'0,"-22"-22"0,22 1 0,0 0 15,-21 0-15,21 0 16,0 42 15,0 0-31,0 0 16,0 0-16,0 22 0,0-1 15,0 0-15,0 1 0,0-1 16,21 22-16,-21-22 0,0 21 0,22-20 16,-22 20-16,0-20 0,0-1 0,0 0 15,0 1-15,21-1 0,-21-21 0,0 21 16,21-20-16,-21-1 0,0 0 15,0 0-15,0-42 47,0 0-47,0 0 16,0-1-16,0 1 0,0 0 16,0 0-16,0 0 0,0 0 15,0-22-15,21 22 0,-21 0 0,21 0 16,0 0-16,1-1 0,20 1 0,-21 0 15,0 0-15,22 0 0,-22 21 0,21 0 16,0 0-16,-20 0 0,20 0 16,0 0-16,-21 21 0,22 0 0,-22-21 15,0 21-15,0 22 0,0-22 0,-21 0 16,0 0-16,0 0 0,0 0 0,0 22 16,-42-22-16,21 0 0,0 0 0,0 0 15,-22 1-15,22-1 0,-21 0 0,21 0 16,-22-21-16,22 21 15,0-21-15,0 0 0,0 21 0,-1-21 16,1 0-16,0 0 16,21-21-1,21 0 1,0 21 0,1-21-16,-1 0 0,0 21 15,0 0-15</inkml:trace>
   <inkml:trace contextRef="#ctx0" brushRef="#br0" timeOffset="154799.29">18330 10562 0,'0'0'0,"21"-63"15,-21 42-15,0-1 16,0 1-16,-21 0 0,0 21 15,0 0-15,0 0 0,0 0 16,-1 0-16,1 0 0,0 21 0,0 0 16,0 1-16,0-1 0,-22 0 0,22 21 15,0-21-15,0 22 0,0-22 16,-1 21-16,22-21 0,0 22 0,-21-22 16,21 0-16,0 0 0,0 0 15,0 1-15,0-1 0,0 0 0,21-21 16,1 0-16,-1 0 15,0 0-15,0 0 0,0 0 0,0-21 16,1 21-16,-1-21 0,0-1 16,0 1-16,0 0 0,0 21 0,1-42 15,-1 21-15,-21-1 0,0 1 0,21 0 16,-21 0-16,21-21 0,-21 20 0,0 1 16,0 0-16,0 0 0,0 0 15,0 42 1,0 0-1,0 0-15,0 0 0,0 1 16,0-1-16,-21 0 0,21 0 0,0 21 16,-21-20-16,21-1 0,0 0 0,0 0 15,0 0-15,0 0 16,0 1-16,0-1 0,21-21 16,0 0-16,0 0 0,0 0 15,1 0-15,-1 0 0,0 0 16</inkml:trace>
-  <inkml:trace contextRef="#ctx0" brushRef="#br0" timeOffset="155671.85">18838 10435 0,'0'0'0,"0"-21"16,0 0-16,-21 21 15,0 0-15,0 0 0,0 0 16,-1 21-16,1 0 0,21 0 15,-21 1-15,0-1 0,21 0 0,-21 0 16,21 21-16,0-20 0,-21-1 16,21 21-16,0-21 0,-22 0 0,22 1 15,0 20-15,0-21 0,0 0 0,0 0 16,0 1-16,0-1 0,22-21 16,-1 21-16,0-21 0,0 0 0,0 0 15,0 0-15,22 0 16,-22 0-16,0 0 0,0 0 15,0 0-15,1-21 0,-1 0 0,0 21 16,0-22-16,0 1 0,0 0 0,1 0 16,-1 0-16,0 0 0,0-22 0,0 22 15,-21-21-15,0 21 0,0-22 0,21 1 16,-21 0-16,22 20 0,-22-20 16,0 0-16,0-1 0,0 22 0,0-21 15,0 21-15,0 0 0,0-1 0,0 1 16,0 42 15,0 1-31,-22-1 0,22 21 0,0-21 16,-21 22-16,21-1 0,0 0 15,0 1-15,-21-1 0,0 0 0,21 1 16,-21-1-16,21-21 0,0 21 0,-21-20 16,21 20-16,-22-21 0,22 0 0,0 0 15,-21 1-15,21-1 0,0 0 16,0-42 15,21 0-15,-21-1-16,22 1 0,-1 0 0,-21 0 15,21 0-15,0 0 0,0-1 16,0 1-16,1 0 0,-22 0 0,21 0 16,0 0-16,0 21 0,0-22 15,0 22-15,-21 22 31,-21-1-15,0-21-16,0 21 0,0-21 16,0 21-16,-1-21 0,1 0 15,0 0-15,21 21 0,-21-21 16,0 0-16,21 21 16,0 1-1,0-1-15,0 0 16,21 0-16,-21 0 15,21-21-15,0 21 16,0-21-16,-21 22 16,22-22-16,-1 0 0,0 0 15,-21 21-15,21-21 0,0 0 16,0 0-16,1 0 16,-1 0-16,0 0 0,0 0 15,0-21-15,0 21 0</inkml:trace>
+  <inkml:trace contextRef="#ctx0" brushRef="#br0" timeOffset="155671.84">18838 10435 0,'0'0'0,"0"-21"16,0 0-16,-21 21 15,0 0-15,0 0 0,0 0 16,-1 21-16,1 0 0,21 0 15,-21 1-15,0-1 0,21 0 0,-21 0 16,21 21-16,0-20 0,-21-1 16,21 21-16,0-21 0,-22 0 0,22 1 15,0 20-15,0-21 0,0 0 0,0 0 16,0 1-16,0-1 0,22-21 16,-1 21-16,0-21 0,0 0 0,0 0 15,0 0-15,22 0 16,-22 0-16,0 0 0,0 0 15,0 0-15,1-21 0,-1 0 0,0 21 16,0-22-16,0 1 0,0 0 0,1 0 16,-1 0-16,0 0 0,0-22 0,0 22 15,-21-21-15,0 21 0,0-22 0,21 1 16,-21 0-16,22 20 0,-22-20 16,0 0-16,0-1 0,0 22 0,0-21 15,0 21-15,0 0 0,0-1 0,0 1 16,0 42 15,0 1-31,-22-1 0,22 21 0,0-21 16,-21 22-16,21-1 0,0 0 15,0 1-15,-21-1 0,0 0 0,21 1 16,-21-1-16,21-21 0,0 21 0,-21-20 16,21 20-16,-22-21 0,22 0 0,0 0 15,-21 1-15,21-1 0,0 0 16,0-42 15,21 0-15,-21-1-16,22 1 0,-1 0 0,-21 0 15,21 0-15,0 0 0,0-1 16,0 1-16,1 0 0,-22 0 0,21 0 16,0 0-16,0 21 0,0-22 15,0 22-15,-21 22 31,-21-1-15,0-21-16,0 21 0,0-21 16,0 21-16,-1-21 0,1 0 15,0 0-15,21 21 0,-21-21 16,0 0-16,21 21 16,0 1-1,0-1-15,0 0 16,21 0-16,-21 0 15,21-21-15,0 21 16,0-21-16,-21 22 16,22-22-16,-1 0 0,0 0 15,-21 21-15,21-21 0,0 0 16,0 0-16,1 0 16,-1 0-16,0 0 0,0 0 15,0-21-15,0 21 0</inkml:trace>
   <inkml:trace contextRef="#ctx0" brushRef="#br0" timeOffset="156703.78">19854 10393 0,'0'0'15,"0"-42"-15,0 20 16,0 1-16,21 21 15,1-21-15,-22 0 0,21 21 0,0-21 16,0 21-16,0-21 0,0-1 16,1 1-16,-22 0 15,21 0-15,-21 0 0,0 0 16,-21 21 0,-1 0-16,1 0 0,-21 0 15,21 0-15,-22 0 0,22 21 0,0 0 16,-21-21-16,21 21 0,-22 0 15,22 22-15,0-22 0,0 0 0,0 21 16,21-21-16,0 1 0,0-1 0,0 0 16,0 21-16,0-21 0,0 1 15,0-1-15,21 0 0,0-21 0,0 21 16,0-21-16,0 0 16,1 0-16,-1 0 0,0 0 15,0 0-15,0 0 0,0 0 16,-21-21-16,22 21 0,-22-21 0,-22 21 31,1 0-15,0 0-16,0 0 0,0 21 15,0-21-15,-1 21 0,1 0 0,0 0 16,0 1-16,0-1 0,0 0 0,-1 0 16,1 0-16,21 0 0,0 1 0,-21-1 15,21 0-15,0 0 0,0 0 16,0 0-16,0 1 15,21-22-15,0 21 0,1-21 16,-1 0-16,0 0 0,0 0 0,0 0 16,0 0-16,22 0 0,-22 0 0,0 0 15,21-21-15,-20 21 0,20-22 0,-21 1 16,0 21-16,0-21 0,1 0 0,-1 21 16,-21-21-16,21 0 0,-21-1 0,21 22 15,-21-21-15,0 0 0,0 0 16,0 0-16,0 42 47,-21-21-47,21 21 0,0 0 0,-21 0 15,21 1-15,-21-1 16,21 0-16,-22 0 16,22 0-16,0 0 0,0 1 15,-21-22 1,21-22 15,0 1-15,0 0-16,21 0 15,1 0-15,-1 0 0,0-1 16,-21 1-16,21 0 0,0 0 16,0 0-16,1 0 0,-1 21 0,0 0 0,-21-22 15,21 22-15,0 0 0,0 0 16,1 0-16,-22 22 0,21-1 15,-21 0-15,0 0 16,0 0-16,21 0 0,-21 1 0,0-1 16,0 0-16,0 0 0,0 0 15,0 0-15,0 1 16,0-1-16,-21-21 16,42 0 30,0-21-46,0 21 0,0-22 16</inkml:trace>
   <inkml:trace contextRef="#ctx0" brushRef="#br0" timeOffset="157323.44">20807 10710 0,'0'0'0,"0"-42"16,0 21-1,0 0-15,0 0 16,0-1-16,-21 22 0,-1-21 0,1 21 16,0-21-16,0 21 15,0 0-15,0 0 0,-1 0 16,1 0-16,0 21 0,0 0 0,0 1 16,0-1-16,-1 0 0,1 0 15,0 21-15,21-20 0,-21-1 16,21 0-16,-21 0 0,21 0 0,0 0 15,0 1-15,0-1 0,0 0 16,21 0-16,0-21 16,0 0-16,0 0 0,1 0 0,-1 0 15,0 0-15,0-21 0,0 21 0,0-21 16,1 0-16,-1-1 16,0 1-16,0 21 0,0-21 15,-21 0-15,21-21 0,1 20 0,-1 1 16,-21-21-16,21 21 0,0-22 0,-21 1 15,21 0-15,0-1 0,1 1 0,-22 0 16,21 21-16,-21-22 0,0 1 0,21 21 16,-21-22-16,0 22 0,0 0 15,0 0-15,0 0 0,-21 21 32,21 21-32,-21 0 15,-1 21-15,22-20 0,-21 20 0,21-21 16,-21 21-16,0 1 0,21-1 15,-21 0-15,21 1 0,0-1 16,-21 0-16,21 1 0,0-22 0,0 21 16,0-21-16,0 22 0,0-22 0,0 0 15,0 0-15,21 0 0,0 1 16,0-22-16,0 21 0,0-21 16,1 0-16,-1 0 0,0 0 15,0 0-15,0 0 16,0 0-16,-21-21 0,22 21 0,-1-22 15,-21 1-15,21 21 0</inkml:trace>
   <inkml:trace contextRef="#ctx0" brushRef="#br0" timeOffset="158191.62">22034 10139 0,'0'0'15,"0"-21"-15,0 0 0,0-1 0,0 1 16,-21 21 0,21 21-1,-21 1-15,0-1 0,0 0 0,21 21 16,-21 1-16,-1-1 0,1 0 0,0 22 15,0-22-15,-21 0 0,20 22 16,1-22-16,0 1 0,0-1 0,0 0 16,-22 1-16,22-1 0,21-21 15,-21 0-15,21 22 0,-21-22 0,21 0 16,21-21 15,-21-21-31,21 0 16,0-1-16,1 1 0,-1 0 0,0 0 15,0-21-15,0-1 0,0 1 0,1 0 16,-1-1-16,21 1 0,-21-22 0,0 22 16,1 0-16,-1-22 0,-21 22 15,21 21-15,-21-22 0,21 22 0,-21-21 16,0 21-16,0 42 16,0 0-1,0 0-15,0 22 0,0-22 16,0 21-16,0 0 0,0 22 15,0-22-15,0 1 0,0 20 0,0-21 16,0 1-16,21-1 0,-21 0 0,0 1 16,0-22-16,0 21 0,0-21 0,0 1 15,0-1-15,0 0 0,21 0 0,-21 0 16,0-42 31,-21 0-32</inkml:trace>
   <inkml:trace contextRef="#ctx0" brushRef="#br0" timeOffset="159252.53">21738 10753 0,'0'0'0,"0"-21"0,0-1 16,21 22-1,0 0-15,1 0 16,-1 0-16,21 0 0,0-21 15,-20 21-15,20-21 0,0 21 0,1-21 16,-1 21-16,0-21 0,-21 21 0,22-21 16,-22 21-16,21-22 0,-21 22 15,1-21-15,-1 21 0,0 0 0,-21-21 16,0 42 31,0 0-47,0 1 0,-21-1 0,21 0 15,0 0-15,-21 0 0,21 0 16,0 1-16,0-1 0,0 0 16,0 0-16,0 0 0,21-21 15,0 0 1,0 0-16,0 0 0,0 0 16,1 0-16,-1-21 15,0 21-15,0-21 0,0 0 16,0 0-16,1-1 0,-1 1 15,-21 0-15,21 0 0,-21 0 0,21 0 16,-21-1-16,0 1 0,0 0 0,0 0 16,0 0-16,0 0 0,0 42 47,-21-21-47,21 21 0,0 0 0,0 0 15,-21 0-15,21 22 0,-21-22 0,21 0 16,0 0-16,0 0 0,0 1 15,0-1-15,0 0 16,0 0-16,21 0 16,0-21-16,0 0 0,0 0 15,0 0-15,1 0 0,-1 0 0,0-21 16,0 21-16,21-21 0,-20 0 0,-1 0 16,0-1-16,0 1 0,-21 0 15,21 0-15,0-21 0,1 20 0,-1-20 16,-21 0-16,21-1 0,0 1 0,-21 21 15,0-21-15,21-1 0,-21 1 0,21 0 16,-21 20-16,0-20 0,0 21 16,0 0-16,22 0 0,-22-1 0,0 1 15,0 42 1,0 1-16,0-1 16,0 0-16,0 0 0,-22 21 0,22-20 15,0 20-15,-21 0 0,0 1 16,21-1-16,0 0 0,-21 1 0,0-1 15,21 0-15,-21-21 0,21 22 0,0-1 16,0-21-16,0 0 0,0 1 0,0-1 16,0 0-16,0 0 0,0 0 0,21-21 15,0 0-15,0 0 0,0 0 16,0 0-16,1 0 16,-1 0-16,0-21 0,0 0 0,0 0 15,0 21-15,1-21 0,-1-1 0,-21 1 16,21 0-16,0 0 0,-21 0 0,0 0 15,0-1-15,21 1 0,-21 0 0,21 21 16,-21-21-16,0 0 0,0 42 31,0 0-15,0 0-16,0 0 0,0 1 0,-21-1 16,21 0-16,0 0 15,0 0-15,0 0 0,0 1 16,21-22-1,1 0-15,-1 0 0,0 0 0,0 0 16,0 0-16,0 0 0,1 0 0,-1 0 16,0 0-16,-21-22 0,21 22 0,0-21 15,0 21-15,-21-21 0</inkml:trace>
   <inkml:trace contextRef="#ctx0" brushRef="#br0" timeOffset="159399.65">23580 10541 0,'0'0'16,"0"-21"-16,0 0 15,-22 0-15,1 21 0,21-22 0,-21 22 16,0 0-16,0 0 0,0 0 15,-1 0-15,1 0 0,0 0 0,0 0 16,0 0-16,0 22 0,-1-22 16,22 21-16,-21-21 15,0 0-15,21 21 0,-21-21 16,0 0 0</inkml:trace>
-  <inkml:trace contextRef="#ctx0" brushRef="#br0" timeOffset="159603.38">22839 10393 0,'21'0'16,"0"-21"-16,0 21 16,0 0-16,1 0 0,20-21 15,-21 21-15,21 0 0,-20-22 16,20 22-16,-21-21 0,21 21 0,-20 0 15,20 0-15,-21-21 0,0 21 0,0 0 16,1 0-16,-1 0 0,0 0 0,0 0 16,0 0-16</inkml:trace>
+  <inkml:trace contextRef="#ctx0" brushRef="#br0" timeOffset="159603.37">22839 10393 0,'21'0'16,"0"-21"-16,0 21 16,0 0-16,1 0 0,20-21 15,-21 21-15,21 0 0,-20-22 16,20 22-16,-21-21 0,21 21 0,-20 0 15,20 0-15,-21-21 0,0 21 0,0 0 16,1 0-16,-1 0 0,0 0 0,0 0 16,0 0-16</inkml:trace>
   <inkml:trace contextRef="#ctx0" brushRef="#br0" timeOffset="160391.54">23812 10456 0,'0'0'0,"-21"0"16,0 0-1,21 22-15,0-1 0,0 0 16,0 0-16,0 0 0,0 0 15,0 1-15,0-1 0,0 0 16,0 0-16,0 0 0,0 0 0,0 1 16,0-1-1,0 0 1,-21-21-16,0 0 16,21-21-1,0 0 1,0-1-16,0 1 15,0 0-15,0 0 0,0 0 16,0-22-16,0 22 0,21 0 0,-21 0 16,21 0-16,0 0 0,0-1 0,1 1 15,-1 21-15,0-21 0,0 21 16,0 0-16,0 0 0,1 0 16,-1 0-16,0 21 0,-21 0 15,21 1-15,-21-1 0,0 0 16,0 0-16,21 0 0,-21 0 0,0 1 15,0-1-15,0 0 0,0 0 0,0 0 16,0 0-16,0 1 16,-21-1-16,0-21 15,0 0 1,21-21 0,0-1-1,0 1 1,0 0-16,0 0 0,0 0 0,21 0 15,0-1-15,0-20 0,0 21 16,1 0-16,-1 0 0,0-1 0,0 1 16,0 21-16,0 0 0,1 0 15,-1 0-15,0 0 0,0 0 16,-21 21-16,21 1 0,-21-1 16,0 0-16,0 0 0,0 0 0,0 0 15,0 1-15,0-1 0,0 0 0,0 0 16,0 0-16,0 0 0,0 1 0,-21-22 15,21 21-15,-21-21 0,21 21 0,-21 0 32,21-42-1,21 21-31,0-21 16</inkml:trace>
   <inkml:trace contextRef="#ctx0" brushRef="#br0" timeOffset="160896.26">24596 10456 0,'0'0'0,"0"-42"16,0 21-16,-22 21 16,1 0-1,0 0-15,0 0 0,0 21 16,0 0-16,21 0 0,-22 1 0,1-1 15,21 0-15,0 0 0,-21 0 0,0 0 16,21 22-16,-21-22 0,21 0 0,0 0 16,0 0-16,0 1 15,0-1-15,0 0 0,21-21 16,0 0 0,0 0-16,0 0 15,1 0-15,-22-21 0,21 0 16,0-1-16,-21 1 0,21 0 15,-21 0-15,21 0 16,-21 0-16,21-1 0,-21-20 0,0 21 16,0 0-16,0 0 0,0-1 15,0 44 17,0-1-32,0 0 0,0 0 15,0 0-15,0 0 0,0 1 0,0-1 16,0 0-16,0 0 0,0 0 15,0 0-15,0 1 0,0-1 16,0 0 0,22-21-16,-1 0 15,0-21 1,0 0 0,0 21-16</inkml:trace>
   <inkml:trace contextRef="#ctx0" brushRef="#br0" timeOffset="162220.75">24934 10202 0,'0'0'0,"21"-21"0,-21 0 0,22 0 16,-22 0-16,21 0 0,-21-1 16,0 44-1,-21-1 1,21 0-16,-22 0 0,1 21 15,21-20-15,-21 20 0,0-21 0,21 21 16,-21 1-16,21-22 0,-21 21 0,21 1 16,-22-22-16,22 21 0,-21-21 15,21 22-15,0-22 0,0 0 0,0 0 16,0 0-16,0 0 0,0 1 0,0-1 16,21-21-16,1 0 15,-1 0-15,0 0 0,0 0 16,0 0-16,0 0 15,1-21-15,-1-1 0,0 1 16,-21 0-16,21 0 16,-21 0-16,21 0 0,0-1 15,-21 1-15,0 0 0,0 0 0,0 0 16,22 21-16,-22-21 0,0 42 31,0 0-15,-22-21-16,22 21 0,-21 0 0,21 0 15,0 1-15,0-1 0,-21 0 16,21 0-16,0 0 0,0 0 16,0 1-1,21-22-15,0 0 16,1 0-16,-1 0 0,0 0 16,0 0-16,0 0 0,0-22 15,1 22-15,-22-21 0,21 0 16,-21 0-16,21 21 0,0-21 15,-21 0-15,0-1 0,21 1 16,-21 0-16,0 42 31,0 0-15,0 1-16,-21-1 0,21 0 16,0 0-16,0 0 15,0 0-15,0 1 16,21-22 15,0 0-31,1 0 16,-1 0-1,-21-22-15,0 1 16,0 0-16,0 0 0,0 0 16,0 0-16,0-1 15,0 1-15,-21 21 0,-1 0 16,22-21-16,-21 21 0,21-21 31,21 21-15,1-21-1,-1 21-15,0 0 0,0 0 16,0 0-16,0 0 0,1 0 0,-1 0 16,0 0-16,0 21 15,0 0 1,-21 0-16,0 0 15,0 1-15,0-1 0,0 0 16,0 0-16,0 0 16,0 0-16,0 1 0,0-1 15,0 0 1,0-42 46,0 0-62,0-1 16,0 1-16,21 0 16,1 0-16,-22 0 0,21-22 0,0 22 15,0 0-15,0 0 0,0 0 0,1 0 16,-1-1-16,0 22 0,0-21 16,0 21-16,0-21 0,1 21 0,-1 0 15,0 0-15,-21 21 16,0 0-16,0 1 0,0-1 15,0 0-15,0 0 0,0 0 0,0 22 16,0-22-16,0 0 0,0 0 0,-21-21 16,21 21-16,-21 0 0,-1 1 0,22-1 15,0 0-15,-21 0 16,0 0-16,21-42 62,0 0-62,0 0 0,0 0 16,0-1 0</inkml:trace>
   <inkml:trace contextRef="#ctx0" brushRef="#br0" timeOffset="162431.63">25696 10224 0,'0'0'15,"-21"0"-15,0 0 0,0 0 0,0 0 16,-1 0 0,1 0 46,0 0-46</inkml:trace>
   <inkml:trace contextRef="#ctx0" brushRef="#br0" timeOffset="162639.51">24807 10414 0,'0'0'0,"-21"0"0,42 0 47,0-21-47,1 21 16,-1 0-16,0-21 0,0 21 0,0 0 15,0 0-15,1-21 0,-1 21 0,0 0 16,0 0-16,0-22 0,0 22 0</inkml:trace>
   <inkml:trace contextRef="#ctx0" brushRef="#br0" timeOffset="163312.31">26035 9906 0,'-21'0'0,"42"0"32,0 0-32,0 0 0,0 0 15,1-21-15,-1 21 0,0 0 16,0 0-16,0 0 0,0 0 0,1 0 16,-1 0-16,0 0 0,0 0 0,0 0 15,0 0-15,1 0 0,-1 0 16,0 0-1,-21 21-15,0 0 16,0 0-16,0 1 0,0-1 16,0 0-16,0 0 0,-21 0 15,21 0-15,-21 1 0,21 20 16,0-21-16,0 0 0,0 22 0,-22-22 16,22 21-16,-21-21 0,21 22 15,0-22-15,0 21 0,-21 0 0,21 1 16,0-22-16,0 21 0,-21 1 0,21-22 15,0 21-15,0-21 0,0 22 0,0-22 16,0 21-16,0-21 0,0 0 16,0 1-16,0 20 0,0-21 0,0 0 15,0 0-15,0 1 0,0-1 0,0 0 16,0 0-16,0 0 0,0 0 0,0 1 16,0-1-16,0 0 0,-21 0 15,0-21 1,21 21-16,-22-21 0,1 0 0,0 0 15,21 21-15,-21-21 0,0 0 16,0 0-16,-1 0 0,1 0 0,0 22 16,0-22-16,0 0 0,0 0 0,-1 0 15,1 0-15,0 0 0,0 0 0,0 0 16,0 0 0,-1 0-1,22-22 1,-21 22-16</inkml:trace>
-  <inkml:trace contextRef="#ctx0" brushRef="#br0" timeOffset="164067.82">23453 10499 0,'21'0'16,"0"0"-16,0 0 16,-21 21-1,21 0-15,-21 0 16,0 0-16,21 1 0,-21-1 16,0 0-1,0 0-15,-21-21 16,0 21-16,0-21 15</inkml:trace>
+  <inkml:trace contextRef="#ctx0" brushRef="#br0" timeOffset="164067.81">23453 10499 0,'21'0'16,"0"0"-16,0 0 16,-21 21-1,21 0-15,-21 0 16,0 0-16,21 1 0,-21-1 16,0 0-1,0 0-15,-21-21 16,0 21-16,0-21 15</inkml:trace>
   <inkml:trace contextRef="#ctx0" brushRef="#br0" timeOffset="171512.01">18097 11599 0,'0'0'0,"0"-21"16,0 0-16,0 0 15,0 0-15,0 0 0,22-1 16,-22 1-16,0 0 16,0 0-16,0 0 0,0 0 15,0 42 32,0 0-31,0 0-16,0 0 0,0 22 0,0-22 15,0 0-15,0 21 0,0-21 0,0 22 16,0-22-16,0 21 0,0-21 0,0 1 16,0 20-16,0-21 0,0 0 15,0 22-15,0-22 0,0 0 0,0 0 16,0 0-16,0 0 0,0 1 15,0-44 32,0 1-31,0 0-16</inkml:trace>
   <inkml:trace contextRef="#ctx0" brushRef="#br0" timeOffset="171868.02">18542 11726 0,'0'22'16,"0"-1"-1,0 0-15,0 0 16,21-21-16,0 0 15,0 0 1,1 0 0,-1 0-16,-21-21 15,0 0-15,0 0 16,0-1 0,-21 22-1,-1 0-15,1 0 0,0 0 16,0 0-16,0 0 15,0 0-15,21 22 16,21-22 0,0 0-16,0 0 15,21 0-15</inkml:trace>
   <inkml:trace contextRef="#ctx0" brushRef="#br0" timeOffset="172359.74">19516 11176 0,'0'0'15,"0"-21"-15,0 42 31,0 0-31,0 0 0,-22 1 0,22-1 16,-21 21-16,21-21 16,-21 22-16,21-1 0,0 0 0,0 1 15,-21-1-15,21 0 0,0 1 0,-21-1 16,21 0-16,0-21 0,0 22 0,0-1 16,0-21-16,0 22 0,0-22 0,0 0 15,0 0-15,0 0 0,0 0 16,0-42 15,0 0-15,0 0-16,0 0 0,0 0 15</inkml:trace>
@@ -607,7 +653,7 @@
   <inkml:trace contextRef="#ctx0" brushRef="#br0" timeOffset="-208412.7">9737 13843 0,'0'21'32,"21"-21"-1,0 0-15,0 0-1,-21-21 1,0 0 15,0 0-31,-21 21 16,0 0-1,0 0 1,21 21-16,0 0 16,0 0-1,21-21 16,0 0-15,0 0-16</inkml:trace>
   <inkml:trace contextRef="#ctx0" brushRef="#br0" timeOffset="-203523.59">10626 13504 0,'0'-21'15,"0"0"-15,0 0 16,0 0-16,0 0 0,0-1 15,0 1-15,0 0 0,0 0 16,0 0-16,0 0 16,0-1-16,0 1 0,0 0 0,0 0 15,-22 21 17,22 21-32,-21 0 0,21 0 15,0 1-15,0-1 0,0 21 16,0 0-16,0 1 0,0-1 0,0 22 15,0-22-15,0 21 0,0 1 0,0-1 16,0-20-16,-21 20 0,21 1 16,-21-22-16,21 22 0,-21-22 0,21 0 15,0 1-15,0-22 0,0 21 16,0-21-16,-21 0 0,21 1 0,0-1 16,0-42 15,0-1-31,0 1 15,0 0-15,0 0 0,0 0 16,0 0-16,0-22 0,0 1 0,0 21 16</inkml:trace>
   <inkml:trace contextRef="#ctx0" brushRef="#br0" timeOffset="-203160.31">10350 13399 0,'-21'-22'0,"42"44"0,-63-65 15,21 22-15,0 0 0,21 0 0,0 0 16,0-1-16,0 1 0,0-21 16,0 21-16,0 0 0,21-1 15,0 1-15,21 0 0,-20-21 0,20 21 16,0-1-16,1 1 0,-1 21 0,0 0 16,1 0-16,-1 0 0,0 0 15,1 21-15,-1 1 0,-21 20 0,0-21 16,0 21-16,1 1 0,-22-1 15,0 0-15,0 1 0,0 20 0,-22-20 16,1-1-16,0 0 0,-21 22 16,21-22-16,-1 0 0,-20 1 15,21-22-15,0 21 0,0-21 0,-1 1 16,1-1-16,0 0 0,21 0 0,0 0 16,0 0-16,0 1 31,21-44 0,0 1-31</inkml:trace>
-  <inkml:trace contextRef="#ctx0" brushRef="#br0" timeOffset="-201565.24">10816 14012 0,'0'22'0,"42"-1"15,-20-21 1,-1 0-16,0 0 0,0 0 0,0 0 16,0-21-16,1 21 0,-1-22 0,0 1 15,0 0-15,0 21 0,0-21 16,-21 0-16,0 0 0,22-1 0,-22-20 16,0 21-16,0 0 0,0 0 15,0-1-15,0 1 0,0 0 0,0 0 16,-22 21-1,1 0-15,0 0 0,0 21 16,21 0-16,-21 0 0,0 1 16,-1-1-16,22 0 0,-21 21 0,0-21 15,21 1-15,-21 20 0,21-21 0,0 0 16,-21 22-16,21-22 0,0 0 16,0 21-16,0-21 0,0 1 0,0-1 15,0 0-15,21 0 0,-21 0 16,42-21-16,-21 0 0,1 0 0,20 0 15,0 0-15,-21 0 16,22 0-16,-1-21 0,0 0 0,1 0 16,-1 0-16,0-1 0,-20 1 0,20 0 15,-21 0-15,0 0 0,0 0 16,1-1-16,-22 1 0,0 0 0,0 0 16,0 0-16,0 0 0,0-1 15,-22 22-15,1 0 16,0 0-16,0 0 0,0 22 15,21-1 1,0 0-16,0 0 0,0 0 16,21 0-16,0-21 15,-21 22-15,21-1 0,0-21 16,1 21-16,-1 0 0,-21 0 16,21-21-16,-21 21 0,0 1 15,21-22-15,-21 21 0,21-21 0,-21 21 16,21-21-16,1 0 15,-22 21-15,21-21 0,0 0 16,0 0-16,0 0 0,0-21 16,1 21-16,20-21 0,-21 0 0,0 21 15,22-22-15,-22 1 0,0 0 0,21-21 16,-21 21-16,1-1 0,20-20 16,-21 0-16,0-1 0,0 1 0,1 0 15,-1-1-15,-21-20 0,21 21 16,-21-1-16,21-20 0,-21 20 15,21 1-15,-21 0 0,0-1 0,0 22 16,0 0-16,0 0 0,0 0 0,0 0 16,-21 21-16,0 0 15,0 0-15,0 21 16,-1 0-16,1 0 0,21 21 0,-21 1 16,21-1-16,-21 0 0,21 22 0,0-22 15,-21 22-15,21-1 16,-21 1-16,21-22 0,0 22 0,0-1 0,-22-21 15,22 22-15,-21-1 0,21 1 0,-21-1 16,21 1-16,0 21 16,0-22-16,-21 22 0,21-22 0,0 22 15,-21-22-15,21 1 0,0-1 0,0 1 16,0-22-16,0 22 0,0-22 0,0 0 16,0 1-16,0-22 0,21 0 15,0 0-15,0 0 0,-21 1 0,21-22 16,1 0-16,-1 0 0,0 0 0,0 0 15,0-22-15,0 1 0,22 0 0,-22 0 16,0 0-16,0-22 16,0 22-16,1-21 0,-1 21 0,0-22 15,-21 22-15,21-21 0,-21 21 0,0-22 0,0 1 16,0 0-16,-21 21 0,0-22 16,0 1-16,-1 0 0,-20-1 15,21 1-15,-21 0 0,-1 20 0,22-20 16,-21 21-16,21 0 0,-22 0 0,22 21 15,0-22-15,0 1 0,0 21 0,-1-21 16,22 0 0,22 0-16,-1 21 15,0-21-15,0 21 0,21-22 0,1 1 16,-1 0-16,0 0 0,1 0 16,-1 0-16,0-1 0,1 1 0,-1 0 15,-21 0-15,22-21 0,-22 20 16,0 1-16,0 0 0,0 0 0,0-21 15,-21 20-15,0 1 16,0 0-16,-21 42 31,21 0-15,-21 1-16,21-1 0,0 0 0,0 21 16,0-21-16,0 1 0,0-1 0,0 0 15,0 0-15,0 0 0,0 0 0,0 1 16,0-1-16,21 0 15,0-21-15,-21 21 0,22-21 0,-1 0 16,0 0-16,0 0 0,0 0 16,0 0-16,1 0 0,-1-21 0,0 21 15,0-21-15,0 0 0,0-1 16,-21 1-16,0 0 0,0-21 16,0 21-16,0-1 0,0 1 0,0 0 15,0-21-15,-21 21 0,0-1 0,21 1 16,-21 21-16,0-21 0,0 21 15,-1 0-15,1 0 0,0 0 16,0 0-16,0 0 0,0 21 16,-1 0-1,22 1-15,0-1 16,0 0-16,22-21 16,-1 0-16,0 0 0,0 0 15,0 0-15,0 0 0,1 0 16,-1 0-16,0 0 0</inkml:trace>
+  <inkml:trace contextRef="#ctx0" brushRef="#br0" timeOffset="-201565.25">10816 14012 0,'0'22'0,"42"-1"15,-20-21 1,-1 0-16,0 0 0,0 0 0,0 0 16,0-21-16,1 21 0,-1-22 0,0 1 15,0 0-15,0 21 0,0-21 16,-21 0-16,0 0 0,22-1 0,-22-20 16,0 21-16,0 0 0,0 0 15,0-1-15,0 1 0,0 0 0,0 0 16,-22 21-1,1 0-15,0 0 0,0 21 16,21 0-16,-21 0 0,0 1 16,-1-1-16,22 0 0,-21 21 0,0-21 15,21 1-15,-21 20 0,21-21 0,0 0 16,-21 22-16,21-22 0,0 0 16,0 21-16,0-21 0,0 1 0,0-1 15,0 0-15,21 0 0,-21 0 16,42-21-16,-21 0 0,1 0 0,20 0 15,0 0-15,-21 0 16,22 0-16,-1-21 0,0 0 0,1 0 16,-1 0-16,0-1 0,-20 1 0,20 0 15,-21 0-15,0 0 0,0 0 16,1-1-16,-22 1 0,0 0 0,0 0 16,0 0-16,0 0 0,0-1 15,-22 22-15,1 0 16,0 0-16,0 0 0,0 22 15,21-1 1,0 0-16,0 0 0,0 0 16,21 0-16,0-21 15,-21 22-15,21-1 0,0-21 16,1 21-16,-1 0 0,-21 0 16,21-21-16,-21 21 0,0 1 15,21-22-15,-21 21 0,21-21 0,-21 21 16,21-21-16,1 0 15,-22 21-15,21-21 0,0 0 16,0 0-16,0 0 0,0-21 16,1 21-16,20-21 0,-21 0 0,0 21 15,22-22-15,-22 1 0,0 0 0,21-21 16,-21 21-16,1-1 0,20-20 16,-21 0-16,0-1 0,0 1 0,1 0 15,-1-1-15,-21-20 0,21 21 16,-21-1-16,21-20 0,-21 20 15,21 1-15,-21 0 0,0-1 0,0 22 16,0 0-16,0 0 0,0 0 0,0 0 16,-21 21-16,0 0 15,0 0-15,0 21 16,-1 0-16,1 0 0,21 21 0,-21 1 16,21-1-16,-21 0 0,21 22 0,0-22 15,-21 22-15,21-1 16,-21 1-16,21-22 0,0 22 0,0-1 0,-22-21 15,22 22-15,-21-1 0,21 1 0,-21-1 16,21 1-16,0 21 16,0-22-16,-21 22 0,21-22 0,0 22 15,-21-22-15,21 1 0,0-1 0,0 1 16,0-22-16,0 22 0,0-22 0,0 0 16,0 1-16,0-22 0,21 0 15,0 0-15,0 0 0,-21 1 0,21-22 16,1 0-16,-1 0 0,0 0 0,0 0 15,0-22-15,0 1 0,22 0 0,-22 0 16,0 0-16,0-22 16,0 22-16,1-21 0,-1 21 0,0-22 15,-21 22-15,21-21 0,-21 21 0,0-22 0,0 1 16,0 0-16,-21 21 0,0-22 16,0 1-16,-1 0 0,-20-1 15,21 1-15,-21 0 0,-1 20 0,22-20 16,-21 21-16,21 0 0,-22 0 0,22 21 15,0-22-15,0 1 0,0 21 0,-1-21 16,22 0 0,22 0-16,-1 21 15,0-21-15,0 21 0,21-22 0,1 1 16,-1 0-16,0 0 0,1 0 16,-1 0-16,0-1 0,1 1 0,-1 0 15,-21 0-15,22-21 0,-22 20 16,0 1-16,0 0 0,0 0 0,0-21 15,-21 20-15,0 1 16,0 0-16,-21 42 31,21 0-15,-21 1-16,21-1 0,0 0 0,0 21 16,0-21-16,0 1 0,0-1 0,0 0 15,0 0-15,0 0 0,0 0 0,0 1 16,0-1-16,21 0 15,0-21-15,-21 21 0,22-21 0,-1 0 16,0 0-16,0 0 0,0 0 16,0 0-16,1 0 0,-1-21 0,0 21 15,0-21-15,0 0 0,0-1 16,-21 1-16,0 0 0,0-21 16,0 21-16,0-1 0,0 1 0,0 0 15,0-21-15,-21 21 0,0-1 0,21 1 16,-21 21-16,0-21 0,0 21 15,-1 0-15,1 0 0,0 0 16,0 0-16,0 0 0,0 21 16,-1 0-1,22 1-15,0-1 16,0 0-16,22-21 16,-1 0-16,0 0 0,0 0 15,0 0-15,0 0 0,1 0 16,-1 0-16,0 0 0</inkml:trace>
   <inkml:trace contextRef="#ctx0" brushRef="#br0" timeOffset="-201165.44">12848 13885 0,'0'-21'16,"0"0"-16,0 0 16,0 0-1,21 0-15,0 21 16,1 0-16,-1 0 15,0 0-15,0 0 16,0 0-16,-21 21 0,21 0 16,-21 0-16,22 0 0,-22 0 0,0 1 15,0-1-15,21 0 0,-21 0 0,0 0 16,0 0-16,0 1 0,0-1 16,0 0-16,0 0 0,0 0 15,0 0-15,-21-21 47,21-21-47,0 0 0,0 0 0,0 0 16,0 0-16,0-1 0,0 1 0,0 0 15,0 0-15,0-21 0,0 20 0,0 1 16,0 0-16,0-21 0,0 21 16,21-1-16,0 1 0,0 0 15,0 21-15,0 0 0,1 0 16,-1 0-16,0 0 15,0 0-15,0 0 16</inkml:trace>
   <inkml:trace contextRef="#ctx0" brushRef="#br0" timeOffset="-200443.85">13462 13758 0,'-21'0'46,"0"22"-30,21-1-16,0 0 16,0 0-16,0 0 15,0 0-15,0 1 0,0-1 0,-22 0 16,22 0-16,0 0 0,0 0 0,0 1 16,0-1-16,0 0 0,0 0 15,-21-42 32,21 0-31,0 0-16,0-1 15,0 1-15,0 0 0,0 0 0,0 0 16,0 0-16,0-22 0,21 22 0,-21 0 16,22 0-16,-1 0 0,-21-1 15,21 1-15,0 0 0,0 21 0,0 0 16,1 0-16,-1 0 15,0 0-15,0 21 0,-21 0 0,21-21 0,0 22 16,-21-1-16,0 21 16,0-21-16,0 0 0,22 1 0,-22-1 15,0 0-15,0 0 0,0 0 0,0 0 16,0 1-16,0-1 0,0 0 16,-22-21-1,22-21 16,0 0-31,0-1 16,0 1-16,0 0 16,0 0-16,22 0 0,-1 0 0,-21-1 0,0 1 15,21-21-15,0 21 0,0 0 16,0-1-16,-21 1 0,22 21 16,-1 0-16,0-21 0,0 21 15,0 0-15,-21 21 0,21 0 0,1-21 16,-22 22-16,0-1 0,0 0 0,21 0 15,-21 0-15,0 0 0,21 1 16,-21-1-16,0 0 0,0 0 0,0 0 16,0 0-16,0 1 15,0-1-15,-21-21 16,21 21 0,0-42 15</inkml:trace>
   <inkml:trace contextRef="#ctx0" brushRef="#br0" timeOffset="-198928.19">14309 13843 0,'0'0'16,"0"-21"-16,0-21 15,0 20-15,0 1 0,0 0 16,-22 21-16,1 0 15,0 0-15,0 0 16,0 0-16,0 21 0,-1 0 16,1 1-16,21-1 0,-21 21 0,21-21 15,0 0-15,-21 1 0,21-1 16,0 0-16,0 0 0,0 0 0,0 0 16,0 1-16,0-1 0,0 0 15,21-21 1,0 0-16,0 0 15,1 0-15,-1-21 0,0 0 16,-21-1-16,21 1 16,0 0-16,-21 0 0,21 0 15,-21 0-15,0-22 0,0 22 16,0 0-16,0 0 0,0 0 0,22 21 16,-22-22-16,0 1 0,0 42 31,0 1-31,0-1 0,0 0 15,-22 0-15,22 0 0,0 0 0,0 1 16,0-1-16,0 0 0,0 0 16,0 0-16,0 0 0,0 1 15,22-22-15,-1 0 0,0 0 16,0 0-16,0 0 0,0 0 16,1 0-16,-1 0 0,0 0 15,0-22-15,0 1 0,-21 0 16,21 21-16,-21-21 0,0 0 15,0 0-15,0-1 0,22 1 0,-22 0 16,0 0-16,0 0 0,0 0 0,0-1 16,0 1-1,0 42 1,0 1-16,0-1 0,0 0 16,-22 0-16,22 0 0,0 0 15,0 1-15,0-1 0,-21 0 16,21 0-16,0 0 0,-21 0 15,21 1 1,0-44 15,21 22-15,-21-21-16,21 21 0,-21-21 0,0 0 16,0 0-16,22 0 0,-1-1 15,-21 1-15,0 0 0,0 0 16,21 21-16,0 0 15,-21 21 1,0 0-16,21 0 16,-21 1-16,21-1 15,-21 0-15,22 0 16,-1-21-16,0 21 0,0 0 16,0-21-16,0 0 0,1 0 15,-1 0-15,0 0 0,0 0 16,0 0-16,-21-21 15,21 21-15,-21-21 0,0 0 0,22 21 16,-1-21-16,0 0 0,-21-1 0,21 1 16,0 0-16,-21 0 0,21 0 15,1 0-15,-22-1 0,21 22 16,0-21-16,-21 42 47,0 1-47,0-1 15,21-21-15,-21 21 16,21-21 0,0-21 15,-21 0-31,0-1 16,0 1-16,0 0 15,0 0 1,-21 21-1,0 0-15,0 21 16,0 0 0,0 0-16,21 1 0,-22-1 15,22 0-15,0 0 0,-21 0 0,21 0 16,0 1-16,-21-22 0,21 21 0,0 0 16,0 0-16,0 0 15,21-21-15,-21 21 0,21-21 16,1 0-16,-1 0 0,0 0 15,0 0-15,0 0 0,0 0 0,1 0 16,-1 0-16,0-21 0,0 21 16,0-21-16,0 0 15,1 0-15,-1 21 0,0-21 0,0-1 0,-21 1 16,21 0-16,-21 0 0,21 0 16,-21 0-16,0-1 0,0 1 15,0 0-15,0 42 31,-21 0-31,0-21 0,21 22 16,-21-1-16,21 0 0,0 0 16,0 0-16,-21 0 0,21 1 0,0-1 15,0 0-15,0 0 0,0 0 16,21 0-16,0-21 16,0 0-1,0 0-15,1 0 0,-1 0 16,0 0-16,0 0 0,0-21 15,0 0-15</inkml:trace>
@@ -634,14 +680,14 @@
   <inkml:trace contextRef="#ctx0" brushRef="#br0" timeOffset="-189249.1">25527 13526 0,'0'0'0,"0"-43"16,-21 64 15,0 1-31,-1-1 0,22 21 16,-21-21-16,0 22 0,21-1 0,0 0 15,-21 1-15,21-1 0,-21 0 16,0-21-16,21 22 0,0-1 0,-22 0 16,22-20-16,-21 20 0,21-21 0,0 21 15,-21-20-15,0-1 0,0 0 16,21 0-16,-21 0 0,21 0 0,-22 1 16,1-22-16,0 0 15,21-22 1,0 1-16,0 0 15,0 0-15,0 0 16,0 0-16,21-1 0,-21 1 0,21 0 16,-21 0-16,22 0 0,-22 0 0,21 21 15,-21-22-15,21 22 16,-21 22 0,0-1-16,21 0 15,-21 0-15,0 0 0,0 0 0,21-21 16,-21 22-16,0-1 0,0 0 15,21-21-15,-21 21 0,22-21 0,-22 21 16,21-21-16,0 0 0,0 0 16,0 0-16,0 0 15,1 0-15,-1 0 0,0 0 16,-21-21-16,21 21 0,-21-21 16,21 0-16,-21 0 0,21-1 15,-21 1-15,22 0 0,-22 0 0,0 0 16,0 0-1,0 42 17,-22 0-32,1 0 15,21 0-15,-21 0 16,21 1-16,0-1 0,0 0 16,0 0-16,21-21 0,0 0 15,1 0-15,-1 21 0,0-21 16,0 0-16,0 0 15,0 0-15,1 0 0,-1-21 16,-21 0-16,21 21 0,-21-21 0,0 0 16,0-1-16,0 1 0,0 0 15,0 0-15,0 0 16,0 0-16,0-1 0,0 1 16,0 0-16,-21 21 0,0 0 0,-1 0 15,1 0-15,0 0 16,0 0-16,0 21 15,0 0-15,21 1 16,0-1-16,0 0 0,0 0 16,0 0-16,0 0 15,21-21-15</inkml:trace>
   <inkml:trace contextRef="#ctx0" brushRef="#br0" timeOffset="-188316.8">25993 14118 0,'0'-42'16,"0"21"-16,0 0 15,-22 21 17,1 0-32,21 21 0,-21 0 15,0 0-15,0-21 0,21 21 16,0 0-16,0 1 0,-21-22 0,21 21 15,0 0-15,0 0 0,0 0 16,21-21 15,0 0-15,0 0-16,0-21 0,0 0 16,1 21-1,-22-21-15,0 0 0,21 21 0,0-22 16,-21 1-16,21 21 0,-21-21 15,0 42 17,0 0-32,-21-21 15,21 22-15,0-1 0,0 0 16,0 0-16,0 0 16,21-21-16,0 0 0,0 0 15,1 21-15,-1-21 0,0 0 16,0 0-16,0 0 0,0 0 15,1 0-15,-22-21 0,21 0 16,-21 0 0,21 0-16,-21 0 15,0-1-15,0 1 0,0 0 16,0 0-16,-21 21 16,0 0-1,-1 0-15,1 0 16,0 0-16,21 21 0,-21 0 0,0-21 15,21 21-15,0 1 0,-21-1 16,21 0-16,0 0 0,0 0 16,0 0-1,0 1-15,21-22 16,0 0-16,0 0 16,0 0-16,0 0 15,-21-22-15,22 22 0,-22-21 0,21 0 16,-21 0-16,21 0 15,-21 0-15,0-1 0,0 1 0,21 0 16,-21-21-16,0 21 0,21-22 0,-21 1 16,0 21-16,0-22 0,0 1 15,21 0-15,-21 21 0,0-1 0,0 1 16,0 0-16,0 42 16,0 0-1,0 22-15,-21-22 16,21 0-16,0 21 0,0-20 0,-21 20 15,21-21-15,0 21 0,0-20 0,0 20 16,0-21-16,0 21 0,0-20 0,0-1 16,0 0-16,0 0 0,0 0 15,0 0-15,21 1 0,0-22 16,1 0 0,-1 0-1,0-22-15,0 1 16,-21 0-16</inkml:trace>
   <inkml:trace contextRef="#ctx0" brushRef="#br0" timeOffset="-187776.27">26501 13441 0,'0'0'0,"-22"-21"16,44 0 15,-1 21-31,0 0 16,0 0-16,0 0 0,22-22 15,-22 22-15,21 0 0,-21 0 0,0-21 16,1 21-16,20 0 0,-21 0 16,0 0-16,-21 21 31,0 1-16,-21-1-15,21 0 0,-21 21 0,21-21 16,0 22-16,0-1 0,0 0 0,-21 1 16,21-1-16,0 0 0,-21 1 15,21-1-15,0 0 0,0 1 0,0-1 16,0 0-16,0-20 0,0 20 0,-22 0 16,22-21-16,-21 22 0,21-22 15,-21 21-15,21-21 0,0 22 16,0-22-16,-21 0 0,0 21 0,21-20 15,-21-1-15,21 0 0,0 0 0,-22 0 16,22 0-16,-21 1 0,21-1 0,0 0 16,-21-21-16,0 21 0,0-21 15,21 21-15,-21-21 0,21 21 16,-22-21-16,1 22 0,0-22 16,0 0-1,0 0 16,0 0-15</inkml:trace>
-  <inkml:trace contextRef="#ctx0" brushRef="#br0" timeOffset="-174076.71">8911 15388 0,'0'0'0,"-21"0"15,0 0 16,0 0-31,-1 0 16,44 0 31,-1 0-47,0 0 0,0 0 16,0 0-16,22-21 0,-22 21 15,0 0-15,21 0 0,-21 0 0,22 0 16,-22 0-16,0 0 0,21-21 0,-20 21 15,-1 0-15,0 0 0,0 0 0,0-21 16,0 21 0,-42 0 15,0 0-31,0 0 16,0 0-16,0 0 0,-1 0 15,1 0-15,0 0 0,0 0 0,0 0 16,0 0-16,-1 0 0,-20 0 0,21 0 15,0 0-15,0 0 0,-1 0 16,1 0-16,0 0 0,0 0 16,0 21-16,0-21 15,21 21 1,-22-21 0,22 21-16,-21 0 0,21 1 15,0-1-15,0 0 16,-21 0-16,21 0 15,-21 0-15,21 1 0,0-1 16,0 0-16,0 0 0,0 0 16,-21 0-16,21 1 15,-21-1 1,21 0-16,0-42 62,21 21-62,-21-21 0,21 21 16,-21-22-16,21 22 16,0 0-16,-21-21 0,21 21 0,1 0 15,-22-21-15,21 21 0,0 0 0,0 0 16,0-21-16,0 21 16,1 0-16,-1 0 0,0 0 15,0 0-15,0 0 0,0 21 16,1-21-16,-1 21 0,-21 0 0,21-21 15,0 22-15,0-1 16,-21 0-16,21 0 0,-21 0 16,0 0-16,0 1 0,0-1 0,0 0 15,0 0-15,0 0 0,-21 0 0,0 1 16,0-1-16,0 0 0,0 0 16,-22 0-16,22 0 0,-21-21 0,21 22 15,-22-1-15,22-21 0,-21 0 0,21 0 16,-22 0-16,22 0 0,0 0 0,-21 0 15,20 0-15,1 0 0,0 0 16,0 0-16,21-21 16,0-1-16,0 1 15,0 0 1,21 0-16,0 21 16,0 0-16,-21-21 0,22 21 0,-1 0 15,21-21-15,-21 21 0,0 0 0</inkml:trace>
+  <inkml:trace contextRef="#ctx0" brushRef="#br0" timeOffset="-174076.72">8911 15388 0,'0'0'0,"-21"0"15,0 0 16,0 0-31,-1 0 16,44 0 31,-1 0-47,0 0 0,0 0 16,0 0-16,22-21 0,-22 21 15,0 0-15,21 0 0,-21 0 0,22 0 16,-22 0-16,0 0 0,21-21 0,-20 21 15,-1 0-15,0 0 0,0 0 0,0-21 16,0 21 0,-42 0 15,0 0-31,0 0 16,0 0-16,0 0 0,-1 0 15,1 0-15,0 0 0,0 0 0,0 0 16,0 0-16,-1 0 0,-20 0 0,21 0 15,0 0-15,0 0 0,-1 0 16,1 0-16,0 0 0,0 0 16,0 21-16,0-21 15,21 21 1,-22-21 0,22 21-16,-21 0 0,21 1 15,0-1-15,0 0 16,-21 0-16,21 0 15,-21 0-15,21 1 0,0-1 16,0 0-16,0 0 0,0 0 16,-21 0-16,21 1 15,-21-1 1,21 0-16,0-42 62,21 21-62,-21-21 0,21 21 16,-21-22-16,21 22 16,0 0-16,-21-21 0,21 21 0,1 0 15,-22-21-15,21 21 0,0 0 0,0 0 16,0-21-16,0 21 16,1 0-16,-1 0 0,0 0 15,0 0-15,0 0 0,0 21 16,1-21-16,-1 21 0,-21 0 0,21-21 15,0 22-15,0-1 16,-21 0-16,21 0 0,-21 0 16,0 0-16,0 1 0,0-1 0,0 0 15,0 0-15,0 0 0,-21 0 0,0 1 16,0-1-16,0 0 0,0 0 16,-22 0-16,22 0 0,-21-21 0,21 22 15,-22-1-15,22-21 0,-21 0 0,21 0 16,-22 0-16,22 0 0,0 0 0,-21 0 15,20 0-15,1 0 0,0 0 16,0 0-16,21-21 16,0-1-16,0 1 15,0 0 1,21 0-16,0 21 16,0 0-16,-21-21 0,22 21 0,-1 0 15,21-21-15,-21 21 0,0 0 0</inkml:trace>
   <inkml:trace contextRef="#ctx0" brushRef="#br0" timeOffset="-173701.41">9567 15854 0,'0'0'0,"-21"21"16,21 0-1,21-21 17,0 0-32,1 0 0,-22-21 15,21 21-15,-21-21 16,21 21-16,-21-21 15,-21 21 32,0 0-31,21-21 15,21 21-31,0 0 0</inkml:trace>
   <inkml:trace contextRef="#ctx0" brushRef="#br0" timeOffset="-162320.92">10731 15473 0,'0'0'0,"0"-21"0,0 0 16,0-1 0,0 1-16,0 0 0,0 0 15,22 0-15,-22 0 0,0-1 0,21 1 16,-21 0-16,0 0 0,0 0 15,0 0-15,0-1 0,0 1 0,0 0 16,0 42 15,-21 0-15,21 22-16,-22-22 0,1 0 16,21 21-16,0 1 0,-21-22 15,0 21-15,0 1 0,21-1 0,0 0 16,-21 1-16,-1-22 0,1 21 0,21 0 15,0 1-15,-21-1 0,21 0 16,-21-20-16,21 20 0,0 0 0,0 1 16,0-22-16,0 21 0,0-21 0,0 22 15,0-22-15,0 0 0,21 0 16,0-21-16,0 21 0,1 0 16,-1-21-16,0 0 0,0 0 0,0 0 0,22 0 15,-22 0-15,21 0 0,0 0 16,-20-21-16,20 0 0,0 21 15,1-21-15,-1 0 0,-21 21 0,21-21 16,-20-1-16,-1 22 0,0-21 0,0 0 16,0 21-16,0-21 0,-21 0 15,0 0 1,0-1 0,0 1-16,-21 0 15,0 21-15,21-21 16</inkml:trace>
-  <inkml:trace contextRef="#ctx0" brushRef="#br0" timeOffset="-162013.11">10626 15812 0,'0'0'0,"21"-22"32,0 22-17,0 0-15,0 0 0,0 0 0,1-21 16,-1 21-16,0 0 0,21 0 16,-21 0-16,1 0 0,-1-21 0,0 21 15,0 0-15,0 0 0,0 0 16,-21-21-16,0 0 31,0 0-15,0-1-16</inkml:trace>
+  <inkml:trace contextRef="#ctx0" brushRef="#br0" timeOffset="-162013.12">10626 15812 0,'0'0'0,"21"-22"32,0 22-17,0 0-15,0 0 0,0 0 0,1-21 16,-1 21-16,0 0 0,21 0 16,-21 0-16,1 0 0,-1-21 0,0 21 15,0 0-15,0 0 0,0 0 16,-21-21-16,0 0 31,0 0-15,0-1-16</inkml:trace>
   <inkml:trace contextRef="#ctx0" brushRef="#br0" timeOffset="-161659.95">10604 15304 0,'0'0'15,"0"-22"1,0 1 0,22 0-16,-1 0 15,21 21-15,-21 0 0,22-21 0,-22 21 16,21 0-16,-21-21 0,22 21 15,-1-22-15,-21 22 0,21 0 0,-20-21 16,-1 21-16,0 0 0,21 0 16,-21-21-16,1 21 15,-1 0 17,0 0-17,0 0-15,0 21 16,0-21-16,1 0 15,-1 21-15,0 1 16</inkml:trace>
-  <inkml:trace contextRef="#ctx0" brushRef="#br0" timeOffset="-160985.67">11578 15325 0,'0'0'0,"21"0"63,0 0-48,1 0-15,-1 0 0,21 0 16,-21 0-16,22 0 0,-1 0 0,21 0 16,-20 0-16,-1-21 0,0 21 0,1 0 15,20 0-15,-20 0 0,-1 0 16,-21 0-16,21-22 0,1 22 16,-22 0-16,0 0 0,0 0 0,0 0 15,1 0-15,-1 0 0,-42 0 47,-1 0-31,1 22-16,0-22 15,0 0-15,0 21 0,0-21 16</inkml:trace>
+  <inkml:trace contextRef="#ctx0" brushRef="#br0" timeOffset="-160985.68">11578 15325 0,'0'0'0,"21"0"63,0 0-48,1 0-15,-1 0 0,21 0 16,-21 0-16,22 0 0,-1 0 0,21 0 16,-20 0-16,-1-21 0,0 21 0,1 0 15,20 0-15,-20 0 0,-1 0 16,-21 0-16,21-22 0,1 22 16,-22 0-16,0 0 0,0 0 0,0 0 15,1 0-15,-1 0 0,-42 0 47,-1 0-31,1 22-16,0-22 15,0 0-15,0 21 0,0-21 16</inkml:trace>
   <inkml:trace contextRef="#ctx0" brushRef="#br0" timeOffset="-160648.87">12171 15325 0,'0'0'0,"-21"0"31,-1 0-31,22-21 16,-21 42 15,21 0-31,0 0 16,0 0-16,0 0 0,-21 1 0,21 20 15,0-21-15,0 21 0,0 1 0,-21-1 16,21 0-16,-21 1 0,21-1 15,0 0-15,0 1 0,-21-1 0,21 0 16,-22 1-16,22-1 0,0 0 16,-21 1-16,21-22 0,0 21 15,0-21-15,0 1 0,0-1 0,0 0 16,0 0-16,0 0 16,21-42 15,-21 0-31,22 21 15,-22-21-15,21 0 0,0-1 16,0 1-16,0 0 0,0 0 16</inkml:trace>
-  <inkml:trace contextRef="#ctx0" brushRef="#br0" timeOffset="-159961.24">12975 15431 0,'0'0'0,"0"-22"0,0 1 16,0 0 0,-21 21-1,21 21 1,-21 0-16,21 22 0,0-22 15,-21 0-15,21 21 0,-22-20 16,1 20-16,21 0 0,-21-21 0,21 22 16,-21-1-16,0 0 0,0 1 0,21-1 15,-22 0-15,1 1 0,0-1 16,0 0-16,21 1 0,-21-22 0,0 21 16,21-21-16,-22 22 0,22-22 0,0 0 15,0 0-15,-21-21 0,21 21 16,0-42 15,0 0-31,0 0 0,0 0 16,21 0-16,-21-1 0,22 1 15,-22-21-15,21 21 0,0-22 0,-21 22 16,21-21-16,0 21 0,-21 0 0,0-1 16,21 1-16,-21 0 0,22 21 15,-22 21 1,21 0-16,-21 1 15,0-1-15,0 0 0,21 0 0,-21 0 16,0 22-16,21-22 0,-21 0 16,0 0-16,21 0 0,0 0 15,1 1-15,-1-1 0,0 0 0,0-21 0,0 21 16,0-21-16,1 0 0,-1 0 16,0 0-16,21 0 0,-21 0 15,1 0-15,-1 0 0,0-21 0,0 0 16,0 21-16,0-21 0,-21-1 0,22 1 15,-1 0-15,-21 0 16,21 0-16,-21 0 0,0-1 0,21 1 16,-21 0-16,0 0 0,0 0 15,0 0-15,0-1 16,0 1-16,0 0 16,21 21-16,-21-21 15,21 21-15</inkml:trace>
+  <inkml:trace contextRef="#ctx0" brushRef="#br0" timeOffset="-159961.25">12975 15431 0,'0'0'0,"0"-22"0,0 1 16,0 0 0,-21 21-1,21 21 1,-21 0-16,21 22 0,0-22 15,-21 0-15,21 21 0,-22-20 16,1 20-16,21 0 0,-21-21 0,21 22 16,-21-1-16,0 0 0,0 1 0,21-1 15,-22 0-15,1 1 0,0-1 16,0 0-16,21 1 0,-21-22 0,0 21 16,21-21-16,-22 22 0,22-22 0,0 0 15,0 0-15,-21-21 0,21 21 16,0-42 15,0 0-31,0 0 0,0 0 16,21 0-16,-21-1 0,22 1 15,-22-21-15,21 21 0,0-22 0,-21 22 16,21-21-16,0 21 0,-21 0 0,0-1 16,21 1-16,-21 0 0,22 21 15,-22 21 1,21 0-16,-21 1 15,0-1-15,0 0 0,21 0 0,-21 0 16,0 22-16,21-22 0,-21 0 16,0 0-16,21 0 0,0 0 15,1 1-15,-1-1 0,0 0 0,0-21 0,0 21 16,0-21-16,1 0 0,-1 0 16,0 0-16,21 0 0,-21 0 15,1 0-15,-1 0 0,0-21 0,0 0 16,0 21-16,0-21 0,-21-1 0,22 1 15,-1 0-15,-21 0 16,21 0-16,-21 0 0,0-1 0,21 1 16,-21 0-16,0 0 0,0 0 15,0 0-15,0-1 16,0 1-16,0 0 16,21 21-16,-21-21 15,21 21-15</inkml:trace>
   <inkml:trace contextRef="#ctx0" brushRef="#br0" timeOffset="-159144.58">14605 15346 0,'0'0'0,"-21"0"15,0 0-15,-1 0 0,-20 0 16,21 0 0,42 0-1,21-21-15,-20 21 16,20 0-16,0 0 0,1 0 15,-1 0-15,0 0 0,22-21 0,-22 21 16,22 0-16,-1 0 0,1 0 0,-22 0 16,21 0-16,-20 0 0,-1 0 15,-21 0-15,22 0 0,-43-22 0,21 22 16,-42 0 0,-1 22-1,1-22-15,-21 21 0,21-21 16,0 0-16,-1 0 0,-20 21 0,21-21 15,0 0-15,-22 0 0,22 0 0,0 0 16,0 0-16,0 0 0,0 0 16,-1 0-16,1 0 15,21 21 17,0 0-17,0 0-15,0 1 0,0-1 16,0 21-16,0-21 0,0 22 0,0-1 15,0 0-15,0 1 0,0-1 16,0 21-16,0-20 0,0-1 0,-21 22 16,21-22-16,0 0 0,0 1 15,0-1-15,0 0 0,0 1 0,0-22 16,0 21-16,0-21 0,0 0 0,0 1 16,0-1-16,21-42 46,-21-1-46,21 1 16,1 0-16,-1 0 0,0 0 0,0 0 16,0-22-16</inkml:trace>
   <inkml:trace contextRef="#ctx0" brushRef="#br0" timeOffset="-156724.36">15219 16002 0,'0'21'0,"21"-21"0,0 0 16,0 0-16,0 0 0,1 0 16,-1 0-16,0-21 0,0 21 0,0-21 15,22 21-15,-22-21 0,0 0 16,0 21-16,0-22 0,0 1 16,-21 0-16,0 0 0,0 0 0,0 0 15,0-1-15,0 1 16,-21 21-1,0 0-15,0 0 0,0 0 0,0 0 16,-1 0-16,1 21 0,0-21 0,0 22 16,0-1-16,0 0 0,-1 0 15,1 21-15,0-20 0,21-1 0,-21 21 16,21-21-16,0 0 0,0 22 0,0-22 16,0 0-16,0 0 0,0 0 15,21 1-15,0-1 0,0-21 16,1 0-16,-1 21 0,21-21 0,-21 0 15,0 0-15,22 0 0,-22 0 16,21 0-16,-21-21 0,22 0 16,-1 21-16,-21-22 0,22 1 0,-22 0 15,21 21-15,0-21 0,-20-21 0,20 20 16,-21 1-16,0 0 0,0 0 16,1-21-16,-1 20 0,0 1 0,-21 0 15,0 0-15,0 0 0,0 0 16,-21 21-16,0 0 15,-1 0-15,1 0 0,0 0 16,0 0-16,0 21 0,0 0 16,21 0-16,0 0 0,0 0 0,0 1 15,0-1-15,0 0 16,0 0-16,21 0 0,-21 0 0,21-21 16,0 22-16,0-1 0,0 0 0,1-21 15,-22 21-15,21-21 0,0 21 16,-21 0-16,0 1 31,-21-22-31,0 0 16,-1 0-16,1 0 0,0 0 15,0 0-15,0 0 0,0 0 16,-1-22-16,1 22 0,0 0 31,21 22 0,21-22-31,0 21 16,1-21-16,-1 0 16,0 21-16,0-21 0,0 0 0,22 0 15,-22 0-15,0 0 0,21 0 0,1 0 16,-1 0-16,-21-21 0,21 21 0,1-21 16,-22 21-16,21-22 0,1 1 15,-22 0-15,21-21 0,-21 21 0,0-1 16,22-20-16,-22 0 0,0-1 15,0 1-15,22 0 0,-22-1 0,0 1 16,0 0-16,0-1 0,0 1 16,-21 0-16,22-22 0,-1 22 0,-21 0 15,0-1-15,0 1 0,0 0 0,21-1 16,-21 1-16,0 21 0,0 0 16,0-1-16,0 1 0,-21 21 15,21 21-15,-21 1 16,-1 20-16,1-21 0,21 21 15,-21 1-15,0-1 0,21 22 0,-21-22 16,21 0-16,-21 22 0,-1-22 16,22 0-16,0 22 0,-21-22 0,21 1 15,-21-1-15,21 0 0,0 1 16,0-1-16,0 0 0,0 1 0,0-22 16,0 21-16,0-21 0,21 0 0,-21 1 15,21-22-15,1 21 0,-1-21 16,0 0-16,0 0 0,0 0 0,0 0 15,1 0-15,-1-21 0,0 21 0,-21-22 16,21 1-16,0 0 0,0 0 0,-21 0 16,0 0-16,22-1 0,-1 1 15,-21-21-15,21 21 0,-21 0 16,0-1-16,0 1 0,0 0 16,-21 21 15,21 21-31,-21 0 0,21 1 15,0-1-15,0 0 0,0 0 16,0 0-16,0 0 0,0 1 16,0-1-16,0 0 0,0 0 15,0 0-15,21-21 16,0 0-16,0 0 0,0 0 16,0 0-16,1 0 0,-1 0 15,0 0-15,0 0 0,0-21 0,0 0 16,1 21-16,-22-21 0,21 0 0,0-1 15,0 1-15,-21 0 0,0 0 0,21 21 16,-21-21-16,21 0 16,-21-1-16,0 1 0,0 42 47,0 1-47,-21-22 0,0 21 15,21 0-15,-21 0 0,21 0 0,0 0 16,-21 1-16,21-1 0,0 0 15,-21-21-15,21 21 0,0 0 16,0-42 31,0 0-47,0 0 16,21 0-16,0-1 0,-21 1 15,21 0-15,0 0 0,0-21 0,1 20 16,-1 1-16,0 0 0,21 0 0,-21 0 15,1 21-15,-1 0 0,0-21 0,0 21 16,0 0-16,0 0 0,1 0 16,-22 21-16,0 0 0,0 0 15,0 0-15,0 0 0,0 1 0,0-1 16,0 0-16,0 0 0,0 0 16,0 0-16,0 1 0,0-1 0,0 0 15,0 0-15,0 0 16,0 0-16,21-21 0,0 22 0,0-22 15,0 0-15,0 0 0,1 0 16,20 0-16,-21 0 0,0 0 16,22 0-16,-22 0 0,0 0 0,21-22 15,-21 22-15,1-21 0,-1 0 0,0 0 16,0 0-16,0 0 0,0-1 0,1-20 16,-22 21-16,21 0 0,-21-22 15,0 22-15,0 0 0,0 0 0,0 0 16,0 0-16,0-1 0,-21 22 15,-1 0-15,1 0 16,0 0-16,0 0 0,0 0 16,0 22-16,-1-1 0,1 0 15,0 0-15,21 0 0,-21 0 16,21 1-16,-21-1 0,21 0 0,0 0 16,0 0-16,0 0 15,21 1-15,0-1 0,0-21 16,0 0-16,1 0 0,-1 0 15,0 0-15,0 0 16,0 0-16,-21-21 16,21-1-16,-21 1 0,22 0 15,-22 0-15,21 0 0,-21 0 16,0-1-16,0 1 16,0 42 30,0 1-46,0-1 0,0 0 16,0 0-16,0 0 0,0 0 16,0 1-16,0 20 0,0-21 0,-21 21 15,21-20-15,-22 20 0,1 0 0,21 1 16,-21-1-16,0 0 0,0 1 0,0-1 16,-1 21-16,22-20 0,-21 20 15,0 1-15,0-22 0,0 22 16,0-1-16,-1-21 0,22 22 0,0-1 15,0-20-15,0-1 0,0 22 0,0-22 16,0-21-16,0 21 0,0 1 0,0-22 16,0 0-16,0 0 0,0 0 15,0 1-15,-21-22 0,0 0 0,0 0 16,0 0-16,0 0 0,-1 0 16,1 0-16,0-22 0,0 1 0,0 21 15,0-21-15,21 0 0,-22 0 16,1 0-16,21-1 0,0-20 0,0 21 15,-21 0-15,21 0 0,0-1 16,-21 1-16,21 0 0,0 0 0,0 0 16,0 0-16,0-1 0,0 1 0,0 0 15,0 0-15,0 0 0,0 0 16,21-1-16,-21 1 0,21 0 0,-21-21 16,21 21-16</inkml:trace>
   <inkml:trace contextRef="#ctx0" brushRef="#br0" timeOffset="-156401.54">17399 15409 0,'0'0'16,"-21"-21"-16,21 0 16,0 0-16,0 0 15,0 0 1,0-1-16,0 1 16,0 42 30,0 1-46,0-1 0,0 0 16,0 0-16,0 0 0,-21 0 16</inkml:trace>
@@ -649,11 +695,11 @@
   <inkml:trace contextRef="#ctx0" brushRef="#br0" timeOffset="-155165">19177 15261 0,'0'0'0,"-21"-21"0,21 0 16,21 0-1,0 21 1,0 0-16,0 0 0,1 0 0,20 0 16,0-21-16,-21 21 0,22 0 15,-1 0-15,0 0 0,-20 0 0,-1-22 16,0 22-16,0 0 0,0 0 16,-42 0 15,-21 0-16,21 0-15,-1 0 0,1 0 0,0 0 16,0 0-16,0 0 0,0 0 0,-1 0 16,1 22-16,0-22 0,0 0 15,0 0-15,0 0 0,21 21 0,-22-21 16,1 0-16,0 0 0,21 21 0,-21-21 16,0 21-16,0 0 15,-1 0-15,22 1 16,-21 20-16,21-21 0,-21 0 0,21 22 15,-21-22-15,21 21 0,0 0 16,0-20-16,0 20 0,-21 0 0,21 1 16,0-1-16,0-21 0,-21 21 0,21 22 15,0-22-15,0 1 0,0-1 0,0 21 16,0-20-16,-22 20 0,22-20 16,0 20-16,-21-21 0,21 22 0,0-22 15,0 22-15,0-22 0,-21 22 0,21-22 16,0 21-16,0-20 0,0 20 15,0-20-15,0-1 0,0-21 16,0 21-16,0-20 0,21-1 0,0 0 16,1 0-16,-1 0 0,0-21 15,0 0-15,21 0 0,-20 0 0,20 0 16,-21 0-16,21 0 0,-20 0 0,20-21 16,-21 0-16,21 0 0,-20 21 0,20-21 15,-21-1-15,0 1 0,22 0 16,-22 0-16,0 0 0,21 0 0,-21-1 15,22 1-15,-22-21 0,21 21 0,1 0 16</inkml:trace>
   <inkml:trace contextRef="#ctx0" brushRef="#br0" timeOffset="-152092.83">20701 15409 0,'0'-21'15,"0"0"-15,-21 0 0,0 21 32,-1 0-32,22 21 0,-21 0 15,0 0-15,21 22 0,-21-22 0,0 21 16,0 1-16,21-1 0,-22 0 15,1 22-15,0-22 0,0 0 16,0 22-16,0-22 0,-22 22 0,22-22 16,-21 0-16,21 1 0,-22-1 0,22 0 15,-21 1-15,21-22 0,-1 0 16,1 0-16,0 0 0,0 1 0,0-22 16,0 0-16,-1 0 15,22-22 1,0 1-16,0 0 0,0-21 15,0 21-15,0-1 0,0-20 0,0 0 16,0 21-16,0-22 0,0 1 16,0 0-16,0 20 0,0-20 0,0 21 15,0 0-15,0 0 0,0 42 32,0 21-17,0-21-15,22 22 0,-1-1 0,-21-21 16,21 21-16,-21 1 0,21-1 15,0-21-15,0 22 0,1-22 0,-1 21 16,0-21-16,21 0 0,-21 1 0,1-1 16,20-21-16,-21 0 0,21 0 15,1 0-15,-1 0 0,0 0 0,1 0 16,-1-21-16,0-1 0,1 1 0,-1 0 16,0-21-16,-20 21 0,20-22 15,-21 1-15,0 0 0,0-1 0,-21 1 16,0 0-16,22-1 0,-22-20 15,0 20-15,0 1 0,0-21 0,0 20 16,0 1-16,-22-22 0,1 22 16,0-21-16,0 20 0,-21 1 0,-1 21 15,22-22-15,-21 22 0,-22 21 0,22 0 16,0 0-16,-22 0 0,1 0 16,20 21-16,-20 22 0,20-22 0,1 21 15,0 1-15,21-1 0,-1 21 16,1-20-16,21-1 0,0 22 15,0-22-15,0 21 0,0 1 0,0-22 16,21 22-16,1-22 0,-1 0 0,0 1 16,21-1-16,1-21 0,-22 22 15,21-22-15,0 0 0,22 0 0,-22-21 16,1 0-16,20 0 0,-21 0 0,22 0 16,-22 0-16,22 0 0,-22-21 15,0 0-15,1 0 0,-1-1 0,0-20 16,1 21-16,-22 0 0,21-22 0,-21 22 15,1-21-15,-1 21 0,-21-22 16,0 22-16,0 0 0,0-21 0,0 21 16,0-1-16,0 1 0,-21 21 15,-1 0-15,1 0 16,0 0-16,0 21 0,0 1 16,21-1-16,-21 0 0,-1 0 0,1 0 15,0 0-15,21 22 0,0-22 0,-21 0 16,21 0-16,0 0 0,0 1 15,0-1-15,0 0 0,0 0 0,0 0 16,21-21-16,0 0 16,0 0-16,1 0 15,-1 0-15,0-21 0,0 21 0,-21-21 16,21 0-16,0 21 0,-21-21 16,22-1-16,-22 1 0,0 0 0,0 0 15,0 0-15,0 0 0,0-1 16,0 1-16,0 0 0,0 42 31,0 0-15,0 1-16,0-1 0,0 21 0,0-21 15,0 0-15,0 1 0,0-1 0,0 0 16,0 0-16,0 0 0,0 0 16,21 1-16,0-22 0,-21 21 0,21-21 15,0 0-15,0 0 0,1 0 0,-1 0 16,0 0-16,21-21 15,-21-1-15,1 22 0,-1-21 16,0-21-16,0 21 0,21 0 0,-20-22 16,-1 1-16,0 0 0,0-1 0,21 1 15,-20 0-15,-1-1 0,-21 1 16,21-22-16,0 22 0,-21 0 0,21-1 16,-21-20-16,0 21 0,0 20 0,0-20 15,0 21-15,0 0 0,0 0 16,-21 21-16,21 21 15,-21 0-15,0 0 0,0 21 0,-1 1 16,1-1-16,0 0 0,0 1 16,0-1-16,21 0 0,0 1 0,-21-1 15,21 0-15,0 1 0,0 20 0,0-20 16,0-1-16,0 0 16,0-21-16,21 22 0,0-1 0,0-21 15,0 0-15,0 1 0,22-1 0,-22 0 16,21-21-16,1 0 0,-22 0 0,21 0 15,0 0-15,1 0 0,-22 0 16,21-21-16,-21 0 0,1-1 0,-1 22 16,0-21-16,0-21 0,0 21 0,0 0 15,-21-22-15,0 22 0,0-21 16,0 21-16,0-22 0,0 22 0,0 0 16,0 0-16,0 0 0,0-1 15,-21 22-15,0 0 0,0 0 16,0 22-16,0-1 15,-1 0-15,1 0 0,0 21 0,0-20 16,0 20-16,21-21 0,-21 0 0,21 22 16,-22-22-16,22 0 0,0 0 15,0 0-15,0 0 0,0 1 16,22-22-16,-1 0 16,0 0-16,0 0 0,0-22 15,0 1-15,-21 0 0,22 21 16,-1-21-16,-21 0 0,21 0 0,-21-22 15,21 22-15,-21 0 0,21 0 16,-21 0-16,0-1 0,0 1 0,0 0 16,0 42-1,0 0 1,0 1-16,0-1 0,0 0 16,0 0-16,0 0 0,0 0 15,0 1-15,0-1 0,0 0 0,21 0 16,-21 0-16,22-21 0,-1 21 0,0-21 15,0 0-15,0 0 0,0 0 16,1 0-16,-1 0 16,0 0-16,0-21 0,0 21 0,-21-21 15,21 0-15,1 0 0,-22 0 16,0-1-16,0-20 16,0 21-16,0 0 0,0 0 0</inkml:trace>
   <inkml:trace contextRef="#ctx0" brushRef="#br0" timeOffset="-151876.96">21463 15621 0,'0'0'0,"-21"0"0,0 0 16,-1 0-1,44 0-15,-1 0 0,0 0 16,21 0-16,1 0 0,-1 0 15,0-21-15,1 21 0,-1 0 0,21-21 16,-20 21-16,-1 0 0,0 0 0,1-21 16,-1 21-16,0 0 0,1-22 15,-1 1-15,22 21 0</inkml:trace>
-  <inkml:trace contextRef="#ctx0" brushRef="#br0" timeOffset="-151313.7">22648 15346 0,'0'0'0,"0"-21"0,0 0 15,0-1-15,0 1 16,0 42 15,0 1-31,-21-1 16,21 0-16,0 0 0,0 21 16,0 1-16,0-22 0,-21 21 0,21 1 15,0-1-15,0-21 0,0 21 0,-21 1 16,21-22-16,-21 21 0,21 1 0,-22-22 15,22 21-15,0 0 0,0-20 16,0 20-16,-21-21 0,21 0 0,0 0 16,-21 1-16,21-1 0,0 0 15,-21-21-15,21-21 32,0 0-17,0-1-15,0 1 0,0 0 16,21 0-16,0-21 0,0 20 15,1 1-15,-1 0 0,0 0 0,21 0 16,-21 21-16,22-21 0,-22-1 0,21 22 16,-21 0-16,22 0 0,-1 0 0,-21 0 15,0 0-15,22 0 0,-22 0 16,0 0-16,0 22 0,-21-1 0,21 0 16,-21 0-16,0 0 0,0 22 15,0-22-15,0 0 0,0 0 0,0 0 16,-21 0-16,0 22 0,-21-22 15,21-21-15,-22 21 0,22 0 0,-21 0 16,21-21-16,-22 22 0,22-1 0,0-21 16,-21 0-16,20 0 0,1 0 15,0 0-15,21-21 32,0-1-32,21 1 15,0 21-15,1-21 0,-1 0 16,21 21-16,-21-21 0</inkml:trace>
+  <inkml:trace contextRef="#ctx0" brushRef="#br0" timeOffset="-151313.71">22648 15346 0,'0'0'0,"0"-21"0,0 0 15,0-1-15,0 1 16,0 42 15,0 1-31,-21-1 16,21 0-16,0 0 0,0 21 16,0 1-16,0-22 0,-21 21 0,21 1 15,0-1-15,0-21 0,0 21 0,-21 1 16,21-22-16,-21 21 0,21 1 0,-22-22 15,22 21-15,0 0 0,0-20 16,0 20-16,-21-21 0,21 0 0,0 0 16,-21 1-16,21-1 0,0 0 15,-21-21-15,21-21 32,0 0-17,0-1-15,0 1 0,0 0 16,21 0-16,0-21 0,0 20 15,1 1-15,-1 0 0,0 0 0,21 0 16,-21 21-16,22-21 0,-22-1 0,21 22 16,-21 0-16,22 0 0,-1 0 0,-21 0 15,0 0-15,22 0 0,-22 0 16,0 0-16,0 22 0,-21-1 0,21 0 16,-21 0-16,0 0 0,0 22 15,0-22-15,0 0 0,0 0 0,0 0 16,-21 0-16,0 22 0,-21-22 15,21-21-15,-22 21 0,22 0 0,-21 0 16,21-21-16,-22 22 0,22-1 0,0-21 16,-21 0-16,20 0 0,1 0 15,0 0-15,21-21 32,0-1-32,21 1 15,0 21-15,1-21 0,-1 0 16,21 21-16,-21-21 0</inkml:trace>
   <inkml:trace contextRef="#ctx0" brushRef="#br0" timeOffset="-150105.18">23495 15875 0,'0'0'0,"21"0"0,0-63 16,0 41-16,-21 1 0,22 0 0,-22 0 15,0 0-15,0 0 16,0-1-16,-22 22 16,1 0-16,0 0 0,0 0 15,0 22-15,0-1 0,-1 0 0,1 0 16,-21 0-16,21 0 16,0 1-16,-1 20 0,1-21 0,0 21 15,21-20-15,-21-1 0,21 21 0,-21-21 16,21 0-16,0 1 0,0-1 0,0 0 15,0 0-15,21 0 16,0-21-16,0 0 16,0 0-16,1 0 0,-22-21 15,21 0-15,0 21 0,-21-21 0,21 0 16,-21-1-16,21 1 0,0 0 16,-21 0-16,22-21 0,-1 20 15,-21 1-15,21-21 0,-21 21 0,0 0 16,21-1-16,0 1 0,-21 0 0,21 21 15,-21-21-15,0 42 32,0 0-32,-21 0 15,21 1-15,-21-1 0,0 0 0,21 21 16,0-21-16,0 1 0,0-1 16,-21 0-16,21 0 0,0 0 0,0 0 15,0 1-15,0-1 0,0 0 16,21-21-16,0 0 15,0 0-15,0 0 0,1 0 0,-1 0 16,0 0-16,0-21 0,0 0 16,22 21-16,-22-22 0,0 1 0,0 21 15,0-21-15,0 0 0,22 0 16,-43 0-16,21 21 0,0-22 0,0 1 16,-21 0-16,21 0 0,-21 0 0,0 0 15,-21 21 16,0 21-31,21 0 16,0 0-16,0 0 0,0 0 0,0 1 16,0-1-16,0 0 0,21-21 0,-21 21 15,21 0-15,-21 0 0,22 1 16,-22-1-16,21 0 16,-21 0-1,-21-21 1,-1 0-1,1 0-15,0 0 0,0 0 16,0 0-16,21-21 0,-21 21 16,21-21-16,-22 21 15,22 21 32,0 0-31,0 0-1,22-21-15,-1 0 0,0 21 0,0-21 16,0 0-16,0 0 0,22 0 16,-22 0-16,0 0 0,0 0 15,0 0-15,22 0 0,-22 0 0,0-21 16,0 21-16,0-21 0,1 21 0,-1-21 16,0 0-16,0 0 0,0-1 0,0 1 15,1 0-15,-1 0 0,0 0 16,-21 0-16,0-22 0,21 22 0,-21 0 15,21 0-15,-21 0 0,0-1 0,0 1 16,0 0-16,-21 21 16,0 0-1,0 0-15,0 0 0,-1 21 16,1 0-16,0 1 0,21 20 0,0-21 16,-21 0-16,21 0 0,0 22 0,0-22 15,0 0-15,0 0 0,0 0 16,0 1-16,0-1 0,21 0 15,0-21-15,0 21 0,1-21 16,-1 0-16,0 0 0,0 0 0,0 0 16,0 0-16,1 0 15,20 0-15,-21-21 0,0 21 0,22-21 0,-22 0 16,21-1-16,-21 22 0,22-21 16</inkml:trace>
   <inkml:trace contextRef="#ctx0" brushRef="#br0" timeOffset="-149416.45">24871 15261 0,'0'0'15,"-21"0"-15,42-21 31,0 21-31,0-21 16,0 21-16,22 0 0,-1-21 0,0 21 16,-21-21-16,22 21 0,-1 0 0,-21-22 15,22 22-15,-22 0 0,0-21 16,0 21-16,0-21 0,0 21 0,1 0 16,-1 0-16,-21 21 15,0 0-15,0 1 0,0-1 16,0 0-16,0 0 0,0 21 15,0-20-15,0 20 0,0 0 16,0-21-16,0 22 0,0-1 0,0 0 16,0 1-16,0-1 0,0 22 0,0-22 15,0 0-15,0 1 0,0-1 16,0 0-16,0 22 0,-21-22 0,21 0 16,0 1-16,-22 20 0,22-20 0,-21-1 15,21 0-15,-21 1 0,21-1 0,0 0 16,-21-21-16,0 22 0,0-1 15,21 0-15,-22-20 0,1 20 0,21-21 16,-21 21-16,21-20 0,-21 20 0,0-21 16,21 0-16,0 0 0,0 22 0,-21-22 15,21 0 1,-22 0-16,22 0 0,-21-21 16,0 0-1,0 0-15,0 0 0,0 0 16,-1 0-16,1 0 0,0 0 15,-21-21-15,-1 0 0,22 21 0,-21-21 16,0 21-16,-1 0 0,22-21 0,-21 21 16,21 0-16,-1 0 0,1 0 0,0 0 15,0 0-15,0 0 0,0 0 16,-1 0-16,22 21 47,22-21-32,-1 0-15,0 0 0,0 0 16</inkml:trace>
   <inkml:trace contextRef="#ctx0" brushRef="#br1" timeOffset="-134057.49">8636 6117 0,'0'0'0,"21"0"16,0 0-16,-21-21 0,21 21 16,1 0-16,-1 0 0,-21-21 15,21 21-15,0 0 16,-21-21 0,0 0 15,-21 21 0,0 0-31,0 0 0,-1 0 16,1 0-16,0 0 15,0 0-15,0 0 16,0 0-16,-1 0 16,1 0-16,0 21 15,0-21-15,21 21 0,-21-21 0,0 0 16,21 21-16,-22-21 0,1 21 15,0 0-15,0 1 16,0-1-16,0-21 16,21 21-16,0 0 15,-22 0-15,22 0 0,-21 1 16,21-1-16,-21 0 0,21 0 16,0 0-16,0 22 0,0-22 15,0 0-15,0 0 0,-21 21 0,21-20 16,-21 20-16,21-21 0,0 21 0,0-20 15,0 20-15,0 0 0,-21-21 16,21 22-16,-22-22 0,22 21 16,0-21-16,0 22 0,0-22 0,0 0 15,-21 21-15,21-20 0,0 20 0,0-21 16,0 21-16,-21-20 0,21 20 16,0-21-16,0 21 0,0-20 0,0 20 15,0-21-15,0 0 0,0 22 0,0-22 16,0 0-16,0 0 0,0 0 15,0 0-15,0 1 0,0-1 0,0 0 16,0 0-16,0 0 0,0 0 0,0 1 16,0-1-16,0 0 15,0 0-15,0 0 16,0 0 0,21 1-1,0-22 1,-21 21-16,22-21 15,-1 0-15,-21 21 0,21-21 16,0 0-16,0 0 16,0 0-16,1 0 0,-22 21 15,21-21-15,0 0 0,0 0 0,0 0 16,0 0-16,1 0 0,-1 0 0,21 0 16,-21 0-16,0 0 0,22 0 15,-22 0-15,21 0 0,-21 0 0,22 0 16,-1 0-16,-21 0 0,22 0 15,-1-21-15,-21 21 0,21 0 16,-20 0-16,20 0 0,0 0 0,-21 0 0,22 0 16,-1 0-16,-21-21 0,22 21 15,-22 0-15,21 0 0,0 0 0,-20 0 16,20 0-16,0 0 0,-21 0 0,22 0 16,-1 0-16,0 0 0,-20 0 15,20 0-15,0 0 0,-21 0 0,22 0 16,-22 0-16,0 0 0,21 0 0,-20 0 15,20 0-15,-21 0 0,0 0 0,0 0 16,1 0-16,-1 0 0,0 0 16,21 0-16,-21 0 0,1 0 15,-1 0-15,21 0 0,-21 0 0,22-21 16,-22 21-16,0 0 0,21 0 0,-21 0 16,22 0-16,-22 0 0,21 0 15,-21 0-15,22 0 0,-1 0 0,0 0 16,1 0-16,-1 0 0,0 0 0,1-22 15,-1 22-15,22 0 0,-22 0 0,21 0 16,-20 0-16,-1 0 0,22 0 0,-22 0 16,0 0-16,1 0 0,20 0 15,-21 0-15,-20-21 0,20 21 0,0 0 16,1 0-16,-1 0 0,0 0 0,1 0 16,-1 0-16,0 0 0,1 0 0,-1 0 15,0 0-15,1 0 0,-1 0 16,0 0-16,1 0 0,-1 0 15,21 0-15,-20 0 0,-1 0 0,22 0 16,-22 0-16,0 0 0,1 0 0,-1 0 16,0 0-16,22 0 0,-22 0 0,22 0 15,-22 0-15,21 0 0,1 0 0,-1 0 16,1 0-16,-1 0 0,22 0 0,-21 0 16,-1 0-16,1 0 0,-1 0 15,1 0-15,20 0 0,-20 0 0,-1 0 16,1 0-16,-1 0 0,1 0 0,-1 0 15,22 0-15,-22 0 0,1 0 16,21 0-16,-22 0 0,1 0 0,-1 0 16,1 0-16,-1 0 0,1 0 15,-1 0-15,-21 0 0,22 21 0,-1-21 16,1 0-16,-1 0 0,1 0 0,21 0 16,-22 0-16,1 0 0,20 0 0,-20 0 15,-1 0-15,22 0 0,-22 0 0,1 0 16,-1 0-16,1 0 0,-1 0 0,22 0 15,-21 0-15,-1 0 0,1 0 16,20 0-16,-20 0 0,-1 0 0,22 0 16,-22 0-16,1 0 0,-1 0 15,-20 0-15,20 0 0,1 0 0,-22 0 16,22 0-16,-22 0 0,0 0 0,22 0 16,-22 0-16,0 0 0,22 0 15,-22 0-15,1 0 0,-1 0 0,0 0 16,22 0-16,-22 0 0,0 0 0,1 0 15,-1 0-15,0 0 0,-20 0 0,20 0 16,0 0-16,-21 0 0,22 0 0,-22-21 16,21 21-16,-21 0 0,1 0 15,20 0-15,-21 0 0,0-21 0,22 21 16,-22 0-16,21 0 0,-21 0 0,22 0 16,-1 0-16,-21-21 0,21 21 15,1 0-15,-1 0 0,0 0 0,1 0 16,-1-21-16,0 21 0,1 0 0,-1 0 15,0 0-15,1 0 0,-1-21 16,0 21-16,1 0 0,-1 0 0,0 0 16,1 0-16,-1 0 0,0-22 0,22 22 15,-22 0-15,1 0 0,20 0 0,1 0 16,-22-21-16,21 21 0,-20 0 16,20 0-16,1 0 0,-1 0 0,-20 0 15,20-21-15,1 21 0,-22 0 0,21 0 16,1 0-16,-22 0 0,22 0 0,-22-21 15,22 21-15,-1 0 0,-21 0 16,22 0-16,-1 0 0,-20-21 16,20 21-16,-20 0 0,20-21 0,-21 21 15,1 0-15,-1 0 0,0 0 0,1-22 16,-1 22-16,0 0 0,1 0 0,-22 0 16,21-21-16,-21 21 0,22 0 15,-22 0-15,0-21 0,0 21 0,22 0 16,-22 0-16,0 0 0,0-21 0,0 21 15,22 0-15,-22 0 0,0 0 0,21 0 16,-21 0-16,1-21 0,20 21 0,-21 0 16,0 0-16,0 0 0,1 0 15,-1 0-15,0-21 0,0 21 16,0 0-16,0 0 0,1 0 0,-1 0 16,0 0-16,0 0 15,-21-22 1,21 22-16,0 0 15,1 0-15,-1 0 16,0 0-16,0 0 16,0-21-16,0 21 15,1 0-15,-1 0 0,21 0 16,-21 0-16,0 0 0,22 0 0,-22 0 16,21 0-16,-21 0 0,22 0 0,-1 0 15,-21 0-15,22 0 16,-1 0-16,0 0 0,1 0 0,-1 0 15,21 0-15,-20 0 0,-1 0 0,22 0 16,-22 0-16,0 0 0,22 0 0,-22 0 16,22 0-16,-22 0 0,0 0 15,22 0-15,-22 0 0,0 0 0,1 0 16,-1 0-16,0 0 0,22 0 0,-22 0 16,1-21-16,-1 21 0,0 0 0,1 0 15,-1 0-15,0 0 0,1 0 16,-1 0-16,0 0 0,1 0 0,-1 0 15,0 0-15,-21 0 0,22 0 16,-22 0-16,21 0 0,-21 0 0,22 0 16,-22 0-16,21 0 0,-21 0 15,22 0-15,-22 0 0,0 0 0,21 0 16,-20 0-16,-1 0 0,21 0 0,-21 0 16,0 0-16,1 0 0,20 0 0,-21 0 15,0 0-15,22 0 0,-22 0 16,0 0-16,0 0 0,0 21 0,0-21 15,1 0-15,-1 0 0,0 0 0,0 0 16,0 0-16,0 0 0,1 0 16,-1 0-16,0 0 0,0 0 15,0 0 1,0 0-16,-21 21 16,-21-21 15,0 0-31,0 0 0,-21 0 0,-1 0 15</inkml:trace>
-  <inkml:trace contextRef="#ctx0" brushRef="#br1" timeOffset="-131405.7">9652 6160 0,'-21'0'15,"0"-22"-15,-1 22 0,1 0 16,0 0-16,0-21 15,0 21 1,21-21 0,21 21-1,0 0-15,0 0 16,0 0-16,22 0 0,-1 0 0,0 0 16,1 0-16,20 0 0,-20 0 15,20 0-15,1 0 0,-1 0 0,-21 0 16,22 0-16,-1 0 0,1 0 0,-22-21 15,22 21-15,-22 0 0,22 0 16,-1 0-16,22 0 0,-22 0 0,22 0 16,-22 0-16,22-21 0,0 21 0,-22 0 15,22 0-15,0 0 16,-22 0-16,22 0 0,-22 0 0,1-21 16,20 21-16,-20 0 0,21 0 0,-1 0 15,1 0-15,0 0 0,-1 0 16,1 0-16,0 0 0,-1-22 0,1 22 15,0 0-15,20 0 0,-20 0 0,21 0 16,0 0-16,0 0 0,-1 0 0,1 0 16,0 0-16,-21 0 0,21-21 15,-1 21-15,1 0 0,0 0 0,0 0 16,0 0-16,-22 0 0,22-21 0,-21 21 16,21 0-16,-22 0 0,1 0 15,0 0-15,-1-21 0,22 21 16,-21 0-16,21 0 0,-22 0 0,22 0 15,-21 0-15,0-21 0,-1 21 0,-20 0 16,20 0-16,1 0 0,0 0 16,-22 0-16,22 0 0,0-21 0,-1 21 15,-20 0-15,20 0 0,-20 0 0,21 0 16,-22 0-16,1 0 0,-1-22 16,22 22-16,-22 0 0,1 0 0,-1 0 15,1 0-15,20 0 0,-20 0 0,-1 0 16,22 0-16,-21-21 0,-1 21 15,22 0-15,-22 0 0,1 0 0,-1 0 16,1 0-16,-1 0 0,-20-21 16,20 21-16,1 0 0,-1 0 0,1 0 15,20 0-15,-20-21 0,-1 21 16,22 0-16,-22 0 0,1 0 0,-1 0 16,1-21-16,-1 21 0,1 0 0,-1-21 15,1 21-15,-1 0 0,1 0 16,-1 0-16,22 0 0,-21 0 0,20 0 15,-20 0-15,20-22 0,-20 22 0,21 0 16,-22 0-16,22 0 0,-22 0 16,1 0-16,20 0 0,-20 0 0,21 0 15,-1 0-15,1 0 0,0 0 0,-1 0 16,1 0-16,0 0 0,-1 0 16,1 0-16,0 0 0,-1 0 15,-20 0-15,20 0 0,1 0 0,-21 0 16,20 0-16,1 0 0,0 0 0,-22 0 15,22 0-15,-1 0 0,1 0 16,-21 0-16,-1 0 0,22 0 0,-1 0 16,-20 0-16,21 0 0,-1 0 0,1 0 15,0 0-15,-1 0 0,1 0 16,-22 0-16,22 0 0,-21 0 0,20 0 16,-20 0-16,-1 0 0,1 0 0,-1-21 15,-20 21-15,20 0 0,1 0 16,-1 0-16,1 0 0,-1 0 15,-21 0-15,22-21 0,-22 21 0,22 0 16,-22 0-16,0-21 0,1 21 16,-22 0-16,21 0 0,-21-21 0,22 21 15,-22 0-15,21 0 0,-21 0 0,1-21 16,-1 21-16,21 0 0,-21 0 16,0 0-16,1 0 0,20 0 0,-21 0 15,0 0-15,22 0 0,-22 0 0,21 0 16,-21 0-16,22 0 0,-22 0 15,21 0-15,-21 0 0,22 0 0,-1 0 16,-21 0-16,21 0 0,-20 0 16,20 0-16,-21 0 0,21 0 15,-20 0-15,-1 0 0,21 0 0,-21 0 16,0 21-16,22-21 0,-22 0 0,0 0 16,0 0-16,0 21 0,1-21 15,-1 0-15,0 0 0,0 0 0,0 0 16,-21 21-16,21-21 0,1 0 0,-1 0 15,0 0 1,0 21-16,0-21 16,-21 21-16,21-21 15,-21 22 1,22-22-16,-22 21 16,0 0-16,21-21 0,-21 21 0,0 0 15,0 0-15,0 1 16,0-1-16,0 0 15,0 0-15,0 0 0,0 0 16,0 1-16,0-1 0,0 0 16,0 0-16,0 0 0,0 0 15,0 1-15,0-1 0,0 0 0,0 0 16,0 0-16,0 0 0,0 1 0,0-1 16,0 0-16,0 0 0,0 0 0,0 0 15,0 22-15,0-22 16,0 0-16,0 0 0,0 0 0,0 1 15,0-1-15,0 0 0,0 0 0,0 0 16,0 0-16,0 1 0,0-1 0,0 0 16,0 0-16,0 0 0,0 0 15,0 1-15,0-1 0,0 0 16,0 0-16,0 0 0,0 0 16,0 1-16,0-1 15,0 0-15,0 0 0,0 0 16,0 0-16,21 1 15,-21-1-15,0 0 0,0 0 16,0 0-16,0 0 0,0 1 16,0-1-16,0 0 15,-21 0-15,21 0 0,0 0 16,0 1-16,0-1 0,-21-21 16,21 21-16,-22 0 15,22 0-15,0 0 16,-21-21-16,21 22 15,-21-22 1,0 0 0,21 21-16,-21-21 0,0 0 31,-1 0-31,22 21 31,-21-21-31,0 0 16,0 0-1,0 0 1,0 0-16,-1 0 0,1 0 16,0 0-16,0 0 0,0 0 0,0 0 15,-1 0-15,-20 0 0,21 0 0,-21 0 16,20 0-16,1 0 0,-21 0 0,21 0 16,-22 0-16,22-21 0,-21 21 15,0 0-15,-1 0 0,1 0 16,-22 0-16,1 0 0,-1-21 0,1 21 15,-22 0-15,22 0 0,-22 0 0,-21-22 16,22 22-16,-22-21 0,0 21 0</inkml:trace>
+  <inkml:trace contextRef="#ctx0" brushRef="#br1" timeOffset="-131405.71">9652 6160 0,'-21'0'15,"0"-22"-15,-1 22 0,1 0 16,0 0-16,0-21 15,0 21 1,21-21 0,21 21-1,0 0-15,0 0 16,0 0-16,22 0 0,-1 0 0,0 0 16,1 0-16,20 0 0,-20 0 15,20 0-15,1 0 0,-1 0 0,-21 0 16,22 0-16,-1 0 0,1 0 0,-22-21 15,22 21-15,-22 0 0,22 0 16,-1 0-16,22 0 0,-22 0 0,22 0 16,-22 0-16,22-21 0,0 21 0,-22 0 15,22 0-15,0 0 16,-22 0-16,22 0 0,-22 0 0,1-21 16,20 21-16,-20 0 0,21 0 0,-1 0 15,1 0-15,0 0 0,-1 0 16,1 0-16,0 0 0,-1-22 0,1 22 15,0 0-15,20 0 0,-20 0 0,21 0 16,0 0-16,0 0 0,-1 0 0,1 0 16,0 0-16,-21 0 0,21-21 15,-1 21-15,1 0 0,0 0 0,0 0 16,0 0-16,-22 0 0,22-21 0,-21 21 16,21 0-16,-22 0 0,1 0 15,0 0-15,-1-21 0,22 21 16,-21 0-16,21 0 0,-22 0 0,22 0 15,-21 0-15,0-21 0,-1 21 0,-20 0 16,20 0-16,1 0 0,0 0 16,-22 0-16,22 0 0,0-21 0,-1 21 15,-20 0-15,20 0 0,-20 0 0,21 0 16,-22 0-16,1 0 0,-1-22 16,22 22-16,-22 0 0,1 0 0,-1 0 15,1 0-15,20 0 0,-20 0 0,-1 0 16,22 0-16,-21-21 0,-1 21 15,22 0-15,-22 0 0,1 0 0,-1 0 16,1 0-16,-1 0 0,-20-21 16,20 21-16,1 0 0,-1 0 0,1 0 15,20 0-15,-20-21 0,-1 21 16,22 0-16,-22 0 0,1 0 0,-1 0 16,1-21-16,-1 21 0,1 0 0,-1-21 15,1 21-15,-1 0 0,1 0 16,-1 0-16,22 0 0,-21 0 0,20 0 15,-20 0-15,20-22 0,-20 22 0,21 0 16,-22 0-16,22 0 0,-22 0 16,1 0-16,20 0 0,-20 0 0,21 0 15,-1 0-15,1 0 0,0 0 0,-1 0 16,1 0-16,0 0 0,-1 0 16,1 0-16,0 0 0,-1 0 15,-20 0-15,20 0 0,1 0 0,-21 0 16,20 0-16,1 0 0,0 0 0,-22 0 15,22 0-15,-1 0 0,1 0 16,-21 0-16,-1 0 0,22 0 0,-1 0 16,-20 0-16,21 0 0,-1 0 0,1 0 15,0 0-15,-1 0 0,1 0 16,-22 0-16,22 0 0,-21 0 0,20 0 16,-20 0-16,-1 0 0,1 0 0,-1-21 15,-20 21-15,20 0 0,1 0 16,-1 0-16,1 0 0,-1 0 15,-21 0-15,22-21 0,-22 21 0,22 0 16,-22 0-16,0-21 0,1 21 16,-22 0-16,21 0 0,-21-21 0,22 21 15,-22 0-15,21 0 0,-21 0 0,1-21 16,-1 21-16,21 0 0,-21 0 16,0 0-16,1 0 0,20 0 0,-21 0 15,0 0-15,22 0 0,-22 0 0,21 0 16,-21 0-16,22 0 0,-22 0 15,21 0-15,-21 0 0,22 0 0,-1 0 16,-21 0-16,21 0 0,-20 0 16,20 0-16,-21 0 0,21 0 15,-20 0-15,-1 0 0,21 0 0,-21 0 16,0 21-16,22-21 0,-22 0 0,0 0 16,0 0-16,0 21 0,1-21 15,-1 0-15,0 0 0,0 0 0,0 0 16,-21 21-16,21-21 0,1 0 0,-1 0 15,0 0 1,0 21-16,0-21 16,-21 21-16,21-21 15,-21 22 1,22-22-16,-22 21 16,0 0-16,21-21 0,-21 21 0,0 0 15,0 0-15,0 1 16,0-1-16,0 0 15,0 0-15,0 0 0,0 0 16,0 1-16,0-1 0,0 0 16,0 0-16,0 0 0,0 0 15,0 1-15,0-1 0,0 0 0,0 0 16,0 0-16,0 0 0,0 1 0,0-1 16,0 0-16,0 0 0,0 0 0,0 0 15,0 22-15,0-22 16,0 0-16,0 0 0,0 0 0,0 1 15,0-1-15,0 0 0,0 0 0,0 0 16,0 0-16,0 1 0,0-1 0,0 0 16,0 0-16,0 0 0,0 0 15,0 1-15,0-1 0,0 0 16,0 0-16,0 0 0,0 0 16,0 1-16,0-1 15,0 0-15,0 0 0,0 0 16,0 0-16,21 1 15,-21-1-15,0 0 0,0 0 16,0 0-16,0 0 0,0 1 16,0-1-16,0 0 15,-21 0-15,21 0 0,0 0 16,0 1-16,0-1 0,-21-21 16,21 21-16,-22 0 15,22 0-15,0 0 16,-21-21-16,21 22 15,-21-22 1,0 0 0,21 21-16,-21-21 0,0 0 31,-1 0-31,22 21 31,-21-21-31,0 0 16,0 0-1,0 0 1,0 0-16,-1 0 0,1 0 16,0 0-16,0 0 0,0 0 0,0 0 15,-1 0-15,-20 0 0,21 0 0,-21 0 16,20 0-16,1 0 0,-21 0 0,21 0 16,-22 0-16,22-21 0,-21 21 15,0 0-15,-1 0 0,1 0 16,-22 0-16,1 0 0,-1-21 0,1 21 15,-22 0-15,22 0 0,-22 0 0,-21-22 16,22 22-16,-22-21 0,0 21 0</inkml:trace>
   <inkml:trace contextRef="#ctx0" brushRef="#br1" timeOffset="-128469.1">8699 6160 0,'0'0'0,"-21"0"0,0 0 0,0 0 15,0 0-15,0 0 16,-1 0 0,1 0-1,42 0 32,1 0-31,-1 0-16,0 0 0,0 0 0,0 0 15,22-22-15,-1 1 0,0 21 0,22 0 16,-1-21-16,1 21 0,-1-21 16,1 21-16,-1-21 0,1 21 0,-1-21 15,1 21-15,20 0 0,1-22 16,0 22-16,-1 0 0,-20 0 16,21-21-16,-22 21 0,1 0 0,-1 0 15,-21 0-15,1 0 0,-1 0 16,-21 0-16,0 0 0,1 0 0,-1 0 15,-42 0 32,-1 0-31,1 0-16,0 0 0,0 0 16,0 0-16,-22 0 0,22 0 0,-21 0 15,-22 0-15,22 0 16,-21 0-16,-1 0 0,1 0 0,20 0 15,-20 0-15,-1 0 0,22 0 0,-22 21 16,22-21-16,0 22 0,-22-22 16,22 0-16,0 0 0,-1 21 0,1-21 15,0 0-15,-1 0 0,22 21 16,-21-21-16,-1 0 0,22 0 0,0 21 16,-21-21-16,21 0 0,-1 0 0,1 21 15,0-21-15,0 0 0,0 0 16,0 0-16,-1 21 0,1-21 15,0 0 1,42 0 15,0 0-15,1 0-16,-1 0 0,21 0 0,-21 0 16,22 0-16,-1 0 0,0 0 15,1 0-15,-1 0 0,0 0 0,22 0 16,-22 0-16,0 0 0,22-21 0,-1 21 15,-20 0-15,20 0 0,1 0 16,20 0-16,-20-21 0,-1 21 0,1 0 16,21 0-16,-22 0 0,-21 0 15,22 0-15,-22 0 0,1 0 0,-1 0 16,-21 0-16,21 0 0,-20 0 16,-1 0-16,0 0 15,-42 0 16,0 0-31,-22 0 16,22 0-16,-21 0 0,21 0 0,-22 0 16,1 0-16,0 0 0,-1 0 0,-20 0 15,20 0-15,1 0 0,-21 0 16,20 0-16,-20 0 0,20 0 0,1 0 16,0 0-16,-22 0 0</inkml:trace>
 </inkml:ink>
 </file>
@@ -723,7 +769,7 @@
   <inkml:trace contextRef="#ctx0" brushRef="#br0" timeOffset="56080.05">2963 5080 0,'0'21'63,"0"0"-48,0 1-15,0-1 16,0 0-16,0 0 0,0 0 0,0 0 16,21 1-16,1-1 15,-22 0 1,21-21-16,0 0 0,0 0 15,0 21-15,0-21 0,1 0 16,-1 0-16,0 0 0,0 0 0,0-21 16,0 21-16,22-21 0,-22 0 0,0 21 15,21-22-15,1 1 0,-22 0 16,21-21-16,-21 21 0,1-1 0,-1 1 16,0-21-16,0 21 0,0 0 15,-21-1-15,21 1 0,-21 0 0,0 0 16,0 0-16,0 0 0,-21 21 31,0 0-15,0 21-16,21 0 15,0 0-15,-21 0 0,21 0 16,0 22-16,0-22 0,0 21 0,0 1 16,0-1-16,0 0 0,0-21 15,0 22-15,0-1 0,0 0 0,0 1 16,0-1-16,0-21 0,0 22 0,0-1 15,0-21-15,0 21 0,21 1 16,-21-22-16,0 21 0,0-21 0,0 1 16,0-1-16,0 0 0,0 0 15,0 0-15,0 0 0,0 1 16,-21-1 78,0 0-94,21 0 0,-22-21 15,22 21-15,-21-21 0,21 21 16,-21 1-16,0-1 16,0 0-16,0-21 15,-1 21-15,1-21 0,0 0 0,0 21 16,0-21-16,0 0 0,-1 0 15,1 0-15,0 0 0,0 0 16,0-21-16,0 21 0,-1-21 16,1 0-16,0 0 0,21-1 0,-21 1 15,0 0-15,0 0 0,-1 0 16,1 0-16,21-1 0,-21 22 0,0-21 16,21 42 15,0 1-31,0-1 15,21 0-15,0 0 0,-21 0 16,21 0-16,1 1 0,-1-1 16,0 0-16,0 0 0,0-21 15,0 21-15,1 0 0,-1-21 0,21 0 16,-21 22-16,22-22 0,-22 0 0,21 0 16,-21 0-16,22 0 0,-1 0 15,-21-22-15,21 1 0,-20 21 0,20-21 16,0 0-16,-21 0 0,22 0 0,-22-1 15,21 1-15,-21 0 0,1 0 16,-1-21-16,0 20 0,-21-20 0,0 21 16,21 0-16,-21-22 0,0 22 0,0 0 15,0 0-15,0 0 16,0 0-16,0 42 31,0 0-31,0 0 16,0 0-16,0 0 0,0 1 0,0 20 15,0-21-15,0 0 0,0 0 16,0 22-16,0-22 0,0 0 0,0 0 16,0 0-16,0 1 0,0-1 0,0 0 15,0 0-15,0 0 16,-21-21-16,21 21 16,0-42 15,0 0-31,0 0 0,0 0 15,0 0-15,0-1 0,0 1 0,0-21 16,0 21-16,21-22 0,0 22 16,-21-21-16,21 21 0,1 0 0,-1-22 15,-21 22-15,21 0 0,0 21 0,0-21 16,0 21-16,1 0 0,-1 0 16,0 0-16,0 0 0,0 0 0,-21 21 15,21 0-15,1 0 0,-22 0 0,0 1 16,0-1-16,21 0 15,-21 21-15,0-21 0,0 1 0,0-1 0,0 0 16,0 21-16,0-21 0,0 1 16,0-1-16,0 0 15,21-21-15,-21 21 0,21-21 16,0 0-16,0 0 0,1 0 16,-1 0-16,0-21 0,0 21 15,0-21-15,0 0 0,22-1 0,-22 1 16,21 0-16,-21-21 0,22 21 0,-22-1 15,0-20-15,21 0 0,-20 21 0,-1-22 16,0 1-16,0 0 0,-21 20 16,0 1-16,0 0 0,0 0 0,0 0 15,-21 21 1,0 0 0,0 21-16,-1 0 0,1 0 15,0 22-15,0-22 0,21 0 0,0 21 16,0-21-16,0 1 0,0-1 15,0 21-15,0-21 0,0 0 0,21 1 16,0-22-16,0 21 0,1 0 0,-1-21 16,21 21-16,-21-21 0,0 0 15,1 21-15,-1-21 0,0 21 0,0-21 16,-42 0 15,0 0-31,0 0 0,-1 0 16,1 0-16,-21 0 0,21 0 0,0 0 15,-22 0-15,22 0 0,0 0 0,-21 0 16,20 0-16,1 0 0,0 0 16,21 22-16,0-1 15,0 0-15,21-21 16,-21 21-16,21-21 16,1 0-16,-1 0 0,21 21 0,-21-21 15,0 0-15,22 0 0,-22 0 0,0 0 16,21 0-16,-20 0 0,20 0 15,-21-21-15,21 21 0,-20-21 0,20 0 16,-21 0-16,21 21 0,-20-22 16,-1 1-16,21 0 0,-21 0 0,0-21 15,1 20-15,-1-20 0,-21 21 16,21-21-16,0-1 0,-21 1 0,21 0 16,-21-1-16,0 1 0,0 0 0,0-1 15,0 1-15,0 0 0,0 20 16,0-20-16,0 21 0,0 0 0,0 0 15,0-1-15,-21 22 0,0 0 32,21 22-32,0-1 0,-21 0 0,21 21 15,0-21-15,0 22 0,0-1 0,0 0 16,0 1-16,0-1 16,0 0-16,0 22 0,0-22 0,-21 1 15,21-22-15,0 21 0,0 0 0,0-20 16,0 20-16,0-21 0,0 0 0,0 0 15,0 1-15,0-1 16,21-21-16,0 0 0,0 0 16,0 0-1,-21-21-15,21-1 0,1 1 16,-1 0-16,-21 0 0,0 0 16,0-22-16,0 22 0,0 0 15,0-21-15</inkml:trace>
   <inkml:trace contextRef="#ctx0" brushRef="#br0" timeOffset="56303.93">5101 5652 0,'0'0'0,"-21"21"0,-21-21 15,63 0 17,0 0-32,21 0 0,-21-21 0,1 21 15,20-22-15,0 22 0,-21-21 0,22 0 16,-1 21-16,-21-21 15,22 21-15,-22 0 0,21-21 0,-21 21 0,0 0 16,1 0-16</inkml:trace>
   <inkml:trace contextRef="#ctx0" brushRef="#br0" timeOffset="59347.81">6054 5779 0,'0'-22'16,"0"1"0,0 0-16,0 0 15,0 0-15,0 0 16,0-1-16,0 1 0,0 0 0,-22 0 16,1 0-16,21 0 0,-21 21 15,0-22-15,0 22 16,0 0-16,-1 0 0,1 0 0,0 0 15,0 22-15,0-22 0,0 21 0,-1 21 16,1-21-16,-21 22 0,42-1 16,-21-21-16,0 21 0,-1 1 15,22-1-15,0 0 0,0 1 0,0-22 16,0 0-16,0 21 0,0-20 16,22-1-16,-1-21 0,0 0 15,0 0-15,0 0 0,0 0 0,1 0 16,-1 0-16,0 0 0,0-21 0,0-1 15,0 1-15,1 0 0,-1 0 16,0 0-16,-21-22 0,21 22 0,-21 0 16,21-21-16,-21 21 0,0-22 0,0 1 15,0 21-15,0-22 0,0 22 16,0-21-16,0 21 0,0 0 16,0-1-16,0 44 15,0-1 1,0 0-16,0 0 0,0 0 0,0 22 15,0-1-15,0-21 0,0 21 0,0 1 16,0-22-16,0 21 0,0 1 0,0-22 16,0 0-16,0 0 0,21 0 15,1 0-15,-22 1 0,21-1 0,0-21 16,0 0-16,0 0 0,0 0 16,1 0-16,-1-21 0,0-1 15,0 1-15,0 0 16,0 0-16,1-21 0,-1 20 0,0-20 15,-21 0-15,21-1 0,0 1 16,-21 0-16,0-22 0,21 22 0,-21 0 16,0-1-16,0 1 0,0 0 0,0-1 15,0 1-15,0 0 0,0 20 16,0 1-16,0 0 0,0 0 0,-21 21 16,21 21-16,0 0 15,0 0-15,0 22 0,0-1 16,-21-21-16,21 22 0,0-1 0,0 21 15,-21-20-15,21-1 0,0 22 16,0-22-16,0 0 0,0 1 16,0-1-16,0-21 0,0 21 0,21-20 15,0-1-15,0 0 0,-21 0 0,22 0 16,-1-21-16,0 0 0,0 0 16,0 0-16,0 0 0,22 0 0,-22 0 15,0-21-15,0 0 0,22 0 0,-22 0 16,0-1-16,21 1 0,-21-21 0,1 0 15,-1-1-15,0 1 0,0 0 16,-21-1-16,21 1 0,-21 0 0,21-1 16,-21 1-16,22 0 0,-22-22 15,0 43-15,0-21 0,0-1 0,0 22 16,0 0-16,0 0 0,0 0 0,-22 21 31,1 0-31,21 21 16,0 0-16,0 21 0,0-21 0,0 22 15,0-1-15,0 0 0,-21 1 0,21-1 16,0 0-16,0 1 0,0-1 0,-21 22 16,21-22-16,0 0 0,0 1 15,0-1-15,0 0 0,0-21 0,0 22 16,0-22-16,0 0 0,0 0 0,21 0 16,0-21-16,0 22 0,1-22 15,-1 0-15,0 0 0,21 0 16,-21 0-16,1 0 0,20-22 0,-21 1 15,21 21-15,-20-21 0,-1 0 0,21 0 16,-21 0-16,0-1 0,1-20 16,-1 21-16,0 0 0,0-22 0,-21 22 15,0-21-15,21 21 0,-21 0 0,0-22 16,0 22-16,0 0 0,0 0 0,0 0 16,-21 21-1,0 0-15,0 0 0,0 0 16,-1 21-16,22 0 0,-21 0 0,0 0 15,0 0-15,0 22 0,21-22 16,0 0-16,-21 21 0,21-20 16,-22-1-16,22 21 0,0-21 0,0 0 15,0 1-15,0-1 0,0 0 16,22-21-16,-1 0 0,0 0 16,0 0-16,0 0 15,0 0-15,1-21 16,-1 0-16,-21-1 0,21 1 15,0 0-15,-21 0 0,21-21 0,-21 20 16,0 1-16,0 0 0,0-21 16,0 21-16,0-1 0,0 1 0,0 0 15,0 0-15,0 42 32,0 0-32,0 0 15,0 1-15,0-1 0,0 21 0,-21-21 16,21 0-16,0 1 0,0 20 0,0-21 15,0 0-15,0 0 0,0 1 16,0-1-16,21 0 0,-21 0 0,21-21 16,1 21-16,-1-21 0,0 0 0,0 0 15,0 0-15,22 0 0,-22 0 0,0 0 16,0-21-16,21 21 0,-20-21 16,-1 0-16,0 0 0,0-1 0,0 1 15,0 0-15,1-21 0,-1 21 16,0-22-16,-21 1 0,21-22 0,0 22 15,-21 0-15,0-22 0,21 22 16,-21-22-16,22 22 0,-22-21 0,0 20 16,0-20-16,0 20 0,0 1 0,0 21 15,0-21-15,0 20 0,0 1 16,-22 21 0,22 21-16,-21 22 0,21-22 15,-21 21-15,21 1 0,0-1 0,0 0 16,0 1-16,0 20 0,0-21 15,-21 1-15,21 20 0,0-20 0,0-1 16,0 21-16,0-20 0,0-1 16,0 0-16,0-20 0,0 20 0,21-21 15,-21 0-15,21 0 0,0 1 16,-21-1-16,22-21 0,-1 0 0,0 0 16,0 0-16,0 0 0,0 0 0,22 0 15,-22 0-15,0 0 0,0-21 0,0-1 16,1 1-16,-1 0 0,0 0 15,-21 0-15,21 0 0,0-22 0,0 22 16,-21-21-16,0 21 0,0-22 0,22 22 16,-22 0-16,0-21 0,21 42 15,-21-22-15,0 1 0,0 42 32,0 1-32,0-1 0,0 0 15,0 0-15,0 21 0,0-20 0,0-1 16,0 0-16,0 21 0,0-21 15,0 1-15,0-1 0,0 0 0,0 0 16,0 0-16,21 0 0,0-21 16,0 0-16,0 0 0,1 0 15,-1 0-15,0 0 0,0 0 16,0-21-16,0 21 0,1-21 16,-22 0-16,21 0 0,0 0 15,0-1-15,-21 1 0,21 0 0,0 0 16,-21-21-16,22 20 0,-22 1 0,0 0 0,0 0 15,0 0 1,0 42 0,0 0-1,-22 0-15,22 0 0,0 1 0,0-1 16,-21 0-16,21 0 0,0 0 0,0 22 16,0-22-16,0 0 15,0 0-15,0 0 0,0 0 16,21-21-16,1 0 0,-1 0 15,0 0-15,0 0 0,0 0 16,0-21 0,1 0-16,-22 0 0,0 0 15,0 0-15,0-1 0,0 1 16,0 0-16,0 0 0,0 0 0,0 0 16,-22-1-16,1 1 0,0 0 0,21 0 15,-21 0-15,0 0 16,21-1-1,0 1 1,21 21-16,0 0 0,0 0 16,22 0-16,-22 0 0,0 0 15,0 0-15,21 0 0,-20 0 0,-1 0 16,0 0-16,21 21 0,-21 1 16,1-22-16,-1 21 0,-21 0 0,21 0 15,-21 0-15,21 0 0,-21 1 0,0 20 16,21-21-16,-21 0 0,0 0 15,0 1-15,0-1 0,0 0 0,0 0 16,0 0-16,0 0 0,0 1 16,-21-22-16,21 21 15,-21-21-15,0 0 16,21-21 0,0-1-1,0 1-15,0 0 0,0 0 0,0 0 16,0 0-16,0-22 0,21 1 0,0 21 15,0-22-15,0 1 0,1 0 16,-1 21-16,0-22 0,0 22 0,43-21 16,-43 21-16,0 21 0,0 0 15,21 0-15,-20 0 0,-1 0 0,0 0 16,0 21-16,0 0 0,0 0 0,-21 0 16,0 0-16,0 22 0,0-22 15,0 0-15,0 21 0,0-20 0,0-1 16,0 21-16,0-21 0,0 0 0,-21 1 15,0-1-15,21 0 0,0 0 0,0 0 16,-21 0-16,0-21 47,21-21-31,0 0-16,0 0 15,-21 21-15,21-21 0,-22 0 0,1-22 16,21 22-16</inkml:trace>
-  <inkml:trace contextRef="#ctx0" brushRef="#br0" timeOffset="59551.69">9165 5038 0,'0'0'0,"-21"0"0,21-21 15,-21 21-15,0 0 16,-1 0-16,1 21 78</inkml:trace>
+  <inkml:trace contextRef="#ctx0" brushRef="#br0" timeOffset="59551.68">9165 5038 0,'0'0'0,"-21"0"0,21-21 15,-21 21-15,0 0 16,-1 0-16,1 21 78</inkml:trace>
   <inkml:trace contextRef="#ctx0" brushRef="#br0" timeOffset="59792.56">7874 5398 0,'0'0'0,"-21"0"0,0 0 0,42 0 32,21 0-32,-21 0 15,22 0-15,-22 0 0,21-22 16,0 22-16,1 0 0,-1 0 0,0-21 15,-20 21-15,20 0 0,-21 0 16,0 0-16,0-21 0,1 21 0,-1 0 16,0-21-1,0 21-15</inkml:trace>
   <inkml:trace contextRef="#ctx0" brushRef="#br0" timeOffset="60839.93">10880 5144 0,'21'0'16,"0"-22"-16,-21 1 15,21 0-15,0 0 16,-21 0-16,0 0 16,0-1-16,0 1 15,0 0-15,-21 0 0,0 21 16,0 0-16,0 0 0,-1 0 0,1 0 15,-21 0-15,21 0 0,0 0 0,-22 21 16,22 0-16,-21 0 0,-1 1 16,22-1-16,-21 21 0,21-21 15,-22 22-15,22-1 0,0-21 0,0 21 16,0-20-16,21 20 0,0-21 0,0 0 16,0 0-16,0 1 0,0-1 0,0 0 15,21-21-15,0 21 0,0-21 16,0 21-16,22-21 0,-22 0 0,0 0 15,21 0-15,-20 0 0,-1 0 0,21 0 16,-21 0-16,0 0 0,1 0 0,-1-21 16,0 21-16,0-21 0,-21 0 15,-21 21 17,0 0-32,0 0 0,-22 0 15,22 0-15,0 0 0,0 21 0,0 0 16,-1-21-16,-20 21 0,21 0 15,0 1-15,0-1 0,-1 0 0,1 0 16,21 0-16,-21 0 0,21 1 0,0-1 16,-21 0-16,21 0 0,0 0 15,0 0-15,21-21 0,0 22 16,0-22-16,1 0 16,-1 0-16,0 0 0,0 0 0,0 0 0,22-22 15,-22 1-15,0 21 0,0-21 0,21 21 16,-20-21-16,-1 0 0,0 0 15,0 21-15,-21-22 0,21 1 0,-21 0 16,0 0 0,0 42-1,-21 0 1,0 0-16,21 1 0,-21-1 16,0 21-16,-1-21 0,22 22 0,-21-22 15,0 21-15,0 0 0,21 1 16,-21-1-16,0 0 0,21 1 0,-22-1 15,1 0-15,0 1 0,0-22 0,21 21 16,0 1-16,-21-22 0,0 0 0,21 21 16,0-21-16,0 1 15,0-1-15,0-42 32,0-1-32,0 1 15,0-21-15,21 21 0,0 0 0</inkml:trace>
   <inkml:trace contextRef="#ctx0" brushRef="#br0" timeOffset="61796.4">12086 4932 0,'0'-21'0,"0"0"15,0-1-15,0 1 16,0 0-16,0 0 0,0 0 16,0 0-16,0-1 15,0 1-15,-21 21 16,21-21-16,-21 21 15,0 0-15,21 21 0,0 0 16,0 1-16,0 20 0,0 0 16,0 22-16,0-22 0,0 22 0,-22-1 15,22 1-15,0-22 0,0 21 0,-21 1 16,21-22-16,0 22 0,0-22 0,0 22 16,0-22-16,-21 0 0,21-21 0,0 22 15,0-22-15,0 21 0,0-21 16,0 1-16,0-1 0,0-42 47,0-1-47,0 1 15,0 0-15,0-21 0,0 21 0,21-1 16</inkml:trace>
@@ -731,7 +777,7 @@
   <inkml:trace contextRef="#ctx0" brushRef="#br0" timeOffset="62560.23">12552 5292 0,'0'-21'31,"0"-1"-31,0 1 16,0 0-16,21 21 0,0 0 16,0-21-16,0 21 0,1 0 0,20 0 15,-21 0-15,0 0 0,22 0 16,-22 21-16,21 0 0,-21 0 0,0 1 16,1-1-16,-1 0 0,0 0 0,-21 21 15,0-20-15,0-1 0,0 0 0,0 21 16,0-21-16,-21 1 0,0-1 15,-1 0-15,1 0 0,0 0 0,0 0 16,0-21-16,0 0 0,-1 22 0,1-22 16,21-22-1,0 1-15,0 0 16,0 0-16,0 0 0,0-22 16,21 22-16,1-21 0,-1 21 0,0-22 15,0 1-15,0 0 0,22 21 0,-22-22 16,0 22-16,0-21 0,0 21 0,0-1 15,1 22-15,-1-21 0,0 21 16,0 0-16,-21 21 16,0 1-16,0-1 15,0 0-15,0 0 0,21 0 16,0 0-16,-21 1 0</inkml:trace>
   <inkml:trace contextRef="#ctx0" brushRef="#br0" timeOffset="63408.89">13547 5228 0,'0'-21'0,"0"42"0,0-63 0,-22 21 16,1 21-16,0 0 16,0 0-16,0 0 0,0 0 15,-1 21-15,1 0 0,-21 0 0,21 0 16,0 1-16,-1 20 0,1-21 0,0 21 15,0-20-15,0 20 0,21-21 0,0 21 16,0-20-16,0-1 16,0 21-16,0-21 0,0 0 0,0 1 15,0-1-15,21 0 0,0-21 0,0 0 16,0 21-16,22-21 0,-22 0 0,21 0 16,-21 0-16,22-21 0,-1 21 15,-21-21-15,22 0 0,-22-1 0,21 1 16,-21 0-16,0 0 0,22 0 0,-22 0 15,-21-22-15,21 22 0,-21-21 0,0 21 16,0-22-16,0 22 0,0-21 0,0-1 16,0 22-16,-21 0 0,0 0 15,0 0-15,-1 0 0,1 21 0,-21 0 16,21 0-16,-22 0 0,1 0 16,21 0-16,-21 21 0,-1 0 0,22 0 15,-21 0-15,21 0 0,-1 22 16,1-22-16,21 21 0,0-21 0,0 22 15,0-22-15,0 0 0,0 21 0,21-20 16,1-1-16,20 0 0,-21 0 0,21 0 16,1-21-16,-1 0 0,0 0 0,1 0 15,-1 0-15,0 0 0,1 0 16,20-21-16,-20 21 0,-1-21 0,0 0 16,1 0-16,-1-1 0,0 1 0,-21 0 15,1 0-15,-1 0 0,0 0 16,0-1-16,0 1 0,-21 0 0,0 0 15,0 0-15,0 0 0,0 42 47,0 0-47,0 0 0,0 21 0,0-20 16,0 20-16,0 0 0,0 1 0,0-1 16,0 0-16,0 1 0,0 20 15,-21 1-15,21-22 0,-21 21 0,21 1 16,-21-22-16,0 22 0,-1-1 0,22 1 15,-21-1-15,0 1 0,0-1 0,0 22 16,0-22-16,21-20 0,-22 20 0,22 1 16,-21-22-16,21 0 0,0 1 15,0-22-15,-21 0 0,21 0 0,-21 0 16,21 1-16,-21-22 0,0 0 0,-1 0 16,1 0-1,21-22 1,0 1-16,0 0 0,0 0 0,0 0 15,0 0-15,0-22 0,0 22 0,0-21 16,0-1-16,0 1 0,0 0 0,0-1 16,0-20-16,0 21 0,0-22 15,0 22-15</inkml:trace>
   <inkml:trace contextRef="#ctx0" brushRef="#br0" timeOffset="63621.77">14097 4995 0,'0'0'0,"-64"-42"15,64 21-15,-21 21 16,0 0-16,21-21 0,0 42 31,21 0-31,0-21 16,1 21-16,-1 0 15,0-21-15,0 22 0,0-1 0</inkml:trace>
-  <inkml:trace contextRef="#ctx0" brushRef="#br0" timeOffset="63975.76">14393 5525 0,'21'0'15,"1"0"-15,-1 0 0,0-22 16,0 1-16,0 21 0,0-21 0,1 0 16,-1 0-16,0 0 0,0-1 15,0 1-15,0 0 0,-21 0 0,0 0 16,22 0-16,-22-1 0,0 1 0,-22 21 31,1 0-31,0 21 16,-21 1-16,21-1 0,-1 0 0,1 0 15,0 21-15,0-20 0,0 20 0,0-21 16,-1 21-16,22-20 0,0 20 0,0-21 16,0 0-16,0 0 0,0 22 0,22-22 15,-1 0 1,0-21-16,21 0 0,-21 21 0,1-21 0,-1 0 16,21 0-16,-21 0 0,22 0 15,-22 0-15,21-21 0,-21 0 0,22 21 16,-22-21-16,21 0 0</inkml:trace>
+  <inkml:trace contextRef="#ctx0" brushRef="#br0" timeOffset="63975.75">14393 5525 0,'21'0'15,"1"0"-15,-1 0 0,0-22 16,0 1-16,0 21 0,0-21 0,1 0 16,-1 0-16,0 0 0,0-1 15,0 1-15,0 0 0,-21 0 0,0 0 16,22 0-16,-22-1 0,0 1 0,-22 21 31,1 0-31,0 21 16,-21 1-16,21-1 0,-1 0 0,1 0 15,0 21-15,0-20 0,0 20 0,0-21 16,-1 21-16,22-20 0,0 20 0,0-21 16,0 0-16,0 0 0,0 22 0,22-22 15,-1 0 1,0-21-16,21 0 0,-21 21 0,1-21 0,-1 0 16,21 0-16,-21 0 0,22 0 15,-22 0-15,21-21 0,-21 0 0,22 21 16,-22-21-16,21 0 0</inkml:trace>
   <inkml:trace contextRef="#ctx0" brushRef="#br0" timeOffset="64503.46">15325 5144 0,'0'0'0,"21"-22"0,-21-62 16,-21 105 15,-1 0-31,1 0 16,0 0-16,21 22 0,-21-22 0,0 21 15,0-21-15,21 22 0,0-1 16,0-21-16,-22 22 0,22-22 0,0 21 16,0-21-16,0 22 0,0-22 15,0 0-15,0 0 0,22 0 0,-1 0 16,0 1-16,21-22 0,-21 0 16,1 0-16,-1 0 0,21 0 0,-21 0 15,0-22-15,22 1 0,-22 0 0,0 0 16,21 0-16,-20 0 0,-1-1 15,0-20-15,0 0 0,0 21 16,0-22-16,1 1 0,-1-22 0,0 22 16,0-21-16,0-1 0,0 1 0,-21-1 0,22 22 15,-1-1-15,-21 1 16,0 0-16,0 21 0,0-1 0,0 1 16,0 0-16,0 42 15,0 0-15,-21 22 0,-1-1 16,22 0-16,-21 1 0,0-1 0,0 22 15,0-22-15,21 21 0,-21-20 16,21 20-16,-22-20 0,22-1 0,0 0 16,0 1-16,0-1 0,0-21 0,0 21 15,0-20-15,0-1 0,0 21 16,0-21-16,22-21 0,-1 21 0,0-21 16,0 0-16,0 0 15,0 0-15,1 0 16,-1 0-16,0 0 0,-21-21 0,0 0 15,0 0-15,21 0 0,-21 0 0,0-1 16,0 1-16</inkml:trace>
   <inkml:trace contextRef="#ctx0" brushRef="#br0" timeOffset="64683.35">15663 5228 0,'0'0'0,"21"0"46,1 0-30,-1-21-16,0 21 0,0 0 0,0 0 16,0-21-16,22 21 0,-22-21 0,0 21 15,0 0-15,22-21 0,-22 21 0,0-22 16,0 22-16,0-21 0</inkml:trace>
   <inkml:trace contextRef="#ctx0" brushRef="#br0" timeOffset="66079.64">16912 5080 0,'21'0'0,"0"0"16,22 0-16,-22 0 0,0 0 0,21-21 15,-20 0-15,20 21 0,0-21 0,-21-1 16,22 1-16,-22 0 0,0 21 0,0-21 16,0 0-16,-21 0 0,0-1 15,0 1-15,0 0 0,0 0 0,-21 0 16,0 0-16,0-1 0,-21 22 0,20 0 16,-20 0-16,21 0 0,-21 0 0,-1 0 15,22 0-15,-21 0 16,-1 22-16,22-1 0,-21-21 0,21 21 15,-22 0-15,22 21 0,0-20 0,0-1 16,0 21-16,0-21 0,21 22 0,0-22 16,0 21-16,0-21 0,0 22 15,0-22-15,0 21 0,21-21 0,0 0 16,0 22-16,0-22 0,0 0 0,-21 21 16,22-20-16,-1-1 0,0 0 0,-21 0 15,0 21-15,0-20 0,21-1 16,-21 0-16,0 0 0,0 0 0,0 0 15,-21-21-15,0 22 0,21-1 0,-21-21 16,-22 0-16,22 21 0,0-21 16,-21 0-16,20 0 0,-20 0 0,0 0 15,-1 0-15,1 0 0,21-21 0,-21 0 16,-1-1-16,22 22 0,0-21 16,0-21-16,0 21 0,-1 0 0,1-1 15,21-20-15,-21 21 0,21 0 0,0 0 16,0-1-16,0 1 0,0 0 15,21 21 1,0 0-16,1 0 0,-22 21 0,21 0 16,0-21-16,0 22 0,-21-1 0,21 0 15,0 0-15,1 0 0,-1 0 0,0 22 16,0-22-16,0 0 0,0 0 16,1 0-16,-1 1 0,0-1 15,0 0-15,21-21 0,-20 21 0,-1 0 16,21-21-16,-21 0 0,22 0 0,-22 0 15,21 0-15,0 0 0,1 0 0,-1 0 16,0 0-16,-20 0 0,20-21 0,0 0 16,1 0-16,-22 0 0,21-1 15,-21 1-15,0 0 0,1 0 0,-1 0 16,-21 0-16,0-22 0,21 22 16,-21-21-16,0 21 0,0-1 0,0 1 15,0 0-15,0 0 0,0 0 0,-21 21 16,0 0-16,-1 0 15,1 0-15,21 21 0,-21 0 16,0-21-16,21 21 0,0 22 0,-21-22 16,21 0-16,-21 0 0,21 0 0,0 0 15,0 22-15,0-22 0,0 0 0,0 0 16,21 0-16,0 1 0,21-1 16,-21 0-16,1-21 0,-1 0 15,21 0-15,-21 0 0,0 0 0,22 0 16,-1 0-16,-21-21 0,22 21 0,-22-21 15,0-1-15,21 1 0,-21 0 16,1 0-16,-1-21 0,0 20 16,0-20-16,0 0 0,0-1 0,1-20 15,-1 21-15,0-22 0,0 22 0,0-22 16,0 1-16,-21-1 0,22 1 0,-22 20 16,21-20-16,-21 21 0,21-1 15,-21 22-15,0-21 0,0 21 0,0-1 16,-21 22-1,0 0-15,21 22 0,0-1 0,-22 0 16,1 21-16,21-21 0,-21 43 16,0-22-16,21 1 0,0 20 15,0-21-15,-21 22 0,21-22 0,-21 22 0,21-22 16,0 22-16,0-22 0,0 0 0,0 1 16,0-1-16,0 0 0,0-21 15,0 22-15,0-22 0,0 0 16,0 0-16,0 0 0,21 1 0,0-22 15,0 21-15,0-21 0,0 0 16,1 0-16,-1 0 0,0-21 16,0 21-16,0-22 0,-21 1 15,21 0-15,1 21 0,-22-21 0,21 0 16,-21 0-16,21-1 0,-21 1 16,0 0-16,0 0 0,0 0 0,0 0 0,0-1 15</inkml:trace>
@@ -750,7 +796,7 @@
   <inkml:trace contextRef="#ctx0" brushRef="#br0" timeOffset="105096">11493 7345 0,'0'-21'0,"0"42"0,0-63 16,0 20-16,0 1 0,0-21 0,0 21 0,0 0 15,-21 21-15,0-22 0,0 1 16,0 21-16,0 0 0,-1 0 0,1 0 16,0 0-16,0 0 0,0 21 0,0 1 15,-1-1-15,1 21 0,0-21 16,0 22-16,21-1 0,-21 0 0,21-21 15,0 22-15,0-1 0,0 0 0,0-20 16,0 20-16,0-21 0,0 21 0,21-20 16,0-1-16,0 21 0,0-21 0,1-21 15,-1 21-15,0 1 0,0-22 16,21 0-16,-20 0 0,20 0 0,-21 0 16,21 0-16,1 0 0,-22-22 0,21 22 15,-21-21-15,22 0 0,-1 0 0,0-21 16</inkml:trace>
   <inkml:trace contextRef="#ctx0" brushRef="#br0" timeOffset="105787.39">12234 6541 0,'0'-22'16,"0"44"-16,0-86 0,0 43 0,-21 0 0,0 21 15,0 0-15,0 0 16,-1 0-16,22 42 0,-21-21 15,21 22-15,0-1 0,-21 0 0,21 1 16,-21 20-16,21-21 0,0 22 0,0-22 16,0 22-16,0-1 15,0-20-15,0 20 0,-21 1 0,21-1 16,0-21-16,0 22 0,0-22 0,-21 1 16,21-1-16,0-21 0,0 21 0,0-20 15,0-1-15,0 0 0,0 0 0,-22-21 16,22-21 15,0 0-31,22 0 0,-22-1 0,21 1 16,0 0-16,-21-21 0,21 21 0,0-1 15,-21-20-15,21 21 0,1 0 16,-1 0-16,-21-1 0,21 1 0,0 21 16,0 0-1,-21 21-15,21 1 0,-21-1 16,0 0-16,0 0 0,0 21 0,0-20 15,0-1-15,0 21 0,0-21 0,0 0 16,22 1-16,-1-1 0,0 0 0,-21 0 16,21-21-16,0 21 0,0-21 0,1 0 15,-1 0-15,0 0 0,0 0 0,0 0 16,0 0-16,1 0 0,-1-21 16,0 0-16,0 21 0,0-21 15,0 0-15,-21-1 0,22 1 0,-1-21 0,-21 21 16,0 0-16,0-22 0,21 22 15,-21 0-15,0 0 0,0 0 0,0-1 16,0 44 15,-21-1-31,21 0 0,0 0 0,0 0 16,0 0-16,-21 1 0,21 20 0,0-21 16,0 0-16,0 0 0,0 1 0,0-1 15,0 0-15,0 0 16,21-21-1,0 0 1,-21-21 0,21 0-16,0 0 0,-21-1 15,0-20-15,0 21 0</inkml:trace>
   <inkml:trace contextRef="#ctx0" brushRef="#br0" timeOffset="105932.31">12742 7027 0,'-21'0'0,"42"0"0,-63-21 15,21 21-15,0 0 16,-1 0-16,44 0 31,-1 0-15,0 0-16,0 0 0,0 0 0</inkml:trace>
-  <inkml:trace contextRef="#ctx0" brushRef="#br0" timeOffset="106304.44">13398 6519 0,'0'0'0,"0"-21"0,0-63 16,0 62-16,0 1 16,-21 0-16,0 21 15,0 21 1,21 0-16,-21 22 0,21-1 0,0 0 15,-21 1-15,-1 20 0,1-20 16,21 20-16,-21 1 0,21-1 16,-21-21-16,21 22 0,-21-1 0,21 1 15,0-1-15,0-20 0,-21 20 0,21-20 16,0-1-16,0 0 0,0 1 0,0-1 16,0-21-16,0 21 0,0-20 0,0-1 15,0 0-15,0 0 0,0 0 0,0 0 16,0 1-16,21-22 31,0 0-31,0 0 16,-21-22-16,21 1 0,-21 0 15,21 0-15,-21 0 0,0-22 0,0 22 16,0 0-16,0-21 0</inkml:trace>
+  <inkml:trace contextRef="#ctx0" brushRef="#br0" timeOffset="106304.43">13398 6519 0,'0'0'0,"0"-21"0,0-63 16,0 62-16,0 1 16,-21 0-16,0 21 15,0 21 1,21 0-16,-21 22 0,21-1 0,0 0 15,-21 1-15,-1 20 0,1-20 16,21 20-16,-21 1 0,21-1 16,-21-21-16,21 22 0,-21-1 0,21 1 15,0-1-15,0-20 0,-21 20 0,21-20 16,0-1-16,0 0 0,0 1 0,0-1 16,0-21-16,0 21 0,0-20 0,0-1 15,0 0-15,0 0 0,0 0 0,0 0 16,0 1-16,21-22 31,0 0-31,0 0 16,-21-22-16,21 1 0,-21 0 15,21 0-15,-21 0 0,0-22 0,0 22 16,0 0-16,0-21 0</inkml:trace>
   <inkml:trace contextRef="#ctx0" brushRef="#br0" timeOffset="106464.35">13187 7239 0,'0'0'0,"-64"0"15,43 0-15,0 0 0,0 0 0,0 0 16,21 21 0,21-21-1,0 0-15,0 0 0,0 0 16,0 0-16,22 0 0,-22 0 0,0 0 16,0-21-16,22 0 0,-22 21 15,0-21-15,0 21 0,0-21 0</inkml:trace>
   <inkml:trace contextRef="#ctx0" brushRef="#br0" timeOffset="107044.01">13271 7408 0,'22'0'0,"-22"22"0,21-22 0,0 0 16,0 0-16,0 0 16,0 0-16,1-22 0,20 22 0,-21-21 15,0 0-15,22 21 0,-22-21 16,0 0-16,0 0 0,0 21 0,0-22 15,1 1-15,-22 0 0,0 0 0,0 0 16,0 0-16,0-1 0,-22 1 16,1 21-16,0 0 0,0 0 0,-21 0 15,20 0-15,-20 0 0,21 0 16,-21 21-16,20 1 0,1-1 16,-21 0-16,21 21 0,0-21 0,21 1 15,0 20-15,-22-21 0,22 0 0,0 0 16,0 22-16,0-22 0,0 0 0,22-21 15,-1 21-15,0 0 0,0-21 0,0 22 16,0-22-16,22 0 0,-22 0 16,0 0-16,21 0 0,1 0 0,-22 0 15,21 0-15,-21-22 0,22 1 0</inkml:trace>
   <inkml:trace contextRef="#ctx0" brushRef="#br0" timeOffset="108371.76">14287 7027 0,'0'-21'0,"0"42"0,-21-63 16,0 42-16,0 0 0,0 0 15,0 0-15,-22 0 16,22 0-16,0 0 0,0 21 0,0 0 16,-22 1-16,22 20 0,0-21 0,0 21 15,0 1-15,-1-1 0,1 0 0,21-20 16,0 20-16,-21 0 0,21 1 0,0-1 15,0-21-15,0 21 0,0-20 0,0-1 16,0 0-16,21 0 0,0 0 16,1-21-16,-1 21 0,0-21 15,21 0-15,-21 0 0,22 0 0,-22 0 16,21 0-16,1 0 0,-1-21 0,0 0 16,-21 21-16,22-21 0,-1-21 0,0 20 15,-20-20-15,20 21 0,-21-21 0,21-22 16,-20 22-16,-1-22 0,0 1 0,0-1 15,21 1-15,-42-1 0,22 1 16,-1-1-16,0 1 0,-21-1 0,21 1 16,-21-1-16,0 1 0,0 20 0,0 1 15,0 0-15,0-1 0,0 22 16,0 0-16,0 0 16,-21 21-16,21 21 15,0 0-15,-21 22 0,0-1 0,-1 0 16,22 1-16,0 20 0,-21 1 0,21-1 15,-21 1-15,21-22 0,0 21 0,0 1 16,0-1-16,0 1 0,0-1 16,0 1-16,0-22 0,0 22 0,0-22 15,0 0-15,0 1 0,0-1 0,21 0 16,0-20-16,1-1 0,-1 0 0,0 0 16,0 0-16,0-21 0,22 0 0,-22 0 15,0 0-15,21 0 0,-21 0 16,22-21-16,-22 0 0,0 21 0,21-21 15,-20-22-15,-1 22 0,0 0 16,0-21-16,0 21 0,-21-22 0,21 1 16,1 0-16,-22-1 0,21 22 0,-21-21 15,0 21-15,0-1 0,0 1 0,0 0 16,0 42 0,-21 0-16,21 1 15,-22 20-15,1-21 0,21 0 16,0 22-16,0-22 0,0 21 15,0-21-15,0 0 0,0 22 0,0-22 0,0 0 16,0 0-16,0 0 0,0 1 16,0-1-16,21 0 0,1-21 15,-1 21-15,0-21 0,0 0 0,0 0 16,0 0-16,1 0 0,-1 0 0,-21-21 16,21 0-16,0 0 0,0-1 15,0 1-15,1-21 0,-1 21 0,-21 0 16,21-22-16,0 22 0,-21-21 0,0 21 15,0-22-15,21 22 0,-21 0 16,0 0-16,0 42 16,0 0-1,-21 21 1,21-20-16,0-1 0,0 0 0,0 21 16,-21-21-16,21 1 0,0-1 0,0 21 15,0-21-15,0 0 0,0 1 0,0-1 16,0 0-16,0 0 0,0 0 15,21-21-15,0 0 0,0 0 16,1 0-16,-1 0 0,0 0 16,0 0-16,0 0 0,0-21 15,-21 0-15,22 0 0,-1 21 0,0-21 16,0-1-16,0-20 0,-21 21 0,21 0 16,1-22-16,-1 22 0,-21-21 0,21 21 15,0 0-15,-21-1 0,21 1 0,0 0 16,-21 0-16,22 0 0,-1 21 15,0 0-15,0 0 0,0 21 16,0 0-16,1 0 16,-22 0-16,0 1 0,21-1 0,-21 0 15,0 21-15,0-21 0,0 1 0,0 20 16,0-21-16,0 0 0,0 0 0,0 1 16,0-1-16,0 0 0,0 0 0,-21 0 15,-1-21-15,22-21 31,0 0-15,0 0-16,0 0 0,0-1 16,0 1-16,0 0 0,0-21 15,22 21-15,-1-22 0,-21 1 0,21 0 16,0 20-16,0-20 0,0 0 0,-21 21 16,22-1-16,-1 1 0,0 21 0,0-21 15,0 21-15,0 0 0,1 0 16,-1 0-16,0 0 0,-21 21 0,21-21 15,0 21-15,0 1 0,-21-1 0</inkml:trace>
@@ -772,11 +818,11 @@
   <inkml:trace contextRef="#ctx0" brushRef="#br0" timeOffset="130116.21">1206 11367 0,'0'0'0,"-21"0"0,0 0 0,0 0 15,0 0 1,0 0-16,-1 0 16,22 21-1,0 0-15,0 0 0,-21 0 16,21 0-16,-21 1 0,21-1 15,0 0-15,0 0 0,-21 0 16,21 0-16,-21-21 0,21 22 0,0-1 16,0 0-16,-21-21 0,21 21 15,-22-21-15,22-21 47,0 0-31,22 21-16,-1-21 0,0 21 0,0-22 15,0 22-15,0 0 0,22-21 16,-22 21-16,21 0 0,1 0 0,-1 0 16,0 0-16,-21 21 0,22 1 15,-1-1-15,0 0 0,-20 0 16,20 0-16,-21 0 0,-21 22 16,0-22-16,0 0 0,0 21 0,0 1 15,0-22-15,-21 21 0,0-21 0,0 22 16,-1-22-16,-20 0 0,21 0 15,0 0-15,-22 1 0,22-1 0,0-21 16,-21 0-16,21 0 0,-1 0 16,1 0-16,0 0 0,0 0 0,0 0 15,0 0-15,-1 0 0,22-21 16,0-1-16,-21 1 16,21 0-16,0 0 15,0 0 1,21 0-16,1-1 15,-1 22-15,0-21 0</inkml:trace>
   <inkml:trace contextRef="#ctx0" brushRef="#br0" timeOffset="130300.11">1968 11853 0,'0'0'15,"22"0"1,-1 0 31,0 0-47</inkml:trace>
   <inkml:trace contextRef="#ctx0" brushRef="#br0" timeOffset="131184.57">4487 11240 0,'21'0'16,"1"0"-1,-1 0-15,0-22 0,0 1 0,0 0 16,22 0-16,-22 0 0,21 0 0,-21-1 16,22 1-16,-1 0 0,-21-21 15,21 21-15,-20-1 0,-1 1 0,-21 0 16,0 0-16,0 0 0,0 0 16,-21 21-16,-1 0 0,-20 0 15,0 0-15,-1 0 0,-20 0 0,21 0 16,-1 21-16,-20-21 0,20 21 0,-20 0 15,21 0-15,-1 0 0,1 1 16,21-1-16,0 0 0,-1 0 16,22 21-16,0-20 0,0-1 0,22 21 15,-1-21-15,0 0 0,21 22 0,1-22 16,-1 0-16,0 21 0,22-20 16,-22-1-16,22 0 0,-22 0 0,0 21 15,1-20-15,-1-1 0,-21 0 0,0 0 16,0 0-16,-21 22 0,0-22 15,-21 0-15,0 21 0,0-21 0,-43 1 16,22-1-16,-21 0 0,-1 21 0,1-21 16,-1 1-16,-21-22 0,22 21 15,-1 0-15,-20-21 0,20 0 16,1 0-16,20 0 0,-20-21 0,21 0 16,-1-1-16,1 1 0,0-21 0,20 21 15,1-22-15,21 1 0,0-21 16,0 20-16,0-20 0,0-1 0,21 1 15,1-1-15,20 22 0,-21-22 16,21 22-16,1 21 0,-1-21 0,0 20 16,1 22-16,-22 0 0,21 0 0,-21 22 15,22-1-15,-22 21 0,0 0 16,0 1-16,0 20 0,-21 1 0,0-22 16,0 22-16,0-1 0,0 1 15,0-1-15,0-21 0,-21 22 0,21-1 16,0-20-16,0-1 0,0 0 0,0 1 15,0-22-15,0 21 0,0-21 16,21 1-16,1-22 16,-1 0-16,0 0 0,0 0 15,21-22-15,-20 1 0,-1 0 0,21 0 16,-21-21-16,22 20 0,-22-20 0</inkml:trace>
-  <inkml:trace contextRef="#ctx0" brushRef="#br0" timeOffset="131579.45">4974 11409 0,'0'21'0,"21"0"16,0-21 0,1 0-16,-1 0 15,0 0-15,0-21 0,0 21 16,0-21-16,22 0 0,-22 0 15,0-1-15,0 1 0,0 0 0,1 0 16,-22 0-16,0 0 0,0-1 0,0 1 16,0 0-16,0 0 0,-22 21 15,1 0-15,0 0 0,-21 0 0,21 0 16,-1 0-16,1 21 0,-21 0 0,21 0 16,0 1-16,-1 20 0,1 0 15,0-21-15,0 22 0,0-1 16,21 0-16,0 1 0,0-1 0,0 0 15,0-20-15,0 20 0,0-21 0,0 21 16,0-20-16,21-1 0,0 0 16,21 0-16,-20-21 0,-1 0 15,0 0-15,0 0 0,21 0 0,-20 0 16,20-21-16,0 0 0,1 0 0,-1-1 16,0 1-16,1-21 0,-1 21 15</inkml:trace>
-  <inkml:trace contextRef="#ctx0" brushRef="#br0" timeOffset="131851.48">5863 10922 0,'0'0'0,"0"-42"0,0-85 15,0 106-15,0-1 0,0 44 32,-21-1-32,0 21 0,0 0 15,21 1-15,0-1 0,-22 0 0,22 22 16,-21-1-16,0 1 0,21-1 0,0 1 15,0-1-15,-21 1 0,21-1 16,0-20-16,0-1 0,0 0 16,0 1-16,0-1 0,0-21 0,0 0 15,0 1-15,0-1 0,21-21 16,0 0-16,0 0 0,1 0 0,-1 0 16,0 0-16,0 0 0,0-21 0,0-1 15,1 1-15,-1 0 0,0 0 0,0-21 16,-21 20-16,0-20 0</inkml:trace>
-  <inkml:trace contextRef="#ctx0" brushRef="#br0" timeOffset="132016.39">5715 11303 0,'0'0'0,"-42"0"16,-1 0-16,22 0 0,0 0 16,0 0-16,63 0 31,-21 0-31,22-21 0,-1 0 0,0 21 15,1-21-15,20-1 0,-21 1 16,22 0-16,-22 0 0,1 0 0,-1 0 16</inkml:trace>
+  <inkml:trace contextRef="#ctx0" brushRef="#br0" timeOffset="131579.44">4974 11409 0,'0'21'0,"21"0"16,0-21 0,1 0-16,-1 0 15,0 0-15,0-21 0,0 21 16,0-21-16,22 0 0,-22 0 15,0-1-15,0 1 0,0 0 0,1 0 16,-22 0-16,0 0 0,0-1 0,0 1 16,0 0-16,0 0 0,-22 21 15,1 0-15,0 0 0,-21 0 0,21 0 16,-1 0-16,1 21 0,-21 0 0,21 0 16,0 1-16,-1 20 0,1 0 15,0-21-15,0 22 0,0-1 16,21 0-16,0 1 0,0-1 0,0 0 15,0-20-15,0 20 0,0-21 0,0 21 16,0-20-16,21-1 0,0 0 16,21 0-16,-20-21 0,-1 0 15,0 0-15,0 0 0,21 0 0,-20 0 16,20-21-16,0 0 0,1 0 0,-1-1 16,0 1-16,1-21 0,-1 21 15</inkml:trace>
+  <inkml:trace contextRef="#ctx0" brushRef="#br0" timeOffset="131851.47">5863 10922 0,'0'0'0,"0"-42"0,0-85 15,0 106-15,0-1 0,0 44 32,-21-1-32,0 21 0,0 0 15,21 1-15,0-1 0,-22 0 0,22 22 16,-21-1-16,0 1 0,21-1 0,0 1 15,0-1-15,-21 1 0,21-1 16,0-20-16,0-1 0,0 0 16,0 1-16,0-1 0,0-21 0,0 0 15,0 1-15,0-1 0,21-21 16,0 0-16,0 0 0,1 0 0,-1 0 16,0 0-16,0 0 0,0-21 0,0-1 15,1 1-15,-1 0 0,0 0 0,0-21 16,-21 20-16,0-20 0</inkml:trace>
+  <inkml:trace contextRef="#ctx0" brushRef="#br0" timeOffset="132016.38">5715 11303 0,'0'0'0,"-42"0"16,-1 0-16,22 0 0,0 0 16,0 0-16,63 0 31,-21 0-31,22-21 0,-1 0 0,0 21 15,1-21-15,20-1 0,-21 1 16,22 0-16,-22 0 0,1 0 0,-1 0 16</inkml:trace>
   <inkml:trace contextRef="#ctx0" brushRef="#br0" timeOffset="132567.46">6752 11155 0,'0'0'0,"-21"-106"16,21 64-16,0 21 16,0-22-16,0 1 0,0-22 0,0 22 15,0 0-15,0-1 0,0-20 16,21 42-16,-21-22 0,0 22 0,0 0 16,0 0-16,0 63 15,0-21 1,0 22-16,0 20 0,0 1 0,0-1 15,0 1-15,0 42 0,0-22 0,0 22 16,0 0-16,0 0 0,0-22 0,0 22 16,0 0-16,0 0 0,0-21 15,-21 20-15,0-20 0,0 0 16,21-1-16,-22 1 0,1-21 0,0 20 0,0-41 16,0 20-16,21-21 0,0 1 15,-21-1-15,21-21 0,-22 0 16,22 1-16,-21-22 15,21-22-15,0 1 16,0 0-16,-21-21 0,21 21 0,0-22 16,0 1-16,0 0 0,0-1 15,0-20-15,0-1 0,-21 1 0,21-1 16,0 1-16,-21-22 0,21 22 0,0-22 16,-21 21-16</inkml:trace>
-  <inkml:trace contextRef="#ctx0" brushRef="#br0" timeOffset="132828.32">6392 11494 0,'-21'-64'0,"42"255"0,-21-318 0,-21 21 0,0 63 0,21-20 15,0 21-15,0 20 0,0-20 0,0 0 16,21 21-16,0-1 0,22 1 16,-22 0-16,42 0 0,-20 0 0,20 21 15,-21 0-15,22 0 0,-1 0 0,1 0 16,-22 0-16,1 21 0,-1 21 0,-21-21 16,0 22-16,-21-1 0,0 0 15,0 1-15,0-1 0,-21 0 0,0 1 16,-21-1-16,20 0 0,-20-20 0,0 20 15,-1-21-15,22 0 0,-21 0 16,21 1-16,0-22 0,-1 0 16,22 21-16,-21-21 0,21-21 15,21-1-15,1 1 16,-1 0-16,0 0 0,0 0 16,0-22-16,0 22 0,1-21 0,20 0 15</inkml:trace>
+  <inkml:trace contextRef="#ctx0" brushRef="#br0" timeOffset="132828.31">6392 11494 0,'-21'-64'0,"42"255"0,-21-318 0,-21 21 0,0 63 0,21-20 15,0 21-15,0 20 0,0-20 0,0 0 16,21 21-16,0-1 0,22 1 16,-22 0-16,42 0 0,-20 0 0,20 21 15,-21 0-15,22 0 0,-1 0 0,1 0 16,-22 0-16,1 21 0,-1 21 0,-21-21 16,0 22-16,-21-1 0,0 0 15,0 1-15,0-1 0,-21 0 0,0 1 16,-21-1-16,20 0 0,-20-20 0,0 20 15,-1-21-15,22 0 0,-21 0 16,21 1-16,0-22 0,-1 0 16,22 21-16,-21-21 0,21-21 15,21-1-15,1 1 16,-1 0-16,0 0 0,0 0 16,0-22-16,0 22 0,1-21 0,20 0 15</inkml:trace>
   <inkml:trace contextRef="#ctx0" brushRef="#br0" timeOffset="133159.16">7006 11070 0,'21'-21'16,"-42"42"-16,42-63 0,-21 21 0,21 21 16,1-21-16,-1 21 15,0 0-15,0 0 16,21 0-16,-20 21 0,-1 0 16,0 0-16,0 0 0,0 0 0,0 22 15,-21-22-15,22 21 0,-22 1 0,0-22 16,0 21-16,0 0 0,0-20 15,0-1-15,0 21 0,0-21 0,0 0 16,-22 1-16,22-1 0,-21-21 16,0 0-16,0 0 0,21-21 15,0-1 1,0 1-16,0 0 0,0 0 0,0-21 16,0 20-16,0-20 0,0 0 0,21-1 15,0 1-15,-21 0 0,21 21 16,-21-22-16,22 22 0,-1 0 15,0 0-15,0 21 0,-21-21 0,21 21 16,0 0-16,1 0 16,-1 0-16,0 21 0,0 0 15</inkml:trace>
   <inkml:trace contextRef="#ctx0" brushRef="#br0" timeOffset="133559.93">7747 11134 0,'0'-21'16,"-21"21"-16,21-22 16,-21 22-16,-1 0 15,22 22-15,-21-1 16,21 21-16,0-21 0,0 0 16,0 1-16,0-1 0,0 21 0,0-21 15,0 0-15,21 1 0,1-1 0,-22 0 16,21 0-16,0 0 0,0-21 15,21 0-15,-20 21 0,-1-21 0,0 0 16,0 0-16,0 0 0,22-21 0,-22 21 16,0-21-16,0 0 0,0 0 0,-21 0 15,21-1-15,-21 1 0,22 0 16,-22 0-16,0 0 0,0-22 16,0 22-16,-22 0 0,1-21 0,0 21 15,0-1-15,-21 1 0,20 0 0,-20 0 16,0 21-16,21 0 0,-22 0 15,22 0-15,0 0 0,-21 0 0,20 21 16,22 0-16,-21 0 0,21 1 0,0-1 16,0 0-16,0 0 15,21 0-15,1 0 0,-1-21 0,0 0 16,21 0-16,-21 0 0,22 0 0</inkml:trace>
   <inkml:trace contextRef="#ctx0" brushRef="#br0" timeOffset="133923.72">8488 10605 0,'0'0'15,"-21"-43"-15,-1 22 0,1-21 0,0 21 0,0-1 16,0 22-16,0 0 0,-1 0 16,1 22-16,21-1 0,0 21 15,0 0-15,0 1 0,0 20 0,0-20 16,0 20-16,0 1 0,0-1 0,0 1 15,0-1-15,21 22 0,1-1 16,-22-20-16,21 21 0,-21-1 0,0-20 16,0 20-16,0 1 0,0 0 15,0-1-15,0 1 0,0 0 0,0-1 16,0 1-16,0-21 0,0 20 0,0-20 16,-21-22-16,21 0 0,-22 1 0,22-1 15,0-21-15,0 0 0,0 1 16,0-44-1,0 1-15,0 0 0,0 0 16,0 0-16,0-22 0,0 1 0,0 0 16,0-1-16,0-20 0,0-1 0,22 1 15,-22-1-15,21 1 0,-21-22 16</inkml:trace>
@@ -794,16 +840,16 @@
   <inkml:trace contextRef="#ctx0" brushRef="#br0" timeOffset="153103.59">7556 13314 0,'-21'0'0,"0"0"0,0 21 16,0 0-1,21 0-15,-21-21 0,21 22 0,0-1 16,0 0-16,0 0 0,0 0 0,0 0 15,0 1-15,0-1 16,0 0-16,0 0 0,0 0 0,0 0 16,21 1-16,-21-1 0,21 0 0,0-21 15,0 0-15,0 21 0,1-21 0,-1 0 16,21 0-16,-21 0 0,0-21 16,22 0-16,-22 21 0,0-21 0,21-1 15,-20 1-15,-1 0 0,0 0 0,0-21 16,0 20-16,-21 1 0,0 0 0,21-21 15,-21 21-15,0-1 0,0 1 16,0 0-16,0 42 31,-21 0-31,21 1 0,0-1 16,0 0-16,0 0 16,0 0-16,0 0 0,0 1 0,0-1 15,0 0-15,0 0 0,21 0 16,1-21-16,-1 0 0,0 21 0,0-21 15,0 0-15,0 0 16,1 0-16,-22-21 0,21 21 0,0-21 16,-21 0-16,21 0 0,-21 0 15,21-1-15,-21-20 0,0 21 0,21 0 16,-21 0-16,0-1 0,0 1 16,0 0-16,0 0 0,0 0 0,0 42 31,0 0-16,0 0-15,0 22 16,0-22-16,-21 0 0,21 0 0,0 0 16,0 0-16,-21 1 0,21 20 0,0-21 15,-21-21-15,21 21 0,0 0 0,0 1 16,0-44 15,0 1-31,0 0 0,0 0 16,0 0-16,0 0 0,0-1 0,0 1 15,0 0-15,21-21 0,0 21 16,-21-1-16,0 1 0,21 0 16,1 0-16,-1 0 0,0 21 15,0-21-15,0 21 0,0 0 16,-21 21-16,22-21 0,-22 21 16,21 0-16,-21 0 0,0 0 15,21 1-15,-21-1 0,0 21 0,21-21 16,-21 0-16,0 1 0,0 20 0,0-21 15,0 0-15,0 0 0,21 1 16,-21-44 15,0 1-31,0 0 16,21 0-16,-21 0 0,22 0 0,-22-22 16,21 22-16,0 0 15,0-21-15,21 20 0,-20 1 0,-1-21 16,21 21-16,-21 0 0,22 21 0,-1-22 15,-21 22-15,21 0 0,-20 0 0,-1 0 16,21 0-16,-21 22 0,-21-1 16,0 0-16,21 0 0,-21 0 0,0 0 15,0 1-15,0 20 0,0-21 0,0 21 16,-21-20-16,0 20 0,0-21 0,21 21 16,0-20-16,-21-1 0,21 0 15,0 0-15</inkml:trace>
   <inkml:trace contextRef="#ctx0" brushRef="#br0" timeOffset="153796.23">10012 12594 0,'0'0'16,"42"-21"-16,0-42 15,-42 41-15,22 22 16,-22 22-16,0-1 0,0 0 16,0 0-16,-22 21 0,1 22 15,21-22-15,0 22 0,-21-22 0,0 22 16,0-1-16,0 1 0,-1-1 15,1-21-15,0 22 0,0-22 0,0 22 16,0-22-16,21-21 0,-22 22 0,1-22 16,21 0-16,-21 0 0,21 0 0,0 0 15,-21-21 1,21-21-16,0 0 0,0 0 16,0 0-16,0 0 0,0-22 0,0 22 15,0-21-15,0-1 0,0 1 16,0-21-16,21 20 0,0-20 15,-21-1-15,21 1 0,1-22 0,-22 43 16,21-22-16,0 22 0,0 0 0,0-1 16,-21 22-16,21 0 0,1 21 0,-1 0 15,-21 21-15,21 0 0,0 0 16,-21 22-16,21-1 0,-21 22 0,0-22 16,21 21-16,1 1 0,-22-22 0,21 22 15,-21-1-15,21-20 0,0 20 16,-21-21-16,21 1 0,-21-1 0,21 0 15,1 1-15,-22-22 0,0 21 0,21-21 16,-21 1-16,21-1 0,-21 0 16,-21-21 15</inkml:trace>
   <inkml:trace contextRef="#ctx0" brushRef="#br0" timeOffset="153960.12">9779 13399 0,'0'0'15,"-21"-22"-15,0 22 0,21-21 0,0 0 16,0 0-16,21 21 16,0-21-16,21 21 0,-21-21 0,22-1 15,-1 1-15,22 21 0,-22-21 0,21 0 16,-20 0-16,-1 21 0,0-21 16,1-1-16,-1 1 0,0 21 15,-20-21-15,20 21 0</inkml:trace>
-  <inkml:trace contextRef="#ctx0" brushRef="#br0" timeOffset="154315.92">10477 13060 0,'-21'0'16,"0"0"-1,42 0 17,0 0-32,1 0 0,-1 0 15,0 21-15,0 0 0,21 0 0,-20 1 16,20-1-16,-21 0 0,21 0 15,-20 0-15,-1 22 0,0-22 0,0 0 16,0 21-16,-21-21 0,21 1 0,-21-1 16,0 0-16,0 21 0,0-21 15,-21 1-15,0-22 0,0 0 16,0 0-16,0 0 16,21-22-16,0 1 0,-22 0 15,22 0-15,0 0 0,0 0 16,0-22-16,0 22 0,0-21 0,0 21 15,22-22-15,-1 22 0,-21-21 0,21 21 16,0-1-16,0-20 0,-21 21 16,21 21-16,1-21 0,-1 0 15,0 21-15,0 0 0,0 0 0,0 0 16,1 0-16,-1 0 0,0 21 16,0 0-16</inkml:trace>
+  <inkml:trace contextRef="#ctx0" brushRef="#br0" timeOffset="154315.91">10477 13060 0,'-21'0'16,"0"0"-1,42 0 17,0 0-32,1 0 0,-1 0 15,0 21-15,0 0 0,21 0 0,-20 1 16,20-1-16,-21 0 0,21 0 15,-20 0-15,-1 22 0,0-22 0,0 0 16,0 21-16,-21-21 0,21 1 0,-21-1 16,0 0-16,0 21 0,0-21 15,-21 1-15,0-22 0,0 0 16,0 0-16,0 0 16,21-22-16,0 1 0,-22 0 15,22 0-15,0 0 0,0 0 16,0-22-16,0 22 0,0-21 0,0 21 15,22-22-15,-1 22 0,-21-21 0,21 21 16,0-1-16,0-20 0,-21 21 16,21 21-16,1-21 0,-1 0 15,0 21-15,0 0 0,0 0 0,0 0 16,1 0-16,-1 0 0,0 21 16,0 0-16</inkml:trace>
   <inkml:trace contextRef="#ctx0" brushRef="#br0" timeOffset="154587.96">11430 13102 0,'0'0'16,"0"-21"-16,0 0 0,0 0 0,0 0 15,0-1-15,0 1 16,-21 21-16,0 0 16,-1 0-16,1 0 0,0 0 0,0 21 15,0-21-15,0 22 0,21-1 0,-22 0 16,22 21-16,-21-21 0,21 1 15,0 20-15,0-21 0,0 0 0,0 0 16,0 22-16,0-22 0,0 0 0,21 0 16,1 0-16,-1-21 0,0 22 0,0-1 15,0-21-15,22 0 0,-22 0 0,21 0 16,-21 0-16,22 0 0,-1 0 16,-21 0-16,21-21 0,1-1 0,-1 1 15,-21 0-15,22 0 0</inkml:trace>
   <inkml:trace contextRef="#ctx0" brushRef="#br0" timeOffset="155223.1">12065 12383 0,'0'0'0,"0"-43"0,0-41 16,-21 84 0,0 0-16,-1 21 15,1 0-15,21 21 0,-21 1 0,0-1 16,0 0-16,21 22 0,0-1 0,0 1 15,-21-1-15,21 1 0,0 20 0,-22-20 16,22-1-16,0 1 16,-21-1-16,21-20 0,0-1 0,0 22 15,0-43-15,-21 21 0,21 0 0,0-20 16,0-1-16,0 0 0,0-42 31,0 0-15,21 21-16,0-43 0,-21 22 0,22 0 15,-1 0-15,-21-22 0,21 22 0,-21 0 16,21-21-16,-21 21 0,21-1 0,0 1 16,1 21-1,-1 21 1,-21 1-16,0-1 0,0 0 16,0 0-16,0 0 0,0 0 0,0 1 15,0-1-15,0 0 0,21 0 0,0 0 16,0 0-16,0 1 15,1-22-15,-1 0 0,0 0 0,21 0 16,-21 0-16,1 0 0,-1 0 0,0 0 16,0 0-16,0-22 0,0 1 0,1 21 15,-1-21-15,0 0 0,0 0 0,0 0 16,0-1-16,-21-20 0,22 21 16,-22 0-16,21 0 0,-21-1 15,0 44 16,0-1-31,0 0 0,0 0 16,0 0-16,0 0 16,0 1-16,0-1 0,-21-21 0,21 21 15,0 0-15,21-21 32,0 0-32,-21-21 15,21 0 1,0 0-16</inkml:trace>
   <inkml:trace contextRef="#ctx0" brushRef="#br0" timeOffset="155367.01">12636 12933 0,'0'0'0,"0"-21"0,-21 0 0,0-1 0,0 22 16,21-21-16,-21 21 16,0 0-16,42 0 31,0 0-31,0 0 0,0 0 15,22 0-15,-22 0 0</inkml:trace>
-  <inkml:trace contextRef="#ctx0" brushRef="#br0" timeOffset="155686.85">13314 12361 0,'0'0'0,"-21"-21"0,21 0 15,-22 0-15,1 21 0,0 0 0,0 0 16,0 21-16,0 0 0,21 0 16,0 22-16,-22-1 0,1 0 15,21 1-15,-21-1 0,21 22 0,-21-1 16,21 1-16,0-1 0,-21 1 0,0-1 16,-1 1-16,22-1 0,-21 1 0,0-22 15,21 0-15,0 1 0,-21-1 0,21 0 16,-21 1-16,21-22 15,0 0-15,0 0 0,0 0 0,0 0 16,21-21 0,0 0-16,-21-21 0,21 0 15,0 0-15,-21 0 0,0 0 0,22-22 16,-22 22-16,0-21 0,0 21 16</inkml:trace>
+  <inkml:trace contextRef="#ctx0" brushRef="#br0" timeOffset="155686.84">13314 12361 0,'0'0'0,"-21"-21"0,21 0 15,-22 0-15,1 21 0,0 0 0,0 0 16,0 21-16,0 0 0,21 0 16,0 22-16,-22-1 0,1 0 15,21 1-15,-21-1 0,21 22 0,-21-1 16,21 1-16,0-1 0,-21 1 0,0-1 16,-1 1-16,22-1 0,-21 1 0,0-22 15,21 0-15,0 1 0,-21-1 0,21 0 16,-21 1-16,21-22 15,0 0-15,0 0 0,0 0 0,0 0 16,21-21 0,0 0-16,-21-21 0,21 0 15,0 0-15,-21 0 0,0 0 0,22-22 16,-22 22-16,0-21 0,0 21 16</inkml:trace>
   <inkml:trace contextRef="#ctx0" brushRef="#br0" timeOffset="155839.76">12742 13060 0,'0'0'0,"-21"0"0,0 21 16,0-21-16,0 0 0,21 21 16,21-21-1,0 0-15,0 0 0,0 0 16,22 0-16,-1 0 0,0 0 0,1 0 16,-1-21-16,0 21 0,1-21 0,-1 0 15,0 21-15,1-21 0,-1-1 0</inkml:trace>
   <inkml:trace contextRef="#ctx0" brushRef="#br0" timeOffset="156207.56">13208 13208 0,'0'0'0,"21"0"31,0 0-31,22 0 0,-22 0 0,21 0 15,0-21-15,1 0 0,-1 21 16,0-21-16,1-1 0,-22 1 0,21 0 16,-21 0-16,1 0 0,-1 0 0,0-1 15,-21 1-15,21 0 0,-21 0 0,0 0 16,-21 0-16,0 21 16,0 0-16,-22 0 0,22 21 15,0 0-15,-21-21 0,20 21 0,-20 21 16,21-20-16,-21-1 0,20 21 0,1-21 15,0 0-15,0 22 0,0-22 16,21 0-16,0 21 0,0-20 0,0-1 16,0 0-16,0 0 15,21 0-15,0-21 0,0 0 0,22 0 16,-22 0-16,21 0 0,0 0 0,1 0 16,-1 0-16,0 0 0,1 0 0,-1 0 15,0-21-15</inkml:trace>
   <inkml:trace contextRef="#ctx0" brushRef="#br0" timeOffset="157412.72">14139 13039 0,'0'0'0,"21"-43"15,-21-20 1,0 42-16,-21 21 16,0 21-1,0-21-15,21 21 0,-21 0 0,0 22 16,-1-22-16,22 0 0,-21 0 0,0 21 15,0-20-15,21 20 0,0-21 0,0 0 16,-21 0-16,21 1 0,0-1 16,0 21-16,0-21 0,0 0 15,21 1-15,0-22 0,0 0 0,0 0 16,1 0-16,-1 0 0,0 0 16,0 0-16,21 0 0,-20-22 0,-1 1 15,0 0-15,21 0 0,-21 0 0,1 0 16,-1-1-16,21-20 0,-21 0 15,0-1-15,1-20 0,-1 21 0,0-22 16,0 1-16,21-22 0,-20 21 0,-1 1 16,0-1-16,0 1 0,-21-1 0,21 1 15,-21-1-15,21 22 0,-21 0 0,0-1 16,0 22-16,0 0 0,0 0 16,0 0-16,-21 42 15,0 0-15,21 0 0,0 22 16,0-1-16,-21 0 0,21 1 0,-21-1 0,21 21 15,0 1-15,-21-22 0,21 22 16,0-1-16,0 1 0,0-1 16,0 1-16,-22-22 0,22 22 0,0-22 15,0 0-15,0 1 0,0-22 0,0 21 16,0-21-16,0 0 0,0 1 0,22-1 16,-1-21-16,0 0 0,0 0 15,0 0-15,0 0 16,1-21-16,-1 21 0,0-22 0,0 1 15,0 0-15,0 0 0,1-21 0,-1 20 16,0-20-16,0 21 0,0 0 16,-21-22-16,0 22 0,0 0 0,21 0 15,-21 42 17,0 0-32,-21 0 0,21 1 15,-21-1-15,21 0 0,0 0 0,0 0 16,0 0-16,0 1 0,0-1 0,0 0 15,0 0-15,0 0 0,0 0 0,21 1 16,0-22 0,1 0-16,-1 0 0,0 0 15,0 0-15,0-22 16,-21 1-16,21 21 0,1-21 0,-1 0 16,-21 0-16,21 0 0,0-1 0,-21 1 0,21 0 15,-21 0-15,21 0 16,-21 0-16,22-1 0,-22 44 31,0-1-31,0 0 0,-22 0 0,22 21 16,-21-20-16,0-1 0,21 0 0,-21 0 15,21 21-15,0-20 0,0-1 0,0 0 16,0 0-16,0 0 16,21-21-1,0 0-15,0 0 0,1 0 16,-1-21-16,0 0 0,0 21 15,0-21-15,-21 0 0,21-1 0,1 1 16,-1 0-16,0 0 0,0 0 16,0-22-16,0 22 0,-21 0 0,22 0 15,-1 0-15,0 0 0,0-1 0,0 22 16,0 0 0,-21 22-16,0-1 15,0 0-15,0 0 0,0 0 0,0 0 16,0 1-16,0-1 0,0 0 15,0 0-15,0 0 0,-21 0 0,21 1 16,0-1-16,0 0 16,21-42 15,-21 0-31,22 21 16,-22-22-16,0 1 0,0 0 0,21 0 15,0 0-15,-21 0 0,0-1 0,21 1 16,0 0-16,0-21 0,-21 21 0,0-1 15,22 1-15,-22 0 0,21 0 0,0 21 16,-21-21-16,21 21 0,0 0 0,0 0 16,1 0-1</inkml:trace>
   <inkml:trace contextRef="#ctx0" brushRef="#br0" timeOffset="157767.51">15917 13166 0,'0'0'0,"21"0"16,1 0 0,-1 0-16,0-21 0,0 21 15,0-22-15,0 1 0,1 21 0,20-21 16,-21 0-16,0 0 0,0 21 0,1-21 16,-1-1-16,0 1 0,-21 0 15,0 0-15,0 0 0,0 0 16,-21 21-16,0 0 15,-1 21-15,1 0 0,0-21 16,0 42-16,0-21 0,0 1 0,-1-1 16,1 21-16,21-21 0,0 0 0,0 1 15,0 20-15,0-21 0,0 0 0,0 0 16,21 1-16,1-22 0,20 21 16,-21-21-16,0 0 15,0 0-15,1 0 0,20 0 0,-21 0 16,0 0-16,22-21 0,-22 21 0,0-22 15,21 22-15,-21-21 0,1 0 16,-1 0-16,-21 0 0,0 0 0,21-1 16,-21 1-16</inkml:trace>
-  <inkml:trace contextRef="#ctx0" brushRef="#br0" timeOffset="157999.39">14563 12721 0,'0'0'0,"-22"21"0,-20-21 15,42 22-15,21-22 16,0 0-16,22 0 0,-1 0 16,0-22-16,22 1 0,-1 21 15,22-21-15,-21 21 0,20 0 0,-20-21 16,20 21-16,-20 0 0,21-21 0,-22 0 15,-21 21-15,1 0 0,-1-22 0,0 22 16</inkml:trace>
+  <inkml:trace contextRef="#ctx0" brushRef="#br0" timeOffset="157999.38">14563 12721 0,'0'0'0,"-22"21"0,-20-21 15,42 22-15,21-22 16,0 0-16,22 0 0,-1 0 16,0-22-16,22 1 0,-1 21 15,22-21-15,-21 21 0,20 0 0,-20-21 16,20 21-16,-20 0 0,21-21 0,-22 0 15,-21 21-15,1 0 0,-1-22 0,0 22 16</inkml:trace>
   <inkml:trace contextRef="#ctx0" brushRef="#br0" timeOffset="158896.87">17568 12658 0,'21'-43'16,"-42"86"-16,42-128 0,1 64 0,-22 0 0,0 0 16,21-1-16,-21 1 0,0 42 15,0 1 1,-21-1-16,-1 21 16,22 0-16,-21 1 0,0-1 0,21 22 15,-21-22-15,0 21 0,0-20 0,-1-1 16,1 0-16,21 1 0,-21-22 0,0 21 15,21-21-15,-21 1 0,21-1 16,0 0-16,0-42 31,0 0-31,0-1 0,21 1 16,-21-21-16,0 21 0,21 0 0,0-1 16,-21-20-16,0 21 0,0 0 15,21 0-15,-21-1 0,22 1 0,-22 0 16,0 42-1,0 0-15,21 1 16,-21-1-16,0 21 0,0-21 16,0 0-16,21 22 0,-21-22 0,0 0 15,0 21-15,21-20 0,0-1 0,0 0 16,1 0-16,-1-21 0,0 21 0,0-21 16,0 0-16,0 0 0,22 0 0,-22 0 15,21 0-15,-21 0 0,1-21 16,20 21-16,-21-21 0,0 0 0,22 0 15,-22-1-15,0 1 0,0-21 16,-21 21-16,21-22 0,-21 1 0,21 0 0,-21-1 16,0-20-16,0 21 0,0-1 15,0 1-15,0 0 0,-21-1 16,0 22-16,0-21 0,0 21 0,0-1 16,-1 22-16,1 0 0,0-21 0,0 21 15,0 0-15,0 0 0,-1 0 0,1 21 16,0-21-16,21 22 0,0-1 0,0 0 15,0 0-15,0 0 16,21 0-16,0 1 0,1-1 16,-1-21-16</inkml:trace>
   <inkml:trace contextRef="#ctx0" brushRef="#br0" timeOffset="159539.5">18775 12552 0,'0'-21'0,"-21"21"16,-1 0 0,1 0-16,0 0 0,0 21 0,0-21 15,0 21-15,-1 21 0,1-20 0,0-1 16,0 21-16,0 0 0,0-20 0,21 20 16,-22 0-16,22-21 0,0 22 15,0-1-15,0-21 0,0 0 0,0 1 16,0-1-16,0 0 0,0 0 15,0 0-15,22-21 16,-22-21 0,0 0-16,0 0 15,0 0-15,0-1 0,0 1 0,0 0 16,0-21-16,21-1 0,-21 1 0,21 0 16,0-1-16,-21 1 0,21 0 0,0-1 15,22 1-15,-22 0 0,0-1 0,0 22 16,22 0-16,-22 0 0,0 21 15,0 0-15,0 0 0,0 0 16,1 0-16,-1 21 0,-21 0 0,21-21 0,-21 21 16,0 22-16,0-22 0,0 0 15,0 0-15,-21 0 0,-22 1 0,22-1 16,0 0-16,0 0 0,0 0 16,-22 0-16,22-21 0,-21 22 0,21-1 15,-22-21-15,22 0 0,0 0 0,0 0 16,0 0-16,0 0 15,21 21 1,21 0 0,-21 0-16,21-21 0,0 21 15,-21 1-15,21-1 0,0 0 16,1 0-16,-1 0 0,-21 0 0,21 1 16,0-1-16,0-21 0,-21 21 15,21 0-15,1-21 0,-22 21 0,21 0 16,0-21-16,0 0 15,0 0-15,0 0 16,1-21 0,-1 0-1,-21 0-15,21 0 0</inkml:trace>
   <inkml:trace contextRef="#ctx0" brushRef="#br0" timeOffset="159771.6">19304 12467 0,'0'0'0,"-21"-21"0,0 21 16,21-21-16,21 21 15,0 0 1,21-21-16,-21 21 0,22 0 16,-1 0-16,0 0 0,1 0 0,-1 0 15,0 0-15,1 0 0,-1 0 0,0 0 16,1 0-16,-22 0 0,0 0 0,0 0 15,0 0-15,-42 0 32,0 0-32</inkml:trace>
@@ -847,7 +893,7 @@
   <inkml:trace contextRef="#ctx0" brushRef="#br0" timeOffset="-195321.39">6286 16658 0,'0'0'15,"0"-21"-15,-21 0 0,0 21 16,21-21-16,21 21 62,0-21-46</inkml:trace>
   <inkml:trace contextRef="#ctx0" brushRef="#br0" timeOffset="-194443.27">7175 17187 0,'22'-21'0,"-44"42"0,65-63 0,-1 0 15,-21 21-15,0-1 0,1 1 0,-1-21 16,0 21-16,0 0 0,-21-22 15,0 22-15,0 0 0,0 0 0,0 0 16,0-1-16,-21 22 0,0 0 16,21-21-16,-21 21 0,-1 0 0,-20 0 15,21 21-15,0 1 0,-22-1 0,22 0 16,0 0-16,0 0 0,-21 22 16,20-22-16,1 21 0,0-21 0,21 0 15,0 1-15,0-1 0,0 0 0,0 0 16,0 0-16,0 0 0,21-21 15,0 0 1,1 0-16,-1 0 0,0 0 0,0-21 16,0 0-16,22 21 0,-22-21 15,0 0-15,-21 0 0,21-1 0,0-20 16,-21 21-16,21 0 0,-21 0 0,0-1 16,0 1-16,0 0 0,0 0 15,0 0-15,0 42 31,0 0-31,0 21 16,0-20-16,0 20 0,0 0 0,0 1 16,0-1-16,0 0 0,0 22 15,22-22-15,-1 22 0,-21-1 16,0 1-16,21-1 0,0 1 0,0-1 16,-21 1-16,21-1 0,-21 1 15,22-22-15,-22 21 0,0 1 0,0-22 16,0 1-16,0-1 0,0 0 0,0 1 15,0-1-15,-22 0 0,1-21 16,-21 1-16,21 20 0,0-21 0,-22-21 16,22 21-16,-21-21 0,-1 0 0,22 0 15,-21 0-15,0-21 16,-1 21-16,1-42 0,0 21 0,-1-22 16,22 22-16,-21-21 0,-1-22 0,22 22 15,0 0-15,0-22 0,0 1 16,21-1-16,0 1 0,0-1 0,0-21 15,21 22-15,0-1 0,21 1 0,-20 21 16,20-22-16,0 1 0,22 20 16,-22 1-16,0 0 0,22-1 0,-22 22 15,1-21-15,20 21 0,-21-1 0,1 1 16,-1 0-16</inkml:trace>
   <inkml:trace contextRef="#ctx0" brushRef="#br0" timeOffset="-192585.1">7810 17145 0,'0'0'16,"22"0"-16,-1 0 15,-21-21 1,21 0-16,-21 0 16,0-1-16,0 1 0,0-21 15,0 21-15,0 0 0,-21-1 0,0 1 16,21 0-16,-22 0 0,22 0 15,-21 0-15,0 21 0,0 0 16,0 0-16,0 21 16,21 0-16,-22 21 15,1-21-15,21 22 0,0-1 0,-21-21 16,21 22-16,-21-1 0,21 0 0,0-21 16,-21 22-16,21-22 0,0 0 15,0 0-15,0 0 0,0 1 0,0-1 16,21-21-16,0 0 15,0 0-15,0-21 16,1 21-16,-22-22 0,21 1 0,0 0 16,0 0-16,0 0 0,-21-22 15,21 22-15,-21 0 0,22-21 16,-22 21-16,0-22 0,0 22 0,0-21 16,0 21-16,21-1 0,-21 1 0,0 0 15,0 42 1,0 0-1,0 1-15,0 20 0,21-21 0,-21 0 16,0 22-16,0-22 0,0 21 16,0-21-16,21 22 0,-21-22 0,21 0 15,-21 0-15,21 0 0,1 0 0,-1 1 16,-21-1-16,21-21 0,0 0 16,0 0-16,0 0 0,1 0 15,-1 0-15,0 0 0,0-21 16,0-1-16,0 1 0,1 0 0,-22 0 0,21 0 15,0-22-15,0 1 16,-21 0-16,21-1 0,0 1 0,-21-21 16,0 20-16,22-20 0,-1-107 15,0 128-15,-21 0 16,21-1-16,-21 22 0,0 0 0,0 0 16,0 42-1,0 0 1,0 0-16,0 22 0,0-1 0,0 0 15,0 1-15,0 20 0,0-20 0,0 20 16,-21-21-16,21 22 0,0-22 16,0 1-16,0-1 0,0 0 0,0 1 15,0-22-15,0 21 0,0-21 16,0 0-16,0 1 0,0-1 0,21-21 16,0 0-16,0 0 15,1 0-15,-1 0 0,0-21 16,0 21-16,0-22 0,-21 1 0,21 0 15,1 0-15,-1 0 0,-21 0 16,21-1-16,-21-20 0,21 21 0,0 0 16,-21-22-16,0 22 0,21 0 0,-21 0 15,22 21-15,-22 21 32,0 0-32,0 0 15,0 1-15,0-1 0,0 21 0,0-21 16,0 0-16,0 1 0,0-1 15,0 0-15,0 0 0,0 0 16,21 0-16,0-21 16,0 0-16,0 0 0,0 0 15,1 0-15,-1-21 16,0 21-16,0-21 0,0 0 0,0 21 16,1-21-16,-1 0 0,-21-1 0,21 1 15,0 0-15,-21 0 0,21 0 16,0 0-16,1-1 0,-22 44 31,0-1-15,0 0-16,0 0 15,0 0-15,0 0 0,-22 1 0,22-1 16,0 0-16,0 0 0,0 0 16,22-21-1,-1 0-15,0 0 16,0 0-16,0 0 0,0 0 15,1-21-15,-1 21 0,-21-21 16,0 0-16,0 0 16,0-1-16,0 1 0,0 0 0,0 0 15,0 0-15,0 0 0,0-1 16,-21 1-16,-1 0 0,1 21 16,21-21-16,-21 21 15,0 0-15,21 21 31,21-21-15,0 0 0,0 0-16,1 0 15,-1 0-15,0 0 0,0 0 0,0 0 16,0-21-16,1 21 0,20 0 16,-21 0-16,0 0 0,0-21 0,1 21 15,-1 0-15,0 0 0,0 0 0,0 21 16,-21 0-1,21-21-15,-21 21 0,0 0 0,0 1 16,0-1-16,0 0 0,0 0 16,0 0-16,-21-21 0,21 21 0,-21 1 15,21-1-15,0 0 16,-21-21-16,21 21 0,-21-21 16,21 21-16,0-42 46,0 0-46,0 0 16,21 0-16,-21-1 0,21 1 16,0-21-16,0 21 0,1 0 15,-1-22-15,0 22 0,0-21 0,0 21 16,22-1-16,-22 1 0,0 0 0,0 21 16,0 0-16,0 0 0,1 0 0,-1 0 15,0 21-15,-21 0 16,0 22-16,0-22 0,0 0 15,0 0-15,0 0 0,0 1 0,0 20 16,0-21-16,-21 0 0,21 0 16,0 1-16,0-1 0,0 0 15,21 0-15,0-21 16,0 0-16,0 0 0,1 0 16,-1 0-16,0-21 0,0 0 0,0 0 15,0 21-15,1-22 0,-1 1 16,-21 0-16,21 0 0,0 0 0,-21 0 15,21-1-15,-21 1 0,0 0 16,0 0-16,0 0 0,0 0 0,0-1 0,0 1 16,0 0-16,-21 0 0,0 0 15,0 0-15</inkml:trace>
-  <inkml:trace contextRef="#ctx0" brushRef="#br0" timeOffset="-192329.24">9356 16404 0,'0'0'0,"-22"0"0,1 0 16,0 0-16,0 0 0,0 21 0,0-21 15,-1 0 1,44 0 15,-22 22-15,21-22-16</inkml:trace>
+  <inkml:trace contextRef="#ctx0" brushRef="#br0" timeOffset="-192329.25">9356 16404 0,'0'0'0,"-22"0"0,1 0 16,0 0-16,0 0 0,0 21 0,0-21 15,-1 0 1,44 0 15,-22 22-15,21-22-16</inkml:trace>
   <inkml:trace contextRef="#ctx0" brushRef="#br0" timeOffset="-192060.4">8297 16743 0,'0'0'0,"-42"0"15,21 0-15,21 21 0,21-21 16,0 0 0,0-21-16,0 21 0,22-21 15,-1 0-15,0 21 0,1-22 0,-1 22 16,0-21-16,22 21 0,-22-21 0,1 21 15,-1 0-15,0 0 0,1-21 16,-22 21-16,0 0 0,0 0 0,0 0 16,0 0-16,1 0 31,-1 0-31,-21-21 16</inkml:trace>
   <inkml:trace contextRef="#ctx0" brushRef="#br0" timeOffset="-191288.54">12023 16616 0,'0'0'0,"0"-42"0,0 20 0,21 1 16,-21 0-16,0 0 0,0 0 16,0 0-16,0-1 0,0 44 31,-21-1-31,-1 0 16,22 0-16,-21 0 0,0 22 15,21-22-15,0 21 0,-21 0 0,0 1 16,21-1-16,-21 0 0,21 1 0,0-1 15,-22 0-15,1 1 0,21-1 16,-21-21-16,21 22 0,0-22 0,0 0 16,0 0-16,-21 0 0,21 0 15,-21-21 1,21-21 0,0 0-16,0 0 15,0 0-15,0 0 0,0-22 0,0 1 16,0 0-16,0-1 0,21 1 15,0-22-15,0 22 0,-21-21 0,21 20 16,1-20-16,-1 20 0,0 1 0,21 0 16,-21-1-16,1 22 0,-1 0 0,0 0 15,0 21-15,0 0 0,0 0 16,22 21-16,-22 0 0,0 0 0,0 22 16,0-1-16,-21 0 0,22 1 0,-1-1 15,-21 22-15,21-22 16,-21 0-16,0 22 0,0-22 0,21 0 15,-21 1-15,0-1 0,0 0 0,0-20 16,0 20-16,0-21 0,0 0 0,0 0 16,0 1-16,0-1 0,0 0 15,-21-21 1,0 0-16,0 0 16,-1-21-16,1 21 0,0-21 15,0-1-15</inkml:trace>
   <inkml:trace contextRef="#ctx0" brushRef="#br0" timeOffset="-191108.63">11811 16976 0,'0'0'0,"0"-21"31,21 21-15,0 0-16,0-22 0,22 22 0,-22 0 15,21-21-15,1 21 0,-1-21 0,0 21 16,1-21-16,-1 21 0,21-21 15,-20 0-15,-1 21 0,0-22 0,1 1 16,-1 0-16,0 0 0,1 0 0</inkml:trace>
@@ -886,8 +932,8 @@
   <inkml:trace contextRef="#ctx0" brushRef="#br0">1990 2096 0,'0'0'0,"21"0"0,0-22 15,-21 1-15,21 21 16,0-21-16,-21 0 0,0 0 16,21 0-16,-21-1 15,0 1-15,0 0 0,0 0 0,0 0 16,0-22-16,0 22 0,0 0 0,-21-21 15,21 21-15,-21-1 0,21 1 16,-21 0-16,0 0 0,0 0 0,-1 21 16,1 0-16,0 0 15,0 0-15,0 0 0,0 21 0,-1 0 16,-20 0-16,21 22 16,-21-22-16,20 21 0,-20-21 0,21 22 15,0-1-15,0-21 0,-1 21 0,22 1 16,0-22-16,0 0 0,0 0 15,0 0-15,22 1 0,-1-22 0,21 0 16,-21 0-16,0 0 0,22 0 16,-22 0-16,21 0 0,-21 0 0,1-22 15,20 1-15,-21 0 0,0 0 16,0 0-16,1 0 0,-1-1 0,0 1 16,0-21-16,-21 21 0,0 0 0,0-1 15,0 1-15,0 0 0,0 0 16,0 0-16,0 0 0,0-1 15,0 44 17,0-1-32,0 21 0,0-21 15,0 22-15,0-1 0,0 0 16,0 1-16,0-1 0,0 0 0,21 1 16,-21-1-16,0 0 0,21 1 15,-21-1-15,0 0 0,0 1 0,0-1 16,0-21-16,0 21 0,22 1 15,-22-1-15,0-21 0,0 22 16,0-22-16,0 21 0,0-21 0,0 0 0,-22 1 16,22-1-16,-21-21 15,0 21-15,0 0 0,0-21 0,0 0 16,-1 0-16,1 0 0,0 0 16,0 0-16,-21 0 0,20 0 15,1-21-15,0 0 0,0 21 0,0-21 16,0-1-16,-1 22 0,22-21 15,-21 0-15,0 0 0,21 0 16,0 0-16,0-1 16,0 1-16,21 21 0,0-21 15,1 0-15,-1 0 0,21 0 0,0-1 16,-20 22-16</inkml:trace>
   <inkml:trace contextRef="#ctx0" brushRef="#br0" timeOffset="287.83">2561 2223 0,'21'0'15,"-21"-22"32,0 1-16,-21 21 1,0 0-17,0 21 17,42-21-17</inkml:trace>
   <inkml:trace contextRef="#ctx0" brushRef="#br0" timeOffset="835.51">4339 1545 0,'0'0'15,"0"-21"-15,0 0 0,0 0 0,0 0 16,0-1-16,-21 1 0,0 0 16,0 21-16,-1 21 31,22 0-31,0 22 0,0-1 15,0 0-15,0 22 0,0-1 16,0 1-16,0-1 0,0 22 0,-21-21 16,21-1-16,-21 1 0,0-22 0,21 21 15,0 1-15,0-22 0,-21 1 16,21-1-16,-21 0 0,21-21 0,-22 1 16,22-1-16,0 0 0,-21 0 0,21-42 46,0 0-46,0 0 0,0-1 0,21-20 16,1 0-16,-1-1 0,21 1 16</inkml:trace>
-  <inkml:trace contextRef="#ctx0" brushRef="#br0" timeOffset="1107.35">4572 1651 0,'0'0'0,"0"-42"15,42-22 1,-42 43-16,0 0 0,0 42 31,21 0-31,-21 0 0,0 22 0,0-1 16,0 0-16,0 22 0,0-22 0,0 1 15,0 20-15,0-21 0,-21 22 16,21-22-16,0 1 0,-21-1 16,21 0-16,-21 1 0,21-22 0,0 21 15,0-21-15,-21 0 0,21 1 16,0-1-16,0 0 0,0 0 15,0-42 17,0 0-32,0 0 15</inkml:trace>
-  <inkml:trace contextRef="#ctx0" brushRef="#br0" timeOffset="1291.1">4212 2159 0,'0'0'0,"-21"0"0,0 0 0,42 0 32,0 0-32,0 0 15,22 0-15,-22-21 0,21 21 0,-21 0 16,22-21-16,-1 21 0,0-21 16,1 21-16,-22-22 0,21 22 0,0-21 15,-20 0-15,20 21 0,-21-21 0,0 0 16</inkml:trace>
+  <inkml:trace contextRef="#ctx0" brushRef="#br0" timeOffset="1107.34">4572 1651 0,'0'0'0,"0"-42"15,42-22 1,-42 43-16,0 0 0,0 42 31,21 0-31,-21 0 0,0 22 0,0-1 16,0 0-16,0 22 0,0-22 0,0 1 15,0 20-15,0-21 0,-21 22 16,21-22-16,0 1 0,-21-1 16,21 0-16,-21 1 0,21-22 0,0 21 15,0-21-15,-21 0 0,21 1 16,0-1-16,0 0 0,0 0 15,0-42 17,0 0-32,0 0 15</inkml:trace>
+  <inkml:trace contextRef="#ctx0" brushRef="#br0" timeOffset="1291.09">4212 2159 0,'0'0'0,"-21"0"0,0 0 0,42 0 32,0 0-32,0 0 15,22 0-15,-22-21 0,21 21 0,-21 0 16,22-21-16,-1 21 0,0-21 16,1 21-16,-22-22 0,21 22 0,0-21 15,-20 0-15,20 21 0,-21-21 0,0 0 16</inkml:trace>
   <inkml:trace contextRef="#ctx0" brushRef="#br0" timeOffset="1567.95">4995 1672 0,'0'0'0,"21"0"15,1-21 1,-1 21-16,21-21 0,-21 21 16,22 0-16,-22-21 0,21 21 0,0 0 15,-20-21-15,20 21 0,-21 0 16,21 0-16,-20 0 0,-1 0 16,0 0-16,0 0 0,-42 21 46,0-21-46</inkml:trace>
   <inkml:trace contextRef="#ctx0" brushRef="#br0" timeOffset="1859.78">5292 1630 0,'0'0'0,"-22"0"16,22 21-1,0 0 1,0 0-16,0 1 0,0-1 15,0 0-15,0 21 0,0 1 16,0-1-16,0 0 0,0 1 0,0-1 16,0 0-16,0-21 0,0 22 0,0-1 15,0 0-15,-21-20 0,21 20 16,0-21-16,0 0 0,-21 0 0,21 22 16,0-22-16,-21 0 0,21 0 15,0 0 1,0-42-1,0 0 1,0 0-16,21 0 16,0 0-16,-21-1 0,21-20 0,1 21 15,-1 0-15</inkml:trace>
   <inkml:trace contextRef="#ctx0" brushRef="#br0" timeOffset="2159.61">5821 1693 0,'0'0'0,"0"-21"16,0 42 15,0 1-31,0-1 0,0 21 0,0 0 16,0-20-16,0 20 16,0 0-16,0 1 0,0-1 0,0 0 15,-21-21-15,21 22 0,0-1 0,0-21 16,0 22-16,-22-22 0,22 21 15,-21-21-15,21 0 0,0 1 0,0-1 16,0 0-16,0 0 0,0 0 0,0 0 16,-21-42 15,21 0-15,0 0-16,0 0 0,0 0 0,0-1 15,0 1-15</inkml:trace>
@@ -907,15 +953,15 @@
   <inkml:trace contextRef="#ctx0" brushRef="#br0" timeOffset="15388.43">8001 3514 0,'0'0'0,"-21"-21"15,0-1-15,21 1 16,42 21-1,-21-21-15,21 21 0,22-21 0,-1 21 16,1-21-16,-1 0 0,1 21 0,21-22 16,-1 22-16,1-21 0,0 0 15,-1 21-15,-20-21 0,20 21 0,-20 0 16,-1 0-16,1-21 0,-22 21 0,1 0 16,-22 0-16,0 0 0,0 0 15,0 0-15,0 0 0,-21 21 94,0 0-94,0 0 16</inkml:trace>
   <inkml:trace contextRef="#ctx0" brushRef="#br0" timeOffset="37179.5">1990 6371 0,'0'0'0,"0"-21"16,0 0-16,0 0 16,0 0-16,0-1 15,0 1-15,0 0 0,0 0 16,0 0-16,0 0 15,0-1-15,0 44 47,0 20-31,0-21-16,0 0 0,21 22 16,-21-1-16,21 21 15,-21-20-15,0 20 0,0 1 0,0-22 16,0 22-16,0-22 0,0 21 0,0-20 15,0-1-15,0 0 0,0 1 16,0-22-16,0 21 0,0-21 0,0 1 16,0-1-16,0 0 0,0 0 15,0-42 17,0 0-32,0 0 15,0-1-15,21 1 0,0 0 16,-21 0-16,21-21 0,1 20 15</inkml:trace>
   <inkml:trace contextRef="#ctx0" brushRef="#br0" timeOffset="37507.31">2519 6287 0,'0'0'0,"0"-22"0,0 1 16,0 0-16,0 42 47,0 0-47,0 1 15,0 20-15,0 0 0,0 1 0,0-1 16,0 0-16,0 22 0,0-22 16,-21 0-16,21 22 0,0-22 0,0 1 15,-22-1-15,22 0 0,-21 1 16,21-1-16,0-21 0,0 21 0,0-20 15,-21-1-15,21 0 0,0 0 16,0 0-16,0-42 31,21 0-15,0 0-16,-21 0 0,22-1 16</inkml:trace>
-  <inkml:trace contextRef="#ctx0" brushRef="#br0" timeOffset="37833.12">2900 6752 0,'0'21'0,"21"1"16,0-22-16,0 0 15,0 0-15,1 0 16,-1 0-16,0 0 15,-21-22-15,21 22 16,-21-21-16,21 21 0,-21-21 0,0 0 16,0 0-1,-21 21-15,0 0 0,0 0 16,0 0-16,-1 0 0,22 21 16,-21 0-16,0 0 15,21 0-15,0 1 16,21-22-1,0 0 1,1 0-16,20-22 0</inkml:trace>
+  <inkml:trace contextRef="#ctx0" brushRef="#br0" timeOffset="37833.11">2900 6752 0,'0'21'0,"21"1"16,0-22-16,0 0 15,0 0-15,1 0 16,-1 0-16,0 0 15,-21-22-15,21 22 16,-21-21-16,21 21 0,-21-21 0,0 0 16,0 0-1,-21 21-15,0 0 0,0 0 16,0 0-16,-1 0 0,22 21 16,-21 0-16,0 0 15,21 0-15,0 1 16,21-22-1,0 0 1,1 0-16,20-22 0</inkml:trace>
   <inkml:trace contextRef="#ctx0" brushRef="#br0" timeOffset="38791.43">4678 6181 0,'0'0'0,"0"-21"0,0-43 16,0 43-1,-21 21 1,21 21-16,0 0 0,0 0 16,0 22-16,0-1 0,0 0 15,-22 22-15,22-1 0,0 1 16,-21-1-16,21 22 0,-21-21 0,21-1 0,-21 1 15,0-1-15,0 1 0,21-1 16,0-21-16,-22 22 0,22-22 16,0-21-16,-21 22 0,21-22 0,0 0 15,21-21 1,1-21-16,-1 0 16,-21 0-16,21-1 0,0 1 0,0-21 15,0 0-15,1-1 0,-1 1 16,0 0-16,0-1 0,0 1 0,0 0 15,1-1-15,-1 1 0,0 21 0,0-22 16,0 43 0,-21 22-16,0-1 0,0 0 15,21 21-15,-21-21 0,0 22 0,0-1 16,0 0-16,0 1 16,0-22-16,22 21 0,-22 1 0,21-1 0,0-21 15,-21 21-15,21-20 0,0-1 16,0 0-16,1 0 0,-1-21 15,0 0-15,0 0 0,0 0 0,22 0 16,-22-21-16,21 0 0,-21 0 0,22-1 16,-1-20-16,0 21 0,-21-21 15,22-1-15,-22 1 0,0-22 0,0 1 16,0-1-16,1 1 0,-22-22 0,0 22 16,0-22-16,0 22 0,0-1 15,0 1-15,-22-1 0,1 22 16,-21-1-16,21 1 0,0 0 0,-22 21 15,22-1-15,0 22 0,-21 0 16,20 0-16,1 0 0,0 0 0,0 22 16,0-1-16,0 0 0,21 0 0,0 0 15,0 0-15,0 1 0,0 20 16,0-21-16,0 0 0,21 0 0,0 22 16,0-22-16,21 0 0,-20 0 15,41 0-15,-21 1 0,1-1 0,-1 0 16</inkml:trace>
   <inkml:trace contextRef="#ctx0" brushRef="#br0" timeOffset="39171.86">5905 6816 0,'0'0'0,"0"21"0,0 0 16,22-21-1,-1 0 1,0 0-16,0-21 0,0 21 0,0-21 15,22 0-15,-22 21 0,0-22 0,0 1 16,0 0-16,1 0 0,-1 0 16,-21 0-16,0-22 0,0 22 0,0 0 15,0 0-15,0 0 0,-21 21 16,-1 0-16,1 0 0,-21 0 16,21 21-16,0 0 0,-1 0 15,-20 0-15,21 22 0,0-22 0,0 21 16,-1-21-16,22 22 0,0-1 0,0-21 15,0 21-15,0 1 0,0-22 16,0 0-16,0 21 0,0-20 0,22-1 16,-1 0-16,0 0 0,0-21 0,0 0 15,22 0-15,-22 0 0,0 0 16,21 0-16,-21 0 0,1 0 0,20-21 16,-21 21-16,21-21 0,-20 0 0,20-1 15,0 1-15,1-21 0,-1 21 0,0-22 16</inkml:trace>
   <inkml:trace contextRef="#ctx0" brushRef="#br0" timeOffset="39712.94">6943 5990 0,'0'0'0,"0"-42"0,0 0 0,0 20 0,0-20 16,-22 21-16,22 0 0,-21 21 0,0 0 15,0 0 1,21 21-16,0 21 0,0-21 0,0 22 15,0-1-15,0 0 0,0 22 16,0-22-16,0 22 0,0-1 16,0 1-16,0-1 0,-21 22 0,21-22 15,-21 1-15,21-22 0,0 22 0,-22-1 16,22-20-16,-21-1 0,21 0 16,-21-21-16,21 22 0,0-22 0,0 0 15,0 0-15,0-42 31,0 0-15,0 0-16,0 0 0,0-22 0,21 22 16,-21-21-16,21-1 0,1 22 0,-1-21 15,0 0-15,0 20 16,0-20-16,22 21 0,-22 0 0,0 0 16,21-1-16,-21 22 0,22 0 0,-22 0 0,21 0 15,-21 0-15,22 22 16,-22-22-16,0 21 0,21 0 0,-20 0 15,-22 21-15,21-20 0,-21-1 0,0 21 16,0-21-16,0 22 0,0-22 0,0 21 16,-21-21-16,-1 0 0,1 22 15,0-22-15,0 0 0,-21 0 0,20 0 16,-20 1-16,21-1 0,-21 0 0,20-21 16,-20 21-16,21-21 0,0 0 0,0 0 15,-1 0-15,1 0 16,21-21-1,0 0 1,21 0-16,1-1 0,-1 1 0,0 0 16</inkml:trace>
   <inkml:trace contextRef="#ctx0" brushRef="#br0" timeOffset="42952.56">7895 6096 0,'21'0'0,"0"0"16,1 0 0,-22 21-16,21-21 0,0 0 15,0 0-15,0 0 16,0 0-16,1 0 15,-1-21-15,0 0 0,0 0 16,0 0-16,0-1 0,1 1 0,-1 0 16,0-21-16,0 21 0,-21-1 15,21-20-15,-21 21 0,0 0 0,0-22 16,0 22-16,0 0 0,-21 0 0,-21 0 16,21 0-16,-1 21 0,-20 0 15,0 0-15,-1 0 0,1 0 0,0 21 16,-22 0-16,22 0 0,0 21 0,-1 1 15,1-1-15,0 0 16,20 1-16,1-1 0,0 0 0,21 1 16,0-1-16,0 0 0,0 1 0,21-1 15,0-21-15,22 22 0,-22-22 16,21 0-16,22 0 0,-22 0 0,0 0 16,1 1-16,20-22 0,-20 0 0,-1 0 15,-21 0-15,21 0 0,-20 0 16,-1 0-16,-64 0 15,22 0 1,0 21-16,-21-21 0,-1 21 16,1-21-16,0 21 0,-22 0 15,22 22-15,0-22 0,20 0 0,-20 21 16,21 1-16,-21-22 0,42 21 0,-22 0 16,22-20-16,0 20 0,0-21 15,0 21-15,22-20 0,-1-1 0,0 0 16,0 0-16,21 0 0,-20 0 0,20 1 15,0-22-15,1 0 0,20 0 16,-21 0-16,1 0 0,-1 0 0,0-22 16,1 22-16,-1-21 0,0 0 0,1 0 15,-1-21-15,0 20 0,1-20 0,-1 0 16,0-1-16,1 1 0,-22 0 16,21-22-16,-21 1 0,22-1 15,-1 1-15,-21-22 0,0 22 0,22-1 16,-22 1-16,0-22 0,0 21 0,0 1 15,-21-1-15,0-20 0,0 41 16,0-20-16,0 21 0,0-1 0,0 22 16,0 0-16,0 0 0,-21 21 0,0 0 15,0 21-15,0 0 16,0 21-16,-1 1 0,1 20 0,0-20 16,0 20-16,0 1 0,21-1 0,-21 22 15,-1-22-15,1 1 0,21 20 16,0-20-16,0-1 0,0 22 15,0-21-15,0-1 0,0-21 0,0 22 16,0-22-16,21 1 0,-21-1 0,43 0 16,-22-21-16,0 1 0,0-1 15,22 0-15,-1 0 0,-21-21 0,21 0 16,1 0-16,-1 0 0,0 0 0,-20 0 16,20-21-16,0 0 0,1 0 0,-1-1 15,-21 1-15,21-21 16,-20 21-16,20-22 0,-21 1 0,0 0 0,0-1 15,-21 1-15,0 0 0,22-1 0,-22 1 16,0 0-16,0 21 0,0-1 16,0 1-16,-22 0 0,1 21 15,0 0-15,0 0 0,0 21 16,0 0-16,-1 1 0,1 20 0,0-21 16,0 21-16,0 1 0,21-22 0,0 21 15,0 1-15,0-22 0,0 21 16,0-21-16,0 22 0,0-22 0,0 0 15,42 0-15,-21 0 0,0 0 0,22 1 16,-22-22-16,21 0 0,-21 0 0,22 0 16,-1 0-16,0 0 0,1-22 0,20 22 15,-20-21-15,-1 0 0,0 0 16,-21 0-16,22 0 0,-22-22 16,21 22-16,-21-21 0,1-1 0,-1 1 15,-21 0-15,0 21 0,21-22 0,-21 1 16,0 21-16,0 0 0,0-1 15,0 44 1,-21-1 0,21 0-16,0 0 0,0 21 0,-21-20 15,21 20-15,-22-21 0,22 21 16,-21-20-16,21 20 0,-21-21 0,21 0 16,0 22-16,0-22 0,0 0 0,0 0 15,0 0-15,0 0 0,0-42 47,0 0-31,21 0-16,-21 0 0,21-22 0,1 22 15,-22-21-15,21 0 0,0-1 0,0 22 16,0-21-16,0-1 0,1 22 16,-1-21-16,0 21 0,0 0 15,0 21-15,0 0 0,1 0 16,-1 0-16,-21 21 0,0 21 15,0-21-15,0 0 16,0 22-16,21-22 0,-21 21 0,0-21 0,0 1 16,0 20-16,21-21 0,-21 21 15,0-20-15,0-1 0,0 0 0,21 0 16,0 0-16,-21 0 0,22-21 16,-1 0-1,0 0-15,0 0 0,0-21 16,0 0-16,-21 0 0,22 0 0,-1 0 15,0-22-15,-21 22 0,21-21 0,0-1 16,0 1-16,1 0 0,-1-1 16,0 22-16,0-21 0,0 0 0,0 20 15,1-20-15,-22 21 0,21 0 16,0 21-16,-21 21 31,0 0-31,0 0 0,0 22 16,0-22-16,-21 21 0,0-21 0,21 22 15,0-1-15,0-21 0,-22 21 0,22-20 16,0 20-16,0-21 0,0 0 0,0 22 16,0-22-16,0 0 0,22 0 0,-1-21 15,0 21-15,21-21 0,-21 0 16,22 0-16,-1 0 0,0 0 0,1 0 16,-1 0-16,0-21 0,1 21 0,-1-21 15,0 0-15,1 0 0,-1-1 0,-21-20 16,22 21-16,-22-21 0,0 20 0,0-20 15,0 0-15,-21 21 16,0-22-16,21 1 0,-21 0 0,0 20 16,0 1-16,0 0 0,0 0 0,0 0 15,-21 21-15,0 0 0,0 0 16,0 21-16,0 0 0,21 0 16,-22 0-16,1 1 0,21 20 0,-21-21 15,21 21-15,0 1 0,0-1 0,0-21 16,0 22-16,0-22 0,0 21 0,0-21 15,0 0-15,21 1 0,0-1 16,1 0-16,-1 0 0,0-21 16,0 0-16,21 0 0,-20 0 0,-1 0 15,21 0-15,-21 0 0,22-21 0,-22 0 16,0 0-16,0-1 0,0 1 0,22 0 16,-22 0-16,0-21 0,-21-1 0,21 22 15,0-21-15,-21-1 0,0 1 16,21 21-16,-21-21 0,0 20 0,22 1 15,-22 42 1,0 1 0,-22-1-16,22 0 0,-21 21 0,21-21 15,0 1-15,0 20 0,-21-21 16,21 21-16,0-20 0,0 20 0,0-21 16,-21 0-16,21 0 0,0 1 0,0-1 15,0 0-15,0 0 0,0 0 16,0-42 15,0 0-31,21 0 16,0 0-16,-21-1 0,21 1 0,1-21 15,-1 0-15,0 20 0,-21-20 16,21 0-16,0-1 0,22 1 0,-22 0 0,0-1 16,0 22-16,0 0 0,22 0 0,-22 0 15,0 21-15,0 0 0,0 0 16,0 21-16,-21 0 15,0 0-15,0 0 0,0 22 0,0-22 16,0 21-16,0-21 0,0 22 16,0-22-16,0 21 0,0-21 0,0 1 15,0-1-15,0 21 0,22-21 16,-1 0-16,0 1 0,0-22 16,0 0-16,0 0 0,1 0 0,-1 0 15,0 0-15,21 0 0,-21-22 0,1 1 16,-1 0-16,0 0 0,0 0 0,0 0 15,0-1-15,1-20 0,-1 0 0,0-1 16,0 1-16,0 0 16,22-22-16,-22 22 0,0-22 0,0 1 15,0 21-15,0-22 0,1 1 0,-1-1 16,-21 1-16,21-1 0,-21 1 0,0-1 16,21 22-16,-21-1 0,0 22 15,0 0-15,0 0 0,0 0 0,-21 21 16,0 0-16,0 0 0,-1 21 15,1 21-15,0-21 0,0 22 0,21-1 16,-21 22-16,0-22 0,21 21 16,0-20-16,0-1 0,-22 22 0,22-22 15,0 21-15,-21-20 0,21-1 0,0 22 16,0-22-16,0 0 0,0 1 16,0-1-16,0 0 0,0 1 0,0-1 15,0-21-15,21 21 0,-21-20 0,22-1 16,-22 0-16,21 0 0,0 0 15,0-21-15,0 21 0,0-21 0,1 0 16,-1 0-16,0 0 0,21 0 0,-21 0 16,22-21-16,-1 21 0,0-21 0,-20 0 15,20 0-15,0 0 0,1-22 0,-1 22 16,0-21-16,1-1 0,-1 1 16,0 21-16,-21-21 0,22-1 15,-22 22-15,0-21 0,0 21 0,-21-1 0,21 1 16,-42 21-1,-21 0-15,21 0 16,0 0-16,-22 21 0,22 1 0,0-1 16,-21 0-16,20 0 0,1 21 15,21-20-15,0-1 0,0 0 0,0 21 16,0-21-16,0 1 0,0-1 0,21 0 16,-21 0-16,22 0 0,-1 0 0,0-21 15,0 22-15,0-1 0,0-21 0,1 21 16,-1 0-16,-21 0 15,0 0-15,0 1 16,-43-22 0,1 21-16,21-21 15,0 0-15,0 0 0,-1 0 0,1 0 16,0 21-16,0-21 16,0 0-16,0 0 15,21-21 1,0 0-16,-22-1 15,22 1-15,0 0 0,0 0 16,-21 0-16</inkml:trace>
   <inkml:trace contextRef="#ctx0" brushRef="#br0" timeOffset="43276.41">12361 6033 0,'0'0'0,"-21"-22"0,0 22 16,21-21-16,21 0 16,21 21-16,-20-21 0,20 21 0,21-21 15,-20 0-15,20 21 0,22-22 16,-22 22-16,22-21 0,-21 21 0,20 0 16,1-21-16,-22 21 0,22 0 0,-21-21 15,-22 21-15,21 0 0,-20 0 16,-1 0-16,-21 0 0,0 0 15,1 0-15,-1 0 0,0 0 16,-42 0 31,0 21-47,-1-21 16,1 21-16,0 0 0,0-21 0,-21 22 15</inkml:trace>
-  <inkml:trace contextRef="#ctx0" brushRef="#br0" timeOffset="50683.69">2222 8763 0,'0'-21'16,"0"0"-1,0 0-15,-21 21 16,21-22-16,0 1 15,0 0-15,-21 21 16,0 0 15,21 21-31,0 0 16,0 1-16,0-1 0,0 21 16,0 0-16,0 1 0,0-1 0,0 0 15,0 22-15,0-22 0,0 1 16,0-1-16,0 21 0,0-41 15,0 20-15,-21 0 0,21 1 0,0-22 16,0 0-16,0 0 0,-21 0 16,21 0-16,0 1 0,0-1 0,0 0 15,0-42 32,0 0-47,0-1 16,0 1-16,0 0 0,21 0 0,0 0 15</inkml:trace>
+  <inkml:trace contextRef="#ctx0" brushRef="#br0" timeOffset="50683.68">2222 8763 0,'0'-21'16,"0"0"-1,0 0-15,-21 21 16,21-22-16,0 1 15,0 0-15,-21 21 16,0 0 15,21 21-31,0 0 16,0 1-16,0-1 0,0 21 16,0 0-16,0 1 0,0-1 0,0 0 15,0 22-15,0-22 0,0 1 16,0-1-16,0 21 0,0-41 15,0 20-15,-21 0 0,21 1 0,0-22 16,0 0-16,0 0 0,-21 0 16,21 0-16,0 1 0,0-1 0,0 0 15,0-42 32,0 0-47,0-1 16,0 1-16,0 0 0,21 0 0,0 0 15</inkml:trace>
   <inkml:trace contextRef="#ctx0" brushRef="#br0" timeOffset="51347.31">2709 9017 0,'-21'0'16,"0"0"0,0 0-16,0-21 15,21 0-15,0 0 0,0-1 16,0 1-16,0 0 16,0 0-16,0 0 0,21 0 0,0-1 15,0 1-15,0 0 0,22 0 0,-22 21 16,0-21-16,21 21 0,-21 0 15,1 0-15,20 0 0,-21 21 0,0 0 16,0 0-16,1 0 0,-1 22 16,-21-1-16,0 0 0,21 1 0,-21-1 15,0 0-15,0 1 0,0-1 16,0 0-16,-21 1 0,0-1 16,-1 0-16,1 1 0,0-1 0,0 0 15,-21 1-15,20-22 0,1 21 16,0-21-16,-21 1 0,21-1 0,-1-21 15,1 21-15,0-21 0,0 0 16,0 0-16,0 0 0,-1-21 16,1 0-16,21-1 0,-21 1 15,21 0-15,-21 0 0,21 0 0,-21-22 16,21 22-16,0 0 0,0 0 0,0-21 16,0 20-16,0 1 15,0 0-15,21 21 0,0 0 16,0 0-16,0 0 0,1 0 15,-1 21-15,0 0 0,0-21 0,21 22 16,-20-1-16,-1 21 0,0-21 0,0 0 16,0 1-16,0 20 0,-21-21 15,22 0-15,-22 22 0,21-22 0,-21 0 16,0 0-16,21 0 0,-21 0 16,21 1-16,0-22 0,-21 21 15,21-21-15,1 0 16,-22-21-1,21-1-15,0 1 16,-21 0-16,0 0 16,21 0-16,0 0 0,0-22 0</inkml:trace>
-  <inkml:trace contextRef="#ctx0" brushRef="#br0" timeOffset="51559.19">3492 9271 0,'0'-21'94,"22"21"-94,-1 0 16,-21-21-16,21 21 0,0-21 15,0-1-15</inkml:trace>
+  <inkml:trace contextRef="#ctx0" brushRef="#br0" timeOffset="51559.18">3492 9271 0,'0'-21'94,"22"21"-94,-1 0 16,-21-21-16,21 21 0,0-21 15,0-1-15</inkml:trace>
   <inkml:trace contextRef="#ctx0" brushRef="#br0" timeOffset="53095.96">5186 8573 0,'0'-22'47,"21"22"-47,-21-21 0,21 0 15,-21 0-15,21 0 0,0 0 16,22-1-16,-22-20 0,0 21 16,21-21-16,-20 20 0,20-20 15,-21 0-15,0 21 0,0-22 0,1 22 0,-22-21 16,0 21-16,0-1 0,-22 1 16,1 21-16,-21 0 0,0 0 15,-1 0-15,1 0 0,0 0 16,-1 21-16,-20 1 0,20-1 0,1 0 15,-21 21-15,20-21 0,1 22 0,0-22 16,20 21-16,1 1 0,21-22 16,0 21-16,0 0 0,21-20 0,1 20 15,20 0-15,0 1 0,1-22 0,-1 21 16,21 0-16,-20 1 0,20-1 16,1 0-16,-1 1 0,-20-1 0,20 0 15,-21 1-15,-20-1 0,20 0 16,-21 1-16,-21-1 0,0 0 0,0-20 15,-42 20-15,21 0 0,-43-21 16,22 22-16,-22-22 0,22 0 0,-22 0 16,1 0-16,-1 1 0,1-22 15,-1 0-15,1 0 0,21 0 0,-22 0 16,22-22-16,-22 1 0,22 0 16,0 0-16,20-21 0,-20-1 0,21 1 15,0-22-15,0 22 0,21-21 0,0 20 16,0-20-16,0 20 0,0 1 15,21 0-15,-21-1 0,21 22 0,0 0 16,0 0-16,0 21 0,1 0 16,20 21-16,-21 0 0,0 22 15,0-1-15,1 0 0,-1 1 0,0-1 16,0 0-16,0 22 0,-21-22 16,21 0-16,1 22 0,-1-22 0,-21-21 15,21 22-15,0-1 0,0-21 0,0 0 16,1 1-16,-1-1 0,21 0 15,-21-21-15,0 0 0,22 0 0,-1 0 16,-21 0-16,22 0 0,-1-21 0,0 0 16,1-1-16,-1-20 0,0 21 15,1 0-15,-1-22 0,0 1 0,-21 0 16,22-1-16,-22 1 0,0 0 0,0-1 16,-21 22-16,0-21 0,21 0 15,-21 20-15,0 1 0,22 0 16,-22 42 15,0 0-31,0 1 0,0-1 0,-22 21 16,22-21-16,0 22 0,0-22 0,0 21 15,0-21-15,0 0 0,0 1 16,0 20-16,22-21 0,-1 0 16,0 0-16,0-21 0,0 0 0,0 0 15,22 0-15,-22 0 0,21 0 16,1-21-16,-22 0 0,21 0 0,-21 0 15,22 0-15,-22-1 0,0 1 0,0-21 16,0 21-16,0-22 16,-21 22-16,0-21 0,0 21 0,22 0 15,-22-22-15,0 22 0,0 0 0,0 0 16,0 0-16,0 42 31,0 21-15,0-21-16,0 22 0,0-22 15,0 42-15,0-20 0,0-1 0,0 0 16,0 22-16,21-1 0,-21 1 16,0-1-16,0 1 0,21-1 0,-21 1 15,21 20-15,-21-20 0,0 21 16,0-22-16,0 22 0,0-22 0,0 22 16,0-22-16,0 1 0,0 21 0,0-22 15,0 1-15,0 20 0,-21-41 0,0 20 16,0 1-16,-1-22 0,1 0 15,0 1-15,-21-22 0,21 21 0,-22-21 16,1 0-16,0 1 0,-1-1 0,-20-21 16,20 0-16,-20 0 0,-1 0 0,1 0 15,-1 0-15,1-21 0,-22-1 0,22 1 16,-22 0-16,22-21 0,-22 21 16,21-22-16,1 1 0,21 21 15,-22-22-15,22 1 0,21 0 0,-1-1 16,1 22-16,21-21 0,0 0 15,0-1-15,21 1 0,1 0 0,20-1 16,-21 1-16,21 0 0,1-22 0,20 22 16,-20-22-16,20 22 0</inkml:trace>
   <inkml:trace contextRef="#ctx0" brushRef="#br0" timeOffset="53627.66">6562 8954 0,'0'0'0,"0"-22"0,0 1 0,0 0 15,0 0 1,-22 21-16,22 21 16,0 0-16,0 0 15,0 1-15,0 20 0,0-21 0,0 0 16,0 22-16,0-1 0,0-21 15,0 0-15,0 22 0,0-22 0,0 0 16,0 21-16,0-21 0,0 1 16,0-1-16,0 0 15,-21-21 1,21-21 0,-21 21-16,21-21 0,0-1 0,0 1 15,0 0-15,0-21 0,0 21 16,0-22-16,21 1 0,0 0 0,1 20 15,-1-20-15,0 0 0,21-1 0,-21 1 16,22 21-16,-1 0 0,0 0 16,1-1-16,-1 22 0,0 0 0,1 0 15,-22 22-15,21-1 0,-21 0 0,1 0 16,-1 21-16,0 1 0,-21-22 16,0 21-16,0 1 0,0-1 0,0-21 15,0 21-15,0-20 0,-21 20 16,0-21-16,-1 21 0,1-20 0,21-1 15,0 0-15,-21-21 0,21 21 16,21-21 15,0-21-31,1 0 0,20 0 16,-21-22-16</inkml:trace>
   <inkml:trace contextRef="#ctx0" brushRef="#br0" timeOffset="53896.02">7599 8827 0,'0'0'0,"0"-43"16,-21 22-16,-1 21 0,1 0 15,0 0-15,0 0 0,0 0 0,0 0 16,-1 0-16,1 21 16,0 22-16,21-22 0,0 21 0,0 0 15,0 1-15,0-1 0,-21 0 0,21-20 16,0 20-16,0 0 0,0 1 15,0-22-15,0 21 0,21-21 0,0 0 16,-21 1-16,21-1 0,1-21 16,-1 21-16,0-21 0,0 0 0,21 0 15,-20 0-15,-1 0 0,21 0 16,0 0-16,-20-21 0,20 0 0,0-1 16,1 1-16,-1 0 0,-21 0 0</inkml:trace>
@@ -962,7 +1008,7 @@
   <inkml:trace contextRef="#ctx0" brushRef="#br0" timeOffset="4959.39">5736 1080 0,'0'0'0,"-21"0"0,21 21 0,21-21 32,21 0-32,-20 0 0,20-21 0,0 21 15,1-22-15,-1 22 0,0-21 16,1 21-16,-22 0 0,21-21 16,-21 21-16,22-21 0,-22 21 0,0 0 15,0 0-15,0-21 16,0 21-16</inkml:trace>
   <inkml:trace contextRef="#ctx0" brushRef="#br0" timeOffset="5487.13">8636 1249 0,'0'0'0,"0"21"16,21-21 15,0 0-31,0 0 0,1 0 0,20 0 0,-21 0 16,0-21-16,0 21 0,1 0 15,-1 0-15,0 0 0,0 0 16,-21-21 15,21 21-31</inkml:trace>
   <inkml:trace contextRef="#ctx0" brushRef="#br0" timeOffset="6087.88">9715 1080 0,'0'0'0,"-21"0"0,0-22 0,0 1 15,0 21-15,21-21 0,-21 21 0,21-21 16,-22 0-16,22 0 16,0-1-16,0 1 0,0 0 15,22 0-15,-1 21 0,0-21 0,0 21 16,0 0-16,0 0 0,22 0 15,-22 0-15,21 0 0,-21 0 0,22 21 16,-22 0-16,0 0 0,21 22 16,-42-22-16,22 21 0,-22 0 15,0 1-15,0-1 0,0 0 0,0 1 16,0-1-16,-22 0 0,1 1 16,-21-1-16,21-21 0,0 22 0,-22-1 15,1 0-15,21-21 0,-22 22 0,1-22 16,21 0-16,-21 21 0,20-42 15,1 22-15,0-1 0,0-21 0,0 0 16,0 0-16,-1-21 16,22-1-16,-21 1 0,21 0 15,0 0-15,0-21 0,0 20 0,0 1 16,0-21-16,0 21 0,0 0 0,21-22 16,-21 22-16,22 21 15,-1-21-15,0 21 0,0 0 16,0 0-16,0 0 0,1 0 0,-22 21 15,42 0-15,-21 0 0,0 1 16,0-1-16,1 0 0,-1 21 0,21-21 16,-21 1-16,22-1 0,-22 21 0,21-21 15,-21 0-15,22-21 0,-22 22 16,21-1-16,-21-21 0,0 0 0,22 0 16,-22 0-16,0 0 0,0 0 0,0 0 15,1 0-15,-22-21 0,0-1 16,21 1-16,-21 0 0,0 0 15</inkml:trace>
-  <inkml:trace contextRef="#ctx0" brushRef="#br0" timeOffset="7111.97">3768 2159 0,'0'0'0,"-43"0"0,22 0 15,-42 0 1,41 0-16,1 0 0,42 0 31,1 0-15,-1 0-16,0 0 0,21 0 15,-21 0-15,22 0 0,-1 0 0,0 0 16,1 0-16,-1 0 0,0 0 16,1 0-16,20 0 0,-20 0 15,20 0-15,1 0 0,-1 0 0,22 0 16,-1 21-16,1-21 0,21 0 16,0 0-16,0 0 0,-1 0 0,1 0 15,0 0-15,21 0 0,-21 0 0,21 0 16,-21 0-16,21 0 0,-21 0 15,21 0-15,0 0 0,0 0 0,0 0 16,21 0-16,0 0 0,0 0 0,0 0 16,22 0-16,-22 0 0,21 0 15,0 0-15,1 0 0,-1 0 0,0 0 16,1 0-16,-1 0 0,0-21 16,1 21-16,-1 0 0,-21 0 15,22-21-15,-1 21 0,0-21 0,-21 21 16,1 0-16,-1-21 0,-21 21 0,0 0 15,0 0-15,0-22 0,-21 22 16,-1 0-16,1 0 0,-21-21 0,0 21 16,-22 0-16,1 0 0,-22 0 0,0 0 15,1 0-15,-22 0 0,0 0 16,0 0-16,-42 0 62,0 0-62,0 0 0,-1 0 16,1 0-16,0 0 0,0 0 0</inkml:trace>
+  <inkml:trace contextRef="#ctx0" brushRef="#br0" timeOffset="7111.96">3768 2159 0,'0'0'0,"-43"0"0,22 0 15,-42 0 1,41 0-16,1 0 0,42 0 31,1 0-15,-1 0-16,0 0 0,21 0 15,-21 0-15,22 0 0,-1 0 0,0 0 16,1 0-16,-1 0 0,0 0 16,1 0-16,20 0 0,-20 0 15,20 0-15,1 0 0,-1 0 0,22 0 16,-1 21-16,1-21 0,21 0 16,0 0-16,0 0 0,-1 0 0,1 0 15,0 0-15,21 0 0,-21 0 0,21 0 16,-21 0-16,21 0 0,-21 0 15,21 0-15,0 0 0,0 0 0,0 0 16,21 0-16,0 0 0,0 0 0,0 0 16,22 0-16,-22 0 0,21 0 15,0 0-15,1 0 0,-1 0 0,0 0 16,1 0-16,-1 0 0,0-21 16,1 21-16,-1 0 0,-21 0 15,22-21-15,-1 21 0,0-21 0,-21 21 16,1 0-16,-1-21 0,-21 21 0,0 0 15,0 0-15,0-22 0,-21 22 16,-1 0-16,1 0 0,-21-21 0,0 21 16,-22 0-16,1 0 0,-22 0 0,0 0 15,1 0-15,-22 0 0,0 0 16,0 0-16,-42 0 62,0 0-62,0 0 0,-1 0 16,1 0-16,0 0 0,0 0 0</inkml:trace>
   <inkml:trace contextRef="#ctx0" brushRef="#br0" timeOffset="8267.64">1609 2963 0,'0'-21'0,"21"21"0,-21-21 15,21 21-15,-21-21 0,0 0 16,0 0 0,0 42 31,0 0-32,0 0-15,0 0 0,0 0 16,0 1-16,0-1 0,0 21 0,21 0 15,-21-20-15,0 41 0,0-21 16,0 1-16,0 20 0,0-20 16,0 20-16,0-21 0,0 1 0,0-1 15,0 0-15,21 1 0,-21-1 16,0-21-16,0 0 0,0 1 0,0-1 16,0 0-16,0 0 0,0 0 15,21-42 32,1 0-47,-22 0 0,0 0 16,21-1-16,-21 1 15,21 21-15,-21-21 0</inkml:trace>
   <inkml:trace contextRef="#ctx0" brushRef="#br0" timeOffset="8887.7">2117 3471 0,'0'22'31,"0"-1"-16,0 0 1,0 0-16,0 0 0,0 0 16,0 1-1,21-22 1,0 0 0,0 0-16,-21-22 15,21 22-15,-21-21 0,21 0 0,-21 0 16,0 0-1,0 0-15,0-1 16,0 1 0,-21 21-16,0 0 15,21 21-15,-21-21 16,21 22-16,0-1 0,0 0 16,0 0-16,0 0 15,21 0 1,0-21-1,0 0-15,1 0 16,-1 0-16,-21-21 16,0 0-16,0 0 15,0 0 1,0 0 0,-21 21-1,-1 0 1,22 21 15,0 0 0</inkml:trace>
   <inkml:trace contextRef="#ctx0" brushRef="#br0" timeOffset="16498.93">4508 2794 0,'0'-21'15,"0"0"-15,0 0 16,0-1-16,0 1 16,0 0-16,-21 21 0,21-21 15,-21 42 1,21 0-1,-21 0-15,21 1 0,0 20 0,0 0 16,0 1-16,0-1 0,0 0 16,0 1-16,-21 20 0,21-21 15,0 22-15,-21-22 0,21 22 0,0-22 16,-22 22-16,22-22 0,0 0 0,0 1 16,0-1-16,-21-21 0,21 0 15,0 0-15,0 1 0,0-1 16,0-42 15,0-1-31,0 1 0,0 0 16,0-21-16,0 21 0</inkml:trace>
@@ -983,13 +1029,13 @@
   <inkml:trace contextRef="#ctx0" brushRef="#br0" timeOffset="51911.74">9398 5271 0,'-21'0'16,"0"0"-16,-1 0 16,1 0-16,0 21 0,0 0 0,0 0 0,0 0 15,-22 22-15,22-22 16,0 21-16,0 0 0,21-20 0,-21 20 16,21 0-16,-22 1 0,22-1 0,0 0 15,0-21-15,0 22 0,0-22 0,0 21 16,22-21-16,-1 1 0,0-1 15,0-21-15,21 21 0,-20-21 0,-1 0 16,21 0-16,0 0 0,1-21 0,-1 0 16,0-1-16,1 1 0,20 0 0,-20-21 15,-1-1-15,21 1 0,-20 0 16,-1-1-16,0-20 0,1 21 16</inkml:trace>
   <inkml:trace contextRef="#ctx0" brushRef="#br0" timeOffset="53231.47">10075 4784 0,'21'-64'0,"-42"128"0,42-234 16,-21 149-16,0 0 0,-21 21 16,0 0-16,0 0 0,0 0 15,0 42-15,-1-20 0,1 20 0,0 0 16,0 22-16,0-22 0,0 22 0,-1 20 16,1-20-16,0-1 0,0 22 0,0-22 15,21 1-15,-21-1 0,21 1 16,-22-1-16,22 1 0,0-1 0,0-20 15,0 20-15,0-20 0,22-22 0,-1 21 16,0-21-16,0 0 0,0 1 16,22-1-16,-1-21 0,-21 0 15,21 0-15,-20 0 0,20 0 0,0 0 16,1-21-16,-1-1 0,-21 1 0,21 0 16,-20-21-16,20 21 0,-21-22 0,21 1 15,-20 0-15,-1-1 0,0 1 16,0 0-16,0 20 0,-21-20 0,21 0 15,-21 21-15,22-1 0,-22 1 0,0 0 16,0 42 0,0 0-16,0 22 15,0-22-15,-22 0 0,22 21 16,-21 1-16,0-22 0,21 21 0,0-21 16,0 22-16,0-22 0,0 21 0,0-21 15,0 1-15,0-1 0,0 0 16,21 0-16,0 0 0,1-21 0,-1 0 15,21 0-15,0 0 0,-20 0 0,20 0 16,0-21-16,1 21 0,-1-21 0,-21 0 16,21 0-16,1-1 0,-22 1 0,21 0 15,-21-21-15,1 21 0,-1-22 16,0 22-16,0-21 0,-21 21 16,0-1-16,21 1 0,-21 0 0,0 0 15,0 42 16,0 0-31,-21 0 0,0 1 0,21-1 16,0 0-16,-21 21 0,21-21 0,0 1 16,-21-1-16,21 0 0,0 0 0,0 0 15,0 0-15,0 1 0,21-1 16,0-21-16,0 0 0,0 21 0,0-21 16,1 0-16,20 0 0,-21 0 0,0 0 15,0 0-15,22-21 0,-22 0 0,0 21 16,0-22-16,0 1 0,1 0 15,-1 0-15,-21 0 0,0-22 16,0 22-16,0 0 0,0-21 0,0 21 16,0-22-16,0 22 0,-21 0 0,-1 0 15,1 21-15,0-21 0,-21-1 16,21 22-16,-1 0 0,1 0 16,0 0-16,0 0 0,0 0 0,0 0 15,21 22-15,-22-22 0,44 0 31,-1 0-31,0 0 0,21 0 16,-21 0-16,22 0 0,-1 0 0,-21-22 16,22 22-16,-1 0 0,0-21 0,-21 21 15,22 0-15,-1-21 0,-21 21 16,0 0-16,22 0 0,-22 0 16,0 0-16,0 0 0,0 21 15,-21 0-15,0 1 0,0-1 16,0 0-16,0 0 0,22 21 15,-22-20-15,0-1 0,0 0 0,0 0 16,0 0-16,0 0 0,0 22 16,0-22-16,0 0 0,0 0 0,0 0 15,0 1-15,0-1 16,0-42 15,0-1-15,0 1-16,0 0 0,21 0 0,-21 0 15,21-22-15,-21 22 0,21-21 0,0 21 16,0-22-16,22 1 0,-22 0 0,0 21 16,21-22-16,-20 22 0,20-21 15,-21 21-15,0-1 0,22 22 16,-22 0-16,0 0 0,21 0 0,-21 0 0,1 0 16,-22 22-16,21 20 0,-21-21 0,21 0 15,-21 22-15,0-1 0,0-21 16,0 21-16,0 1 0,0-22 0,0 21 15,0-21-15,0 22 0,21-22 0,-21 0 16,0 0-16,21-21 0,0 21 16,-21 1-16,22-22 0,-1 0 0,0 0 15,0 0-15,0 0 0,0 0 16,1-22-16,-1 1 0,0 21 0,-21-21 16,21 0-16,0 21 0,-21-21 0,0 0 15,21-1-15,-21 1 0,22-21 0,-22 21 16,0 0-16,0-22 0,0 22 0,0 0 15,0-21-15,0 20 0,-22-20 16,-20-21-16</inkml:trace>
   <inkml:trace contextRef="#ctx0" brushRef="#br0" timeOffset="53515.31">11388 4636 0,'0'-22'16,"-22"22"-16,1 0 15,21-21-15,-21 21 63,21 21-48,-21-21-15,0 0 0</inkml:trace>
-  <inkml:trace contextRef="#ctx0" brushRef="#br0" timeOffset="53843.19">9821 4868 0,'-42'22'0,"84"-44"0,-126 44 16,41-22-16,22 0 0,0 0 15,42 0 1,0 0-16,22 0 0,-1-22 0,21 22 15,-20-21-15,20 21 0,1 0 16,-1-21-16,1 0 0,-1 21 0,1 0 16,-22 0-16,0-21 0,-20 21 15,-1 0-15,0 0 0,0 0 16,-42 0 15,0 0-31,0 0 0,-1 0 16,1 0-1,0 0-15</inkml:trace>
+  <inkml:trace contextRef="#ctx0" brushRef="#br0" timeOffset="53843.18">9821 4868 0,'-42'22'0,"84"-44"0,-126 44 16,41-22-16,22 0 0,0 0 15,42 0 1,0 0-16,22 0 0,-1-22 0,21 22 15,-20-21-15,20 21 0,1 0 16,-1-21-16,1 0 0,-1 21 0,1 0 16,-22 0-16,0-21 0,-20 21 15,-1 0-15,0 0 0,0 0 16,-42 0 15,0 0-31,0 0 0,-1 0 16,1 0-1,0 0-15</inkml:trace>
   <inkml:trace contextRef="#ctx0" brushRef="#br0" timeOffset="63139.41">1757 7514 0,'-21'0'15,"-1"0"-15,1 0 16,0-21 0,21 0-1,-21 0-15,21 0 16,0-1-16,0 1 0,0 0 16,0 0-16,0 0 15,0 0-15,21-1 0,0 22 0,0-21 16,-21 0-16,22 21 0,-1-21 15,0 21-15,-21-21 0,21 21 16,0 0-16,0 0 0,1 0 16,-22 21-16,21 0 0,0 0 0,-21 0 15,21 1-15,-21 20 0,0-21 16,0 21-16,0-20 0,0 20 0,0 0 16,-21 1-16,0-1 0,0-21 0,-1 21 15,1-20-15,-21 20 0,21-21 16,0 21-16,-1-20 0,-20-1 0,21 0 15,0-21-15,0 21 0,-1-21 16,1 0-16,0 0 16,21-21-1,0 0 1,0 0-16,0-1 16,21 22-16,0-21 0,1 0 0,-1 0 15,0 21-15,0-21 16,0 21-16,0 0 0,1 0 0,-1 0 15,0 0-15,0 0 0,0 0 16,0 0-16,1 0 0,-1 0 0,0 21 16,0 0-16,0-21 0,0 21 0,-21 0 15,22 1-15,-22-1 0,21 0 16,-21 0-16,0 21 0,0-20 0,0 20 16,0-21-16,0 21 0,-21 1 15,-1-22-15,-20 21 0,21 1 16,-21-22-16,20 21 0,-20-21 0,0 0 15,-1 1-15,1-1 0,0 0 16,21-21-16,-22 21 0,1-21 0,0 0 16,20 0-16,-20 0 0,21 0 15,-21 0-15,20-21 0,1 0 0,0 21 16,0-21-16,0-1 0,21 1 16,0 0-16,-21 21 0,21-21 0,0 0 15,0 0-15,0-1 16,0 1-1,21 21 1,0-21-16,0 0 16,0 21-16,0-21 0,22 21 15,-22-21-15,21 21 0</inkml:trace>
   <inkml:trace contextRef="#ctx0" brushRef="#br0" timeOffset="63596.11">2349 7789 0,'0'22'15,"0"-1"1,0 0-1,22-21 17,-1 0-32,0 0 15,0 0-15,0-21 16,-21 0-16,0-1 16,0 1-1,-21 21 1,0 0-1,0 0-15,0 0 0,-1 0 16,22 21-16,-21 1 16,0-22-16,21 21 0,0 0 0,-21-21 15,21 21-15,0 0 0,0 0 32,21-21 14,0 0-46,0-21 0</inkml:trace>
   <inkml:trace contextRef="#ctx0" brushRef="#br0" timeOffset="64239.74">4191 7218 0,'0'0'0,"0"-42"0,0-1 16,0 22-16,0 0 0,0 0 0,0 0 15,0 42 1,-21 21-1,21 0-15,-21 1 0,21-1 16,0 22-16,-22 20 0,22-20 0,0-1 16,0 1-16,-21 20 0,0-20 15,0-1-15,21 1 0,-21 21 0,0-22 16,-1 1-16,22-22 0,-21 21 0,0-20 16,21-1-16,0 0 0,0 1 15,-21-22-15,21 0 0,0 0 0,0 0 16,0-42 15,0 0-31,0 0 0,0 0 0,0-22 16</inkml:trace>
   <inkml:trace contextRef="#ctx0" brushRef="#br0" timeOffset="64947.41">3831 7514 0,'0'0'16,"0"-42"-16,-21 0 0,0-1 0,0-63 15,21 64-15,0 0 0,21-1 16,0 22-16,0-21 0,21 21 16,1-22-16,-1 22 0,0 0 0,22 0 15,-1 0-15,1 0 0,-1 21 16,22 0-16,-21 0 0,20 21 0,-20 0 16,-1 0-16,1 0 0,-22 22 0,-21-1 15,22 0-15,-43 1 16,0 20-16,0-21 0,-22 22 0,1-1 15,-21-20-15,0 20 0,-1-20 0,1 20 16,0-21-16,-22 1 0,22-22 16,-1 21-16,1 1 0,0-22 0,-1 0 15,22 0-15,-21-21 0,21 21 16,0-21-16,-1 0 0,1 0 0,21-21 16,0 0-16,0 0 15,0 0-15,0-1 16,0 1-16,21 21 15,1 0 1,-22 21-16,21 1 16,0 20-16,-21-21 0,21 21 0,-21-20 15,0 20-15,21 0 0,0-21 0,1 22 16,-22-22-16,21 21 0,0 1 16,0-22-16,0 0 0,0 0 0,1 0 15,20 0-15,-21 1 0,21-22 0,-20 0 16,20 0-16,0 0 0,-21 0 15,22 0-15,-1-22 0,0 1 0,1 0 16,-22 0-16,21 0 0,1-22 0,-22 22 16,0-21-16,21 0 15,-21-1-15,1 1 0,-1 0 0,-21 20 16,21-20-16,-21 21 0,21 0 0,-21 0 16,0-1-16,0 44 31,0-1-31,0 0 0,-21 0 0,21 0 15,-21 0-15,0 1 0,21-1 16,0 21-16,0-21 0,0 0 0,-22 1 16,22-1-16,0 0 0,0 0 0,0 0 15,0 0-15,22-21 16,-22-21 15,0 0-31,0 0 0,0 0 16,0-22-16</inkml:trace>
   <inkml:trace contextRef="#ctx0" brushRef="#br0" timeOffset="65119.32">5080 7620 0,'0'0'0,"0"-21"0,0 0 0,0 0 16,0-1-16,-21 22 0,0 0 16,21 22 15,0-1-16,0 0-15,21 0 16,0-21-16,-21 21 0,21-21 16,0 21-16</inkml:trace>
-  <inkml:trace contextRef="#ctx0" brushRef="#br0" timeOffset="65819.91">5715 7895 0,'21'-21'16,"-21"0"-16,21 21 15,-21-21-15,0 0 0,0-1 16,0 1-16,0 0 0,0 0 16,0 0-16,0 0 0,0-1 15,0 1-15,-21 21 0,0 0 0,0-21 16,0 21-16,-22 0 15,22 0-15,0 21 0,0 0 0,0 1 16,-22-1-16,22 0 0,0 0 0,0 21 16,0-20-16,-1 20 0,1 0 15,21-21-15,0 22 0,0-22 0,0 21 16,0-21-16,0 1 0,0-1 0,21 0 16,1-21-16,-1 0 0,0 0 15,21 0-15,-21 0 0,22 0 16,-22-21-16,21 0 0,-21-1 0,1 1 15,20-21-15,-21 21 0,0 0 0,0-1 16,1-20-16,-1 21 0,-21 0 16,0 0-16,0-1 0,0 1 0,0 0 15,0 42 17,0 0-32,0 1 0,0-1 0,0 0 15,0 21-15,-21-21 0,21 22 0,0-1 16,0 0-16,0 22 0,0-22 15,0 22-15,0-1 0,0 1 16,0-1-16,0 22 0,0 0 0,0-22 16,0 22-16,-22-1 0,22 1 0,-21 0 15,21-1-15,-21-20 0,0-1 16,0 1-16,21-1 0,-21-20 0,-1-1 16,1 0-16,0-20 0,0-1 0,0 0 15,-22 0-15,22 0 0,0-21 0,-21 0 16,21 0-16,-22 0 0,1 0 0,21 0 15,-22-21-15,1 0 0,0 0 16,-1 0-16,1-1 0,0 1 16,-1-21-16,22 21 0,-21-22 0,0 1 15,20 21-15,1-21 0,0 20 0,21-20 16,0 21-16,0-21 0,0-1 16,0 22-16,21-21 0,0-1 0,22-20 15,-22 21-15,21-1 0,1-20 0,-1-1 16</inkml:trace>
+  <inkml:trace contextRef="#ctx0" brushRef="#br0" timeOffset="65819.9">5715 7895 0,'21'-21'16,"-21"0"-16,21 21 15,-21-21-15,0 0 0,0-1 16,0 1-16,0 0 0,0 0 16,0 0-16,0 0 0,0-1 15,0 1-15,-21 21 0,0 0 0,0-21 16,0 21-16,-22 0 15,22 0-15,0 21 0,0 0 0,0 1 16,-22-1-16,22 0 0,0 0 0,0 21 16,0-20-16,-1 20 0,1 0 15,21-21-15,0 22 0,0-22 0,0 21 16,0-21-16,0 1 0,0-1 0,21 0 16,1-21-16,-1 0 0,0 0 15,21 0-15,-21 0 0,22 0 16,-22-21-16,21 0 0,-21-1 0,1 1 15,20-21-15,-21 21 0,0 0 0,0-1 16,1-20-16,-1 21 0,-21 0 16,0 0-16,0-1 0,0 1 0,0 0 15,0 42 17,0 0-32,0 1 0,0-1 0,0 0 15,0 21-15,-21-21 0,21 22 0,0-1 16,0 0-16,0 22 0,0-22 15,0 22-15,0-1 0,0 1 16,0-1-16,0 22 0,0 0 0,0-22 16,0 22-16,-22-1 0,22 1 0,-21 0 15,21-1-15,-21-20 0,0-1 16,0 1-16,21-1 0,-21-20 0,-1-1 16,1 0-16,0-20 0,0-1 0,0 0 15,-22 0-15,22 0 0,0-21 0,-21 0 16,21 0-16,-22 0 0,1 0 0,21 0 15,-22-21-15,1 0 0,0 0 16,-1 0-16,1-1 0,0 1 16,-1-21-16,22 21 0,-21-22 0,0 1 15,20 21-15,1-21 0,0 20 0,21-20 16,0 21-16,0-21 0,0-1 16,0 22-16,21-21 0,0-1 0,22-20 15,-22 21-15,21-1 0,1-20 0,-1-1 16</inkml:trace>
   <inkml:trace contextRef="#ctx0" brushRef="#br0" timeOffset="66555.56">6286 7218 0,'0'0'0,"-42"-21"16,21 21-16,0 0 15,21 21-15,0 0 0,-21 21 0,-1 1 16,22-1-16,0 0 0,0 1 16,-21 20-16,21-20 0,0 20 0,-21-21 15,21 22-15,0-22 0,0 1 0,0 20 16,0-21-16,0 1 0,0-22 0,0 21 16,0-21-16,0 1 0,0-1 15,0 0-15,0-42 16,0 0-1,0-22-15,0 22 0,0 0 16,0-21-16,0 20 0,0-20 0,21 21 16,0-21-16,-21 20 0,22-20 15,-22 21-15,0 0 0,21 21 16,0 0-16,-21 21 16,0 0-16,21 0 0,-21 0 15,0 1-15,21-1 0,-21 0 0,21 21 16,-21-21-16,0 1 0,22 20 15,-1-21-15,-21 0 0,21 0 0,0 1 16,0-1-16,0-21 0,1 21 0,-1-21 16,21 0-16,-21 0 0,22 0 0,-22 0 15,21-21-15,-21 0 16,22 21-16,-22-43 0,21 22 0,-21 0 16,22-21-16,-22-1 0,0 22 0,21-42 15,-21 20-15,1 1 0,-1-22 0,0 1 16,0-1-16,0 1 0,0-1 15,-21 1-15,0-1 0,22 22 0,-22 0 16,0-1-16,0 22 0,0 0 0,0 0 16,0 42-1,0 0-15,-22 22 16,1-1-16,21 0 0,-21 22 0,0-1 16,21 1-16,-21-22 0,21 22 15,-21-1-15,21 1 0,0-22 16,0 0-16,0 22 0,0-22 0,0 0 15,0-20-15,21 20 0,0-21 0,0 21 16,0-42-16,0 22 0,1-1 16,20-21-16,-21 0 0,0 0 0,0 0 15,1 0-15,-1-21 0,0-1 0,0 1 16,0 0-16,0 0 0,-21 0 0,0 0 16,0-22-16,0 22 0,0-21 15</inkml:trace>
   <inkml:trace contextRef="#ctx0" brushRef="#br0" timeOffset="66740.45">7006 7578 0,'-21'0'0,"42"0"0,-63 0 16,63-21 0,0 21-16,0-22 15,0 22-15,22-21 0,-22 21 0,21-21 16,1 0-16,-22 21 0,21-21 15,-21 21-15,22-21 0,-22 21 16,0-22-16,0 22 0,21-21 0,-20 21 16</inkml:trace>
   <inkml:trace contextRef="#ctx0" brushRef="#br0" timeOffset="67710.92">8572 7176 0,'0'0'0,"-21"-22"0,0 22 15,21-21-15,-21 0 0,0 21 16,0 0-16,-1 0 0,1 0 0,0 21 16,0 22-16,-21-22 0,20 21 0,1 22 15,0-22-15,21 21 0,-21 1 16,21-1-16,-21-20 0,21 20 0,-21 1 16,21-22-16,0 0 0,0 22 0,0-22 15,0-21-15,21 22 0,0-1 0,0-21 16,0 0-16,0 1 0,1-22 15,20 0-15,-21 0 0,21 0 16,1 0-16,-1 0 0,0 0 0,1-22 0,-1 1 16,0 0-16,1-21 0,-1 21 15,22-1-15,-22-20 0,0 0 16,1-1-16,-1 1 0,0 0 0,-21-22 16,22 22-16,-22-22 0,21 1 0,-21-1 15,1 1-15,-22-1 0,21 1 16,-21 21-16,21-22 0,-21 22 0,0 21 15,0-22-15,0 22 0,0 0 0,-21 42 32,21 21-32,-21-20 0,-1 20 15,22 21-15,-21-20 0,0 20 0,0 1 16,21-1-16,-21 1 0,0-1 0,21 1 16,-22-1-16,22 1 0,0-22 15,0 0-15,0 1 0,0-1 16,0 0-16,22 1 0,-1-22 0,0 0 15,0 0-15,0 0 0,0-21 0,22 0 16,-22 0-16,0 0 0,21 0 0,-20-21 16,-1 21-16,21-21 0,-21 0 15,0 0-15,1-22 0,-1 22 0,0 0 16,0-21-16,0 21 0,-21-22 0,0 22 16,0-21-16,0 21 0,0-1 0,0 1 15,0 42 16,-21 1-31,21-1 16,-21 21-16,21-21 0,0 0 0,0 1 16,0-1-16,0 0 0,0 0 15,0 0-15,0 0 0,0 1 16,21-22 0,0 0-16,0 0 15,1 0-15,-22-22 16,21 1-16,0 0 0,-21 0 15</inkml:trace>
@@ -997,14 +1043,14 @@
   <inkml:trace contextRef="#ctx0" brushRef="#br0" timeOffset="68175.88">10308 7472 0,'0'0'16,"0"-21"-16,-21 21 0,0 0 0,0 0 16,-22 0-16,22 0 0,0 0 0,0 0 15,-22 21-15,22 0 0,-21 0 16,21 0-16,0 22 0,-1-22 0,1 21 16,0-21-16,0 22 0,21-1 0,0-21 15,0 22-15,0-22 0,0 21 16,0-21-16,21 0 0,0 22 0,0-22 15,1 0-15,-1 0 0,0-21 0,21 21 16,-21 1-16,22-22 0,-22 0 16,21 0-16,-21 0 0,22 0 0,-22 0 15,21-22-15,1 1 0,-22 0 0,21 0 16,-21 0-16,0 0 0,22-1 16,-22-20-16,21 21 0,-21-21 0</inkml:trace>
   <inkml:trace contextRef="#ctx0" brushRef="#br0" timeOffset="68872.34">10858 6900 0,'0'0'0,"0"-42"0,-21-21 15,21 41-15,-21 1 0,0 21 16,0 0-16,0 21 0,21 1 16,-22-1-16,1 0 0,21 21 15,0 1-15,-21-1 0,0 0 0,21 22 16,-21-22-16,21 22 0,0-1 0,0 1 15,0-1-15,-21 1 0,21-1 0,-22-21 16,22 22-16,0-22 0,0 1 16,0-1-16,0 0 0,0-21 0,0 22 15,0-22-15,0 0 0,0 0 16,-21-21-16,21-21 16,0 0-1,0 0-15,0 0 0,0-1 16,0 1-16,21-21 0,1 0 15,-1 20-15,-21-20 0,21 0 0,21-22 16,-21 22-16,1 0 0,20 20 0,-21-20 16,21 21-16,-20 0 0,20 0 0,-21-1 15,21 22-15,-20 0 0,-1 0 16,0 0-16,0 22 0,-21-1 16,0 0-16,0 0 0,0 0 0,0 0 15,0 1-15,-21-1 0,0 0 0,0 0 16,-1 0-16,1 0 0,0 1 0,0-22 15,-21 21-15,20-21 0,1 0 16,0 21-16,0-21 0,0 0 16,-22 0-16,22 0 0,0 0 0,0 0 15,0 0-15,0 0 0,-1 0 0,1 0 16,21 21 0,0 0-1,0 0-15,0 1 0,0-1 16,0 0-16,21 0 0,1 0 0,-1 0 15,-21 1-15,21-1 0,0 0 0,0 0 16,22-21-16,-22 21 0,0 0 16,21-21-16,1 0 0,-1 22 15,-21-22-15,21 0 0,1 0 0,-1 0 16,0 0-16,1 0 0,-1 0 0,-21-22 16,22 22-16,-22-21 0,0 21 0,0-21 15,0 0-15,-21 0 0,21 0 16,-21-1-16,0 1 15,0 0 1,-21 21-16,0 0 0,0 0 0,-21 0 16,-1 0-16</inkml:trace>
   <inkml:trace contextRef="#ctx0" brushRef="#br0" timeOffset="69924.03">1693 9525 0,'0'0'0,"0"-42"16,0 63 15,0 0-31,21 0 0,-21 22 16,0-1-16,0 0 0,0 1 0,0-1 15,0 0-15,0 1 0,-21-1 16,0 0-16,21 1 0,-21-1 0,0 0 16,0-21-16,-1 1 0,22 20 15,-21-21-15,0 0 0,21 0 16,-21 1-16,0-22 15,21-22 1,0 1-16,0 0 16,0 0-16,21 0 15,0 0-15,0 21 0,22-22 16,-22 22-16,21 0 0,-21-21 16,22 21-16,-1 0 0,0-21 0,-21 21 15,22 0-15,-22-21 0,21 21 16,-21 0-16,1 0 0,-1-21 0,0 21 15,0-21-15,0 21 16,-21-22-16,0 1 16,0 0-1,-21 21-15,0 0 16,0 0-16,0 0 16,21 21-16,-22 0 15,1 22-15,21-22 0,0 0 0,0 21 16,-21 1-16,21-22 0,-21 21 15,21-21-15,0 22 0,0-22 0,0 21 16,0-21-16,0 1 0,0-1 0,0 0 16,0 0-16,21-21 15,-21 21-15,21-21 0,0 0 16,1-21-16,-22 0 16,21 0-16,0 0 0</inkml:trace>
-  <inkml:trace contextRef="#ctx0" brushRef="#br0" timeOffset="70094.94">2519 10033 0,'0'0'15,"21"0"48,-21-21-63,21 21 15,0-21-15</inkml:trace>
+  <inkml:trace contextRef="#ctx0" brushRef="#br0" timeOffset="70094.93">2519 10033 0,'0'0'15,"21"0"48,-21-21-63,21 21 15,0-21-15</inkml:trace>
   <inkml:trace contextRef="#ctx0" brushRef="#br0" timeOffset="72219.82">4233 9948 0,'0'0'16,"0"-21"-16,21 21 0,-21-21 0,0 0 15,0 0-15,22 0 0,-22-1 16,0 1-16,0 0 0,0 0 15,0 0-15,-22 0 0,1 21 0,0-22 16,0 1-16,-21 21 0,20 0 0,-20 0 16,0 0-16,-1 0 0,1 21 15,-21 1-15,20-1 0,1 21 0,-22 0 16,22 1-16,-21-1 0,20 0 16,1 1-16,0-1 0,20 0 0,1 1 15,0-22-15,21 21 0,0-21 0,0 1 16,21-1-16,0 0 0,1 0 15,20-21-15,-21 0 0,21 0 0,1 0 16,-1 0-16,22-21 16,-22 0-16,0 0 0,1-1 0,-1 1 15,0-21-15,1 21 0,-1-22 0,0 1 16,1 0-16,-1-1 0,0-20 16,-21-1-16,22 22 0,-1-21 0,-21-22 15,0 21-15,1 22 0,-1-21 0,0-1 16,0 1-16,-21-1 0,0 22 15,0-1-15,0 1 0,0 0 0,0-1 16,-21 22-16,0 0 0,0 21 16,-1 0-16,1 0 0,0 0 15,-21 21-15,21 22 0,-1-22 0,1 21 16,0 22-16,21-22 0,-21 21 16,0 1-16,21-1 0,-21 1 0,21 21 15,0-22-15,0 1 0,0 20 0,0-41 16,0 20-16,21 1 0,0-22 15,0 0-15,21-21 0,-20 22 0,-1-22 16,21 0-16,-21 0 0,22 0 0,-1-21 16,-21 0-16,21 0 0,1 0 15,-22 0-15,21 0 0,-21-21 0,22 0 16,-22 21-16,21-21 0,1-21 0,-22 20 16,0 1-16,0-21 15,21 21-15,-20-22 0,-22 22 0,21-21 16,0 21-16,-21 0 0,0-1 0,0 1 15,0 42 1,0 1 0,0 20-16,0-21 0,0 0 15,0 0-15,0 22 0,0-22 16,0 0-16,0 0 0,0 0 0,0 1 16,0-1-16,21 0 0,0-21 0,0 21 15,1-21-15,20 0 0,-21 0 16,0 0-16,22 0 0,-22 0 0,0 0 15,21-21-15,-21 0 0,1 21 16,20-21-16,-21-1 0,0 1 0,0 0 16,1-21-16,-22 21 0,0-22 15,0 22-15,0-21 0,0-1 0,0 22 16,0-21-16,0 0 0,-22 20 0,1-20 16,0 21-16,0 0 0,0 21 15,-22 0-15,22 0 0,0 0 0,-21 0 16,21 0-16,-1 21 0,1 0 0,-21 21 15,21-20-15,21 20 16,-21 0-16,21-21 0,-22 22 0,22-1 16,0-21-16,0 22 0,0-22 0,22 21 15,-1-21-15,0 0 0,0 1 16,0-1-16,0 0 0,22-21 0,-22 0 16,21 0-16,1 0 0,-1 0 0,0 0 15,1 0-15,-1 0 0,0-21 0,1 0 16,-1-1-16,0 22 0,1-42 15,-1 21-15,-21 0 0,21 0 0,-20-22 16,-1 22-16,-21-21 0,0 21 0,0-1 16,21-20-16,-21 21 0,0 0 15,-21 21 1,0 21-16,21 0 16,-22 21-1,22-20-15,-21-1 0,21 0 0,0 0 16,0 0-16,0 22 0,0-22 0,0 0 15,0 0-15,0 0 0,21-21 16,1 21-16,-1 1 0,0-22 0,0 0 16,0 0-16,0 0 0,22 0 0,-22 0 15,21 0-15,-21-22 0,22 22 0,-22-21 16,0 0-16,21 0 0,-20 0 16,-1 0-16,0-1 0,-21-20 0,21 21 15,-21-21-15,0 20 0,0-20 0,0 0 16,0 21-16,0-22 0,0 22 15,0 0-15,-21 21 16,0 0-16,21 21 16,-21 0-16,21 22 0,-22-22 15,22 21-15,0-21 0,0 0 16,0 22-16,0-22 0,0 21 0,0-21 16,0 1-16,0 20 0,22-21 0,-1-21 15,0 21-15,0 0 0,0-21 16,0 0-16,1 0 0,20 0 0,-21 0 15,21 0-15,-20 0 0,20 0 0,0-21 16,-21 0-16,22 0 0,-1 0 16,-21 0-16,22-1 0,-22 1 15,0-21-15,0 0 0,0 20 0,0-20 16,-21-21-16,0 20 0,22 1 0,-22-22 16,0 22-16,0-21 0,0 20 0,0 1 15,0 0-15,0-1 0,0 1 16,0 21-16,0 0 0,-22 21 15,22 21-15,0 0 16,0 21-16,-21 1 0,21-1 16,0 0-16,-21 1 0,21 20 0,0-21 15,0 22-15,0-22 0,0 1 0,0 20 16,0-21-16,0-20 0,0 20 16,0-21-16,0 21 0,0-20 15,0-1-15,0 0 0,0-42 31,0 0-15,0-1-16,0 1 0,0 0 16,21-21-16,0 21 0,1-22 0,-1 22 15,0 0-15,0-21 0,0 20 16,0 1-16,1 21 0,-1-21 0,21 21 16,-21 0-16,0 0 0,1 0 0,-1 21 15,0 0-15,0-21 0,0 22 0,-21 20 16,0-21-16,0 0 0,0 0 15,0 1-15,0 20 0,-21-21 16,21 0-16,-42 0 0,21 1 0,-1 20 16,-20-21-16,21 0 0,-21-21 0,20 21 15,-20 1-15,21-22 0,-21 0 16,20 21-16,1-21 0,-21 0 0,21 0 16,0 0-16,21-21 15,0-1-15,0 1 0,21 0 16,0 0-16,0 0 0,21-22 15,-20 22-15,20-21 0</inkml:trace>
   <inkml:trace contextRef="#ctx0" brushRef="#br0" timeOffset="72488.67">7451 8996 0,'0'0'0,"21"-85"15,-21 64-15,0 0 0,0 42 16,0 0-1,-21 22-15,21-22 0,0 21 16,-22 22-16,22-22 0,-21 21 0,21 1 16,-21-1-16,21 1 0,0-1 0,-21 1 15,21-1-15,-21 1 0,21-1 0,0-20 16,0-1-16,0 22 16,0-22-16,0-21 0,0 21 0,0-20 0,0 20 15,0-21-15,0 0 0,0 0 16,21-21 15,0-21-31,0 0 0</inkml:trace>
   <inkml:trace contextRef="#ctx0" brushRef="#br0" timeOffset="72824.48">7578 9737 0,'21'0'31,"0"0"-16,0 0-15,0 0 0,0 0 16,1-21-16,-1 21 0,0 0 16,21-22-16,-21 1 0,1 0 0,20 21 15,-42-21-15,21 0 0,0 21 0,-21-21 16,0-1-16,0 1 0,0 0 16,0 0-16,0 0 0,-21 21 15,0 0-15,0 0 0,-22 0 0,22 0 16,0 21-16,-21 0 0,21 21 0,-22-20 15,22 20-15,0 0 0,0 1 16,0-1-16,21 0 0,0-21 0,0 22 16,0-1-16,0-21 0,0 0 15,0 1-15,0-1 0,21 0 0,0 0 16,0-21-16,0 0 0,0 0 16,1 0-16,20 0 0,-21 0 0,21 0 15,-20-21-15,20 0 0,0 21 0,-21-43 16,22 22-16</inkml:trace>
   <inkml:trace contextRef="#ctx0" brushRef="#br0" timeOffset="73755.45">8742 9462 0,'21'-22'16,"-42"44"-16,63-65 0,0 1 0,-20 21 0,-1 0 15,-21-22-15,0 22 0,0-21 0,0 21 16,0-1-16,0 1 16,0 0-16,-21 0 0,-1 21 15,1 0-15,0 0 0,-21 0 0,21 21 16,-1 0-16,1 0 0,0 1 16,21 20-16,-21 0 0,21 1 0,-21-1 15,21 0-15,0 1 0,0-1 0,0 0 16,0 22-16,0-22 0,0 0 0,0 1 15,0-1-15,0-21 0,21 22 16,0-22-16,21 0 0,-20 0 0,20 0 16,-21-21-16,21 0 0,1 0 15,-1 0-15,0 0 0,1 0 0,-1-21 16,0 0-16,1 0 0,-1 0 16,0-1-16,1-20 0,-1 21 0,-21-21 15,22-1-15,-22 1 0,21-22 0,-21 22 16,0 0-16,1-22 0,-1 1 0,0 20 15,0-20-15,0-22 0,-21 22 16,0-1-16,21 1 0,-21-1 0,0 1 16,0 20-16,0 1 0,0 21 0,0-21 15,-21 42-15,0 0 16,0 42-16,0-21 16,21 43-16,-21-22 0,-1 21 15,1 1-15,0-1 0,21 1 0,-21 21 16,0-22-16,0 1 0,21-1 0,0 1 15,0-1-15,0 1 0,0-22 16,0 21-16,0-20 0,0-1 0,21 0 16,-21 1-16,42-22 0,-21 0 0,0 0 15,22-21-15,-1 0 0,0 0 0,1 0 16,-1 0-16,0 0 0,1-21 16,-22 0-16,21 0 0,1 0 0,-22-1 15,0-20-15,21 21 0,-42-21 0,21 20 16,-21-20-16,22 0 0,-22 21 0,0-22 15,0 22-15,0 0 0,-22 21 32,1 0-32,0 0 0,21 21 15,-21 0-15,21 22 0,0-22 0,-21 0 16,21 0-16,0 0 0,0 0 0,0 1 16,0-1-16,0 0 0,0 0 15,0 0-15,0 0 0,0 1 16,21-22-16,0 0 15,0 0 1,-21-22-16,21 1 16,1 0-16,-22 0 0,0 0 15</inkml:trace>
   <inkml:trace contextRef="#ctx0" brushRef="#br0" timeOffset="73911.37">10054 9335 0,'0'0'0,"0"-22"0,0-20 16,0 21-1,-21 21-15,0 0 0,0 0 16,21 21 15,21-21-15,0 0-16,0 21 0,0-21 16</inkml:trace>
   <inkml:trace contextRef="#ctx0" brushRef="#br0" timeOffset="74915.78">10583 9271 0,'0'-21'15,"-21"0"-15,0 21 16,0 0-16,0 0 0,-1 0 0,1 21 16,-21 0-16,21 0 0,0 0 0,-1 1 15,1-1-15,0 21 0,0-21 0,21 22 16,0-1-16,0-21 15,0 21-15,0 1 0,0-22 0,0 21 16,0-21-16,0 22 0,0-22 0,21 0 16,0 0-16,0 0 0,1-21 0,20 22 15,-21-22-15,0 0 0,22 0 0,-22 0 16,21 0-16,0 0 0,1-22 16,-22 1-16,21 0 0,1 0 0,-1 0 15,-21-22-15,21 22 0,-20-21 0,20 0 16,0-1-16,-21-20 0,1 20 0,20-20 15,-21 21-15,0-22 0,0 1 16,1-22-16,-1 21 0,-21 1 16,21-22-16,-21 22 0,0 20 0,0-20 15,0 21-15,0 20 0,0-20 0,0 21 16,-21 21-16,0 0 16,-1 21-16,1 21 0,21-20 15,-21 41-15,0-21 0,0 22 0,21-1 16,0 1-16,0-1 0,-21 1 0,21-1 15,0 1-15,0-1 0,0 1 0,0-1 16,0 1-16,0-22 0,0 1 16,0-1-16,0 0 0,0 1 0,0-1 15,0-21-15,0 0 0,0 0 0,0 1 16,0-44 15,0 1-31,0 0 16,0 0-16,0 0 0,0-22 0,0 1 15,0 21-15,21-21 0,0-1 0,0 1 16,0 0-16,0-1 0,22 1 0,-22 0 16,21 20-16,1-20 0,-22 21 0,21 0 15,-21 0-15,22 21 0,-22 0 16,21 0-16,-21 0 0,0 0 0,-21 21 16,22-21-16,-22 21 0,0 0 15,0 0-15,0 0 0,-22 1 0,1-22 16,0 21-16,0 0 0,-21 0 0,20 0 15,-20 0-15,21-21 0,-21 22 16,20-1-16,-20-21 0,0 0 16,21 21-16,-22-21 0,22 0 0,0 0 15,-21 0-15,20 0 0,1 0 0,0 0 16,21-21-16,-21 21 0,0-21 16,21 42 15,0 0-31,0 0 15,21 0-15,-21 22 0,21-22 0,-21 0 16,0 21-16,21-21 0,0 22 0,-21-22 16,22 21-16,-1-21 0,0 1 15,0-1-15,21 0 0,-20 0 16,-1 0-16,21-21 0,-21 0 0,22 21 16,-22-21-16,21 0 0,0 0 0,-20 0 15,-1 0-15,21-21 0,-21 21 0,0-21 16,1 0-16,-1 21 0,0-21 0,0 0 15,0-1-15,-21 1 0,0 0 0,21-21 16,-21 21-16,22-1 0,-22 1 0,0 0 16,0 0-16,0 0 15,-22 21-15,1 0 0,-21 0 16,21 0-16,-22 0 0,1 0 0,-21 0 16</inkml:trace>
-  <inkml:trace contextRef="#ctx0" brushRef="#br0" timeOffset="75572.41">1820 11536 0,'0'0'0,"-21"0"16,21-21 31,21 21-47,0 0 15,1-21-15,-1 21 0,21-22 16,-21 22-16,22 0 0,-1 0 0,-21-21 16,21 21-16,-20 0 0,20 0 15,-21 0-15,0 0 0,0 0 0,1 0 16,-22 21-16,-22 1 16,1-22-16,-21 21 15,21 0-15,0-21 0,-22 0 0,1 21 16</inkml:trace>
+  <inkml:trace contextRef="#ctx0" brushRef="#br0" timeOffset="75572.4">1820 11536 0,'0'0'0,"-21"0"16,21-21 31,21 21-47,0 0 15,1-21-15,-1 21 0,21-22 16,-21 22-16,22 0 0,-1 0 0,-21-21 16,21 21-16,-20 0 0,20 0 15,-21 0-15,0 0 0,0 0 0,1 0 16,-22 21-16,-22 1 16,1-22-16,-21 21 15,21 0-15,0-21 0,-22 0 0,1 21 16</inkml:trace>
   <inkml:trace contextRef="#ctx0" brushRef="#br0" timeOffset="76027.67">1693 11599 0,'0'0'0,"-21"0"15,21 22-15,-21-22 0,21 21 0,0 0 16,0 0 0,0 0-16,0 0 0,0 1 15,0-1-15,0 0 16,0 0-16,-21 0 0,21 0 31,-21-21-31,21-21 31,0 0-15,0 0-16,21 21 0,0 0 16,0 0-16,0 0 0,0 0 15,22 0-15,-22 0 0,21 0 0,1 0 16,-1 0-16,0 21 0,1 0 15,-22 0-15,21 1 0,-21 20 0,22-21 16,-22 0-16,0 22 0,0-22 16,-21 21-16,0 0 0,0-20 0,0 20 15,0-21-15,-21 21 0,0-20 0,0-1 16,21 0-16,-22 0 0,1-21 16,0 21-16,0-21 0,0 0 15,0 0-15,-1 0 0,1 0 16,0 0-16,0 0 15,21-21-15,-21 0 0,0 21 16,21-21-16,0 0 16,0-1-16,0 1 15,21 0-15,0 21 0,0-21 0,0 21 16</inkml:trace>
   <inkml:trace contextRef="#ctx0" brushRef="#br0" timeOffset="76184.58">2498 12086 0,'0'0'0,"21"0"0,0 0 16,-21-21 31,0 0-32</inkml:trace>
   <inkml:trace contextRef="#ctx0" brushRef="#br0" timeOffset="76639.57">4064 11007 0,'0'0'0,"-21"0"15,0-21-15,-1 21 16,22 21 0,0 21-16,0 0 0,0 1 15,0 20-15,0 1 0,0-1 16,0 1-16,0 20 0,0-20 0,0 21 16,0-22-16,0 1 0,0-1 0,0 1 15,0-22-15,0 21 0,0-20 16,0-1-16,0-21 0,0 0 0,0 1 15,0-1-15,0 0 0,0-42 32,0 0-17,0-1-15,0 1 0</inkml:trace>
@@ -1013,7 +1059,7 @@
   <inkml:trace contextRef="#ctx0" brushRef="#br0" timeOffset="78474.95">6117 11853 0,'0'0'0,"0"-21"0,21 0 0,-21 0 0,0 0 15,0 0-15,0-22 0,0 22 16,-21-21-16,21 21 0,-21-22 0,0 22 15,0 0-15,-1 0 0,1 0 16,-21 21-16,21 0 0,0 0 0,-22 0 16,1 0-16,21 21 0,-22 0 15,22 0-15,-21 21 0,21-20 0,0 20 16,-22-21-16,22 21 0,0 1 0,0-22 16,21 21-16,0 1 0,0-1 15,0 0-15,0-21 0,0 22 0,0-22 16,21 0-16,-21 0 0,21 0 0,0-21 15,0 0-15,22 0 0,-22 0 0,0 0 16,21-21-16,-20 21 0,20-21 16,-21 0-16,21 0 0,-20-22 15,20 22-15,-21-21 0,0 21 0,0-22 16,1 22-16,-1-21 0,-21 21 0,0-22 16,0 1-16,0 21 0,0 0 15,0-22-15,0 22 0,0 0 0,-21 21 31,21 21-31,-22 0 16,22 1-16,-21 20 0,0 43 16,21-43-16,0-21 0,0 21 15,0-20-15,0 20 0,0-21 0,0 21 16,21-20-16,-21-1 0,43 0 16,-22 0-16,0 0 0,21-21 0,-21 0 15,22 0-15,-1 0 0,0 0 16,1 0-16,-1-21 0,0 0 0,1 0 15,-1 0-15,22-1 0,-43 1 16,21 0-16,0-21 0,-20 21 0,20-22 16,-21 1-16,0 21 0,-21-22 0,0 1 15,0 0-15,0 21 0,0-22 0,0 22 16,-21 0-16,0 0 0,0 0 16,-22-1-16,22 22 0,0 0 0,-21 0 15,21 22-15,-22-1 0,22 0 0,-21 21 16,21-21-16,-1 1 0,1 20 15,0-21-15,0 21 0,21-20 0,0 20 16,0-21-16,0 0 0,0 0 16,0 1-16,21-22 0,0 0 0,0 0 15,1 0-15,-1 0 0,21 0 16,-21 0-16,0 0 0,22-22 0,-22 1 16,0 0-16,21 0 0,-20 21 0,-1-21 15,0 0-15,0-1 0,-21 1 0,0 0 16,21 0-16,-21 0 0,0 0 15,0-1-15,0 44 16,0-1 0,0 0-16,0 0 0,0 21 15,0-20-15,0 20 0,0 0 0,0 1 16,0-1-16,0 21 0,0-20 16,0 20-16,0 1 0,0-1 0,0 1 15,0-1-15,0 1 0,0-1 0,0 22 16,0-22-16,0 22 0,0 0 0,0-1 15,0-20-15,-21 21 0,21-22 16,0 1-16,-21-22 0,21 21 0,-21-20 16,0-22-16,-1 21 0,1-21 0,0 1 15,0-1-15,0 0 0,-22-21 0,22 0 16,0 0-16,-21 0 0,21 0 0,-1-21 16,1 21-16,-21-21 0,21-1 15,0 1-15,-1 0 0,22 0 16,-21 0-16,21-22 0,0 22 0,-21-21 15,21 0-15,0-1 0,0-20 0,0 20 16</inkml:trace>
   <inkml:trace contextRef="#ctx0" brushRef="#br0" timeOffset="79247.67">7874 11218 0,'21'-21'0,"-42"42"0,42-84 0,-21 42 16,0 0-16,0-22 0,0 22 0,0 0 16,0 0-16,-21 0 0,-21 21 15,20 0-15,-20 0 0,0 0 16,-1 21-16,1 0 0,-21 0 0,20 21 16,1 1-16,-22-1 0,22 0 0,0 22 15,-1-22-15,22 1 0,0-1 0,0 0 16,0 1-16,21-1 0,0-21 15,0 0-15,0 0 0,21 1 0,0-22 16,0 0-16,22 0 0,-1 0 0,0 0 16,1 0-16,-1 0 0,0-22 0,22 1 15,-22 21-15,0-21 0,-20 0 16,20 21-16,-21-21 0,-21 0 16,-21 21-1,0 0-15,0 0 0,-22 0 0,22 21 16,-21 0-16,-1 0 0,1 0 15,0 0-15,-1 1 0,1-1 0,0 0 16,21 0-16,-1 21 0,-20-20 0,42-1 16,0 0-16,0 0 0,0 0 15,21 0 1,0-21-16,1 0 0,-1 0 0,21 0 16,0 0-16,1-21 0,-1 21 0,0-21 15,1 21-15,-1-21 0,-21 0 0,22 21 16,-1-21-16,-21-1 0,0 22 0,0 0 15,1-21-15,-22 42 16,0 1 0,0-1-16,-22 0 0,22 21 0,-21-21 15,0 22-15,-21-1 0,21 22 0,-1-22 16,1 0-16,-21 22 0,21-22 0,0 22 16,-1-22-16,1 0 0,0 1 15,21-1-15,0 0 0,-21-21 0,21 1 16,0 20-16,0-21 0,0 0 15,21-21 1,0 0-16,0 0 16,1-21-16,-1 0 0</inkml:trace>
   <inkml:trace contextRef="#ctx0" brushRef="#br0" timeOffset="79667.42">9377 10964 0,'0'0'0,"0"-21"16,0-21-16,21 21 16,-21 0-16,21-1 0,-21 1 0,21 21 15,-21 21 1,0 22-16,0-1 0,0 0 0,0 1 16,0 20-16,0 22 0,0-22 15,0 1-15,0-1 0,-21 1 0,0-1 16,21 1-16,0-1 0,-21-20 0,0-1 15,21 0-15,-22-20 0,22 20 0,0-21 16,0 0-16,0 0 0,0 1 16,22-22-1,-1 0-15,-21-22 16,0 1-16,0 0 0,0 0 16,0 0-16</inkml:trace>
-  <inkml:trace contextRef="#ctx0" brushRef="#br0" timeOffset="80052.21">9080 11176 0,'0'0'0,"-42"-42"16,21-1-16,-21 1 0,-1 0 0,22-1 15,0 22-15,21-21 0,0 0 0,0 20 16,0-20-16,21 21 0,0 0 16,22-22-16,-1 22 0,0 0 0,22 0 15,-1 21-15,1 0 0,-1 0 0,1 0 16,20 21-16,1 0 0,0 0 0,-1 22 15,-20-22-15,21 21 0,-22 22 16,1-22-16,-1 0 0,-21 22 0,1-22 16,-1 22-16,-21-1 0,0 1 0,-21-22 15,0 22-15,0-1 0,-21-21 0,0 22 16,-21-22-16,21 1 0,-43-1 16,22 0-16,-1 1 0,-20-22 15,21 21-15,-22-21 0,22 0 0,-1 1 16,1-22-16,0 21 0,21-21 0,-22 0 15,22 0-15,0 0 0,0 0 0,21-21 16,-21 21-16,21-22 16,0 1-16,0 0 0,0 0 15,0 0-15,21 0 16,0 21-16,0-22 0,0 22 0,0-21 16,22 0-16,-22 21 0,21-21 0</inkml:trace>
+  <inkml:trace contextRef="#ctx0" brushRef="#br0" timeOffset="80052.2">9080 11176 0,'0'0'0,"-42"-42"16,21-1-16,-21 1 0,-1 0 0,22-1 15,0 22-15,21-21 0,0 0 0,0 20 16,0-20-16,21 21 0,0 0 16,22-22-16,-1 22 0,0 0 0,22 0 15,-1 21-15,1 0 0,-1 0 0,1 0 16,20 21-16,1 0 0,0 0 0,-1 22 15,-20-22-15,21 21 0,-22 22 16,1-22-16,-1 0 0,-21 22 0,1-22 16,-1 22-16,-21-1 0,0 1 0,-21-22 15,0 22-15,0-1 0,-21-21 0,0 22 16,-21-22-16,21 1 0,-43-1 16,22 0-16,-1 1 0,-20-22 15,21 21-15,-22-21 0,22 0 0,-1 1 16,1-22-16,0 21 0,21-21 0,-22 0 15,22 0-15,0 0 0,0 0 0,21-21 16,-21 21-16,21-22 16,0 1-16,0 0 0,0 0 15,0 0-15,21 0 16,0 21-16,0-22 0,0 22 0,0-21 16,22 0-16,-22 21 0,21-21 0</inkml:trace>
   <inkml:trace contextRef="#ctx0" brushRef="#br0" timeOffset="80475.97">10329 11409 0,'0'0'16,"0"-21"-16,21 21 0,-21-21 0,0-1 0,0 1 16,22 0-16,-1 0 15,-21 0-15,21 21 0,0 0 16,0 0-16,0 0 0,1 0 15,-1 0-15,0 21 0,0 0 0,21 0 16,-20 0-16,-1 1 0,21-1 0,-21 21 16,0-21-16,1 0 0,-1 22 15,-21-22-15,0 0 0,0 21 0,0-20 16,0-1-16,0 0 0,0 0 16,0 0-16,-21 0 0,-1 1 0,1-22 15,21 21-15,-21-21 0,0 0 16,0 0-16,21-21 15,0-1-15,0 1 16,0 0-16,0 0 0,0-21 0,0 20 16,0-20-16,0 21 0,0-21 15,21 20-15,0-20 0,0 21 0,0-21 16,-21 20-16,22 1 0,-1 0 0,0 21 16,0-21-16,0 21 0,0-21 15,1 21-15,-1 0 0,0 0 16,0 0-16,0 0 15,0 21-15,1-21 0,-1 0 0,0 21 16</inkml:trace>
   <inkml:trace contextRef="#ctx0" brushRef="#br0" timeOffset="80895.73">11388 11303 0,'0'0'0,"0"-21"15,0 0-15,-22 21 16,1 0-1,0 0-15,0 0 0,0 0 16,0 0-16,-22 21 0,22 0 0,0 0 16,0 22-16,0-22 0,-1 21 15,1-21-15,0 22 0,21-22 0,0 21 16,0-21-16,0 0 0,0 22 0,0-22 16,0 0-16,0 0 0,21 0 0,0 1 15,1-22-15,-1 21 0,21-21 0,-21 0 16,22 0-16,-22 0 0,21 0 0,-21 0 15,22 0-15,-22-21 0,21-1 16,-21 22-16,0-21 0,1 0 0,-1 0 16,0 0-16,-21-22 0,21 22 0,-21-21 15,0 21-15,0-22 0,0 1 16,0 21-16,0-21 0,0-1 0,-21 22 16,0-21-16,21 21 0,-21-1 15,-1 1-15,1 21 0,0 0 0,-21 0 16,21 0-16,-1 0 0,1 21 0,0-21 15,0 22-15,21-1 0,0 0 0,-21 0 16,21 0-16,0 0 0,0 22 0,0-22 16,0 0-16,21 0 0,0 0 15,0 1-15,0-22 0,22 21 0</inkml:trace>
   <inkml:trace contextRef="#ctx0" brushRef="#br0" timeOffset="81267.5">12086 11240 0,'0'0'16,"-21"0"-1,0 0 1,21 21-16,0 0 0,-21 0 0,21 0 16,-22 0-16,22 22 0,0-22 0,0 21 15,0 1-15,-21-1 0,21 0 0,-21 1 16,0-1-16,0 0 0,0 22 0,-1-22 15,1 22-15,0-1 0,0 22 16,-21-22-16,20 1 0,-20 20 16,21 1-16,0-21 0,-22 20 0,22-20 15,0-1-15,21 1 0,0-1 0,-21 1 16,21-22-16,0 22 0,0-22 0,0-21 16,0 21-16,0-20 0,0-1 0,21-21 15,-21 21-15,21-21 0,0 0 16,1-21-16,-1 0 15,-21-1-15,0 1 16,21 0-16,0-21 0,-21 21 0,21-22 16,-21 22-16,0-21 0,21-1 15,1 1-15,-22-21 0,0 20 0</inkml:trace>
@@ -1036,7 +1082,7 @@
   <inkml:trace contextRef="#ctx0" brushRef="#br0" timeOffset="92199.72">8594 15769 0,'0'21'0,"21"-21"47,0 0-47,0 0 0,21 0 15,-20 0-15,-1-21 0,21 0 0,-21 21 16,0-21-16,22 0 0,-22 21 16,0-21-16,0-1 0,0 1 0,1 0 15,-22 0-15,0 0 0,0 0 16,0-1-16,0 1 0,-22 21 16,1 0-16,0 0 15,0 0-15,0 21 0,0 1 0,-22-1 16,22 0-16,0 0 0,0 0 0,0 22 15,-1-22-15,1 21 0,0 0 16,0 1-16,21-22 0,0 21 16,-21 1-16,21-22 0,0 21 0,0-21 15,0 22-15,0-22 0,0 0 0,0 0 16,21-21-16,0 21 0,21-21 16,-20 0-16,-1 0 0,21-21 15,-21 0-15,22 0 0,-1 0 0,0-1 16,1 1-16</inkml:trace>
   <inkml:trace contextRef="#ctx0" brushRef="#br0" timeOffset="92627.7">9567 15558 0,'0'0'0,"21"-22"0,1 1 16,-44 21-1,1 0 1,0 0-16,0 0 0,0 21 0,0 1 15,-1-1-15,-20-21 0,21 21 16,0 0-16,21 0 0,-21 0 0,21 1 16,0-1-16,0 0 0,0 0 15,0 0-15,21 0 0,0-21 16,0 22-16,0-22 16,0 0-16,1 21 0,-1-21 15,0 0-15,0 21 16,-21 0-16,21-21 0,-21 21 15,0 0-15,0 1 16,0-1-16,-21-21 0,0 21 16,0-21-16,0 0 0,-1 21 15,-20-21-15,21 21 0,-21-21 0,-1 0 16,22 21-16,-21-21 0,-1 0 0,22 22 16,-21-22-16,21 0 0,0 0 15,-1 21-15,1-21 0,0 0 16,0 0-16,21 21 0,0-42 47</inkml:trace>
   <inkml:trace contextRef="#ctx0" brushRef="#br0" timeOffset="93684.55">2032 17187 0,'0'0'0,"-21"22"15,0-1-15,-1-21 0,1 21 0,0-21 16,0 0-16,0 0 0,0 0 16,-1 0-16,1 0 0,0 0 15,21-21-15,-21 21 0,21-21 16,0-1-16,0-20 0,0 21 16,0 0-16,0-22 0,0 1 0,21 21 15,0-21-15,0-1 0,1 22 16,-1-21-16,21 21 0,-21-1 0,0 22 15,22 0-15,-22 0 0,0 0 16,0 22-16,-21 20 0,0-21 16,0 21-16,0 1 0,-21-1 15,0 22-15,0-22 0,0 21 0,-22-20 16,1 20-16,21 1 16,-22-1-16,1 1 0,0-1 0,21 1 15,-1-22-15,1 22 0,21-22 16,0 0-16,0-21 0,0 22 0,0-22 15,21 0-15,1-21 0,20 0 16,-21 0-16,21 0 0,1 0 0,-1 0 16,0-21-16,1 0 0,-1 0 15,22-1-15,-22-20 0,-21 21 0,21-21 16,-20 20-16,-1-20 0,-21 0 16,0 21-16,0-22 0,0 22 0,-21-21 15,-22 21-15,22-1 0,-21 1 16,-1 0-16,1 21 0,21 0 0,-21 0 15,-1 0-15,1 0 0,21 21 16,-22 0-16,22 1 0,-21-1 16,21 0-16,0 0 0,21 0 15,0 0-15,0 1 0,0-1 0,0 0 16,0 0-16,21-21 0,0 0 16,0 21-16,0-21 0,0 0 0,22 0 15,-1-21-15</inkml:trace>
-  <inkml:trace contextRef="#ctx0" brushRef="#br0" timeOffset="93888.44">2752 17314 0,'0'-21'31,"0"0"0,21 21-15,0-21 0,0 21-16,0-21 0,0 21 15,1-21-15</inkml:trace>
+  <inkml:trace contextRef="#ctx0" brushRef="#br0" timeOffset="93888.43">2752 17314 0,'0'-21'31,"0"0"0,21 21-15,0-21 0,0 21-16,0-21 0,0 21 15,1-21-15</inkml:trace>
   <inkml:trace contextRef="#ctx0" brushRef="#br0" timeOffset="94563.51">4466 16955 0,'0'0'0,"21"0"0,22-22 16,41-41-1,-63 63-15,1-21 0,-1 0 0,21-1 16,-21 1-16,0-21 0,1 21 0,-1 0 15,-21-1-15,0 1 0,0 0 0,0 0 16,0 0-16,0 0 16,-43 21-16,22 0 0,-21 0 0,21 0 15,-22 0-15,1 0 0,0 21 16,-22-21-16,22 21 0,0 21 16,-1-21-16,22 1 0,-21 20 0,21 0 15,-1 1-15,22-22 0,0 21 16,0 0-16,22 1 0,-1-1 0,0 0 15,21-20-15,1 20 0,-1 0 16,21-21-16,-20 22 0,-1-22 0,22 21 16,-22-21-16,0 1 0,1 20 0,-22-21 15,0 21-15,0-20 16,-21-1-16,0 0 0,-21 21 0,0-21 0,-22 1 16,1-1-16,0 0 0,-22-21 15,1 21-15,-1-21 0,1 0 16,-1 0-16,-20 0 0,20 0 0,1 0 15,-1 0-15,22 0 0,-22-21 16,22 0-16,0 0 0,-1-1 0,22 1 16,-21 0-16,21-21 0,21 21 15,0-22-15,0 22 0,0 0 0,21 0 16,0 0-16,0-1 0,21 1 0,1 0 16,20 21-16,-20-21 0,20 0 15,-21 21-15,43 0 0</inkml:trace>
   <inkml:trace contextRef="#ctx0" brushRef="#br0" timeOffset="94848.92">5143 17166 0,'0'0'16,"-21"-21"-16,0 21 15,0 0-15,0 0 0,0 0 16,-1 0-16,1 0 0,21 21 15,-21 0-15,0 1 16,21-1-16,0 0 0,0 21 16,0-21-16,0 1 0,0-1 0,0 21 0,0-21 15,0 0-15,0 22 16,0-22-16,21 0 0,0 0 0,0 0 16,1-21-16,-1 22 0,0-22 0,0 21 15,0-21-15,0 0 0,1 0 16,-1 0-16,0 0 0,0-21 0,-21-1 15,21 1-15,0 0 0</inkml:trace>
   <inkml:trace contextRef="#ctx0" brushRef="#br0" timeOffset="95207.72">5376 17187 0,'0'0'0,"0"-21"0,21 21 15,-21-21-15,22 21 16,-1 0-16,-21 21 0,21 0 15,0-21-15,0 22 0,0-1 0,1 0 16,-1 0-16,0 0 0,0 22 0,0-22 16,0 0-16,1 21 0,-1-21 15,-21 22-15,0-22 0,21 0 0,-21 0 16,0 22-16,0-22 0,0 0 16,0 0-16,0-42 31,0 0-16,0 0-15,0-1 0,0 1 16,0-21-16,0 21 0,0-22 0,0 1 16,21 0-16,0 21 0,-21-22 15,21 1-15,1 21 0,-1-22 0,0 22 16,0 0-16,0 0 0,0 0 16,1 21-16,-1 0 15,-21 21 1,21 0-16</inkml:trace>
@@ -1045,11 +1091,11 @@
   <inkml:trace contextRef="#ctx0" brushRef="#br0" timeOffset="96948.79">8615 16891 0,'0'0'0,"21"-42"0,-21 21 0,0-22 15,0 22-15,0-21 0,0 21 16,0-1-16,0 1 0,0 0 16,0 42-1,0 0-15,0 22 16,0-1-16,0 0 0,0 1 0,0 20 15,0-20-15,0 20 0,0-21 16,0 1-16,0 20 0,0-20 16,0-1-16,0 0 0,0-21 0,0 22 15,0-22-15,0 0 0,-21 0 0,21 0 16,0 1-16,0-1 0,-21-21 16,-1 0-16,22-21 15,0-1-15,0 1 16,0 0-16,0 0 0,0-21 15,0 20-15,0 1 0,0-21 0,22 21 16,20-22-16,-21 22 0,21 0 0,1 0 16,-1 0-16,22 21 0,-22 0 15,0 0-15,22 0 0,-22 0 16,0 0-16,22 21 0,-43 0 0,21 0 16,-20 0-16,-1 1 0,0 20 15,-21-21-15,0 0 0,0 0 0,0 22 16,-21-22-16,0 0 0,-1 21 0,-20-20 15,0-1-15,21 21 0,-43-21 16,22 0-16,-1 1 0,1-22 0,0 21 16,-1-21-16,22 21 0,-21-21 0,21 0 15,0 0-15,-1 0 0,22-21 16,0 0-16,0-1 16,22 22-16,20-21 0,-21 0 0,21 0 15,1 0-15,-1 0 16,22 21-16</inkml:trace>
   <inkml:trace contextRef="#ctx0" brushRef="#br0" timeOffset="97415.52">9715 17124 0,'0'-21'0,"0"42"0,0-63 0,0 20 16,0 1-16,-21 0 0,0 21 0,21-21 15,-21 21-15,0 0 16,0 0-16,-1 0 0,1 21 0,0 0 0,0 0 15,0 1-15,0-1 0,-1 21 16,22-21-16,-21 22 0,0-1 16,21-21-16,-21 21 0,21 1 0,0-22 15,0 21-15,0 1 0,0-22 0,0 0 16,0 21-16,0-21 0,0 1 16,21-22-16,0 21 0,0-21 0,1 0 15,-1 0-15,0 0 0,0-21 0,0-1 16,0 22-16,1-21 0,-1 0 15,0-21-15,0 21 0,0-1 0,-21 1 16,0-21-16,0 21 0,0-22 0,21 22 16,-21-21-16,0 21 0,0-22 15,0 22-15,0 0 0,0 0 16,-21 21 0,21 21-1,0 0-15,0 0 0,0 1 0,0 20 16,-21-21-16,21 0 0,0 22 0,0-22 15,0 0-15,0 21 0,0-21 0,42 22 16,-42-22-16,22 0 16,-1 0-16,0-21 0,0 0 0,0 21 15,22-21-15,-22 0 0,0 0 16,0-21-16,0 0 16,22 21-16</inkml:trace>
   <inkml:trace contextRef="#ctx0" brushRef="#br0" timeOffset="97799.87">10223 17187 0,'0'0'0,"0"-21"0,0 0 16,0 0-16,-21 0 0,21 0 15,0-1-15,21 22 32,1 0-32,-1 0 0,0 0 15,0 0-15,21 22 0,-20-1 0,20 0 0,-21 0 16,21 0-16,-20 0 0,-1 1 15,21-1-15,-21 21 0,0-21 16,1 0-16,-22 22 0,0-22 0,0 21 16,0-21-16,0 1 0,0-1 15,0 0-15,0 0 0,-22 0 0,1 0 16,0 1-16,0-1 0,0-21 0,-22 0 16,22 0-16,0 0 15,0 0-15,21-21 16,0-1-16,0 1 0,0-21 0,21 21 15,0-22-15,0 1 0,1 0 0,20-1 16,-21 1-16,21 0 0,1-22 16,-1 22-16,0 21 0,1-22 0,-1 1 15,-21 21-15,22 0 0,-1 0 16,-21-1-16,0 22 0,0-21 16,1 21-16</inkml:trace>
-  <inkml:trace contextRef="#ctx0" brushRef="#br0" timeOffset="106636.41">15536 2477 0,'21'-22'32,"1"22"-17,-22-21-15,21 0 0,0 21 0,-21-21 16,21 0-16,0 0 0,-21-1 0,21 22 16,-21-21-16,0 0 0,0 0 15,0 0-15,0 0 0,0-1 0,0 1 16,0 0-16,-21 0 15,0 0-15,0 21 0,0 0 16,0-21-16,-22 21 0,1 0 0,0 0 16,-1 0-16,1 21 0,0 0 0,-1 0 15,-20 0-15,20 0 0,22 1 16,-21-1-16,21 0 0,0 21 0,-1-21 16,22 22-16,0-22 0,0 21 0,0-21 15,0 22-15,22-22 0,-1 0 16,0 0-16,0-21 0,21 21 0,-20-21 15,20 0-15,0 0 0,1 0 0,-22 0 16,21 0-16,-21-21 16,22 0-16,-22 21 0,0-21 0,0 0 15,0 0-15,0-1 0,1 1 0,-22 0 0,21 0 16,-21 0-16,0 0 16,0-1-16,0 1 0,0 0 0,21 0 15,-21 0-15,0 0 0,0 42 47,0 0-47,0 0 0,0 0 0,0 22 16,0-22-16,0 21 0,0 0 0,0 1 15,0-1-15,0 0 0,0 1 16,0-1-16,0 0 0,0 1 16,0-1-16,0 0 0,0-20 0,0 20 0,0-21 15,0 21-15,0 1 16,0-22-16,0 0 0,0 0 15,0 0-15,-21 1 16,0-22 0,-1 0-16,1 0 0,0 0 15,0 0-15,0 0 0,-22 0 0,22 0 16,0 0-16,0 0 0,-21-22 0,20 22 16,1-21-16,0 21 0,0 0 0,0 0 15,21-21 1,-21 21-16,42-21 47,0 21-47,0 0 0,0 0 15,0-21-15</inkml:trace>
+  <inkml:trace contextRef="#ctx0" brushRef="#br0" timeOffset="106636.4">15536 2477 0,'21'-22'32,"1"22"-17,-22-21-15,21 0 0,0 21 0,-21-21 16,21 0-16,0 0 0,-21-1 0,21 22 16,-21-21-16,0 0 0,0 0 15,0 0-15,0 0 0,0-1 0,0 1 16,0 0-16,-21 0 15,0 0-15,0 21 0,0 0 16,0-21-16,-22 21 0,1 0 0,0 0 16,-1 0-16,1 21 0,0 0 0,-1 0 15,-20 0-15,20 0 0,22 1 16,-21-1-16,21 0 0,0 21 0,-1-21 16,22 22-16,0-22 0,0 21 0,0-21 15,0 22-15,22-22 0,-1 0 16,0 0-16,0-21 0,21 21 0,-20-21 15,20 0-15,0 0 0,1 0 0,-22 0 16,21 0-16,-21-21 16,22 0-16,-22 21 0,0-21 0,0 0 15,0 0-15,0-1 0,1 1 0,-22 0 0,21 0 16,-21 0-16,0 0 16,0-1-16,0 1 0,0 0 0,21 0 15,-21 0-15,0 0 0,0 42 47,0 0-47,0 0 0,0 0 0,0 22 16,0-22-16,0 21 0,0 0 0,0 1 15,0-1-15,0 0 0,0 1 16,0-1-16,0 0 0,0 1 16,0-1-16,0 0 0,0-20 0,0 20 0,0-21 15,0 21-15,0 1 16,0-22-16,0 0 0,0 0 15,0 0-15,-21 1 16,0-22 0,-1 0-16,1 0 0,0 0 15,0 0-15,0 0 0,-22 0 0,22 0 16,0 0-16,0 0 0,-21-22 0,20 22 16,1-21-16,0 21 0,0 0 0,0 0 15,21-21 1,-21 21-16,42-21 47,0 21-47,0 0 0,0 0 15,0-21-15</inkml:trace>
   <inkml:trace contextRef="#ctx0" brushRef="#br0" timeOffset="107268.07">16150 2773 0,'-21'0'16,"21"-21"30,21 21-46,0 0 0,-21-21 16,0-1-16,21 22 0,-21-21 16,0 0-1,-21 21 1,0 0-16,0 0 16,0 0-16,0 0 0,21 21 15,-22-21-15,22 21 0,-21-21 16,21 22-16,0-1 15,21-21 1,1 0-16,-1 0 16,0 0-16,0 0 15,-21-21 1,21 21-16,-21-22 0,0 1 16,0 0-16,0 0 15,0 42 48,21-21-48,1 0-15</inkml:trace>
   <inkml:trace contextRef="#ctx0" brushRef="#br0" timeOffset="110003.66">17251 2244 0,'0'0'0,"21"0"0,0 0 16,0 0-16,-21-21 15,21 21-15,1 0 0,-1-22 0,0 22 16,0-21-16,0 0 16,0 21-16,1-21 0,-1 21 0,0-21 15,0 0-15,0 21 0,0-22 0,1 1 16,-1 0-16,-21 0 15,0 0-15,0 0 0,0-1 16,0 1-16,0 0 16,-21 0-16,-1 21 0,1 0 15,0 0-15,0 0 0,-21 0 0,-1 0 16,22 0-16,-21 0 0,-1 21 0,1 0 16,0 0-16,-1 1 0,1-1 15,21 21-15,-21 0 0,20-20 0,-20 20 16,21 0-16,0 1 0,21-1 0,0 0 15,0 22-15,0-22 0,0 0 16,21-20-16,0 20 0,0 0 0,22-21 16,-22 1-16,21 20 0,0-21 15,1 0-15,20 0 0,-20 1 0,-1-1 16,0 0-16,1 0 0,-1 0 16,0 0-16,-21 1 0,22-22 0,-22 21 15,0 0-15,-21 0 0,0 0 0,0 0 16,0 1-16,0-1 0,-42 0 15,21-21-15,-1 21 0,-20 0 0,0 0 16,-1 1-16,-20-22 0,21 21 0,-1-21 16,-20 0-16,20 0 0,1 0 0,0 0 15,-1 0-15,22 0 0,-21 0 16,21 0-16,-22 0 0,22-21 0,0-1 16,0 22-16,21-21 0,-21 0 0,0 0 15,21 0 1,0 0-1,21 21 1,0 0-16,0 0 0,0-22 16,0 22-16,1 0 0</inkml:trace>
   <inkml:trace contextRef="#ctx0" brushRef="#br0" timeOffset="111867.56">17886 2477 0,'0'0'0,"0"-22"0,0 1 0,0 0 0,0 0 16,0 0-16,-21 21 31,-1 21-31,22 0 16,0 0-16,0 22 0,-21-22 15,21 21-15,-21-21 0,21 22 0,0-1 16,0-21-16,-21 21 0,21 1 0,-21-22 16,21 21-16,0-21 0,0 22 15,0-22-15,0 0 0,0 21 16,0-20-16,0-1 0,21 0 16,0 0-16,0-21 0,0 0 15,22 0-15,-22 0 0,0 0 16,21-21-16,-20 21 0,20-21 0,0 0 15,1-1-15,-1 1 0,0-21 0,1 21 16,-22 0-16,21-22 0,-21 1 16,0 21-16,1-22 0,-22 22 0,0-21 15,0 21-15,0 0 0,0-1 0,0 1 16,0 0-16,-22 21 0,1 0 16,0 0-16,0 0 0,0 0 0,0 0 15,-1 0-15,1 21 0,21 0 16,0 1-16,0-1 15,0 0-15,21 0 0,1-21 16,-22 21-16,42 0 0,-21 1 0,0-22 16,0 21-16,-21 0 0,22 0 0,-1 0 15,-21 0-15,21-21 0,-21 22 16,0-1-16,0 0 0,0 0 0,0 0 16,0 0-16,0 1 0,0-1 0,0 0 15,0 0-15,0 0 16,21 0-1,0-21-15,0 0 0,1 0 16,-1 0-16,21 0 0,-21 0 0,0-21 16,22 0-16,-22 21 0,21-21 15,-21 0-15,22 0 0,-1-1 0,-21 1 16,0 0-16,22 0 0,-22-21 0,-21 20 16,21 1-16,0-21 0,0 21 15,-21-22-15,0 22 0,0 0 0,0-21 16,0 21-16,0-1 0,0 1 15,0 0-15,-21 21 16,0 0 0,0 21-16,0 0 0,21 1 15,-21-1-15,-1 0 0,22 0 0,-21 21 16,21-20-16,-21-1 0,21 0 16,0 21-16,0-21 0,-21 1 0,21-1 15,0 21-15,0-21 0,0 0 0,0 1 16,21-1-16,0 0 15,0-21-15,1 0 0,-1 0 0,0 0 16,21 0-16,-21 0 0,22 0 0,-1 0 16,0-21-16,1 21 0,-1-21 0,0-1 15,-20 22-15,20-21 0,0 0 16,-21 0-16,22 0 0,-22 0 0,0-1 16,-21 1-16,0 0 0,21 0 0,-21-21 15,0 20-15,0 1 16,0 0-16,0 0 0,0 0 15,-21 21-15,0 0 0,0 0 16,0 0-16,-1 21 0,1 0 16,0 0-16,0 0 0,21 1 15,0-1-15,0 0 0,-21 21 0,21-21 16,0 1-16,0-1 0,0 0 0,0 0 16,0 0-16,0 0 15,0 1-15,21-1 0,0-21 0,0 21 16,22-21-16,-22 0 0,0 0 15,21 0-15,-21 0 0,1 0 0,-1 0 16,21-21-16,-21 0 0,0 21 16,1-22-16,-1 1 0,0 0 0,0 0 15,-21 0-15,21 0 0,-21-1 0,21 1 16,-21-21-16,0 21 0,0 0 16,0-1-16,0 1 0,0 0 15,0 42 1,0 0-1,0 1-15,0-1 0,-21 0 16,21 0-16,-21 21 0,21-20 0,0-1 16,0 0-16,-21 0 0,21 0 15,-21 0-15,21 1 16,0-1-16,-21 0 0,-1-21 16,22 21-16,-21-21 15,21-21 1,0 0-1,0 0-15,0-1 0,21 1 0,1 0 16,-1 0-16,0-21 0,-21 20 0,21 1 16,0-21-16,0 21 0,22 0 15,-22-1-15,0 1 0,0 0 0,0 21 16,1 0-16,-1 0 0,21 0 0,-21 0 16,0 21-1,-21 0-15,0 1 0,0-1 16,0 0-16,0 0 0,0 0 0,0 0 15,-21 1-15,0-1 0,21 0 0,0 0 16,0 0-16,0 0 0,0 1 16,0-1-16,21-21 15,0 0 1,1 0-16,-1 0 0,0 0 0,0 0 16,0-21-16,22-1 0,-22 22 15,0-21-15,21 0 0,-21 0 0,1-21 16,-1 20-16,21 1 0,-21-21 15,0 21-15,-21-22 0,22 22 0,-22-21 16,21 21-16,-21 0 0,0-1 16,0 1-16,0 0 0,-21 21 15,-1 0-15,1 21 16,21 0-16,0 1 0,-21-1 0,21 0 16,0 0-16,0 0 0,0 0 15,0 1-15,0-1 0,0 0 0,21 0 16,-21 0-16,0 0 0,21-21 0,1 22 15,-22-1-15,0 0 16,0 0-16,0 0 0,0 0 16,-22-21-16,1 0 15,0 22-15,0-22 0,0 0 0,0 0 16,-22 21-16,22-21 0,0 0 16,0 0-16,0 0 15,42 0 16,0-21-31,0 21 16,21-22-16,-20 22 0,20 0 16</inkml:trace>
-  <inkml:trace contextRef="#ctx0" brushRef="#br0" timeOffset="112516.44">20976 1926 0,'0'-21'0,"0"42"0,0-63 16,0 21-16,0 0 15,-21 21-15,0 0 16,21 21 0,-21 21-16,21-21 0,0 22 0,0-1 15,0 0-15,0 22 0,-22-22 0,22 22 16,0-1-16,-21 22 0,21-22 16,0 1-16,0-1 0,-21 1 0,21-1 15,-21 1-15,21-22 0,0 0 0,0 1 16,0-1-16,0-21 0,0 0 0,0 1 15,0-1-15,-21-21 32,21-21-17,0-1-15,0 1 0,0 0 0,21 0 16,-21 0-16,21-22 0,0 1 16,0 0-16,1-1 0,-1 22 0,0-42 15,0 42-15,21-22 0,-20 1 0,-1 21 16,0 0-16,0-1 0,0 22 15,0 0-15,1 0 0,-1 0 0,0 22 16,0-1-16,0 0 0,0 21 0,-21-21 16,0 22-16,0-1 0,0 0 15,0-20-15,0 20 0,0 0 0,0-21 16,0 22-16,-21-22 0,21 0 16,-21 0-16,21 0 0,-21 1 0,21-1 0,0 0 15,-21-21-15,21 21 16,21-21 15,-21-21-31,21 0 0,0 0 16,0 21-16,1-22 0,-1 1 0,0 0 15,0 0-15</inkml:trace>
+  <inkml:trace contextRef="#ctx0" brushRef="#br0" timeOffset="112516.43">20976 1926 0,'0'-21'0,"0"42"0,0-63 16,0 21-16,0 0 15,-21 21-15,0 0 16,21 21 0,-21 21-16,21-21 0,0 22 0,0-1 15,0 0-15,0 22 0,-22-22 0,22 22 16,0-1-16,-21 22 0,21-22 16,0 1-16,0-1 0,-21 1 0,21-1 15,-21 1-15,21-22 0,0 0 0,0 1 16,0-1-16,0-21 0,0 0 0,0 1 15,0-1-15,-21-21 32,21-21-17,0-1-15,0 1 0,0 0 0,21 0 16,-21 0-16,21-22 0,0 1 16,0 0-16,1-1 0,-1 22 0,0-42 15,0 42-15,21-22 0,-20 1 0,-1 21 16,0 0-16,0-1 0,0 22 15,0 0-15,1 0 0,-1 0 0,0 22 16,0-1-16,0 0 0,0 21 0,-21-21 16,0 22-16,0-1 0,0 0 15,0-20-15,0 20 0,0 0 0,0-21 16,0 22-16,-21-22 0,21 0 16,-21 0-16,21 0 0,-21 1 0,21-1 0,0 0 15,-21-21-15,21 21 16,21-21 15,-21-21-31,21 0 0,0 0 16,0 21-16,1-22 0,-1 1 0,0 0 15,0 0-15</inkml:trace>
   <inkml:trace contextRef="#ctx0" brushRef="#br0" timeOffset="112931.74">21590 2646 0,'0'0'0,"0"-21"0,42-43 16,-42 43-1,0 0-15,-21 21 32,21 21-32,-21 0 0,0 0 15,0 1-15,-1-1 0,22 21 0,-21-21 16,0 22-16,0-22 0,21 21 0,0-21 16,0 0-16,0 22 0,0-22 15,0 0-15,0 0 0,0 0 0,0 1 16,21-22-16,0 21 0,0-21 0,22 0 15,-22 0-15,0 0 0,0 0 0,0 0 16,1 0-16,-1 0 0,0 0 16,0-21-16,21 21 0,-42-22 15,22 1-15,-1 0 0,0 0 0,-21-21 16,0 20-16,21-20 0,-21 0 0,0-1 16,0 22-16,0-21 0,0 0 15,0 20-15,0-20 0,-21 21 0,0 0 16,0 21-16,-1 0 0,-20 0 15,21 0-15,0 0 0,0 21 16,-22-21-16,22 21 0,0 0 0,0 0 16,21 1-16,-21-1 0,21 0 15,0 0-15,0 0 0,0 0 16,21-21-16,0 0 0,0 0 16,0 0-16,0 0 0,22 0 0,-1 0 15</inkml:trace>
   <inkml:trace contextRef="#ctx0" brushRef="#br0" timeOffset="113311.52">22267 2074 0,'0'0'0,"0"-42"0,0 0 0,21-1 16,-21 1-16,22 21 0,-22-21 16,0 20-16,0 1 0,0 42 31,0 22-16,0-22-15,0 21 0,0-21 0,0 22 16,0-1-16,0 0 0,-22 1 0,1-1 16,21 22-16,0-22 0,-21 21 0,21-20 15,-21 20-15,0-20 0,21 20 16,0-21-16,0 1 0,-21-1 0,21 0 16,0 1-16,0-1 0,0-21 0,0 0 15,0 1-15,0-1 0,0 0 16,21-21-16,0 21 0,0-21 15,0 0-15,0 0 0,1 0 16,-1 0-16,0-21 0,0 21 0,0-21 16,0 21-16,1-21 0,-1-1 15,0 22-15,-21-21 0,21 0 16,0 0-16,0 0 0,1 0 0,-1-1 16,-21 1-16,0-21 0,0 21 0,0 0 15,0-22-15</inkml:trace>
   <inkml:trace contextRef="#ctx0" brushRef="#br0" timeOffset="113651.33">22077 2286 0,'-43'0'0,"86"0"0,-107 0 15,43 0-15,0 0 0,21-21 16,21 21 0,0-21-16,0 21 0,22 0 0,-22-21 15,21 21-15,1-22 0,-1 22 16,21-21-16,-20 21 0,-1 0 15,22-21-15,-22 21 0,0 0 0,1-21 16,-22 21-16,0 0 0,21 0 0,-21-21 16,1 21-16,-1 0 15,-21-21-15,21 21 16,-42 0 93,0 0-109,-1 0 16</inkml:trace>
@@ -1061,7 +1107,7 @@
   <inkml:trace contextRef="#ctx0" brushRef="#br0" timeOffset="134098.99">17208 4868 0,'0'0'16,"-21"0"-16,-21-21 15,63 21-15,0 0 16,22 0-16,-1 0 0,0-21 0,1 21 16,-1-21-16,0 21 0,22-21 15,-22 21-15,0-21 0,1 21 0,-1 0 16,0-22-16,1 22 0,-22 0 0,0-21 15,21 21-15,-20 0 16</inkml:trace>
   <inkml:trace contextRef="#ctx0" brushRef="#br0" timeOffset="135364.72">17865 5101 0,'0'21'0,"0"-42"0,0 64 16,0-22-16,21-21 31,0 0-31,0 0 0,0-21 0,0-1 16,1 1-16,20-21 0,-21 21 15,0 0-15,22-22 0,-22 1 16,0 0-16,0-22 0,0 22 0,22-22 16,-43 22-16,21-22 0,0 1 0,0-1 15,0 22-15,-21-21 0,21-1 16,-21 22-16,0-1 0,0 1 0,0 21 15,0-21-15,0 20 0,0 44 32,-21-1-32,21 21 0,-21-21 0,21 22 15,-21 20-15,21-21 0,-21 22 0,21-22 16,0 1-16,-21 20 0,21-21 16,-22 22-16,22-22 0,0 22 0,-21-22 15,21 0-15,0 1 0,0-1 16,0 0-16,0-20 0,0 20 15,21-21-15,1 0 0,-1 0 0,0 1 16,0-1-16,21-21 0,-20 0 0,20 0 16,-21 0-16,21 0 0,1 0 0,-1 0 15,0-21-15,-20-1 0,20 1 16,0 0-16,-21 0 0,22-21 0,-22 20 16,0-20-16,0 0 0,0-1 0,1 1 15,-22 21-15,21-21 0,-21 20 0,0-20 16,0 21-16,0 0 0,0 0 15,0-1 1,-21 22 0,21 22-16,-22-1 0,1 0 0,21 0 15,-21 0-15,0 22 0,21-22 16,0 21-16,-21-21 0,0 22 0,21-22 16,0 21-16,0-21 0,0 22 0,0-22 15,0 0-15,0 0 0,0 0 16,21 0-16,0 1 0,0-22 15,0 21-15,0-21 0,22 0 0,-22 0 16,0 0-16,21 0 0,-20-21 0,20-1 16,0 1-16,1 0 0,-1 0 15,0 0-15,-21-22 0,22 1 16,-22 21-16,0-21 0,0-1 0,0 22 16,-21-21-16,0 21 0,0-1 0,0 1 15,0 0-15,-21 0 0,0 21 16,0 0-16,0 0 0,0 0 15,21 21-15,0 0 16,0 0-16,0 1 0,21-22 16,0 21-16,0 0 0,0 0 0,22 0 15,-22 0-15,21 1 0,-21-1 0,0 0 16,1 0-16,-1-21 0,-21 21 0,0 0 16,0 1-16,0-1 0,0 0 15,0 0-15,0 0 16,0 0-16,21 1 15,0-22-15,0 0 0,0 0 16,22 0-16,-22 0 0,21 0 0,-21 0 16,22-22-16,-1 22 0,0-21 15,-20 0-15,20 0 0,-21 0 0,21 0 16,-20-1-16,-1-20 0,21 0 0,-21-1 16,0 1-16,1 0 0,-1-1 0,0 1 15,0 0-15,0-22 0,0 22 16,-21-22-16,0 1 0,22 21 0,-22-22 15,0 22-15,0-1 0,0 1 16,0 0-16,0-1 0,0 22 16,0 0-16,0 0 0,-22 0 0,1 21 15,0 21-15,0 0 16,0 21-16,21-20 0,0 20 16,-21 0-16,21 1 0,-22 20 0,22-21 15,0 1-15,0 20 0,0-20 0,0-1 16,0 0-16,0 22 0,0-22 0,0 0 15,0 1-15,0-1 0,0 0 16,0 1-16,0-1 0,0-21 0,22 22 16,-1-22-16,0 0 0,-21 0 0,21 0 15,0-21-15,0 0 0,1 21 16,-1-21-16,0 0 0,0 0 16,0 0-16,0-21 0,22 21 0,-22-21 15,0 0-15,0 0 0,0 0 0,1-1 16,-1 1-16,0 0 0,0-21 0,0 21 15,0-1-15,-21-20 0,0 21 0,0 0 16,0 0-16,0-1 0</inkml:trace>
   <inkml:trace contextRef="#ctx0" brushRef="#br0" timeOffset="135668.65">20087 4551 0,'0'0'0,"-42"0"0,-1 0 0,1 0 16,21 0-16,42 0 15,0 0 1,0-21-16,22 21 0,-1 0 0,22-21 16,-1 21-16,1-22 0,-1 22 0,22-21 15,-22 21-15,22-21 0,-22 21 16,1-21-16,-22 21 0,22-21 0,-22 21 16,0 0-16,-20 0 0,-1-21 0,0 21 15,-21 21 48,0 0-63,21-21 15,-21 21-15,0 0 16</inkml:trace>
-  <inkml:trace contextRef="#ctx0" brushRef="#br0" timeOffset="139061.32">15515 6562 0,'0'-21'0,"-21"21"94,0-22-78,21 1-1,0 0-15,0 0 0,0 0 16,0 0-16,0-1 16,0 1-16,0 0 0,-21 21 0,21-21 15,0 0-15,0 0 0,-22-1 16,22 44 15,0-1-31,0 21 0,0 0 16,0 1-16,0-1 0,0 0 0,0 22 15,0-22-15,0 1 0,0 20 16,0-21-16,0 1 0,0-1 16,0 0-16,0 1 0,0-22 0,0 21 0,0 1 15,0-22-15,0 0 0,-21 21 0,21-21 16,0 1-16,0-1 15,-21-21-15,21 21 0,0 0 16,0-42 15,0 0-15,0 0-16,0-1 0,0 1 16,0 0-16,0 0 0,0 0 0,21 0 15,0-1-15</inkml:trace>
+  <inkml:trace contextRef="#ctx0" brushRef="#br0" timeOffset="139061.31">15515 6562 0,'0'-21'0,"-21"21"94,0-22-78,21 1-1,0 0-15,0 0 0,0 0 16,0 0-16,0-1 16,0 1-16,0 0 0,-21 21 0,21-21 15,0 0-15,0 0 0,-22-1 16,22 44 15,0-1-31,0 21 0,0 0 16,0 1-16,0-1 0,0 0 0,0 22 15,0-22-15,0 1 0,0 20 16,0-21-16,0 1 0,0-1 16,0 0-16,0 1 0,0-22 0,0 21 0,0 1 15,0-22-15,0 0 0,-21 21 0,21-21 16,0 1-16,0-1 15,-21-21-15,21 21 0,0 0 16,0-42 15,0 0-15,0 0-16,0-1 0,0 1 16,0 0-16,0 0 0,0 0 0,21 0 15,0-1-15</inkml:trace>
   <inkml:trace contextRef="#ctx0" brushRef="#br0" timeOffset="139383.14">15748 6604 0,'0'0'0,"0"-21"0,0 0 16,21 0-16,-21-1 15,0 1-15,0 0 16,0 42-1,0 0 1,0 1-16,0 20 0,0-21 0,0 21 16,0 1-16,0-1 0,0-21 0,0 22 15,0-1-15,0 0 0,0-21 0,0 22 16,0-1-16,-21-21 16,21 22-16,0-22 0,0 0 0,0 0 15,0 21-15,0-20 0,0-1 0,0 0 16,0 0-16,0 0 0,0 0 15,0-42 17,0 0-32,0 0 15,0 0-15</inkml:trace>
   <inkml:trace contextRef="#ctx0" brushRef="#br0" timeOffset="139707.46">16087 6985 0,'21'0'47,"0"0"-47,0 0 16,0-21-16,-21 0 0,21 21 15,1-21-15,-22-1 16,-22 22-1,1 0 1,21 22 0,-21-22-16,21 21 15,0 0-15,0 0 16,0 0 0,21-21 15</inkml:trace>
   <inkml:trace contextRef="#ctx0" brushRef="#br0" timeOffset="141962.5">17251 6477 0,'0'-21'16,"21"0"-1,0 21 1,-21-21-16,0-1 16,21 22-16,-21-21 15</inkml:trace>
@@ -1072,12 +1118,12 @@
   <inkml:trace contextRef="#ctx0" brushRef="#br0" timeOffset="144899.51">18775 6985 0,'21'0'0,"-21"-21"16,21 0-16,-21 0 0,0-1 16,21 1-16,-21 0 0,0 0 0,21 0 15,-21-22-15,0 22 0,0 0 16,0 0-16,0-21 0,0 20 15,0 1-15,-21 21 0,0 0 0,-21 0 16,21 0-16,-1 21 0,-20 1 0,21-1 16,-21 21-16,20-21 0,-20 22 15,21-1-15,-21-21 0,20 21 0,1 1 16,0-1-16,0-21 0,21 22 0,-21-1 16,21-21-16,0 0 0,0 22 15,0-22-15,21 0 0,0 0 0,0 0 16,0-21-16,1 0 0,-1 0 15,21 0-15,-21 0 0,22 0 0,-22-21 16,0 21-16,21-21 0,-21 0 0,1-22 16,20 22-16,-21 0 0,0-21 0,0-1 15,1 22-15,-22-21 0,21 0 0,-21-22 16,21 22-16,-21-1 0,0-20 16,0-1-16,0 1 0,0 21 0,0-22 15,0 1-15,0 20 0,0 1 0,0 0 16,0 20-16,0-20 0,0 21 15,0 0-15,0 42 16,0 0 0,0 0-16,0 22 0,0-1 0,0 0 15,0 1-15,0 20 0,0-21 0,0 22 16,0-22-16,0 22 0,0-22 16,0 22-16,0-22 0,21 0 0,0 1 15,-21-1-15,21-21 0,1 21 0,-1-20 16,0-1-16,0 0 0,0 0 0,0 0 15,22-21-15,-1 0 0,-21 0 0,22 0 16,-1 0-16,0 0 0,1-21 16,-1 21-16,0-21 0,1 0 0,-1 0 15,-21-1-15,21 1 0,-20 0 16,-1 0-16,0 0 0,0 0 0,-21-22 16,0 22-16,0 0 0,0-21 15,0 20-15,0 1 0,0 0 0,0 0 16,0 0-16,0 0 0,-21 21 0,0 0 15,0 0-15,-1 21 0,1-21 16,-21 21-16,21 0 0,0 21 0,-1-20 16,1-1-16,0 21 0,0-21 15,0 22-15,0-22 0,21 0 16,-22 21-16,22-21 0,0 1 0,0-1 0,0 0 16,0 0-16,22 0 0,-1-21 15,0 0-15,0 0 0,0 0 16,0 0-16,22 0 0,-22 0 15,0-21-15,21 0 0,-20 0 0,-1 0 16,0-1-16,21 1 0,-21-21 0,1 21 16,-1-22-16,0 1 0,0 0 0,0-1 15,0 1-15,-21-21 0,22-1 16,-1 22-16,-21-22 0,0 1 0,0 20 16,21-20-16,-21 21 0,0-1 0,0 22 15,0-21-15,0 21 0,0-1 0,0 1 16,0 0-16,-21 21 15,21 21 1,0 0-16,-21 1 0,21-1 16,-22 21-16,22 0 0,-21 22 0,21-22 15,-21 22-15,21-22 0,0 22 0,0-1 16,0-21-16,0 22 0,0-22 16,0 1-16,0-1 0,0-21 0,0 21 15,0-20-15,0 20 0,21-21 0,0 0 16,1-21-16,-1 21 0,0-21 0,0 0 15,0 0-15,0 0 0,1 0 0,20 0 16,-21 0-16,21-21 0,-20 21 16,20-21-16,-21 0 0,21 0 0,-20 0 15,20-22-15,-21 22 0,0-21 16,0 21-16,1-22 0,-1 22 0,-21-21 16,0 21-16,0-1 0,0 1 0,0 0 15,0 0-15,-21 21 16,-1 0-16,1 21 0,0 0 15,0 0-15,0 1 0,0-1 0,21 0 16,-22 21-16,1-21 0,21 1 0,-21-1 16,21 21-16,0-21 0,0 0 15,0 1-15,0-1 0,0 0 16,0 0-16,0 0 0,21 0 0,0-21 16,1 22-16,-1-22 0,0 21 0,0-21 15,0 0-15,22 0 0,-22 0 0,0 0 0,0 0 16,21-21-16,-20-1 0,-1 22 15,0-21-15,0 0 0,21 0 16,-20 0-16,-1 0 0,0-1 0,0-20 16,-21 21-16,21 0 0,-21-22 0,21 22 15,-21 0-15,0 0 0,0 0 16,0 42 0,0 0-1,-21 0-15,21 0 0,-21 1 0,21-1 16,-21 0-16,21 0 0,0 0 0,0 0 15,-21 1-15,21-1 0,-21 0 0,21 0 16,0 0-16,-22 0 0,22 1 16,0-1-16,0 0 15,0-42 17,0 0-32,0-1 15,0 1-15,0 0 0,0-21 16,22 21-16,-22-1 0,21-20 15,0 21-15,0-21 0,0-1 0,22 22 16,-22-21-16,0 21 0,21-1 0,1 1 16,-22 0-16,21 0 0,-21 21 0,22 0 15,-1 0-15,-21 0 0,0 21 16,22 0-16,-22 0 0,0 1 16,0-1-16,0 0 0,-21 0 0,0 21 15,0-20-15,0-1 0,0 0 0,0 0 16,0 0-16,-21 22 0,0-22 0,21 0 15,-21-21-15,21 21 0,0 0 0,0 0 16,0 1 0,21-22-1,0 0-15,21 0 0,1 0 0,-1 0 16</inkml:trace>
   <inkml:trace contextRef="#ctx0" brushRef="#br0" timeOffset="145787.49">22119 6752 0,'0'0'0,"0"-21"16,0 0-16,0-43 16,0 43-16,0 0 0,0-21 0,0 21 15,0-1-15,0-20 0,0 21 16,-21 0-16,0 0 0,0-1 0,-1 22 16,1 0-16,0 0 0,-21 0 0,21 0 15,-22 0-15,22 22 0,-21 20 0,21-21 16,-22 21-16,22-20 0,-21 20 15,21 0-15,-1 1 0,1-1 0,0 0 16,21-21-16,0 22 0,0-22 0,0 21 16,0-21-16,0 1 0,0-1 0,21 0 15,0-21-15,1 21 16,-1-21-16,21 0 0,-21 0 0,22 0 16,-22 0-16,21 0 0,-21-21 0,22 21 15,-22-21-15,21 0 0,-21-1 0,0 1 16,1 0-16,-1-21 0,0-1 0,-21 22 15,0-21-15,21-22 0,-21 22 16,21-21-16,-21-1 0,0 1 0,0 20 16,21-20-16,-21-1 0,0 1 0,22-1 15,-22 1-15,0-1 0,0 22 16,0 0-16,0-1 0,0 22 0,0 0 16,-22 0-16,1 21 0,0 0 0,0 21 15,0 21-15,21 1 16,-21-1-16,-1 0 0,22 22 15,0-1-15,-21-20 0,0 20 0,21 22 16,-21-22-16,21 1 0,0-1 0,0 1 16,0-22-16,0 22 0,0-22 0,21 0 15,0 1-15,0-1 0,1-21 16,-1 0-16,0 22 0,0-22 0,0-21 16,22 21-16,-1-21 0,-21 0 0,21 0 15,1 0-15,-22 0 0,21-21 0,1 0 16,-1-1-16,-21 1 0,0 0 0,22-21 15,-22 21-15,0-22 0,0 1 16,0 0-16,-21-1 0,0 1 16,0 0-16,21 20 0,-21 1 0,0 0 15,-21 21 1,21 21-16,0 0 16,-21 1-16,21-1 0,0 21 0,0-21 15,0 0-15,0 22 0,0-22 0,0 0 16,0 0-16,0 22 0,0-22 0,0 0 15,0 0-15,0 0 16,0 0-16,21-21 0,0 0 31,-21-21-15,0 0-16,0 0 0</inkml:trace>
   <inkml:trace contextRef="#ctx0" brushRef="#br0" timeOffset="145943.4">22712 6329 0,'-21'0'0,"42"0"0,-64-21 16,22 21-16,0 0 0,0 0 15,0 0-15,21 21 32,21 0-17,0-21-15,0 21 16</inkml:trace>
-  <inkml:trace contextRef="#ctx0" brushRef="#br0" timeOffset="148003.85">23008 6477 0,'0'21'31,"-21"0"-15,21 1-16,0-1 0,0 0 15,0 0-15,0 0 16,0 0-16,0 1 0,0-1 0,0 0 16,0 0-16,0 0 0,0 0 15,0 1-15,21-1 0,-21 0 0,21-21 16,-21 21-16,21-21 0,1 0 16,-1 0-16,0 0 15,0 0-15,0 0 0,0 0 16,-21-21-16,22 0 0,-1 0 15,-21-1-15,21-20 0,0 21 0,-21-21 16,21 20-16,-21-20 0,21 0 16,-21 21-16,22-22 0,-22 22 0,21-21 15,-21 21-15,0-1 0,0 1 16,0 42 0,0 1-1,-21-1-15,21 0 0,0 0 0,-22 21 16,1-20-16,21-1 0,0 21 0,0-21 15,0 0-15,0 22 0,0-22 0,0 0 16,0 0-16,0 0 0,0 1 16,0-1-16,0 0 0,21 0 15,1-21-15,-1 21 0,0-21 0,0 0 16,0 0-16,22 0 0,-22 0 0,0 0 16,0-21-16,0 0 0,22 21 15,-22-21-15,0 0 0,0-1 16,0 1-16,0 0 0,1-21 0,-1 21 15,-21-1-15,0-20 0,21 21 0,-21 0 16,0 0-16,0-1 0,0 1 0,-21 21 31,0 0-15,21 21-16,0 1 0,-22-1 0,1 0 16,21 0-16,0 0 0,0 0 0,0 1 15,0-1-15,0 0 0,0 0 0,0 0 16,0 0-16,21 1 15,1-1-15,-1-21 0,0 21 0,0-21 16,21 0-16,-20 0 0,-1 0 0,0 0 16,0 0-16,0 0 0,0 0 0,22 0 15,-22-21-15,0 0 0,0-1 0,0 22 16,1-42-16,-1 21 0,0 0 16,0 0-16,0-22 0,0 22 0,1 0 15,-22 0-15,0 0 0,21-1 0,-21 44 47,0-1-47,0 0 0,0 0 16,0 0-16,0 0 0,0 1 15,0 20-15,0-21 0,0 0 16,0 0-16,0 1 0,0-1 16,0 0-16,0 0 0,-21-21 15,-1 0 1,1 0-16,0 0 15,0 0-15,21-21 16,-21 21-16,21-21 16,-21 21-16,-1 0 0,1 0 15,21 21 17,21-21-17,1 21-15,-1-21 0,0 21 16,0-21-16,0 0 0,0 0 15,1 0-15,-1 0 0,0 0 0,0 0 16,0 0-16,0 0 0,1 0 0,-1 0 16,0-21-16,0 21 0,0-21 0,0 0 15,1 0-15,-22-1 0,21 22 16,0-42-16,0 21 0,0 0 0,-21 0 16,0-1-16,21 1 0,-21 0 0,0 0 15,22 0-15,-44 21 31,1 21-15,21 0-16,0 0 0,-21 0 0,21 1 16,-21-1-16,21 0 0,0 0 0,0 0 15,0 0-15,0 1 0,0-1 16,0 0-16,0 0 0,21-21 16,0 0-16,-21 21 0,21-21 0,1 0 15,-1 0-15,0 0 0,0 0 16,0 0-16,0 0 0,1-21 0,-1 21 15,-21-21-15,21 0 0,0 21 0,0-21 16,-21-1-16,21 1 0,1 0 16,-1 0-16,-21 0 0,0 0 15,0 42 32,0 0-47,-21-21 0,-1 21 0,22 0 16,-21 0-16,21 1 0,0-1 15,0 0-15,0 0 0,0 0 16,21-21-16,1 0 16,-1 0-16,0 0 15,0 0-15,0 0 16,0-21-16,-21 0 16,0 0-16,0 0 0,0-1 15,0 1-15,0 0 16,0 0-16,0 0 0,0 0 15,-21-1-15,21 1 0,-21 0 16,21 0-16,0 0 16,0 0-1,21 21 1,0 0-16,1 0 16,-1 0-16,0 0 0,0 0 15,0 0-15,0 0 0,1 0 0,-1 0 16,0 21-16,0-21 0,-21 21 15,21-21-15,0 21 0,-21 0 16,0 0-16,0 1 16,0-1-16,0 0 0,0 0 0,0 0 15,0 0-15,0 1 16,0-1-16,0 0 0,0 0 16,0 0-1,-21-21-15,0 0 16,21-21 15,0 0-15,0 0-16,0 0 15,0-1-15,0 1 0,0-21 0,0 21 16,21 0-16,-21-22 0,21 22 0,1 0 16,-1 0-16,0 0 0,0-1 15,0 1-15,0 0 0,1 21 0,-1 0 16,0 0-16,0 0 0,0 0 0,0 21 15,1 0-15,-1 1 0,-21-1 16,21 0-16,-21 0 0,0 0 16,0 0-16,0 1 0,0-1 0,0 0 15,0 0-15,0 0 0,0 0 0,0 1 16,0-1-16,-21 0 0,21 0 16,-21-21-1,21 21 1,-22-21 15,1 0-31,21-21 0,0 0 16,-21 21-16,0-21 0,0 0 0</inkml:trace>
+  <inkml:trace contextRef="#ctx0" brushRef="#br0" timeOffset="148003.84">23008 6477 0,'0'21'31,"-21"0"-15,21 1-16,0-1 0,0 0 15,0 0-15,0 0 16,0 0-16,0 1 0,0-1 0,0 0 16,0 0-16,0 0 0,0 0 15,0 1-15,21-1 0,-21 0 0,21-21 16,-21 21-16,21-21 0,1 0 16,-1 0-16,0 0 15,0 0-15,0 0 0,0 0 16,-21-21-16,22 0 0,-1 0 15,-21-1-15,21-20 0,0 21 0,-21-21 16,21 20-16,-21-20 0,21 0 16,-21 21-16,22-22 0,-22 22 0,21-21 15,-21 21-15,0-1 0,0 1 16,0 42 0,0 1-1,-21-1-15,21 0 0,0 0 0,-22 21 16,1-20-16,21-1 0,0 21 0,0-21 15,0 0-15,0 22 0,0-22 0,0 0 16,0 0-16,0 0 0,0 1 16,0-1-16,0 0 0,21 0 15,1-21-15,-1 21 0,0-21 0,0 0 16,0 0-16,22 0 0,-22 0 0,0 0 16,0-21-16,0 0 0,22 21 15,-22-21-15,0 0 0,0-1 16,0 1-16,0 0 0,1-21 0,-1 21 15,-21-1-15,0-20 0,21 21 0,-21 0 16,0 0-16,0-1 0,0 1 0,-21 21 31,0 0-15,21 21-16,0 1 0,-22-1 0,1 0 16,21 0-16,0 0 0,0 0 0,0 1 15,0-1-15,0 0 0,0 0 0,0 0 16,0 0-16,21 1 15,1-1-15,-1-21 0,0 21 0,0-21 16,21 0-16,-20 0 0,-1 0 0,0 0 16,0 0-16,0 0 0,0 0 0,22 0 15,-22-21-15,0 0 0,0-1 0,0 22 16,1-42-16,-1 21 0,0 0 16,0 0-16,0-22 0,0 22 0,1 0 15,-22 0-15,0 0 0,21-1 0,-21 44 47,0-1-47,0 0 0,0 0 16,0 0-16,0 0 0,0 1 15,0 20-15,0-21 0,0 0 16,0 0-16,0 1 0,0-1 16,0 0-16,0 0 0,-21-21 15,-1 0 1,1 0-16,0 0 15,0 0-15,21-21 16,-21 21-16,21-21 16,-21 21-16,-1 0 0,1 0 15,21 21 17,21-21-17,1 21-15,-1-21 0,0 21 16,0-21-16,0 0 0,0 0 15,1 0-15,-1 0 0,0 0 0,0 0 16,0 0-16,0 0 0,1 0 0,-1 0 16,0-21-16,0 21 0,0-21 0,0 0 15,1 0-15,-22-1 0,21 22 16,0-42-16,0 21 0,0 0 0,-21 0 16,0-1-16,21 1 0,-21 0 0,0 0 15,22 0-15,-44 21 31,1 21-15,21 0-16,0 0 0,-21 0 0,21 1 16,-21-1-16,21 0 0,0 0 0,0 0 15,0 0-15,0 1 0,0-1 16,0 0-16,0 0 0,21-21 16,0 0-16,-21 21 0,21-21 0,1 0 15,-1 0-15,0 0 0,0 0 16,0 0-16,0 0 0,1-21 0,-1 21 15,-21-21-15,21 0 0,0 21 0,0-21 16,-21-1-16,21 1 0,1 0 16,-1 0-16,-21 0 0,0 0 15,0 42 32,0 0-47,-21-21 0,-1 21 0,22 0 16,-21 0-16,21 1 0,0-1 15,0 0-15,0 0 0,0 0 16,21-21-16,1 0 16,-1 0-16,0 0 15,0 0-15,0 0 16,0-21-16,-21 0 16,0 0-16,0 0 0,0-1 15,0 1-15,0 0 16,0 0-16,0 0 0,0 0 15,-21-1-15,21 1 0,-21 0 16,21 0-16,0 0 16,0 0-1,21 21 1,0 0-16,1 0 16,-1 0-16,0 0 0,0 0 15,0 0-15,0 0 0,1 0 0,-1 0 16,0 21-16,0-21 0,-21 21 15,21-21-15,0 21 0,-21 0 16,0 0-16,0 1 16,0-1-16,0 0 0,0 0 0,0 0 15,0 0-15,0 1 16,0-1-16,0 0 0,0 0 16,0 0-1,-21-21-15,0 0 16,21-21 15,0 0-15,0 0-16,0 0 15,0-1-15,0 1 0,0-21 0,0 21 16,21 0-16,-21-22 0,21 22 0,1 0 16,-1 0-16,0 0 0,0-1 15,0 1-15,0 0 0,1 21 0,-1 0 16,0 0-16,0 0 0,0 0 0,0 21 15,1 0-15,-1 1 0,-21-1 16,21 0-16,-21 0 0,0 0 16,0 0-16,0 1 0,0-1 0,0 0 15,0 0-15,0 0 0,0 0 0,0 1 16,0-1-16,-21 0 0,21 0 16,-21-21-1,21 21 1,-22-21 15,1 0-31,21-21 0,0 0 16,-21 21-16,0-21 0,0 0 0</inkml:trace>
   <inkml:trace contextRef="#ctx0" brushRef="#br0" timeOffset="148255.67">24723 6223 0,'-22'0'15,"44"0"-15,-44-21 0,1 21 0,0 0 16,21-21-16,0 0 31,-21 21 32,0 0-63,0 0 0,-1 0 0,1 0 0</inkml:trace>
   <inkml:trace contextRef="#ctx0" brushRef="#br0" timeOffset="148509.51">23728 6202 0,'0'0'0,"-43"-21"16,43 0 15,0 42 47</inkml:trace>
   <inkml:trace contextRef="#ctx0" brushRef="#br0" timeOffset="151055.71">15240 8424 0,'0'-21'15,"0"0"1,0 0-16,0 0 16,0 0-16,0-1 15,0 1-15,0 0 0,0 0 16,0 0-16,0 0 15,0 42 17,0 0-32,0 0 0,0 21 15,0-20-15,0 20 0,0 0 0,-21 1 16,0 20-16,21-21 0,-22 22 0,1-22 16,21 22-16,0-22 0,0 22 15,-21-22-15,21 0 0,0 1 16,-21-22-16,21 21 0,0-21 0,0 0 15,0 1-15,0-1 0,0 0 16,0-42 15,0 0-15,0-1-16,0 1 0,0 0 16,0 0-16,0 0 0,21 0 0,-21-1 15</inkml:trace>
   <inkml:trace contextRef="#ctx0" brushRef="#br0" timeOffset="151991.46">15642 8403 0,'0'-21'16,"0"0"30,0 0-14,0 0-17,0-1 1,21 22-16,0 0 16,-21-21-16,22 21 0,-1 0 15,0-21-15,0 21 0,0 0 16,0 0-16,1 0 0,-1 0 0,0 0 15,0 0-15,0 0 0,0 0 0,1 21 16,-22 0 0,0 1-16,0-1 0,0 0 0,0 0 15,0 21-15,-22-20 0,1-1 0,0 0 16,0 0-16,0 0 0,0 0 0,-1 1 16,1-1-16,0-21 0,21 21 0,-21-21 15,21 21-15,-21-21 16,42-21 15,0 21-15,-21-21-16,21 21 0,0 0 0,1 0 15,-1 0-15,0 0 16,0 0-16,0 0 0,0 0 0,22 0 16,-22 21-16,0 0 0,-21 0 15,0 0-15,0 1 0,0 20 0,0-21 16,0 0-16,0 22 0,-21-22 0,0 0 15,-22 42 1,1-41-16,21-1 0,0 0 0,0-21 0,-22 21 16,22-21-16,0 0 0,0 21 0,0-21 15,-1 0-15,1 0 0,0 0 0,0 0 16,0 0-16,21-21 16,-21 21-16,21-21 0,-22 21 15,22-21-15,0 0 0,0-1 16,0 1-1,0 0-15,0 0 16,22 21-16,-1-21 0,0 21 0,0-21 16</inkml:trace>
-  <inkml:trace contextRef="#ctx0" brushRef="#br0" timeOffset="152167.35">16298 8721 0,'0'-21'32,"21"-1"-1,1 1-15</inkml:trace>
+  <inkml:trace contextRef="#ctx0" brushRef="#br0" timeOffset="152167.34">16298 8721 0,'0'-21'32,"21"-1"-1,1 1-15</inkml:trace>
   <inkml:trace contextRef="#ctx0" brushRef="#br0" timeOffset="152628.1">17653 8086 0,'0'0'0,"0"-21"0,-21-43 15,21 43-15,-21 21 16,-1 0-16,22 42 16,-21-21-16,0 22 15,21 20-15,-21-20 0,21 20 0,-21 1 16,21-22-16,0 21 0,0 1 0,-21-1 16,21 1-16,-22-1 0,22-20 0,0 20 15,-21-20-15,21-1 0,0 0 0,-21 1 16,21-22-16,0 21 15,0-21-15,0 0 0,0-42 32,0 0-32,21 0 0</inkml:trace>
   <inkml:trace contextRef="#ctx0" brushRef="#br0" timeOffset="152843.68">17547 8319 0,'0'0'0,"-21"-22"0,0-20 0,0 0 15,-1-1-15,1 1 0,21 21 0,0-21 16,0 20-16,0 1 0,0-21 16,21 21-16,22 0 0,-22-1 0,21 22 15,1-21-15,-1 21 0,0 0 16,1 0-16,-1 0 0,0 0 0,1 0 16,-1 0-16,-21 21 0,21 1 0,-20-1 15,-22 0-15,0 0 0,0 0 16,0 0-16,0 1 0,-22-1 15,1 0-15,0 0 0</inkml:trace>
   <inkml:trace contextRef="#ctx0" brushRef="#br0" timeOffset="153012.57">17505 8530 0,'0'0'0,"0"21"0,0 1 0,21-22 31,0 0-31,0 0 0,0 0 0,1-22 15,20 22-15,-21-21 0,21 21 0,-20-21 16,20 21-16,-21-21 0,21 0 16,-20 21-16,20-21 0,-21 21 0,21-22 15,-20 22-15</inkml:trace>
@@ -1097,7 +1143,7 @@
   <inkml:trace contextRef="#ctx0" brushRef="#br0" timeOffset="159024.56">17420 10202 0,'0'0'0,"0"22"0,21-22 16,0 0-1,1 0-15,-1 0 0,0 0 0,21 0 16,-21-22-16,22 22 0,-1 0 0,-21-21 16,22 0-16,-22 21 0,21-21 15,-21 21-15,0 0 0,22-21 0,-22 21 16</inkml:trace>
   <inkml:trace contextRef="#ctx0" brushRef="#br0" timeOffset="159226.74">18097 10118 0,'0'21'0,"0"0"0,-21-21 0,0 21 0,21 0 16,-21 1-16,21 20 0,-21-21 16,0 0-16,21 22 0,0-1 15,0-21-15,-22 21 0,22-20 0,-21 20 16,21-21-16,0 0 0,0 0 0,0 1 16,0-1-16,0 0 0,0 0 0,0 0 15,21-21 1,1 0-16,-1-21 15,0 0-15,0 0 0</inkml:trace>
   <inkml:trace contextRef="#ctx0" brushRef="#br0" timeOffset="159382.64">18246 10118 0,'0'0'0,"0"-43"0,0 22 0,0-21 0,0 21 15,-22-22-15,1 22 0,21 0 0,-21 0 16,21 0-16,-21 21 15,0 0-15,21 21 16,0 0 0,21-21-16,0 21 15</inkml:trace>
-  <inkml:trace contextRef="#ctx0" brushRef="#br0" timeOffset="159659.48">18627 9758 0,'0'0'0,"0"-42"0,0-22 16,0 43-16,0 0 16,-22 21-1,22 21-15,0 0 0,-21 0 16,21 22-16,-21-1 0,21 0 16,0 22-16,0-22 0,0 22 0,-21-22 15,21 21-15,0-20 0,-21 20 0,21-20 16,-21 20-16,21-21 0,0 22 0,0-22 15,0 1-15,0-1 0,0 0 0,0 1 16,0-22-16,0 0 16,0 0-16,0 0 0,0 0 0,21-21 15,0 0-15,0 0 16,0 0-16,0-21 0</inkml:trace>
+  <inkml:trace contextRef="#ctx0" brushRef="#br0" timeOffset="159659.47">18627 9758 0,'0'0'0,"0"-42"0,0-22 16,0 43-16,0 0 16,-22 21-1,22 21-15,0 0 0,-21 0 16,21 22-16,-21-1 0,21 0 16,0 22-16,0-22 0,0 22 0,-21-22 15,21 21-15,0-20 0,-21 20 0,21-20 16,-21 20-16,21-21 0,0 22 0,0-22 15,0 1-15,0-1 0,0 0 0,0 1 16,0-22-16,0 0 16,0 0-16,0 0 0,0 0 0,21-21 15,0 0-15,0 0 16,0 0-16,0-21 0</inkml:trace>
   <inkml:trace contextRef="#ctx0" brushRef="#br0" timeOffset="160009.28">18732 10351 0,'0'0'0,"22"0"16,-1 0-1,0 0-15,0 0 0,21 0 16,-20 0-16,-1 0 16,21 0-16,0 0 0,-20 0 0,20-22 15,0 1-15,1 21 0,-1-21 0,-21 21 16,21-21-16,-20 0 0,-1 21 15,0-21-15,-21-1 0,0 1 16,0 0-16,-21 0 0,0 21 0,-1-21 16,-20 21-16,21 0 0,-21 0 0,20 0 15,-20 0-15,21 0 0,-21 21 0,-1 0 16,22 0-16,-21 0 0,21 1 16,-1 20-16,1 0 0,0-21 15,21 22-15,0-1 0,0 0 0,0-20 16,0 20-16,0-21 0,0 21 0,0-20 15,21-1-15,0 0 0,1-21 0,20 21 16,-21-21-16,21 0 0,1 0 0,-1 0 16,0 0-16,1 0 0,-1-21 0,22 21 15</inkml:trace>
   <inkml:trace contextRef="#ctx0" brushRef="#br0" timeOffset="160503">20129 10224 0,'0'-22'0,"0"44"0,0-65 0,0 22 16,0 0-16,0 0 0,-21 0 0,0 21 0,0 0 16,0 0-16,0 0 0,-1 0 15,1 0-15,-21 21 0,21 0 0,-22 0 16,22 0-16,-21 22 0,21-22 16,0 21-16,-22 0 0,22 1 0,0-1 15,0 0-15,21-20 0,0 20 0,0 0 16,0-21-16,0 22 0,0-22 0,0 0 15,21 0-15,0-21 0,0 21 0,0-21 16,22 0-16,-1 0 0,-21 0 0,22 0 16,-22 0-16,21-21 0,-21 0 15,0 0-15,22 0 0,-22 0 16,0-22-16,0 1 0,0 0 0,1-1 16,-1-20-16,0 20 0,0-20 0,0-1 15,-21 1-15,21-1 0,-21 1 0,22-1 16,-22 1-16,0-1 0,0 1 15,0-1-15,0 22 0,0 0 0,0 21 16,0-1-16,0 1 0,-22 64 16,1-22-16,21 21 15,-21 0-15,21 1 0,0 20 0,-21 1 16,21-1-16,0-20 0,0 20 16,0 1-16,0-22 0,0 21 15,0-20-15,0 20 0,21-20 0,-21-1 16,21 0-16,0-21 0,-21 22 0,0-22 15,22 0-15,-1 0 0,0 0 0,0-21 16,0 0-16,0 0 0,22 0 16,-22-21-16,0 0 0</inkml:trace>
   <inkml:trace contextRef="#ctx0" brushRef="#br0" timeOffset="160903.28">20891 10139 0,'0'0'0,"22"-21"0,-1 0 16,-21-1-16,0 44 15,-21-1 1,-1 0-16,1 0 0,21 0 16,-21 0-16,0 22 0,0-22 0,0 21 15,21-21-15,0 22 0,-22-1 0,22-21 16,0 22-16,0-22 0,0 0 0,0 0 16,0 0-16,0 0 0,22 1 0,-1-1 15,0-21-15,0 0 0,0 0 16,0 0-16,22 0 0,-22 0 0,0 0 15,21-21-15,-20 21 0,-1-22 0,21 1 16,-21 0-16,0 0 0,1 0 0,-1-22 16,-21 22-16,21-21 0,0 21 15,-21-22-15,0 1 0,0 0 0,0 21 0,0-22 16,0 22-16,0 0 16,0 0-16,0 0 0,-21 21 0,0 0 15,0 0-15,-1 0 0,-20 0 0,21 0 16,-21 21-16,20 0 0,1 0 0,-21 0 15,21 0-15,0 1 0,-1-1 0,22 0 16,0 21-16,0-21 0,0 1 16,0-1-16,0 0 0,0 0 0,22 0 15,-1 0-15,0-21 0,0 0 0,0 0 16,22 0-16</inkml:trace>
@@ -1106,7 +1152,7 @@
   <inkml:trace contextRef="#ctx0" brushRef="#br0" timeOffset="164051.15">23135 10456 0,'0'0'0,"0"-63"0,0 21 16,42-107 0,-42 107-16,22 21 0,-1 0 0,0 0 15,0-1-15,0 1 0,22 21 0,-22 0 16,0 0-16,21 0 16,1 0-16,-22 0 0,0 21 0,0 1 0,0-1 15,-21 21-15,0-21 0,0 0 16,0 22-16,0-22 0,-21 21 0,0-21 15,-21 1-15,20 20 0,1-21 16,-21 0-16,21 0 0,-22 1 0,22-1 16,0-21-16,0 21 0,0-21 0,0 0 15,42-21 1,0 0 0,0 21-16,0-22 0</inkml:trace>
   <inkml:trace contextRef="#ctx0" brushRef="#br0" timeOffset="164423.93">23812 10075 0,'0'0'0,"22"-21"0,-22 0 0,21 21 0,-42 21 31,-1 0-31,1 1 16,0-1-16,0 0 0,0 0 0,0 0 15,-1 22-15,1-22 0,0 0 0,21 21 16,-21-21-16,21 1 0,0-1 15,0 0-15,0 0 0,21 0 0,0 0 16,0 1-16,1-22 0,20 0 0,-21 0 16,21 0-16,-20 0 0,20 0 15,-21 0-15,21-22 0,-20 1 0,20 21 16,-21-21-16,0 0 0,0 0 16,1 0-16,-1-1 0,-21-20 0,0 21 15,0 0-15,0 0 0,0-22 0,0 22 16,-21 0-16,-1 0 0,-20 0 0,21-1 15,-21 1-15,20 21 0,-20 0 0,0 0 16,21 0-16,-22 0 0,22 0 16,0 0-16,0 0 0,21 21 15,0 1-15,0-1 0,0 0 16,21 0-16,0-21 0,21 0 16,-20 0-16,-1 21 0</inkml:trace>
   <inkml:trace contextRef="#ctx0" brushRef="#br0" timeOffset="164999.1">24384 10075 0,'-21'0'0,"42"0"0,-21-21 0,-21 21 31,21 21-31,-21 1 16,21 20-16,0-21 0,0 21 0,0 1 15,0-1-15,0 22 0,0-22 0,0 21 16,0-20-16,0 20 0,0 1 0,0-1 15,0-20-15,0 20 0,0 1 16,-22-22-16,22 21 0,-21 1 0,21-1 16,0-20-16,-21 20 0,0-20 15,0 20-15,0-21 0,21 1 0,-22-1 16,22-21-16,-21 0 0,21 1 0,0-1 16,-21-21-16,21-21 15,0-1-15,0 1 16,0 0-16,0 0 0,0 0 0,21-22 15,-21 1-15,21 0 0,1-1 0,-22-20 16,21 21-16,0-22 0,-21 1 16,21 20-16,0-20 0,-21-1 0,21 1 15,-21-1-15,22 1 0,-22-22 16,0 22-16,21-1 0,-21 22 0,21-22 16,-21 22-16,0 0 0,0-1 0,21 1 15,0 21-15,-21 0 0,21-1 16,1 1-16,-1 0 0,0 0 0,0 21 15,0 0-15,0 0 0,1 0 0,-1 0 16,0 21-16,0 0 0,0 0 0,0 1 16,-21-1-16,0 0 0,0 0 0,0 0 15,0 22-15,0-22 0,-21 0 16,0 0-16,0 0 0,-21 22 16,20-22-16,-20-21 0,21 21 0,-21 0 15,20 0-15,-20-21 0,21 0 0,0 21 16,0-21-16,21-21 31,21 0-31,0 21 0,0-21 16,0 0-16,22 21 0</inkml:trace>
-  <inkml:trace contextRef="#ctx0" brushRef="#br0" timeOffset="165338.92">24892 10118 0,'0'0'0,"21"0"16,-21-21-16,0 42 31,-21 0-31,0-21 16,21 21-16,0 21 0,0-20 0,-21-1 15,21 0-15,0 21 0,0-21 0,0 1 16,0-1-16,0 0 0,0 0 16,21 0-16,-21 0 0,21 1 0,0-22 15,0 0-15,0 0 0,1 0 0,-1 0 16,0 0-16,0-22 0,0 22 15,-21-21-15,21 0 0,1 0 0,-22 0 16,21 0-16,-21-1 16,21 1-16,-21 0 0,21-21 0,-21 21 15,0-1-15,0 1 0,0 0 0,0 0 16,0 0-16,0 0 0,21 21 31,-21 21-15,21 0-16,1-21 15</inkml:trace>
+  <inkml:trace contextRef="#ctx0" brushRef="#br0" timeOffset="165338.91">24892 10118 0,'0'0'0,"21"0"16,-21-21-16,0 42 31,-21 0-31,0-21 16,21 21-16,0 21 0,0-20 0,-21-1 15,21 0-15,0 21 0,0-21 0,0 1 16,0-1-16,0 0 0,0 0 16,21 0-16,-21 0 0,21 1 0,0-22 15,0 0-15,0 0 0,1 0 0,-1 0 16,0 0-16,0-22 0,0 22 15,-21-21-15,21 0 0,1 0 0,-22 0 16,21 0-16,-21-1 16,21 1-16,-21 0 0,21-21 0,-21 21 15,0-1-15,0 1 0,0 0 0,0 0 16,0 0-16,0 0 0,21 21 31,-21 21-15,21 0-16,1-21 15</inkml:trace>
   <inkml:trace contextRef="#ctx0" brushRef="#br0" timeOffset="165666.74">25485 10097 0,'0'0'0,"0"-22"15,0 44 16,0-1-31,0 0 16,0 21-16,0-21 0,0 22 0,0-22 16,0 21-16,0 1 0,0-1 0,0 0 15,0 1-15,0-1 0,0 0 16,-22 1-16,1-1 0,21 0 0,-21 1 16,0-1-16,0 0 0,21 1 0,-21-1 15,-1-21-15,1 21 0,0-20 0,21 20 16,-21-21-16,0 0 0,21 0 0,0 22 15,-21-43-15,21 21 0,-22 0 16,22 0-16,-21-21 0,21-21 47,0 0-47,21 0 0,-21 0 16,22-22-16</inkml:trace>
   <inkml:trace contextRef="#ctx0" brushRef="#br0" timeOffset="165930.59">25442 10456 0,'0'0'0,"0"-63"0,0 21 0,21-1 0,-21 22 16,22-21-16,-22-1 0,0 22 15,21 0-15,0 0 0,0 0 16,-21 0-16,21-1 0,0 22 0,1 0 16,-1-21-16,0 21 0,0 0 0,0 0 15,0 0-15,1 21 0,-1 1 0,0-1 16,0 0-16,-21 0 0,0 0 15,0 0-15,0 22 0,0-22 0,0 0 16,-21 21-16,0-20 0,0-1 0,-1 0 16,-20 21-16,21-21 0,-21 1 0,20-22 15,1 21-15,-21 0 0,21 0 0,0-21 16,-1 21-16,-20-21 0,21 0 16,0 21-16,-22-21 0,22 22 15</inkml:trace>
   <inkml:trace contextRef="#ctx0" brushRef="#br0" timeOffset="166907.69">14922 12129 0,'0'0'0,"0"-22"0,0 1 15,22 0 1,-22 0-16,0 0 15,0 42 1,0 0 0,0 21-16,0-20 0,0 20 15,0 0-15,0-21 0,0 22 0,0-1 0,0 0 16,-22 1-16,22-1 0,0 0 16,0 1-16,0-1 0,0-21 0,0 0 15,-21 22-15,21-22 0,0 0 16,0 0-16,0 0 0,0 1 15,21-22 32,1-22-47,-22 1 16,0 0-16,21 0 0</inkml:trace>
@@ -1173,7 +1219,7 @@
   <inkml:trace contextRef="#ctx0" brushRef="#br0" timeOffset="8980.56">1799 3895 0,'0'21'31,"-21"0"-31,21 0 16,-21-21-16,21 21 0,0 1 16,21-22-1,0 0 1,0 0-16,0 0 0,1 0 16,-1 0-16,-21-22 15,0 1-15,21 21 0,-21-21 16,0 0-16,0 0 15,-21 21 1,21-21-16,-21 21 0,-1 0 16,1 0-1,0 21-15,21 0 16,0 0 0,0 0-16,21-21 31,0 0-31,1 0 15,-1-21 1,-21 0 0,-21 21 15,-1 0-15,1 0-1,42 0 32,1 0-31</inkml:trace>
   <inkml:trace contextRef="#ctx0" brushRef="#br0" timeOffset="10582.99">3577 3302 0,'0'0'0,"0"-21"0,-21 21 15,21 21 32,0 0-47,0 0 0,0 1 16,0-1-16,0 0 0,0 0 15,0 0-15,0 0 16,21-21-16,0 22 0,0-22 0,1 0 16,-1 21-16,0-21 0,0 0 15,21 0-15,-20 0 0,-1 0 0,21 0 16,-21 0-16,22 0 0,-22 0 15,0-21-15,21 21 0,-21-22 16,1 1-16,20 21 0,-21-21 0,0 0 16,0 0-16,1 0 0,-22-1 15,21 1-15,-21 0 0,0 0 16,0 0-16,0 0 0,0-1 0,0 1 16,-21 0-16,-1 0 0,1 0 15,-21 21-15,21 0 0,0 0 16,-22 0-16,1 0 0,21 0 15,-22 0-15,1 21 0,0 0 16,-1 0-16,1 0 0,0 22 0,-1-22 16,1 21-16,21 1 0,-21-1 15,20-21-15,-20 21 0,21 1 0,21-1 16,-21 0-16,21-20 0,0 20 16,0-21-16,0 21 0,0-20 0,0-1 15,21 0-15,0 0 0,0 0 0,0-21 16,22 21-16,-22-21 0,21 0 15,1 0-15,-1 0 0,0 0 0,1 0 16,-1 0-16,-21 0 0,21 0 0,1 0 16,-22 0-16,0 0 0,0-21 15,0 21-15,-42 0 32,0 0-32,-21 0 15,21 0-15,-22 21 0,1 1 0,21-1 16,-22 0-16,1 0 0,0 0 15,21 22-15,-22-22 0,22 21 0,0-21 16,-21 22-16,42-22 0,-22 21 0,22-21 16,0 22-16,0-22 0,0 0 15,0 0-15,22 0 0,-1 0 0,21-21 16,-21 0-16,22 22 0,-22-22 0,21 0 16,0 0-16,-20 0 0,20 0 15,-21 0-15,21-22 0,-20 1 16,-1 21-16,0-21 0,0 0 0,0 0 15,0 0-15</inkml:trace>
   <inkml:trace contextRef="#ctx0" brushRef="#br0" timeOffset="11148.29">4297 3852 0,'0'0'0,"0"-21"31,0 0-31,0 0 0,21 0 16,0 21-16,0-21 0,0-1 16,22 22-16,-22 0 0,21-21 15,1 21-15,-1 0 0,-21 0 0,21 0 16,-20 21-16,20-21 0,-21 22 0,0-1 16,-21 0-16,0 0 0,0 21 15,0-20-15,0 20 0,-21-21 0,0 21 16,0 1-16,-22-22 0,22 21 0,0 1 15,0-22-15,-21 21 0,20-21 16,1 0-16,0 1 0,21-1 0,-21-21 16,21-21 15,21-1-31,0 1 0,0 0 16,1 0-16,-1-21 0,21-1 15,-21 22-15,0-21 0,22-1 0,-22 22 16,0-21-16,0 21 0,0 0 0,1-22 15,-1 22-15,-21 0 0,0 0 16,0 42 15,0 0-31,0 0 16,-21 0-16,-1 1 0,22 20 0,-21-21 16,0 21-16,0-20 0,21 20 0,0 0 15,-21-21-15,21 22 16,0-1-16,0-21 0,0 0 0,0 1 15,0-1-15,0 0 0,21-21 0,0 21 16,0-21-16,0 0 0,1 0 16,-1 0-16,0 0 0,0 0 0,21 0 15,-20-21-15,20 0 0,-21 0 0,0 21 16,22-43-16,-22 22 0,21 0 0</inkml:trace>
-  <inkml:trace contextRef="#ctx0" brushRef="#br0" timeOffset="11472.36">5546 3725 0,'0'0'0,"0"-21"0,-22 21 16,1 0-16,0 0 16,0 0-16,0 21 0,0-21 15,-1 22-15,1-1 0,0 0 0,21 0 16,-21 0-16,0 0 0,21 22 15,0-22-15,-21 21 0,-1-21 0,22 22 16,-21-22-16,21 21 0,0-21 0,0 1 16,0 20-16,0-21 0,0 0 15,0 0-15,0 1 0,21-1 16,1 0-16,-1-21 0,0 0 16,0 0-16,0 0 0,0 0 15,1 0-15,-1 0 0,0 0 0,0 0 16,0-21-16,22 0 0,-22 21 0,0-22 15,0 1-15,0 0 0,0 0 0,1 0 16,-1 0-16</inkml:trace>
+  <inkml:trace contextRef="#ctx0" brushRef="#br0" timeOffset="11472.35">5546 3725 0,'0'0'0,"0"-21"0,-22 21 16,1 0-16,0 0 16,0 0-16,0 21 0,0-21 15,-1 22-15,1-1 0,0 0 0,21 0 16,-21 0-16,0 0 0,21 22 15,0-22-15,-21 21 0,-1-21 0,22 22 16,-21-22-16,21 21 0,0-21 0,0 1 16,0 20-16,0-21 0,0 0 15,0 0-15,0 1 0,21-1 16,1 0-16,-1-21 0,0 0 16,0 0-16,0 0 0,0 0 15,1 0-15,-1 0 0,0 0 0,0 0 16,0-21-16,22 0 0,-22 21 0,0-22 15,0 1-15,0 0 0,0 0 0,1 0 16,-1 0-16</inkml:trace>
   <inkml:trace contextRef="#ctx0" brushRef="#br0" timeOffset="11928.01">5821 3916 0,'0'0'0,"0"21"15,0 0-15,0 0 16,21-21 0,0 0-1,0 0-15,22 0 0,-22-21 0,21 21 16,-21-21-16,22 0 0,-22 21 16,21-21-16,-21 0 0,0-1 0,1 22 15,-22-21-15,0 0 0,21 21 0,-21-21 16,0 0-16,0 0 0,0-1 15,-21 22-15,-1 0 16,1 0-16,0 0 0,0 0 16,0 0-16,0 0 0,-1 0 0,1 0 15,0 22-15,0-1 0,0 0 16,0 0-16,-22 0 0,43 22 0,-21-22 16,0 0-16,0 21 0,21-21 0,-21 22 15,21-22-15,0 21 0,0-21 16,0 1-16,0 20 0,0-21 0,21 0 15,0-21-15,0 21 0,0 1 0,0-22 16,22 0-16,-22 0 0,0 0 16,21 0-16,-20 0 0,20 0 0,0 0 15,-21 0-15,22-22 0,-22 1 0,21 0 16,1 21-16,-22-21 0,21-21 16,0 20-16,-20 1 0,20-21 15,-21 21-15,21-22 0,-20 1 0</inkml:trace>
   <inkml:trace contextRef="#ctx0" brushRef="#br0" timeOffset="12323.78">6879 3260 0,'0'0'0,"0"-43"0,0 22 0,0 0 16,0 0-16,0 0 0,0 0 16,0-1-16,0 1 0,0 0 0,0 0 15,-21 63 32,21-21-47,0 1 0,-21 20 0,21 21 16,-21-20-16,21-1 0,-22 22 0,22-1 15,-21-21-15,21 22 0,0-22 16,-21 22-16,21-22 0,0 0 0,-21 1 16,21-1-16,0 0 0,0 1 0,0-1 15,0 0-15,0-20 0,0 20 16,0-21-16,21 0 0,0 0 0,0 1 15,1-1-15,-1-21 0,0 0 0,0 21 16,0-21-16,0 0 0,22 0 16,-22 0-16,0 0 0,0-21 15,0 0-15,1 21 0,-1-22 0,-21 1 16,21 21-16,-21-21 0,21 0 0,-21 0 16,0 0-1</inkml:trace>
   <inkml:trace contextRef="#ctx0" brushRef="#br0" timeOffset="23356.01">1418 5757 0,'-21'0'31,"0"0"-31,0 0 15,-1 0-15,22-21 16,0 0-16,-21 0 0,21 0 16,0 0-16,0-1 15,0 1-15,0 0 0,0 0 16,21 0-16,-21 0 16,22 21-16,-1-22 0,0 22 15,0 0-15,0 0 16,0 0-16,1 0 0,-1 0 0,0 22 15,-21-1-15,21 0 0,0 0 16,0 0-16,1 22 0,-22-1 0,0-21 16,21 21-16,-21 22 0,0-22 15,0 1-15,0-1 0,0 0 0,0 22 16,-21-22-16,-1 0 0,1 1 16,-21-1-16,21 0 0,-22-20 15,22 20-15,-21 0 0,21-21 0,-22 1 16,1-1-16,21 0 0,-21-21 15,20 0-15,-20 21 0,21-21 0,0 0 16,-22 0-16,22 0 0,0-21 16,0 0-16,0 0 0,0-1 0,21 1 15,0 0-15,0 0 0,0-21 16,0 20-16,0-20 0,0 21 0,0-21 16,0 20-16,21 1 0,0 0 15,-21 0-15,21 0 0,0 21 16,0 0-16,1 0 0,-1 0 0,0 0 15,0 0-15,0 21 0,0 0 0,1 0 16,-1 0-16,-21 1 16,21-1-16,0 0 0,0 0 0,0 0 15,1 22-15,-22-22 0,21 0 16,0 0-16,-21 0 0,0 0 0,21 1 16,0-1-16,-21 0 0,21 0 15,-21 0-15,22-21 31,-1-21-15,-21 0-16,21 0 16</inkml:trace>
@@ -1218,11 +1264,11 @@
   <inkml:trace contextRef="#ctx0" brushRef="#br0" timeOffset="108155.77">20976 8086 0,'-21'21'0,"42"-42"0,-63 42 15,42 0-15,21-21 16,0 0-16,0 0 0,0 0 15,1 0-15,20-21 0,-21 0 16,21 21-16,-20-21 0,20 21 16,-21-22-16,0 1 0,22 0 0,-22 0 15,0 0-15,-21 0 0,21-1 0,-21-20 16,0 21-16,0 0 0,0 0 0,0-22 16,0 22-16,0 0 0,-21 21 15,0 0-15,0 0 0,-1 0 0,1 0 16,0 21-16,0 0 0,-21 0 15,20 1-15,1-1 0,0 21 0,0 0 16,0 1-16,0-1 0,-1 0 16,22 1-16,0-22 0,-21 21 0,21 1 15,0-1-15,0-21 0,0 21 0,0-20 16,21-1-16,1 0 0,-1 0 0,0 0 16,0-21-16,21 0 0,1 21 0,-22-21 15,21 0-15,22 0 0,-22 0 0,0-21 16,1 21-16,20-21 0,-20 0 15,-1 0-15,0 0 0,1-22 0,-22 22 16,21-21-16,0-1 0,1-20 0,-22 21 16,21-22-16,-21 1 0,22-1 15,-22 1-15,0-1 0,0 1 0,0-1 0,1-21 16,-1 22-16,-21-1 0,0 1 16,21 21-16,-21-1 0,21 1 15,-21 0-15,0 20 0,0-20 0,0 21 16,-21 21-1,0 21-15,21 0 0,-21 0 16,-1 22-16,22-1 0,-21 22 0,0-22 16,0 21-16,0 1 0,0-1 15,-1 1-15,1 21 0,21-22 0,-21 1 16,0-1-16,21 1 0,-21-1 0,21-21 16,0 22-16,0-22 0,0 1 0,0-1 15,0 0-15,0-21 0,0 1 0,0-1 16,0 0-16,21 0 0,0-21 15,0 0-15,0 0 0,1 0 0,-1 0 16,0 0-16,0 0 0,21 0 16,-20 0-16,-1-21 0,0 0 0,21 21 15,-21-21-15,22-1 0,-22 1 0,0 0 16,21 21-16,-20-42 0,20 21 0,-21-1 16,21 1-16</inkml:trace>
   <inkml:trace contextRef="#ctx0" brushRef="#br0" timeOffset="108554.76">22669 6858 0,'0'0'0,"-21"0"0,21-21 16,21 21-1,1 0-15,-1 0 0,0 21 16,21 0-16,-21 0 0,22 1 0,-1 20 16,0-21-16,1 21 0,-1 22 0,0-1 15,1 1-15,-22-1 0,0 22 16,0-21-16,-21 20 0,0 1 0,0 0 16,0-22-16,0 22 0,-21-1 15,0 1-15,0-21 0,-22-1 0,22 1 16,-21-1-16,0-21 0,-1 1 0,-20-1 15,20 0-15,1-20 0,-21 20 0,20-21 16,1 0-16,0 0 0,-1 1 0,1-22 16,0 21-16,-1-21 0,22 0 0,0 21 15,0-21-15,0 0 0,-1 0 16,1 0 0,0 0-1</inkml:trace>
   <inkml:trace contextRef="#ctx0" brushRef="#br0" timeOffset="110395.1">1291 10414 0,'0'0'0,"-21"-21"0,21 0 16,0 0-16,-21-1 0,21 1 15,0 0-15,-21 21 16,21-21-16,-22 21 16,22 21-1,0 0-15,0 0 0,0 22 16,0-22-16,0 42 0,0-20 16,0-1-16,0 22 0,0-22 0,-21 21 15,0-20-15,0 20 0,0-20 16,0 20-16,-1-21 0,1 1 0,21-1 15,-21 0-15,0-20 0,21-1 0,-21 21 16,21-21-16,-21-21 16,21-21-1,0 0-15,0 0 16,0 0-16,0-1 0,0 1 16,21 0-16,-21 0 0,21 0 15,0 21-15,0-21 0,0 21 16,1 0-16,-1-22 0,0 22 0,21 0 15,-21 0-15,1 0 0,20 0 16,-21 0-16,0 0 0,22-21 0,-22 21 16,0 0-16,0 0 0,0 0 15,0 0-15,1-21 0,-1 21 0,0-21 16,-21 0-16,0 0 16,0-1-16,0 1 0,0-21 15,0 21-15,0 0 0,0-1 0,0 1 16,0 0-16,0 0 0,-21 0 15,21 0-15,-21 21 32,21 21-32,0 0 0,0 0 15,0 21-15,0-20 0,0 20 16,0 0-16,-22 1 0,22-1 0,0 0 16,0 1-16,0 20 0,0-21 0,0 22 15,0-22-15,0 1 0,0-1 16,0 0-16,0 1 0,0-22 0,0 21 15,0-21-15,0 0 0,0 1 16,0-44 15,22 1-15,-22 0-16,0 0 0,21-21 0</inkml:trace>
-  <inkml:trace contextRef="#ctx0" brushRef="#br0" timeOffset="110710.91">1990 11007 0,'0'0'0,"0"21"0,0 0 15,21-21 1,0-21-1,-21 0 1,21 21-16,-21-21 0,0-1 0,0 1 16,0 0-1,-21 21-15,0 0 16,0 0-16,21 21 16,0 0-1,0 1 1,21-22-1,0 0-15,21 0 0</inkml:trace>
+  <inkml:trace contextRef="#ctx0" brushRef="#br0" timeOffset="110710.9">1990 11007 0,'0'0'0,"0"21"0,0 0 15,21-21 1,0-21-1,-21 0 1,21 21-16,-21-21 0,0-1 0,0 1 16,0 0-1,-21 21-15,0 0 16,0 0-16,21 21 16,0 0-1,0 1 1,21-22-1,0 0-15,21 0 0</inkml:trace>
   <inkml:trace contextRef="#ctx0" brushRef="#br0" timeOffset="112503.53">3471 10202 0,'0'0'0,"-21"0"0,-21 0 16,21 0-16,-1 0 0,1 0 15,0 0-15,0 0 0,21 22 16,21-22 15,21 0-31,1 0 0,20 0 0,1 0 16,-1 0-16,1 0 0,20 0 15,-20 0-15,21 0 0,-22-22 16,1 1-16,-1 21 0,1 0 0,-1 0 16,1-21-16,20 21 0,-20 0 15,-22 0-15,22 0 0,-1-21 0,-21 21 16,1 0-16,-22 0 0,21 0 0,-21 0 15,1 0-15,-44 0 32,1 21-32,0-21 15,0 0-15,0 0 0</inkml:trace>
   <inkml:trace contextRef="#ctx0" brushRef="#br0" timeOffset="112816.86">4191 10181 0,'0'0'0,"-21"0"0,0 0 15,-1 0-15,1 0 16,21 21-16,0 1 0,0-1 16,0 21-16,0-21 0,0 22 0,0 20 15,0-21-15,0 22 0,0-22 0,21 22 16,-21-22-16,0 22 0,0-1 15,0-21-15,0 1 0,0 20 16,0-20-16,0 20 0,0-21 0,0 1 0,0-1 16,0 0-16,0 1 15,0-22-15,0 0 0,0 0 0,0 0 16,0-42 0,22 0-16,-1 0 15,0 0-15,-21 0 0,21-22 16,0 22-16,0-21 0</inkml:trace>
   <inkml:trace contextRef="#ctx0" brushRef="#br0" timeOffset="113208.16">4635 10922 0,'43'0'15,"-22"0"-15,0 0 16,0 0-16,0-21 0,1 0 0,-1 21 16,0-21-16,0-1 0,0 1 0,0 0 15,1 21-15,-1-21 0,-21 0 16,0 0-16,0-1 0,0 1 0,0 0 16,0 0-16,0 0 0,0 0 0,0-1 15,-21 22-15,-1 0 16,1 0-16,0 0 0,0 0 15,0 22-15,0-1 0,21 21 16,0-21-16,-22 22 0,22-22 0,-21 21 16,21-21-16,0 22 0,0-1 15,0-21-15,0 21 0,0-20 0,0-1 16,0 21-16,0-21 0,0 0 0,21 1 16,1-22-16,-22 21 0,21-21 15,0 0-15,0 0 0,0 0 0,0 0 16,1 0-16,-1 0 0,21 0 0,-21-21 15,0-1-15,22 1 0</inkml:trace>
-  <inkml:trace contextRef="#ctx0" brushRef="#br0" timeOffset="113647.91">5736 10605 0,'0'0'0,"0"-22"0,0 1 0,0 0 0,-21 21 31,0 0-31,0 0 0,-22 21 16,22-21-16,0 21 0,-21 1 16,20-1-16,1 0 0,0 0 0,0 21 15,0-20-15,0-1 0,-1 0 16,22 0-16,0 0 0,0 0 0,0 1 16,0-1-16,0 0 0,22 0 15,-1-21-15,0 0 16,0 21-16,21-21 0,-20 0 0,-1 21 15,21-21-15,-21 0 0,0 22 0,22-22 16,-22 21-16,0-21 0,0 21 0,-21 0 16,0 0-16,0 0 15,0 1-15,0-1 0,-21 0 16,0 0-16,0 0 0,0 0 0,-1 1 16,-20-1-16,21-21 0,0 21 0,0 0 15,-22-21-15,22 0 0,0 21 16,0-21-16,0 0 0,-1 0 15,1 0-15,0 0 0,0 0 0,21-21 16,0 0 0,0 0-16,0 0 15,0-1-15,0 1 0,0 0 0,21 0 16,0 0-16,0 0 0,22-1 0</inkml:trace>
+  <inkml:trace contextRef="#ctx0" brushRef="#br0" timeOffset="113647.9">5736 10605 0,'0'0'0,"0"-22"0,0 1 0,0 0 0,-21 21 31,0 0-31,0 0 0,-22 21 16,22-21-16,0 21 0,-21 1 16,20-1-16,1 0 0,0 0 0,0 21 15,0-20-15,0-1 0,-1 0 16,22 0-16,0 0 0,0 0 0,0 1 16,0-1-16,0 0 0,22 0 15,-1-21-15,0 0 16,0 21-16,21-21 0,-20 0 0,-1 21 15,21-21-15,-21 0 0,0 22 0,22-22 16,-22 21-16,0-21 0,0 21 0,-21 0 16,0 0-16,0 0 15,0 1-15,0-1 0,-21 0 16,0 0-16,0 0 0,0 0 0,-1 1 16,-20-1-16,21-21 0,0 21 0,0 0 15,-22-21-15,22 0 0,0 21 16,0-21-16,0 0 0,-1 0 15,1 0-15,0 0 0,0 0 0,21-21 16,0 0 0,0 0-16,0 0 15,0-1-15,0 1 0,0 0 0,21 0 16,0 0-16,0 0 0,22-1 0</inkml:trace>
   <inkml:trace contextRef="#ctx0" brushRef="#br0" timeOffset="114043.68">6456 10202 0,'0'0'0,"0"-42"0,0 0 16,0 21-16,-21-1 15,-1 22 1,1 0-16,0 22 15,21-1-15,0 0 16,0 0-16,-21 21 0,21 1 0,0-1 16,-21 22-16,21-22 0,-21 21 0,21 1 15,0-22-15,-22 22 0,1-1 0,0-20 16,21 20-16,0-21 16,-21 1-16,0 20 0,21-20 0,0-1 15,0 0-15,0-21 0,-21 22 0,21-22 16,0 0-16,0 0 0,0 0 0,0 1 15,21-22 1,0 0 0,0 0-16,-21-22 0,21 22 0,-21-21 15,21 0-15,-21 0 0,22 0 16,-1 0-16,-21-1 0,0 1 0,0 0 16,0 0-16,0 0 0,0 0 15</inkml:trace>
   <inkml:trace contextRef="#ctx0" brushRef="#br0" timeOffset="114264.55">6138 10859 0,'0'0'0,"-21"0"0,-42 0 16,84-22 15,0 22-31,0 0 0,21 0 16,-20-21-16,20 21 0,-21 0 0,21-21 15,1 0-15,-22 21 0,0 0 16,21-21-16,-20 21 0,-1 0 0,0-21 15,0 21-15,0 0 0,-21-22 63</inkml:trace>
   <inkml:trace contextRef="#ctx0" brushRef="#br0" timeOffset="114787.53">7218 10329 0,'0'0'0,"0"-21"0,0 0 16,0 42 15,0 0-31,0 1 0,0-1 0,-21 21 16,21 0-16,0 1 0,-22 20 0,1-20 15,21-1-15,-21 21 0,21-20 0,-21 20 16,0-20-16,21-1 0,0 0 15,0-21-15,-21 22 0,21-1 0,0-21 16,0 0-16,0 1 0,0-1 0,0 0 16,0-42 15,0 0-15,0-1-16,21 1 0,-21 0 0</inkml:trace>
@@ -1242,7 +1288,7 @@
   <inkml:trace contextRef="#ctx0" brushRef="#br0" timeOffset="122871.88">17822 10732 0,'0'0'0,"21"-22"0,-21 1 0,22-21 16,-22 21-16,0 0 0,0-1 0,0 1 15,-22 0-15,1 0 0,0 21 16,0 0-16,0 0 16,-22 0-16,22 0 0,0 21 0,-21 0 15,21 0-15,-1 1 0,1-1 16,0 21-16,0-21 0,0 22 0,0-22 15,21 0-15,-22 21 0,22-21 0,0 22 16,0-22-16,0 0 0,0 0 0,0 0 16,0 1-16,22-22 0,-1 21 15,0-21-15,0 0 0,0 0 16,0 0-16,1 0 0,-1 0 16,0 0-16,0-21 0,0-1 15,0 1-15,1 0 0,-22 0 0,21 0 16,-21 0-16,21-22 0,-21 1 15,0 21-15,21-22 0,-21 22 0,0 0 0,0 0 16,0 0-16,0 0 16,0 42-1,0 0-15,-21 0 0,0 0 16,21 0-16,0 1 0,0 20 0,-21-21 16,21 0-16,0 0 0,0 22 0,0-22 15,0 0-15,0 0 0,0 0 0,21 1 16,0-1-16,0-21 15,0 0-15,0 0 16,1 0-16,-1 0 0,0 0 16,0-21-16,0-1 0,0 22 15</inkml:trace>
   <inkml:trace contextRef="#ctx0" brushRef="#br0" timeOffset="124168.06">18330 10351 0,'0'0'0,"21"-43"0,1 1 15,-22 0-15,21-1 0,-21 1 0,0 21 16,0 0-16,0-1 0,0 1 16,0 42-1,-21 1-15,-1-1 0,1 0 16,21 0-16,-21 21 0,0 1 0,0-1 16,21 0-16,-21 22 0,-1-22 0,22 22 15,-21-22-15,21 0 0,0 22 0,0-22 16,-21 1-16,21-1 15,0 0-15,-21 1 0,21-22 0,0 21 16,0-21-16,0 0 0,0 1 0,0-1 16,0 0-16,21 0 0,0-21 15,0 0-15,1 0 0,-1 0 16,0 0-16,0-21 0,0 21 16,0-21-16,1 21 0,-1-21 0,0-1 15,0 1-15,0 0 0,0 0 16,1 0-16,-22 0 15,21-1-15,-21 1 0,21 0 0,0 21 16,-21-21-16,0 42 16,0 0-1,-21 0-15,21 1 16,-21-1-16,21 0 0,-21 0 0,21 0 16,0 0-16,0 1 15,0-1-15,0 0 0,21-21 16,0 0-16,0 21 15,0-21-15,0 0 0,22 0 16,-22-21-16,0 21 0,0-21 16,0 21-16,1-21 0,-1-1 15,0 22-15,0-21 0,-21 0 0,21 0 16,0 0-16,1 0 0,-22-1 16,21 1-16,-21 0 0,21 0 0,-21 0 15,0 42 1,-21 0-1,0 0-15,21 0 0,-22 1 16,1-1-16,21 0 0,-21 0 16,21 0-16,0 0 0,0 1 15,0-1 1,21-21-16,0 21 0,1-21 16,-1 0-16,0 0 15,0 0-15,0 0 0,-21-21 16,0 0-16,21 21 0,-21-22 15,22 22-15,-22-21 0,0 0 0,0 0 16,0 0-16,0 0 0,0-1 16,0 1-16,0 0 0,-22 0 15,1 0-15,21 0 0,-21 21 16,21-22-16,-21 22 0,0 0 16,42 0 15,0 0-31,0 0 0,0 0 0,1-21 15,-1 21-15,0 0 0,0-21 16,0 21-16,22-21 0,-22 21 16,0 0-16,0 0 0,0 0 15,0 0-15,1 0 0,-22 21 0,21 0 16,-21 0-16,0 1 0,21-1 16,-21 0-16,0 0 0,0 0 15,0 0-15,0 1 0,0-1 0,0 0 16,0 0-16,0 0 0,0 0 15,0 1-15,-21-22 0,21 21 16,0 0-16,0 0 16,-21-21-16,21-21 47,0 0-47,0 0 15,0-1-15,0 1 0,21 0 0,0 0 16,0 0-16,0 0 0,0-22 0,22 22 15,-22 0-15,21-21 0,-21 20 16,22-20-16,-1 21 0,0 0 0,1 0 16,-1 21-16,-21 0 0,22 0 0,-1 0 15,-21 0-15,0 0 0,0 21 0,-21 0 16,0 0-16,0 21 0,0-20 0,0-1 16,0 0-16,0 21 0,-21-21 0,0 1 15,0-1-15,0 0 0,21 0 16,-21 0-16,-1 0 0,1 1 15,21-1-15,-21-21 16,21 21-16,0-42 47,0 0-31,0-1-16,0 1 0,0 0 15</inkml:trace>
   <inkml:trace contextRef="#ctx0" brushRef="#br0" timeOffset="124391.93">19621 10224 0,'0'0'0,"-21"-22"0,0 1 16,0 0-16,0 21 0,0-21 15,-1 21 1,1 0 15,0 0 0,0 21-31,0-21 0,0 0 16,-1 21-16</inkml:trace>
-  <inkml:trace contextRef="#ctx0" brushRef="#br0" timeOffset="124607.91">18097 10499 0,'-21'0'0,"42"0"0,-84 21 0,42-21 0,0 0 16,42 0 15,0 0-31,0 0 0,21-21 0,-20 21 16,20 0-16,-21-21 15,21 21-15,1 0 0,-22 0 0,21-22 16,1 22-16,-1-21 0,0 21 0,-21 0 16,22-21-16</inkml:trace>
+  <inkml:trace contextRef="#ctx0" brushRef="#br0" timeOffset="124607.9">18097 10499 0,'-21'0'0,"42"0"0,-84 21 0,42-21 0,0 0 16,42 0 15,0 0-31,0 0 0,21-21 0,-20 21 16,20 0-16,-21-21 15,21 21-15,1 0 0,-22 0 0,21-22 16,1 22-16,-1-21 0,0 21 0,-21 0 16,22-21-16</inkml:trace>
   <inkml:trace contextRef="#ctx0" brushRef="#br0" timeOffset="125068.13">20235 9652 0,'0'0'0,"-21"-21"0,21-21 16,21 42-1,0 0-15,1 0 16,-1 0-16,21 0 0,0 21 15,1 0-15,-1 0 0,0 0 0,1 22 16,-1-1-16,0 0 0,-20 1 16,20 20-16,-21-21 0,21 22 0,-20-1 15,-1-20-15,0 20 0,-21 1 0,0-1 16,0 1-16,0-1 0,0 1 16,0-1-16,-21 1 0,0-22 0,-1 22 15,1-22-15,0 0 0,-21 1 0,-1-1 16,22 0-16,-21-21 0,0 22 0,-1-22 15,22 21-15,-21-21 0,-1 1 0,22 20 16,0-21-16,-21 0 0,21-21 0,-1 21 16,22 1-16,-21-22 0,0 21 15,21-42 32,21 21-47,0-22 16,1 1-16,-22 0 0,21 21 0</inkml:trace>
   <inkml:trace contextRef="#ctx0" brushRef="#br0" timeOffset="142439.9">2900 12531 0,'0'-21'31,"0"-1"-16,0 1 1,0 0-16,0 0 16,0 0-16,0 0 0,0-1 15,0 1-15,0 0 16,0 0-16,0 0 0,-21 21 16,21-21-16,-22-1 15,22 44 32,0-1-47,0 0 0,0 0 16,0 21-16,0 1 0,0-22 0,0 21 15,0 1-15,0 20 0,0-21 16,0 22-16,-21-22 0,21 22 0,-21-1 16,21-20-16,-21 20 0,21-21 15,0 1-15,-21-1 0,21 0 0,-21 1 16,21-22-16,0 21 0,0-21 0,-22 1 15,22-1-15,0 0 0,0 0 16,-21-21-16,21 21 0,0-42 63,0 0-48,21 21-15,1-21 0,-22 0 0,21-1 16,0 1-16,-21 0 0</inkml:trace>
   <inkml:trace contextRef="#ctx0" brushRef="#br0" timeOffset="142932.14">3260 12954 0,'0'21'32,"21"-21"-1,0 0-16,0 0-15,0 0 16,-21-21-16,21 21 0,1-21 16,-1 21-16,-21-21 0,21 0 15,-21-1-15,21 22 0,-21-21 16,0 0 0,-21 0-16,0 21 15,0 0-15,-1 0 16,1 0-16,21 21 0,-21-21 15,21 21-15,0 0 0,-21-21 0,21 22 16,0-1-16,0 0 0,0 0 16,0 0-1,21-21 32,-21-21-47,21 21 0,-21-21 16</inkml:trace>
@@ -1254,11 +1300,11 @@
   <inkml:trace contextRef="#ctx0" brushRef="#br0" timeOffset="148019.6">3154 14669 0,'-21'-22'0,"42"44"0,-64-44 16,22 22-16,0-21 0,0 0 15,0 21-15,21-21 0,-21 0 16,21 0-16,0-1 0,0 1 0,0 0 16,0 0-16,0 0 15,21 21-15,0-21 0,0 21 16,21 0-16,-20 21 0,20 0 15,-21 21-15,21-21 0,1 22 0,-22 20 16,21-20-16,-21 20 0,1-21 0,-22 22 16,0-1-16,0 1 0,0-1 15,-22 1-15,1-22 0,-21 22 16,21-22-16,-22 22 0,22-22 0,-21-21 16,0 21-16,20-20 0,-20 20 15,21-42-15,-21 21 0,20 0 0,-20-21 16,21 0-16,0 0 0,0 0 0,-1-21 15,1 0-15,0 0 0,0 0 16,21-22-16,0 1 0,0 0 0,0-1 16,0 1-16,0-22 0,0 22 15,21 0-15,-21-1 0,21 22 16,0-21-16,1 21 0,-1 21 0,0 0 0,21 0 16,-21 0-16,1 0 15,-1 21-15,0 0 0,0 21 0,0-20 16,0 20-16,1-21 0,-1 21 0,-21 1 15,21-1-15,-21 0 0,21 1 16,-21-22-16,0 21 0,21-21 0,0 1 16,-21-1-16,22 0 0,-22 0 15,21 0-15,0-21 0,0 0 16,0 0-16,0 0 0</inkml:trace>
   <inkml:trace contextRef="#ctx0" brushRef="#br0" timeOffset="148184.04">4127 15028 0,'0'0'0,"0"-21"31,-21 0-15,21 0-1,0 0-15,0 0 16</inkml:trace>
   <inkml:trace contextRef="#ctx0" brushRef="#br0" timeOffset="149939.1">5736 14245 0,'0'0'0,"21"-42"0,0 21 15,1-22-15,-22 1 0,21 21 16,-21-21-16,0-1 0,0 22 0,0 0 16,0 0-16,-21 0 0,-1-1 0,-20 22 15,0 0-15,-1 0 0,1 0 16,-21 22-16,-1-1 0,1 0 0,20 0 16,1 0-16,-22 0 0,22 22 0,21-22 15,0 21-15,-22-21 0,43 22 16,0-22-16,0 21 0,0-21 15,22 22-15,-1-22 0,0 21 0,21 1 16,1-22-16,20 21 0,-21-21 16,22 22-16,-22-22 0,22 21 0,-22-21 15,0 0-15,1 1 0,-22 20 0,0-21 16,-21 0-16,0 0 0,0 1 0,0-1 16,-21 0-16,-21-21 0,-1 21 15,1 0-15,0 0 0,-1-21 0,-20 0 16,20 0-16,-20 0 0,21 0 0,-1 0 15,-20 0-15,20 0 16,1-21-16,0 0 0,-1 0 0,1 0 16,21 0-16,-21-1 0,20-20 0,1 21 15,0-21-15,0 20 0,21 1 16,0 0-16,0 0 0,0 0 0,21 21 16,0 0-16,0 21 0,1 0 15,-1 0-15,0 0 0,0 22 16,21-22-16,-20 21 0,-1-21 0,21 1 15,-21 20-15,0-21 0,22 0 0,-22 0 16,21 1-16,1-1 0,-1-21 16,0 21-16,1-21 0,-1 0 0,0 0 15,1 0-15,-1 0 0,0-21 16,22 0-16,-22-1 0,0 1 0,1 0 16,-1 0-16,0-21 0,1-1 15,-1 1-15,-21 0 0,22-1 0,-22-20 16,0-1-16,0 1 0,0 20 0,0-20 15,-21-1-15,0 22 0,0 0 16,0-1-16,0 1 0,0 21 0,0 0 16,0 42-1,0 21-15,0-21 16,0 22-16,0-1 0,0 22 16,0-22-16,0 21 0,0-20 0,0 20 15,0-20-15,-21 20 0,21-21 16,-21 22-16,21-22 0,-21 1 0,21-22 15,0 21-15,0-21 0,0 0 16,0 1-16,0-1 0,0-42 31,0-1-15,0 1-16,0-21 0,0 21 0,21-22 16,0 1-16,-21 0 0,21-1 0,1 1 15,-1 0-15,0 21 0,0-22 16,0 22-16,0 0 0,1 0 0,-1 0 15,0 21-15,0 0 0,0 0 16,-21 21-16,21 0 0,-21 0 16,0 0-16,0 0 0,-21 1 15,0-1-15,0 0 0,0 0 16,0 0-16,-1 0 0,-20 1 16,21-22-16,0 21 0,0-21 15,-1 0-15,1 0 16,21 21 15,0 0-31,21 0 16,1 0-16,-1 1 15,-21-1-15,21-21 0,0 21 0,0-21 16,0 21-16,1-21 0,-1 0 16,0 0-16,0 0 0,21 0 0,-20 0 15,20 0-15,0 0 0,1 0 16,-22-21-16,21 21 0,0-21 0,1 0 15,-22-1-15,21 1 0,1 0 0,-22 0 16,21 0-16,-21-22 0,0 22 0,1-21 16,-22 21-16,21-22 0,-21 22 15,21-21-15,-21 21 0,0 0 0,0-1 16,0 1-16,0 42 16,0 1-1,0 20 1,-21-21-16,21 0 0,0 0 0,0 22 15,0-22-15,0 0 0,0 21 0,0-20 16,0-1-16,0 0 0,21 0 0,0 0 16,0 0-16,0 1 0,1-22 15,-1 0-15,21 21 0,-21-21 0,22 0 16,-1 0-16,-21 0 0,21-21 0,1 21 16,-1-22-16,0 1 0,-20 0 0,20 0 15,-21 0-15,21 0 0,-20-1 16,-1-20-16,0 21 0,0-21 0,-21 20 15,0 1-15,21-21 0,-21 21 0,0 0 16,0-1-16,0 44 31,0-1-31,0 0 0,0 21 16,0-21-16,0 22 0,0-1 0,0-21 16,0 22-16,0-1 0,0 0 0,0 1 15,-21-1-15,21 0 0,0 22 16,0-22-16,0 22 0,0-22 0,-21 21 15,21-20-15,-21 20 0,21 1 0,-21-22 16,21 0-16,0 1 0,0-1 0,0 0 16,-22 1-16,22-22 0,0 0 0,0 0 15,0 0-15,0 1 16,0-44 15,0 1-31,0 0 16,0 0-16,0 0 0</inkml:trace>
-  <inkml:trace contextRef="#ctx0" brushRef="#br0" timeOffset="150279.92">7789 14393 0,'0'0'0,"0"-21"0,21 21 0,1-21 16,-1 21 0,0 0-16,0 0 0,0 0 0,0 21 15,1-21-15,-1 21 0,0 1 0,0 20 16,0-21-16,0 21 0,-21-20 16,0 20-16,22-21 0,-22 21 0,0 1 15,0-22-15,0 21 0,-22-21 0,22 1 16,-21-1-16,-21 21 0,21-21 15,0 0-15,-1-21 0,-20 22 0,21-1 16,0-21-16,-22 0 0,22 21 16,0-21-16,0 0 0,0 0 0,0 0 15,-1 0-15,1 0 0,0-21 0,21 0 16,-21 21-16,0-22 0,0-20 0,21 21 16,-22 0-16</inkml:trace>
+  <inkml:trace contextRef="#ctx0" brushRef="#br0" timeOffset="150279.91">7789 14393 0,'0'0'0,"0"-21"0,21 21 0,1-21 16,-1 21 0,0 0-16,0 0 0,0 0 0,0 21 15,1-21-15,-1 21 0,0 1 0,0 20 16,0-21-16,0 21 0,-21-20 16,0 20-16,22-21 0,-22 21 0,0 1 15,0-22-15,0 21 0,-22-21 0,22 1 16,-21-1-16,-21 21 0,21-21 15,0 0-15,-1-21 0,-20 22 0,21-1 16,0-21-16,-22 0 0,22 21 16,0-21-16,0 0 0,0 0 0,0 0 15,-1 0-15,1 0 0,0-21 0,21 0 16,-21 21-16,0-22 0,0-20 0,21 21 16,-22 0-16</inkml:trace>
   <inkml:trace contextRef="#ctx0" brushRef="#br0" timeOffset="150476.81">7366 13780 0,'0'0'0,"-42"0"16,20 0-1,1 0-15,0 0 16,21 21-16,-21 0 15,0 0-15,21 0 16,0 0-16</inkml:trace>
   <inkml:trace contextRef="#ctx0" brushRef="#br0" timeOffset="151343.24">2942 16658 0,'0'21'16,"0"-42"-1,21 21 1,0-21-16,-21 0 0,22 0 0,-1 0 15,0 21-15,0-22 0,0 1 16,0 21-16,1 0 0,-1 0 0,0 0 16,0 0-16,0 21 0,0 1 15,-21-1-15,0 21 0,0-21 0,0 22 16,0-1-16,-21 0 0,0 1 16,0 20-16,0-21 0,0 1 0,-22-1 15,22-21-15,0 22 0,-21-22 16,20 21-16,1-21 0,0-21 15,21 21-15,0 1 0,-21-22 0,42-22 47,0 22-47,0-21 0,1 21 0,20 0 16,-21 0-16,21 0 0,1 0 16,-22 21-16,21 1 0,-21-22 0,22 21 15,-22 0-15,0 0 0,-21 0 16,0 0-16,0 22 0,0-22 0,0 0 15,-21 21-15,-21-20 0,20 20 16,1-21-16,-21 21 0,21-20 16,0-1-16,-22 0 0,22 0 0,0 0 15,-21-21-15,20 0 0,1 0 16,0 0-16,0 0 0,0 0 0,0 0 16,21-21-16,-22 21 15,22-21-15,0 0 0,0 0 0,0-1 16,0 1-16,22 0 0,-1 0 15,-21 0-15,21 0 0,21-1 16,-21 1-16</inkml:trace>
   <inkml:trace contextRef="#ctx0" brushRef="#br0" timeOffset="151519.14">3641 17082 0,'0'0'0,"21"0"0,0 0 63,-21 21-48,21-21-15,0 0 16</inkml:trace>
-  <inkml:trace contextRef="#ctx0" brushRef="#br0" timeOffset="151887.92">5080 16171 0,'-21'-42'0,"42"84"0,-85-105 0,22 21 0,0 20 15,-1-20-15,1 0 0,0 21 0,21-1 16,-22 22-16,22 0 0,0 0 16,0 0-16,21 22 0,0 20 15,0 0-15,0 1 0,0 20 16,21 1-16,0 20 0,0-20 0,0 20 16,1 1-16,20-21 0,-21 20 15,0 1-15,-21 0 0,21-22 0,-21 22 16,22-22-16,-22 1 0,0-22 0,0 0 15,0 1-15,0-1 0,0-21 16,0 0-16,0 1 0,0-44 31,0 1-31,0 0 16</inkml:trace>
+  <inkml:trace contextRef="#ctx0" brushRef="#br0" timeOffset="151887.91">5080 16171 0,'-21'-42'0,"42"84"0,-85-105 0,22 21 0,0 20 15,-1-20-15,1 0 0,0 21 0,21-1 16,-22 22-16,22 0 0,0 0 16,0 0-16,21 22 0,0 20 15,0 0-15,0 1 0,0 20 16,21 1-16,0 20 0,0-20 0,0 20 16,1 1-16,20-21 0,-21 20 15,0 1-15,-21 0 0,21-22 0,-21 22 16,22-22-16,-22 1 0,0-22 0,0 0 15,0 1-15,0-1 0,0-21 16,0 0-16,0 1 0,0-44 31,0 1-31,0 0 16</inkml:trace>
   <inkml:trace contextRef="#ctx0" brushRef="#br0" timeOffset="152166.76">4805 16595 0,'0'0'0,"0"-64"0,0 1 0,-21-1 0,-1 1 16,22-1-16,0 22 0,0 0 0,0-22 16,0 22-16,0 21 0,22-22 15,-1 22-15,0 0 0,0 0 0,21 21 16,1 0-16,-1 0 0,0 0 0,1 21 16,20 0-16,-20 21 0,-1-20 15,0 20-15,-21 0 0,22 22 0,-22-22 16,-21 0-16,0 1 0,0 20 15,0-20-15,-42-1 0,20 0 16,-20 1-16,21-1 0,-21 21 0,-1-41 16,22 20-16,-21 0 0,-1-21 0,22 22 15,0-22-15,0 0 0,0 0 16,42-21 0,0 0-16</inkml:trace>
   <inkml:trace contextRef="#ctx0" brushRef="#br0" timeOffset="154367.53">5609 16933 0,'0'0'0,"42"0"16,-20-21-16,-22 0 16,0 0-16,21 0 15,-21 0-15,0-1 0,0 1 0,0-21 16,0 21-16,0 0 0,-21-22 0,21 22 15,-22 0-15,1 0 0,0 21 16,0 0-16,0 0 0,0 0 16,-1 0-16,1 21 0,0 0 15,0 21-15,0-20 0,0 20 0,21 0 16,-22 1-16,1-1 0,0 0 0,21 1 16,0-1-16,-21 0 0,21 1 15,0-22-15,0 21 0,0-21 16,0 0-16,0 1 0,0-1 0,21-21 15,0 0-15,0 0 0,1 0 16,-1 0-16,0 0 0,0-21 16,0-1-16,0 1 0,22-21 0,-22 21 15,0-22-15,0 22 0,22-21 0,-43 0 16,21-1-16,-21 1 0,21 0 16,-21 20-16,0 1 0,0-21 0,0 21 15,0 42 1,0 0-1,0 0-15,0 0 0,0 1 16,-21-1-16,21 0 0,0 0 0,0 21 16,0-20-16,0-1 0,0 0 0,0 0 15,21 0-15,0 0 0,0 1 16,0-22-16,22 0 0,-22 0 16,0 0-16,21 0 0,1 0 0,-22-22 15,21 1-15,1 0 0,-1 0 16,0 0-16,-21 0 0,22-1 15,-22-20-15,0 21 0,0-21 0,-21 20 16,0-20-16,0 21 0,0 0 16,0 0-16,0-1 0,-21 22 15,0 0-15,0 0 0,0 0 0,-1 0 16,1 22-16,0-22 16,21 21-16,-21 0 0,21 0 0,0 0 15,0 0-15,21 1 0,0-1 16,0-21-16,1 21 0,-1 0 0,21 0 15,-21 0-15,0-21 0,1 22 16,-1-1-16,0 0 0,0 0 0,0 0 16,0-21-16,-21 21 0,22 1 0,-22-1 15,0 0-15,0 0 16,0 0-16,0 0 16,21-21-16,0 0 0,0 0 15,0 0-15,0 0 16,1 0-16,-1 0 0,0-21 0,21 21 15,-21-21-15,22 0 0,-1 0 0,0 0 16,1-1-16,-1 1 0,-21-21 0,22 21 16,-22-22-16,21 22 0,-21-21 15,0 21-15,-21-22 0,0 22 0,0 0 16,0-21-16,0 21 0,0-1 16,0 1-16,-21 21 15,0 0-15,0 0 0,0 21 16,-22 1-16,22-1 0,0 0 15,-21 21-15,21-21 0,-1 1 0,1 20 16,0-21-16,0 0 0,21 22 16,-21-22-16,21 0 0,0 0 0,0 0 15,0 0-15,21 1 16,0-22-16,0 0 0,0 0 16,1-22-16,-1 1 0,0 21 0,0-21 15,0 0-15,0 0 0,1 0 0,-1-1 16,0-20-16,-21 21 0,0 0 15,21-22-15,0 22 0,-21 0 16,0 0-16,0 0 0,0 0 0,21-1 0,-21 44 31,0-1-15,0 0-16,0 21 0,0-21 16,-21 1-16,21 20 0,0-21 0,0 0 15,0 22-15,0-22 0,0 21 0,0-21 16,0 0-16,0 1 0,21-1 15,1-21-15,-1 21 0,0-21 0,0 0 16,0 0-16,0 0 0,22 0 0,-22 0 16,0-21-16,0 21 0,22-21 15,-22-22-15,0 22 0,0 0 0,0-21 16,0-1-16,1 1 0,-1 0 16,0-1-16,0-20 0,-21 20 0,0-20 15,21-1-15,0 22 0,-21-21 16,0-1-16,22 1 0,-1-1 0,-21 22 15,21-1-15,-21 1 0,0 21 0,0 0 16,0 42 0,0 0-16,0 21 15,0-20-15,0 20 0,0 21 0,0-20 16,0-1-16,-21 22 0,21-22 0,-21 21 16,21 1-16,0-22 0,-22 22 0,22-22 15,0 0-15,0 1 0,0-1 16,0 0-16,0 1 0,0-22 15,0 21-15,22-21 0,-1-21 0,0 22 16,0-22-16,0 0 0,0 0 0,1 0 16,20 0-16,0 0 0,-21-22 15,22 1-15,-22-21 0,21 21 0,1-22 16,-22 1-16,21 0 0,-21-22 0,22 22 16,-22-22-16,0 1 0,0-1 0,0 1 15,0-22-15,1 22 16,-1-1-16,0 1 0,-21-1 0,21 1 15,-21 20-15,0 22 0,0-21 0,0 21 16,0 42 0,0 0-16,0 0 0,-21 22 15,21-1-15,0 0 0,-21 1 0,21 20 16,-21-21-16,21 22 0,-22-22 0,22 22 16,0-1-16,0-20 0,-21-1 15,21 21-15,0-20 0,0-1 0,0 0 16,0 1-16,0-1 0,0 0 0,0-20 15,0-1-15,0 0 0,0 0 0,21 0 16,1 0-16,-1-21 0,0 0 16,0 0-16,0 0 0,22 0 0,-22 0 15,21-21-15,-21 0 0,22 0 16,-22 0-16,21-22 0,-21 22 0,22-21 16,-22 21-16,0-22 0,0 22 0,-21-21 15,0 21-15,0 0 0,21-22 16,-21 22-16,0 0 0,-21 21 15,0 0-15,0 0 0,0 0 16,-1 21-16,1-21 0,0 21 0,0 0 16,0 1-16,21 20 0,-21-21 15,21 0-15,-22 22 0,22-22 0,0 21 16,0-21-16,0 0 0,0 22 0,0-22 16,0 0-16,0 0 0,0 0 15,22 1-15,-1-22 16,0 0-16,21 0 0,-21 0 15,1 0-15,20-22 0,-21 1 0,21 0 16,-20 0-16,20 0 0,-21 0 0,0-1 16,22-20-16,-22 21 0,0-21 15,21-1-15,-21 1 0,1-22 0,-1 22 16,0 0-16,-21-22 0,21 22 0,-21-22 16,21 1-16,-21 21 0,21-22 0,-21 22 15,0-1-15,0 1 0,0 21 16,0 0-16,0 0 0,0 42 15,0 21 1,0-21-16,-21 22 0,21-1 0,-21 21 16,0-20-16,0-1 0,0 22 0,-1-1 15,1-21-15,0 22 0,0-1 16,0-20-16,0 20 0,21-20 0,-22-1 16,22 21-16,0-20 0,0-1 0,0-21 15,0 22-15,22-22 0,-1 0 0,0 0 16,0 0-16,21 0 0,1-21 15,-22 0-15,21 0 0,1 0 0,-22 0 16,21-21-16,-21 0 0,22 0 0,-22 0 16,0 0-16,0-1 0</inkml:trace>
   <inkml:trace contextRef="#ctx0" brushRef="#br0" timeOffset="157475.78">9779 16256 0,'-21'0'0,"42"-21"31,0 21-31,0-21 16,0 0-16,22-1 0,-22 1 0,21 0 16,1 0-16,-22 0 0,21-22 0,0 22 15,-20-21-15,-1 21 0,0 0 16,0-22-16,-21 22 0,0-21 0,0 21 15,0-1-15,-21 1 0,0 21 0,0 0 16,-1 0-16,-20 0 0,0 0 16,-1 0-16,22 21 0,-21 1 15,0-1-15,-1 21 0,1 0 0,21-20 16,0 20-16,-22 0 0,43 1 0,-21-22 16,21 21-16,0-21 0,0 0 0,0 22 15,0-22-15,21 0 16,0 0-16,1-21 0,-1 0 0,21 21 15,-21-21-15,0 0 0,22 0 0,-22 0 16,0 0-16,0 0 0,-21 22 31,-21-1-31,0-21 0,-21 21 16,20 0-16,-20 21 0,21-20 16,-21-1-16,20 21 0,-20 0 0,21-20 15,0 20-15,0 0 0,-1-21 16,22 22-16,-21-22 0,21 21 0,0-21 15,0 1-15,0-1 0,21-21 0,1 0 16,-1 0-16,0 0 0,21 0 0,-21 0 16,22 0-16,-22-21 0,21 21 15,1-22-15,-22 1 0,21-21 0,-21 21 16,0 0-16,22-1 0,-22-20 0,0 21 16,21-21-16,-20-1 0,-1 22 15,0-21-15,21 21 0,-21-1 16,1 1-16,-1 0 0,0 21 0,0 0 15,0 0-15,0 0 0,1 0 0,-1 0 16,-21 21-16,0 0 0,0 1 16,0-1-16,0 0 0,0 0 0,0 0 15,0 22-15,0-22 0,0 0 0,-21 21 16,-1-21-16,22 1 0,-21-1 0,21 21 16,0-21-16,0 0 15,-21 1-15,42-22 31,-21-22-31,21 1 0,1 0 0,-1 0 16,0 0-16,0-22 16,0 22-16,0-21 0,22 0 0,-22 20 15,0-20-15,0 0 0,0 21 0,1-22 16,-1 22-16,0 0 0,-21 0 16,0 0-16,-21 42 15,0 0 1,-1 0-16,22 0 0,-21 0 0,0 1 15,0 20-15,0-21 0,21 21 16,0-20-16,-21 20 0,21-21 0,0 21 16,0-20-16,0-1 0,0 0 0,0 0 15,21 0-15,0 0 0,21 1 0,-21-22 16,22 0-16,-22 0 16,21 0-16,1 0 0,-1 0 0,0 0 15,-21-22-15,22 1 0,-1 0 0,-21 0 16,0 0-16,1 0 0,-1-1 0,-21 1 15,0 0-15,0 0 0,0-21 16,0 20-16,0 1 0,0 0 0,0 0 16,0 0-16,-21 0 0,-1 21 0,1 0 15,0 0-15,21 21 0,-21-21 16,21 21-16,0 0 0,-21 0 16,21 22-16,0-22 0,0 0 0,0 21 15,0-21-15,0 1 0,0-1 0,0 21 16,21-21-16,0 0 0,0 1 15,-21-1-15,43-21 0,-22 21 16,0-21-16,0 0 0,21 0 0,-20 0 16,-1 0-16,0 0 0,21 0 0,-21-21 15,1 0-15,-1 21 0,0-22 0,0 1 16,0 0-16,0 0 0,1 0 16,-1-22-16,0 22 0,0 0 15,-21 0-15,21-21 0,0 20 0,1 1 0,-1 0 16,-21 0-16,21 21 0,0 0 15,0 0 1,-21 21 0,0 0-1,0 0 1,0-42 31,0 0-47,0 0 15,0 0-15,0 0 16,-21 21 0,0 0-16,0 0 15,0 21-15,-1-21 16,22 21-16,-21 0 0,0 0 16,21 0-16,0 1 0,-21 20 0,0-21 15,21 0-15,0 22 0,0-22 0,0 0 16,0 0-16,0 0 0,0 0 0,0 1 15,21-1-15,0 0 0,0-21 16,22 0-16,-22 21 0,0-21 0,0 0 16,0 0-16,22 0 0,-22 0 0,0-21 15,0 21-15,0-21 0,0 0 0,1-1 16,-1 1-16,-21 0 0,21 0 16,0 0-16,-21 0 0,0-22 0,0 22 15,21 21-15,-21-21 0,21 0 16,-21 42 15,0 0-31,0 0 0,0 0 16,-21 1-16,21-1 0,0 0 0,-21 0 15,21 0-15,0 0 0,0 1 0,0-1 16,0 0-16,0 0 0,21-21 0,0 21 16,1-21-16,-1 0 0,0 0 15,0 0-15,21 0 0,-20 0 0,-1 0 16,0-21-16,21 0 0,-21 21 0,1-21 15,-1 0-15,0-1 0,0 1 16,0 0-16,-21-21 0,21 21 16,1-1-16,-22 1 0,21 0 0,-21 0 15,0 0-15,0 0 0,0 42 32,0 0-32,-21 0 15,21 0-15,0 0 0,0 1 16,0-1-16,0 0 0,0 0 0,0 0 15,0 0-15,0 1 0,0-1 0,0 0 16,21 0-16,0-21 0,0 21 0,0-21 16,0 0-16,1 0 0,-1 0 15,0 0-15,0 0 0,21 0 0,-20-21 16,-1 0-16,0 0 0,0 0 16,0-1-16,0 1 0,-21-21 0,22 0 15,-1 20-15,0-20 0,0-21 16,0 20-16,0 1 0,22-22 0,-22 1 15,0-1-15,0 1 0,-21-1 0,21 1 16,1-1-16,-22 1 0,21 21 0,-21 20 16,0-20-16,0 21 0,0 0 0,0 42 31,0 0-31,0 21 0,-21-20 0,-1 41 16,22-21-16,-21 1 0,0 20 0,0-20 15,21 20-15,0-21 0,-21 22 0,21-22 16,0 22-16,-21-22 15,21 0-15,0 1 0,0-1 0,0 0 16,0 1-16,0-22 0,0 21 0,0-21 16,0 1-16,21-22 0,0 21 0,0-21 15,0 0-15,0 0 16,1 0-16,-1-21 0,0-1 0,0 22 16,0-21-16,0 0 0,1-21 0,-1 21 15,0-1-15,0 1 0,-21-21 16,21 21-16,0 0 0,1-1 15,-22 44 17,0-1-32,0 0 0,0 0 15,0 0-15,0 0 0,0 1 0,0-1 16,0 0-16,0 0 16,0 0-16,21-21 0,0 21 15,0-21-15,0 0 0,0 0 16,1 0-16,-1 0 0,0 0 0,-21-21 15,21 0-15,0 21 0,0-21 16,1 0-16,-1 0 0,-21-1 0,21 1 16,0 0-16,0 0 0,0 0 15,-21 0-15,22-1 0,-22 44 32,0-1-17,0 0-15,0 0 0,0 0 16,-22 0-16,22 1 0,0-1 0,0 0 15,0 0-15,0 0 0,0 0 0,22-21 16,-1 22-16,-21-1 0,21-21 16,0 0-16,0 0 0,0 0 15,-21-21 1,0-1-16,0 1 0,0 0 16,-21 0-16,21 0 0,-21 0 15,21-1-15,-21 1 0,21 0 16,0 0-16,0 0 0,0-22 0,0 22 0,0 0 15,0 0-15,0 0 0,0 0 16,21-1-16,0 22 0,0-21 0,1 0 16,-1 21-16,21 0 0,-21 0 15,0 0-15,22 0 0,-22 0 0,0 0 16,0 21-16,0 0 0,1-21 0,-1 22 16,0-1-16,-21 0 0,0 0 0,0 0 15,0 0-15,0 1 0,0 20 0,0-21 16,0 0-16,0 0 0,-21 1 15,0-1-15,21 0 0,-22-21 0,1 21 16,0-21 0,0 0-16,0 0 0,21-21 31,0 0-31,0 0 0,0-1 16,21 1-16,0 0 0,0 0 0,0 0 15,1-22-15,-1 22 0,21-21 0,-21 21 16,22-22-16,-22 22 0,21 0 0,-21 0 15,22 21-15,-22 0 0,0 0 16,21 0-16,-21 21 0,-21 0 16,0 0-16,0 1 0,0-1 0,0 21 15,0-21-15,-21 0 0,21 22 0,-21-22 16,21 0-16,-21 0 0,21 0 16,0 1-16,-21-1 0,21 0 15,-21-21-15,21 21 0,0-42 31,0 0-31,0 0 16,0-1-16,0 1 0,-22 0 0</inkml:trace>
@@ -1340,7 +1386,7 @@
   <inkml:trace contextRef="#ctx0" brushRef="#br0" timeOffset="9000.21">5461 3556 0,'0'0'0,"21"-21"16,-21 0-16,0 0 0,21 21 15,-21-22-15,0 1 0,0 0 0,0 0 16,0 0-16,0-22 0,0 22 0,-21 0 16,0 0-16,0 0 0,21 0 15,-21-1-15,-1 1 0,1 21 0,-21 0 16,21 0-16,0 0 0,-22 21 15,22 1-15,-21-1 0,-1 0 0,22 21 16,0-21-16,-21 22 0,21-1 0,-1 0 16,1 1-16,21 20 0,0-20 15,0-22-15,0 21 0,0 0 0,0 1 16,0-22-16,0 0 0,0 0 0,21 0 16,22 1-1,-22-22-15,0 0 0,0 0 0,0 0 16,22 0-16,-22 0 0,0 0 0,21-22 0,-20 1 15,-1 21-15,0-21 0,0 0 16,0-21-16,0 20 0,1 1 16,-1-21-16,0 0 0,-21 20 0,0-20 15,0 0-15,0-1 0,0 22 0,0-21 16,0 21-16,0 0 0,0-1 16,0 44-1,0-1-15,0 0 0,0 0 16,0 0-16,0 22 0,0-22 0,0 0 15,0 21-15,0-21 0,0 1 16,21 20-16,0-21 0,-21 0 0,21 0 16,1 1-16,-1-1 15,0 0-15,0 0 16,0-21-16,0 0 0,1 0 16,-1 0-16,0 0 0,0 0 15,0 0-15,-21-21 0,21 0 0,1 0 16</inkml:trace>
   <inkml:trace contextRef="#ctx0" brushRef="#br0" timeOffset="9408.5">5884 3387 0,'0'0'0,"0"-21"0,0-1 16,0 44 15,0-1-31,0 0 0,0 0 0,0 0 16,0 0-16,0 1 0,21 20 15,-21-21-15,0 0 0,22 0 0,-22 22 16,0-22-16,0 0 0,0 0 0,0 0 16,0 1-16,21-1 0,-21 0 15,0 0-15,21-21 32,0 0-32,-21-21 15,0 0-15,21 0 0,-21-1 16,21 1-16,-21 0 0,0-21 15,22-1-15,-1 22 0,0-21 0,-21 0 16,0-1-16,21 1 0,0 21 0,-21-22 16,21 22-16,-21 0 0,0 0 15,22 0-15,-22 0 0,21-1 0,0 22 32,0 0-17,-21 22-15,0-1 0,0 0 16,21 0-16,-21 0 15,0 0-15,21-21 16</inkml:trace>
   <inkml:trace contextRef="#ctx0" brushRef="#br0" timeOffset="9800.27">6392 3662 0,'0'21'15,"21"-21"-15,1 0 16,-1 0-16,0-21 0,0 0 0,0 21 16,0-21-16,1-1 15,20 22-15,-21-21 0,0 0 0,0 0 0,1 0 16,-1 0-16,-21-1 0,0-20 0,0 21 16,0 0-16,0 0 15,0-1-15,0 1 0,-21 21 16,-1 0-16,1 0 0,0 0 15,0 21-15,0-21 0,0 22 0,-1-1 16,1 0-16,21 21 0,-21-21 16,21 22-16,-21-22 0,21 21 0,0-21 15,0 1-15,0 20 0,0-21 0,0 0 16,0 0-16,21 1 0,0-1 16,0-21-16,1 21 0,-1-21 0,21 0 15,-21 0-15,0 0 0,22 0 0,-1 0 16,-21 0-16,22 0 0,-1 0 0,-21-21 15,21 0-15,1-1 16,-22 22-16,21-42 0,-21 21 0,22 0 16,-22 0-16</inkml:trace>
-  <inkml:trace contextRef="#ctx0" brushRef="#br0" timeOffset="10248.37">7218 3323 0,'0'0'0,"0"21"31,-21 1-16,21-1-15,-22 0 0,22 21 16,0-21-16,0 1 0,0-1 16,0 21-16,-21-21 0,21 0 0,0 1 15,-21-1-15,21 21 0,0-21 16,0 0-16,-21 1 0,21-1 0,-21 0 16,21 0-16,0 0 15,-21-21 1,21-21-1,0 0-15,0 0 16,0 0-16,0-1 0,0 1 16,0-21-16,0 21 0,21-22 0,0 22 15,-21-21-15,21 0 16,0 20-16,0-20 0,1 0 0,-1 21 0,21-1 16,-21-20-16,0 21 0,22 21 15,-22 0-15,21 0 0,-21 0 0,1 0 16,20 21-16,-21-21 0,0 42 15,0-20-15,-21-1 0,0 21 0,0-21 16,0 22-16,0-22 0,0 21 0,0-21 16,0 22-16,0-22 0,0 0 0,-21 0 15,21 0-15,-21 0 0,21 1 16,-21-1-16,21 0 0,21-21 31,0-21-15</inkml:trace>
+  <inkml:trace contextRef="#ctx0" brushRef="#br0" timeOffset="10248.36">7218 3323 0,'0'0'0,"0"21"31,-21 1-16,21-1-15,-22 0 0,22 21 16,0-21-16,0 1 0,0-1 16,0 21-16,-21-21 0,21 0 0,0 1 15,-21-1-15,21 21 0,0-21 16,0 0-16,-21 1 0,21-1 0,-21 0 16,21 0-16,0 0 15,-21-21 1,21-21-1,0 0-15,0 0 16,0 0-16,0-1 0,0 1 16,0-21-16,0 21 0,21-22 0,0 22 15,-21-21-15,21 0 16,0 20-16,0-20 0,1 0 0,-1 21 0,21-1 16,-21-20-16,0 21 0,22 21 15,-22 0-15,21 0 0,-21 0 0,1 0 16,20 21-16,-21-21 0,0 42 15,0-20-15,-21-1 0,0 21 0,0-21 16,0 22-16,0-22 0,0 21 0,0-21 16,0 22-16,0-22 0,0 0 0,-21 0 15,21 0-15,-21 0 0,21 1 16,-21-1-16,21 0 0,21-21 31,0-21-15</inkml:trace>
   <inkml:trace contextRef="#ctx0" brushRef="#br0" timeOffset="10824.05">9080 2752 0,'0'0'0,"0"-21"16,0-1-16,0 1 0,-21 21 15,21-21-15,-21 21 0,0 21 16,21 0-16,-21 1 16,21-1-16,-21 63 15,21-41-15,0 20 0,0-20 0,0 20 16,-22 1-16,22-1 0,0 1 0,-21-1 16,21 1-16,0-1 0,0 1 0,0-22 15,-21 21-15,21-20 16,0-22-16,0 21 0,0 1 0,0-22 0,0 0 15,0 0-15,0 0 16,0-42 15,0 0-31,0 0 0,0 0 0</inkml:trace>
   <inkml:trace contextRef="#ctx0" brushRef="#br0" timeOffset="11176.51">8572 3006 0,'0'0'0,"-84"-64"16,63 22-16,-1 21 0,22 0 0,0-22 15,0 22-15,0 0 0,0-21 16,22 20-16,-1 1 0,21 0 16,0-21-16,1 21 0,20-1 0,1 22 15,-1-21-15,1 21 0,-1 0 0,1 0 16,-1 21-16,1 1 0,-22-1 15,22 21-15,-22-21 0,-21 22 0,21-1 16,-42 0-16,0 1 0,0-1 0,0 0 16,0 1-16,-21 20 0,0-21 15,-21 1-15,-1 20 0,1-20 16,0-1-16,-1-21 0,22 21 0,-21-20 16,0 20-16,20-21 0,1 0 0,0-21 15,0 21-15,42-21 31,0-21-31,0 0 0,1 21 16,20-21-16,-21 0 0,21 21 16,-20-21-16</inkml:trace>
   <inkml:trace contextRef="#ctx0" brushRef="#br0" timeOffset="11591.79">9419 3366 0,'21'0'32,"-21"-22"-32,21 22 0,1 0 15,-1 0-15,0 0 16,21 0-16,-21 0 0,1 0 0,-1 0 16,0 22-16,0-1 0,0 0 0,0 0 15,1 0-15,-22 22 0,21-22 0,-21 0 16,0 21-16,0-21 0,0 1 15,0 20-15,-21-21 0,-1 0 0,22 0 16,-21 1-16,0-1 0,21 0 16,-21-21-16,21 21 0,-21-21 15,21-21 1,0 0 0,0 0-16,21-1 0,0-20 15,0 21-15,0-21 0,-21-1 0,22 1 16,-1 0-16,21-1 0,-21 1 15,0 0-15,1 20 0,-1-20 0,0 21 16,0 0-16,0 0 0,-21-1 0,21 22 16,1 0-16,-22 22 15,0-1 1,21 0-16,0 0 16</inkml:trace>
@@ -1349,34 +1395,34 @@
   <inkml:trace contextRef="#ctx0" brushRef="#br0" timeOffset="12741.9">11155 2942 0,'0'0'0,"-21"0"0,-1 0 0,1 0 16,0 0 0,21 21 15,21-21-15,0 0-16,1 22 0,-1-22 15,0 21-15</inkml:trace>
   <inkml:trace contextRef="#ctx0" brushRef="#br0" timeOffset="13091.7">11451 3323 0,'21'0'15,"22"-42"1,-22 42-16,-21-21 0,21 0 0,0-1 15,-21 1-15,21 0 0,-21 0 16,0 0-16,21 0 0,-21-1 16,0 1-16,-21 21 15,0 0-15,0 0 16,0 0-16,0 21 0,-1 1 16,1-1-16,0 0 0,0 21 0,21-21 15,0 22-15,-21-1 0,21-21 0,0 22 16,0-1-16,0-21 0,0 0 0,0 0 15,0 1-15,0-1 0,21 0 16,0 0-16,0 0 0,0-21 16,1 0-16,-1 0 0,0 0 0,0 0 15,0 0-15,0 0 0,1-21 0,-1 21 16,0-21-16,21 0 16</inkml:trace>
   <inkml:trace contextRef="#ctx0" brushRef="#br0" timeOffset="13363.55">12150 3112 0,'0'0'0,"0"-22"0,0 1 0,0 0 0,0 0 16,-22 0-16,1 21 15,0 0-15,0 0 0,0 0 16,0 0-16,-1 0 0,22 21 16,0 0-16,-21 0 0,0 0 0,21 1 15,0 20-15,0-21 0,0 21 16,0-20-16,0 20 0,0 0 15,0-21-15,0 22 0,0-22 0,0 0 16,0 0-16,0 22 0,21-22 0,0-21 16,1 21-16,20 0 0,-21-21 15,21 0-15,1 0 0,-22 0 0,21 0 16,1 0-16,-1 0 0,0 0 0,-21-21 16,22 0-16,-22 0 0,0-1 0,21-20 15,-20 21-15</inkml:trace>
-  <inkml:trace contextRef="#ctx0" brushRef="#br0" timeOffset="13696.35">12954 2498 0,'0'0'0,"0"-43"0,0 22 16,0-21-16,-21 21 0,21 0 0,-21-1 16,-1 22-16,1 0 0,0 0 15,0 0-15,0 0 0,21 22 0,-21-1 16,-1 21-16,22 0 0,0 1 15,0-1-15,0 22 0,-21-22 0,21 21 16,0-20-16,0 20 0,0-20 0,0 20 16,0-21-16,0 22 0,0-22 0,21 22 15,-21-22-15,0 0 0,22 1 16,-1-1-16,0 0 0,-21 1 0,21-22 16,-21 21-16,21-21 0,0 1 15,-21-1-15,22-21 0,-1 21 0,0-21 16,0 0-16,0 0 15,0 0-15,1 0 0,-1 0 0,0 0 16,0-21-16,0 0 0,0-1 16,1 1-16,-1 0 0,-21 0 0,0 0 15,0 0-15,0-22 0</inkml:trace>
+  <inkml:trace contextRef="#ctx0" brushRef="#br0" timeOffset="13696.34">12954 2498 0,'0'0'0,"0"-43"0,0 22 16,0-21-16,-21 21 0,21 0 0,-21-1 16,-1 22-16,1 0 0,0 0 15,0 0-15,0 0 0,21 22 0,-21-1 16,-1 21-16,22 0 0,0 1 15,0-1-15,0 22 0,-21-22 0,21 21 16,0-20-16,0 20 0,0-20 0,0 20 16,0-21-16,0 22 0,0-22 0,21 22 15,-21-22-15,0 0 0,22 1 16,-1-1-16,0 0 0,-21 1 0,21-22 16,-21 21-16,21-21 0,0 1 15,-21-1-15,22-21 0,-1 21 0,0-21 16,0 0-16,0 0 15,0 0-15,1 0 0,-1 0 0,0 0 16,0-21-16,0 0 0,0-1 16,1 1-16,-1 0 0,-21 0 0,0 0 15,0 0-15,0-22 0</inkml:trace>
   <inkml:trace contextRef="#ctx0" brushRef="#br0" timeOffset="13924.22">12785 3027 0,'0'0'0,"-22"0"0,1 0 16,42 0-1,22-21-15,-22 21 0,21 0 16,1 0-16,-1-21 0,21 21 0,-20 0 16,20-22-16,-20 22 0,-1 0 0,0 0 15,1 0-15,-22-21 0,21 21 0,-21 0 16,0 0-1,-42 0 1</inkml:trace>
   <inkml:trace contextRef="#ctx0" brushRef="#br0" timeOffset="55656.28">4233 4826 0,'0'-21'16,"0"0"0,21 0-16,1-1 15,-22 1-15,0 0 0,21 21 16,-21-21-16,21 0 15,-21 0-15,0-1 0,21 1 16,-21 0 0,0 42 15,0 0-15,21 1-16,-21-1 0,0 21 0,0-21 15,0 22-15,0-1 0,0 0 0,0 1 16,0-1-16,0 0 0,0 1 15,0-1-15,0 0 0,0-21 0,0 22 16,21-1-16,-21-21 0,0 22 0,0-22 16,0 0-16,0 0 0,0 0 15,22 0-15,-22 1 0,0-1 0,0 0 16,0-42 46,0 0-62,0-1 0,21 1 16</inkml:trace>
   <inkml:trace contextRef="#ctx0" brushRef="#br0" timeOffset="56100.03">4868 5144 0,'0'21'0,"0"0"16,-21 0-16,21 0 15,0 0 1,21-21 15,0 0-31,1 0 0,-1-21 16,0 21-16,-21-21 0,0 0 15,0 0-15,0 0 16,0-1 0,0 1-16,-21 21 15,0 0-15,-1 0 0,1 0 16,21 21-16,-21 1 0,0-1 15,21 0-15,0 0 16,0 0-16,21-21 47,0 0-47,0 0 16</inkml:trace>
-  <inkml:trace contextRef="#ctx0" brushRef="#br0" timeOffset="58337.29">6308 5292 0,'0'0'0,"0"-21"0,21-1 16,0-20-1,-21 21-15,0-21 0,21 20 0,-21-20 0,21 0 16,-21-1-16,21-20 0,-21 21 15,0-1-15,0 1 0,0 0 0,0-1 16,0 1-16,0 0 0,0 20 16,0 1-16,0 0 0,0 0 15,0 0-15,-21 21 16,0 0-16,21 21 16,-21 0-16,21 0 15,0 22-15,-21-1 0,21 0 0,0 1 16,0 20-16,0 1 0,0-22 0,-21 21 15,21-20-15,0 20 0,0-20 16,0-1-16,0 0 0,0 1 0,0-1 16,0-21-16,0 0 0,21 0 0,0 1 15,-21-1-15,21 0 16,0-21-16,0 0 0,22 0 0,-22 0 16,0 0-16,21 0 0,-20-21 0,-1 0 15,21-1-15,0 1 0,-20 0 16,-1 0-16,21-21 0,-21 20 0,0-20 15,1 21-15,-22-21 0,0 20 0,21-20 16,-21 21-16,0 0 16,0 0-16,0 42 31,0 0-31,0 0 0,-21 0 0,21 0 16,0 1-16,0-1 0,-22 0 15,22 0-15,0 0 0,0 0 16,0 1-16,0-1 0,0 0 31,0-42 0,0 0-31,0-1 0,0 1 16,0 0-16,0 0 0</inkml:trace>
+  <inkml:trace contextRef="#ctx0" brushRef="#br0" timeOffset="58337.28">6308 5292 0,'0'0'0,"0"-21"0,21-1 16,0-20-1,-21 21-15,0-21 0,21 20 0,-21-20 0,21 0 16,-21-1-16,21-20 0,-21 21 15,0-1-15,0 1 0,0 0 0,0-1 16,0 1-16,0 0 0,0 20 16,0 1-16,0 0 0,0 0 15,0 0-15,-21 21 16,0 0-16,21 21 16,-21 0-16,21 0 15,0 22-15,-21-1 0,21 0 0,0 1 16,0 20-16,0 1 0,0-22 0,-21 21 15,21-20-15,0 20 0,0-20 16,0-1-16,0 0 0,0 1 0,0-1 16,0-21-16,0 0 0,21 0 0,0 1 15,-21-1-15,21 0 16,0-21-16,0 0 0,22 0 0,-22 0 16,0 0-16,21 0 0,-20-21 0,-1 0 15,21-1-15,0 1 0,-20 0 16,-1 0-16,21-21 0,-21 20 0,0-20 15,1 21-15,-22-21 0,0 20 0,21-20 16,-21 21-16,0 0 16,0 0-16,0 42 31,0 0-31,0 0 0,-21 0 0,21 0 16,0 1-16,0-1 0,-22 0 15,22 0-15,0 0 0,0 0 16,0 1-16,0-1 0,0 0 31,0-42 0,0 0-31,0-1 0,0 1 16,0 0-16,0 0 0</inkml:trace>
   <inkml:trace contextRef="#ctx0" brushRef="#br0" timeOffset="58523.84">6837 4826 0,'-21'-21'15,"-1"21"1,22-21 0,22 21 15,-1 21-16,0-21-15</inkml:trace>
   <inkml:trace contextRef="#ctx0" brushRef="#br0" timeOffset="59400.34">7133 5207 0,'21'0'16,"0"0"-16,1 0 16,-1-21-16,0 0 0,0 0 15,0-1-15,0 1 0,1 0 0,-1-21 16,21 21-16,-21-22 0,0 22 0,1-21 16,-1-1-16,0 1 0,-21 21 15,21-21-15,-21 20 0,0-20 0,0 0 16,0 21-16,0-1 0,-21-20 15,21 21-15,-21 0 0,0 0 16,-1 21 0,1 0-16,21 21 0,-21 0 15,21 21-15,0-21 0,0 22 16,0-1-16,0 22 0,0-22 0,-21 21 16,21 1-16,0-1 0,-21 22 0,21-21 15,0-1-15,0 1 0,-21-1 16,21 1-16,-22-1 0,22 22 0,-21-22 15,21 1-15,-21-1 0,21 1 0,0-1 16,0-20-16,0 20 0,0-21 0,0-20 16,0 20-16,0-21 15,0 0-15,0 0 0,21 1 0,0-22 16,1 0-16,-1 0 16,0 0-16,0 0 0,0-22 0,0 1 15,22 0-15,-22-21 0,0 21 16,21-22-16,-20 22 0,-1-21 0,21-1 15,-21 1-15,0 0 0,-21-1 0,0 1 16,0-21-16,0 20 0,0 22 16,0-21-16,0 21 0,-21-22 0,0 22 15,-21 0-15,21 21 0,-22-21 0,22 21 16,-21-21-16,21 21 0,-22 0 16,22 0-16,0 0 0,0 0 15,42 0 16,0 0-31,0 0 0,22-22 0,-1 22 16,0-21-16,1 0 0,-1 21 16,21-21-16,-20 0 0,-1 0 0,22-1 15,-22 1-15,21-21 0,-20 21 0,-22 0 16,21-1-16,-21 1 0,1 0 16,-22 0-16,0 0 0,0 0 0,0-1 15,-22 22-15,1 0 16,0 0-16,0 0 15,0 0-15,0 22 0,-1-1 0,1 0 16,0 0-16,0 0 0,0 0 0,21 22 16,-21-22-16,21 0 0,0 21 15,0-20-15,0-1 0,0 0 0,0 0 16,0 0-16,21 0 0,0 1 0,0-1 16,0 0-16,0-21 0,1 0 15,-1 0-15,21 0 0,-21 0 16,0 0-16,1 0 0,20 0 0,-21-21 15,21 0-15,-20 21 0</inkml:trace>
   <inkml:trace contextRef="#ctx0" brushRef="#br0" timeOffset="60272.85">9250 4509 0,'0'0'0,"0"-43"15,-21 22-15,-1 0 0,1 21 16,0 0-16,0 0 0,0 0 0,0 0 16,-1 0-16,1 0 15,0 21-15,0 0 0,0 22 0,0-22 16,-1 21-16,1-21 0,21 22 0,-21 20 16,0-21-16,0 1 0,21 20 15,-21-20-15,21 20 0,0-21 16,0 1-16,0-1 0,0 0 0,0 1 15,0-1-15,0-21 0,0 0 0,21 1 16,0-1-16,-21 0 0,21 0 16,21-21-16,-20 0 0,-1 0 0,0 0 15,21 0-15,-21 0 0,22-21 0,-22 0 16,0 0-16,21-1 0,-20 1 0,-1 0 16,0-21-16,0 21 0,-21-22 15,21 22-15,-21-21 0,21 21 0,-21-1 16,0 1-16,0 0 0,0 0 0,0 0 15,0 42 17,0 0-32,0 0 0,-21 0 0,21 22 15,-21-22-15,21 0 0,0 0 0,0 0 16,0 22-16,0-22 0,0 0 16,21 0-16,-21 0 0,21-21 15,1 0-15,-1 22 0,0-22 0,0 0 16,0 0-16,0 0 0,1 0 0,-1-22 15,0 1-15,0 21 16,0-21-16,0 0 0,1 0 0,-1 0 0,0-1 16,-21 1-16,0 0 0,21 0 0,-21 0 15,21 0-15,-21-1 0,0 1 16,0 0-16,0 42 31,0 0-31,-21 1 16,21-1-16,0 0 0,0 21 15,-21-21-15,21 22 0,-21-22 0,21 21 16,-21 1-16,21-1 0,0 0 0,0-21 16,-22 22-16,22 20 0,0-20 0,0-1 15,0 0-15,0 22 0,0-22 0,0 0 16,0 22-16,0-22 0,0 1 16,22 20-16,-22-21 0,0 1 0,0-22 15,0 21-15,0-21 0,0 22 16,0-22-16,0 0 0,-22-21 0,1 21 15,0-21-15,0 0 0,0 0 0,-22 21 16,22-21-16,0 0 0,0 0 0,-21 0 16,20 0-16,-20-21 0,21 21 15,-21-21-15,20 21 0,-20-21 0,21 21 16,0-21-16,0 21 0,-1-21 0,1 21 16,21-22-16,-21 22 0,21-21 0,0 0 15,0 0-15,0 0 16,21 21-16,0-21 0,1-22 15,-1 22-15,21 0 0</inkml:trace>
   <inkml:trace contextRef="#ctx0" brushRef="#br0" timeOffset="60588.94">10160 4868 0,'0'0'0,"0"-21"0,-42-21 16,20 21-16,1 0 0,0 21 16,0 0-16,0 0 0,0 0 0,-1 0 15,1 21-15,0 0 0,0 0 16,0 0-16,21 22 0,0-22 16,-21 21-16,21 0 0,-22 1 0,22-1 15,0-21-15,0 22 0,0-1 0,0-21 16,0 21-16,0-20 0,22-1 0,-1 0 15,0 0-15,-21 0 0,21 0 16,0-21-16,0 22 0,1-22 0,20 0 16,-21 0-16,0 0 0,0 0 0,1 0 15,20 0-15,-21-22 0,0 1 16,22 0-16,-22 0 0,21 0 0</inkml:trace>
-  <inkml:trace contextRef="#ctx0" brushRef="#br0" timeOffset="60895.76">10795 4318 0,'0'0'0,"-21"-21"0,0 0 16,-1 21-16,1 21 31,21 0-31,-21 0 0,21 22 16,-21-1-16,21-21 0,0 21 0,0 1 15,-21-1-15,21 22 0,-21-22 16,21 0-16,0 22 0,0-22 0,0 22 16,-22-22-16,22 0 0,0 1 0,0-1 15,0-21-15,0 21 0,0-20 0,0-1 16,0 0-16,0 0 0,0 0 16,0 0-16,22-21 15,-1 0 1,0-21-16,-21 0 0,21 21 15,0-21-15</inkml:trace>
+  <inkml:trace contextRef="#ctx0" brushRef="#br0" timeOffset="60895.75">10795 4318 0,'0'0'0,"-21"-21"0,0 0 16,-1 21-16,1 21 31,21 0-31,-21 0 0,21 22 16,-21-1-16,21-21 0,0 21 0,0 1 15,-21-1-15,21 22 0,-21-22 16,21 0-16,0 22 0,0-22 0,0 22 16,-22-22-16,22 0 0,0 1 0,0-1 15,0-21-15,0 21 0,0-20 0,0-1 16,0 0-16,0 0 0,0 0 16,0 0-16,22-21 15,-1 0 1,0-21-16,-21 0 0,21 21 15,0-21-15</inkml:trace>
   <inkml:trace contextRef="#ctx0" brushRef="#br0" timeOffset="61316.03">10880 4995 0,'21'0'46,"0"0"-46,0-21 16,0 21-16,22-21 0,-22 0 16,0 21-16,21-21 0,-21 21 0,1-21 15,20-1-15,-21 1 0,-21 0 0,21 21 16,-21-21-16,21 0 0,-21 0 16,-21 21-1,0 0-15,0 0 16,0 0-16,-22 0 0,22 21 0,0 0 15,-21 0-15,21 0 0,-1 0 0,1 1 16,0 20-16,0-21 0,21 0 16,0 22-16,0-22 0,0 0 0,0 21 15,0-21-15,0 1 0,21-1 16,0 0-16,0-21 0,22 0 0,-22 21 16,21-21-16,1 0 0,-1 0 15,-21 0-15,21 0 0,1 0 0,-22 0 16,21 0-16,-21 0 0,1-21 15,-1 21-15,0 0 0,0-21 16,-21 0 0</inkml:trace>
   <inkml:trace contextRef="#ctx0" brushRef="#br0" timeOffset="66531.77">4508 6477 0,'0'0'0,"-21"0"15,0 0 79,0 0-47,42 0 31</inkml:trace>
   <inkml:trace contextRef="#ctx0" brushRef="#br0" timeOffset="67952.95">4339 6562 0,'0'-21'62,"-21"21"-62,21-22 32,0 1-17,0 0-15,21 0 16,0 21-16,0 0 16,1-21-16,-1 21 15,0 0-15,21 0 0,-21 0 16,1 0-16,-1 0 0,0 0 15,0 21-15,21-21 0,-20 21 0,-1 0 16,0 22-16,0-22 0,0 21 0,0-21 16,-21 22-16,0-22 0,0 21 15,0 0-15,0-20 0,0 20 0,0 0 16,0 1-16,-21-22 0,0 21 0,0 0 16,0 1-16,0-22 15,-22 21-15,22 1 0,-21-22 0,21 21 16,-22-21-16,22 22 0,-21-22 0,21 0 15,-1 0-15,1 0 0,0-21 16,-21 0-16,21 21 0,-1-21 0,1 0 16,0 0-16,0 0 0,21-21 0,-21 21 15,0-21-15,-1 0 0,22 0 16,0-22-16,0 22 0,-21-21 0,21 0 16,0 20-16,0-20 0,0 21 0,0-21 15,0 20-15,0-20 0,0 21 16,0 0-16,21 0 0,1-1 0,-1 22 15,0-21-15,21 21 16,-21 0-16,1 0 0,20 21 16,-21-21-16,21 22 0,-20-1 0,20 0 15,-21 0-15,0 21 0,22-20 0,-22-1 16,0 21-16,-21-21 0,21 22 16,-21-22-16,21 21 0,-21-21 0,0 0 15,0 1-15,0-1 0,0 0 0,21 0 16,-21 0-16,0 0 15,22-21-15,-1 0 47,-21-21-47,21 21 16</inkml:trace>
   <inkml:trace contextRef="#ctx0" brushRef="#br0" timeOffset="68660.05">5101 7027 0,'0'22'46,"0"-1"-30,0 0-16,0 0 16,0 0-16,21-21 31,0 0-15,1-21-1,-22 0-15,21 21 0,-21-21 16,0 0-1,0-1-15,0 1 16,-21 21 31,21 21-47,0 1 47</inkml:trace>
-  <inkml:trace contextRef="#ctx0" brushRef="#br0" timeOffset="71068.71">6604 6604 0,'0'-21'16,"0"0"-16,0 0 0,0-1 15,0 1-15,-21 42 32,0 1-17,21-1-15,0 21 0,-22-21 16,1 22-16,0-1 0,0 0 0,21 1 16,-21-22-16,0 21 0,-1 0 0,22 1 15,-21-1-15,21-21 0,-21 0 16,21 22-16,-21-22 0,21 0 15,0 0-15,0 0 0,0 1 16,21-44 0,0 1-1,-21 0-15,21 0 0,1 0 0,-1-22 16,0 22-16,0-21 0,0 0 16,0-1-16,1 1 0,-1-22 0,0 1 15,0 21-15,0-22 0,0 22 0,1-22 16,-1 22-16,0 21 15,0-22-15,0 22 0,0 0 0,-21 42 16,22 0-16,-22 1 16,21 20-16,-21 0 15,21 1-15,-21-1 0,21 0 0,-21 22 16,0-22-16,0 22 0,21-22 0,-21 0 16,21 1-16,-21-1 0,0-21 15,0 21-15,0 1 0,22-22 0,-22 0 16,0 0-16,21 0 0,-21 1 0,0-1 15,0 0 1,-21-21 0,-1-21-16,1 0 15,0 21-15</inkml:trace>
+  <inkml:trace contextRef="#ctx0" brushRef="#br0" timeOffset="71068.7">6604 6604 0,'0'-21'16,"0"0"-16,0 0 0,0-1 15,0 1-15,-21 42 32,0 1-17,21-1-15,0 21 0,-22-21 16,1 22-16,0-1 0,0 0 0,21 1 16,-21-22-16,0 21 0,-1 0 0,22 1 15,-21-1-15,21-21 0,-21 0 16,21 22-16,-21-22 0,21 0 15,0 0-15,0 0 0,0 1 16,21-44 0,0 1-1,-21 0-15,21 0 0,1 0 0,-1-22 16,0 22-16,0-21 0,0 0 16,0-1-16,1 1 0,-1-22 0,0 1 15,0 21-15,0-22 0,0 22 0,1-22 16,-1 22-16,0 21 15,0-22-15,0 22 0,0 0 0,-21 42 16,22 0-16,-22 1 16,21 20-16,-21 0 15,21 1-15,-21-1 0,21 0 0,-21 22 16,0-22-16,0 22 0,21-22 0,-21 0 16,21 1-16,-21-1 0,0-21 15,0 21-15,0 1 0,22-22 0,-22 0 16,0 0-16,21 0 0,-21 1 0,0-1 15,0 0 1,-21-21 0,-1-21-16,1 0 15,0 21-15</inkml:trace>
   <inkml:trace contextRef="#ctx0" brushRef="#br0" timeOffset="71231.61">6519 7027 0,'0'0'15,"21"0"1,1 0-16,-1 0 0,0 0 16,21 0-16,1 0 0,-1 0 0,0 0 15,1-21-15,-1 21 0,0-21 0,1 21 16,-22 0-16,21-21 0,0 21 16,1 0-16,-22-21 0,21 21 0</inkml:trace>
   <inkml:trace contextRef="#ctx0" brushRef="#br0" timeOffset="74584.53">12277 6858 0,'0'0'0,"0"-21"15,21 0 1,0 0-16,0-1 0,0 22 16,22-21-16,-22 0 0,0 0 0,0 0 15,0 0-15,0-1 0,1 1 0,-1 0 16,-21 0-16,0 0 15,-21 21 1,-1 0-16,1 0 16,-21 21-16,21 0 0,0 0 0,-1 0 15,1 1-15,0 20 0,21-21 0,0 21 16,0-20-16,0-1 0,21 21 0,0-21 16,1 0-16,20-21 0,-21 22 15,0-1-15,22-21 0,-22 0 0,0 0 16,0 0-16,0 0 0,0 0 0,1 0 15,-1 0-15,-21-21 16,0-1-16,0 1 0,0 0 16,0 0-16,0 0 0,0 0 15,-21-1-15,-1 1 16,22 0-16</inkml:trace>
   <inkml:trace contextRef="#ctx0" brushRef="#br0" timeOffset="74805.39">10668 6477 0,'0'0'0,"-85"0"0,1 0 0,20 0 15,22 0-15,-1 0 0,1 0 0,84 0 32,-20 0-32,20-21 0,21 21 0,-20-21 15,20 0-15,1 21 0,20-22 16,-20 22-16,-1-21 0,1 21 15,-1 0-15,-20-21 0,20 21 0,-20 0 16,-22 0-16,21-21 0,0 0 0,-20 21 16,-1-21-16,0 21 0</inkml:trace>
   <inkml:trace contextRef="#ctx0" brushRef="#br0" timeOffset="75868.14">13504 6456 0,'0'0'0,"0"-21"16,0 0-16,0-1 0,-21 1 15,0 0-15,0 21 16,0 0-16,-1 0 0,1 21 0,0 0 16,21 1-16,-21-1 0,0 0 0,0 21 15,21-21-15,0 22 0,0-22 16,0 21-16,0 1 0,0-22 0,0 21 16,0-21-16,0 0 0,0 1 0,21-1 15,-21 0-15,21 0 0,0-21 0,0 0 16,22 0-16,-22 0 0,0 0 0,21 0 15,-21 0-15,1 0 16,20 0-16,-21-21 0,0 0 0,0 21 16,1-21-16,-1-1 0,0 1 0,-21 0 15,21 0-15,-21 0 0,0 0 0,0-1 16,0 1-16,-21 0 0,0-21 0,0 21 16,-1-1-16,-20 1 0,21 0 15,0 0-15,-22 0 0,22 0 0,0 21 16,0 0-16,21-22 0,21 22 31,0-21-31,0 21 0,22 0 16,-1-21-16,-21 21 0,22 0 0,-1-21 15,0 0-15,1 21 0,-1-21 0,0-1 16,1 22-16,-1-21 0,0 0 0,-21 21 16,1-21-16,-1 0 0,0 21 15,-21-21-15,0-1 0,0 1 16,-21 42 15,21 1-31,0-1 0,-21 0 16,21 21-16,0 1 0,0-1 15,0 21-15,0-20 0,0 20 0,0 1 16,0-1-16,0 22 0,0-22 0,0 1 16,0 21-16,0-22 0,0 22 15,0-1-15,0-20 0,0 21 0,0-1 16,21 1-16,0 0 0,0-22 0,-21 22 15,21-22-15,0 22 0,-21-22 16,0 1-16,0-1 0,22-20 0,-22 20 16,0-20-16,0-22 0,0 21 0,0-21 15,0 0-15,0 1 0,-22-1 0,1-21 16,0 0-16,0 0 0,0 0 0,0 0 16,-22-21-16,22-1 0,-21-20 0,21 21 15,-22-21-15,1-1 0,21-20 0,-22 20 16,1-20-16,21-1 0,-21 1 0,20-1 15,-20-20-15,21 20 0,0 1 16,0-22-16,-1 22 0,22 20 0,-21-20 16,21 20-16,0 1 0,0 0 15,0-1-15,21 22 0,22-21 0,-22 21 16,0-22-16,21 22 0,1 0 0,20 0 16,-20-21-16,20 20 0,1 1 0,20-21 15,-20 21-15,-1-22 0</inkml:trace>
-  <inkml:trace contextRef="#ctx0" brushRef="#br0" timeOffset="76147.99">14901 6181 0,'0'-43'0,"0"86"0,0-107 0,0 43 15,0 0-15,0 0 0,0 0 16,-21 21-16,0 21 15,21 0-15,-21 21 0,0-21 16,21 22-16,-22-1 0,22 0 0,0 1 16,-21-1-16,0 22 0,21-22 15,0 21-15,0-20 0,0-1 0,-21 0 16,21-20-16,0 20 0,0 0 0,0-21 16,0 1-16,0-1 0,0 0 15,0 0-15,21-21 16,-21-21-1,0 0-15</inkml:trace>
+  <inkml:trace contextRef="#ctx0" brushRef="#br0" timeOffset="76147.98">14901 6181 0,'0'-43'0,"0"86"0,0-107 0,0 43 15,0 0-15,0 0 0,0 0 16,-21 21-16,0 21 15,21 0-15,-21 21 0,0-21 16,21 22-16,-22-1 0,22 0 0,0 1 16,-21-1-16,0 22 0,21-22 15,0 21-15,0-20 0,0-1 0,-21 0 16,21-20-16,0 20 0,0 0 0,0-21 16,0 1-16,0-1 0,0 0 15,0 0-15,21-21 16,-21-21-1,0 0-15</inkml:trace>
   <inkml:trace contextRef="#ctx0" brushRef="#br0" timeOffset="76656.16">14732 6350 0,'-21'-42'16,"42"84"-16,-63-105 0,42 20 0,0 1 0,-22 21 16,22 0-16,0-22 0,0 22 15,0 0-15,0 0 0,0 0 0,0-1 16,22 1-16,-1 0 0,0 21 15,21 0-15,1 0 0,-1 0 0,0 0 0,22 0 16,-22 21-16,22 0 16,-22 1-16,21-1 0,-20 21 0,-1-21 15,0 22-15,-20-1 0,20 0 0,-21 1 16,-21-1-16,0 21 0,0-20 0,0-1 16,0 0-16,0 1 0,0-22 0,0 0 15,0 21-15,0-20 0,-21-22 16,0 21-16,0 0 0,-1-21 15,22-21-15,0 0 16,0-1-16,0 1 0,0 0 16,0-21-16,0 21 0,0-22 0,0 1 15,22-22-15,-1 22 0,-21 0 16,21-22-16,0 22 0,21 0 0,-20-1 16,-1 1-16,21 0 0,-21-1 0,0 22 15,22 0-15,-22 21 0,0 0 0,21 0 16,-20 0-16,-1 21 0,21 0 15,-21 0-15,0 1 0,-21 20 0,22 0 16,-22 1-16,0-1 0,0 0 0,0 22 16,0-22-16,0 22 0,0-22 0,0 21 15,0-20-15,-22-1 0,22 0 0,-21 1 16,21-1-16,-21-21 16,0 0-16,21 1 0,0-1 0,0 0 15,0 0-15,21-42 31,0 21-31,22-21 16</inkml:trace>
-  <inkml:trace contextRef="#ctx0" brushRef="#br0" timeOffset="78259.24">16383 6562 0,'0'0'0,"0"-21"0,0-43 16,0 43-16,0-21 0,0 20 15,0 1-15,0-21 0,0 21 16,-21 21-16,0-21 0,21-1 0,-22 22 16,1 0-16,0 0 0,0 0 0,0 0 15,0 22-15,-1-1 0,1 21 16,0-21-16,0 22 0,0-1 0,0 0 16,21 1-16,-22-22 0,1 21 0,21 0 15,0-20-15,0 20 0,0-21 0,0 0 16,0 0-16,21 1 0,-21-1 0,22 0 15,-1-21-15,0 0 0,0 0 16,0 0-16,0 0 0,1 0 16,-1 0-16,0 0 0,0-21 0,0 0 15,0 21-15,1-22 0,-22 1 0,21-21 16,-21 21-16,21 0 0,-21-22 0,0 1 16,0 21-16,0-22 0,21 1 0,-21 21 15,0 0-15,0 0 0,0 42 31,0 0-31,0 21 16,0-21-16,21 1 0,-21 20 0,0-21 16,0 21-16,0-20 0,21-1 0,-21 0 15,22 0-15,-22 0 0,21 0 16,0 1-16,0-1 0,0 0 16,0-21-16,1 0 15,-1 0-15,0 0 0,0 0 16,0-21-16,0 0 15,-21-1-15,0 1 0,22 0 16,-1 0-16,-21 0 0,21-22 0,-21 22 16,0-21-16,21 21 0,-21 0 15,0-22-15,21 22 0,-21 0 16,0 42 0,0 0-1,0 0-15,0 1 0,0 20 16,0-21-16,0 0 0,0 0 0,0 22 15,0-22-15,0 0 0,0 0 16,0 0-16,0 1 0,21-1 16,1-21-16,-1 0 0,0 0 15,0 0-15,0 0 0,0 0 16,1 0-16,-1 0 0,-21-21 16,21-1-16,0 1 0,0 0 15,0 0-15,1-21 0,-22 20 16,21 1-16,-21-21 0,0 21 0,21-22 15,-21 22-15,21 0 0,-21 0 0,0 0 16,0 42 15,-21-21-31,0 21 0,21 21 16,0-20-16,-21-1 0,21 0 16,-22 21-16,22-21 0,0 1 0,0-1 15,0 0-15,0 0 0,0 0 0,0 0 16,0 1-16,22-1 0,-1-21 0,-21 21 15,21-21-15,0 0 0,0 0 0,0 0 16,22 0-16,-22 0 0,0 0 0,0 0 16,22 0-16,-22-21 0,0 0 15,0 21-15,0-22 0,22 1 0,-22 0 16,0 0-16,0 0 0,0-22 16,0 22-16,1-21 0,-1 21 0,0-22 15,0 22-15,-21 0 0,0-21 0,21 21 16,-21-1-16,-21 44 31,0-22-31,0 21 0,21 0 0,-21 21 16,-1-21-16,22 1 0,-21-1 0,21 0 15,0 21-15,0-21 0,0 1 0,0-1 16,0 0-16,0 0 0,0 0 16,0 0-16,21-21 0,1 0 15,-22 22-15,21-22 0,0 0 0,0 0 16,0 0-16,22 0 0,-22 0 15,0 0-15,21 0 0,-21-22 0,1 1 16,-1 21-16,0-21 0,0 0 0,0 0 16,0 0-16,-21-1 0,22 1 0,-1-21 15,-21 21-15,0 0 0,0-1 0,21 1 16,-21 0-16,0 0 0,0 42 31,-21-21-31,21 21 16,0 0-16,0 1 0,-21-1 0,21 0 15,-22 21-15,22-21 0,-21 1 0,21-1 16,0 0-16,0 0 16,-21 0-16,21 0 15,-21-21-15,21 22 0,0-44 47,-21 1-31,21 0-16,0 0 0,0 0 0,0 0 15,0-1-15,0 1 0,21 0 16,0-21-16,0-1 0,0 22 0,1-21 16,-1 0-16,21 20 0,-21-20 15,22 21-15,-1 0 0,21 0 0,-20-1 0,20 22 16,-20 0-16,-1 0 0,0 0 0,-21 22 16,22-1-16,-22 0 15,0 0-15,-21 21 0,0-20 0,0-1 16,0 21-16,0-21 0,0 0 0,0 22 15,0-22-15,-21 0 0,0 0 0,0 0 16,-1 1-16,1-1 0,0 0 16,0 0-16,21 0 0,-21-21 15,0 21-15,21 1 16,-22-22 0,1 0 15</inkml:trace>
-  <inkml:trace contextRef="#ctx0" brushRef="#br0" timeOffset="112435.91">868 8551 0,'0'0'0,"0"22"16,0-1-1,0 0 1,-21-21 31,21-21-31,-22 0-16,22-1 15,0 1 1,0 0-16,0 0 0,0 0 15,0 0-15,0-1 0,0 1 16,0 0-16,22 21 0,-1-21 16,0 21-16,0 0 15,0 0-15,0 0 16,1 0-16,-1 21 16,0-21-16,-21 21 0,0 0 15,21 1-15,-21 20 0,21-21 0,-21 21 16,0-20-16,0 20 0,0 0 15,0 1-15,0-1 0,0 0 0,-21 22 16,21-22-16,-21 0 0,21 1 16,-21-1-16,0 0 0,21 1 0,-22-1 15,1-21-15,0 22 0,21-1 0,-21-21 16,0 0-16,0 0 0,21 1 16,-22-1-16,1 0 0,0 0 0,0-21 15,0 21-15,0-21 16,-22 0-16,22 21 0,0-21 0,0 0 15,0 0-15,-1 0 0,1-21 16,0 21-16,0-21 0,0 0 16,21 0-16,0 0 0,-21-1 0,21 1 15,-22 0-15,22-21 0,0 21 16,0-1-16,0 1 0,0 0 0,0 0 16,0 0-16,22 0 0,-1 21 15,0 0-15,0-22 0,0 22 16,0 0-16,1 0 0,-1 0 15,0 22-15,0-22 0,0 21 0,0 0 0,1 0 16,-1 0-16,0 0 0,0 1 16,0-1-16,-21 0 0,21 0 15,1 0-15,-22 0 0,0 1 16,21-1-16,0 0 16,-21 0-16,0 0 15,21-21-15,-21 21 16,21-21-1,0 0 1,1 0 0,-1-21-16,0 0 15</inkml:trace>
+  <inkml:trace contextRef="#ctx0" brushRef="#br0" timeOffset="78259.23">16383 6562 0,'0'0'0,"0"-21"0,0-43 16,0 43-16,0-21 0,0 20 15,0 1-15,0-21 0,0 21 16,-21 21-16,0-21 0,21-1 0,-22 22 16,1 0-16,0 0 0,0 0 0,0 0 15,0 22-15,-1-1 0,1 21 16,0-21-16,0 22 0,0-1 0,0 0 16,21 1-16,-22-22 0,1 21 0,21 0 15,0-20-15,0 20 0,0-21 0,0 0 16,0 0-16,21 1 0,-21-1 0,22 0 15,-1-21-15,0 0 0,0 0 16,0 0-16,0 0 0,1 0 16,-1 0-16,0 0 0,0-21 0,0 0 15,0 21-15,1-22 0,-22 1 0,21-21 16,-21 21-16,21 0 0,-21-22 0,0 1 16,0 21-16,0-22 0,21 1 0,-21 21 15,0 0-15,0 0 0,0 42 31,0 0-31,0 21 16,0-21-16,21 1 0,-21 20 0,0-21 16,0 21-16,0-20 0,21-1 0,-21 0 15,22 0-15,-22 0 0,21 0 16,0 1-16,0-1 0,0 0 16,0-21-16,1 0 15,-1 0-15,0 0 0,0 0 16,0-21-16,0 0 15,-21-1-15,0 1 0,22 0 16,-1 0-16,-21 0 0,21-22 0,-21 22 16,0-21-16,21 21 0,-21 0 15,0-22-15,21 22 0,-21 0 16,0 42 0,0 0-1,0 0-15,0 1 0,0 20 16,0-21-16,0 0 0,0 0 0,0 22 15,0-22-15,0 0 0,0 0 16,0 0-16,0 1 0,21-1 16,1-21-16,-1 0 0,0 0 15,0 0-15,0 0 0,0 0 16,1 0-16,-1 0 0,-21-21 16,21-1-16,0 1 0,0 0 15,0 0-15,1-21 0,-22 20 16,21 1-16,-21-21 0,0 21 0,21-22 15,-21 22-15,21 0 0,-21 0 0,0 0 16,0 42 15,-21-21-31,0 21 0,21 21 16,0-20-16,-21-1 0,21 0 16,-22 21-16,22-21 0,0 1 0,0-1 15,0 0-15,0 0 0,0 0 0,0 0 16,0 1-16,22-1 0,-1-21 0,-21 21 15,21-21-15,0 0 0,0 0 0,0 0 16,22 0-16,-22 0 0,0 0 0,0 0 16,22 0-16,-22-21 0,0 0 15,0 21-15,0-22 0,22 1 0,-22 0 16,0 0-16,0 0 0,0-22 16,0 22-16,1-21 0,-1 21 0,0-22 15,0 22-15,-21 0 0,0-21 0,21 21 16,-21-1-16,-21 44 31,0-22-31,0 21 0,21 0 0,-21 21 16,-1-21-16,22 1 0,-21-1 0,21 0 15,0 21-15,0-21 0,0 1 0,0-1 16,0 0-16,0 0 0,0 0 16,0 0-16,21-21 0,1 0 15,-22 22-15,21-22 0,0 0 0,0 0 16,0 0-16,22 0 0,-22 0 15,0 0-15,21 0 0,-21-22 0,1 1 16,-1 21-16,0-21 0,0 0 0,0 0 16,0 0-16,-21-1 0,22 1 0,-1-21 15,-21 21-15,0 0 0,0-1 0,21 1 16,-21 0-16,0 0 0,0 42 31,-21-21-31,21 21 16,0 0-16,0 1 0,-21-1 0,21 0 15,-22 21-15,22-21 0,-21 1 0,21-1 16,0 0-16,0 0 16,-21 0-16,21 0 15,-21-21-15,21 22 0,0-44 47,-21 1-31,21 0-16,0 0 0,0 0 0,0 0 15,0-1-15,0 1 0,21 0 16,0-21-16,0-1 0,0 22 0,1-21 16,-1 0-16,21 20 0,-21-20 15,22 21-15,-1 0 0,21 0 0,-20-1 0,20 22 16,-20 0-16,-1 0 0,0 0 0,-21 22 16,22-1-16,-22 0 15,0 0-15,-21 21 0,0-20 0,0-1 16,0 21-16,0-21 0,0 0 0,0 22 15,0-22-15,-21 0 0,0 0 0,0 0 16,-1 1-16,1-1 0,0 0 16,0 0-16,21 0 0,-21-21 15,0 21-15,21 1 16,-22-22 0,1 0 15</inkml:trace>
+  <inkml:trace contextRef="#ctx0" brushRef="#br0" timeOffset="112435.9">868 8551 0,'0'0'0,"0"22"16,0-1-1,0 0 1,-21-21 31,21-21-31,-22 0-16,22-1 15,0 1 1,0 0-16,0 0 0,0 0 15,0 0-15,0-1 0,0 1 16,0 0-16,22 21 0,-1-21 16,0 21-16,0 0 15,0 0-15,0 0 16,1 0-16,-1 21 16,0-21-16,-21 21 0,0 0 15,21 1-15,-21 20 0,21-21 0,-21 21 16,0-20-16,0 20 0,0 0 15,0 1-15,0-1 0,0 0 0,-21 22 16,21-22-16,-21 0 0,21 1 16,-21-1-16,0 0 0,21 1 0,-22-1 15,1-21-15,0 22 0,21-1 0,-21-21 16,0 0-16,0 0 0,21 1 16,-22-1-16,1 0 0,0 0 0,0-21 15,0 21-15,0-21 16,-22 0-16,22 21 0,0-21 0,0 0 15,0 0-15,-1 0 0,1-21 16,0 21-16,0-21 0,0 0 16,21 0-16,0 0 0,-21-1 0,21 1 15,-22 0-15,22-21 0,0 21 16,0-1-16,0 1 0,0 0 0,0 0 16,0 0-16,22 0 0,-1 21 15,0 0-15,0-22 0,0 22 16,0 0-16,1 0 0,-1 0 15,0 22-15,0-22 0,0 21 0,0 0 0,1 0 16,-1 0-16,0 0 0,0 1 16,0-1-16,-21 0 0,21 0 15,1 0-15,-22 0 0,0 1 16,21-1-16,0 0 16,-21 0-16,0 0 15,21-21-15,-21 21 16,21-21-1,0 0 1,1 0 0,-1-21-16,0 0 15</inkml:trace>
   <inkml:trace contextRef="#ctx0" brushRef="#br0" timeOffset="113003.69">1524 9081 0,'-21'0'0,"0"0"16,-1 21-16,22 0 15,0 0 1,22-21 31,-1 0-32,-21-21 17,0 0-17,-21 21 16,-1 21-31,1 0 16,21 0-16,0 0 16,0 1-1,21-22 1,1 0 0,-1 0-16,0 0 0,0 0 15,-21-22-15,21 22 16,-21-21-16,0 0 15,0 0-15,-21 0 32,0 21-17,0 0 1,21-21 15,21 21-15,0-22-16</inkml:trace>
   <inkml:trace contextRef="#ctx0" brushRef="#br0" timeOffset="124184.28">15706 9123 0,'-43'0'16,"43"21"-16</inkml:trace>
   <inkml:trace contextRef="#ctx0" brushRef="#br0" timeOffset="145092.43">8022 7006 0,'0'0'0,"21"0"0,0 0 0,1 0 16,-1 0-16,0-21 15,0 0-15,0 0 0,-21 0 16,21 21-16,-21-22 15,22 1-15,-22 0 0,0 0 0,0 0 16,0 0-16,0-1 0,0 1 0,-22-21 16,1 21-16,0 0 0,-21 21 0,21-22 15,-22 22-15,22 0 0,-21 0 16,-1 0-16,1 0 0,0 22 0,-1 20 16,1-21-16,0 21 0,-1 1 0,1-1 15,0 0-15,-1 1 0,22-1 16,0 0-16,0 1 0,21-1 0,0 0 15,0 1-15,0-1 0,21-21 0,0 0 16,22 1-16,-22-1 0,21-21 16,0 0-16,1 0 0,-1 0 15,0-21-15,1-1 0,-1 1 0,22-21 16,-22 21-16,0-22 0,1 1 16,-1 0-16,-21-1 0,21 1 0,-20-21 15,20 20-15,-21-20 0,0-1 0,-21 1 16,0-1-16,0 1 0,0-22 0,0 22 15,0 20-15,0-20 0,0 20 16,-21 1-16,0 21 0,0-21 0,0 42 16,-1 0-16,1 0 0,0 0 15,0 0-15,21 42 0,-21-21 16,21 21-16,0 22 0,0-22 0,0 22 16,0-1-16,0 22 0,0-22 15,0 1-15,0-1 0,21 1 16,0-22-16,-21 22 0,21-22 0,0 0 15,1 1-15,-1-1 0,0-21 0,0 0 16,0 1-16,0-22 0,1 0 0,-1 0 16,0 0-16,21 0 0,-21 0 15,1-22-15,-1 1 0,21-21 0,-21 21 16,0 0-16,1-22 0,-1 22 16,-21-21-16,0 21 0,21-22 0,-21 22 15,0 0-15,21 21 0,-21 21 31,0 0-31,0 0 0,0 22 16,0-22-16,0 0 0,0 21 16,0-20-16,0 20 0,0-21 0,0 0 15,21 0-15,0 1 0,1-1 0,-22 0 16,21-21-16,0 0 0,0 0 16,0 0-16,0 0 0,22-21 0,-22 21 15,0-21-15,21-1 0,-20 1 0,-1-21 16,21 21-16,-21 0 0,0-22 0,1 22 15,-1-21-15,0 21 0,-21-1 16,0 1-16,0 0 0,0 0 0,21 21 16,-21 21-1,0 0 1,0 0-16,0 1 0,0-1 0,0 0 16,0 0-16,0 21 0,0-20 15,0-1-15,0 0 0,0 0 0,0 0 16,21 0-16,0-21 0,-21 22 0,22-22 15,-1 0-15,0 21 0,0-21 0,0 0 16,0 0-16,1 0 0,-1 0 16,21-21-16,-21 21 0,22-22 0,-1 1 15,-21 0-15,21 0 0,-20 0 0,20 0 16,-21-1-16,21 1 0,-20-21 0</inkml:trace>
   <inkml:trace contextRef="#ctx0" brushRef="#br0" timeOffset="146113.04">9821 6816 0,'0'0'0,"0"-43"0,0 22 16,0 0-16,0 0 0,0 0 0,-21 0 15,0 21-15,0 0 0,0 0 0,-22 0 16,22 21-16,0 0 0,-21 0 16,20 0-16,1 0 0,0 22 0,0-22 15,0 21-15,0-21 0,21 22 0,0-22 16,0 0-16,0 21 0,0-20 0,0-1 16,0 0-16,0 0 0,21 0 0,0-21 15,0 21-15,0-21 16,0 0-16,1 0 0,20 0 0,-21 0 0,0 0 15,22-21-15,-22 0 0,0 0 16,0 21-16,21-21 0,-20 0 0,-22-22 16,21 22-16,-21 0 0,21-21 15,-21 20-15,0 1 0,0-21 0,0 21 16,0 0-16,0-1 0,-21 22 16,0 22-1,-1-1-15,22 0 0,-21 0 0,21 0 16,0 0-16,-21 1 0,21 20 15,0-21-15,0 0 0,0 0 0,0 1 16,0-1-16,21 0 0,-21 0 0,21-21 16,1 21-16,20 0 0,-21-21 0,0 0 15,22 0-15,-22 0 16,21 0-16,0 0 0,-20 0 0,20-21 16,-21 0-16,0 0 0,22 21 0,-22-21 15,0 0-15,-21-1 0,21 1 0,0 0 16,-21 0-16,0 0 0,0 0 0,21-1 15,-21 44 17,0-1-32,-21 0 0,21 0 15,0 0-15,0 0 0,-21 1 0,21-1 16,0 0-16,-21 0 0,21 0 16,0 0-16,21-21 31,0 0-31,0 0 0,-21-21 15,22 0-15,-1 21 0,-21-21 16,0 0-16,0 0 0,21-1 0,-21 1 16,21 0-16,-21 0 15,0 0-15,21 42 16,-21 0 0,0 0-16,0 0 0,0 1 15,21-1-15,-21 0 0,22 0 16,-1 0-16,0 0 15,0 1-15,21-22 16,-20 0-16,-1 0 0,0 0 0,21 0 16,-21 0-16,22 0 0,-1 0 0,-21-22 15,22 1-15,-1 0 0,-21 0 0,21 0 16,-20 0-16,-1-22 0,21 22 0,-21-21 16,0-1-16,1-20 0,-1 21 15,0-22-15,0-21 0,0 22 0,-21-1 16,0-20-16,0 20 0,0 1 0,0-1 15,0 22-15,0 0 0,0-1 0,0 22 16,0 0-16,0 0 0,-21 21 16,0 0-16,0 0 0,0 21 0,-1 0 15,1 0-15,0 22 0,0-1 16,21 0-16,-21 22 0,0-1 0,-1 1 16,22-1-16,0 1 0,0-1 15,0 1-15,0-1 0,0-20 0,0 20 16,0-21-16,0 1 0,0-1 0,22 0 15,-1-20-15,0-1 0,0 0 0,0 0 16,0 0-16,1-21 0,-1 21 0,0-21 16,0 0-16,21 0 0,-20-21 15,-1 0-15,21 0 0,-21 0 0,0 0 16,1-1-16,-1 1 0,0-21 0,-21 0 16,0-1-16,0 22 0,0-21 0,0-1 15</inkml:trace>
-  <inkml:trace contextRef="#ctx0" brushRef="#br0" timeOffset="146276.95">10880 6541 0,'0'0'0,"-64"0"0,43 0 0,-21 21 15,20-21-15,1 0 0,42 0 16,1 0 0,20 0-16,0 0 0,1 0 15,20 0-15,-21 0 0,22-21 0,-1 21 16,-20 0-16,20-22 0,-20 1 0,-1 21 15,0 0-15,1 0 0</inkml:trace>
+  <inkml:trace contextRef="#ctx0" brushRef="#br0" timeOffset="146276.94">10880 6541 0,'0'0'0,"-64"0"0,43 0 0,-21 21 15,20-21-15,1 0 0,42 0 16,1 0 0,20 0-16,0 0 0,1 0 15,20 0-15,-21 0 0,22-21 0,-1 21 16,-20 0-16,20-22 0,-20 1 0,-1 21 15,0 0-15,1 0 0</inkml:trace>
   <inkml:trace contextRef="#ctx0" brushRef="#br0" timeOffset="147168.43">11684 6985 0,'21'0'16,"0"0"0,-21-21-16,21 0 0,1 0 15,-1-1-15,-21 1 0,0 0 16,0-21-16,0 21 0,0-1 0,0 1 16,0 0-16,0 0 0,0 0 0,-21 21 15,-1 0-15,1 0 16,0 0-16,0 21 0,0-21 15,0 21-15,-1 0 0,22 0 0,-21 22 16,0-22-16,21 0 0,-21 0 0,21 0 16,0 1-16,0-1 0,0 0 0,0 0 15,0 0-15,0 0 16,21-21-16,0 0 0,0 0 16,1 0-16,-1 0 0,0 0 15,0-21-15,0 21 0,0-21 0,1 0 16,-22 0-16,21 0 0,0-1 15,-21 1-15,0 0 0,0 0 0,0 0 16,0 0-16,0-1 0,0 1 16,-21 42 15,21 1-31,-21-22 0,21 21 0,0 0 16,-22 0-16,22 0 0,0 0 15,0 1-15,0-1 0,0 0 16,0 0-16,0 0 15,22-21-15,-1 21 0,0-21 16,21 0-16,-21 0 0,1 0 0,20 0 16,0 0-16,-21 0 0,22-21 0,-1 0 15,0 21-15,1-21 0,-22 0 0,21 0 16,-21-1-16,1 1 0,-1-21 16,0 21-16,0-22 0,-21 22 0,0-21 15,0 0-15,0 20 0,0-20 0,0 21 16,-21 0-16,0 0 0,21-1 15,-21 22-15,-1 0 0,1 0 0,-21 0 16,21 0-16,0 0 0,-1 22 0,1-1 16,0 0-16,0 21 0,21-21 15,0 1-15,0-1 0,0 21 0,0-21 16,0 0-16,0 22 0,0-22 0,0 0 16,21 21-16,-21-20 0,0 20 15,21-21-15,-21 21 0,21 1 0,-21-1 16,0 0-16,0 22 0,0-1 0,0 1 15,0-1-15,0 1 0,0-1 0,0 1 16,0-22-16,0 22 0,0-1 0,0 1 16,0-22-16,0 0 0,0 1 0,0-1 15,0 0-15,0-20 0,0-1 0,0 0 16,0 0-16,0 0 0,0-42 47,0 0-47,0 0 0,22 0 15,-1-1-15,-21 1 0,21-21 0,0 0 16,0 20-16,-21-41 0,21 21 0</inkml:trace>
   <inkml:trace contextRef="#ctx0" brushRef="#br0" timeOffset="147520.23">12488 6752 0,'0'0'0,"-21"0"0,21-21 0,0 0 16,0 0 0,0 0-16,0-1 15,0 1-15,0 0 0,0 0 16,21 21-16,0-21 0,-21 0 0,0-1 16,0 1-1,-21 21 16,21 21-31,-21 1 0,0-1 0,0 0 16,21 0-16,0 0 0,0 0 0,-21 1 16,21 20-16,0-21 0,0 0 15,0 0-15,0 1 0,21-1 16,0 0-16,0-21 0,0 0 16,0 21-16,1-21 0,-1 0 0,0 0 15,0 0-15,0 0 0,0 0 0,1 0 16,-1 0-16,0-21 0,0 0 0,0 21 15,0 0-15</inkml:trace>
   <inkml:trace contextRef="#ctx0" brushRef="#br0" timeOffset="149988.22">4635 8615 0,'0'-21'15,"22"21"-15,-1-21 16,0 21-16,-21-22 0,21 22 15,0-21-15,0 21 0,1-21 0,-1 0 16,0 0-16,0 21 0,0-21 16,0-1-16,1 1 0,-22 0 15,21 0-15,-21 0 16,0 0-16,-21 21 16,-1 0-16,-20 0 0,21 0 0,-21 0 15,-1 0-15,-20 21 0,20-21 16,1 21-16,-21 0 0,20 0 0,-20 0 15,20 22-15,1-22 0,0 21 0,-1 1 16,1-1-16,0 21 0,21 1 16,-22-22-16,22 22 0,0-1 15,21 1-15,0-22 0,-21 22 16,21-22-16,0 0 0,0 1 0,0-22 16,21 21-16,0-21 0,0 0 0,0 1 15,1-1-15,20 0 0,-21-21 16,21 0-16,1 0 0,20 0 0,-20 0 15,-1 0-15,0 0 0,22 0 0,-22-21 16,0 21-16,22-21 0,-43-1 16,21 1-16,1 0 0,-22 0 15,0 0-15,-21 0 0,0-1 0,0 1 0,0 0 16,0 0-16,-21 0 16,-21 0-16,20 21 0,-20 0 15,0 0-15,-1 0 0,1 0 0,0 0 16,-1 0-16,1 0 0,0 21 15,21-21-15,-22 21 0,1-21 0,21 21 16,0-21-16,-1 21 0,22 0 16,22-21-1,-1 0 1,0 0-16,21 0 0,-21-21 0,1 21 16,20-21-16,0 21 0,-21-21 15,22 21-15,-22 0 0,21 0 0,1 0 16,-22 0-16,0 0 0,21 0 0,-21 0 15,1 21-15,-1 0 16,-21 0-16,21 1 0,-21-1 0,21 21 16,-21 0-16,0 1 0,0-1 0,0 22 15,0-1-15,0 22 0,-21-22 0,0 22 16,0 0-16,21-1 0,-22 1 16,1 0-16,0 20 0,0-20 0,0-21 15,0 20-15,21-20 0,0-1 0,-22 1 16,22-22-16,0 0 0,0 1 0,0-22 15,0 0-15,0 0 0,0-42 32,22 0-32,-22 0 15,0-22-15,21 22 0,-21-21 0,21 0 16,0-1-16,-21 1 0,21 0 16,0-1-16,1-20 0,-22 20 0,21 1 15,0-21-15</inkml:trace>
@@ -1392,7 +1438,7 @@
   <inkml:trace contextRef="#ctx0" brushRef="#br0" timeOffset="165493.78">5673 12023 0,'0'0'0,"0"21"0,21-21 15,0 0 1,0 0-16,0-21 0,0 0 16,1 21-16,-1-22 0,0 1 0,0 0 15,21-21-15,-20 21 0,20-1 16,-21 1-16,0-21 0,22 21 0,-22-22 15,0 22-15,0 0 0,-21-21 16,0 21-16,0-1 0,0 1 0,0 0 16,0 0-16,-21 21 0,0 0 15,-22 0-15,22 0 0,-21 21 0,0 0 16,20 22-16,-20-22 0,0 21 0,-1 0 16,1 1-16,21-1 0,-21 22 15,20-1-15,1-21 0,21 22 0,0-22 16,0 22-16,0-22 0,0 0 0,0-20 15,21 20-15,1-21 0,-1 0 16,21 0-16,-21 1 0,22-22 0,20 0 16,-21 0-16,1 0 0,20-22 15,-20 1-15,20 0 0,1 0 0,-1 0 0,-21 0 16,22-22-16,-1 1 16,1 0-16,-22-1 0,22 1 0,-22 0 15,0-1-15,-20 1 0</inkml:trace>
   <inkml:trace contextRef="#ctx0" brushRef="#br0" timeOffset="165932.51">6794 11642 0,'0'0'16,"-21"-21"0,0 21-16,0 21 0,21 0 0,0 0 15,0 0-15,-21 0 0,21 22 16,0-22-16,-21 21 0,21-21 16,0 22-16,0-1 0,0-21 0,0 22 15,0-1-15,-22-21 0,22 21 0,-21-20 16,21-1-16,0 0 0,0 0 15,-21 0-15,21 0 0,-21-21 16,21 22-16,0-44 16,0 1-16,0-21 15,0 21-15,0 0 16,0-22-16,0 1 0,0 0 0,21-1 16,0 1-16,0 0 0,1-1 0,-1-20 15,21 42-15,-21-22 0,22 1 0,-1 21 16,0 0-16,1-1 15,-1 1-15,0 21 0,1 0 0,-1 0 16,-21 0-16,21 21 0,-20 1 0,-1-1 16,0 0-16,-21 21 0,0-21 0,21 22 15,-21-1-15,0 0 0,0 1 16,0-1-16,0 0 0,0 22 0,0-22 16,0 1-16,0-1 0,-21-21 0,21 21 15,0-20-15,0-1 0,0 0 0,0 0 16,0-42-1,0 0 1,21 0-16,0-1 0,0-20 0,22 0 16,-22-1-16,21-20 0</inkml:trace>
   <inkml:trace contextRef="#ctx0" brushRef="#br0" timeOffset="166824.53">8043 10626 0,'0'0'0,"-21"0"0,21 21 0,-21 0 15,0 21-15,21-20 0,0 41 0,-21-21 16,21 1-16,-22 20 0,22 1 16,-21 20-16,21-20 0,-21 21 0,21-22 15,0 22-15,0-22 0,0 1 16,-21-1-16,21 1 0,0-22 0,0 22 15,-21-22-15,21 0 0,0 1 0,0-1 16,0 0-16,-21 1 0,21-22 0,-22 0 16,22 0-16,-21 0 0,21 0 15,-21-21 1,0 0-16,21-21 16,0-21-16,0 21 0,0 0 0,0-22 15,0 1-15,0 0 0,0-1 16,0 1-16,21 0 0,0-1 0,0 1 15,1 0-15,-1-1 0,0 22 16,21 0-16,-21 0 0,1 0 0,20 21 16,-21 0-16,0 0 0,0 0 15,1 0-15,-1 21 0,0 0 0,-21 0 16,0 0-16,0 0 0,0 22 16,0-22-16,0 0 0,-21 0 0,0 0 15,-1 1-15,1-1 0,-21 0 16,21 0-16,0-21 0,-1 21 0,-20-21 15,21 0-15,0 0 0,0 0 0,-1 0 16,1 0-16,0 0 0,0 0 16,21-21-1,0 42 17,0 0-17,0 1-15,0-1 0,0 0 16,21 21-16,-21-21 0,21 1 0,-21-1 15,21 21-15,1-21 0,-1 0 0,0 1 16,0-1-16,0-21 0,0 21 0,22-21 16,-22 0-16,21 0 0,1 0 0,-22 0 15,21 0-15,0 0 0,-20 0 16,20-21-16,-21 0 0,21-1 16,-20 1-16,-1 0 0,21 0 0,-21-21 15,0-1-15,22 22 0,-22-21 0,0-1 16,0 22-16,-21-21 0,21 0 15,-21 20-15,22 1 0,-22 0 0,0 0 16,0 42 0,0 0-1,-22 0-15,1 1 0,21 20 0,-21-21 16,21 21-16,0-20 0,0 20 16,-21-21-16,21 21 0,0 1 0,0-22 15,0 0-15,0 21 0,0-20 0,0-1 16,21 0-16,0-21 15,0 0-15,1 0 16,-1 0-16,21 0 0,-21 0 0,0-21 16,1 0-16,-1 21 0,0-22 0,0-20 15,0 21-15,0-21 0,22 20 0</inkml:trace>
-  <inkml:trace contextRef="#ctx0" brushRef="#br0" timeOffset="167160.35">8805 11176 0,'-42'21'16,"84"-42"-16,-105 42 0,42 0 15,-22 1-15,22-1 0,21 0 0,0 0 16,0 0-16,0 0 0,0 1 0,21-1 16,0-21-16,1 0 15,-1 0-15,0 0 0,21 0 16,-21-21-16,22-1 0,-22 22 0,0-21 15,0 0-15,0 0 0,-21 0 0,0 0 16,0-64 0,-21 64-16,0 21 0,0-21 0,0-1 15,-22 22-15,22 0 0,-21 0 16,21 0-16,-22 0 0,22 22 0,-21-1 0,21 0 16,0 0-16,21 0 0,0 0 15,-22 22-15,22-22 0,0 0 16,0 21-16,0-20 0,22-1 0,-1 0 15,0 21-15,21-21 0,-21 1 0,22-1 16,-1-21-16</inkml:trace>
+  <inkml:trace contextRef="#ctx0" brushRef="#br0" timeOffset="167160.34">8805 11176 0,'-42'21'16,"84"-42"-16,-105 42 0,42 0 15,-22 1-15,22-1 0,21 0 0,0 0 16,0 0-16,0 0 0,0 1 0,21-1 16,0-21-16,1 0 15,-1 0-15,0 0 0,21 0 16,-21-21-16,22-1 0,-22 22 0,0-21 15,0 0-15,0 0 0,-21 0 0,0 0 16,0-64 0,-21 64-16,0 21 0,0-21 0,0-1 15,-22 22-15,22 0 0,-21 0 16,21 0-16,-22 0 0,22 22 0,-21-1 0,21 0 16,0 0-16,21 0 0,0 0 15,-22 22-15,22-22 0,0 0 16,0 21-16,0-20 0,22-1 0,-1 0 15,0 21-15,21-21 0,-21 1 0,22-1 16,-1-21-16</inkml:trace>
   <inkml:trace contextRef="#ctx0" brushRef="#br0" timeOffset="167760">9207 11599 0,'0'0'16,"0"-21"-16,0 0 0,0-21 0,0 21 16,0-1-16,0 1 0,0 42 31,0 1-31,22 20 0,-22-21 15,0 0-15,0 22 0,0-22 16,0 21-16,0 0 0,0 1 0,0-22 16,0 21-16,0 1 0,0-1 0,0-21 15,0 21-15,-22-20 0,22-1 16,0 0-16,0 0 0,-21 0 16,21-42 15,0 0-31,0-21 0,0 20 15,21-20-15,-21 21 0,22-21 16,-1-1-16,0 1 0,0 0 0,0-1 16,0 1-16,22 0 0,-22-1 0,21 1 15,-21 21-15,22-22 0,-1 22 16,-21 21-16,22 0 0,-22 0 0,21 0 16,-21 21-16,0 1 0,1-1 0,-1 0 15,0 21-15,-21-21 0,0 22 16,0-1-16,0 0 0,0 1 0,0-1 15,0 0-15,0 1 0,0-1 0,0 0 16,0-20-16,0 20 0,0-21 16,-21 21-16,21-20 0,-21-1 0,21 0 15,0 0-15,-22-21 16,22-21 0,0 0-16,22 0 15,-1-1-15,-21 1 0,21 0 16,21-21-16,-21 21 0</inkml:trace>
   <inkml:trace contextRef="#ctx0" brushRef="#br0" timeOffset="168283.9">10774 11557 0,'0'0'0,"0"-21"0,21 0 0,0 0 15,-21-1-15,0 1 0,0 0 0,-21 0 16,0 21-16,0 0 16,-1 0-16,-20 0 0,0 0 0,21 0 15,-22 0-15,1 21 0,0 0 16,20 0-16,-20 1 0,0-1 0,21 21 16,-22-21-16,22 0 0,0 1 0,21-1 15,0 0-15,0 0 0,0 0 0,0 0 16,0 1-16,21-22 0,0 21 15,22 0-15,-22-21 0,21 0 0,-21 0 16,22 21-16,-1 0 0,-21-21 0,21 0 16,1 21-16,-1-21 0,-21 0 0,22 22 15,-22-1-15,0-21 0,0 21 0,0-21 16,0 21-16,-21 0 16,0 0-16,0 1 15,-21-22-15,0 21 0,0-21 0,-21 21 16,20 0-16,1-21 0,-21 21 0,21-21 15,0 0-15,-22 21 0,22-21 0,0 0 16,0 0-16,-22 22 0,22-22 0,0 0 16,0 0-16,0 21 15,0-21-15,-1 0 16,1 0 31,21-21-32,-21 21-15</inkml:trace>
 </inkml:ink>
@@ -1436,7 +1482,7 @@
   <inkml:trace contextRef="#ctx0" brushRef="#br0" timeOffset="3905.02">3937 2836 0,'0'0'0,"-21"0"0,0 0 15,42 0 1,0 22-16,0-22 15,21 0-15,1 0 0,20 0 16,-20 0-16,20 0 0,22 0 0,-1 0 16,1 0-16,21 0 0,0 0 0,0 0 15,21 0-15,-22 0 0,22 0 16,0 0-16,0 0 0,0 0 16,0 0-16,0 0 0,22-22 0,-22 22 15,0-21-15,0 21 0,0 0 16,0 0-16,0-21 0,-22 21 0,1 0 15,0 0-15,-21-21 0,-1 21 0,-20 0 16,-1 0-16,-20-21 0,-1 21 0,0 0 16,-20 0-16,-1 0 0,0 0 15,-42 0 17,0 0-32,-1 0 0,1 0 15,0 0-15,-21 0 0,21 0 16,-22 0-16</inkml:trace>
   <inkml:trace contextRef="#ctx0" brushRef="#br0" timeOffset="35652.54">3598 3556 0,'0'0'0,"0"-21"16,0 0-16,0 0 0,-21-1 16,21 1-16,0 0 0,0 42 47,0 0-47,0 22 0,0-22 15,0 21-15,0 1 0,0-22 0,0 21 16,-21 0-16,21 22 0,0-22 0,-21 1 15,21 20-15,-21-21 0,-1 22 16,1-22-16,21 22 0,0-22 0,-21 0 16,21-20-16,0 20 0,-21-21 15,21 0-15,0 0 0,21-21 32,-21-21-17,21-21-15,-21 21 0,0 0 16,21-22-16</inkml:trace>
   <inkml:trace contextRef="#ctx0" brushRef="#br0" timeOffset="35991.87">3344 3641 0,'-21'-21'0,"42"42"0,-84-64 0,42 22 16,-1 0-16,1-21 16,0 21-16,21-1 0,0 1 15,0 0-15,42 0 0,-20 0 0,20 21 16,21 0-16,1 0 0,-1 0 15,22 0-15,-21 0 0,20 21 0,1 0 16,0 0-16,-22 22 0,1-22 16,-1 21-16,1 0 0,-43 1 0,21-1 15,-21 0-15,-21 1 0,0-1 0,-21 22 16,-21-1-16,21 1 0,-43-1 16,22-21-16,-22 22 0,1-1 0,-1-20 15,1 20-15,-1-20 0,1-1 0,20-21 16,-20 21-16,21-20 15,20-1-15,1-21 0,0 21 0,0-21 16,21-21 0,21 0-16,0-1 15,22 1-15,-22 0 0,0 0 0,21 0 16,-21-22-16,22 22 0,-22-21 0,21 21 16</inkml:trace>
-  <inkml:trace contextRef="#ctx0" brushRef="#br0" timeOffset="36332.69">4318 4022 0,'-21'-21'0,"42"42"0,0-21 0,0 0 16,0 0-16,1 0 0,-22-21 15,21-1-15,21 22 0,-21-21 0,0 0 16,1 0-16,-1 0 0,0 0 15,-21-1-15,0 1 0,0 0 16,0 0-16,0 0 0,-21 21 16,0 0-16,-1 0 0,1 0 15,-21 21-15,21 0 0,0 0 16,-22 0-16,22 1 0,0-1 0,0 21 16,0-21-16,-1 22 0,22-22 15,0 21-15,0-21 0,0 0 16,0 1-16,0-1 0,0 0 0,22 0 15,-1 0-15,0-21 0,0 0 0,0 0 16,22 0-16,-22 0 0,21 0 16,0-21-16,-20 0 0,20 0 0</inkml:trace>
+  <inkml:trace contextRef="#ctx0" brushRef="#br0" timeOffset="36332.68">4318 4022 0,'-21'-21'0,"42"42"0,0-21 0,0 0 16,0 0-16,1 0 0,-22-21 15,21-1-15,21 22 0,-21-21 0,0 0 16,1 0-16,-1 0 0,0 0 15,-21-1-15,0 1 0,0 0 16,0 0-16,0 0 0,-21 21 16,0 0-16,-1 0 0,1 0 15,-21 21-15,21 0 0,0 0 16,-22 0-16,22 1 0,0-1 0,0 21 16,0-21-16,-1 22 0,22-22 15,0 21-15,0-21 0,0 0 16,0 1-16,0-1 0,0 0 0,22 0 15,-1 0-15,0-21 0,0 0 0,0 0 16,22 0-16,-22 0 0,21 0 16,0-21-16,-20 0 0,20 0 0</inkml:trace>
   <inkml:trace contextRef="#ctx0" brushRef="#br0" timeOffset="36723.46">5080 3810 0,'0'0'0,"21"0"0,-21-21 0,0 0 15,-21 21 1,0 0 0,0 0-16,-1 0 0,-20 21 0,21 0 15,0 0-15,0 0 0,-22 1 0,22-22 16,0 21-16,21 0 0,0 0 16,0 0-16,0 0 0,0 1 0,0-1 15,21 0-15,0-21 0,0 0 16,1 21-16,-1-21 0,21 0 15,-21 21-15,0-21 0,1 0 0,20 0 16,-21 21-16,0-21 0,-21 22 16,21-22-16,-21 21 15,0 0-15,-21 0 16,0-21-16,0 21 0,-21-21 0,20 21 16,-20-21-16,0 22 0,-1-22 0,1 21 15,0-21-15,-1 21 0,1-21 16,0 0-16,21 0 0,-1 0 0,1 0 15,0 0-15,42 0 32,22-21-32,-22 21 0,0-21 15,21-1-15,1 1 0,-1 0 0</inkml:trace>
   <inkml:trace contextRef="#ctx0" brushRef="#br0" timeOffset="36981.31">5419 3852 0,'0'0'16,"0"-21"-16,0 42 31,0 1-15,-22-1-16,22 0 0,0 0 0,0 0 16,-21 22-16,21-22 0,0 0 0,0 21 15,-21-21-15,21 1 0,0 20 16,0-21-16,-21 0 0,21 0 0,0 1 15,0-1-15,0-42 47,0-1-47,0 1 16,0 0-16</inkml:trace>
   <inkml:trace contextRef="#ctx0" brushRef="#br0" timeOffset="37156.21">5355 3831 0,'0'0'15,"0"-21"-15,0-21 16,0 21-16,-21 21 16,21-22-1,21 22 32,-21 22-47,21-22 0,0 21 16,1-21-16</inkml:trace>
@@ -1446,8 +1492,8 @@
   <inkml:trace contextRef="#ctx0" brushRef="#br0" timeOffset="39920.83">8467 3387 0,'-22'0'16,"1"0"-16,0 0 0,0 21 15,0-21-15,0 21 0,21 0 16,-22-21-16,22 21 16,22-21-1,-1 0-15,0 0 0,21-21 0,-21 21 16,22-21-16,-1 0 0,0 0 0,1 0 15,-1-1-15,0-20 16,1 21-16,-22-21 0,0 20 0,0-20 16,0 21-16,-21-21 0,0 20 0,0-20 15,0 21-15,-21 0 0,0 0 16,0 21-16,0 0 0,-22 0 0,22 0 16,0 0-16,-21 0 0,21 21 0,-1 0 15,1 21-15,21 1 0,0-1 0,-21 0 16,21 22-16,0-1 0,0 1 15,0-1-15,0-20 0,21 20 0,-21 1 16,21-1-16,1-21 0,-1 22 0,-21-22 16,21 22-16,-21-22 15,21 0-15,-21 1 0,0-1 0,0-21 16,0 22-16,0-22 0,0 0 0,-21 0 16,0-21-16,-22 21 0,22-21 0,0 0 15,-21 0-15,21 0 0,-22-21 16,22 0-16,-21 21 0,-1-42 0,22 20 15,-21 1-15,21-21 0,-22 21 0,22-22 16,0 22-16,0 0 0,21 0 0,0 0 16,0 42 15,21-21-31,0 21 0,0 0 0,1 0 16,-1 1-16,0-1 15,21-21-15,-21 21 0,22 0 0,-22 0 16,21-21-16,1 0 0,-22 21 0,21-21 15,0 0-15,1 0 0,-1 0 0,0 0 16,1-21-16,-22 0 0,21 21 16,-21-21-16,22 0 0,-22 0 0,0-1 15,0 1-15,0 0 0,-21-21 0,0 21 16,0-1-16,0 1 0,0 0 0,0 0 16,0 0-16,0 42 31,0 0-31,0 0 15,-21 0-15,21 1 0,-21-1 16,21 21-16,0-21 0,0 0 16,0 1-16,0-1 0,-21 0 0,21 0 15,0 0-15,0 0 0,0 1 16,0-44 15,0 1-31,0 0 0,0 0 16,0 0-16,0-22 0,21 22 0,-21 0 15,21-21-15,0 21 0,1-1 16,-1 1-16,0 0 0,0 0 16,0 0-16,0 21 0,1 0 0,-1 0 15,21 0-15,-21 0 0,0 0 0,1 21 16,-22 0-16,21 0 0,-21 0 16,21 1-16,-21-1 0,0 0 0,0 0 15,0 0-15,0 0 0,0 22 0,0-22 16,0 0-16,0 0 0,0 0 15,0-42 17,0 0-32,0 0 15,0 0-15,0 0 0,0-1 0,21-20 16,-21 21-16,21-21 0,0 20 16,1-20-16,-1 21 0,0 0 15,0 0-15,21-1 0,-20 22 0,-1 0 0,21 0 16,-21 0-16,0 0 0,1 0 15,-1 22-15,0-1 0,0-21 16,-21 21-16,0 0 0,0 21 0,0-20 16,0-1-16,0 0 0,0 21 0,0-21 15,0 1-15,0-1 0,0 21 0,-21-21 16,21 0-16,-21 1 0,21-1 16,-21-21-16,42 0 31,0 0-31,0-21 15,0-1-15,0 1 0</inkml:trace>
   <inkml:trace contextRef="#ctx0" brushRef="#br0" timeOffset="40241.64">10245 3704 0,'-22'0'16,"1"0"-1,21 21-15,0 1 0,0-1 16,-21 0-16,21 21 0,-21-21 0,21 22 16,0-1-16,-21 0 0,21 1 15,0 20-15,0-20 0,0-1 0,0 21 16,0-20-16,0-1 0,0 22 0,-21-1 16,-1-21-16,22 22 0,-21-22 15,0 22-15,0-22 0,0 0 0,0 1 16,21-1-16,-22-21 0,1 0 0,21 1 15,-21-1-15,21 0 0,0-42 32,0 0-32,0-1 0,21 1 15,0-21-15,1 21 0,-1-22 0,0 22 16,0-21-16,0 0 0,0-1 0</inkml:trace>
   <inkml:trace contextRef="#ctx0" brushRef="#br0" timeOffset="40507.49">10181 3874 0,'0'0'0,"0"-22"0,0 1 0,0-21 0,0 21 16,0 0-16,21-1 0,0 22 15,1-21-15,-1 0 0,0 21 0,0 0 16,21 0-16,-20 0 0,-1 0 0,21 0 16,-21 0-16,22 0 0,-22 0 15,0 21-15,0 0 0,0 1 0,-21-1 16,0 0-16,0 21 0,0-21 0,-21 22 15,-21-22-15,21 0 0,-22 21 16,1-20-16,0 20 0,-1-21 0,1 0 16,0 0-16,20 1 0,-20-1 15,21-21-15,0 21 0,42-21 32,0 0-32,0-21 0,0 21 0,1-21 15</inkml:trace>
-  <inkml:trace contextRef="#ctx0" brushRef="#br0" timeOffset="40700.76">10795 3979 0,'0'22'16,"0"-1"0,0 0-16,0 0 0,0 0 15,0 0-15,0 1 0,0-1 0,-21 0 16,0 0-16,-1 0 0,22 0 0,-21 1 15,0-1-15,0 0 0,0 0 0,0 0 16</inkml:trace>
-  <inkml:trace contextRef="#ctx0" brushRef="#br0" timeOffset="41491.73">12044 3217 0,'-21'0'15,"-1"0"1,1 0-16,0 0 15,21-21 1,21 21 0,0 0-16,1-21 15,20 0-15,-21 21 0,21-21 0,1 21 16,-22-21-16,21-1 0,1 1 0,-22 0 16,0 21-16,0-21 0,0 0 0,-21 0 15,0-1-15,0 1 16,-21 21-16,0 0 0,0 0 0,-22 0 15,1 0-15,0 0 0,-22 21 0,22 1 16,-22-1-16,22 0 0,0 0 16,-1 21-16,1-20 0,0 20 0,21 0 15,-1-21-15,1 22 0,21-1 0,0-21 16,0 22-16,0-22 0,21 0 0,22 0 16,-22 0-16,21 0 15,-21-21-15,22 0 0,-1 0 0,0 0 16,1 0-16,-1 0 0,0 0 0,-20 0 15,-1 0-15,0 0 0,0 0 0,-21-21 16,-21 21 0,0 0-16,0 0 0,-22 0 0,1 0 15,0 0-15,-1 21 0,-20 1 0,20-1 16,1 21-16,0-21 0,-1 0 16,1 22-16,21-22 0,0 21 0,0-21 15,21 22-15,0-22 0,0 0 0,0 0 16,0 22-16,0-22 0,21-21 15,0 21-15,0 0 0,21 0 0,-20-21 0,20 0 16,0 0-16,-21 0 16,22 0-16,-1 0 0,0 0 0,-20 0 15,20 0-15,0-21 0,-21 21 0,1-21 16,20 0-16,-21 0 0,0-1 0,0 22 16</inkml:trace>
+  <inkml:trace contextRef="#ctx0" brushRef="#br0" timeOffset="40700.75">10795 3979 0,'0'22'16,"0"-1"0,0 0-16,0 0 0,0 0 15,0 0-15,0 1 0,0-1 0,-21 0 16,0 0-16,-1 0 0,22 0 0,-21 1 15,0-1-15,0 0 0,0 0 0,0 0 16</inkml:trace>
+  <inkml:trace contextRef="#ctx0" brushRef="#br0" timeOffset="41491.72">12044 3217 0,'-21'0'15,"-1"0"1,1 0-16,0 0 15,21-21 1,21 21 0,0 0-16,1-21 15,20 0-15,-21 21 0,21-21 0,1 21 16,-22-21-16,21-1 0,1 1 0,-22 0 16,0 21-16,0-21 0,0 0 0,-21 0 15,0-1-15,0 1 16,-21 21-16,0 0 0,0 0 0,-22 0 15,1 0-15,0 0 0,-22 21 0,22 1 16,-22-1-16,22 0 0,0 0 16,-1 21-16,1-20 0,0 20 0,21 0 15,-1-21-15,1 22 0,21-1 0,0-21 16,0 22-16,0-22 0,21 0 0,22 0 16,-22 0-16,21 0 15,-21-21-15,22 0 0,-1 0 0,0 0 16,1 0-16,-1 0 0,0 0 0,-20 0 15,-1 0-15,0 0 0,0 0 0,-21-21 16,-21 21 0,0 0-16,0 0 0,-22 0 0,1 0 15,0 0-15,-1 21 0,-20 1 0,20-1 16,1 21-16,0-21 0,-1 0 16,1 22-16,21-22 0,0 21 0,0-21 15,21 22-15,0-22 0,0 0 0,0 0 16,0 22-16,0-22 0,21-21 15,0 21-15,0 0 0,21 0 0,-20-21 0,20 0 16,0 0-16,-21 0 16,22 0-16,-1 0 0,0 0 0,-20 0 15,20 0-15,0-21 0,-21 21 0,1-21 16,20 0-16,-21 0 0,0-1 0,0 22 16</inkml:trace>
   <inkml:trace contextRef="#ctx0" brushRef="#br0" timeOffset="41727.64">12425 3535 0,'0'0'16,"0"21"-1,0 0-15,0 0 16,0 1-16,21-1 16,0 0-16,0 0 0,0 0 0,1 0 15,-1 22-15,-21-22 0,21 0 0,0 0 16,0 0-16,0-21 0,1 22 0,-22-1 15,0 0-15,21-21 0,0 21 0,0-21 16,0 0 0,0 0-16,1 0 0,-1 0 15,-21-21-15,21 0 0,0 0 0,-21-1 16</inkml:trace>
   <inkml:trace contextRef="#ctx0" brushRef="#br0" timeOffset="41936.51">12912 3641 0,'0'-21'0,"0"42"0,0-85 0,0 43 16,0 0-16,0 0 0,0 0 0,-22 21 15,1 0-15,0 0 16,0 0-16,0 21 0,-22 0 16,22 0-16,0 21 0,-21-20 0,21-1 15,-22 21-15,22-21 0,0 22 0,-21-22 16,20 0-16,1 21 0,0-21 0,0 1 16,0-1-16,21 21 0,0-21 15,0 0-15,0 1 0,21-22 16,0 0-16,0 0 15,0 0-15,1-22 0,-1 1 16,21 0-16,-21 0 0</inkml:trace>
   <inkml:trace contextRef="#ctx0" brushRef="#br0" timeOffset="42308.3">13017 3704 0,'0'21'16,"0"1"-1,22-22-15,-1 0 16,0 0-16,0 0 0,0 0 16,22 0-16,-22 0 0,21 0 0,0-22 15,1 1-15,-22 21 0,21-21 16,-21 21-16,22-21 0,-22 0 0,-21 0 16,21 21-16,-21-22 0,0 1 0,0 0 15,0 0-15,-21 0 16,0 21-16,0 0 0,-22 0 0,1 0 15,21 0-15,-22 21 0,1-21 0,0 21 16,-1 21-16,22-20 0,-21-1 0,21 0 16,0 21-16,-1-21 0,1 1 15,0 20-15,21-21 0,0 0 16,0 0-16,0 1 0,0-1 0,21 0 0,0-21 16,1 21-16,20-21 0,0 0 0,1 0 15,-1 0-15,0 0 16,1 0-16,-1 0 0,21 0 0,-20-21 15,-1 0-15,0 0 0,1-1 0,-1 22 16,0-21-16</inkml:trace>
@@ -1460,11 +1506,11 @@
   <inkml:trace contextRef="#ctx0" brushRef="#br0" timeOffset="46347.95">18859 3620 0,'0'21'15,"0"0"1,22-21 15,-1 0-31,0 0 0,0 0 16,0 0-16,0 0 0,1-21 0,20 21 15,-21-21-15,-21-1 0,21 22 16,-21-21-16,21 21 0,-21-21 0,0 0 16,0 0-16,-21 0 0,0 21 15,0 0-15,0 0 0,0 0 0,-22 0 16,22 0-16,0 21 0,0 0 16,-22 0-16,22 0 0,21 0 0,-21 1 15,21-1-15,0 21 0,0-21 16,0 0-16,0 1 0,0-1 15,0 0-15,0 0 0,21-21 0,0 21 16,1 0-16,-1-21 0,21 0 0,-21 0 16,0 0-16,22 0 0,-1 0 0,-21 0 15,22 0-15,-1-21 0,0 21 0</inkml:trace>
   <inkml:trace contextRef="#ctx0" brushRef="#br0" timeOffset="46651.89">19579 3535 0,'0'0'0,"21"-21"0,-21-22 15,0 22-15,0 0 0,0 42 32,0 0-32,0 1 0,-21 20 15,21-21-15,-21 21 0,21 1 16,0-1-16,-21 0 0,21 1 0,0-1 16,0 22-16,0-22 0,0 21 0,0 1 15,0-1-15,-21 22 0,21-21 0,-22-1 16,22 1-16,-21 20 0,0-41 0,21 20 15,-21 1-15,0-22 0,21 0 16,0 1-16,-21-1 0,21-21 16,0 0-16,0 0 0,-22 1 0,22-44 31,0 1-31,22 0 0,-1 0 0,-21-21 16,21 20-16,0-20 0,-21 21 0,21-43 15,0 22-15,1 0 0,-22-22 16,21 1-16</inkml:trace>
   <inkml:trace contextRef="#ctx0" brushRef="#br0" timeOffset="46917.5">19600 3704 0,'0'-42'0,"0"84"0,0-126 0,0 62 15,0 1-15,0-21 0,0 21 0,0 0 16,21-1-16,1 22 16,-1 0-16,0 0 0,0 0 15,0 0-15,0 0 0,1 0 16,-1 0-16,21 22 0,-21-1 0,0-21 15,-21 21-15,0 0 0,22 0 0,-22 0 16,0 1-16,0-1 0,0 0 0,-22 0 16,1-21-16,0 21 0,-21 0 15,21 1-15,-22-1 0,22-21 0,-21 21 16,21-21-16,-22 21 0,22-21 0,0 0 16,42 0 15,0 0-31,0 0 0,1-21 0,-1 21 15</inkml:trace>
-  <inkml:trace contextRef="#ctx0" brushRef="#br0" timeOffset="47281.29">20129 3429 0,'0'0'0,"0"-21"16,-21 21-1,0 0-15,0 0 0,0 21 0,0 0 16,-1-21-16,1 43 0,0-22 15,0 0-15,21 0 0,0 0 0,-21 22 16,21-22-16,0 0 0,0 0 0,0 0 16,21 0-16,-21 1 0,21-1 0,0-21 15,0 21-15,22-21 0,-22 21 16,0-21-16,0 0 0,22 0 16,-22 0-16,0 0 0,0 0 0,0 0 15,0-21-15,1 0 0,-22 0 0,21 21 16,-21-22-16,0 1 0,0-21 0,0 21 15,0 0-15,0-22 0,-21 22 16,-1-21-16,1 21 0,0-1 0,0 1 16,0 0-16,0 21 0,-1 0 0,1 0 15,0 0-15,0 0 0,0 0 16,21 21-16,-21 0 0,21 1 16,0-1-16,0 0 0,0 0 15,21-21-15,0 21 0,0-21 16,0 0-16,0 21 0</inkml:trace>
+  <inkml:trace contextRef="#ctx0" brushRef="#br0" timeOffset="47281.28">20129 3429 0,'0'0'0,"0"-21"16,-21 21-1,0 0-15,0 0 0,0 21 0,0 0 16,-1-21-16,1 43 0,0-22 15,0 0-15,21 0 0,0 0 0,-21 22 16,21-22-16,0 0 0,0 0 0,0 0 16,21 0-16,-21 1 0,21-1 0,0-21 15,0 21-15,22-21 0,-22 21 16,0-21-16,0 0 0,22 0 16,-22 0-16,0 0 0,0 0 0,0 0 15,0-21-15,1 0 0,-22 0 0,21 21 16,-21-22-16,0 1 0,0-21 0,0 21 15,0 0-15,0-22 0,-21 22 16,-1-21-16,1 21 0,0-1 0,0 1 16,0 0-16,0 21 0,-1 0 0,1 0 15,0 0-15,0 0 0,0 0 16,21 21-16,-21 0 0,21 1 16,0-1-16,0 0 0,0 0 15,21-21-15,0 21 0,0-21 16,0 0-16,0 21 0</inkml:trace>
   <inkml:trace contextRef="#ctx0" brushRef="#br0" timeOffset="47663.57">20553 3535 0,'0'-21'0,"0"42"0,0-63 0,21 42 15,0-22 1,0 22-16,0 0 0,22 0 15,-22 0-15,0 0 0,0 22 0,0-1 16,1 0-16,-1 0 16,-21 0-16,21 0 0,0 1 0,-21-1 15,0 0-15,0 0 0,0 21 0,0-20 16,0-1-16,0 0 0,-21 0 16,0 0-16,21 0 15,-21-21-15,-1 0 16,1 0-16,21-21 15,0 0-15,0 0 0,0 0 0,0 0 16,0-1-16,0 1 0,0 0 16,0-21-16,0 21 0,0-22 0,21 22 15,1-21-15,-1 21 0,0-1 16,-21 1-16,21 0 0,0 0 0,0 0 16,1 0-16,-1 21 15,0 0-15,0-22 0,0 22 16,0 0-16</inkml:trace>
   <inkml:trace contextRef="#ctx0" brushRef="#br0" timeOffset="48016.56">21357 2942 0,'0'0'0,"0"-42"16,0 21-1,0 42 1,0 0 0,0 0-16,0 0 0,-21 1 0,0 20 15,21-21-15,-21 21 0,-1 22 0,22-22 16,0 22-16,0-22 0,-21 22 16,21-1-16,0-21 0,0 22 0,0-22 15,0 1-15,0-1 0,0 0 0,0 1 16,0-22-16,21 21 0,1-21 15,-22 0-15,21-21 0,0 22 16,0-22-16,0 0 0,22 0 0,-22 0 16,0 0-16,0 0 0,0-22 0,0 1 15,22 21-15,-22-21 0,0 0 0,0 0 16,0 0-16,1-22 0,-1 22 16,0 0-16,0-21 0,-21 20 0,0-20 15,0 0-15,0 21 0</inkml:trace>
   <inkml:trace contextRef="#ctx0" brushRef="#br0" timeOffset="48285.99">21336 3175 0,'-21'0'0,"42"0"0,-85 0 15,43 0-15,0 0 0,0 0 16,63 0 0,-21 0-16,22-21 0,-22 21 15,42 0-15,-20 0 0,20-21 0,-20 21 16,20 0-16,-21 0 0,1-21 0,20 21 15,-20 0-15,-1 0 0,-21 0 16,21-22-16,-20 22 0,-1 0 0,0 0 16,-42 0 46,0 0-62,-1 0 0,1 0 0,0 0 16,-21 0-16,-1 22 0,22-22 0</inkml:trace>
-  <inkml:trace contextRef="#ctx0" brushRef="#br0" timeOffset="79575.74">1164 7176 0,'0'0'0,"21"-22"15,-21 1-15,0 0 16,0 0 0,0 0-1,0 0 1,0-1 15,0 44 0,-21-1-15,21 0 0,0 0-16,0 0 0,0 0 0,0 1 15,0-1-15,0 21 0,0-21 16,0 22-16,0-22 0,0 21 0,0 0 15,0 1-15,0-1 0,0 0 16,0-20-16,0 20 0,0 0 0,0 22 16,0-22-16,0 0 0,0 1 15,21 20-15,-21 1 0,0-22 0,21 22 16,-21-1-16,0 1 16,0-1-16,22-21 0,-22 22 0,0-1 0,21-20 15,-21 20-15,0 1 16,0-1-16,21 1 0,-21-1 0,21 1 15,-21-1-15,21 1 0,-21-1 16,0 1-16,0-1 0,21 1 0,-21-1 16,22 1-16,-22-1 0,0 1 15,0-1-15,0 1 0,0-1 0,21 1 16,-21 20-16,0-20 0,0-1 0,0 1 16,0-1-16,0 1 0,0 21 15,0-22-15,21 1 0,-21 20 0,0-20 16,0 20-16,0-20 0,21-1 15,-21 1-15,21-1 0,-21 22 16,0-21-16,0-1 0,21 1 0,-21-1 16,22 1-16,-22-1 0,0 1 15,0-1-15,0-21 0,0 22 0,0-22 16,0 1-16,0-1 0,0 0 0,0 1 16,0-22-16,0 0 0,0 0 15,0 0-15,0-42 31,0 0-31,0 0 0,0 0 0,0-22 16,0-20-16,0 20 0,21-20 0,-21-22 16,21 1-16</inkml:trace>
+  <inkml:trace contextRef="#ctx0" brushRef="#br0" timeOffset="79575.73">1164 7176 0,'0'0'0,"21"-22"15,-21 1-15,0 0 16,0 0 0,0 0-1,0 0 1,0-1 15,0 44 0,-21-1-15,21 0 0,0 0-16,0 0 0,0 0 0,0 1 15,0-1-15,0 21 0,0-21 16,0 22-16,0-22 0,0 21 0,0 0 15,0 1-15,0-1 0,0 0 16,0-20-16,0 20 0,0 0 0,0 22 16,0-22-16,0 0 0,0 1 15,21 20-15,-21 1 0,0-22 0,21 22 16,-21-1-16,0 1 16,0-1-16,22-21 0,-22 22 0,0-1 0,21-20 15,-21 20-15,0 1 16,0-1-16,21 1 0,-21-1 0,21 1 15,-21-1-15,21 1 0,-21-1 16,0 1-16,0-1 0,21 1 0,-21-1 16,22 1-16,-22-1 0,0 1 15,0-1-15,0 1 0,0-1 0,21 1 16,-21 20-16,0-20 0,0-1 0,0 1 16,0-1-16,0 1 0,0 21 15,0-22-15,21 1 0,-21 20 0,0-20 16,0 20-16,0-20 0,21-1 15,-21 1-15,21-1 0,-21 22 16,0-21-16,0-1 0,21 1 0,-21-1 16,22 1-16,-22-1 0,0 1 15,0-1-15,0-21 0,0 22 0,0-22 16,0 1-16,0-1 0,0 0 0,0 1 16,0-22-16,0 0 0,0 0 15,0 0-15,0-42 31,0 0-31,0 0 0,0 0 0,0-22 16,0-20-16,0 20 0,21-20 0,-21-22 16,21 1-16</inkml:trace>
   <inkml:trace contextRef="#ctx0" brushRef="#br0" timeOffset="81531.67">1376 6900 0,'0'0'0,"-21"0"0,-1 0 16,1 22-16,0-22 16,0 21-16,0-21 15,0 0-15,21 21 16,-22-21 0,44 0 15,-1 0-31,0 0 15,0 0-15,0 0 0,22 0 0,-22 0 16,21 0-16,0 0 0,1 0 16,-1 0-16,22 0 0,-22 0 0,0 0 15,22 0-15,-1 0 0,-20 0 16,20 0-16,1 0 0,-22 0 0,43 0 16,-22 0-16,1 0 0,20 0 15,1 0-15,0 0 0,-22 0 16,22 0-16,-1 0 0,1 0 0,0 0 15,-1 0-15,1 0 0,0 0 0,-1 0 16,1 0-16,21 0 0,-21 21 16,-1-21-16,1 0 0,0 0 0,-1 0 15,1 0-15,0 0 0,-1 0 0,-20 21 16,42-21-16,-22 0 0,1 0 16,0 0-16,-1 0 0,1 0 0,0 21 15,-1-21-15,-20 0 0,20 0 16,-20 0-16,-1 0 0,1 0 0,21 0 15,-22 0-15,-21 0 0,22 0 16,-1 0-16,-20 0 0,20 0 0,-20 0 16,-1 0-16,-21 0 0,21 0 0,-20 0 15,-1 0-15,0 0 0,0 0 16,-21 22 15,0-1-15,0 0-16,0 0 15,0 0-15,0 0 0,0 1 16,-21-1-16,21 0 0,-21 21 0,21-21 16,-21 1-16,21 20 0,-22 0 15,22-21-15,0 22 0,0-1 16,-21 0-16,21 1 0,-21-1 0,21 0 16,-21 1-16,21 20 0,0-20 0,0 20 15,0 1-15,-21-1 0,21 1 16,0-1-16,0 22 0,0-22 0,0 1 15,0-1-15,0 22 0,0-22 0,0 22 16,0-21-16,0 20 0,21 1 16,-21-22-16,0 22 0,21 0 0,0-22 15,-21 22-15,21-22 0,-21 22 0,0 0 16,0-22-16,22 22 0,-22 0 0,21-22 16,-21 22-16,0-22 0,0 22 15,0-22-15,0 22 0,21-21 16,-21-1-16,0 22 0,21-22 0,-21 22 15,0-22-15,0 22 0,0-21 0,0-1 16,0 1-16,0-1 0,0 1 16,0-22-16,0 21 0,0 1 0,0-1 15,0-20-15,0 20 0,0-20 0,0-1 16,0 0-16,0 1 0,0-1 0,0-21 16,0 21-16,0-20 0,0-1 15,0 0-15,0 0 0,0 0 16,0 0-16,0 1 78,0-1-62,0 0-1,-21-21-15,21 21 16,-21-21-1,21 21-15,0 0 16,-21-21 0,-1 0-1,1 0 1,0 0 0,0 0-16,0 0 15,0 0-15,-1 0 0,1 0 0,-21 0 16,21 0-16,0 0 0,-1 0 15,-20 0-15,21 0 0,-21 0 16,-1 0-16,22 0 0,-21 0 0,-1 0 16,1 22-16,0-22 0,-22 0 0,22 0 15,-22 0-15,1 21 0,-1-21 0,1 0 16,-22 0-16,1 21 0,20-21 16,-21 0-16,1 21 0,20-21 0,-20 0 15,20 21-15,-21-21 0,22 0 16,-22 21-16,22 1 0,-22-22 0,22 0 15,-22 0-15,0 21 0,1-21 16,20 0-16,-21 21 0,1-21 0,20 0 16,1 0-16,-1 0 0,1 21 0,-1-21 15,1 0-15,20 0 0,1 0 16,-85 0 0,85 0-16,-1 0 0,1-21 0,0 21 0,21 0 15,-22 0-15,1-21 0,21 21 16,-22 0-16,1 0 0,21 0 15,-21 0-15,20-21 0,-20 21 0,21 0 16,0 0-16,0 0 0,-1 0 16,1 0-16,0 0 0,0 0 0,0 0 15,0 0-15,-1 0 16,1 0 0,21-22-16,0 1 15,0 0-15,0 0 16,0 0-16,21 0 0</inkml:trace>
   <inkml:trace contextRef="#ctx0" brushRef="#br0" timeOffset="82316.09">1863 7853 0,'0'0'0,"-22"0"15,1 0 1,0 21-1,21 0-15,0 0 0,0 22 16,0-1-16,0 0 0,0 1 0,0-1 16,0 0-16,0 22 0,0-22 0,0 1 15,0 20-15,0-21 0,0 1 16,0-1-16,0 0 0,0-20 0,0 20 16,0-21-16,0 0 15,0 0-15,0 1 0,0-1 0,0-42 47,0-1-47,0 1 0,0 0 0</inkml:trace>
   <inkml:trace contextRef="#ctx0" brushRef="#br0" timeOffset="82903.75">1609 8043 0,'0'0'0,"-22"-21"0,22 0 0,0 0 15,0-21-15,0 20 16,0 1-16,0 0 0,22 0 0,-1 0 16,0 0-16,21 21 0,-21-22 15,22 22-15,-1 0 0,0 0 0,1 0 16,-1 0-16,0 0 0,1 22 16,-1 20-16,-21-21 0,22 21 0,-1 1 15,-21-1-15,0 0 0,0 22 0,1-22 16,-22 1-16,0 20 0,0-21 15,0 1-15,0-1 0,0-21 0,0 22 16,0-22-16,-22 0 0,22 0 16,0 0-16,0 0 0,-21-21 15,21-21 17,0 0-32,0 0 0,0 0 0,0 0 15,0-22-15,0 1 0,0 0 0,0-22 16,0 22-16,21-22 0,-21 1 15,22-1-15,-1 22 0,0 0 0,21-1 16,-21 1-16,22 0 0,-1 20 16,-21 1-16,22 21 0,-1 0 0,-21 0 15,0 0-15,22 21 0,-22 1 0,0-1 16,0 21-16,21 0 0,-42 1 16,22-1-16,-1 22 0,-21-22 15,0 21-15,0-20 0,0-1 0,0 0 16,0 22-16,0-43 0,0 21 15,0 1-15,0-1 0,0-21 0,0 0 16,0 1-16,-21-1 0,21 0 0,0 0 16,0 0-16,0-42 62,0 0-62,0 0 16,21 21-16</inkml:trace>
@@ -1553,7 +1599,7 @@
   <inkml:trace contextRef="#ctx0" brushRef="#br0" timeOffset="16204.01">3302 4170 0,'0'0'0,"-21"-21"0,21 0 0,0-1 0,-21 1 15,21 0-15,0-21 0,0 21 16,0-1-16,21-20 0,0 21 0,0 0 16,21 0-16,-20-1 0,20-20 15,0 42-15,1-21 0,-1 0 0,21 0 16,-20 21-16,20 0 0,-20 0 15,-1 0-15,0 0 0,1 21 16,-1 21-16,0-21 0,1 22 0,-22-1 16,0 0-16,0 1 0,0 20 15,0-21-15,1 22 0,-22-22 0,21 22 16,-21-22-16,0 0 0,0 22 0,0-22 16,0-21-16,0 22 0,0-22 15,0 21-15,0-21 0,0 1 0,0-1 16,0 0-16,0-42 31,0 0-15,0-1-16,0 1 0,0 0 15,0-21-15,0 21 0,21-22 16,-21 22-16,21-21 0,0-1 16,-21-20-16,21 21 0,1-1 15,-1 1-15,0 0 0,21-22 0,-21 22 16,1 21-16,20-22 0,0 22 0,1-21 15,-22 21-15,21-1 0,0 1 16,1 21-16,-1 0 0,0 0 0,1 0 16,-22 0-16,21 21 0,-21-21 0,1 43 15,-1-22-15,0 21 0,0 1 16,-21-1-16,21 0 0,-21 22 0,0-22 16,0 22-16,0-22 0,0 0 15,0 1-15,0 20 0,0-21 0,0-20 16,0 20-16,-21 0 0,21-21 15,-21 22-15,21-22 0,0 0 0,0 0 16,0 0-16,0 1 0,0-1 16,0 0-16,0-42 47,0 0-47,21 21 15,0-22-15,0 1 0,1 21 0</inkml:trace>
   <inkml:trace contextRef="#ctx0" brushRef="#br0" timeOffset="16587.86">6329 4085 0,'0'0'0,"0"-21"16,0-64-16,0 43 0,0 21 16,0 0-16,0 0 0,0-1 15,0 44 17,0-1-32,0 0 0,0 21 15,0 1-15,0-1 0,0 21 16,0-20-16,0 20 0,0-20 0,0 20 15,0-21-15,-21 1 0,21-1 0,-22 0 16,22 1-16,0-22 0,0 21 16,0-21-16,0 1 0,0-1 0,0 0 15,0 0-15,0 0 0,22-42 47,-1 0-47,0 21 16,0-21-16,0 0 0</inkml:trace>
   <inkml:trace contextRef="#ctx0" brushRef="#br0" timeOffset="17027.78">6794 4276 0,'0'0'0,"-21"21"31,0 0-31,21 0 15,-21 22-15,0-22 0,21 0 16,-21 0-16,21 21 0,0-20 0,-22-1 16,22 0-16,0 0 0,0 21 15,0-20-15,0-1 0,0 0 0,0 0 16,22 0-16,-22 0 0,21-21 16,21 0-16,-21 0 0,0 0 15,1 0-15,20 0 0,-21 0 0,21-21 16,-20 21-16,-1-21 0,21 0 0,-21 21 15,0-21-15,1 0 0,-1-1 0,0 1 16,-21 0-16,0 0 0,0-21 16,0 20-16,0 1 0,0-21 15,0 21-15,0 0 0,-21-1 0,21 1 16,-21 0-16,-1 21 0,1 0 0,-21-21 16,21 21-16,-22 0 0,22 0 15,0 0-15,-21 0 0,21 0 0,-1 21 16,1-21-16,0 21 0,0-21 0,0 21 15,42-21 17,0 0-32,0 0 0,0 0 15,1 0-15</inkml:trace>
-  <inkml:trace contextRef="#ctx0" brushRef="#br0" timeOffset="17327.61">6202 4191 0,'0'0'0,"-21"0"0,-1 0 15,44 0 1,20 0 0,-21-21-16,43 21 0,-22-21 0,21 21 15,-20-21-15,20-1 0,1 22 0,-1-21 16,1 21-16,-22 0 0,22-21 15,-22 21-15,-21 0 0,21 0 16,-20 0-16,-1 0 0,-21-21 78,0 0-78</inkml:trace>
+  <inkml:trace contextRef="#ctx0" brushRef="#br0" timeOffset="17327.6">6202 4191 0,'0'0'0,"-21"0"0,-1 0 15,44 0 1,20 0 0,-21-21-16,43 21 0,-22-21 0,21 21 15,-20-21-15,20-1 0,1 22 0,-1-21 16,1 21-16,-22 0 0,22-21 15,-22 21-15,-21 0 0,21 0 16,-20 0-16,-1 0 0,-21-21 78,0 0-78</inkml:trace>
   <inkml:trace contextRef="#ctx0" brushRef="#br0" timeOffset="17891.56">8467 4001 0,'0'0'16,"0"-22"-16,0 1 0,0 0 0,0 0 0,0 0 16,-22 21-16,22-21 0,-21-1 0,0 22 15,0 0 1,0 0-16,0 22 15,21 20-15,-22-21 16,22 21-16,0 1 0,0-1 16,0 0-16,0 22 0,0-22 0,-21 1 15,21 20-15,-21-21 0,21 1 0,0-1 16,0 0-16,0-20 0,0 20 0,-21 0 16,21-21-16,0 1 0,0-1 15,0 0-15,0 0 0,0 0 16,21-42-1,-21 0 1,21 0-16,-21 0 16,21-1-16,-21-20 0,22 21 0</inkml:trace>
   <inkml:trace contextRef="#ctx0" brushRef="#br0" timeOffset="18139.41">8340 3979 0,'0'0'0,"-22"-42"16,22 21-16,0 0 16,22 0-16,-1-1 0,0 22 15,0-21-15,21 0 0,1 21 16,-1-21-16,0 21 0,1-21 0,20 21 16,-20 0-16,-1 0 0,0 0 0,-21-21 15,22 21-15,-22 0 16,0 0-16,0 0 0,-21 21 15,0 0 1,0 0-16,-21 0 16,0-21-16,0 21 0</inkml:trace>
   <inkml:trace contextRef="#ctx0" brushRef="#br0" timeOffset="18339.3">8361 4360 0,'0'22'0,"21"-22"47,0 0-47,0 0 0,0-22 0,1 1 16,-1 21-16,21 0 0,-21 0 0,0-21 16,1 0-16,20 21 0,-21 0 15,0 0-15,22-21 0,-22 21 0,0 0 16,0 0-16,0 0 0</inkml:trace>
@@ -1565,7 +1611,7 @@
   <inkml:trace contextRef="#ctx0" brushRef="#br0" timeOffset="21175.45">12531 4805 0,'0'0'0,"-43"0"16,22 0-16</inkml:trace>
   <inkml:trace contextRef="#ctx0" brushRef="#br0" timeOffset="24623.54">1101 6922 0,'-22'0'47,"1"0"-16,0 0-31,0 0 15,21-22-15,0 1 16,-21 21-16,21-21 16,0 0-16,0 0 15,0 0-15,21 21 16,0-22-16,0 22 0,0 0 16,1 0-16,-1 0 0,0 0 15,0 0-15,0 0 0,43 22 16,-43-1-16,0-21 15,0 21-15,22 21 0,-22-21 0,0 1 16,-21-1-16,21 21 0,-21 0 16,0-20-16,0 20 0,0 0 0,0 1 15,0-1-15,0 0 0,-21 22 16,0-22-16,0-21 0,-1 22 0,1-1 16,-21-21-16,21 21 0,-22-20 15,22-1-15,-21 0 0,21 0 0,0 0 16,-22-21-16,22 0 0,0 21 15,-21-21-15,20 0 0,1 0 0,0 0 16,0-21-16,0 0 0,21 0 16,-21 0-16,21-22 15,-22 22-15,22-21 0,0 21 16,0-22-16,0 1 0,0 21 0,0-21 16,22 20-16,-1 1 0,0 0 15,0 0-15,0 21 0,0 0 0,1 0 16,20 0-16,-21 0 0,21 21 15,-20 0-15,20 0 0,-21 1 0,21 20 16,-20-21-16,-1 21 0,0-20 16,-21 20-16,21 0 0,0-21 0,-21 1 15,0 20-15,21-21 0,-21 0 16,22 0-16,-22 1 0,0-1 0,21 0 16,-21 0-16,0 0 15,21-21 1,0 0-1,-21-21 1,21 21-16,0-21 0</inkml:trace>
   <inkml:trace contextRef="#ctx0" brushRef="#br0" timeOffset="24959.87">1905 7451 0,'0'-21'63,"0"-1"-48,0 44 48,-21-22-63,21 21 15,0 0 1,21-21 15,-21-21-31,21 21 16</inkml:trace>
-  <inkml:trace contextRef="#ctx0" brushRef="#br0" timeOffset="25807.61">3746 6922 0,'0'0'15,"0"-22"1,0 1 0,-21 21-1,0 21 16,21 1-31,-21-1 0,21 0 0,0 0 16,0 21-16,0 1 0,0-1 16,0 22-16,0-1 0,0-21 0,0 22 15,0-1-15,0 1 0,0-22 16,0 22-16,0-22 0,0 0 0,0 1 16,0-1-16,0 0 0,0-20 0,0-1 15,0 21-15,0-21 0,0 0 16,0 1-16,0-1 0,0 0 31,0-42-15,0 0-1,0-1-15,0-20 16,0 21-16,0-21 0,0 20 16,0 1-16,21-21 0</inkml:trace>
+  <inkml:trace contextRef="#ctx0" brushRef="#br0" timeOffset="25807.6">3746 6922 0,'0'0'15,"0"-22"1,0 1 0,-21 21-1,0 21 16,21 1-31,-21-1 0,21 0 0,0 0 16,0 21-16,0 1 0,0-1 16,0 22-16,0-1 0,0-21 0,0 22 15,0-1-15,0 1 0,0-22 16,0 22-16,0-22 0,0 0 0,0 1 16,0-1-16,0 0 0,0-20 0,0-1 15,0 21-15,0-21 0,0 0 16,0 1-16,0-1 0,0 0 31,0-42-15,0 0-1,0-1-15,0-20 16,0 21-16,0-21 0,0 20 16,0 1-16,21-21 0</inkml:trace>
   <inkml:trace contextRef="#ctx0" brushRef="#br0" timeOffset="26643.44">3768 6964 0,'0'0'0,"-22"0"0,1 0 16,0 0-16,21-21 46,21 21-46,22 0 16,-22 0-16,21 0 0,-21 0 0,22-21 16,-1 21-16,21 0 0,-20 0 0,-1 0 15,22 0-15,-1-22 0,1 22 16,20 0-16,-20 0 0,20-21 0,1 21 16,-21 0-16,20 0 0,1 0 0,-22 0 15,1 0-15,-1 0 0,-20 0 16,-1 0-16,22 0 0,-43 0 15,21 0-15,0 0 0,-20 0 0,-1 0 16,0 0-16,0 0 0,0 21 16,-21 1-16,21-1 15,-21 0-15,0 0 16,0 0-16,0 0 16,0 1-16,0-1 0,0 0 0,0 0 15,0 0-15,0 22 0,0-22 0,0 21 16,0-21-16,0 22 0,0-1 15,0-21-15,0 21 0,0 1 16,0-22-16,0 21 0,0 1 0,0-22 16,0 0-16,0 21 0,0-21 15,0 1-15,0-1 0,0 0 0,0 0 16,0 0-16,0 0 0,0 1 0,0-1 16,0 0-16,0 0 0,22-21 15,-22 21-15,0 0 16,0 1-16,0-1 15,-22-21 17,1 21-17,0-21-15,0 0 16,0 0-16,-22 0 0,22 21 16,0-21-16,-21 0 0,-1 0 15,1 0-15,0 21 0,-22-21 0,1 0 16,-1 0-16,-20 0 0,20 0 0,-21 0 15,22 0-15,-1 0 0,1 0 16,21 0-16,-22 0 0,22 0 0,-1 0 16,1 0-16,0 0 0,21 0 0,-22 0 15,22 0-15,0 0 0,0-21 16,0 21-16,-1 0 0,22-21 0,-21 21 16,21-21 15,0 0-16,21 21 1,1-22-16,-1 1 16,0 21-16,0-21 0,21 0 0,22 0 15</inkml:trace>
   <inkml:trace contextRef="#ctx0" brushRef="#br0" timeOffset="27516.95">6011 7281 0,'-21'0'0,"42"0"0,-63 0 15,0 0-15,20 0 0,1 0 0,0 0 16,0 0-16,0 0 0,0 0 16,-1 0-16,1 0 0,21 22 15,21-22 1,1 0-1,20 21-15,-21-21 0,21 0 16,22 0-16,-22 0 0,1 0 0,20 0 16,-21 0-16,22 0 0,-1 0 0,-20 0 15,20 0-15,-20 0 0,20 0 16,1 0-16,-22 0 0,21 0 0,-20 0 16,-1 0-16,0 0 0,-20 0 0,-1 0 15,0 0-15,0 0 0,0 0 16,-21-21-16,0-1 15,0 1 1,-21 21-16,0 0 0,0-21 0,0 21 16,-1 0-16,1-21 0,0 21 15,0 0-15,0-21 0,0 21 0,-1 0 16,22-21 0,-21 21-16,64 0 31,-22 0-31,0 0 0,0 0 15,0 0-15,0 0 0,1 21 16,-1-21-16,21 0 0,-21 21 0,0-21 16,-21 21-16,22 0 0,-1 0 15,-21 1-15,0-1 0,0 0 16,0 0-16,0 0 0,0 0 16,-21 1-16,-1-1 0,1 0 0,0 0 15,0 0-15,0 0 0,0-21 0,-22 22 16,22-1-16,0-21 0,21 21 15,-21-21-15,0 0 0,42-21 32</inkml:trace>
   <inkml:trace contextRef="#ctx0" brushRef="#br0" timeOffset="29340.45">7853 7239 0,'0'-21'0,"0"42"0,21-63 0,-21 21 16,0-1-16,-21 1 16,0 0-16,-1 21 0,1-21 15,0 21-15,0-21 0,-21 0 0,20 21 16,-20 0-16,21 0 0,-21 0 16,20 0-16,-20 0 0,21 0 15,-21 21-15,20 0 0,-20 0 0,21 0 16,0 0-16,0 22 0,-1-1 0,1 0 15,21 1-15,0-1 0,0-21 16,0 22-16,0-1 0,0-21 0,0 21 16,0-20-16,21-1 0,-21 0 0,22 0 15,-1-21-15,0 0 0,0 0 16,0 0-16,0 0 0,22 0 0,-22 0 16,0 0-16,21-21 0,-20 0 0,20 0 15,-21-1-15,0 1 0,22-21 16,-22 21-16,0 0 0,0-22 15,0 22-15,-21-21 0,0 21 0,21-22 16,-21 22-16,22-21 0,-22 21 0,0-1 16,0 1-16,0 0 0,0 0 15,0 42 1,0 0-16,0 0 16,0 22-16,0-1 0,0 0 15,0 1-15,0-1 0,0 0 0,0 1 16,0-1-16,0 0 0,0 22 0,0-22 15,0 1-15,0-1 0,0 21 16,0-20-16,0-1 0,-22 0 16,22 1-16,0-1 0,0 0 0,0 1 15,0-22-15,0 0 0,0 0 0,0 0 16,0 1-16,22-22 16,-1 0-16,0-22 15,0 1-15,0 0 0,0-21 16,-21 21-16,22-22 0,-1 1 0,0 0 15,0-1-15,0-20 0,0 20 0,22-20 16,-22 21-16,0-22 0,0 1 16,0-1-16,-21 1 0,22-1 15,-1 1-15,0 20 0,-21 1 0,0 0 0,0 20 16,21-20-16,-21 21 0,0 0 16,21 21-1,-21 21 1,0 0-16,0 0 0,0 0 0,0 22 15,0-1-15,0 0 0,0-20 16,0 20-16,0 0 0,0 1 0,0-22 16,0 21-16,0-21 0,21 0 0,-21 22 15,22-22-15,-1 0 0,0-21 16,0 0-16,0 0 16,0 0-16,1 0 0,-1 0 0,0-21 15,0 0-15,0 0 0,0-1 0,-21 1 16,22-21-16,-1 21 0,0-22 15,-21 22-15,0-21 0,21 0 16,-21-1-16,21 22 0,-21-21 0,0 21 16,0-22-16,0 22 0,0 0 0,0 0 15,0 42 17,0 0-32,0 0 15,0 22-15,-21-22 0,21 0 0,0 21 16,0 1-16,0-22 15,0 21-15,0-21 0,0 0 0,0 22 16,0-22-16,0 0 0,0 0 0,21 0 16,0 1-16,1-1 0,-1-21 0,0 21 15,21-21-15,-21 0 16,1 0-16,-1 0 0,0 0 0,21 0 16,-21-21-16,22 0 0,-22 21 0,21-22 15,-21 1-15,1 0 0,20 0 0,-21 0 16,0 0-16,0-1 0,-21 1 15,0-21-15,0 21 0,22 0 0,-22-1 16,0 1-16,0 0 0,0 0 0,-22 21 31,1 21-15,21 0-16,0 0 0,-21 1 16,0-1-16,21 0 0,-21 21 0,21-21 15,0 1-15,0-1 0,0 21 0,0-21 16,0 0-16,0 1 0,21-1 15,0 0-15,0-21 0,0 0 16,1 0-16,-1 0 0,0 0 16,0 0-16,21 0 0,-20 0 0,-1-21 15,0 21-15,21-21 0,-21-1 16,22 1-16,-22 0 0,0 0 0,21 0 16,-20 0-16,-1-22 0,21 22 15,-21-21-15,0 21 0,1-22 0,-22 22 16,0 0-16,0 0 0,0 0 0,0-1 15,0 44 1,0-1 0,0 0-16,0 0 0,0 0 0,0 0 15,0 1-15,0-1 0,0 0 0,21 0 16,0 0-16,-21 0 0,21 1 16,-21-1-16,21 0 0,-21 0 15,0 0-15,0 0 0,0 1 0,0-1 16,-21 0-16,0-21 0,0 0 15,0 0-15,-1 21 0,1-21 16,0 0-16,0 0 0,0 0 16,0 0-16,-1 0 0,1 0 0,0 0 15,0 0 1,21-21 15,0 0-31,21 21 0,0-21 0,0 21 16,1-22-16,-1 1 0</inkml:trace>
@@ -1575,7 +1621,7 @@
   <inkml:trace contextRef="#ctx0" brushRef="#br0" timeOffset="77991.86">1122 9927 0,'0'0'0,"0"21"0,-21-21 0,-1 0 15,1 0-15,0 0 32,0 0-32,21-21 15,0 0-15,0 0 16,0 0-16,21 0 15,0 21-15,0-22 0,1 22 16,-1-21-16,21 21 0,-21 0 16,22 0-16,-1 0 0,0 0 0,1 0 15,-22 0-15,21 0 0,0 21 16,1 1-16,-22 20 0,0-21 0,0 0 16,-21 22-16,0-22 0,0 21 15,-21-21-15,0 22 0,0-22 0,0 21 16,-22-21-16,1 22 15,0-22-15,20 0 0,-20 0 0,21 0 16,0-21-16,-22 21 0,22-21 16,0 0-16,0 0 0,0 0 15,21-21 1,0 0-16,0 0 16,21 21-1,0-21-15,0 21 0,22 0 16,-22 0-16,21 0 0,-21 0 15,22 0-15,-22 21 0,21-21 0,-21 21 16,0 0-16,22 0 0,-22 1 16,0-1-16,0 0 0,0 21 15,-21-21-15,0 1 0,0 20 0,0 0 16,0-21-16,-21 22 0,0-22 16,-21 21-16,21-21 0,-22 1 0,1 20 15,0-21-15,-1 0 0,1-21 16,0 21-16,-1 1 0,1-22 0,0 0 15,-1 0-15,1 0 0,0 0 0,20 0 16,1 0-16,-21 0 0,21-22 16,0 22-16,-1-21 0,1 21 0,0-21 15,0 21 1,21-21-16,-21 21 0,21-21 31,21 0-15,0 21-1,0-22-15,0 22 0,1-21 16,20 0-16</inkml:trace>
   <inkml:trace contextRef="#ctx0" brushRef="#br0" timeOffset="78252.23">1947 10351 0,'0'-22'141</inkml:trace>
   <inkml:trace contextRef="#ctx0" brushRef="#br0" timeOffset="78496.09">4149 10139 0,'0'0'0,"-64"21"0,1-21 0,20 0 0,22 0 16,0 0-16,0 0 0</inkml:trace>
-  <inkml:trace contextRef="#ctx0" brushRef="#br0" timeOffset="79175.91">4127 9843 0,'0'0'0,"22"-43"0,-1 22 0,0-21 0,-21-1 16,21 1-16,0 0 0,-21-1 16,0 22-16,21-21 0,-21 21 0,0 0 15,0-1-15,22 1 0,-22 0 0,0 42 31,-22 0-31,1 22 16,21-1-16,-21 0 0,21 22 16,0-22-16,-21 22 0,0-1 15,0 22-15,-1-22 0,22 1 0,-21-1 16,0 22-16,0-21 0,0-1 16,-22 22-16,22-22 0,0 1 0,0-1 15,0-20-15,21-1 0,-21 0 0,21 1 16,-22-22-16,22 0 0,0 0 15,0-42 1,0 0-16,0 0 0,22-22 16,-1 1-16,-21 0 0,21-1 15,0-20-15,-21-1 0,21 1 0,0-1 16,1-20-16,-22 20 0,21-21 16,0 1-16,-21-1 0,21 22 15,0-22-15,0 21 0,-21 1 0,22 21 16,-1-22-16,-21 43 0,0-21 0,21 20 15,0 1-15,0 21 0,0 0 16,1 21-16,-1 22 0,0-1 16,-21 0-16,21 1 0,0 20 0,0 1 15,1 20-15,-22-20 0,0-1 16,21 1-16,-21-1 0,21 1 0,-21-1 16,0 1-16,0-1 0,0-20 15,0 20-15,0-20 0,0-1 16,0 0-16,0-21 0,0 22 0,0-22 15,0 0-15,0 0 0,0-42 32,-21 0-17,21 0-15,-21 0 0,-1-22 16,1 22-16,0 0 0,0-21 16</inkml:trace>
+  <inkml:trace contextRef="#ctx0" brushRef="#br0" timeOffset="79175.9">4127 9843 0,'0'0'0,"22"-43"0,-1 22 0,0-21 0,-21-1 16,21 1-16,0 0 0,-21-1 16,0 22-16,21-21 0,-21 21 0,0 0 15,0-1-15,22 1 0,-22 0 0,0 42 31,-22 0-31,1 22 16,21-1-16,-21 0 0,21 22 16,0-22-16,-21 22 0,0-1 15,0 22-15,-1-22 0,22 1 0,-21-1 16,0 22-16,0-21 0,0-1 16,-22 22-16,22-22 0,0 1 0,0-1 15,0-20-15,21-1 0,-21 0 0,21 1 16,-22-22-16,22 0 0,0 0 15,0-42 1,0 0-16,0 0 0,22-22 16,-1 1-16,-21 0 0,21-1 15,0-20-15,-21-1 0,21 1 0,0-1 16,1-20-16,-22 20 0,21-21 16,0 1-16,-21-1 0,21 22 15,0-22-15,0 21 0,-21 1 0,22 21 16,-1-22-16,-21 43 0,0-21 0,21 20 15,0 1-15,0 21 0,0 0 16,1 21-16,-1 22 0,0-1 16,-21 0-16,21 1 0,0 20 0,0 1 15,1 20-15,-22-20 0,0-1 16,21 1-16,-21-1 0,21 1 0,-21-1 16,0 1-16,0-1 0,0-20 15,0 20-15,0-20 0,0-1 16,0 0-16,0-21 0,0 22 0,0-22 15,0 0-15,0 0 0,0-42 32,-21 0-17,21 0-15,-21 0 0,-1-22 16,1 22-16,0 0 0,0-21 16</inkml:trace>
   <inkml:trace contextRef="#ctx0" brushRef="#br0" timeOffset="79351.81">3958 10329 0,'0'0'0,"-21"22"0,0-1 16,0-21-16,21 21 0,21-21 31,0 0-31,0-21 0,0 0 16,22 21-16,-22-22 0,0 1 0,21 21 16,-21-21-16,22 0 0,-1 21 0,-21-21 15,22 21-15,-22-21 0,21 21 16,-21-22-16,22 22 0,-22-21 0,21 21 15,-21 0-15</inkml:trace>
   <inkml:trace contextRef="#ctx0" brushRef="#br0" timeOffset="79856.53">5143 10160 0,'0'0'0,"22"0"0,-1-21 0,0 21 0,0-21 16,0 0-16,0 21 0,1-22 15,-1 22-15,-21-21 0,0 0 0,0 0 16,0 0-16,-21 0 16,-1 21-1,1 0-15,-21 0 0,21 21 0,0 0 16,-22-21-16,22 21 0,-21 0 0,21 0 16,-22 1-16,22-1 0,0 0 15,0 0-15,21 0 0,0 0 16,0 1-16,0-1 0,0 0 0,0 0 15,0 0-15,21-21 0,0 21 16,21 1-16,-20-22 0,20 21 0,-21-21 16,21 0-16,1 21 0,-1-21 0,22 21 15,-22-21-15,0 0 0,1 21 16,-1-21-16,0 21 0,-21-21 0,1 22 16,-22-1-16,0 0 0,-22 0 15,-20 0-15,21 0 0,-21-21 16,-1 22-16,1-1 0,0 0 15,-1-21-15,1 21 0,0-21 16,20 0-16,-20 21 0,0-21 0,21 0 16,-1 0-16,1 0 0,0 0 15,0 0-15,21-21 32,21 0-17,0 21-15,0 0 16,1-21-16,-1 0 0,0 21 0,0-22 15,0 22-15,22-21 0</inkml:trace>
   <inkml:trace contextRef="#ctx0" brushRef="#br0" timeOffset="80324.27">6032 10181 0,'0'0'0,"22"-21"0,20-42 16,-42 41-16,0 1 15,0 0-15,0 0 16,-21 21-16,0 0 16,-1 0-16,1 0 0,0 0 0,0 0 15,0 0-15,0 21 0,-1 0 0,1 0 16,0-21-16,0 22 0,0-1 16,0 0-16,21 0 0,0 0 0,0 0 15,0 1-15,0-1 0,0 0 16,0 0-16,21 0 15,0 0-15,0-21 0,0 22 0,22-1 16,-22-21-16,0 21 0,21 0 0,-21-21 16,1 21-16,-1 0 0,0-21 0,0 22 15,0-22-15,-21 21 0,21 0 16,-21 0-16,0 0 0,-21 0 16,0 1-16,-21-22 0,21 21 15,-22 0-15,1 0 0,0-21 0,-1 21 16,22-21-16,-21 0 0,-1 0 15,1 21-15,0-21 0,21 0 0,-22 0 16,22 0-16,0 0 0,0 0 16,0 0-16,42 0 31,0 0-31,0-21 16,0 21-16,22-21 0,-1 0 0,-21 21 15,21-21-15,1 0 0</inkml:trace>
@@ -1611,11 +1657,11 @@
   <inkml:trace contextRef="#ctx0" brushRef="#br0" timeOffset="145469.14">15113 11261 0,'0'0'0,"0"-21"16,42-1-1,-21 22-15,1 0 0,20 0 0,0-21 16,1 21-16,-1 0 0,0 0 0,1-21 15,-22 21-15,21 0 0,0-21 0,-20 21 16,-1 0-16,0 0 0,0 0 0,0-21 16,0 21-1,1 0 48</inkml:trace>
   <inkml:trace contextRef="#ctx0" brushRef="#br0" timeOffset="146195.62">16404 11049 0,'0'0'0,"-21"-21"16,21 0-16,-21 21 31,0 0-15,21 21-16,0 0 0,0 0 16,-22 0-16,22 1 0,0 20 0,-21 0 15,21-21-15,-21 22 0,21-1 16,-21-21-16,0 22 0,0-22 0,-1 21 15,22-21-15,-21 0 0,0 22 0,0-22 16,0 0-16,0-21 0,-1 21 16,1-21-16,21 21 0,0-42 47,21 21-32,1 0-15,-22-21 0,21 21 0,0 0 16,0 0-16,0 0 0,0 0 0,1 0 15,-1 0-15,0 0 0,21 0 0,-21 0 16,1 0-16,-1 0 0,0 0 0,0 0 16,0 0-16,0 0 0,1 0 15,-1-21-15,0 21 0,0-21 16,0 0-16,-21-1 0,21 22 16,-21-21-16,0 0 0,0 0 15,0 0-15,22 0 0,-22-1 0,0 1 16,0 0-16,0 0 0,0 0 15,-22 21 1,1 0-16,21 21 16,-21 0-16,21 0 0,-21 0 15,21 1-15,-21-1 0,21 0 0,0 21 16,0-21-16,-21 1 0,21-1 16,-22 21-16,22-21 0,-21 0 0,21 1 15,0-1-15,0 0 0,-21 0 0,21 0 16,-21 0-16,21 1 0,0-1 15,0 0-15,0 0 32,0-42 30</inkml:trace>
   <inkml:trace contextRef="#ctx0" brushRef="#br0" timeOffset="163423.57">868 13462 0,'21'0'16,"0"0"-1,-21-21-15,21 21 16,-21-21-1,0 0 1,0-1-16,21 1 16,-21 0-1,0 0-15,0 0 16,0 0-16,0-1 16,0 44 30,0-1-46,0 0 0,0 0 0,0 0 16,0 22-16,0-1 0,0 0 16,0 1-16,0-1 0,0 21 0,0-20 15,-21 20-15,0-20 0,21-1 16,-21 21-16,21-41 0,0 20 16,0 0-16,-21-21 0,21 1 15,0-1-15,0 0 0,-21-21 0,21 21 16,0-42 15,0 0-31,0 0 0,0-1 16,0 1-16,0 0 0,0 0 15,0 0-15,0 0 16,21 21-16,0 0 0,0 0 16,0 0-16,0 0 0,22 0 15,-22 0-15,0 0 0,21 0 0,-20 0 16,20 0-16,-21 0 0,0 0 15,22 0-15,-22 0 0,0 0 16,0 0-16,0 0 0,0 0 16,1 0-16,-22-22 0,0 1 15,0 0-15,21 0 0,-21-21 16,0 20-16,0-20 0,0 21 16,0-21-16,0-1 0,0 22 0,0 0 15,0-21-15,0 20 0,0 1 16,0 0-16,0 42 31,-21 0-31,21 1 0,0-1 16,0 21-16,-22-21 0,22 22 15,-21-1-15,21 0 0,0 1 0,0-1 16,-21 0-16,21 22 0,0-22 16,-21 0-16,21 1 0,0-1 0,0 0 15,0 1-15,-21-1 0,21-21 16,0 22-16,-21-22 0,21 21 0,0-21 15,0 0-15,0 1 0,0-1 16,0-42 15,0-22-31,21 22 16,0 0-16,0-21 0</inkml:trace>
-  <inkml:trace contextRef="#ctx0" brushRef="#br0" timeOffset="163768.48">1863 13843 0,'0'21'0,"0"0"16,0 1-16,0-1 16,0 0-1,21-21 16,0 0-31,-21-21 16,21 21-16,-21-21 16,0-1-16,0 1 15,-21 21 17,21 21-32,-21-21 15,21 22-15,0-1 0,0 0 16,0 0-1,21-21 17,0 0-32,0 0 15</inkml:trace>
+  <inkml:trace contextRef="#ctx0" brushRef="#br0" timeOffset="163768.47">1863 13843 0,'0'21'0,"0"0"16,0 1-16,0-1 16,0 0-1,21-21 16,0 0-31,-21-21 16,21 21-16,-21-21 16,0-1-16,0 1 15,-21 21 17,21 21-32,-21-21 15,21 22-15,0-1 0,0 0 16,0 0-1,21-21 17,0 0-32,0 0 15</inkml:trace>
   <inkml:trace contextRef="#ctx0" brushRef="#br0" timeOffset="173084.41">3979 13356 0,'0'0'0,"0"-21"16,0 0-1,0 0-15,0 0 16,0-1-16,0 1 16,0 0-16,0 0 0,0 0 15,0 0-15,0-1 0,0 1 16,0 0-16,0 0 0,-21 0 15,21 0-15,0-1 16,0 44 15,0-1-31,0 21 0,0 0 0,0 1 16,0-1-16,0 22 0,0-22 0,0 21 16,0 22-16,0-21 15,0 20-15,0-20 0,0-1 0,0 1 16,0-1-16,0 1 0,0-22 15,0 0-15,0 1 0,0-1 0,0-21 16,0 0-16,0 1 0,-21-1 0,21 0 16,-21-21 15,21-21-31,0 0 0,0-1 16,0 1-16,0 0 0,0 0 15,0-21-15,0-1 0,0 22 16,0-21-16</inkml:trace>
   <inkml:trace contextRef="#ctx0" brushRef="#br0" timeOffset="173498.17">3408 13293 0,'0'0'0,"-43"-21"0,1 21 15,21-22-15,0 1 0,21 0 16,0 0-16,0 0 0,0 0 0,0-1 15,21 1-15,21 0 0,1-21 16,-1 21-16,21-1 0,1 1 16,21 0-16,-22 21 0,1 0 0,20 0 15,-20 0-15,20 0 0,-20 21 16,-1 0-16,1 1 0,-1 20 0,1 0 16,-1 1-16,-20-1 0,-1 0 15,0 22-15,1-1 0,-43-20 0,0 20 16,0 1-16,0-1 0,0 1 15,-21-1-15,-1 1 0,-20-22 0,0 21 16,-1-20-16,1-1 0,0 0 0,-1 1 16,1-1-16,0-21 0,-1 22 15,1-22-15,21 0 0,-21 0 0,20 0 16,-20-21-16,21 21 0,0-21 16,0 0-1,21-21 1,0 0-1,21 0-15,0 0 0,0 0 16,0-1-16,0 1 0</inkml:trace>
   <inkml:trace contextRef="#ctx0" brushRef="#br0" timeOffset="176143.51">4593 13780 0,'0'0'0,"21"-22"0,0 1 15,-21 0-15,22 0 0,-1 0 16,-21 42 15,0 0-31,0 0 16,0 0-16,0 22 0,0-22 0,0 21 16,0-21-16,0 22 0,0-22 0,0 21 15,-21-21-15,21 22 0,0-22 16,0 0-16,0 0 0,0 0 0,0 1 15,0-1-15,21-21 16,0 0 0,0 0-16,0 0 0,0-21 0,1-1 15,-1 22-15,0-21 0,0-21 0,21 21 16,-20 0-16,-1-22 0,0 22 16,0-21-16,0-1 0,0 22 0,1-21 15,-1 0-15,-21 20 0,21 1 16,-21 0-16,21 0 0,-21 0 0,0 0 15,0 42 17,0 0-32,0 0 0,0 0 0,0 0 15,0 22-15,0-22 0,0 0 16,0 21-16,0-20 0,0-1 16,0 21-16,0-21 0,0 0 0,0 1 15,0-1-15,0 0 0,0 0 0,0 0 16,0 0-16,21-21 0,0 22 15,1-22-15,-1 0 16,0 0-16,0 0 0,0 0 0,0-22 16,22 1-16,-1 0 0,-21 0 15,22 0-15,-1 0 0,0-1 0,1-20 16,-1 0-16,-21 21 0,21-22 0,-20 22 16,-1-21-16,-21 21 0,0-1 15,0 1-15,0 0 16,-21 21-16,-1 0 0,1 0 15,-21 0-15,21 21 0,0-21 16,-22 21-16,22-21 0,0 22 0,0-1 16,21 0-16,0 0 15,21-21 1,0 21-16,0 0 0,0-21 0,1 22 16,20-22-16,-21 21 0,0 0 15,0 0-15,-21 0 0,22-21 16,-22 21-16,0 1 0,0-1 15,0 0-15,0 0 0,0 0 0,0 0 16,0 1-16,0-1 0,0 0 0,0 0 16,21 0-16,0 0 15,0-21-15,21 0 0,-20 0 0,20 0 16,-21 0-16,21 0 0,1 0 16,-1 0-16,0-21 0,22 21 0,-22-21 15,1 0-15,-1 0 0,0 0 0,1-1 16,-1 1-16,-21 0 0,21 0 15,-20 0-15,-1 0 0,0-1 0,0-20 16,-21 21-16,0 0 0,0 0 0,0-22 16,0 22-16,0 0 0,0 0 15,-21 0-15,0 21 0,0 0 16,-1 0-16,1 0 0,0 0 0,0 21 16,-21 0-1,20 0-15,1 0 0,0 0 0,0 1 16,21-1-16,-21 0 0,0 0 0,21 0 15,-22 22-15,22-22 0,0 0 0,0 0 16,0 0-16,0 0 0,0 1 16,0-1-16,22-21 15,-1 0-15,0 0 16,0 0-16,0 0 0,-21-21 16,21-1-16,1 22 0,-1-21 0,-21 0 15,21 0-15,0 0 0,-21 0 0,0-1 16,21 1-16,-21-21 15,21 21-15,-21 0 0,0-1 0,0 1 16,22 21-16,-22-21 0,0 42 31,0 0-31,0 1 16,-22-1-16,22 0 0,0 0 16,0 0-16,0 0 0,0 1 0,0-1 15,0 0-15,0 0 0,0 0 16,0 0-16,22 1 0,-1-22 15,0 21-15,0-21 16,0 0-16,22 0 0,-22 0 16,0 0-16,21 0 0,-21 0 0,22-21 15,-22-1-15,0 22 0,21-21 0,-20 0 16,-1 0-16,0-21 0,0 20 0,0-20 16,0 0-16,1-1 0,-1 1 15,-21 0-15,21-22 0,0 1 0,0 20 16,0-20-16,1 21 0,-22-1 0,0 1 15,21 0-15,-21-1 0,21 22 16,-21-21-16,0 21 0,0-1 16,-21 22-1,0 22 1,21-1-16,-22 0 0,22 21 16,0-21-16,0 22 0,-21-1 0,21 0 15,-21 22-15,21-22 0,-21 22 16,21-22-16,0 0 0,0 22 0,0-22 15,0 1-15,0-1 0,0 0 0,0-21 16,0 22-16,0-22 0,21 0 16,0 0-16,0 22 0,1-43 0,-1 21 15,0 0-15,0-21 0,0 0 0,0 0 16,1 0-16,-1 0 0,0 0 0,0 0 16,21-21-16,-20 21 0,-1-21 15,0-1-15,0 1 0,0 0 0,0 0 16,1 0-16,-1-22 0,0 22 15,0-21-15,-21 21 0,21 0 0,0-1 16,-21 1-16,22 0 0,-22 0 16,0 42 15,0 0-31,0 0 0,-22 1 16,22-1-16,0 0 0,0 0 0,0 0 15,-21 0-15,21 1 0,0-1 0,0 0 16,0 0-16,0 0 0,0 0 0,21 1 15,1-22-15,-22 21 16,21-21-16,0 0 0,0 0 0,0 0 16,0 0-16,1 0 0,-1 0 15,0 0-15,0 0 0,21-21 0,-20-1 16,-1 22-16,0-21 0,0 0 16,0 0-16,0 0 0,1-22 0,-1 22 15,0 0-15,-21 0 0,21 0 0,0 0 16,0-1-16,1 1 0,-22 42 31,0 1-15,0-1-16,0 0 15,0 0-15,0 0 0,0 0 16,0 1-16,-22-1 0,22 0 0,0 0 16,0 0-16,0 0 0,0 1 15,0-1 1,22-21-16,-1 0 0,0 0 15,0 0-15,0 0 0,0 0 16,1-21-16,-1 21 0,-21-22 0,21 22 16,-21-21-16,21 0 0,-21 0 15,0 0-15,0 0 0,0-1 16,0 1-16,0 0 0,0 0 16,0 0-16,0 0 0,0-1 15,-21 22-15,0 0 0,0 0 16,-1 0-1,1 0-15,21-21 32,21 21-17,1-21-15,-1 21 0,0 0 0,0 0 16,-21-21-16,21 21 0,0 0 16,1 0-16,-1 0 0,0 0 0,0 0 15,0 0-15,0 0 0,1 0 0,-1 0 16,21 21-16,-21-21 0,0 21 15,-21 0-15,22-21 0,-1 22 0,-21-1 16,21 0-16,-21 0 0,0 0 0,0 0 16,0 1-16,0-1 15,0 0-15,0 0 0,0 0 16,0 0-16,0 1 0,0-1 16,0 0-16,0 0 0,0 0 15,0-42 32,0 0-47,0 0 0,0 0 16,0-1-16,0 1 0,0 0 0,21 0 15,0-21-15,0 20 0,1-20 16,-1 0-16,21-1 0,-21 22 0,22-21 16,-1 0-16,0 20 0,1 1 15,-22 0-15,21 0 0,0 21 16,-20 0-16,-1 0 0,0 0 0,0 21 15,0 0-15,0 0 0,-21 1 0,0 20 16,0-21-16,0 21 0,0-20 0,0-1 16,0 21-16,0-21 0,0 22 15,-21-22-15,21 0 0,-21 0 0,21 0 16,0 0-16,-21 1 0,0-1 0,21 0 16,-21-21-16,21 21 0,0-42 62,0 0-62,0 0 0,0-1 16,0 1-16,0 0 0,0 0 15</inkml:trace>
-  <inkml:trace contextRef="#ctx0" brushRef="#br0" timeOffset="176371.38">8530 13377 0,'0'0'0,"-42"0"15,21 0 1,-1 0 46,1 0-46,0 0-16,0 0 0</inkml:trace>
+  <inkml:trace contextRef="#ctx0" brushRef="#br0" timeOffset="176371.37">8530 13377 0,'0'0'0,"-42"0"15,21 0 1,-1 0 46,1 0-46,0 0-16,0 0 0</inkml:trace>
   <inkml:trace contextRef="#ctx0" brushRef="#br0" timeOffset="176627.24">7112 13716 0,'-42'0'0,"84"0"0,-127 21 16,64 0-16,0-21 0,42 0 31,0 0-31,22 0 0,-1-21 0,0 21 16,1-21-16,-1 21 0,21-21 0,-20 21 16,-1-21-16,22 21 0,-22 0 15,0-21-15,1 21 0,-1 0 16,-21 0-16,21 0 0,-20-22 0,-1 22 15,0 0-15,0-21 16,0 21 0</inkml:trace>
   <inkml:trace contextRef="#ctx0" brushRef="#br0" timeOffset="178699.59">10139 13843 0,'0'0'0,"21"-21"31,0 0-31,0 21 0,0-21 16,22 21-16,-22-22 0,0 22 15,21-21-15,-20 0 0,-1 21 16,0-21-16,0 0 0,0 0 0,0-1 15,-21 1-15,0 0 0,0 0 0,0 0 16,0 0-16,0-1 16,0 1-16,-21 21 15,0 0-15,0 0 16,0 21-16,0-21 16,-1 22-16,1 20 0,0-21 0,0 0 15,0 22-15,0-1 0,-1 0 0,1-21 16,0 22-16,0-1 0,21 0 0,0 1 15,0-22-15,0 21 0,0-21 16,0 22-16,0-22 0,0 0 0,21 0 16,0 0-16,0 1 0,1-1 0,-1-21 15,21 0-15,-21 0 0,22 0 16,-1 0-16,-21 0 0,21 0 0,1-21 16,-1-1-16,0 1 0,1 0 0,-22 0 15,21 0-15,1 0 0,-1-22 16,-21 1-16,21 0 0,-20-1 0,-1 1 15,0 0-15,21-22 0,-42 1 16,21 20-16,1-20 0,-22 20 0,0-20 16,0 21-16,0-22 0,0 22 15,0-1-15,0 22 0,0-21 0,0 21 16,0 0-16,-22 21 31,1 21-31,21 0 0,-21 21 0,0-21 16,0 22-16,21-1 0,-21 0 0,21 22 15,-22-22-15,22 1 0,0 20 16,0 1-16,0-22 0,0 21 0,0-20 16,0 20-16,0-20 0,22-1 0,-1 0 15,0 1-15,0-22 16,0 21-16,0-21 0,22 22 0,-1-22 16,-21 0-16,22-21 0,-1 21 0,0-21 15,1 0-15,20 0 0,-21 0 0,1 0 16,-1 0-16,0-21 0,1 0 15,-1 0-15,-21 21 0,22-43 0,-1 22 16,-21 0-16,21 0 0,-20 0 0,-1-22 16,0 1-16,0 21 0,-21-22 0,0 1 15,0 0-15,0 21 0,0-22 16,0 22-16,0-21 0,0 21 16,0-1-16,-21 22 0,0 0 15,0 0-15,-1 22 16,1-1-16,0 0 0,-21 0 0,21 0 15,-1 22-15,-20-22 0,21 21 0,0-21 16,0 22-16,21-1 0,0-21 0,-22 0 16,22 22-16,0-22 0,0 0 15,0 0-15,0 0 0,0 0 0,0 1 16,22-1-16,-1-21 16,0 0-16,0 0 0,0 0 15,0 0-15,1 0 16,-1-21-16,0-1 0,0 1 0,0-21 15,0 21-15,1 0 0,-22-1 16,21-20-16,0 0 0,-21 21 16,21-22-16,0 22 0,-21-21 15,0 21-15,21-1 0,-21 1 16,22 21-16,-22 21 31,0 1-31,-22-1 0,22 0 0,-21 21 16,21-21-16,0 1 0,0-1 0,0 0 15,0 21-15,0-21 0,0 1 0,0-1 16,0 0-16,21 0 16,1 0-16,-1-21 0,0 0 0,0 21 15,0-21-15,0 0 0,1 0 0,20 0 16,-21 0-16,21 0 0,-20-21 16,20 0-16,0 21 0,-21-21 15,22 0-15,-1 0 0,-21-1 0,22 1 16,-22-21-16,21 21 0,-21-22 0,0 22 15,1-21-15,-1 0 0,0-1 16,-21 22-16,21-21 0,-21 21 0,0-1 16,0 1-16,-21 21 15,0 21 1,21 1-16,-21-1 0,21 0 16,0 0-16,0 0 0,0 22 0,0-22 15,0 0-15,0 0 0,21 0 0,-21 0 16,21 1-16,-21-1 15,0 0-15,21 0 0,0 0 16,-21 0-16,0 1 0,0-1 16,-21-21 15,0 0-31,0 0 16,0 0-16,-1-21 15,1 21-15,21-22 16,-21 22-1,0 0-15,21 22 16,0-1 0,0 0-1,0 0-15,0 0 0,0 0 16,0 1 0,21-22-16,0 0 0,0 0 15,1 0-15,20 0 0,-21 0 16,0 0-16,22 0 0,-1 0 0,-21-22 15,21 1-15,1 21 0,-22-21 0,21 0 16,1 0-16,-1 0 0,0-1 0,-21-20 16,22 21-16,-22-21 0,21-1 15,-21 22-15,1-21 0,-1-1 0,-21 1 16,0 0-16,21 21 0,-21-1 16,0 1-16,0 0 0,0 0 15,-21 21-15,0 0 16,-1 0-16,1 21 0,0-21 0,0 21 15,0 0-15,21 1 0,0-1 0,0 21 16,0-21-16,0 0 0,0 1 16,0-1-16,0 0 0,0 0 0,21 0 15,0 0-15,-21 1 0,21-1 0,0 0 16,-21 0-16,22-21 0,-22 21 16,0 0-16,21 1 0,-21-1 15,0 0 1,-21-21-16,-1 21 15,1-21 1,0 0-16,0 0 0,0 21 16,0-21-16,-1 0 0</inkml:trace>
   <inkml:trace contextRef="#ctx0" brushRef="#br0" timeOffset="180648.29">5334 15177 0,'0'0'0,"-21"0"15,0 0-15,-1-22 16,1 22-1,0 0-15,21-21 16,0 0 0,0 0-1,21 0-15,0 21 16,1 0-16,-1-21 0,0 21 16,21 0-16,-21 0 0,22 0 0,-1 0 15,-21 0-15,22 0 0,-22 0 0,0 21 16,21 0-16,-42 0 0,21 0 15,-21 0-15,0 1 0,0 20 16,0-21-16,0 0 0,-21 22 0,0-22 16,0 0-16,-21 21 0,20-21 15,1 1-15,-21-1 0,21 0 0,0 0 16,-1-21-16,1 21 0,0-21 16,21-21 15,0 0-31,21 0 0,0 21 15,1-21-15,-1-1 0,0 22 16,0 0-16,21-21 0,-20 21 0,20 0 16,0 0-16,-21 0 0,22 0 15,-22 0-15,21 21 0,-21-21 16,1 22-16,20-1 0,-42 0 0,21 0 16,-21 0-16,0 0 0,0 1 0,0 20 15,0-21-15,0 0 0,-21 22 16,21-22-16,-21 0 0,-22 0 0,22 0 15,0 0-15,0 1 0,-21-1 0,20 0 16,-20 0-16,0-21 0,-1 0 16,22 21-16,-21-21 0,0 0 0,-1 0 15,22 0-15,-21 0 0,21 0 16,-22-21-16,22 0 0,0 21 0,0-21 16,0 21-16,21-21 0,-22 21 0,22-22 15,-21 22-15,21-21 16,0 0-1,21 0 17,1 21-32,-1 0 15,0-21-15</inkml:trace>
@@ -1623,7 +1669,7 @@
   <inkml:trace contextRef="#ctx0" brushRef="#br0" timeOffset="182131.94">7387 15007 0,'0'0'0,"21"-21"0,-21 0 16,0 0-16,0 0 0,0-1 0,0 1 16,21 21-16,-21-21 0,0 42 31,0 0-16,0 1-15,0 20 0,0 0 16,0 1-16,0-1 0,-21 0 0,21 22 16,-21-1-16,21-20 0,-21 20 0,21-21 15,0 1-15,-21-1 0,21 0 16,-21 1-16,21-1 0,-22-21 16,22 0-16,0 1 0,0-1 0,0 0 0,0 0 15,0-42 32,22 0-47,-1 0 0</inkml:trace>
   <inkml:trace contextRef="#ctx0" brushRef="#br0" timeOffset="182523.66">7726 15346 0,'0'-21'15,"0"42"1,0 0-16,0 0 16,-21 0-16,21 1 0,-22 20 15,22-21-15,-21 0 0,21 0 0,0 22 16,0-22-16,0 0 0,0 0 16,0 0-16,0 1 0,0-1 0,0 0 15,21 0-15,1-21 0,-1 0 16,0 0-16,0 0 0,0 0 0,0 0 15,1 0-15,-1-21 16,0 0-16,0 21 0,0-21 0,0-1 16,-21 1-16,0 0 0,0 0 15,0-21-15,0 20 0,0 1 16,0 0-16,-21 0 0,0 0 16,0 0-16,0 21 0,0-22 0,-1 22 15,1 0-15,0 0 16,0 0-16,0 0 0,0 0 15,-1 0-15,22-21 47</inkml:trace>
   <inkml:trace contextRef="#ctx0" brushRef="#br0" timeOffset="182807.01">7408 15282 0,'0'0'0,"-21"0"0,0 0 0,21-21 16,0 0-1,0 0-15,21 21 16,0-21-16,22 21 0,-22 0 0,21-21 16,-21 21-16,22 0 0,-1-22 15,0 22-15,1-21 0,-22 21 0,21 0 16,-21 0-16,0 0 0,1 0 15,-1 0-15,-21 21 32,-21 1-17,-1-22-15,1 0 0,21 21 16,43-21 0,-22 0-16</inkml:trace>
-  <inkml:trace contextRef="#ctx0" brushRef="#br0" timeOffset="183487.35">8678 15177 0,'0'0'0,"-21"-43"16,21 22-1,0 0-15,0 0 16,21 21-16,0 0 0,1-21 16,20 21-16,-21 0 0,0 0 0,22 0 15,-22 0-15,0 0 0,21 0 16,-21 21-16,1 0 0,20 0 0,-42 0 16,21 0-16,-21 1 0,0-1 0,0 21 15,0-21-15,0 0 0,-21 1 16,0 20-16,0-21 0,-22 0 15,22 0-15,-21 1 0,21-1 0,-22 0 16,1 0-16,21-21 0,0 21 0,-1-21 16,1 0-16,21-21 31,0 0-31,0 0 16,21 21-16,1-21 0,-1 21 15,0 0-15,0-22 0,0 22 0,0 0 16,1 0-16,20 0 0,-21 0 0,0 0 15,22 0-15,-22 0 16,21 22-16,-21-22 0,0 21 0,1 0 16,20-21-16,-21 21 0,-21 0 0,21 0 15,-21 1-15,21-1 0,-21 0 0,0 0 16,0 0-16,0 0 0,-21 1 16,0-1-16,0-21 0,0 21 0,-22 0 15,22 0-15,0 0 0,-21-21 0,21 22 16,-22-22-16,22 0 0,0 21 15,-21-21-15,20 0 0,-20 0 0,21 0 16,0 0-16,0 0 0,-1 0 0,1 0 16,0 0-16,0 0 0,0 0 15,0 0 1,-1 0 0,22-21-1,22 21 1,-1-22-1,0 22-15,0-21 0,0 0 0,22 21 16</inkml:trace>
+  <inkml:trace contextRef="#ctx0" brushRef="#br0" timeOffset="183487.34">8678 15177 0,'0'0'0,"-21"-43"16,21 22-1,0 0-15,0 0 16,21 21-16,0 0 0,1-21 16,20 21-16,-21 0 0,0 0 0,22 0 15,-22 0-15,0 0 0,21 0 16,-21 21-16,1 0 0,20 0 0,-42 0 16,21 0-16,-21 1 0,0-1 0,0 21 15,0-21-15,0 0 0,-21 1 16,0 20-16,0-21 0,-22 0 15,22 0-15,-21 1 0,21-1 0,-22 0 16,1 0-16,21-21 0,0 21 0,-1-21 16,1 0-16,21-21 31,0 0-31,0 0 16,21 21-16,1-21 0,-1 21 15,0 0-15,0-22 0,0 22 0,0 0 16,1 0-16,20 0 0,-21 0 0,0 0 15,22 0-15,-22 0 16,21 22-16,-21-22 0,0 21 0,1 0 16,20-21-16,-21 21 0,-21 0 0,21 0 15,-21 1-15,21-1 0,-21 0 0,0 0 16,0 0-16,0 0 0,-21 1 16,0-1-16,0-21 0,0 21 0,-22 0 15,22 0-15,0 0 0,-21-21 0,21 22 16,-22-22-16,22 0 0,0 21 15,-21-21-15,20 0 0,-20 0 0,21 0 16,0 0-16,0 0 0,-1 0 0,1 0 16,0 0-16,0 0 0,0 0 15,0 0 1,-1 0 0,22-21-1,22 21 1,-1-22-1,0 22-15,0-21 0,0 0 0,22 21 16</inkml:trace>
   <inkml:trace contextRef="#ctx0" brushRef="#br0" timeOffset="183759.2">9610 15261 0,'0'-21'16,"0"0"-1,21 21 1,0 0-16,0 0 0,0 0 0,0 0 16,1-21-16,-1 21 0,0 0 15,0 0-15,21 0 0,-20 0 0,-1 0 16,0 0-16,0 0 0,-42 0 47</inkml:trace>
   <inkml:trace contextRef="#ctx0" brushRef="#br0" timeOffset="184267.14">9631 15198 0,'0'0'0,"-43"42"16,43-21-16,-21 0 0,0-21 16,21 22-16,-21-1 0,21 0 0,0 0 15,-21 0-15,21 0 0,-21-21 16,21 22-16,0-1 0,0 0 16,0 0-16,0 0 0,0 0 15,21-21 32,0 0-47,0 0 16,0-21-16,0 21 15,1 0-15,-1 0 0,-21-21 16,21 21-16,0 0 0,0 0 0,0 0 16,1 0-16,-1 0 0,0 0 0,0 0 15,0 0-15,0 21 16,1-21-16,-1 21 0,0 1 15,-21-1-15,21-21 0,-21 21 16,0 0-16,0 0 16,0 0-16,0 1 0,-21-22 15,0 21-15,0 0 0,-1 0 16,1 0-16,0-21 0,0 21 0,0 1 16,0-22-1,-1 0 1,1 0-16,0 0 15,0 0 17,0 0-32,0 0 0</inkml:trace>
   <inkml:trace contextRef="#ctx0" brushRef="#br0" timeOffset="185427.65">5292 16468 0,'0'0'0,"0"-21"0,0-1 0,0 1 15,0 0-15,0 0 0,-22 21 0,22-21 16,0 0 0,-21 21-16,21 21 15,0 0-15,0 0 16,0 21-16,0-20 0,0-1 16,21 21-16,1 0 0,-1-20 0,-21 20 15,21 0-15,0 1 0,-21-1 0,21-21 16,0 21-16,1 1 0,-1-22 15,0 0-15,21 0 0,-21 0 0,1 1 16,20-1-16,0-21 0,-21 0 0,22 0 16,-1 0-16,0 0 15,1 0-15,-1 0 0,0 0 0,1-21 16,-1-1-16,0 1 0,1 0 0,-1 0 16,0-21-16,22 20 0,-22-20 15,22 21-15,-1-21 0,-20 20 0,41-20 16,-20 21-16,20 0 0,-20-22 0,21 22 15,-1 0-15,1 0 0,-22 0 16,22 0-16,-21-1 0,20 22 0,-20-21 16,20 21-16,-20-21 0,-1 21 0,22 0 15,-21 0-15,-1 0 0,1 0 16,-1 0-16,1 0 0,-1 21 16,-21 0-16,1 1 0,-1-22 0,-21 21 15,22 0-15,-22 0 0,0 0 16,0 0-16,0-21 0,0 22 0,-21-1 15,0 0-15,22 0 0,-22 0 0,0 0 16,0 1-16,0-1 0,0 0 16,0 0-1,0-42 1,21 0 0,-21 0-1,0-1-15,21 1 0,0 0 0,0 0 0,0 0 16,1-22-16,-1 22 0,21 0 15,-21 0-15,22 0 0,-1 0 16,0-1-16,1 22 0,-1-21 0,0 21 16,1 0-16,-1 0 0,21 0 0,-20 0 15,-1 0-15,0 0 0,-20 0 0,20 0 16,0 0-16,-21 21 0,22-21 16,-22 22-16,21-1 0,-21-21 0,1 21 15,20 0-15,-21-21 0,21 21 0,-20-21 16,-1 21-16,21-21 0,-21 22 0,0-22 15,1 0-15,20 0 0,-21 0 16,0 0-16,0 0 0,1 0 0,-1 0 16,0 0-16,0-22 0,0 1 15,0 21-15,-21-21 0,22 0 0,-1 0 16,0 0-16,-21-1 0,0 1 16,21-21-16,0 21 0,-21-22 0,21 22 15,-21-21-15,22 0 0,-1 20 0,-21 1 16,0-21-16,0 21 0,21 21 15,-21-21-15,21-1 0,0 22 32,0 0-32,1 0 0,-22 22 15,21-22-15,-21 21 16,0 0-16,0 0 16</inkml:trace>
@@ -1779,7 +1825,7 @@
           <a:p>
             <a:fld id="{083616FB-6824-4AF8-AB96-AAF546829608}" type="datetimeFigureOut">
               <a:rPr lang="en-IN" smtClean="0"/>
-              <a:t>01-12-2020</a:t>
+              <a:t>03-12-2020</a:t>
             </a:fld>
             <a:endParaRPr lang="en-IN"/>
           </a:p>
@@ -1979,7 +2025,7 @@
           <a:p>
             <a:fld id="{083616FB-6824-4AF8-AB96-AAF546829608}" type="datetimeFigureOut">
               <a:rPr lang="en-IN" smtClean="0"/>
-              <a:t>01-12-2020</a:t>
+              <a:t>03-12-2020</a:t>
             </a:fld>
             <a:endParaRPr lang="en-IN"/>
           </a:p>
@@ -2189,7 +2235,7 @@
           <a:p>
             <a:fld id="{083616FB-6824-4AF8-AB96-AAF546829608}" type="datetimeFigureOut">
               <a:rPr lang="en-IN" smtClean="0"/>
-              <a:t>01-12-2020</a:t>
+              <a:t>03-12-2020</a:t>
             </a:fld>
             <a:endParaRPr lang="en-IN"/>
           </a:p>
@@ -2389,7 +2435,7 @@
           <a:p>
             <a:fld id="{083616FB-6824-4AF8-AB96-AAF546829608}" type="datetimeFigureOut">
               <a:rPr lang="en-IN" smtClean="0"/>
-              <a:t>01-12-2020</a:t>
+              <a:t>03-12-2020</a:t>
             </a:fld>
             <a:endParaRPr lang="en-IN"/>
           </a:p>
@@ -2665,7 +2711,7 @@
           <a:p>
             <a:fld id="{083616FB-6824-4AF8-AB96-AAF546829608}" type="datetimeFigureOut">
               <a:rPr lang="en-IN" smtClean="0"/>
-              <a:t>01-12-2020</a:t>
+              <a:t>03-12-2020</a:t>
             </a:fld>
             <a:endParaRPr lang="en-IN"/>
           </a:p>
@@ -2933,7 +2979,7 @@
           <a:p>
             <a:fld id="{083616FB-6824-4AF8-AB96-AAF546829608}" type="datetimeFigureOut">
               <a:rPr lang="en-IN" smtClean="0"/>
-              <a:t>01-12-2020</a:t>
+              <a:t>03-12-2020</a:t>
             </a:fld>
             <a:endParaRPr lang="en-IN"/>
           </a:p>
@@ -3348,7 +3394,7 @@
           <a:p>
             <a:fld id="{083616FB-6824-4AF8-AB96-AAF546829608}" type="datetimeFigureOut">
               <a:rPr lang="en-IN" smtClean="0"/>
-              <a:t>01-12-2020</a:t>
+              <a:t>03-12-2020</a:t>
             </a:fld>
             <a:endParaRPr lang="en-IN"/>
           </a:p>
@@ -3490,7 +3536,7 @@
           <a:p>
             <a:fld id="{083616FB-6824-4AF8-AB96-AAF546829608}" type="datetimeFigureOut">
               <a:rPr lang="en-IN" smtClean="0"/>
-              <a:t>01-12-2020</a:t>
+              <a:t>03-12-2020</a:t>
             </a:fld>
             <a:endParaRPr lang="en-IN"/>
           </a:p>
@@ -3603,7 +3649,7 @@
           <a:p>
             <a:fld id="{083616FB-6824-4AF8-AB96-AAF546829608}" type="datetimeFigureOut">
               <a:rPr lang="en-IN" smtClean="0"/>
-              <a:t>01-12-2020</a:t>
+              <a:t>03-12-2020</a:t>
             </a:fld>
             <a:endParaRPr lang="en-IN"/>
           </a:p>
@@ -3916,7 +3962,7 @@
           <a:p>
             <a:fld id="{083616FB-6824-4AF8-AB96-AAF546829608}" type="datetimeFigureOut">
               <a:rPr lang="en-IN" smtClean="0"/>
-              <a:t>01-12-2020</a:t>
+              <a:t>03-12-2020</a:t>
             </a:fld>
             <a:endParaRPr lang="en-IN"/>
           </a:p>
@@ -4205,7 +4251,7 @@
           <a:p>
             <a:fld id="{083616FB-6824-4AF8-AB96-AAF546829608}" type="datetimeFigureOut">
               <a:rPr lang="en-IN" smtClean="0"/>
-              <a:t>01-12-2020</a:t>
+              <a:t>03-12-2020</a:t>
             </a:fld>
             <a:endParaRPr lang="en-IN"/>
           </a:p>
@@ -4448,7 +4494,7 @@
           <a:p>
             <a:fld id="{083616FB-6824-4AF8-AB96-AAF546829608}" type="datetimeFigureOut">
               <a:rPr lang="en-IN" smtClean="0"/>
-              <a:t>01-12-2020</a:t>
+              <a:t>03-12-2020</a:t>
             </a:fld>
             <a:endParaRPr lang="en-IN"/>
           </a:p>
@@ -4915,8 +4961,8 @@
           </a:p>
         </p:txBody>
       </p:sp>
-      <mc:AlternateContent xmlns:mc="http://schemas.openxmlformats.org/markup-compatibility/2006">
-        <mc:Choice xmlns:p14="http://schemas.microsoft.com/office/powerpoint/2010/main" Requires="p14">
+      <mc:AlternateContent xmlns:mc="http://schemas.openxmlformats.org/markup-compatibility/2006" xmlns:p14="http://schemas.microsoft.com/office/powerpoint/2010/main">
+        <mc:Choice Requires="p14">
           <p:contentPart p14:bwMode="auto" r:id="rId2">
             <p14:nvContentPartPr>
               <p14:cNvPr id="4" name="Ink 3">
@@ -4935,7 +4981,7 @@
             </p14:xfrm>
           </p:contentPart>
         </mc:Choice>
-        <mc:Fallback>
+        <mc:Fallback xmlns="">
           <p:pic>
             <p:nvPicPr>
               <p:cNvPr id="4" name="Ink 3">
@@ -5046,8 +5092,8 @@
           </a:p>
         </p:txBody>
       </p:sp>
-      <mc:AlternateContent xmlns:mc="http://schemas.openxmlformats.org/markup-compatibility/2006">
-        <mc:Choice xmlns:p14="http://schemas.microsoft.com/office/powerpoint/2010/main" Requires="p14">
+      <mc:AlternateContent xmlns:mc="http://schemas.openxmlformats.org/markup-compatibility/2006" xmlns:p14="http://schemas.microsoft.com/office/powerpoint/2010/main">
+        <mc:Choice Requires="p14">
           <p:contentPart p14:bwMode="auto" r:id="rId2">
             <p14:nvContentPartPr>
               <p14:cNvPr id="4" name="Ink 3">
@@ -5066,7 +5112,7 @@
             </p14:xfrm>
           </p:contentPart>
         </mc:Choice>
-        <mc:Fallback>
+        <mc:Fallback xmlns="">
           <p:pic>
             <p:nvPicPr>
               <p:cNvPr id="4" name="Ink 3">
@@ -5177,8 +5223,8 @@
           </a:p>
         </p:txBody>
       </p:sp>
-      <mc:AlternateContent xmlns:mc="http://schemas.openxmlformats.org/markup-compatibility/2006">
-        <mc:Choice xmlns:p14="http://schemas.microsoft.com/office/powerpoint/2010/main" Requires="p14">
+      <mc:AlternateContent xmlns:mc="http://schemas.openxmlformats.org/markup-compatibility/2006" xmlns:p14="http://schemas.microsoft.com/office/powerpoint/2010/main">
+        <mc:Choice Requires="p14">
           <p:contentPart p14:bwMode="auto" r:id="rId2">
             <p14:nvContentPartPr>
               <p14:cNvPr id="4" name="Ink 3">
@@ -5197,7 +5243,7 @@
             </p14:xfrm>
           </p:contentPart>
         </mc:Choice>
-        <mc:Fallback>
+        <mc:Fallback xmlns="">
           <p:pic>
             <p:nvPicPr>
               <p:cNvPr id="4" name="Ink 3">
@@ -5308,8 +5354,8 @@
           </a:p>
         </p:txBody>
       </p:sp>
-      <mc:AlternateContent xmlns:mc="http://schemas.openxmlformats.org/markup-compatibility/2006">
-        <mc:Choice xmlns:p14="http://schemas.microsoft.com/office/powerpoint/2010/main" Requires="p14">
+      <mc:AlternateContent xmlns:mc="http://schemas.openxmlformats.org/markup-compatibility/2006" xmlns:p14="http://schemas.microsoft.com/office/powerpoint/2010/main">
+        <mc:Choice Requires="p14">
           <p:contentPart p14:bwMode="auto" r:id="rId2">
             <p14:nvContentPartPr>
               <p14:cNvPr id="4" name="Ink 3">
@@ -5328,7 +5374,7 @@
             </p14:xfrm>
           </p:contentPart>
         </mc:Choice>
-        <mc:Fallback>
+        <mc:Fallback xmlns="">
           <p:pic>
             <p:nvPicPr>
               <p:cNvPr id="4" name="Ink 3">
@@ -5439,8 +5485,8 @@
           </a:p>
         </p:txBody>
       </p:sp>
-      <mc:AlternateContent xmlns:mc="http://schemas.openxmlformats.org/markup-compatibility/2006">
-        <mc:Choice xmlns:p14="http://schemas.microsoft.com/office/powerpoint/2010/main" Requires="p14">
+      <mc:AlternateContent xmlns:mc="http://schemas.openxmlformats.org/markup-compatibility/2006" xmlns:p14="http://schemas.microsoft.com/office/powerpoint/2010/main">
+        <mc:Choice Requires="p14">
           <p:contentPart p14:bwMode="auto" r:id="rId2">
             <p14:nvContentPartPr>
               <p14:cNvPr id="4" name="Ink 3">
@@ -5459,7 +5505,7 @@
             </p14:xfrm>
           </p:contentPart>
         </mc:Choice>
-        <mc:Fallback>
+        <mc:Fallback xmlns="">
           <p:pic>
             <p:nvPicPr>
               <p:cNvPr id="4" name="Ink 3">
@@ -5570,8 +5616,8 @@
           </a:p>
         </p:txBody>
       </p:sp>
-      <mc:AlternateContent xmlns:mc="http://schemas.openxmlformats.org/markup-compatibility/2006">
-        <mc:Choice xmlns:p14="http://schemas.microsoft.com/office/powerpoint/2010/main" Requires="p14">
+      <mc:AlternateContent xmlns:mc="http://schemas.openxmlformats.org/markup-compatibility/2006" xmlns:p14="http://schemas.microsoft.com/office/powerpoint/2010/main">
+        <mc:Choice Requires="p14">
           <p:contentPart p14:bwMode="auto" r:id="rId2">
             <p14:nvContentPartPr>
               <p14:cNvPr id="4" name="Ink 3">
@@ -5590,7 +5636,7 @@
             </p14:xfrm>
           </p:contentPart>
         </mc:Choice>
-        <mc:Fallback>
+        <mc:Fallback xmlns="">
           <p:pic>
             <p:nvPicPr>
               <p:cNvPr id="4" name="Ink 3">
@@ -5701,8 +5747,8 @@
           </a:p>
         </p:txBody>
       </p:sp>
-      <mc:AlternateContent xmlns:mc="http://schemas.openxmlformats.org/markup-compatibility/2006">
-        <mc:Choice xmlns:p14="http://schemas.microsoft.com/office/powerpoint/2010/main" Requires="p14">
+      <mc:AlternateContent xmlns:mc="http://schemas.openxmlformats.org/markup-compatibility/2006" xmlns:p14="http://schemas.microsoft.com/office/powerpoint/2010/main">
+        <mc:Choice Requires="p14">
           <p:contentPart p14:bwMode="auto" r:id="rId2">
             <p14:nvContentPartPr>
               <p14:cNvPr id="4" name="Ink 3">
@@ -5721,7 +5767,7 @@
             </p14:xfrm>
           </p:contentPart>
         </mc:Choice>
-        <mc:Fallback>
+        <mc:Fallback xmlns="">
           <p:pic>
             <p:nvPicPr>
               <p:cNvPr id="4" name="Ink 3">
@@ -5832,8 +5878,8 @@
           </a:p>
         </p:txBody>
       </p:sp>
-      <mc:AlternateContent xmlns:mc="http://schemas.openxmlformats.org/markup-compatibility/2006">
-        <mc:Choice xmlns:p14="http://schemas.microsoft.com/office/powerpoint/2010/main" Requires="p14">
+      <mc:AlternateContent xmlns:mc="http://schemas.openxmlformats.org/markup-compatibility/2006" xmlns:p14="http://schemas.microsoft.com/office/powerpoint/2010/main">
+        <mc:Choice Requires="p14">
           <p:contentPart p14:bwMode="auto" r:id="rId2">
             <p14:nvContentPartPr>
               <p14:cNvPr id="4" name="Ink 3">
@@ -5852,7 +5898,7 @@
             </p14:xfrm>
           </p:contentPart>
         </mc:Choice>
-        <mc:Fallback>
+        <mc:Fallback xmlns="">
           <p:pic>
             <p:nvPicPr>
               <p:cNvPr id="4" name="Ink 3">
@@ -5963,8 +6009,8 @@
           </a:p>
         </p:txBody>
       </p:sp>
-      <mc:AlternateContent xmlns:mc="http://schemas.openxmlformats.org/markup-compatibility/2006">
-        <mc:Choice xmlns:p14="http://schemas.microsoft.com/office/powerpoint/2010/main" Requires="p14">
+      <mc:AlternateContent xmlns:mc="http://schemas.openxmlformats.org/markup-compatibility/2006" xmlns:p14="http://schemas.microsoft.com/office/powerpoint/2010/main">
+        <mc:Choice Requires="p14">
           <p:contentPart p14:bwMode="auto" r:id="rId2">
             <p14:nvContentPartPr>
               <p14:cNvPr id="4" name="Ink 3">
@@ -5983,7 +6029,7 @@
             </p14:xfrm>
           </p:contentPart>
         </mc:Choice>
-        <mc:Fallback>
+        <mc:Fallback xmlns="">
           <p:pic>
             <p:nvPicPr>
               <p:cNvPr id="4" name="Ink 3">
@@ -6094,8 +6140,8 @@
           </a:p>
         </p:txBody>
       </p:sp>
-      <mc:AlternateContent xmlns:mc="http://schemas.openxmlformats.org/markup-compatibility/2006">
-        <mc:Choice xmlns:p14="http://schemas.microsoft.com/office/powerpoint/2010/main" Requires="p14">
+      <mc:AlternateContent xmlns:mc="http://schemas.openxmlformats.org/markup-compatibility/2006" xmlns:p14="http://schemas.microsoft.com/office/powerpoint/2010/main">
+        <mc:Choice Requires="p14">
           <p:contentPart p14:bwMode="auto" r:id="rId2">
             <p14:nvContentPartPr>
               <p14:cNvPr id="4" name="Ink 3">
@@ -6114,7 +6160,7 @@
             </p14:xfrm>
           </p:contentPart>
         </mc:Choice>
-        <mc:Fallback>
+        <mc:Fallback xmlns="">
           <p:pic>
             <p:nvPicPr>
               <p:cNvPr id="4" name="Ink 3">
@@ -6225,8 +6271,8 @@
           </a:p>
         </p:txBody>
       </p:sp>
-      <mc:AlternateContent xmlns:mc="http://schemas.openxmlformats.org/markup-compatibility/2006">
-        <mc:Choice xmlns:p14="http://schemas.microsoft.com/office/powerpoint/2010/main" Requires="p14">
+      <mc:AlternateContent xmlns:mc="http://schemas.openxmlformats.org/markup-compatibility/2006" xmlns:p14="http://schemas.microsoft.com/office/powerpoint/2010/main">
+        <mc:Choice Requires="p14">
           <p:contentPart p14:bwMode="auto" r:id="rId2">
             <p14:nvContentPartPr>
               <p14:cNvPr id="4" name="Ink 3">
@@ -6245,7 +6291,7 @@
             </p14:xfrm>
           </p:contentPart>
         </mc:Choice>
-        <mc:Fallback>
+        <mc:Fallback xmlns="">
           <p:pic>
             <p:nvPicPr>
               <p:cNvPr id="4" name="Ink 3">
@@ -6268,6 +6314,57 @@
               <a:xfrm>
                 <a:off x="257400" y="242280"/>
                 <a:ext cx="7799040" cy="5878800"/>
+              </a:xfrm>
+              <a:prstGeom prst="rect">
+                <a:avLst/>
+              </a:prstGeom>
+            </p:spPr>
+          </p:pic>
+        </mc:Fallback>
+      </mc:AlternateContent>
+      <mc:AlternateContent xmlns:mc="http://schemas.openxmlformats.org/markup-compatibility/2006">
+        <mc:Choice xmlns:p14="http://schemas.microsoft.com/office/powerpoint/2010/main" Requires="p14">
+          <p:contentPart p14:bwMode="auto" r:id="rId4">
+            <p14:nvContentPartPr>
+              <p14:cNvPr id="5" name="Ink 4">
+                <a:extLst>
+                  <a:ext uri="{FF2B5EF4-FFF2-40B4-BE49-F238E27FC236}">
+                    <a16:creationId xmlns:a16="http://schemas.microsoft.com/office/drawing/2014/main" id="{25FE4585-D422-43CA-BB95-4253B9B186D2}"/>
+                  </a:ext>
+                </a:extLst>
+              </p14:cNvPr>
+              <p14:cNvContentPartPr/>
+              <p14:nvPr/>
+            </p14:nvContentPartPr>
+            <p14:xfrm>
+              <a:off x="1196280" y="754560"/>
+              <a:ext cx="6355440" cy="1105200"/>
+            </p14:xfrm>
+          </p:contentPart>
+        </mc:Choice>
+        <mc:Fallback>
+          <p:pic>
+            <p:nvPicPr>
+              <p:cNvPr id="5" name="Ink 4">
+                <a:extLst>
+                  <a:ext uri="{FF2B5EF4-FFF2-40B4-BE49-F238E27FC236}">
+                    <a16:creationId xmlns:a16="http://schemas.microsoft.com/office/drawing/2014/main" id="{25FE4585-D422-43CA-BB95-4253B9B186D2}"/>
+                  </a:ext>
+                </a:extLst>
+              </p:cNvPr>
+              <p:cNvPicPr/>
+              <p:nvPr/>
+            </p:nvPicPr>
+            <p:blipFill>
+              <a:blip r:embed="rId5"/>
+              <a:stretch>
+                <a:fillRect/>
+              </a:stretch>
+            </p:blipFill>
+            <p:spPr>
+              <a:xfrm>
+                <a:off x="1186920" y="745200"/>
+                <a:ext cx="6374160" cy="1123920"/>
               </a:xfrm>
               <a:prstGeom prst="rect">
                 <a:avLst/>
